--- a/slides/TP557_10_Datasets.pptx
+++ b/slides/TP557_10_Datasets.pptx
@@ -5,18 +5,34 @@
     <p:sldMasterId id="2147483648" r:id="rId1"/>
   </p:sldMasterIdLst>
   <p:notesMasterIdLst>
-    <p:notesMasterId r:id="rId8"/>
+    <p:notesMasterId r:id="rId24"/>
   </p:notesMasterIdLst>
   <p:handoutMasterIdLst>
-    <p:handoutMasterId r:id="rId9"/>
+    <p:handoutMasterId r:id="rId25"/>
   </p:handoutMasterIdLst>
   <p:sldIdLst>
     <p:sldId id="256" r:id="rId2"/>
     <p:sldId id="406" r:id="rId3"/>
-    <p:sldId id="426" r:id="rId4"/>
-    <p:sldId id="405" r:id="rId5"/>
-    <p:sldId id="293" r:id="rId6"/>
-    <p:sldId id="306" r:id="rId7"/>
+    <p:sldId id="427" r:id="rId4"/>
+    <p:sldId id="430" r:id="rId5"/>
+    <p:sldId id="431" r:id="rId6"/>
+    <p:sldId id="429" r:id="rId7"/>
+    <p:sldId id="432" r:id="rId8"/>
+    <p:sldId id="433" r:id="rId9"/>
+    <p:sldId id="442" r:id="rId10"/>
+    <p:sldId id="436" r:id="rId11"/>
+    <p:sldId id="440" r:id="rId12"/>
+    <p:sldId id="441" r:id="rId13"/>
+    <p:sldId id="443" r:id="rId14"/>
+    <p:sldId id="444" r:id="rId15"/>
+    <p:sldId id="445" r:id="rId16"/>
+    <p:sldId id="438" r:id="rId17"/>
+    <p:sldId id="434" r:id="rId18"/>
+    <p:sldId id="435" r:id="rId19"/>
+    <p:sldId id="426" r:id="rId20"/>
+    <p:sldId id="405" r:id="rId21"/>
+    <p:sldId id="293" r:id="rId22"/>
+    <p:sldId id="306" r:id="rId23"/>
   </p:sldIdLst>
   <p:sldSz cx="12192000" cy="6858000"/>
   <p:notesSz cx="7315200" cy="9601200"/>
@@ -280,7 +296,7 @@
           <a:p>
             <a:fld id="{144F1436-6906-4D93-B7A2-786C327BFA14}" type="datetimeFigureOut">
               <a:rPr lang="nl-BE" smtClean="0"/>
-              <a:t>21/08/2023</a:t>
+              <a:t>22/08/2023</a:t>
             </a:fld>
             <a:endParaRPr lang="nl-BE"/>
           </a:p>
@@ -445,7 +461,7 @@
           <a:p>
             <a:fld id="{AA8CD09E-2914-4F47-B6C1-51B2C31814C9}" type="datetimeFigureOut">
               <a:rPr lang="pt-BR" smtClean="0"/>
-              <a:t>21/08/2023</a:t>
+              <a:t>22/08/2023</a:t>
             </a:fld>
             <a:endParaRPr lang="pt-BR"/>
           </a:p>
@@ -924,55 +940,6 @@
           <a:bodyPr/>
           <a:lstStyle/>
           <a:p>
-            <a:pPr marL="0" marR="0" lvl="0" indent="0" algn="l" defTabSz="914400" rtl="0" eaLnBrk="1" fontAlgn="auto" latinLnBrk="0" hangingPunct="1">
-              <a:lnSpc>
-                <a:spcPct val="100000"/>
-              </a:lnSpc>
-              <a:spcBef>
-                <a:spcPts val="0"/>
-              </a:spcBef>
-              <a:spcAft>
-                <a:spcPts val="0"/>
-              </a:spcAft>
-              <a:buClrTx/>
-              <a:buSzTx/>
-              <a:buFontTx/>
-              <a:buNone/>
-              <a:tabLst/>
-              <a:defRPr/>
-            </a:pPr>
-            <a:r>
-              <a:rPr lang="pt-BR" dirty="0"/>
-              <a:t>https://colab.research.google.com/</a:t>
-            </a:r>
-            <a:r>
-              <a:rPr lang="pt-BR" dirty="0" err="1"/>
-              <a:t>github</a:t>
-            </a:r>
-            <a:r>
-              <a:rPr lang="pt-BR" dirty="0"/>
-              <a:t>/zz4fap/tp557-iot-ml/</a:t>
-            </a:r>
-            <a:r>
-              <a:rPr lang="pt-BR" dirty="0" err="1"/>
-              <a:t>blob</a:t>
-            </a:r>
-            <a:r>
-              <a:rPr lang="pt-BR" dirty="0"/>
-              <a:t>/master/</a:t>
-            </a:r>
-            <a:r>
-              <a:rPr lang="pt-BR" dirty="0" err="1"/>
-              <a:t>examples</a:t>
-            </a:r>
-            <a:r>
-              <a:rPr lang="pt-BR" dirty="0"/>
-              <a:t>/</a:t>
-            </a:r>
-            <a:r>
-              <a:rPr lang="pt-BR" dirty="0" err="1"/>
-              <a:t>Detecção_de_dígitos_escritos_à_mão.ipynb</a:t>
-            </a:r>
             <a:endParaRPr lang="pt-BR" dirty="0"/>
           </a:p>
         </p:txBody>
@@ -1003,7 +970,7 @@
     </p:spTree>
     <p:extLst>
       <p:ext uri="{BB962C8B-B14F-4D97-AF65-F5344CB8AC3E}">
-        <p14:creationId xmlns:p14="http://schemas.microsoft.com/office/powerpoint/2010/main" val="4213120806"/>
+        <p14:creationId xmlns:p14="http://schemas.microsoft.com/office/powerpoint/2010/main" val="1236508175"/>
       </p:ext>
     </p:extLst>
   </p:cSld>
@@ -1057,47 +1024,6 @@
           <a:bodyPr/>
           <a:lstStyle/>
           <a:p>
-            <a:r>
-              <a:rPr lang="pt-BR" dirty="0"/>
-              <a:t>https://colab.research.google.com/</a:t>
-            </a:r>
-            <a:r>
-              <a:rPr lang="pt-BR" dirty="0" err="1"/>
-              <a:t>github</a:t>
-            </a:r>
-            <a:r>
-              <a:rPr lang="pt-BR" dirty="0"/>
-              <a:t>/zz4fap/tp557-iot-ml/</a:t>
-            </a:r>
-            <a:r>
-              <a:rPr lang="pt-BR" dirty="0" err="1"/>
-              <a:t>blob</a:t>
-            </a:r>
-            <a:r>
-              <a:rPr lang="pt-BR" dirty="0"/>
-              <a:t>/master/</a:t>
-            </a:r>
-            <a:r>
-              <a:rPr lang="pt-BR" dirty="0" err="1"/>
-              <a:t>exercises</a:t>
-            </a:r>
-            <a:r>
-              <a:rPr lang="pt-BR" dirty="0"/>
-              <a:t>/</a:t>
-            </a:r>
-            <a:r>
-              <a:rPr lang="pt-BR" dirty="0" err="1"/>
-              <a:t>Exercício_detecção_de_peças_de_roupa.ipynb</a:t>
-            </a:r>
-            <a:endParaRPr lang="pt-BR" dirty="0"/>
-          </a:p>
-          <a:p>
-            <a:endParaRPr lang="pt-BR" dirty="0"/>
-          </a:p>
-          <a:p>
-            <a:endParaRPr lang="pt-BR" dirty="0"/>
-          </a:p>
-          <a:p>
             <a:endParaRPr lang="pt-BR" dirty="0"/>
           </a:p>
         </p:txBody>
@@ -1120,6 +1046,432 @@
             <a:fld id="{6FC8D850-966F-45A6-8DE7-15B891E7D40D}" type="slidenum">
               <a:rPr lang="pt-BR" smtClean="0"/>
               <a:t>4</a:t>
+            </a:fld>
+            <a:endParaRPr lang="pt-BR"/>
+          </a:p>
+        </p:txBody>
+      </p:sp>
+    </p:spTree>
+    <p:extLst>
+      <p:ext uri="{BB962C8B-B14F-4D97-AF65-F5344CB8AC3E}">
+        <p14:creationId xmlns:p14="http://schemas.microsoft.com/office/powerpoint/2010/main" val="2804919478"/>
+      </p:ext>
+    </p:extLst>
+  </p:cSld>
+  <p:clrMapOvr>
+    <a:masterClrMapping/>
+  </p:clrMapOvr>
+</p:notes>
+</file>
+
+<file path=ppt/notesSlides/notesSlide5.xml><?xml version="1.0" encoding="utf-8"?>
+<p:notes xmlns:a="http://schemas.openxmlformats.org/drawingml/2006/main" xmlns:r="http://schemas.openxmlformats.org/officeDocument/2006/relationships" xmlns:p="http://schemas.openxmlformats.org/presentationml/2006/main">
+  <p:cSld>
+    <p:spTree>
+      <p:nvGrpSpPr>
+        <p:cNvPr id="1" name=""/>
+        <p:cNvGrpSpPr/>
+        <p:nvPr/>
+      </p:nvGrpSpPr>
+      <p:grpSpPr>
+        <a:xfrm>
+          <a:off x="0" y="0"/>
+          <a:ext cx="0" cy="0"/>
+          <a:chOff x="0" y="0"/>
+          <a:chExt cx="0" cy="0"/>
+        </a:xfrm>
+      </p:grpSpPr>
+      <p:sp>
+        <p:nvSpPr>
+          <p:cNvPr id="2" name="Espaço Reservado para Imagem de Slide 1"/>
+          <p:cNvSpPr>
+            <a:spLocks noGrp="1" noRot="1" noChangeAspect="1"/>
+          </p:cNvSpPr>
+          <p:nvPr>
+            <p:ph type="sldImg"/>
+          </p:nvPr>
+        </p:nvSpPr>
+        <p:spPr/>
+      </p:sp>
+      <p:sp>
+        <p:nvSpPr>
+          <p:cNvPr id="3" name="Espaço Reservado para Anotações 2"/>
+          <p:cNvSpPr>
+            <a:spLocks noGrp="1"/>
+          </p:cNvSpPr>
+          <p:nvPr>
+            <p:ph type="body" idx="1"/>
+          </p:nvPr>
+        </p:nvSpPr>
+        <p:spPr/>
+        <p:txBody>
+          <a:bodyPr/>
+          <a:lstStyle/>
+          <a:p>
+            <a:endParaRPr lang="pt-BR" dirty="0"/>
+          </a:p>
+        </p:txBody>
+      </p:sp>
+      <p:sp>
+        <p:nvSpPr>
+          <p:cNvPr id="4" name="Espaço Reservado para Número de Slide 3"/>
+          <p:cNvSpPr>
+            <a:spLocks noGrp="1"/>
+          </p:cNvSpPr>
+          <p:nvPr>
+            <p:ph type="sldNum" sz="quarter" idx="5"/>
+          </p:nvPr>
+        </p:nvSpPr>
+        <p:spPr/>
+        <p:txBody>
+          <a:bodyPr/>
+          <a:lstStyle/>
+          <a:p>
+            <a:fld id="{6FC8D850-966F-45A6-8DE7-15B891E7D40D}" type="slidenum">
+              <a:rPr lang="pt-BR" smtClean="0"/>
+              <a:t>5</a:t>
+            </a:fld>
+            <a:endParaRPr lang="pt-BR"/>
+          </a:p>
+        </p:txBody>
+      </p:sp>
+    </p:spTree>
+    <p:extLst>
+      <p:ext uri="{BB962C8B-B14F-4D97-AF65-F5344CB8AC3E}">
+        <p14:creationId xmlns:p14="http://schemas.microsoft.com/office/powerpoint/2010/main" val="2229368818"/>
+      </p:ext>
+    </p:extLst>
+  </p:cSld>
+  <p:clrMapOvr>
+    <a:masterClrMapping/>
+  </p:clrMapOvr>
+</p:notes>
+</file>
+
+<file path=ppt/notesSlides/notesSlide6.xml><?xml version="1.0" encoding="utf-8"?>
+<p:notes xmlns:a="http://schemas.openxmlformats.org/drawingml/2006/main" xmlns:r="http://schemas.openxmlformats.org/officeDocument/2006/relationships" xmlns:p="http://schemas.openxmlformats.org/presentationml/2006/main">
+  <p:cSld>
+    <p:spTree>
+      <p:nvGrpSpPr>
+        <p:cNvPr id="1" name=""/>
+        <p:cNvGrpSpPr/>
+        <p:nvPr/>
+      </p:nvGrpSpPr>
+      <p:grpSpPr>
+        <a:xfrm>
+          <a:off x="0" y="0"/>
+          <a:ext cx="0" cy="0"/>
+          <a:chOff x="0" y="0"/>
+          <a:chExt cx="0" cy="0"/>
+        </a:xfrm>
+      </p:grpSpPr>
+      <p:sp>
+        <p:nvSpPr>
+          <p:cNvPr id="2" name="Espaço Reservado para Imagem de Slide 1"/>
+          <p:cNvSpPr>
+            <a:spLocks noGrp="1" noRot="1" noChangeAspect="1"/>
+          </p:cNvSpPr>
+          <p:nvPr>
+            <p:ph type="sldImg"/>
+          </p:nvPr>
+        </p:nvSpPr>
+        <p:spPr/>
+      </p:sp>
+      <p:sp>
+        <p:nvSpPr>
+          <p:cNvPr id="3" name="Espaço Reservado para Anotações 2"/>
+          <p:cNvSpPr>
+            <a:spLocks noGrp="1"/>
+          </p:cNvSpPr>
+          <p:nvPr>
+            <p:ph type="body" idx="1"/>
+          </p:nvPr>
+        </p:nvSpPr>
+        <p:spPr/>
+        <p:txBody>
+          <a:bodyPr/>
+          <a:lstStyle/>
+          <a:p>
+            <a:endParaRPr lang="pt-BR" dirty="0"/>
+          </a:p>
+        </p:txBody>
+      </p:sp>
+      <p:sp>
+        <p:nvSpPr>
+          <p:cNvPr id="4" name="Espaço Reservado para Número de Slide 3"/>
+          <p:cNvSpPr>
+            <a:spLocks noGrp="1"/>
+          </p:cNvSpPr>
+          <p:nvPr>
+            <p:ph type="sldNum" sz="quarter" idx="5"/>
+          </p:nvPr>
+        </p:nvSpPr>
+        <p:spPr/>
+        <p:txBody>
+          <a:bodyPr/>
+          <a:lstStyle/>
+          <a:p>
+            <a:fld id="{6FC8D850-966F-45A6-8DE7-15B891E7D40D}" type="slidenum">
+              <a:rPr lang="pt-BR" smtClean="0"/>
+              <a:t>6</a:t>
+            </a:fld>
+            <a:endParaRPr lang="pt-BR"/>
+          </a:p>
+        </p:txBody>
+      </p:sp>
+    </p:spTree>
+    <p:extLst>
+      <p:ext uri="{BB962C8B-B14F-4D97-AF65-F5344CB8AC3E}">
+        <p14:creationId xmlns:p14="http://schemas.microsoft.com/office/powerpoint/2010/main" val="2225795179"/>
+      </p:ext>
+    </p:extLst>
+  </p:cSld>
+  <p:clrMapOvr>
+    <a:masterClrMapping/>
+  </p:clrMapOvr>
+</p:notes>
+</file>
+
+<file path=ppt/notesSlides/notesSlide7.xml><?xml version="1.0" encoding="utf-8"?>
+<p:notes xmlns:a="http://schemas.openxmlformats.org/drawingml/2006/main" xmlns:r="http://schemas.openxmlformats.org/officeDocument/2006/relationships" xmlns:p="http://schemas.openxmlformats.org/presentationml/2006/main">
+  <p:cSld>
+    <p:spTree>
+      <p:nvGrpSpPr>
+        <p:cNvPr id="1" name=""/>
+        <p:cNvGrpSpPr/>
+        <p:nvPr/>
+      </p:nvGrpSpPr>
+      <p:grpSpPr>
+        <a:xfrm>
+          <a:off x="0" y="0"/>
+          <a:ext cx="0" cy="0"/>
+          <a:chOff x="0" y="0"/>
+          <a:chExt cx="0" cy="0"/>
+        </a:xfrm>
+      </p:grpSpPr>
+      <p:sp>
+        <p:nvSpPr>
+          <p:cNvPr id="2" name="Espaço Reservado para Imagem de Slide 1"/>
+          <p:cNvSpPr>
+            <a:spLocks noGrp="1" noRot="1" noChangeAspect="1"/>
+          </p:cNvSpPr>
+          <p:nvPr>
+            <p:ph type="sldImg"/>
+          </p:nvPr>
+        </p:nvSpPr>
+        <p:spPr/>
+      </p:sp>
+      <p:sp>
+        <p:nvSpPr>
+          <p:cNvPr id="3" name="Espaço Reservado para Anotações 2"/>
+          <p:cNvSpPr>
+            <a:spLocks noGrp="1"/>
+          </p:cNvSpPr>
+          <p:nvPr>
+            <p:ph type="body" idx="1"/>
+          </p:nvPr>
+        </p:nvSpPr>
+        <p:spPr/>
+        <p:txBody>
+          <a:bodyPr/>
+          <a:lstStyle/>
+          <a:p>
+            <a:pPr marL="0" marR="0" lvl="0" indent="0" algn="l" defTabSz="914400" rtl="0" eaLnBrk="1" fontAlgn="auto" latinLnBrk="0" hangingPunct="1">
+              <a:lnSpc>
+                <a:spcPct val="100000"/>
+              </a:lnSpc>
+              <a:spcBef>
+                <a:spcPts val="0"/>
+              </a:spcBef>
+              <a:spcAft>
+                <a:spcPts val="0"/>
+              </a:spcAft>
+              <a:buClrTx/>
+              <a:buSzTx/>
+              <a:buFontTx/>
+              <a:buNone/>
+              <a:tabLst/>
+              <a:defRPr/>
+            </a:pPr>
+            <a:r>
+              <a:rPr lang="pt-BR" dirty="0"/>
+              <a:t>https://colab.research.google.com/</a:t>
+            </a:r>
+            <a:r>
+              <a:rPr lang="pt-BR" dirty="0" err="1"/>
+              <a:t>github</a:t>
+            </a:r>
+            <a:r>
+              <a:rPr lang="pt-BR" dirty="0"/>
+              <a:t>/zz4fap/tp557-iot-ml/</a:t>
+            </a:r>
+            <a:r>
+              <a:rPr lang="pt-BR" dirty="0" err="1"/>
+              <a:t>blob</a:t>
+            </a:r>
+            <a:r>
+              <a:rPr lang="pt-BR" dirty="0"/>
+              <a:t>/master/</a:t>
+            </a:r>
+            <a:r>
+              <a:rPr lang="pt-BR" dirty="0" err="1"/>
+              <a:t>examples</a:t>
+            </a:r>
+            <a:r>
+              <a:rPr lang="pt-BR" dirty="0"/>
+              <a:t>/</a:t>
+            </a:r>
+            <a:r>
+              <a:rPr lang="pt-BR" dirty="0" err="1"/>
+              <a:t>Detecção_de_dígitos_escritos_à_mão.ipynb</a:t>
+            </a:r>
+            <a:endParaRPr lang="pt-BR" dirty="0"/>
+          </a:p>
+        </p:txBody>
+      </p:sp>
+      <p:sp>
+        <p:nvSpPr>
+          <p:cNvPr id="4" name="Espaço Reservado para Número de Slide 3"/>
+          <p:cNvSpPr>
+            <a:spLocks noGrp="1"/>
+          </p:cNvSpPr>
+          <p:nvPr>
+            <p:ph type="sldNum" sz="quarter" idx="5"/>
+          </p:nvPr>
+        </p:nvSpPr>
+        <p:spPr/>
+        <p:txBody>
+          <a:bodyPr/>
+          <a:lstStyle/>
+          <a:p>
+            <a:fld id="{6FC8D850-966F-45A6-8DE7-15B891E7D40D}" type="slidenum">
+              <a:rPr lang="pt-BR" smtClean="0"/>
+              <a:t>19</a:t>
+            </a:fld>
+            <a:endParaRPr lang="pt-BR"/>
+          </a:p>
+        </p:txBody>
+      </p:sp>
+    </p:spTree>
+    <p:extLst>
+      <p:ext uri="{BB962C8B-B14F-4D97-AF65-F5344CB8AC3E}">
+        <p14:creationId xmlns:p14="http://schemas.microsoft.com/office/powerpoint/2010/main" val="4213120806"/>
+      </p:ext>
+    </p:extLst>
+  </p:cSld>
+  <p:clrMapOvr>
+    <a:masterClrMapping/>
+  </p:clrMapOvr>
+</p:notes>
+</file>
+
+<file path=ppt/notesSlides/notesSlide8.xml><?xml version="1.0" encoding="utf-8"?>
+<p:notes xmlns:a="http://schemas.openxmlformats.org/drawingml/2006/main" xmlns:r="http://schemas.openxmlformats.org/officeDocument/2006/relationships" xmlns:p="http://schemas.openxmlformats.org/presentationml/2006/main">
+  <p:cSld>
+    <p:spTree>
+      <p:nvGrpSpPr>
+        <p:cNvPr id="1" name=""/>
+        <p:cNvGrpSpPr/>
+        <p:nvPr/>
+      </p:nvGrpSpPr>
+      <p:grpSpPr>
+        <a:xfrm>
+          <a:off x="0" y="0"/>
+          <a:ext cx="0" cy="0"/>
+          <a:chOff x="0" y="0"/>
+          <a:chExt cx="0" cy="0"/>
+        </a:xfrm>
+      </p:grpSpPr>
+      <p:sp>
+        <p:nvSpPr>
+          <p:cNvPr id="2" name="Espaço Reservado para Imagem de Slide 1"/>
+          <p:cNvSpPr>
+            <a:spLocks noGrp="1" noRot="1" noChangeAspect="1"/>
+          </p:cNvSpPr>
+          <p:nvPr>
+            <p:ph type="sldImg"/>
+          </p:nvPr>
+        </p:nvSpPr>
+        <p:spPr/>
+      </p:sp>
+      <p:sp>
+        <p:nvSpPr>
+          <p:cNvPr id="3" name="Espaço Reservado para Anotações 2"/>
+          <p:cNvSpPr>
+            <a:spLocks noGrp="1"/>
+          </p:cNvSpPr>
+          <p:nvPr>
+            <p:ph type="body" idx="1"/>
+          </p:nvPr>
+        </p:nvSpPr>
+        <p:spPr/>
+        <p:txBody>
+          <a:bodyPr/>
+          <a:lstStyle/>
+          <a:p>
+            <a:r>
+              <a:rPr lang="pt-BR" dirty="0"/>
+              <a:t>https://colab.research.google.com/</a:t>
+            </a:r>
+            <a:r>
+              <a:rPr lang="pt-BR" dirty="0" err="1"/>
+              <a:t>github</a:t>
+            </a:r>
+            <a:r>
+              <a:rPr lang="pt-BR" dirty="0"/>
+              <a:t>/zz4fap/tp557-iot-ml/</a:t>
+            </a:r>
+            <a:r>
+              <a:rPr lang="pt-BR" dirty="0" err="1"/>
+              <a:t>blob</a:t>
+            </a:r>
+            <a:r>
+              <a:rPr lang="pt-BR" dirty="0"/>
+              <a:t>/master/</a:t>
+            </a:r>
+            <a:r>
+              <a:rPr lang="pt-BR" dirty="0" err="1"/>
+              <a:t>exercises</a:t>
+            </a:r>
+            <a:r>
+              <a:rPr lang="pt-BR" dirty="0"/>
+              <a:t>/</a:t>
+            </a:r>
+            <a:r>
+              <a:rPr lang="pt-BR" dirty="0" err="1"/>
+              <a:t>Exercício_detecção_de_peças_de_roupa.ipynb</a:t>
+            </a:r>
+            <a:endParaRPr lang="pt-BR" dirty="0"/>
+          </a:p>
+          <a:p>
+            <a:endParaRPr lang="pt-BR" dirty="0"/>
+          </a:p>
+          <a:p>
+            <a:endParaRPr lang="pt-BR" dirty="0"/>
+          </a:p>
+          <a:p>
+            <a:endParaRPr lang="pt-BR" dirty="0"/>
+          </a:p>
+        </p:txBody>
+      </p:sp>
+      <p:sp>
+        <p:nvSpPr>
+          <p:cNvPr id="4" name="Espaço Reservado para Número de Slide 3"/>
+          <p:cNvSpPr>
+            <a:spLocks noGrp="1"/>
+          </p:cNvSpPr>
+          <p:nvPr>
+            <p:ph type="sldNum" sz="quarter" idx="5"/>
+          </p:nvPr>
+        </p:nvSpPr>
+        <p:spPr/>
+        <p:txBody>
+          <a:bodyPr/>
+          <a:lstStyle/>
+          <a:p>
+            <a:fld id="{6FC8D850-966F-45A6-8DE7-15B891E7D40D}" type="slidenum">
+              <a:rPr lang="pt-BR" smtClean="0"/>
+              <a:t>20</a:t>
             </a:fld>
             <a:endParaRPr lang="pt-BR"/>
           </a:p>
@@ -1285,7 +1637,7 @@
           <a:p>
             <a:fld id="{63289F7E-B80B-496E-81B4-D396C37C9454}" type="datetimeFigureOut">
               <a:rPr lang="pt-BR" smtClean="0"/>
-              <a:t>21/08/2023</a:t>
+              <a:t>22/08/2023</a:t>
             </a:fld>
             <a:endParaRPr lang="pt-BR"/>
           </a:p>
@@ -1483,7 +1835,7 @@
           <a:p>
             <a:fld id="{63289F7E-B80B-496E-81B4-D396C37C9454}" type="datetimeFigureOut">
               <a:rPr lang="pt-BR" smtClean="0"/>
-              <a:t>21/08/2023</a:t>
+              <a:t>22/08/2023</a:t>
             </a:fld>
             <a:endParaRPr lang="pt-BR"/>
           </a:p>
@@ -1691,7 +2043,7 @@
           <a:p>
             <a:fld id="{63289F7E-B80B-496E-81B4-D396C37C9454}" type="datetimeFigureOut">
               <a:rPr lang="pt-BR" smtClean="0"/>
-              <a:t>21/08/2023</a:t>
+              <a:t>22/08/2023</a:t>
             </a:fld>
             <a:endParaRPr lang="pt-BR"/>
           </a:p>
@@ -1889,7 +2241,7 @@
           <a:p>
             <a:fld id="{63289F7E-B80B-496E-81B4-D396C37C9454}" type="datetimeFigureOut">
               <a:rPr lang="pt-BR" smtClean="0"/>
-              <a:t>21/08/2023</a:t>
+              <a:t>22/08/2023</a:t>
             </a:fld>
             <a:endParaRPr lang="pt-BR"/>
           </a:p>
@@ -2164,7 +2516,7 @@
           <a:p>
             <a:fld id="{63289F7E-B80B-496E-81B4-D396C37C9454}" type="datetimeFigureOut">
               <a:rPr lang="pt-BR" smtClean="0"/>
-              <a:t>21/08/2023</a:t>
+              <a:t>22/08/2023</a:t>
             </a:fld>
             <a:endParaRPr lang="pt-BR"/>
           </a:p>
@@ -2429,7 +2781,7 @@
           <a:p>
             <a:fld id="{63289F7E-B80B-496E-81B4-D396C37C9454}" type="datetimeFigureOut">
               <a:rPr lang="pt-BR" smtClean="0"/>
-              <a:t>21/08/2023</a:t>
+              <a:t>22/08/2023</a:t>
             </a:fld>
             <a:endParaRPr lang="pt-BR"/>
           </a:p>
@@ -2841,7 +3193,7 @@
           <a:p>
             <a:fld id="{63289F7E-B80B-496E-81B4-D396C37C9454}" type="datetimeFigureOut">
               <a:rPr lang="pt-BR" smtClean="0"/>
-              <a:t>21/08/2023</a:t>
+              <a:t>22/08/2023</a:t>
             </a:fld>
             <a:endParaRPr lang="pt-BR"/>
           </a:p>
@@ -2982,7 +3334,7 @@
           <a:p>
             <a:fld id="{63289F7E-B80B-496E-81B4-D396C37C9454}" type="datetimeFigureOut">
               <a:rPr lang="pt-BR" smtClean="0"/>
-              <a:t>21/08/2023</a:t>
+              <a:t>22/08/2023</a:t>
             </a:fld>
             <a:endParaRPr lang="pt-BR"/>
           </a:p>
@@ -3095,7 +3447,7 @@
           <a:p>
             <a:fld id="{63289F7E-B80B-496E-81B4-D396C37C9454}" type="datetimeFigureOut">
               <a:rPr lang="pt-BR" smtClean="0"/>
-              <a:t>21/08/2023</a:t>
+              <a:t>22/08/2023</a:t>
             </a:fld>
             <a:endParaRPr lang="pt-BR"/>
           </a:p>
@@ -3406,7 +3758,7 @@
           <a:p>
             <a:fld id="{63289F7E-B80B-496E-81B4-D396C37C9454}" type="datetimeFigureOut">
               <a:rPr lang="pt-BR" smtClean="0"/>
-              <a:t>21/08/2023</a:t>
+              <a:t>22/08/2023</a:t>
             </a:fld>
             <a:endParaRPr lang="pt-BR"/>
           </a:p>
@@ -3694,7 +4046,7 @@
           <a:p>
             <a:fld id="{63289F7E-B80B-496E-81B4-D396C37C9454}" type="datetimeFigureOut">
               <a:rPr lang="pt-BR" smtClean="0"/>
-              <a:t>21/08/2023</a:t>
+              <a:t>22/08/2023</a:t>
             </a:fld>
             <a:endParaRPr lang="pt-BR"/>
           </a:p>
@@ -3935,7 +4287,7 @@
           <a:p>
             <a:fld id="{63289F7E-B80B-496E-81B4-D396C37C9454}" type="datetimeFigureOut">
               <a:rPr lang="pt-BR" smtClean="0"/>
-              <a:t>21/08/2023</a:t>
+              <a:t>22/08/2023</a:t>
             </a:fld>
             <a:endParaRPr lang="pt-BR"/>
           </a:p>
@@ -4592,6 +4944,3530 @@
 </p:sld>
 </file>
 
+<file path=ppt/slides/slide10.xml><?xml version="1.0" encoding="utf-8"?>
+<p:sld xmlns:a="http://schemas.openxmlformats.org/drawingml/2006/main" xmlns:r="http://schemas.openxmlformats.org/officeDocument/2006/relationships" xmlns:p="http://schemas.openxmlformats.org/presentationml/2006/main">
+  <p:cSld>
+    <p:spTree>
+      <p:nvGrpSpPr>
+        <p:cNvPr id="1" name=""/>
+        <p:cNvGrpSpPr/>
+        <p:nvPr/>
+      </p:nvGrpSpPr>
+      <p:grpSpPr>
+        <a:xfrm>
+          <a:off x="0" y="0"/>
+          <a:ext cx="0" cy="0"/>
+          <a:chOff x="0" y="0"/>
+          <a:chExt cx="0" cy="0"/>
+        </a:xfrm>
+      </p:grpSpPr>
+      <p:sp>
+        <p:nvSpPr>
+          <p:cNvPr id="2" name="Título 1">
+            <a:extLst>
+              <a:ext uri="{FF2B5EF4-FFF2-40B4-BE49-F238E27FC236}">
+                <a16:creationId xmlns:a16="http://schemas.microsoft.com/office/drawing/2014/main" id="{DF5079C6-CB84-CFE9-43C7-0B30FA68EF86}"/>
+              </a:ext>
+            </a:extLst>
+          </p:cNvPr>
+          <p:cNvSpPr>
+            <a:spLocks noGrp="1"/>
+          </p:cNvSpPr>
+          <p:nvPr>
+            <p:ph type="title"/>
+          </p:nvPr>
+        </p:nvSpPr>
+        <p:spPr/>
+        <p:txBody>
+          <a:bodyPr/>
+          <a:lstStyle/>
+          <a:p>
+            <a:r>
+              <a:rPr lang="pt-BR" dirty="0"/>
+              <a:t>Subajuste e sobreajuste</a:t>
+            </a:r>
+          </a:p>
+        </p:txBody>
+      </p:sp>
+      <p:sp>
+        <p:nvSpPr>
+          <p:cNvPr id="3" name="Espaço Reservado para Conteúdo 2">
+            <a:extLst>
+              <a:ext uri="{FF2B5EF4-FFF2-40B4-BE49-F238E27FC236}">
+                <a16:creationId xmlns:a16="http://schemas.microsoft.com/office/drawing/2014/main" id="{00D9AD81-A061-C4A9-2251-C539F0790014}"/>
+              </a:ext>
+            </a:extLst>
+          </p:cNvPr>
+          <p:cNvSpPr>
+            <a:spLocks noGrp="1"/>
+          </p:cNvSpPr>
+          <p:nvPr>
+            <p:ph idx="1"/>
+          </p:nvPr>
+        </p:nvSpPr>
+        <p:spPr>
+          <a:xfrm>
+            <a:off x="838200" y="5090852"/>
+            <a:ext cx="11216148" cy="1767147"/>
+          </a:xfrm>
+        </p:spPr>
+        <p:txBody>
+          <a:bodyPr>
+            <a:normAutofit fontScale="92500"/>
+          </a:bodyPr>
+          <a:lstStyle/>
+          <a:p>
+            <a:r>
+              <a:rPr lang="pt-BR" dirty="0"/>
+              <a:t>O </a:t>
+            </a:r>
+            <a:r>
+              <a:rPr lang="pt-BR" b="1" i="1" dirty="0">
+                <a:solidFill>
+                  <a:srgbClr val="FF0000"/>
+                </a:solidFill>
+              </a:rPr>
+              <a:t>subajuste</a:t>
+            </a:r>
+            <a:r>
+              <a:rPr lang="pt-BR" dirty="0"/>
+              <a:t> </a:t>
+            </a:r>
+            <a:r>
+              <a:rPr lang="pt-BR" b="0" i="0" dirty="0">
+                <a:effectLst/>
+              </a:rPr>
+              <a:t>ocorre quando um modelo não é capaz de capturar adequadamente os relações e padrões presentes nos dados de treinamento.</a:t>
+            </a:r>
+          </a:p>
+          <a:p>
+            <a:pPr lvl="1">
+              <a:buFont typeface="Wingdings" panose="05000000000000000000" pitchFamily="2" charset="2"/>
+              <a:buChar char="§"/>
+            </a:pPr>
+            <a:r>
+              <a:rPr lang="pt-BR" b="0" i="0" dirty="0">
+                <a:effectLst/>
+              </a:rPr>
+              <a:t>Em outras palavras, o </a:t>
+            </a:r>
+            <a:r>
+              <a:rPr lang="pt-BR" b="1" i="1" dirty="0">
+                <a:solidFill>
+                  <a:srgbClr val="FF0000"/>
+                </a:solidFill>
+                <a:effectLst/>
+              </a:rPr>
+              <a:t>modelo é muito simples </a:t>
+            </a:r>
+            <a:r>
+              <a:rPr lang="pt-BR" b="0" i="0" dirty="0">
+                <a:effectLst/>
+              </a:rPr>
+              <a:t>para representar a complexidade dos dados.</a:t>
+            </a:r>
+          </a:p>
+          <a:p>
+            <a:r>
+              <a:rPr lang="pt-BR" dirty="0"/>
+              <a:t>O modelo apresenta erro no conjunto de treinamento muito alto.</a:t>
+            </a:r>
+          </a:p>
+        </p:txBody>
+      </p:sp>
+      <p:pic>
+        <p:nvPicPr>
+          <p:cNvPr id="7170" name="Picture 2">
+            <a:extLst>
+              <a:ext uri="{FF2B5EF4-FFF2-40B4-BE49-F238E27FC236}">
+                <a16:creationId xmlns:a16="http://schemas.microsoft.com/office/drawing/2014/main" id="{1892C83B-01FF-5BDF-4F58-41B311222FA0}"/>
+              </a:ext>
+            </a:extLst>
+          </p:cNvPr>
+          <p:cNvPicPr>
+            <a:picLocks noChangeAspect="1" noChangeArrowheads="1"/>
+          </p:cNvPicPr>
+          <p:nvPr/>
+        </p:nvPicPr>
+        <p:blipFill rotWithShape="1">
+          <a:blip r:embed="rId2">
+            <a:extLst>
+              <a:ext uri="{28A0092B-C50C-407E-A947-70E740481C1C}">
+                <a14:useLocalDpi xmlns:a14="http://schemas.microsoft.com/office/drawing/2010/main" val="0"/>
+              </a:ext>
+            </a:extLst>
+          </a:blip>
+          <a:srcRect l="8199" t="18914" r="71063" b="27303"/>
+          <a:stretch/>
+        </p:blipFill>
+        <p:spPr bwMode="auto">
+          <a:xfrm>
+            <a:off x="2352675" y="1654290"/>
+            <a:ext cx="2355748" cy="3482064"/>
+          </a:xfrm>
+          <a:prstGeom prst="rect">
+            <a:avLst/>
+          </a:prstGeom>
+          <a:noFill/>
+          <a:extLst>
+            <a:ext uri="{909E8E84-426E-40DD-AFC4-6F175D3DCCD1}">
+              <a14:hiddenFill xmlns:a14="http://schemas.microsoft.com/office/drawing/2010/main">
+                <a:solidFill>
+                  <a:srgbClr val="FFFFFF"/>
+                </a:solidFill>
+              </a14:hiddenFill>
+            </a:ext>
+          </a:extLst>
+        </p:spPr>
+      </p:pic>
+      <p:sp>
+        <p:nvSpPr>
+          <p:cNvPr id="4" name="CaixaDeTexto 3">
+            <a:extLst>
+              <a:ext uri="{FF2B5EF4-FFF2-40B4-BE49-F238E27FC236}">
+                <a16:creationId xmlns:a16="http://schemas.microsoft.com/office/drawing/2014/main" id="{2D4157CD-EC99-C673-5888-FB8C3E89B649}"/>
+              </a:ext>
+            </a:extLst>
+          </p:cNvPr>
+          <p:cNvSpPr txBox="1"/>
+          <p:nvPr/>
+        </p:nvSpPr>
+        <p:spPr>
+          <a:xfrm>
+            <a:off x="2633814" y="1374003"/>
+            <a:ext cx="1858297" cy="369332"/>
+          </a:xfrm>
+          <a:prstGeom prst="rect">
+            <a:avLst/>
+          </a:prstGeom>
+          <a:noFill/>
+        </p:spPr>
+        <p:txBody>
+          <a:bodyPr wrap="square" rtlCol="0">
+            <a:spAutoFit/>
+          </a:bodyPr>
+          <a:lstStyle/>
+          <a:p>
+            <a:pPr algn="ctr"/>
+            <a:r>
+              <a:rPr lang="pt-BR" b="1" dirty="0"/>
+              <a:t>subajuste</a:t>
+            </a:r>
+          </a:p>
+        </p:txBody>
+      </p:sp>
+      <p:sp>
+        <p:nvSpPr>
+          <p:cNvPr id="5" name="CaixaDeTexto 4">
+            <a:extLst>
+              <a:ext uri="{FF2B5EF4-FFF2-40B4-BE49-F238E27FC236}">
+                <a16:creationId xmlns:a16="http://schemas.microsoft.com/office/drawing/2014/main" id="{71253339-1DEB-89C1-8C0E-7E916415966F}"/>
+              </a:ext>
+            </a:extLst>
+          </p:cNvPr>
+          <p:cNvSpPr txBox="1"/>
+          <p:nvPr/>
+        </p:nvSpPr>
+        <p:spPr>
+          <a:xfrm>
+            <a:off x="7876686" y="1397816"/>
+            <a:ext cx="1858297" cy="369332"/>
+          </a:xfrm>
+          <a:prstGeom prst="rect">
+            <a:avLst/>
+          </a:prstGeom>
+          <a:noFill/>
+        </p:spPr>
+        <p:txBody>
+          <a:bodyPr wrap="square" rtlCol="0">
+            <a:spAutoFit/>
+          </a:bodyPr>
+          <a:lstStyle/>
+          <a:p>
+            <a:pPr algn="ctr"/>
+            <a:r>
+              <a:rPr lang="pt-BR" b="1" dirty="0"/>
+              <a:t>sobreajuste</a:t>
+            </a:r>
+          </a:p>
+        </p:txBody>
+      </p:sp>
+      <p:sp>
+        <p:nvSpPr>
+          <p:cNvPr id="6" name="CaixaDeTexto 5">
+            <a:extLst>
+              <a:ext uri="{FF2B5EF4-FFF2-40B4-BE49-F238E27FC236}">
+                <a16:creationId xmlns:a16="http://schemas.microsoft.com/office/drawing/2014/main" id="{AAA323F9-8E5C-2ED7-7474-00EAC3A9B445}"/>
+              </a:ext>
+            </a:extLst>
+          </p:cNvPr>
+          <p:cNvSpPr txBox="1"/>
+          <p:nvPr/>
+        </p:nvSpPr>
+        <p:spPr>
+          <a:xfrm>
+            <a:off x="5040284" y="1372931"/>
+            <a:ext cx="2231923" cy="369332"/>
+          </a:xfrm>
+          <a:prstGeom prst="rect">
+            <a:avLst/>
+          </a:prstGeom>
+          <a:noFill/>
+        </p:spPr>
+        <p:txBody>
+          <a:bodyPr wrap="square" rtlCol="0">
+            <a:spAutoFit/>
+          </a:bodyPr>
+          <a:lstStyle/>
+          <a:p>
+            <a:pPr algn="ctr"/>
+            <a:r>
+              <a:rPr lang="pt-BR" b="1" dirty="0"/>
+              <a:t>ajuste apropriado</a:t>
+            </a:r>
+          </a:p>
+        </p:txBody>
+      </p:sp>
+      <p:sp>
+        <p:nvSpPr>
+          <p:cNvPr id="7" name="CaixaDeTexto 6">
+            <a:extLst>
+              <a:ext uri="{FF2B5EF4-FFF2-40B4-BE49-F238E27FC236}">
+                <a16:creationId xmlns:a16="http://schemas.microsoft.com/office/drawing/2014/main" id="{42279F6B-8E44-6328-821B-2B13EEE2036B}"/>
+              </a:ext>
+            </a:extLst>
+          </p:cNvPr>
+          <p:cNvSpPr txBox="1"/>
+          <p:nvPr/>
+        </p:nvSpPr>
+        <p:spPr>
+          <a:xfrm>
+            <a:off x="1233450" y="2194489"/>
+            <a:ext cx="1238865" cy="369332"/>
+          </a:xfrm>
+          <a:prstGeom prst="rect">
+            <a:avLst/>
+          </a:prstGeom>
+          <a:noFill/>
+        </p:spPr>
+        <p:txBody>
+          <a:bodyPr wrap="square" rtlCol="0">
+            <a:spAutoFit/>
+          </a:bodyPr>
+          <a:lstStyle/>
+          <a:p>
+            <a:r>
+              <a:rPr lang="pt-BR" b="1" dirty="0"/>
+              <a:t>Regressão</a:t>
+            </a:r>
+          </a:p>
+        </p:txBody>
+      </p:sp>
+      <p:sp>
+        <p:nvSpPr>
+          <p:cNvPr id="8" name="CaixaDeTexto 7">
+            <a:extLst>
+              <a:ext uri="{FF2B5EF4-FFF2-40B4-BE49-F238E27FC236}">
+                <a16:creationId xmlns:a16="http://schemas.microsoft.com/office/drawing/2014/main" id="{01E6D656-857C-E1E7-B118-2232A5B3C12A}"/>
+              </a:ext>
+            </a:extLst>
+          </p:cNvPr>
+          <p:cNvSpPr txBox="1"/>
+          <p:nvPr/>
+        </p:nvSpPr>
+        <p:spPr>
+          <a:xfrm>
+            <a:off x="1124066" y="3962590"/>
+            <a:ext cx="1457632" cy="369332"/>
+          </a:xfrm>
+          <a:prstGeom prst="rect">
+            <a:avLst/>
+          </a:prstGeom>
+          <a:noFill/>
+        </p:spPr>
+        <p:txBody>
+          <a:bodyPr wrap="square" rtlCol="0">
+            <a:spAutoFit/>
+          </a:bodyPr>
+          <a:lstStyle/>
+          <a:p>
+            <a:r>
+              <a:rPr lang="pt-BR" b="1" dirty="0"/>
+              <a:t>Classificação</a:t>
+            </a:r>
+          </a:p>
+        </p:txBody>
+      </p:sp>
+      <p:pic>
+        <p:nvPicPr>
+          <p:cNvPr id="9" name="Picture 2">
+            <a:extLst>
+              <a:ext uri="{FF2B5EF4-FFF2-40B4-BE49-F238E27FC236}">
+                <a16:creationId xmlns:a16="http://schemas.microsoft.com/office/drawing/2014/main" id="{18114226-93F9-BEA2-8207-47B386FC6099}"/>
+              </a:ext>
+            </a:extLst>
+          </p:cNvPr>
+          <p:cNvPicPr>
+            <a:picLocks noChangeAspect="1" noChangeArrowheads="1"/>
+          </p:cNvPicPr>
+          <p:nvPr/>
+        </p:nvPicPr>
+        <p:blipFill rotWithShape="1">
+          <a:blip r:embed="rId2">
+            <a:extLst>
+              <a:ext uri="{28A0092B-C50C-407E-A947-70E740481C1C}">
+                <a14:useLocalDpi xmlns:a14="http://schemas.microsoft.com/office/drawing/2010/main" val="0"/>
+              </a:ext>
+            </a:extLst>
+          </a:blip>
+          <a:srcRect l="38345" t="19278" r="40638" b="27303"/>
+          <a:stretch/>
+        </p:blipFill>
+        <p:spPr bwMode="auto">
+          <a:xfrm>
+            <a:off x="4991619" y="1666669"/>
+            <a:ext cx="2387600" cy="3458460"/>
+          </a:xfrm>
+          <a:prstGeom prst="rect">
+            <a:avLst/>
+          </a:prstGeom>
+          <a:noFill/>
+          <a:extLst>
+            <a:ext uri="{909E8E84-426E-40DD-AFC4-6F175D3DCCD1}">
+              <a14:hiddenFill xmlns:a14="http://schemas.microsoft.com/office/drawing/2010/main">
+                <a:solidFill>
+                  <a:srgbClr val="FFFFFF"/>
+                </a:solidFill>
+              </a14:hiddenFill>
+            </a:ext>
+          </a:extLst>
+        </p:spPr>
+      </p:pic>
+      <p:pic>
+        <p:nvPicPr>
+          <p:cNvPr id="10" name="Picture 2">
+            <a:extLst>
+              <a:ext uri="{FF2B5EF4-FFF2-40B4-BE49-F238E27FC236}">
+                <a16:creationId xmlns:a16="http://schemas.microsoft.com/office/drawing/2014/main" id="{5DE423C0-8EE4-15A7-2DEA-C42F713C06E7}"/>
+              </a:ext>
+            </a:extLst>
+          </p:cNvPr>
+          <p:cNvPicPr>
+            <a:picLocks noChangeAspect="1" noChangeArrowheads="1"/>
+          </p:cNvPicPr>
+          <p:nvPr/>
+        </p:nvPicPr>
+        <p:blipFill rotWithShape="1">
+          <a:blip r:embed="rId2">
+            <a:extLst>
+              <a:ext uri="{28A0092B-C50C-407E-A947-70E740481C1C}">
+                <a14:useLocalDpi xmlns:a14="http://schemas.microsoft.com/office/drawing/2010/main" val="0"/>
+              </a:ext>
+            </a:extLst>
+          </a:blip>
+          <a:srcRect l="69602" t="20289" r="9128" b="27303"/>
+          <a:stretch/>
+        </p:blipFill>
+        <p:spPr bwMode="auto">
+          <a:xfrm>
+            <a:off x="7662415" y="1654290"/>
+            <a:ext cx="2462776" cy="3458460"/>
+          </a:xfrm>
+          <a:prstGeom prst="rect">
+            <a:avLst/>
+          </a:prstGeom>
+          <a:noFill/>
+          <a:extLst>
+            <a:ext uri="{909E8E84-426E-40DD-AFC4-6F175D3DCCD1}">
+              <a14:hiddenFill xmlns:a14="http://schemas.microsoft.com/office/drawing/2010/main">
+                <a:solidFill>
+                  <a:srgbClr val="FFFFFF"/>
+                </a:solidFill>
+              </a14:hiddenFill>
+            </a:ext>
+          </a:extLst>
+        </p:spPr>
+      </p:pic>
+    </p:spTree>
+    <p:extLst>
+      <p:ext uri="{BB962C8B-B14F-4D97-AF65-F5344CB8AC3E}">
+        <p14:creationId xmlns:p14="http://schemas.microsoft.com/office/powerpoint/2010/main" val="517636173"/>
+      </p:ext>
+    </p:extLst>
+  </p:cSld>
+  <p:clrMapOvr>
+    <a:masterClrMapping/>
+  </p:clrMapOvr>
+</p:sld>
+</file>
+
+<file path=ppt/slides/slide11.xml><?xml version="1.0" encoding="utf-8"?>
+<p:sld xmlns:a="http://schemas.openxmlformats.org/drawingml/2006/main" xmlns:r="http://schemas.openxmlformats.org/officeDocument/2006/relationships" xmlns:p="http://schemas.openxmlformats.org/presentationml/2006/main">
+  <p:cSld>
+    <p:spTree>
+      <p:nvGrpSpPr>
+        <p:cNvPr id="1" name=""/>
+        <p:cNvGrpSpPr/>
+        <p:nvPr/>
+      </p:nvGrpSpPr>
+      <p:grpSpPr>
+        <a:xfrm>
+          <a:off x="0" y="0"/>
+          <a:ext cx="0" cy="0"/>
+          <a:chOff x="0" y="0"/>
+          <a:chExt cx="0" cy="0"/>
+        </a:xfrm>
+      </p:grpSpPr>
+      <p:sp>
+        <p:nvSpPr>
+          <p:cNvPr id="2" name="Título 1">
+            <a:extLst>
+              <a:ext uri="{FF2B5EF4-FFF2-40B4-BE49-F238E27FC236}">
+                <a16:creationId xmlns:a16="http://schemas.microsoft.com/office/drawing/2014/main" id="{DF5079C6-CB84-CFE9-43C7-0B30FA68EF86}"/>
+              </a:ext>
+            </a:extLst>
+          </p:cNvPr>
+          <p:cNvSpPr>
+            <a:spLocks noGrp="1"/>
+          </p:cNvSpPr>
+          <p:nvPr>
+            <p:ph type="title"/>
+          </p:nvPr>
+        </p:nvSpPr>
+        <p:spPr/>
+        <p:txBody>
+          <a:bodyPr/>
+          <a:lstStyle/>
+          <a:p>
+            <a:r>
+              <a:rPr lang="pt-BR" dirty="0"/>
+              <a:t>Subajuste e sobreajuste</a:t>
+            </a:r>
+          </a:p>
+        </p:txBody>
+      </p:sp>
+      <p:sp>
+        <p:nvSpPr>
+          <p:cNvPr id="3" name="Espaço Reservado para Conteúdo 2">
+            <a:extLst>
+              <a:ext uri="{FF2B5EF4-FFF2-40B4-BE49-F238E27FC236}">
+                <a16:creationId xmlns:a16="http://schemas.microsoft.com/office/drawing/2014/main" id="{00D9AD81-A061-C4A9-2251-C539F0790014}"/>
+              </a:ext>
+            </a:extLst>
+          </p:cNvPr>
+          <p:cNvSpPr>
+            <a:spLocks noGrp="1"/>
+          </p:cNvSpPr>
+          <p:nvPr>
+            <p:ph idx="1"/>
+          </p:nvPr>
+        </p:nvSpPr>
+        <p:spPr>
+          <a:xfrm>
+            <a:off x="838200" y="5406487"/>
+            <a:ext cx="11216148" cy="1451511"/>
+          </a:xfrm>
+        </p:spPr>
+        <p:txBody>
+          <a:bodyPr>
+            <a:normAutofit/>
+          </a:bodyPr>
+          <a:lstStyle/>
+          <a:p>
+            <a:r>
+              <a:rPr lang="pt-BR" dirty="0"/>
+              <a:t>Algumas causas do </a:t>
+            </a:r>
+            <a:r>
+              <a:rPr lang="pt-BR" b="1" i="1" dirty="0">
+                <a:solidFill>
+                  <a:srgbClr val="FF0000"/>
+                </a:solidFill>
+              </a:rPr>
+              <a:t>subajuste</a:t>
+            </a:r>
+            <a:r>
+              <a:rPr lang="pt-BR" dirty="0"/>
+              <a:t> são: </a:t>
+            </a:r>
+            <a:r>
+              <a:rPr lang="pt-BR" b="1" i="1" dirty="0"/>
+              <a:t>modelo muito simples </a:t>
+            </a:r>
+            <a:r>
+              <a:rPr lang="pt-BR" dirty="0"/>
+              <a:t>(i.e., sem complexidade), </a:t>
+            </a:r>
+            <a:r>
+              <a:rPr lang="pt-BR" b="1" i="1" dirty="0"/>
+              <a:t>poucas épocas de treinamento </a:t>
+            </a:r>
+            <a:r>
+              <a:rPr lang="pt-BR" dirty="0"/>
+              <a:t>(i.e., insuficiente) e </a:t>
+            </a:r>
+            <a:r>
+              <a:rPr lang="pt-BR" b="1" i="1" dirty="0"/>
+              <a:t>falta de dados</a:t>
+            </a:r>
+            <a:r>
+              <a:rPr lang="pt-BR" dirty="0"/>
+              <a:t> (modelo falha em aprender as características relevantes).</a:t>
+            </a:r>
+          </a:p>
+        </p:txBody>
+      </p:sp>
+      <p:pic>
+        <p:nvPicPr>
+          <p:cNvPr id="7170" name="Picture 2">
+            <a:extLst>
+              <a:ext uri="{FF2B5EF4-FFF2-40B4-BE49-F238E27FC236}">
+                <a16:creationId xmlns:a16="http://schemas.microsoft.com/office/drawing/2014/main" id="{1892C83B-01FF-5BDF-4F58-41B311222FA0}"/>
+              </a:ext>
+            </a:extLst>
+          </p:cNvPr>
+          <p:cNvPicPr>
+            <a:picLocks noChangeAspect="1" noChangeArrowheads="1"/>
+          </p:cNvPicPr>
+          <p:nvPr/>
+        </p:nvPicPr>
+        <p:blipFill rotWithShape="1">
+          <a:blip r:embed="rId2">
+            <a:extLst>
+              <a:ext uri="{28A0092B-C50C-407E-A947-70E740481C1C}">
+                <a14:useLocalDpi xmlns:a14="http://schemas.microsoft.com/office/drawing/2010/main" val="0"/>
+              </a:ext>
+            </a:extLst>
+          </a:blip>
+          <a:srcRect l="8199" t="18914" r="71063" b="27303"/>
+          <a:stretch/>
+        </p:blipFill>
+        <p:spPr bwMode="auto">
+          <a:xfrm>
+            <a:off x="2352675" y="1654290"/>
+            <a:ext cx="2355748" cy="3482064"/>
+          </a:xfrm>
+          <a:prstGeom prst="rect">
+            <a:avLst/>
+          </a:prstGeom>
+          <a:noFill/>
+          <a:extLst>
+            <a:ext uri="{909E8E84-426E-40DD-AFC4-6F175D3DCCD1}">
+              <a14:hiddenFill xmlns:a14="http://schemas.microsoft.com/office/drawing/2010/main">
+                <a:solidFill>
+                  <a:srgbClr val="FFFFFF"/>
+                </a:solidFill>
+              </a14:hiddenFill>
+            </a:ext>
+          </a:extLst>
+        </p:spPr>
+      </p:pic>
+      <p:sp>
+        <p:nvSpPr>
+          <p:cNvPr id="4" name="CaixaDeTexto 3">
+            <a:extLst>
+              <a:ext uri="{FF2B5EF4-FFF2-40B4-BE49-F238E27FC236}">
+                <a16:creationId xmlns:a16="http://schemas.microsoft.com/office/drawing/2014/main" id="{2D4157CD-EC99-C673-5888-FB8C3E89B649}"/>
+              </a:ext>
+            </a:extLst>
+          </p:cNvPr>
+          <p:cNvSpPr txBox="1"/>
+          <p:nvPr/>
+        </p:nvSpPr>
+        <p:spPr>
+          <a:xfrm>
+            <a:off x="2633814" y="1374003"/>
+            <a:ext cx="1858297" cy="369332"/>
+          </a:xfrm>
+          <a:prstGeom prst="rect">
+            <a:avLst/>
+          </a:prstGeom>
+          <a:noFill/>
+        </p:spPr>
+        <p:txBody>
+          <a:bodyPr wrap="square" rtlCol="0">
+            <a:spAutoFit/>
+          </a:bodyPr>
+          <a:lstStyle/>
+          <a:p>
+            <a:pPr algn="ctr"/>
+            <a:r>
+              <a:rPr lang="pt-BR" b="1" dirty="0"/>
+              <a:t>subajuste</a:t>
+            </a:r>
+          </a:p>
+        </p:txBody>
+      </p:sp>
+      <p:sp>
+        <p:nvSpPr>
+          <p:cNvPr id="5" name="CaixaDeTexto 4">
+            <a:extLst>
+              <a:ext uri="{FF2B5EF4-FFF2-40B4-BE49-F238E27FC236}">
+                <a16:creationId xmlns:a16="http://schemas.microsoft.com/office/drawing/2014/main" id="{71253339-1DEB-89C1-8C0E-7E916415966F}"/>
+              </a:ext>
+            </a:extLst>
+          </p:cNvPr>
+          <p:cNvSpPr txBox="1"/>
+          <p:nvPr/>
+        </p:nvSpPr>
+        <p:spPr>
+          <a:xfrm>
+            <a:off x="7876686" y="1397816"/>
+            <a:ext cx="1858297" cy="369332"/>
+          </a:xfrm>
+          <a:prstGeom prst="rect">
+            <a:avLst/>
+          </a:prstGeom>
+          <a:noFill/>
+        </p:spPr>
+        <p:txBody>
+          <a:bodyPr wrap="square" rtlCol="0">
+            <a:spAutoFit/>
+          </a:bodyPr>
+          <a:lstStyle/>
+          <a:p>
+            <a:pPr algn="ctr"/>
+            <a:r>
+              <a:rPr lang="pt-BR" b="1" dirty="0"/>
+              <a:t>sobreajuste</a:t>
+            </a:r>
+          </a:p>
+        </p:txBody>
+      </p:sp>
+      <p:sp>
+        <p:nvSpPr>
+          <p:cNvPr id="6" name="CaixaDeTexto 5">
+            <a:extLst>
+              <a:ext uri="{FF2B5EF4-FFF2-40B4-BE49-F238E27FC236}">
+                <a16:creationId xmlns:a16="http://schemas.microsoft.com/office/drawing/2014/main" id="{AAA323F9-8E5C-2ED7-7474-00EAC3A9B445}"/>
+              </a:ext>
+            </a:extLst>
+          </p:cNvPr>
+          <p:cNvSpPr txBox="1"/>
+          <p:nvPr/>
+        </p:nvSpPr>
+        <p:spPr>
+          <a:xfrm>
+            <a:off x="5040284" y="1372931"/>
+            <a:ext cx="2231923" cy="369332"/>
+          </a:xfrm>
+          <a:prstGeom prst="rect">
+            <a:avLst/>
+          </a:prstGeom>
+          <a:noFill/>
+        </p:spPr>
+        <p:txBody>
+          <a:bodyPr wrap="square" rtlCol="0">
+            <a:spAutoFit/>
+          </a:bodyPr>
+          <a:lstStyle/>
+          <a:p>
+            <a:pPr algn="ctr"/>
+            <a:r>
+              <a:rPr lang="pt-BR" b="1" dirty="0"/>
+              <a:t>ajuste apropriado</a:t>
+            </a:r>
+          </a:p>
+        </p:txBody>
+      </p:sp>
+      <p:sp>
+        <p:nvSpPr>
+          <p:cNvPr id="7" name="CaixaDeTexto 6">
+            <a:extLst>
+              <a:ext uri="{FF2B5EF4-FFF2-40B4-BE49-F238E27FC236}">
+                <a16:creationId xmlns:a16="http://schemas.microsoft.com/office/drawing/2014/main" id="{42279F6B-8E44-6328-821B-2B13EEE2036B}"/>
+              </a:ext>
+            </a:extLst>
+          </p:cNvPr>
+          <p:cNvSpPr txBox="1"/>
+          <p:nvPr/>
+        </p:nvSpPr>
+        <p:spPr>
+          <a:xfrm>
+            <a:off x="1233450" y="2194489"/>
+            <a:ext cx="1238865" cy="369332"/>
+          </a:xfrm>
+          <a:prstGeom prst="rect">
+            <a:avLst/>
+          </a:prstGeom>
+          <a:noFill/>
+        </p:spPr>
+        <p:txBody>
+          <a:bodyPr wrap="square" rtlCol="0">
+            <a:spAutoFit/>
+          </a:bodyPr>
+          <a:lstStyle/>
+          <a:p>
+            <a:r>
+              <a:rPr lang="pt-BR" b="1" dirty="0"/>
+              <a:t>Regressão</a:t>
+            </a:r>
+          </a:p>
+        </p:txBody>
+      </p:sp>
+      <p:sp>
+        <p:nvSpPr>
+          <p:cNvPr id="8" name="CaixaDeTexto 7">
+            <a:extLst>
+              <a:ext uri="{FF2B5EF4-FFF2-40B4-BE49-F238E27FC236}">
+                <a16:creationId xmlns:a16="http://schemas.microsoft.com/office/drawing/2014/main" id="{01E6D656-857C-E1E7-B118-2232A5B3C12A}"/>
+              </a:ext>
+            </a:extLst>
+          </p:cNvPr>
+          <p:cNvSpPr txBox="1"/>
+          <p:nvPr/>
+        </p:nvSpPr>
+        <p:spPr>
+          <a:xfrm>
+            <a:off x="1124066" y="3962590"/>
+            <a:ext cx="1457632" cy="369332"/>
+          </a:xfrm>
+          <a:prstGeom prst="rect">
+            <a:avLst/>
+          </a:prstGeom>
+          <a:noFill/>
+        </p:spPr>
+        <p:txBody>
+          <a:bodyPr wrap="square" rtlCol="0">
+            <a:spAutoFit/>
+          </a:bodyPr>
+          <a:lstStyle/>
+          <a:p>
+            <a:r>
+              <a:rPr lang="pt-BR" b="1" dirty="0"/>
+              <a:t>Classificação</a:t>
+            </a:r>
+          </a:p>
+        </p:txBody>
+      </p:sp>
+      <p:pic>
+        <p:nvPicPr>
+          <p:cNvPr id="9" name="Picture 2">
+            <a:extLst>
+              <a:ext uri="{FF2B5EF4-FFF2-40B4-BE49-F238E27FC236}">
+                <a16:creationId xmlns:a16="http://schemas.microsoft.com/office/drawing/2014/main" id="{18114226-93F9-BEA2-8207-47B386FC6099}"/>
+              </a:ext>
+            </a:extLst>
+          </p:cNvPr>
+          <p:cNvPicPr>
+            <a:picLocks noChangeAspect="1" noChangeArrowheads="1"/>
+          </p:cNvPicPr>
+          <p:nvPr/>
+        </p:nvPicPr>
+        <p:blipFill rotWithShape="1">
+          <a:blip r:embed="rId2">
+            <a:extLst>
+              <a:ext uri="{28A0092B-C50C-407E-A947-70E740481C1C}">
+                <a14:useLocalDpi xmlns:a14="http://schemas.microsoft.com/office/drawing/2010/main" val="0"/>
+              </a:ext>
+            </a:extLst>
+          </a:blip>
+          <a:srcRect l="38345" t="19278" r="40638" b="27303"/>
+          <a:stretch/>
+        </p:blipFill>
+        <p:spPr bwMode="auto">
+          <a:xfrm>
+            <a:off x="4991619" y="1666669"/>
+            <a:ext cx="2387600" cy="3458460"/>
+          </a:xfrm>
+          <a:prstGeom prst="rect">
+            <a:avLst/>
+          </a:prstGeom>
+          <a:noFill/>
+          <a:extLst>
+            <a:ext uri="{909E8E84-426E-40DD-AFC4-6F175D3DCCD1}">
+              <a14:hiddenFill xmlns:a14="http://schemas.microsoft.com/office/drawing/2010/main">
+                <a:solidFill>
+                  <a:srgbClr val="FFFFFF"/>
+                </a:solidFill>
+              </a14:hiddenFill>
+            </a:ext>
+          </a:extLst>
+        </p:spPr>
+      </p:pic>
+      <p:pic>
+        <p:nvPicPr>
+          <p:cNvPr id="10" name="Picture 2">
+            <a:extLst>
+              <a:ext uri="{FF2B5EF4-FFF2-40B4-BE49-F238E27FC236}">
+                <a16:creationId xmlns:a16="http://schemas.microsoft.com/office/drawing/2014/main" id="{5DE423C0-8EE4-15A7-2DEA-C42F713C06E7}"/>
+              </a:ext>
+            </a:extLst>
+          </p:cNvPr>
+          <p:cNvPicPr>
+            <a:picLocks noChangeAspect="1" noChangeArrowheads="1"/>
+          </p:cNvPicPr>
+          <p:nvPr/>
+        </p:nvPicPr>
+        <p:blipFill rotWithShape="1">
+          <a:blip r:embed="rId2">
+            <a:extLst>
+              <a:ext uri="{28A0092B-C50C-407E-A947-70E740481C1C}">
+                <a14:useLocalDpi xmlns:a14="http://schemas.microsoft.com/office/drawing/2010/main" val="0"/>
+              </a:ext>
+            </a:extLst>
+          </a:blip>
+          <a:srcRect l="69602" t="20289" r="9128" b="27303"/>
+          <a:stretch/>
+        </p:blipFill>
+        <p:spPr bwMode="auto">
+          <a:xfrm>
+            <a:off x="7662415" y="1654290"/>
+            <a:ext cx="2462776" cy="3458460"/>
+          </a:xfrm>
+          <a:prstGeom prst="rect">
+            <a:avLst/>
+          </a:prstGeom>
+          <a:noFill/>
+          <a:extLst>
+            <a:ext uri="{909E8E84-426E-40DD-AFC4-6F175D3DCCD1}">
+              <a14:hiddenFill xmlns:a14="http://schemas.microsoft.com/office/drawing/2010/main">
+                <a:solidFill>
+                  <a:srgbClr val="FFFFFF"/>
+                </a:solidFill>
+              </a14:hiddenFill>
+            </a:ext>
+          </a:extLst>
+        </p:spPr>
+      </p:pic>
+    </p:spTree>
+    <p:extLst>
+      <p:ext uri="{BB962C8B-B14F-4D97-AF65-F5344CB8AC3E}">
+        <p14:creationId xmlns:p14="http://schemas.microsoft.com/office/powerpoint/2010/main" val="3199058140"/>
+      </p:ext>
+    </p:extLst>
+  </p:cSld>
+  <p:clrMapOvr>
+    <a:masterClrMapping/>
+  </p:clrMapOvr>
+</p:sld>
+</file>
+
+<file path=ppt/slides/slide12.xml><?xml version="1.0" encoding="utf-8"?>
+<p:sld xmlns:a="http://schemas.openxmlformats.org/drawingml/2006/main" xmlns:r="http://schemas.openxmlformats.org/officeDocument/2006/relationships" xmlns:p="http://schemas.openxmlformats.org/presentationml/2006/main">
+  <p:cSld>
+    <p:spTree>
+      <p:nvGrpSpPr>
+        <p:cNvPr id="1" name=""/>
+        <p:cNvGrpSpPr/>
+        <p:nvPr/>
+      </p:nvGrpSpPr>
+      <p:grpSpPr>
+        <a:xfrm>
+          <a:off x="0" y="0"/>
+          <a:ext cx="0" cy="0"/>
+          <a:chOff x="0" y="0"/>
+          <a:chExt cx="0" cy="0"/>
+        </a:xfrm>
+      </p:grpSpPr>
+      <p:sp>
+        <p:nvSpPr>
+          <p:cNvPr id="2" name="Título 1">
+            <a:extLst>
+              <a:ext uri="{FF2B5EF4-FFF2-40B4-BE49-F238E27FC236}">
+                <a16:creationId xmlns:a16="http://schemas.microsoft.com/office/drawing/2014/main" id="{DF5079C6-CB84-CFE9-43C7-0B30FA68EF86}"/>
+              </a:ext>
+            </a:extLst>
+          </p:cNvPr>
+          <p:cNvSpPr>
+            <a:spLocks noGrp="1"/>
+          </p:cNvSpPr>
+          <p:nvPr>
+            <p:ph type="title"/>
+          </p:nvPr>
+        </p:nvSpPr>
+        <p:spPr/>
+        <p:txBody>
+          <a:bodyPr/>
+          <a:lstStyle/>
+          <a:p>
+            <a:r>
+              <a:rPr lang="pt-BR" dirty="0"/>
+              <a:t>Subajuste e sobreajuste</a:t>
+            </a:r>
+          </a:p>
+        </p:txBody>
+      </p:sp>
+      <p:sp>
+        <p:nvSpPr>
+          <p:cNvPr id="3" name="Espaço Reservado para Conteúdo 2">
+            <a:extLst>
+              <a:ext uri="{FF2B5EF4-FFF2-40B4-BE49-F238E27FC236}">
+                <a16:creationId xmlns:a16="http://schemas.microsoft.com/office/drawing/2014/main" id="{00D9AD81-A061-C4A9-2251-C539F0790014}"/>
+              </a:ext>
+            </a:extLst>
+          </p:cNvPr>
+          <p:cNvSpPr>
+            <a:spLocks noGrp="1"/>
+          </p:cNvSpPr>
+          <p:nvPr>
+            <p:ph idx="1"/>
+          </p:nvPr>
+        </p:nvSpPr>
+        <p:spPr>
+          <a:xfrm>
+            <a:off x="838200" y="5209865"/>
+            <a:ext cx="11216148" cy="1648134"/>
+          </a:xfrm>
+        </p:spPr>
+        <p:txBody>
+          <a:bodyPr>
+            <a:normAutofit/>
+          </a:bodyPr>
+          <a:lstStyle/>
+          <a:p>
+            <a:r>
+              <a:rPr lang="pt-BR" dirty="0"/>
+              <a:t>Para mitigar o problema, podemos </a:t>
+            </a:r>
+            <a:r>
+              <a:rPr lang="pt-BR" b="1" i="1" dirty="0"/>
+              <a:t>aumentar a complexidade</a:t>
+            </a:r>
+            <a:r>
+              <a:rPr lang="pt-BR" dirty="0"/>
+              <a:t> do modelo (e.g., aumentar camadas e neurônios), </a:t>
+            </a:r>
+            <a:r>
+              <a:rPr lang="pt-BR" b="1" i="1" dirty="0"/>
+              <a:t>ajustar os hiperparâmetros </a:t>
+            </a:r>
+            <a:r>
+              <a:rPr lang="pt-BR" dirty="0"/>
+              <a:t>(e.g., passo de aprendizagem), </a:t>
+            </a:r>
+            <a:r>
+              <a:rPr lang="pt-BR" b="1" i="1" dirty="0"/>
+              <a:t>treinar por mais épocas </a:t>
+            </a:r>
+            <a:r>
+              <a:rPr lang="pt-BR" dirty="0"/>
+              <a:t>e </a:t>
+            </a:r>
+            <a:r>
+              <a:rPr lang="pt-BR" b="1" i="1" dirty="0"/>
+              <a:t>aumentar o conjunto de treinamento</a:t>
+            </a:r>
+            <a:r>
+              <a:rPr lang="pt-BR" dirty="0"/>
+              <a:t> se possível.</a:t>
+            </a:r>
+          </a:p>
+          <a:p>
+            <a:endParaRPr lang="pt-BR" dirty="0"/>
+          </a:p>
+        </p:txBody>
+      </p:sp>
+      <p:pic>
+        <p:nvPicPr>
+          <p:cNvPr id="7170" name="Picture 2">
+            <a:extLst>
+              <a:ext uri="{FF2B5EF4-FFF2-40B4-BE49-F238E27FC236}">
+                <a16:creationId xmlns:a16="http://schemas.microsoft.com/office/drawing/2014/main" id="{1892C83B-01FF-5BDF-4F58-41B311222FA0}"/>
+              </a:ext>
+            </a:extLst>
+          </p:cNvPr>
+          <p:cNvPicPr>
+            <a:picLocks noChangeAspect="1" noChangeArrowheads="1"/>
+          </p:cNvPicPr>
+          <p:nvPr/>
+        </p:nvPicPr>
+        <p:blipFill rotWithShape="1">
+          <a:blip r:embed="rId2">
+            <a:extLst>
+              <a:ext uri="{28A0092B-C50C-407E-A947-70E740481C1C}">
+                <a14:useLocalDpi xmlns:a14="http://schemas.microsoft.com/office/drawing/2010/main" val="0"/>
+              </a:ext>
+            </a:extLst>
+          </a:blip>
+          <a:srcRect l="8199" t="18914" r="71063" b="27303"/>
+          <a:stretch/>
+        </p:blipFill>
+        <p:spPr bwMode="auto">
+          <a:xfrm>
+            <a:off x="2352675" y="1654290"/>
+            <a:ext cx="2355748" cy="3482064"/>
+          </a:xfrm>
+          <a:prstGeom prst="rect">
+            <a:avLst/>
+          </a:prstGeom>
+          <a:noFill/>
+          <a:extLst>
+            <a:ext uri="{909E8E84-426E-40DD-AFC4-6F175D3DCCD1}">
+              <a14:hiddenFill xmlns:a14="http://schemas.microsoft.com/office/drawing/2010/main">
+                <a:solidFill>
+                  <a:srgbClr val="FFFFFF"/>
+                </a:solidFill>
+              </a14:hiddenFill>
+            </a:ext>
+          </a:extLst>
+        </p:spPr>
+      </p:pic>
+      <p:sp>
+        <p:nvSpPr>
+          <p:cNvPr id="4" name="CaixaDeTexto 3">
+            <a:extLst>
+              <a:ext uri="{FF2B5EF4-FFF2-40B4-BE49-F238E27FC236}">
+                <a16:creationId xmlns:a16="http://schemas.microsoft.com/office/drawing/2014/main" id="{2D4157CD-EC99-C673-5888-FB8C3E89B649}"/>
+              </a:ext>
+            </a:extLst>
+          </p:cNvPr>
+          <p:cNvSpPr txBox="1"/>
+          <p:nvPr/>
+        </p:nvSpPr>
+        <p:spPr>
+          <a:xfrm>
+            <a:off x="2633814" y="1374003"/>
+            <a:ext cx="1858297" cy="369332"/>
+          </a:xfrm>
+          <a:prstGeom prst="rect">
+            <a:avLst/>
+          </a:prstGeom>
+          <a:noFill/>
+        </p:spPr>
+        <p:txBody>
+          <a:bodyPr wrap="square" rtlCol="0">
+            <a:spAutoFit/>
+          </a:bodyPr>
+          <a:lstStyle/>
+          <a:p>
+            <a:pPr algn="ctr"/>
+            <a:r>
+              <a:rPr lang="pt-BR" b="1" dirty="0"/>
+              <a:t>subajuste</a:t>
+            </a:r>
+          </a:p>
+        </p:txBody>
+      </p:sp>
+      <p:sp>
+        <p:nvSpPr>
+          <p:cNvPr id="5" name="CaixaDeTexto 4">
+            <a:extLst>
+              <a:ext uri="{FF2B5EF4-FFF2-40B4-BE49-F238E27FC236}">
+                <a16:creationId xmlns:a16="http://schemas.microsoft.com/office/drawing/2014/main" id="{71253339-1DEB-89C1-8C0E-7E916415966F}"/>
+              </a:ext>
+            </a:extLst>
+          </p:cNvPr>
+          <p:cNvSpPr txBox="1"/>
+          <p:nvPr/>
+        </p:nvSpPr>
+        <p:spPr>
+          <a:xfrm>
+            <a:off x="7876686" y="1397816"/>
+            <a:ext cx="1858297" cy="369332"/>
+          </a:xfrm>
+          <a:prstGeom prst="rect">
+            <a:avLst/>
+          </a:prstGeom>
+          <a:noFill/>
+        </p:spPr>
+        <p:txBody>
+          <a:bodyPr wrap="square" rtlCol="0">
+            <a:spAutoFit/>
+          </a:bodyPr>
+          <a:lstStyle/>
+          <a:p>
+            <a:pPr algn="ctr"/>
+            <a:r>
+              <a:rPr lang="pt-BR" b="1" dirty="0"/>
+              <a:t>sobreajuste</a:t>
+            </a:r>
+          </a:p>
+        </p:txBody>
+      </p:sp>
+      <p:sp>
+        <p:nvSpPr>
+          <p:cNvPr id="6" name="CaixaDeTexto 5">
+            <a:extLst>
+              <a:ext uri="{FF2B5EF4-FFF2-40B4-BE49-F238E27FC236}">
+                <a16:creationId xmlns:a16="http://schemas.microsoft.com/office/drawing/2014/main" id="{AAA323F9-8E5C-2ED7-7474-00EAC3A9B445}"/>
+              </a:ext>
+            </a:extLst>
+          </p:cNvPr>
+          <p:cNvSpPr txBox="1"/>
+          <p:nvPr/>
+        </p:nvSpPr>
+        <p:spPr>
+          <a:xfrm>
+            <a:off x="5040284" y="1372931"/>
+            <a:ext cx="2231923" cy="369332"/>
+          </a:xfrm>
+          <a:prstGeom prst="rect">
+            <a:avLst/>
+          </a:prstGeom>
+          <a:noFill/>
+        </p:spPr>
+        <p:txBody>
+          <a:bodyPr wrap="square" rtlCol="0">
+            <a:spAutoFit/>
+          </a:bodyPr>
+          <a:lstStyle/>
+          <a:p>
+            <a:pPr algn="ctr"/>
+            <a:r>
+              <a:rPr lang="pt-BR" b="1" dirty="0"/>
+              <a:t>ajuste apropriado</a:t>
+            </a:r>
+          </a:p>
+        </p:txBody>
+      </p:sp>
+      <p:sp>
+        <p:nvSpPr>
+          <p:cNvPr id="7" name="CaixaDeTexto 6">
+            <a:extLst>
+              <a:ext uri="{FF2B5EF4-FFF2-40B4-BE49-F238E27FC236}">
+                <a16:creationId xmlns:a16="http://schemas.microsoft.com/office/drawing/2014/main" id="{42279F6B-8E44-6328-821B-2B13EEE2036B}"/>
+              </a:ext>
+            </a:extLst>
+          </p:cNvPr>
+          <p:cNvSpPr txBox="1"/>
+          <p:nvPr/>
+        </p:nvSpPr>
+        <p:spPr>
+          <a:xfrm>
+            <a:off x="1233450" y="2194489"/>
+            <a:ext cx="1238865" cy="369332"/>
+          </a:xfrm>
+          <a:prstGeom prst="rect">
+            <a:avLst/>
+          </a:prstGeom>
+          <a:noFill/>
+        </p:spPr>
+        <p:txBody>
+          <a:bodyPr wrap="square" rtlCol="0">
+            <a:spAutoFit/>
+          </a:bodyPr>
+          <a:lstStyle/>
+          <a:p>
+            <a:r>
+              <a:rPr lang="pt-BR" b="1" dirty="0"/>
+              <a:t>Regressão</a:t>
+            </a:r>
+          </a:p>
+        </p:txBody>
+      </p:sp>
+      <p:sp>
+        <p:nvSpPr>
+          <p:cNvPr id="8" name="CaixaDeTexto 7">
+            <a:extLst>
+              <a:ext uri="{FF2B5EF4-FFF2-40B4-BE49-F238E27FC236}">
+                <a16:creationId xmlns:a16="http://schemas.microsoft.com/office/drawing/2014/main" id="{01E6D656-857C-E1E7-B118-2232A5B3C12A}"/>
+              </a:ext>
+            </a:extLst>
+          </p:cNvPr>
+          <p:cNvSpPr txBox="1"/>
+          <p:nvPr/>
+        </p:nvSpPr>
+        <p:spPr>
+          <a:xfrm>
+            <a:off x="1124066" y="3962590"/>
+            <a:ext cx="1457632" cy="369332"/>
+          </a:xfrm>
+          <a:prstGeom prst="rect">
+            <a:avLst/>
+          </a:prstGeom>
+          <a:noFill/>
+        </p:spPr>
+        <p:txBody>
+          <a:bodyPr wrap="square" rtlCol="0">
+            <a:spAutoFit/>
+          </a:bodyPr>
+          <a:lstStyle/>
+          <a:p>
+            <a:r>
+              <a:rPr lang="pt-BR" b="1" dirty="0"/>
+              <a:t>Classificação</a:t>
+            </a:r>
+          </a:p>
+        </p:txBody>
+      </p:sp>
+      <p:pic>
+        <p:nvPicPr>
+          <p:cNvPr id="9" name="Picture 2">
+            <a:extLst>
+              <a:ext uri="{FF2B5EF4-FFF2-40B4-BE49-F238E27FC236}">
+                <a16:creationId xmlns:a16="http://schemas.microsoft.com/office/drawing/2014/main" id="{18114226-93F9-BEA2-8207-47B386FC6099}"/>
+              </a:ext>
+            </a:extLst>
+          </p:cNvPr>
+          <p:cNvPicPr>
+            <a:picLocks noChangeAspect="1" noChangeArrowheads="1"/>
+          </p:cNvPicPr>
+          <p:nvPr/>
+        </p:nvPicPr>
+        <p:blipFill rotWithShape="1">
+          <a:blip r:embed="rId2">
+            <a:extLst>
+              <a:ext uri="{28A0092B-C50C-407E-A947-70E740481C1C}">
+                <a14:useLocalDpi xmlns:a14="http://schemas.microsoft.com/office/drawing/2010/main" val="0"/>
+              </a:ext>
+            </a:extLst>
+          </a:blip>
+          <a:srcRect l="38345" t="19278" r="40638" b="27303"/>
+          <a:stretch/>
+        </p:blipFill>
+        <p:spPr bwMode="auto">
+          <a:xfrm>
+            <a:off x="4991619" y="1666669"/>
+            <a:ext cx="2387600" cy="3458460"/>
+          </a:xfrm>
+          <a:prstGeom prst="rect">
+            <a:avLst/>
+          </a:prstGeom>
+          <a:noFill/>
+          <a:extLst>
+            <a:ext uri="{909E8E84-426E-40DD-AFC4-6F175D3DCCD1}">
+              <a14:hiddenFill xmlns:a14="http://schemas.microsoft.com/office/drawing/2010/main">
+                <a:solidFill>
+                  <a:srgbClr val="FFFFFF"/>
+                </a:solidFill>
+              </a14:hiddenFill>
+            </a:ext>
+          </a:extLst>
+        </p:spPr>
+      </p:pic>
+      <p:pic>
+        <p:nvPicPr>
+          <p:cNvPr id="10" name="Picture 2">
+            <a:extLst>
+              <a:ext uri="{FF2B5EF4-FFF2-40B4-BE49-F238E27FC236}">
+                <a16:creationId xmlns:a16="http://schemas.microsoft.com/office/drawing/2014/main" id="{5DE423C0-8EE4-15A7-2DEA-C42F713C06E7}"/>
+              </a:ext>
+            </a:extLst>
+          </p:cNvPr>
+          <p:cNvPicPr>
+            <a:picLocks noChangeAspect="1" noChangeArrowheads="1"/>
+          </p:cNvPicPr>
+          <p:nvPr/>
+        </p:nvPicPr>
+        <p:blipFill rotWithShape="1">
+          <a:blip r:embed="rId2">
+            <a:extLst>
+              <a:ext uri="{28A0092B-C50C-407E-A947-70E740481C1C}">
+                <a14:useLocalDpi xmlns:a14="http://schemas.microsoft.com/office/drawing/2010/main" val="0"/>
+              </a:ext>
+            </a:extLst>
+          </a:blip>
+          <a:srcRect l="69602" t="20289" r="9128" b="27303"/>
+          <a:stretch/>
+        </p:blipFill>
+        <p:spPr bwMode="auto">
+          <a:xfrm>
+            <a:off x="7662415" y="1654290"/>
+            <a:ext cx="2462776" cy="3458460"/>
+          </a:xfrm>
+          <a:prstGeom prst="rect">
+            <a:avLst/>
+          </a:prstGeom>
+          <a:noFill/>
+          <a:extLst>
+            <a:ext uri="{909E8E84-426E-40DD-AFC4-6F175D3DCCD1}">
+              <a14:hiddenFill xmlns:a14="http://schemas.microsoft.com/office/drawing/2010/main">
+                <a:solidFill>
+                  <a:srgbClr val="FFFFFF"/>
+                </a:solidFill>
+              </a14:hiddenFill>
+            </a:ext>
+          </a:extLst>
+        </p:spPr>
+      </p:pic>
+    </p:spTree>
+    <p:extLst>
+      <p:ext uri="{BB962C8B-B14F-4D97-AF65-F5344CB8AC3E}">
+        <p14:creationId xmlns:p14="http://schemas.microsoft.com/office/powerpoint/2010/main" val="1662505500"/>
+      </p:ext>
+    </p:extLst>
+  </p:cSld>
+  <p:clrMapOvr>
+    <a:masterClrMapping/>
+  </p:clrMapOvr>
+</p:sld>
+</file>
+
+<file path=ppt/slides/slide13.xml><?xml version="1.0" encoding="utf-8"?>
+<p:sld xmlns:a="http://schemas.openxmlformats.org/drawingml/2006/main" xmlns:r="http://schemas.openxmlformats.org/officeDocument/2006/relationships" xmlns:p="http://schemas.openxmlformats.org/presentationml/2006/main">
+  <p:cSld>
+    <p:spTree>
+      <p:nvGrpSpPr>
+        <p:cNvPr id="1" name=""/>
+        <p:cNvGrpSpPr/>
+        <p:nvPr/>
+      </p:nvGrpSpPr>
+      <p:grpSpPr>
+        <a:xfrm>
+          <a:off x="0" y="0"/>
+          <a:ext cx="0" cy="0"/>
+          <a:chOff x="0" y="0"/>
+          <a:chExt cx="0" cy="0"/>
+        </a:xfrm>
+      </p:grpSpPr>
+      <p:sp>
+        <p:nvSpPr>
+          <p:cNvPr id="2" name="Título 1">
+            <a:extLst>
+              <a:ext uri="{FF2B5EF4-FFF2-40B4-BE49-F238E27FC236}">
+                <a16:creationId xmlns:a16="http://schemas.microsoft.com/office/drawing/2014/main" id="{DF5079C6-CB84-CFE9-43C7-0B30FA68EF86}"/>
+              </a:ext>
+            </a:extLst>
+          </p:cNvPr>
+          <p:cNvSpPr>
+            <a:spLocks noGrp="1"/>
+          </p:cNvSpPr>
+          <p:nvPr>
+            <p:ph type="title"/>
+          </p:nvPr>
+        </p:nvSpPr>
+        <p:spPr/>
+        <p:txBody>
+          <a:bodyPr/>
+          <a:lstStyle/>
+          <a:p>
+            <a:r>
+              <a:rPr lang="pt-BR" dirty="0"/>
+              <a:t>Subajuste e sobreajuste</a:t>
+            </a:r>
+          </a:p>
+        </p:txBody>
+      </p:sp>
+      <p:sp>
+        <p:nvSpPr>
+          <p:cNvPr id="3" name="Espaço Reservado para Conteúdo 2">
+            <a:extLst>
+              <a:ext uri="{FF2B5EF4-FFF2-40B4-BE49-F238E27FC236}">
+                <a16:creationId xmlns:a16="http://schemas.microsoft.com/office/drawing/2014/main" id="{00D9AD81-A061-C4A9-2251-C539F0790014}"/>
+              </a:ext>
+            </a:extLst>
+          </p:cNvPr>
+          <p:cNvSpPr>
+            <a:spLocks noGrp="1"/>
+          </p:cNvSpPr>
+          <p:nvPr>
+            <p:ph idx="1"/>
+          </p:nvPr>
+        </p:nvSpPr>
+        <p:spPr>
+          <a:xfrm>
+            <a:off x="838200" y="4686301"/>
+            <a:ext cx="11216148" cy="2171700"/>
+          </a:xfrm>
+        </p:spPr>
+        <p:txBody>
+          <a:bodyPr>
+            <a:normAutofit fontScale="92500" lnSpcReduction="20000"/>
+          </a:bodyPr>
+          <a:lstStyle/>
+          <a:p>
+            <a:r>
+              <a:rPr lang="pt-BR" dirty="0"/>
+              <a:t>O </a:t>
+            </a:r>
+            <a:r>
+              <a:rPr lang="pt-BR" b="1" i="1" dirty="0">
+                <a:solidFill>
+                  <a:srgbClr val="FF0000"/>
+                </a:solidFill>
+              </a:rPr>
+              <a:t>sobreajuste</a:t>
+            </a:r>
+            <a:r>
+              <a:rPr lang="pt-BR" dirty="0"/>
+              <a:t> </a:t>
+            </a:r>
+            <a:r>
+              <a:rPr lang="pt-BR" b="0" i="0" dirty="0">
+                <a:effectLst/>
+              </a:rPr>
+              <a:t>ocorre quando o modelo se </a:t>
+            </a:r>
+            <a:r>
+              <a:rPr lang="pt-BR" b="1" i="1" dirty="0">
+                <a:effectLst/>
+              </a:rPr>
+              <a:t>ajusta excessivamente aos dados de treinamento</a:t>
+            </a:r>
+            <a:r>
+              <a:rPr lang="pt-BR" b="0" i="0" dirty="0">
+                <a:effectLst/>
+              </a:rPr>
+              <a:t> e acaba perdendo a capacidade de generalizar para dados que não foram vistos durante o treinamento.</a:t>
+            </a:r>
+          </a:p>
+          <a:p>
+            <a:pPr lvl="1">
+              <a:buFont typeface="Wingdings" panose="05000000000000000000" pitchFamily="2" charset="2"/>
+              <a:buChar char="§"/>
+            </a:pPr>
+            <a:r>
+              <a:rPr lang="pt-BR" b="0" i="0" dirty="0">
+                <a:effectLst/>
+              </a:rPr>
+              <a:t>Em outras palavras, o modelo </a:t>
+            </a:r>
+            <a:r>
+              <a:rPr lang="pt-BR" b="1" i="1" dirty="0">
+                <a:solidFill>
+                  <a:srgbClr val="FF0000"/>
+                </a:solidFill>
+                <a:effectLst/>
+              </a:rPr>
+              <a:t>memoriza os dados de treinamento </a:t>
+            </a:r>
+            <a:r>
+              <a:rPr lang="pt-BR" b="0" i="0" dirty="0">
+                <a:effectLst/>
+              </a:rPr>
+              <a:t>em vez de aprender padrões gerais.</a:t>
+            </a:r>
+          </a:p>
+          <a:p>
+            <a:pPr>
+              <a:buFont typeface="Wingdings" panose="05000000000000000000" pitchFamily="2" charset="2"/>
+              <a:buChar char="§"/>
+            </a:pPr>
+            <a:r>
+              <a:rPr lang="pt-BR" dirty="0"/>
+              <a:t>O modelo apresenta erro no conjunto de treinamento muito baixo, próximo de zero.</a:t>
+            </a:r>
+          </a:p>
+        </p:txBody>
+      </p:sp>
+      <p:pic>
+        <p:nvPicPr>
+          <p:cNvPr id="7170" name="Picture 2">
+            <a:extLst>
+              <a:ext uri="{FF2B5EF4-FFF2-40B4-BE49-F238E27FC236}">
+                <a16:creationId xmlns:a16="http://schemas.microsoft.com/office/drawing/2014/main" id="{1892C83B-01FF-5BDF-4F58-41B311222FA0}"/>
+              </a:ext>
+            </a:extLst>
+          </p:cNvPr>
+          <p:cNvPicPr>
+            <a:picLocks noChangeAspect="1" noChangeArrowheads="1"/>
+          </p:cNvPicPr>
+          <p:nvPr/>
+        </p:nvPicPr>
+        <p:blipFill rotWithShape="1">
+          <a:blip r:embed="rId2">
+            <a:extLst>
+              <a:ext uri="{28A0092B-C50C-407E-A947-70E740481C1C}">
+                <a14:useLocalDpi xmlns:a14="http://schemas.microsoft.com/office/drawing/2010/main" val="0"/>
+              </a:ext>
+            </a:extLst>
+          </a:blip>
+          <a:srcRect l="8199" t="18914" r="71063" b="27303"/>
+          <a:stretch/>
+        </p:blipFill>
+        <p:spPr bwMode="auto">
+          <a:xfrm>
+            <a:off x="2352675" y="1654290"/>
+            <a:ext cx="1993902" cy="2947214"/>
+          </a:xfrm>
+          <a:prstGeom prst="rect">
+            <a:avLst/>
+          </a:prstGeom>
+          <a:noFill/>
+          <a:extLst>
+            <a:ext uri="{909E8E84-426E-40DD-AFC4-6F175D3DCCD1}">
+              <a14:hiddenFill xmlns:a14="http://schemas.microsoft.com/office/drawing/2010/main">
+                <a:solidFill>
+                  <a:srgbClr val="FFFFFF"/>
+                </a:solidFill>
+              </a14:hiddenFill>
+            </a:ext>
+          </a:extLst>
+        </p:spPr>
+      </p:pic>
+      <p:sp>
+        <p:nvSpPr>
+          <p:cNvPr id="4" name="CaixaDeTexto 3">
+            <a:extLst>
+              <a:ext uri="{FF2B5EF4-FFF2-40B4-BE49-F238E27FC236}">
+                <a16:creationId xmlns:a16="http://schemas.microsoft.com/office/drawing/2014/main" id="{2D4157CD-EC99-C673-5888-FB8C3E89B649}"/>
+              </a:ext>
+            </a:extLst>
+          </p:cNvPr>
+          <p:cNvSpPr txBox="1"/>
+          <p:nvPr/>
+        </p:nvSpPr>
+        <p:spPr>
+          <a:xfrm>
+            <a:off x="2633815" y="1374003"/>
+            <a:ext cx="1707280" cy="369332"/>
+          </a:xfrm>
+          <a:prstGeom prst="rect">
+            <a:avLst/>
+          </a:prstGeom>
+          <a:noFill/>
+        </p:spPr>
+        <p:txBody>
+          <a:bodyPr wrap="square" rtlCol="0">
+            <a:spAutoFit/>
+          </a:bodyPr>
+          <a:lstStyle/>
+          <a:p>
+            <a:pPr algn="ctr"/>
+            <a:r>
+              <a:rPr lang="pt-BR" b="1" dirty="0"/>
+              <a:t>subajuste</a:t>
+            </a:r>
+          </a:p>
+        </p:txBody>
+      </p:sp>
+      <p:sp>
+        <p:nvSpPr>
+          <p:cNvPr id="5" name="CaixaDeTexto 4">
+            <a:extLst>
+              <a:ext uri="{FF2B5EF4-FFF2-40B4-BE49-F238E27FC236}">
+                <a16:creationId xmlns:a16="http://schemas.microsoft.com/office/drawing/2014/main" id="{71253339-1DEB-89C1-8C0E-7E916415966F}"/>
+              </a:ext>
+            </a:extLst>
+          </p:cNvPr>
+          <p:cNvSpPr txBox="1"/>
+          <p:nvPr/>
+        </p:nvSpPr>
+        <p:spPr>
+          <a:xfrm>
+            <a:off x="7876687" y="1397816"/>
+            <a:ext cx="1707280" cy="369332"/>
+          </a:xfrm>
+          <a:prstGeom prst="rect">
+            <a:avLst/>
+          </a:prstGeom>
+          <a:noFill/>
+        </p:spPr>
+        <p:txBody>
+          <a:bodyPr wrap="square" rtlCol="0">
+            <a:spAutoFit/>
+          </a:bodyPr>
+          <a:lstStyle/>
+          <a:p>
+            <a:pPr algn="ctr"/>
+            <a:r>
+              <a:rPr lang="pt-BR" b="1" dirty="0"/>
+              <a:t>sobreajuste</a:t>
+            </a:r>
+          </a:p>
+        </p:txBody>
+      </p:sp>
+      <p:sp>
+        <p:nvSpPr>
+          <p:cNvPr id="6" name="CaixaDeTexto 5">
+            <a:extLst>
+              <a:ext uri="{FF2B5EF4-FFF2-40B4-BE49-F238E27FC236}">
+                <a16:creationId xmlns:a16="http://schemas.microsoft.com/office/drawing/2014/main" id="{AAA323F9-8E5C-2ED7-7474-00EAC3A9B445}"/>
+              </a:ext>
+            </a:extLst>
+          </p:cNvPr>
+          <p:cNvSpPr txBox="1"/>
+          <p:nvPr/>
+        </p:nvSpPr>
+        <p:spPr>
+          <a:xfrm>
+            <a:off x="5040284" y="1372931"/>
+            <a:ext cx="2050543" cy="369332"/>
+          </a:xfrm>
+          <a:prstGeom prst="rect">
+            <a:avLst/>
+          </a:prstGeom>
+          <a:noFill/>
+        </p:spPr>
+        <p:txBody>
+          <a:bodyPr wrap="square" rtlCol="0">
+            <a:spAutoFit/>
+          </a:bodyPr>
+          <a:lstStyle/>
+          <a:p>
+            <a:pPr algn="ctr"/>
+            <a:r>
+              <a:rPr lang="pt-BR" b="1" dirty="0"/>
+              <a:t>ajuste apropriado</a:t>
+            </a:r>
+          </a:p>
+        </p:txBody>
+      </p:sp>
+      <p:sp>
+        <p:nvSpPr>
+          <p:cNvPr id="7" name="CaixaDeTexto 6">
+            <a:extLst>
+              <a:ext uri="{FF2B5EF4-FFF2-40B4-BE49-F238E27FC236}">
+                <a16:creationId xmlns:a16="http://schemas.microsoft.com/office/drawing/2014/main" id="{42279F6B-8E44-6328-821B-2B13EEE2036B}"/>
+              </a:ext>
+            </a:extLst>
+          </p:cNvPr>
+          <p:cNvSpPr txBox="1"/>
+          <p:nvPr/>
+        </p:nvSpPr>
+        <p:spPr>
+          <a:xfrm>
+            <a:off x="1197524" y="2011635"/>
+            <a:ext cx="1247571" cy="369332"/>
+          </a:xfrm>
+          <a:prstGeom prst="rect">
+            <a:avLst/>
+          </a:prstGeom>
+          <a:noFill/>
+        </p:spPr>
+        <p:txBody>
+          <a:bodyPr wrap="square" rtlCol="0">
+            <a:spAutoFit/>
+          </a:bodyPr>
+          <a:lstStyle/>
+          <a:p>
+            <a:r>
+              <a:rPr lang="pt-BR" b="1" dirty="0"/>
+              <a:t>Regressão</a:t>
+            </a:r>
+          </a:p>
+        </p:txBody>
+      </p:sp>
+      <p:sp>
+        <p:nvSpPr>
+          <p:cNvPr id="8" name="CaixaDeTexto 7">
+            <a:extLst>
+              <a:ext uri="{FF2B5EF4-FFF2-40B4-BE49-F238E27FC236}">
+                <a16:creationId xmlns:a16="http://schemas.microsoft.com/office/drawing/2014/main" id="{01E6D656-857C-E1E7-B118-2232A5B3C12A}"/>
+              </a:ext>
+            </a:extLst>
+          </p:cNvPr>
+          <p:cNvSpPr txBox="1"/>
+          <p:nvPr/>
+        </p:nvSpPr>
+        <p:spPr>
+          <a:xfrm>
+            <a:off x="949141" y="3668320"/>
+            <a:ext cx="1507195" cy="369332"/>
+          </a:xfrm>
+          <a:prstGeom prst="rect">
+            <a:avLst/>
+          </a:prstGeom>
+          <a:noFill/>
+        </p:spPr>
+        <p:txBody>
+          <a:bodyPr wrap="square" rtlCol="0">
+            <a:spAutoFit/>
+          </a:bodyPr>
+          <a:lstStyle/>
+          <a:p>
+            <a:r>
+              <a:rPr lang="pt-BR" b="1" dirty="0"/>
+              <a:t>Classificação</a:t>
+            </a:r>
+          </a:p>
+        </p:txBody>
+      </p:sp>
+      <p:pic>
+        <p:nvPicPr>
+          <p:cNvPr id="9" name="Picture 2">
+            <a:extLst>
+              <a:ext uri="{FF2B5EF4-FFF2-40B4-BE49-F238E27FC236}">
+                <a16:creationId xmlns:a16="http://schemas.microsoft.com/office/drawing/2014/main" id="{18114226-93F9-BEA2-8207-47B386FC6099}"/>
+              </a:ext>
+            </a:extLst>
+          </p:cNvPr>
+          <p:cNvPicPr>
+            <a:picLocks noChangeAspect="1" noChangeArrowheads="1"/>
+          </p:cNvPicPr>
+          <p:nvPr/>
+        </p:nvPicPr>
+        <p:blipFill rotWithShape="1">
+          <a:blip r:embed="rId2">
+            <a:extLst>
+              <a:ext uri="{28A0092B-C50C-407E-A947-70E740481C1C}">
+                <a14:useLocalDpi xmlns:a14="http://schemas.microsoft.com/office/drawing/2010/main" val="0"/>
+              </a:ext>
+            </a:extLst>
+          </a:blip>
+          <a:srcRect l="38345" t="19278" r="40638" b="27303"/>
+          <a:stretch/>
+        </p:blipFill>
+        <p:spPr bwMode="auto">
+          <a:xfrm>
+            <a:off x="4991619" y="1666669"/>
+            <a:ext cx="2020860" cy="2927235"/>
+          </a:xfrm>
+          <a:prstGeom prst="rect">
+            <a:avLst/>
+          </a:prstGeom>
+          <a:noFill/>
+          <a:extLst>
+            <a:ext uri="{909E8E84-426E-40DD-AFC4-6F175D3DCCD1}">
+              <a14:hiddenFill xmlns:a14="http://schemas.microsoft.com/office/drawing/2010/main">
+                <a:solidFill>
+                  <a:srgbClr val="FFFFFF"/>
+                </a:solidFill>
+              </a14:hiddenFill>
+            </a:ext>
+          </a:extLst>
+        </p:spPr>
+      </p:pic>
+      <p:pic>
+        <p:nvPicPr>
+          <p:cNvPr id="10" name="Picture 2">
+            <a:extLst>
+              <a:ext uri="{FF2B5EF4-FFF2-40B4-BE49-F238E27FC236}">
+                <a16:creationId xmlns:a16="http://schemas.microsoft.com/office/drawing/2014/main" id="{5DE423C0-8EE4-15A7-2DEA-C42F713C06E7}"/>
+              </a:ext>
+            </a:extLst>
+          </p:cNvPr>
+          <p:cNvPicPr>
+            <a:picLocks noChangeAspect="1" noChangeArrowheads="1"/>
+          </p:cNvPicPr>
+          <p:nvPr/>
+        </p:nvPicPr>
+        <p:blipFill rotWithShape="1">
+          <a:blip r:embed="rId2">
+            <a:extLst>
+              <a:ext uri="{28A0092B-C50C-407E-A947-70E740481C1C}">
+                <a14:useLocalDpi xmlns:a14="http://schemas.microsoft.com/office/drawing/2010/main" val="0"/>
+              </a:ext>
+            </a:extLst>
+          </a:blip>
+          <a:srcRect l="69602" t="20289" r="9128" b="27303"/>
+          <a:stretch/>
+        </p:blipFill>
+        <p:spPr bwMode="auto">
+          <a:xfrm>
+            <a:off x="7662415" y="1654290"/>
+            <a:ext cx="2084490" cy="2927235"/>
+          </a:xfrm>
+          <a:prstGeom prst="rect">
+            <a:avLst/>
+          </a:prstGeom>
+          <a:noFill/>
+          <a:extLst>
+            <a:ext uri="{909E8E84-426E-40DD-AFC4-6F175D3DCCD1}">
+              <a14:hiddenFill xmlns:a14="http://schemas.microsoft.com/office/drawing/2010/main">
+                <a:solidFill>
+                  <a:srgbClr val="FFFFFF"/>
+                </a:solidFill>
+              </a14:hiddenFill>
+            </a:ext>
+          </a:extLst>
+        </p:spPr>
+      </p:pic>
+    </p:spTree>
+    <p:extLst>
+      <p:ext uri="{BB962C8B-B14F-4D97-AF65-F5344CB8AC3E}">
+        <p14:creationId xmlns:p14="http://schemas.microsoft.com/office/powerpoint/2010/main" val="3854592192"/>
+      </p:ext>
+    </p:extLst>
+  </p:cSld>
+  <p:clrMapOvr>
+    <a:masterClrMapping/>
+  </p:clrMapOvr>
+</p:sld>
+</file>
+
+<file path=ppt/slides/slide14.xml><?xml version="1.0" encoding="utf-8"?>
+<p:sld xmlns:a="http://schemas.openxmlformats.org/drawingml/2006/main" xmlns:r="http://schemas.openxmlformats.org/officeDocument/2006/relationships" xmlns:p="http://schemas.openxmlformats.org/presentationml/2006/main">
+  <p:cSld>
+    <p:spTree>
+      <p:nvGrpSpPr>
+        <p:cNvPr id="1" name=""/>
+        <p:cNvGrpSpPr/>
+        <p:nvPr/>
+      </p:nvGrpSpPr>
+      <p:grpSpPr>
+        <a:xfrm>
+          <a:off x="0" y="0"/>
+          <a:ext cx="0" cy="0"/>
+          <a:chOff x="0" y="0"/>
+          <a:chExt cx="0" cy="0"/>
+        </a:xfrm>
+      </p:grpSpPr>
+      <p:sp>
+        <p:nvSpPr>
+          <p:cNvPr id="2" name="Título 1">
+            <a:extLst>
+              <a:ext uri="{FF2B5EF4-FFF2-40B4-BE49-F238E27FC236}">
+                <a16:creationId xmlns:a16="http://schemas.microsoft.com/office/drawing/2014/main" id="{DF5079C6-CB84-CFE9-43C7-0B30FA68EF86}"/>
+              </a:ext>
+            </a:extLst>
+          </p:cNvPr>
+          <p:cNvSpPr>
+            <a:spLocks noGrp="1"/>
+          </p:cNvSpPr>
+          <p:nvPr>
+            <p:ph type="title"/>
+          </p:nvPr>
+        </p:nvSpPr>
+        <p:spPr/>
+        <p:txBody>
+          <a:bodyPr/>
+          <a:lstStyle/>
+          <a:p>
+            <a:r>
+              <a:rPr lang="pt-BR" dirty="0"/>
+              <a:t>Subajuste e sobreajuste</a:t>
+            </a:r>
+          </a:p>
+        </p:txBody>
+      </p:sp>
+      <p:sp>
+        <p:nvSpPr>
+          <p:cNvPr id="3" name="Espaço Reservado para Conteúdo 2">
+            <a:extLst>
+              <a:ext uri="{FF2B5EF4-FFF2-40B4-BE49-F238E27FC236}">
+                <a16:creationId xmlns:a16="http://schemas.microsoft.com/office/drawing/2014/main" id="{00D9AD81-A061-C4A9-2251-C539F0790014}"/>
+              </a:ext>
+            </a:extLst>
+          </p:cNvPr>
+          <p:cNvSpPr>
+            <a:spLocks noGrp="1"/>
+          </p:cNvSpPr>
+          <p:nvPr>
+            <p:ph idx="1"/>
+          </p:nvPr>
+        </p:nvSpPr>
+        <p:spPr>
+          <a:xfrm>
+            <a:off x="838200" y="4686301"/>
+            <a:ext cx="11216148" cy="2171700"/>
+          </a:xfrm>
+        </p:spPr>
+        <p:txBody>
+          <a:bodyPr>
+            <a:normAutofit/>
+          </a:bodyPr>
+          <a:lstStyle/>
+          <a:p>
+            <a:r>
+              <a:rPr lang="pt-BR" dirty="0"/>
+              <a:t>Algumas causas do </a:t>
+            </a:r>
+            <a:r>
+              <a:rPr lang="pt-BR" b="1" i="1" dirty="0">
+                <a:solidFill>
+                  <a:srgbClr val="FF0000"/>
+                </a:solidFill>
+              </a:rPr>
+              <a:t>sobreajuste</a:t>
+            </a:r>
+            <a:r>
+              <a:rPr lang="pt-BR" dirty="0"/>
+              <a:t> são:</a:t>
+            </a:r>
+          </a:p>
+        </p:txBody>
+      </p:sp>
+      <p:pic>
+        <p:nvPicPr>
+          <p:cNvPr id="7170" name="Picture 2">
+            <a:extLst>
+              <a:ext uri="{FF2B5EF4-FFF2-40B4-BE49-F238E27FC236}">
+                <a16:creationId xmlns:a16="http://schemas.microsoft.com/office/drawing/2014/main" id="{1892C83B-01FF-5BDF-4F58-41B311222FA0}"/>
+              </a:ext>
+            </a:extLst>
+          </p:cNvPr>
+          <p:cNvPicPr>
+            <a:picLocks noChangeAspect="1" noChangeArrowheads="1"/>
+          </p:cNvPicPr>
+          <p:nvPr/>
+        </p:nvPicPr>
+        <p:blipFill rotWithShape="1">
+          <a:blip r:embed="rId2">
+            <a:extLst>
+              <a:ext uri="{28A0092B-C50C-407E-A947-70E740481C1C}">
+                <a14:useLocalDpi xmlns:a14="http://schemas.microsoft.com/office/drawing/2010/main" val="0"/>
+              </a:ext>
+            </a:extLst>
+          </a:blip>
+          <a:srcRect l="8199" t="18914" r="71063" b="27303"/>
+          <a:stretch/>
+        </p:blipFill>
+        <p:spPr bwMode="auto">
+          <a:xfrm>
+            <a:off x="2352675" y="1654290"/>
+            <a:ext cx="1993902" cy="2947214"/>
+          </a:xfrm>
+          <a:prstGeom prst="rect">
+            <a:avLst/>
+          </a:prstGeom>
+          <a:noFill/>
+          <a:extLst>
+            <a:ext uri="{909E8E84-426E-40DD-AFC4-6F175D3DCCD1}">
+              <a14:hiddenFill xmlns:a14="http://schemas.microsoft.com/office/drawing/2010/main">
+                <a:solidFill>
+                  <a:srgbClr val="FFFFFF"/>
+                </a:solidFill>
+              </a14:hiddenFill>
+            </a:ext>
+          </a:extLst>
+        </p:spPr>
+      </p:pic>
+      <p:sp>
+        <p:nvSpPr>
+          <p:cNvPr id="4" name="CaixaDeTexto 3">
+            <a:extLst>
+              <a:ext uri="{FF2B5EF4-FFF2-40B4-BE49-F238E27FC236}">
+                <a16:creationId xmlns:a16="http://schemas.microsoft.com/office/drawing/2014/main" id="{2D4157CD-EC99-C673-5888-FB8C3E89B649}"/>
+              </a:ext>
+            </a:extLst>
+          </p:cNvPr>
+          <p:cNvSpPr txBox="1"/>
+          <p:nvPr/>
+        </p:nvSpPr>
+        <p:spPr>
+          <a:xfrm>
+            <a:off x="2633815" y="1374003"/>
+            <a:ext cx="1707280" cy="369332"/>
+          </a:xfrm>
+          <a:prstGeom prst="rect">
+            <a:avLst/>
+          </a:prstGeom>
+          <a:noFill/>
+        </p:spPr>
+        <p:txBody>
+          <a:bodyPr wrap="square" rtlCol="0">
+            <a:spAutoFit/>
+          </a:bodyPr>
+          <a:lstStyle/>
+          <a:p>
+            <a:pPr algn="ctr"/>
+            <a:r>
+              <a:rPr lang="pt-BR" b="1" dirty="0"/>
+              <a:t>subajuste</a:t>
+            </a:r>
+          </a:p>
+        </p:txBody>
+      </p:sp>
+      <p:sp>
+        <p:nvSpPr>
+          <p:cNvPr id="5" name="CaixaDeTexto 4">
+            <a:extLst>
+              <a:ext uri="{FF2B5EF4-FFF2-40B4-BE49-F238E27FC236}">
+                <a16:creationId xmlns:a16="http://schemas.microsoft.com/office/drawing/2014/main" id="{71253339-1DEB-89C1-8C0E-7E916415966F}"/>
+              </a:ext>
+            </a:extLst>
+          </p:cNvPr>
+          <p:cNvSpPr txBox="1"/>
+          <p:nvPr/>
+        </p:nvSpPr>
+        <p:spPr>
+          <a:xfrm>
+            <a:off x="7876687" y="1397816"/>
+            <a:ext cx="1707280" cy="369332"/>
+          </a:xfrm>
+          <a:prstGeom prst="rect">
+            <a:avLst/>
+          </a:prstGeom>
+          <a:noFill/>
+        </p:spPr>
+        <p:txBody>
+          <a:bodyPr wrap="square" rtlCol="0">
+            <a:spAutoFit/>
+          </a:bodyPr>
+          <a:lstStyle/>
+          <a:p>
+            <a:pPr algn="ctr"/>
+            <a:r>
+              <a:rPr lang="pt-BR" b="1" dirty="0"/>
+              <a:t>sobreajuste</a:t>
+            </a:r>
+          </a:p>
+        </p:txBody>
+      </p:sp>
+      <p:sp>
+        <p:nvSpPr>
+          <p:cNvPr id="6" name="CaixaDeTexto 5">
+            <a:extLst>
+              <a:ext uri="{FF2B5EF4-FFF2-40B4-BE49-F238E27FC236}">
+                <a16:creationId xmlns:a16="http://schemas.microsoft.com/office/drawing/2014/main" id="{AAA323F9-8E5C-2ED7-7474-00EAC3A9B445}"/>
+              </a:ext>
+            </a:extLst>
+          </p:cNvPr>
+          <p:cNvSpPr txBox="1"/>
+          <p:nvPr/>
+        </p:nvSpPr>
+        <p:spPr>
+          <a:xfrm>
+            <a:off x="5040284" y="1372931"/>
+            <a:ext cx="2050543" cy="369332"/>
+          </a:xfrm>
+          <a:prstGeom prst="rect">
+            <a:avLst/>
+          </a:prstGeom>
+          <a:noFill/>
+        </p:spPr>
+        <p:txBody>
+          <a:bodyPr wrap="square" rtlCol="0">
+            <a:spAutoFit/>
+          </a:bodyPr>
+          <a:lstStyle/>
+          <a:p>
+            <a:pPr algn="ctr"/>
+            <a:r>
+              <a:rPr lang="pt-BR" b="1" dirty="0"/>
+              <a:t>ajuste apropriado</a:t>
+            </a:r>
+          </a:p>
+        </p:txBody>
+      </p:sp>
+      <p:sp>
+        <p:nvSpPr>
+          <p:cNvPr id="7" name="CaixaDeTexto 6">
+            <a:extLst>
+              <a:ext uri="{FF2B5EF4-FFF2-40B4-BE49-F238E27FC236}">
+                <a16:creationId xmlns:a16="http://schemas.microsoft.com/office/drawing/2014/main" id="{42279F6B-8E44-6328-821B-2B13EEE2036B}"/>
+              </a:ext>
+            </a:extLst>
+          </p:cNvPr>
+          <p:cNvSpPr txBox="1"/>
+          <p:nvPr/>
+        </p:nvSpPr>
+        <p:spPr>
+          <a:xfrm>
+            <a:off x="1197524" y="2011635"/>
+            <a:ext cx="1247571" cy="369332"/>
+          </a:xfrm>
+          <a:prstGeom prst="rect">
+            <a:avLst/>
+          </a:prstGeom>
+          <a:noFill/>
+        </p:spPr>
+        <p:txBody>
+          <a:bodyPr wrap="square" rtlCol="0">
+            <a:spAutoFit/>
+          </a:bodyPr>
+          <a:lstStyle/>
+          <a:p>
+            <a:r>
+              <a:rPr lang="pt-BR" b="1" dirty="0"/>
+              <a:t>Regressão</a:t>
+            </a:r>
+          </a:p>
+        </p:txBody>
+      </p:sp>
+      <p:sp>
+        <p:nvSpPr>
+          <p:cNvPr id="8" name="CaixaDeTexto 7">
+            <a:extLst>
+              <a:ext uri="{FF2B5EF4-FFF2-40B4-BE49-F238E27FC236}">
+                <a16:creationId xmlns:a16="http://schemas.microsoft.com/office/drawing/2014/main" id="{01E6D656-857C-E1E7-B118-2232A5B3C12A}"/>
+              </a:ext>
+            </a:extLst>
+          </p:cNvPr>
+          <p:cNvSpPr txBox="1"/>
+          <p:nvPr/>
+        </p:nvSpPr>
+        <p:spPr>
+          <a:xfrm>
+            <a:off x="949141" y="3668320"/>
+            <a:ext cx="1507195" cy="369332"/>
+          </a:xfrm>
+          <a:prstGeom prst="rect">
+            <a:avLst/>
+          </a:prstGeom>
+          <a:noFill/>
+        </p:spPr>
+        <p:txBody>
+          <a:bodyPr wrap="square" rtlCol="0">
+            <a:spAutoFit/>
+          </a:bodyPr>
+          <a:lstStyle/>
+          <a:p>
+            <a:r>
+              <a:rPr lang="pt-BR" b="1" dirty="0"/>
+              <a:t>Classificação</a:t>
+            </a:r>
+          </a:p>
+        </p:txBody>
+      </p:sp>
+      <p:pic>
+        <p:nvPicPr>
+          <p:cNvPr id="9" name="Picture 2">
+            <a:extLst>
+              <a:ext uri="{FF2B5EF4-FFF2-40B4-BE49-F238E27FC236}">
+                <a16:creationId xmlns:a16="http://schemas.microsoft.com/office/drawing/2014/main" id="{18114226-93F9-BEA2-8207-47B386FC6099}"/>
+              </a:ext>
+            </a:extLst>
+          </p:cNvPr>
+          <p:cNvPicPr>
+            <a:picLocks noChangeAspect="1" noChangeArrowheads="1"/>
+          </p:cNvPicPr>
+          <p:nvPr/>
+        </p:nvPicPr>
+        <p:blipFill rotWithShape="1">
+          <a:blip r:embed="rId2">
+            <a:extLst>
+              <a:ext uri="{28A0092B-C50C-407E-A947-70E740481C1C}">
+                <a14:useLocalDpi xmlns:a14="http://schemas.microsoft.com/office/drawing/2010/main" val="0"/>
+              </a:ext>
+            </a:extLst>
+          </a:blip>
+          <a:srcRect l="38345" t="19278" r="40638" b="27303"/>
+          <a:stretch/>
+        </p:blipFill>
+        <p:spPr bwMode="auto">
+          <a:xfrm>
+            <a:off x="4991619" y="1666669"/>
+            <a:ext cx="2020860" cy="2927235"/>
+          </a:xfrm>
+          <a:prstGeom prst="rect">
+            <a:avLst/>
+          </a:prstGeom>
+          <a:noFill/>
+          <a:extLst>
+            <a:ext uri="{909E8E84-426E-40DD-AFC4-6F175D3DCCD1}">
+              <a14:hiddenFill xmlns:a14="http://schemas.microsoft.com/office/drawing/2010/main">
+                <a:solidFill>
+                  <a:srgbClr val="FFFFFF"/>
+                </a:solidFill>
+              </a14:hiddenFill>
+            </a:ext>
+          </a:extLst>
+        </p:spPr>
+      </p:pic>
+      <p:pic>
+        <p:nvPicPr>
+          <p:cNvPr id="10" name="Picture 2">
+            <a:extLst>
+              <a:ext uri="{FF2B5EF4-FFF2-40B4-BE49-F238E27FC236}">
+                <a16:creationId xmlns:a16="http://schemas.microsoft.com/office/drawing/2014/main" id="{5DE423C0-8EE4-15A7-2DEA-C42F713C06E7}"/>
+              </a:ext>
+            </a:extLst>
+          </p:cNvPr>
+          <p:cNvPicPr>
+            <a:picLocks noChangeAspect="1" noChangeArrowheads="1"/>
+          </p:cNvPicPr>
+          <p:nvPr/>
+        </p:nvPicPr>
+        <p:blipFill rotWithShape="1">
+          <a:blip r:embed="rId2">
+            <a:extLst>
+              <a:ext uri="{28A0092B-C50C-407E-A947-70E740481C1C}">
+                <a14:useLocalDpi xmlns:a14="http://schemas.microsoft.com/office/drawing/2010/main" val="0"/>
+              </a:ext>
+            </a:extLst>
+          </a:blip>
+          <a:srcRect l="69602" t="20289" r="9128" b="27303"/>
+          <a:stretch/>
+        </p:blipFill>
+        <p:spPr bwMode="auto">
+          <a:xfrm>
+            <a:off x="7662415" y="1654290"/>
+            <a:ext cx="2084490" cy="2927235"/>
+          </a:xfrm>
+          <a:prstGeom prst="rect">
+            <a:avLst/>
+          </a:prstGeom>
+          <a:noFill/>
+          <a:extLst>
+            <a:ext uri="{909E8E84-426E-40DD-AFC4-6F175D3DCCD1}">
+              <a14:hiddenFill xmlns:a14="http://schemas.microsoft.com/office/drawing/2010/main">
+                <a:solidFill>
+                  <a:srgbClr val="FFFFFF"/>
+                </a:solidFill>
+              </a14:hiddenFill>
+            </a:ext>
+          </a:extLst>
+        </p:spPr>
+      </p:pic>
+    </p:spTree>
+    <p:extLst>
+      <p:ext uri="{BB962C8B-B14F-4D97-AF65-F5344CB8AC3E}">
+        <p14:creationId xmlns:p14="http://schemas.microsoft.com/office/powerpoint/2010/main" val="1725550275"/>
+      </p:ext>
+    </p:extLst>
+  </p:cSld>
+  <p:clrMapOvr>
+    <a:masterClrMapping/>
+  </p:clrMapOvr>
+</p:sld>
+</file>
+
+<file path=ppt/slides/slide15.xml><?xml version="1.0" encoding="utf-8"?>
+<p:sld xmlns:a="http://schemas.openxmlformats.org/drawingml/2006/main" xmlns:r="http://schemas.openxmlformats.org/officeDocument/2006/relationships" xmlns:p="http://schemas.openxmlformats.org/presentationml/2006/main">
+  <p:cSld>
+    <p:spTree>
+      <p:nvGrpSpPr>
+        <p:cNvPr id="1" name=""/>
+        <p:cNvGrpSpPr/>
+        <p:nvPr/>
+      </p:nvGrpSpPr>
+      <p:grpSpPr>
+        <a:xfrm>
+          <a:off x="0" y="0"/>
+          <a:ext cx="0" cy="0"/>
+          <a:chOff x="0" y="0"/>
+          <a:chExt cx="0" cy="0"/>
+        </a:xfrm>
+      </p:grpSpPr>
+      <p:sp>
+        <p:nvSpPr>
+          <p:cNvPr id="2" name="Título 1">
+            <a:extLst>
+              <a:ext uri="{FF2B5EF4-FFF2-40B4-BE49-F238E27FC236}">
+                <a16:creationId xmlns:a16="http://schemas.microsoft.com/office/drawing/2014/main" id="{DF5079C6-CB84-CFE9-43C7-0B30FA68EF86}"/>
+              </a:ext>
+            </a:extLst>
+          </p:cNvPr>
+          <p:cNvSpPr>
+            <a:spLocks noGrp="1"/>
+          </p:cNvSpPr>
+          <p:nvPr>
+            <p:ph type="title"/>
+          </p:nvPr>
+        </p:nvSpPr>
+        <p:spPr/>
+        <p:txBody>
+          <a:bodyPr/>
+          <a:lstStyle/>
+          <a:p>
+            <a:r>
+              <a:rPr lang="pt-BR" dirty="0"/>
+              <a:t>Subajuste e sobreajuste</a:t>
+            </a:r>
+          </a:p>
+        </p:txBody>
+      </p:sp>
+      <p:sp>
+        <p:nvSpPr>
+          <p:cNvPr id="3" name="Espaço Reservado para Conteúdo 2">
+            <a:extLst>
+              <a:ext uri="{FF2B5EF4-FFF2-40B4-BE49-F238E27FC236}">
+                <a16:creationId xmlns:a16="http://schemas.microsoft.com/office/drawing/2014/main" id="{00D9AD81-A061-C4A9-2251-C539F0790014}"/>
+              </a:ext>
+            </a:extLst>
+          </p:cNvPr>
+          <p:cNvSpPr>
+            <a:spLocks noGrp="1"/>
+          </p:cNvSpPr>
+          <p:nvPr>
+            <p:ph idx="1"/>
+          </p:nvPr>
+        </p:nvSpPr>
+        <p:spPr>
+          <a:xfrm>
+            <a:off x="838200" y="4686301"/>
+            <a:ext cx="11216148" cy="2171700"/>
+          </a:xfrm>
+        </p:spPr>
+        <p:txBody>
+          <a:bodyPr>
+            <a:normAutofit/>
+          </a:bodyPr>
+          <a:lstStyle/>
+          <a:p>
+            <a:r>
+              <a:rPr lang="pt-BR" dirty="0"/>
+              <a:t>Para mitigar o problema, podemos </a:t>
+            </a:r>
+          </a:p>
+        </p:txBody>
+      </p:sp>
+      <p:pic>
+        <p:nvPicPr>
+          <p:cNvPr id="7170" name="Picture 2">
+            <a:extLst>
+              <a:ext uri="{FF2B5EF4-FFF2-40B4-BE49-F238E27FC236}">
+                <a16:creationId xmlns:a16="http://schemas.microsoft.com/office/drawing/2014/main" id="{1892C83B-01FF-5BDF-4F58-41B311222FA0}"/>
+              </a:ext>
+            </a:extLst>
+          </p:cNvPr>
+          <p:cNvPicPr>
+            <a:picLocks noChangeAspect="1" noChangeArrowheads="1"/>
+          </p:cNvPicPr>
+          <p:nvPr/>
+        </p:nvPicPr>
+        <p:blipFill rotWithShape="1">
+          <a:blip r:embed="rId2">
+            <a:extLst>
+              <a:ext uri="{28A0092B-C50C-407E-A947-70E740481C1C}">
+                <a14:useLocalDpi xmlns:a14="http://schemas.microsoft.com/office/drawing/2010/main" val="0"/>
+              </a:ext>
+            </a:extLst>
+          </a:blip>
+          <a:srcRect l="8199" t="18914" r="71063" b="27303"/>
+          <a:stretch/>
+        </p:blipFill>
+        <p:spPr bwMode="auto">
+          <a:xfrm>
+            <a:off x="2352675" y="1701915"/>
+            <a:ext cx="1993902" cy="2947214"/>
+          </a:xfrm>
+          <a:prstGeom prst="rect">
+            <a:avLst/>
+          </a:prstGeom>
+          <a:noFill/>
+          <a:extLst>
+            <a:ext uri="{909E8E84-426E-40DD-AFC4-6F175D3DCCD1}">
+              <a14:hiddenFill xmlns:a14="http://schemas.microsoft.com/office/drawing/2010/main">
+                <a:solidFill>
+                  <a:srgbClr val="FFFFFF"/>
+                </a:solidFill>
+              </a14:hiddenFill>
+            </a:ext>
+          </a:extLst>
+        </p:spPr>
+      </p:pic>
+      <p:sp>
+        <p:nvSpPr>
+          <p:cNvPr id="4" name="CaixaDeTexto 3">
+            <a:extLst>
+              <a:ext uri="{FF2B5EF4-FFF2-40B4-BE49-F238E27FC236}">
+                <a16:creationId xmlns:a16="http://schemas.microsoft.com/office/drawing/2014/main" id="{2D4157CD-EC99-C673-5888-FB8C3E89B649}"/>
+              </a:ext>
+            </a:extLst>
+          </p:cNvPr>
+          <p:cNvSpPr txBox="1"/>
+          <p:nvPr/>
+        </p:nvSpPr>
+        <p:spPr>
+          <a:xfrm>
+            <a:off x="2633815" y="1421628"/>
+            <a:ext cx="1707280" cy="369332"/>
+          </a:xfrm>
+          <a:prstGeom prst="rect">
+            <a:avLst/>
+          </a:prstGeom>
+          <a:noFill/>
+        </p:spPr>
+        <p:txBody>
+          <a:bodyPr wrap="square" rtlCol="0">
+            <a:spAutoFit/>
+          </a:bodyPr>
+          <a:lstStyle/>
+          <a:p>
+            <a:pPr algn="ctr"/>
+            <a:r>
+              <a:rPr lang="pt-BR" b="1" dirty="0"/>
+              <a:t>subajuste</a:t>
+            </a:r>
+          </a:p>
+        </p:txBody>
+      </p:sp>
+      <p:sp>
+        <p:nvSpPr>
+          <p:cNvPr id="5" name="CaixaDeTexto 4">
+            <a:extLst>
+              <a:ext uri="{FF2B5EF4-FFF2-40B4-BE49-F238E27FC236}">
+                <a16:creationId xmlns:a16="http://schemas.microsoft.com/office/drawing/2014/main" id="{71253339-1DEB-89C1-8C0E-7E916415966F}"/>
+              </a:ext>
+            </a:extLst>
+          </p:cNvPr>
+          <p:cNvSpPr txBox="1"/>
+          <p:nvPr/>
+        </p:nvSpPr>
+        <p:spPr>
+          <a:xfrm>
+            <a:off x="7876687" y="1445441"/>
+            <a:ext cx="1707280" cy="369332"/>
+          </a:xfrm>
+          <a:prstGeom prst="rect">
+            <a:avLst/>
+          </a:prstGeom>
+          <a:noFill/>
+        </p:spPr>
+        <p:txBody>
+          <a:bodyPr wrap="square" rtlCol="0">
+            <a:spAutoFit/>
+          </a:bodyPr>
+          <a:lstStyle/>
+          <a:p>
+            <a:pPr algn="ctr"/>
+            <a:r>
+              <a:rPr lang="pt-BR" b="1" dirty="0"/>
+              <a:t>sobreajuste</a:t>
+            </a:r>
+          </a:p>
+        </p:txBody>
+      </p:sp>
+      <p:sp>
+        <p:nvSpPr>
+          <p:cNvPr id="6" name="CaixaDeTexto 5">
+            <a:extLst>
+              <a:ext uri="{FF2B5EF4-FFF2-40B4-BE49-F238E27FC236}">
+                <a16:creationId xmlns:a16="http://schemas.microsoft.com/office/drawing/2014/main" id="{AAA323F9-8E5C-2ED7-7474-00EAC3A9B445}"/>
+              </a:ext>
+            </a:extLst>
+          </p:cNvPr>
+          <p:cNvSpPr txBox="1"/>
+          <p:nvPr/>
+        </p:nvSpPr>
+        <p:spPr>
+          <a:xfrm>
+            <a:off x="5040284" y="1420556"/>
+            <a:ext cx="2050543" cy="369332"/>
+          </a:xfrm>
+          <a:prstGeom prst="rect">
+            <a:avLst/>
+          </a:prstGeom>
+          <a:noFill/>
+        </p:spPr>
+        <p:txBody>
+          <a:bodyPr wrap="square" rtlCol="0">
+            <a:spAutoFit/>
+          </a:bodyPr>
+          <a:lstStyle/>
+          <a:p>
+            <a:pPr algn="ctr"/>
+            <a:r>
+              <a:rPr lang="pt-BR" b="1" dirty="0"/>
+              <a:t>ajuste apropriado</a:t>
+            </a:r>
+          </a:p>
+        </p:txBody>
+      </p:sp>
+      <p:sp>
+        <p:nvSpPr>
+          <p:cNvPr id="7" name="CaixaDeTexto 6">
+            <a:extLst>
+              <a:ext uri="{FF2B5EF4-FFF2-40B4-BE49-F238E27FC236}">
+                <a16:creationId xmlns:a16="http://schemas.microsoft.com/office/drawing/2014/main" id="{42279F6B-8E44-6328-821B-2B13EEE2036B}"/>
+              </a:ext>
+            </a:extLst>
+          </p:cNvPr>
+          <p:cNvSpPr txBox="1"/>
+          <p:nvPr/>
+        </p:nvSpPr>
+        <p:spPr>
+          <a:xfrm>
+            <a:off x="1197524" y="2059260"/>
+            <a:ext cx="1247571" cy="369332"/>
+          </a:xfrm>
+          <a:prstGeom prst="rect">
+            <a:avLst/>
+          </a:prstGeom>
+          <a:noFill/>
+        </p:spPr>
+        <p:txBody>
+          <a:bodyPr wrap="square" rtlCol="0">
+            <a:spAutoFit/>
+          </a:bodyPr>
+          <a:lstStyle/>
+          <a:p>
+            <a:r>
+              <a:rPr lang="pt-BR" b="1" dirty="0"/>
+              <a:t>Regressão</a:t>
+            </a:r>
+          </a:p>
+        </p:txBody>
+      </p:sp>
+      <p:sp>
+        <p:nvSpPr>
+          <p:cNvPr id="8" name="CaixaDeTexto 7">
+            <a:extLst>
+              <a:ext uri="{FF2B5EF4-FFF2-40B4-BE49-F238E27FC236}">
+                <a16:creationId xmlns:a16="http://schemas.microsoft.com/office/drawing/2014/main" id="{01E6D656-857C-E1E7-B118-2232A5B3C12A}"/>
+              </a:ext>
+            </a:extLst>
+          </p:cNvPr>
+          <p:cNvSpPr txBox="1"/>
+          <p:nvPr/>
+        </p:nvSpPr>
+        <p:spPr>
+          <a:xfrm>
+            <a:off x="949141" y="3715945"/>
+            <a:ext cx="1507195" cy="369332"/>
+          </a:xfrm>
+          <a:prstGeom prst="rect">
+            <a:avLst/>
+          </a:prstGeom>
+          <a:noFill/>
+        </p:spPr>
+        <p:txBody>
+          <a:bodyPr wrap="square" rtlCol="0">
+            <a:spAutoFit/>
+          </a:bodyPr>
+          <a:lstStyle/>
+          <a:p>
+            <a:r>
+              <a:rPr lang="pt-BR" b="1" dirty="0"/>
+              <a:t>Classificação</a:t>
+            </a:r>
+          </a:p>
+        </p:txBody>
+      </p:sp>
+      <p:pic>
+        <p:nvPicPr>
+          <p:cNvPr id="9" name="Picture 2">
+            <a:extLst>
+              <a:ext uri="{FF2B5EF4-FFF2-40B4-BE49-F238E27FC236}">
+                <a16:creationId xmlns:a16="http://schemas.microsoft.com/office/drawing/2014/main" id="{18114226-93F9-BEA2-8207-47B386FC6099}"/>
+              </a:ext>
+            </a:extLst>
+          </p:cNvPr>
+          <p:cNvPicPr>
+            <a:picLocks noChangeAspect="1" noChangeArrowheads="1"/>
+          </p:cNvPicPr>
+          <p:nvPr/>
+        </p:nvPicPr>
+        <p:blipFill rotWithShape="1">
+          <a:blip r:embed="rId2">
+            <a:extLst>
+              <a:ext uri="{28A0092B-C50C-407E-A947-70E740481C1C}">
+                <a14:useLocalDpi xmlns:a14="http://schemas.microsoft.com/office/drawing/2010/main" val="0"/>
+              </a:ext>
+            </a:extLst>
+          </a:blip>
+          <a:srcRect l="38345" t="19278" r="40638" b="27303"/>
+          <a:stretch/>
+        </p:blipFill>
+        <p:spPr bwMode="auto">
+          <a:xfrm>
+            <a:off x="4991619" y="1714294"/>
+            <a:ext cx="2020860" cy="2927235"/>
+          </a:xfrm>
+          <a:prstGeom prst="rect">
+            <a:avLst/>
+          </a:prstGeom>
+          <a:noFill/>
+          <a:extLst>
+            <a:ext uri="{909E8E84-426E-40DD-AFC4-6F175D3DCCD1}">
+              <a14:hiddenFill xmlns:a14="http://schemas.microsoft.com/office/drawing/2010/main">
+                <a:solidFill>
+                  <a:srgbClr val="FFFFFF"/>
+                </a:solidFill>
+              </a14:hiddenFill>
+            </a:ext>
+          </a:extLst>
+        </p:spPr>
+      </p:pic>
+      <p:pic>
+        <p:nvPicPr>
+          <p:cNvPr id="10" name="Picture 2">
+            <a:extLst>
+              <a:ext uri="{FF2B5EF4-FFF2-40B4-BE49-F238E27FC236}">
+                <a16:creationId xmlns:a16="http://schemas.microsoft.com/office/drawing/2014/main" id="{5DE423C0-8EE4-15A7-2DEA-C42F713C06E7}"/>
+              </a:ext>
+            </a:extLst>
+          </p:cNvPr>
+          <p:cNvPicPr>
+            <a:picLocks noChangeAspect="1" noChangeArrowheads="1"/>
+          </p:cNvPicPr>
+          <p:nvPr/>
+        </p:nvPicPr>
+        <p:blipFill rotWithShape="1">
+          <a:blip r:embed="rId2">
+            <a:extLst>
+              <a:ext uri="{28A0092B-C50C-407E-A947-70E740481C1C}">
+                <a14:useLocalDpi xmlns:a14="http://schemas.microsoft.com/office/drawing/2010/main" val="0"/>
+              </a:ext>
+            </a:extLst>
+          </a:blip>
+          <a:srcRect l="69602" t="20289" r="9128" b="27303"/>
+          <a:stretch/>
+        </p:blipFill>
+        <p:spPr bwMode="auto">
+          <a:xfrm>
+            <a:off x="7662415" y="1701915"/>
+            <a:ext cx="2084490" cy="2927235"/>
+          </a:xfrm>
+          <a:prstGeom prst="rect">
+            <a:avLst/>
+          </a:prstGeom>
+          <a:noFill/>
+          <a:extLst>
+            <a:ext uri="{909E8E84-426E-40DD-AFC4-6F175D3DCCD1}">
+              <a14:hiddenFill xmlns:a14="http://schemas.microsoft.com/office/drawing/2010/main">
+                <a:solidFill>
+                  <a:srgbClr val="FFFFFF"/>
+                </a:solidFill>
+              </a14:hiddenFill>
+            </a:ext>
+          </a:extLst>
+        </p:spPr>
+      </p:pic>
+    </p:spTree>
+    <p:extLst>
+      <p:ext uri="{BB962C8B-B14F-4D97-AF65-F5344CB8AC3E}">
+        <p14:creationId xmlns:p14="http://schemas.microsoft.com/office/powerpoint/2010/main" val="3181700981"/>
+      </p:ext>
+    </p:extLst>
+  </p:cSld>
+  <p:clrMapOvr>
+    <a:masterClrMapping/>
+  </p:clrMapOvr>
+</p:sld>
+</file>
+
+<file path=ppt/slides/slide16.xml><?xml version="1.0" encoding="utf-8"?>
+<p:sld xmlns:a="http://schemas.openxmlformats.org/drawingml/2006/main" xmlns:r="http://schemas.openxmlformats.org/officeDocument/2006/relationships" xmlns:p="http://schemas.openxmlformats.org/presentationml/2006/main">
+  <p:cSld>
+    <p:spTree>
+      <p:nvGrpSpPr>
+        <p:cNvPr id="1" name=""/>
+        <p:cNvGrpSpPr/>
+        <p:nvPr/>
+      </p:nvGrpSpPr>
+      <p:grpSpPr>
+        <a:xfrm>
+          <a:off x="0" y="0"/>
+          <a:ext cx="0" cy="0"/>
+          <a:chOff x="0" y="0"/>
+          <a:chExt cx="0" cy="0"/>
+        </a:xfrm>
+      </p:grpSpPr>
+      <p:sp>
+        <p:nvSpPr>
+          <p:cNvPr id="2" name="Título 1">
+            <a:extLst>
+              <a:ext uri="{FF2B5EF4-FFF2-40B4-BE49-F238E27FC236}">
+                <a16:creationId xmlns:a16="http://schemas.microsoft.com/office/drawing/2014/main" id="{B04A7F89-F919-BEA1-1CDB-63AA14A723CA}"/>
+              </a:ext>
+            </a:extLst>
+          </p:cNvPr>
+          <p:cNvSpPr>
+            <a:spLocks noGrp="1"/>
+          </p:cNvSpPr>
+          <p:nvPr>
+            <p:ph type="title"/>
+          </p:nvPr>
+        </p:nvSpPr>
+        <p:spPr/>
+        <p:txBody>
+          <a:bodyPr/>
+          <a:lstStyle/>
+          <a:p>
+            <a:endParaRPr lang="pt-BR"/>
+          </a:p>
+        </p:txBody>
+      </p:sp>
+      <p:sp>
+        <p:nvSpPr>
+          <p:cNvPr id="3" name="Espaço Reservado para Conteúdo 2">
+            <a:extLst>
+              <a:ext uri="{FF2B5EF4-FFF2-40B4-BE49-F238E27FC236}">
+                <a16:creationId xmlns:a16="http://schemas.microsoft.com/office/drawing/2014/main" id="{D6E2C431-090C-A553-8AEC-3B59C1BB8AAE}"/>
+              </a:ext>
+            </a:extLst>
+          </p:cNvPr>
+          <p:cNvSpPr>
+            <a:spLocks noGrp="1"/>
+          </p:cNvSpPr>
+          <p:nvPr>
+            <p:ph idx="1"/>
+          </p:nvPr>
+        </p:nvSpPr>
+        <p:spPr/>
+        <p:txBody>
+          <a:bodyPr/>
+          <a:lstStyle/>
+          <a:p>
+            <a:endParaRPr lang="pt-BR" dirty="0"/>
+          </a:p>
+        </p:txBody>
+      </p:sp>
+    </p:spTree>
+    <p:extLst>
+      <p:ext uri="{BB962C8B-B14F-4D97-AF65-F5344CB8AC3E}">
+        <p14:creationId xmlns:p14="http://schemas.microsoft.com/office/powerpoint/2010/main" val="2510192099"/>
+      </p:ext>
+    </p:extLst>
+  </p:cSld>
+  <p:clrMapOvr>
+    <a:masterClrMapping/>
+  </p:clrMapOvr>
+</p:sld>
+</file>
+
+<file path=ppt/slides/slide17.xml><?xml version="1.0" encoding="utf-8"?>
+<p:sld xmlns:a="http://schemas.openxmlformats.org/drawingml/2006/main" xmlns:r="http://schemas.openxmlformats.org/officeDocument/2006/relationships" xmlns:p="http://schemas.openxmlformats.org/presentationml/2006/main">
+  <p:cSld>
+    <p:spTree>
+      <p:nvGrpSpPr>
+        <p:cNvPr id="1" name=""/>
+        <p:cNvGrpSpPr/>
+        <p:nvPr/>
+      </p:nvGrpSpPr>
+      <p:grpSpPr>
+        <a:xfrm>
+          <a:off x="0" y="0"/>
+          <a:ext cx="0" cy="0"/>
+          <a:chOff x="0" y="0"/>
+          <a:chExt cx="0" cy="0"/>
+        </a:xfrm>
+      </p:grpSpPr>
+      <p:sp>
+        <p:nvSpPr>
+          <p:cNvPr id="2" name="Título 1">
+            <a:extLst>
+              <a:ext uri="{FF2B5EF4-FFF2-40B4-BE49-F238E27FC236}">
+                <a16:creationId xmlns:a16="http://schemas.microsoft.com/office/drawing/2014/main" id="{8E0F6520-45D3-CB1E-DD88-F75930828487}"/>
+              </a:ext>
+            </a:extLst>
+          </p:cNvPr>
+          <p:cNvSpPr>
+            <a:spLocks noGrp="1"/>
+          </p:cNvSpPr>
+          <p:nvPr>
+            <p:ph type="title"/>
+          </p:nvPr>
+        </p:nvSpPr>
+        <p:spPr/>
+        <p:txBody>
+          <a:bodyPr/>
+          <a:lstStyle/>
+          <a:p>
+            <a:r>
+              <a:rPr lang="pt-BR" dirty="0"/>
+              <a:t>Dividir para conquistar!</a:t>
+            </a:r>
+          </a:p>
+        </p:txBody>
+      </p:sp>
+      <p:sp>
+        <p:nvSpPr>
+          <p:cNvPr id="3" name="Espaço Reservado para Conteúdo 2">
+            <a:extLst>
+              <a:ext uri="{FF2B5EF4-FFF2-40B4-BE49-F238E27FC236}">
+                <a16:creationId xmlns:a16="http://schemas.microsoft.com/office/drawing/2014/main" id="{1FF07388-B562-E5DD-2F3D-BFF95E2F4BA4}"/>
+              </a:ext>
+            </a:extLst>
+          </p:cNvPr>
+          <p:cNvSpPr>
+            <a:spLocks noGrp="1"/>
+          </p:cNvSpPr>
+          <p:nvPr>
+            <p:ph idx="1"/>
+          </p:nvPr>
+        </p:nvSpPr>
+        <p:spPr>
+          <a:xfrm>
+            <a:off x="6853084" y="1825624"/>
+            <a:ext cx="5161936" cy="5032375"/>
+          </a:xfrm>
+        </p:spPr>
+        <p:txBody>
+          <a:bodyPr/>
+          <a:lstStyle/>
+          <a:p>
+            <a:r>
+              <a:rPr lang="pt-BR" dirty="0"/>
+              <a:t>Nossa ideia inicial foi treinar o modelo com todas os exemplos, pois quanto mais dados tivermos, melhor será seu treinamento.</a:t>
+            </a:r>
+          </a:p>
+          <a:p>
+            <a:r>
+              <a:rPr lang="pt-BR" dirty="0"/>
+              <a:t>Porém, quando a rede é treinada com todos os exemplos que possuímos, nós não temos um contexto para mensurar o quão bem ela se sai com dados nunca vistos anteriormente.</a:t>
+            </a:r>
+          </a:p>
+          <a:p>
+            <a:pPr lvl="1">
+              <a:buFont typeface="Wingdings" panose="05000000000000000000" pitchFamily="2" charset="2"/>
+              <a:buChar char="§"/>
+            </a:pPr>
+            <a:r>
+              <a:rPr lang="pt-BR" dirty="0"/>
+              <a:t>Generalizar vs. Sobreajustar.</a:t>
+            </a:r>
+          </a:p>
+        </p:txBody>
+      </p:sp>
+      <p:sp>
+        <p:nvSpPr>
+          <p:cNvPr id="4" name="Retângulo 3">
+            <a:extLst>
+              <a:ext uri="{FF2B5EF4-FFF2-40B4-BE49-F238E27FC236}">
+                <a16:creationId xmlns:a16="http://schemas.microsoft.com/office/drawing/2014/main" id="{070ACEEF-0F17-B82A-D62D-51E980D81E7E}"/>
+              </a:ext>
+            </a:extLst>
+          </p:cNvPr>
+          <p:cNvSpPr/>
+          <p:nvPr/>
+        </p:nvSpPr>
+        <p:spPr>
+          <a:xfrm>
+            <a:off x="98322" y="3084153"/>
+            <a:ext cx="6548284" cy="629264"/>
+          </a:xfrm>
+          <a:prstGeom prst="rect">
+            <a:avLst/>
+          </a:prstGeom>
+          <a:solidFill>
+            <a:schemeClr val="accent4">
+              <a:lumMod val="60000"/>
+              <a:lumOff val="40000"/>
+            </a:schemeClr>
+          </a:solidFill>
+        </p:spPr>
+        <p:style>
+          <a:lnRef idx="2">
+            <a:schemeClr val="accent4">
+              <a:shade val="15000"/>
+            </a:schemeClr>
+          </a:lnRef>
+          <a:fillRef idx="1">
+            <a:schemeClr val="accent4"/>
+          </a:fillRef>
+          <a:effectRef idx="0">
+            <a:schemeClr val="accent4"/>
+          </a:effectRef>
+          <a:fontRef idx="minor">
+            <a:schemeClr val="lt1"/>
+          </a:fontRef>
+        </p:style>
+        <p:txBody>
+          <a:bodyPr rtlCol="0" anchor="ctr"/>
+          <a:lstStyle/>
+          <a:p>
+            <a:pPr algn="ctr"/>
+            <a:r>
+              <a:rPr lang="pt-BR" b="1" dirty="0"/>
+              <a:t>Dados</a:t>
+            </a:r>
+          </a:p>
+        </p:txBody>
+      </p:sp>
+      <p:sp>
+        <p:nvSpPr>
+          <p:cNvPr id="5" name="Chave Direita 4">
+            <a:extLst>
+              <a:ext uri="{FF2B5EF4-FFF2-40B4-BE49-F238E27FC236}">
+                <a16:creationId xmlns:a16="http://schemas.microsoft.com/office/drawing/2014/main" id="{8B5B3C9E-B7D2-1262-B3E6-67BDA1AF41D7}"/>
+              </a:ext>
+            </a:extLst>
+          </p:cNvPr>
+          <p:cNvSpPr/>
+          <p:nvPr/>
+        </p:nvSpPr>
+        <p:spPr>
+          <a:xfrm rot="5400000">
+            <a:off x="3195484" y="826778"/>
+            <a:ext cx="353962" cy="6548286"/>
+          </a:xfrm>
+          <a:prstGeom prst="rightBrace">
+            <a:avLst/>
+          </a:prstGeom>
+        </p:spPr>
+        <p:style>
+          <a:lnRef idx="1">
+            <a:schemeClr val="accent1"/>
+          </a:lnRef>
+          <a:fillRef idx="0">
+            <a:schemeClr val="accent1"/>
+          </a:fillRef>
+          <a:effectRef idx="0">
+            <a:schemeClr val="accent1"/>
+          </a:effectRef>
+          <a:fontRef idx="minor">
+            <a:schemeClr val="tx1"/>
+          </a:fontRef>
+        </p:style>
+        <p:txBody>
+          <a:bodyPr rtlCol="0" anchor="ctr"/>
+          <a:lstStyle/>
+          <a:p>
+            <a:pPr algn="ctr"/>
+            <a:endParaRPr lang="pt-BR"/>
+          </a:p>
+        </p:txBody>
+      </p:sp>
+      <p:sp>
+        <p:nvSpPr>
+          <p:cNvPr id="6" name="CaixaDeTexto 5">
+            <a:extLst>
+              <a:ext uri="{FF2B5EF4-FFF2-40B4-BE49-F238E27FC236}">
+                <a16:creationId xmlns:a16="http://schemas.microsoft.com/office/drawing/2014/main" id="{843CCAAF-1FB7-D72B-8539-63477C29D465}"/>
+              </a:ext>
+            </a:extLst>
+          </p:cNvPr>
+          <p:cNvSpPr txBox="1"/>
+          <p:nvPr/>
+        </p:nvSpPr>
+        <p:spPr>
+          <a:xfrm>
+            <a:off x="98320" y="4277903"/>
+            <a:ext cx="6548285" cy="646331"/>
+          </a:xfrm>
+          <a:prstGeom prst="rect">
+            <a:avLst/>
+          </a:prstGeom>
+          <a:noFill/>
+        </p:spPr>
+        <p:txBody>
+          <a:bodyPr wrap="square" rtlCol="0">
+            <a:spAutoFit/>
+          </a:bodyPr>
+          <a:lstStyle/>
+          <a:p>
+            <a:pPr algn="ctr"/>
+            <a:r>
+              <a:rPr lang="pt-BR" dirty="0"/>
+              <a:t>Conjunto de dados com todos os exemplos (e.g., imagens) que foram coletados.</a:t>
+            </a:r>
+          </a:p>
+        </p:txBody>
+      </p:sp>
+    </p:spTree>
+    <p:extLst>
+      <p:ext uri="{BB962C8B-B14F-4D97-AF65-F5344CB8AC3E}">
+        <p14:creationId xmlns:p14="http://schemas.microsoft.com/office/powerpoint/2010/main" val="3916761216"/>
+      </p:ext>
+    </p:extLst>
+  </p:cSld>
+  <p:clrMapOvr>
+    <a:masterClrMapping/>
+  </p:clrMapOvr>
+</p:sld>
+</file>
+
+<file path=ppt/slides/slide18.xml><?xml version="1.0" encoding="utf-8"?>
+<p:sld xmlns:a="http://schemas.openxmlformats.org/drawingml/2006/main" xmlns:r="http://schemas.openxmlformats.org/officeDocument/2006/relationships" xmlns:p="http://schemas.openxmlformats.org/presentationml/2006/main">
+  <p:cSld>
+    <p:spTree>
+      <p:nvGrpSpPr>
+        <p:cNvPr id="1" name=""/>
+        <p:cNvGrpSpPr/>
+        <p:nvPr/>
+      </p:nvGrpSpPr>
+      <p:grpSpPr>
+        <a:xfrm>
+          <a:off x="0" y="0"/>
+          <a:ext cx="0" cy="0"/>
+          <a:chOff x="0" y="0"/>
+          <a:chExt cx="0" cy="0"/>
+        </a:xfrm>
+      </p:grpSpPr>
+      <p:sp>
+        <p:nvSpPr>
+          <p:cNvPr id="2" name="Título 1">
+            <a:extLst>
+              <a:ext uri="{FF2B5EF4-FFF2-40B4-BE49-F238E27FC236}">
+                <a16:creationId xmlns:a16="http://schemas.microsoft.com/office/drawing/2014/main" id="{8E0F6520-45D3-CB1E-DD88-F75930828487}"/>
+              </a:ext>
+            </a:extLst>
+          </p:cNvPr>
+          <p:cNvSpPr>
+            <a:spLocks noGrp="1"/>
+          </p:cNvSpPr>
+          <p:nvPr>
+            <p:ph type="title"/>
+          </p:nvPr>
+        </p:nvSpPr>
+        <p:spPr/>
+        <p:txBody>
+          <a:bodyPr/>
+          <a:lstStyle/>
+          <a:p>
+            <a:r>
+              <a:rPr lang="pt-BR" dirty="0"/>
+              <a:t>Dividir para conquistar!</a:t>
+            </a:r>
+          </a:p>
+        </p:txBody>
+      </p:sp>
+      <p:sp>
+        <p:nvSpPr>
+          <p:cNvPr id="3" name="Espaço Reservado para Conteúdo 2">
+            <a:extLst>
+              <a:ext uri="{FF2B5EF4-FFF2-40B4-BE49-F238E27FC236}">
+                <a16:creationId xmlns:a16="http://schemas.microsoft.com/office/drawing/2014/main" id="{1FF07388-B562-E5DD-2F3D-BFF95E2F4BA4}"/>
+              </a:ext>
+            </a:extLst>
+          </p:cNvPr>
+          <p:cNvSpPr>
+            <a:spLocks noGrp="1"/>
+          </p:cNvSpPr>
+          <p:nvPr>
+            <p:ph idx="1"/>
+          </p:nvPr>
+        </p:nvSpPr>
+        <p:spPr>
+          <a:xfrm>
+            <a:off x="6853084" y="1825624"/>
+            <a:ext cx="5161936" cy="5032375"/>
+          </a:xfrm>
+        </p:spPr>
+        <p:txBody>
+          <a:bodyPr/>
+          <a:lstStyle/>
+          <a:p>
+            <a:r>
+              <a:rPr lang="pt-BR" dirty="0"/>
+              <a:t>E daí se retivermos alguns dos dados? Não treine com todos os dados. Guarde alguns para validar se a rede neural está treinando bem. E tendo isso definido, podemos usá-lo para medir como ele se sai com dados não vistos.</a:t>
+            </a:r>
+          </a:p>
+        </p:txBody>
+      </p:sp>
+      <p:sp>
+        <p:nvSpPr>
+          <p:cNvPr id="4" name="Retângulo 3">
+            <a:extLst>
+              <a:ext uri="{FF2B5EF4-FFF2-40B4-BE49-F238E27FC236}">
+                <a16:creationId xmlns:a16="http://schemas.microsoft.com/office/drawing/2014/main" id="{070ACEEF-0F17-B82A-D62D-51E980D81E7E}"/>
+              </a:ext>
+            </a:extLst>
+          </p:cNvPr>
+          <p:cNvSpPr/>
+          <p:nvPr/>
+        </p:nvSpPr>
+        <p:spPr>
+          <a:xfrm>
+            <a:off x="98322" y="3084153"/>
+            <a:ext cx="6548284" cy="629264"/>
+          </a:xfrm>
+          <a:prstGeom prst="rect">
+            <a:avLst/>
+          </a:prstGeom>
+          <a:solidFill>
+            <a:schemeClr val="accent4">
+              <a:lumMod val="60000"/>
+              <a:lumOff val="40000"/>
+            </a:schemeClr>
+          </a:solidFill>
+        </p:spPr>
+        <p:style>
+          <a:lnRef idx="2">
+            <a:schemeClr val="accent4">
+              <a:shade val="15000"/>
+            </a:schemeClr>
+          </a:lnRef>
+          <a:fillRef idx="1">
+            <a:schemeClr val="accent4"/>
+          </a:fillRef>
+          <a:effectRef idx="0">
+            <a:schemeClr val="accent4"/>
+          </a:effectRef>
+          <a:fontRef idx="minor">
+            <a:schemeClr val="lt1"/>
+          </a:fontRef>
+        </p:style>
+        <p:txBody>
+          <a:bodyPr rtlCol="0" anchor="ctr"/>
+          <a:lstStyle/>
+          <a:p>
+            <a:pPr algn="ctr"/>
+            <a:r>
+              <a:rPr lang="pt-BR" b="1" dirty="0"/>
+              <a:t>Dados</a:t>
+            </a:r>
+          </a:p>
+        </p:txBody>
+      </p:sp>
+    </p:spTree>
+    <p:extLst>
+      <p:ext uri="{BB962C8B-B14F-4D97-AF65-F5344CB8AC3E}">
+        <p14:creationId xmlns:p14="http://schemas.microsoft.com/office/powerpoint/2010/main" val="3437626043"/>
+      </p:ext>
+    </p:extLst>
+  </p:cSld>
+  <p:clrMapOvr>
+    <a:masterClrMapping/>
+  </p:clrMapOvr>
+</p:sld>
+</file>
+
+<file path=ppt/slides/slide19.xml><?xml version="1.0" encoding="utf-8"?>
+<p:sld xmlns:a="http://schemas.openxmlformats.org/drawingml/2006/main" xmlns:r="http://schemas.openxmlformats.org/officeDocument/2006/relationships" xmlns:p="http://schemas.openxmlformats.org/presentationml/2006/main">
+  <p:cSld>
+    <p:spTree>
+      <p:nvGrpSpPr>
+        <p:cNvPr id="1" name=""/>
+        <p:cNvGrpSpPr/>
+        <p:nvPr/>
+      </p:nvGrpSpPr>
+      <p:grpSpPr>
+        <a:xfrm>
+          <a:off x="0" y="0"/>
+          <a:ext cx="0" cy="0"/>
+          <a:chOff x="0" y="0"/>
+          <a:chExt cx="0" cy="0"/>
+        </a:xfrm>
+      </p:grpSpPr>
+      <p:sp>
+        <p:nvSpPr>
+          <p:cNvPr id="2" name="Título 1">
+            <a:extLst>
+              <a:ext uri="{FF2B5EF4-FFF2-40B4-BE49-F238E27FC236}">
+                <a16:creationId xmlns:a16="http://schemas.microsoft.com/office/drawing/2014/main" id="{9CD00B3E-85D7-8B25-6629-4A85FF36133A}"/>
+              </a:ext>
+            </a:extLst>
+          </p:cNvPr>
+          <p:cNvSpPr>
+            <a:spLocks noGrp="1"/>
+          </p:cNvSpPr>
+          <p:nvPr>
+            <p:ph type="title"/>
+          </p:nvPr>
+        </p:nvSpPr>
+        <p:spPr/>
+        <p:txBody>
+          <a:bodyPr/>
+          <a:lstStyle/>
+          <a:p>
+            <a:r>
+              <a:rPr lang="pt-BR" dirty="0"/>
+              <a:t>Exemplo</a:t>
+            </a:r>
+          </a:p>
+        </p:txBody>
+      </p:sp>
+      <p:sp>
+        <p:nvSpPr>
+          <p:cNvPr id="3" name="Espaço Reservado para Conteúdo 2">
+            <a:extLst>
+              <a:ext uri="{FF2B5EF4-FFF2-40B4-BE49-F238E27FC236}">
+                <a16:creationId xmlns:a16="http://schemas.microsoft.com/office/drawing/2014/main" id="{9730104F-E6BA-B308-644A-11A7E4939EBD}"/>
+              </a:ext>
+            </a:extLst>
+          </p:cNvPr>
+          <p:cNvSpPr>
+            <a:spLocks noGrp="1"/>
+          </p:cNvSpPr>
+          <p:nvPr>
+            <p:ph idx="1"/>
+          </p:nvPr>
+        </p:nvSpPr>
+        <p:spPr>
+          <a:xfrm>
+            <a:off x="838200" y="1825625"/>
+            <a:ext cx="11049000" cy="4351338"/>
+          </a:xfrm>
+        </p:spPr>
+        <p:txBody>
+          <a:bodyPr/>
+          <a:lstStyle/>
+          <a:p>
+            <a:r>
+              <a:rPr lang="pt-BR" dirty="0"/>
+              <a:t>Exemplo: </a:t>
+            </a:r>
+          </a:p>
+        </p:txBody>
+      </p:sp>
+      <p:pic>
+        <p:nvPicPr>
+          <p:cNvPr id="2050" name="Picture 2" descr="TensorFlow">
+            <a:extLst>
+              <a:ext uri="{FF2B5EF4-FFF2-40B4-BE49-F238E27FC236}">
+                <a16:creationId xmlns:a16="http://schemas.microsoft.com/office/drawing/2014/main" id="{87B75C17-2A48-E33A-B66B-927CA792D831}"/>
+              </a:ext>
+            </a:extLst>
+          </p:cNvPr>
+          <p:cNvPicPr>
+            <a:picLocks noChangeAspect="1" noChangeArrowheads="1"/>
+          </p:cNvPicPr>
+          <p:nvPr/>
+        </p:nvPicPr>
+        <p:blipFill>
+          <a:blip r:embed="rId3">
+            <a:extLst>
+              <a:ext uri="{28A0092B-C50C-407E-A947-70E740481C1C}">
+                <a14:useLocalDpi xmlns:a14="http://schemas.microsoft.com/office/drawing/2010/main" val="0"/>
+              </a:ext>
+            </a:extLst>
+          </a:blip>
+          <a:srcRect/>
+          <a:stretch>
+            <a:fillRect/>
+          </a:stretch>
+        </p:blipFill>
+        <p:spPr bwMode="auto">
+          <a:xfrm>
+            <a:off x="1939875" y="2923470"/>
+            <a:ext cx="4099479" cy="2305957"/>
+          </a:xfrm>
+          <a:prstGeom prst="rect">
+            <a:avLst/>
+          </a:prstGeom>
+          <a:noFill/>
+          <a:extLst>
+            <a:ext uri="{909E8E84-426E-40DD-AFC4-6F175D3DCCD1}">
+              <a14:hiddenFill xmlns:a14="http://schemas.microsoft.com/office/drawing/2010/main">
+                <a:solidFill>
+                  <a:srgbClr val="FFFFFF"/>
+                </a:solidFill>
+              </a14:hiddenFill>
+            </a:ext>
+          </a:extLst>
+        </p:spPr>
+      </p:pic>
+      <p:pic>
+        <p:nvPicPr>
+          <p:cNvPr id="2052" name="Picture 4" descr="Project Jupyter | Try Jupyter">
+            <a:extLst>
+              <a:ext uri="{FF2B5EF4-FFF2-40B4-BE49-F238E27FC236}">
+                <a16:creationId xmlns:a16="http://schemas.microsoft.com/office/drawing/2014/main" id="{FC70A9A5-A2C7-C005-C6C5-A9FF775654D9}"/>
+              </a:ext>
+            </a:extLst>
+          </p:cNvPr>
+          <p:cNvPicPr>
+            <a:picLocks noChangeAspect="1" noChangeArrowheads="1"/>
+          </p:cNvPicPr>
+          <p:nvPr/>
+        </p:nvPicPr>
+        <p:blipFill>
+          <a:blip r:embed="rId4">
+            <a:extLst>
+              <a:ext uri="{28A0092B-C50C-407E-A947-70E740481C1C}">
+                <a14:useLocalDpi xmlns:a14="http://schemas.microsoft.com/office/drawing/2010/main" val="0"/>
+              </a:ext>
+            </a:extLst>
+          </a:blip>
+          <a:srcRect/>
+          <a:stretch>
+            <a:fillRect/>
+          </a:stretch>
+        </p:blipFill>
+        <p:spPr bwMode="auto">
+          <a:xfrm>
+            <a:off x="5203370" y="3167764"/>
+            <a:ext cx="3461657" cy="1817370"/>
+          </a:xfrm>
+          <a:prstGeom prst="rect">
+            <a:avLst/>
+          </a:prstGeom>
+          <a:noFill/>
+          <a:extLst>
+            <a:ext uri="{909E8E84-426E-40DD-AFC4-6F175D3DCCD1}">
+              <a14:hiddenFill xmlns:a14="http://schemas.microsoft.com/office/drawing/2010/main">
+                <a:solidFill>
+                  <a:srgbClr val="FFFFFF"/>
+                </a:solidFill>
+              </a14:hiddenFill>
+            </a:ext>
+          </a:extLst>
+        </p:spPr>
+      </p:pic>
+      <p:pic>
+        <p:nvPicPr>
+          <p:cNvPr id="2056" name="Picture 8" descr="Google Colaboratory Colab - Guía Completa Español - Marketing Branding">
+            <a:extLst>
+              <a:ext uri="{FF2B5EF4-FFF2-40B4-BE49-F238E27FC236}">
+                <a16:creationId xmlns:a16="http://schemas.microsoft.com/office/drawing/2014/main" id="{8A007768-2032-FE11-22C9-9394A0EF02EF}"/>
+              </a:ext>
+            </a:extLst>
+          </p:cNvPr>
+          <p:cNvPicPr>
+            <a:picLocks noChangeAspect="1" noChangeArrowheads="1"/>
+          </p:cNvPicPr>
+          <p:nvPr/>
+        </p:nvPicPr>
+        <p:blipFill rotWithShape="1">
+          <a:blip r:embed="rId5">
+            <a:extLst>
+              <a:ext uri="{28A0092B-C50C-407E-A947-70E740481C1C}">
+                <a14:useLocalDpi xmlns:a14="http://schemas.microsoft.com/office/drawing/2010/main" val="0"/>
+              </a:ext>
+            </a:extLst>
+          </a:blip>
+          <a:srcRect l="5865" r="10641"/>
+          <a:stretch/>
+        </p:blipFill>
+        <p:spPr bwMode="auto">
+          <a:xfrm>
+            <a:off x="8665027" y="2746576"/>
+            <a:ext cx="3331071" cy="2659743"/>
+          </a:xfrm>
+          <a:prstGeom prst="rect">
+            <a:avLst/>
+          </a:prstGeom>
+          <a:noFill/>
+          <a:extLst>
+            <a:ext uri="{909E8E84-426E-40DD-AFC4-6F175D3DCCD1}">
+              <a14:hiddenFill xmlns:a14="http://schemas.microsoft.com/office/drawing/2010/main">
+                <a:solidFill>
+                  <a:srgbClr val="FFFFFF"/>
+                </a:solidFill>
+              </a14:hiddenFill>
+            </a:ext>
+          </a:extLst>
+        </p:spPr>
+      </p:pic>
+      <p:pic>
+        <p:nvPicPr>
+          <p:cNvPr id="2058" name="Picture 10" descr="IT12A01: FUNDAMENTALS OF PYTHON PROGRAMMING (SF) (SYNCHRONOUS E-LEARNING) -  NTUC LearningHub">
+            <a:extLst>
+              <a:ext uri="{FF2B5EF4-FFF2-40B4-BE49-F238E27FC236}">
+                <a16:creationId xmlns:a16="http://schemas.microsoft.com/office/drawing/2014/main" id="{80EDF8DB-E749-8471-3ACA-2FFE3006FC46}"/>
+              </a:ext>
+            </a:extLst>
+          </p:cNvPr>
+          <p:cNvPicPr>
+            <a:picLocks noChangeAspect="1" noChangeArrowheads="1"/>
+          </p:cNvPicPr>
+          <p:nvPr/>
+        </p:nvPicPr>
+        <p:blipFill rotWithShape="1">
+          <a:blip r:embed="rId6">
+            <a:extLst>
+              <a:ext uri="{28A0092B-C50C-407E-A947-70E740481C1C}">
+                <a14:useLocalDpi xmlns:a14="http://schemas.microsoft.com/office/drawing/2010/main" val="0"/>
+              </a:ext>
+            </a:extLst>
+          </a:blip>
+          <a:srcRect l="23319" r="20198"/>
+          <a:stretch/>
+        </p:blipFill>
+        <p:spPr bwMode="auto">
+          <a:xfrm>
+            <a:off x="304800" y="3167764"/>
+            <a:ext cx="1894114" cy="1877924"/>
+          </a:xfrm>
+          <a:prstGeom prst="rect">
+            <a:avLst/>
+          </a:prstGeom>
+          <a:noFill/>
+          <a:extLst>
+            <a:ext uri="{909E8E84-426E-40DD-AFC4-6F175D3DCCD1}">
+              <a14:hiddenFill xmlns:a14="http://schemas.microsoft.com/office/drawing/2010/main">
+                <a:solidFill>
+                  <a:srgbClr val="FFFFFF"/>
+                </a:solidFill>
+              </a14:hiddenFill>
+            </a:ext>
+          </a:extLst>
+        </p:spPr>
+      </p:pic>
+      <p:sp>
+        <p:nvSpPr>
+          <p:cNvPr id="8" name="Sinal de Adição 7">
+            <a:extLst>
+              <a:ext uri="{FF2B5EF4-FFF2-40B4-BE49-F238E27FC236}">
+                <a16:creationId xmlns:a16="http://schemas.microsoft.com/office/drawing/2014/main" id="{89317CF7-D83C-5980-45A9-863C64A2BE61}"/>
+              </a:ext>
+            </a:extLst>
+          </p:cNvPr>
+          <p:cNvSpPr>
+            <a:spLocks noChangeAspect="1"/>
+          </p:cNvSpPr>
+          <p:nvPr/>
+        </p:nvSpPr>
+        <p:spPr>
+          <a:xfrm>
+            <a:off x="2198914" y="3535968"/>
+            <a:ext cx="468000" cy="468000"/>
+          </a:xfrm>
+          <a:prstGeom prst="mathPlus">
+            <a:avLst/>
+          </a:prstGeom>
+        </p:spPr>
+        <p:style>
+          <a:lnRef idx="2">
+            <a:schemeClr val="accent1">
+              <a:shade val="15000"/>
+            </a:schemeClr>
+          </a:lnRef>
+          <a:fillRef idx="1">
+            <a:schemeClr val="accent1"/>
+          </a:fillRef>
+          <a:effectRef idx="0">
+            <a:schemeClr val="accent1"/>
+          </a:effectRef>
+          <a:fontRef idx="minor">
+            <a:schemeClr val="lt1"/>
+          </a:fontRef>
+        </p:style>
+        <p:txBody>
+          <a:bodyPr rtlCol="0" anchor="ctr"/>
+          <a:lstStyle/>
+          <a:p>
+            <a:pPr algn="ctr"/>
+            <a:endParaRPr lang="pt-BR"/>
+          </a:p>
+        </p:txBody>
+      </p:sp>
+      <p:sp>
+        <p:nvSpPr>
+          <p:cNvPr id="10" name="Sinal de Adição 9">
+            <a:extLst>
+              <a:ext uri="{FF2B5EF4-FFF2-40B4-BE49-F238E27FC236}">
+                <a16:creationId xmlns:a16="http://schemas.microsoft.com/office/drawing/2014/main" id="{C6DC4B29-EABA-20F7-BB46-C33BEC93E2DD}"/>
+              </a:ext>
+            </a:extLst>
+          </p:cNvPr>
+          <p:cNvSpPr>
+            <a:spLocks noChangeAspect="1"/>
+          </p:cNvSpPr>
+          <p:nvPr/>
+        </p:nvSpPr>
+        <p:spPr>
+          <a:xfrm>
+            <a:off x="5279613" y="3535968"/>
+            <a:ext cx="468000" cy="468000"/>
+          </a:xfrm>
+          <a:prstGeom prst="mathPlus">
+            <a:avLst/>
+          </a:prstGeom>
+        </p:spPr>
+        <p:style>
+          <a:lnRef idx="2">
+            <a:schemeClr val="accent1">
+              <a:shade val="15000"/>
+            </a:schemeClr>
+          </a:lnRef>
+          <a:fillRef idx="1">
+            <a:schemeClr val="accent1"/>
+          </a:fillRef>
+          <a:effectRef idx="0">
+            <a:schemeClr val="accent1"/>
+          </a:effectRef>
+          <a:fontRef idx="minor">
+            <a:schemeClr val="lt1"/>
+          </a:fontRef>
+        </p:style>
+        <p:txBody>
+          <a:bodyPr rtlCol="0" anchor="ctr"/>
+          <a:lstStyle/>
+          <a:p>
+            <a:pPr algn="ctr"/>
+            <a:endParaRPr lang="pt-BR"/>
+          </a:p>
+        </p:txBody>
+      </p:sp>
+      <p:sp>
+        <p:nvSpPr>
+          <p:cNvPr id="11" name="Sinal de Adição 10">
+            <a:extLst>
+              <a:ext uri="{FF2B5EF4-FFF2-40B4-BE49-F238E27FC236}">
+                <a16:creationId xmlns:a16="http://schemas.microsoft.com/office/drawing/2014/main" id="{FF65B64B-136B-DCC4-8A01-509D3D5CD19F}"/>
+              </a:ext>
+            </a:extLst>
+          </p:cNvPr>
+          <p:cNvSpPr>
+            <a:spLocks noChangeAspect="1"/>
+          </p:cNvSpPr>
+          <p:nvPr/>
+        </p:nvSpPr>
+        <p:spPr>
+          <a:xfrm>
+            <a:off x="7968386" y="3533294"/>
+            <a:ext cx="468000" cy="468000"/>
+          </a:xfrm>
+          <a:prstGeom prst="mathPlus">
+            <a:avLst/>
+          </a:prstGeom>
+        </p:spPr>
+        <p:style>
+          <a:lnRef idx="2">
+            <a:schemeClr val="accent1">
+              <a:shade val="15000"/>
+            </a:schemeClr>
+          </a:lnRef>
+          <a:fillRef idx="1">
+            <a:schemeClr val="accent1"/>
+          </a:fillRef>
+          <a:effectRef idx="0">
+            <a:schemeClr val="accent1"/>
+          </a:effectRef>
+          <a:fontRef idx="minor">
+            <a:schemeClr val="lt1"/>
+          </a:fontRef>
+        </p:style>
+        <p:txBody>
+          <a:bodyPr rtlCol="0" anchor="ctr"/>
+          <a:lstStyle/>
+          <a:p>
+            <a:pPr algn="ctr"/>
+            <a:endParaRPr lang="pt-BR"/>
+          </a:p>
+        </p:txBody>
+      </p:sp>
+    </p:spTree>
+    <p:extLst>
+      <p:ext uri="{BB962C8B-B14F-4D97-AF65-F5344CB8AC3E}">
+        <p14:creationId xmlns:p14="http://schemas.microsoft.com/office/powerpoint/2010/main" val="94961935"/>
+      </p:ext>
+    </p:extLst>
+  </p:cSld>
+  <p:clrMapOvr>
+    <a:masterClrMapping/>
+  </p:clrMapOvr>
+</p:sld>
+</file>
+
 <file path=ppt/slides/slide2.xml><?xml version="1.0" encoding="utf-8"?>
 <p:sld xmlns:a="http://schemas.openxmlformats.org/drawingml/2006/main" xmlns:r="http://schemas.openxmlformats.org/officeDocument/2006/relationships" xmlns:p="http://schemas.openxmlformats.org/presentationml/2006/main">
   <p:cSld>
@@ -4667,7 +8543,25 @@
           <a:p>
             <a:r>
               <a:rPr lang="pt-BR" dirty="0"/>
-              <a:t>Anteriormente, </a:t>
+              <a:t>Anteriormente, aprendemos como criar classificadores, em particular para classificação de imagens, utilizando redes neurais.</a:t>
+            </a:r>
+          </a:p>
+          <a:p>
+            <a:r>
+              <a:rPr lang="pt-BR" dirty="0"/>
+              <a:t>Após treinar o modelo, medimos sua acurácia e, após alguns testes básicos, verificamos que o modelo treinado reconhece as imagens muito bem.</a:t>
+            </a:r>
+          </a:p>
+          <a:p>
+            <a:r>
+              <a:rPr lang="pt-BR" dirty="0"/>
+              <a:t>Porém, essa análise simplista pode nos levar a uma falsa sensação de segurança.</a:t>
+            </a:r>
+          </a:p>
+          <a:p>
+            <a:r>
+              <a:rPr lang="pt-BR" dirty="0"/>
+              <a:t>Assim, neste tópico vamos explorar alguns problemas em torno desta análise superficial e aprender alguns métodos que podemos utilizar para evitar erros ao treinarmos uma rede neural de forma ingênua.</a:t>
             </a:r>
           </a:p>
         </p:txBody>
@@ -4676,6 +8570,282 @@
     <p:extLst>
       <p:ext uri="{BB962C8B-B14F-4D97-AF65-F5344CB8AC3E}">
         <p14:creationId xmlns:p14="http://schemas.microsoft.com/office/powerpoint/2010/main" val="529739951"/>
+      </p:ext>
+    </p:extLst>
+  </p:cSld>
+  <p:clrMapOvr>
+    <a:masterClrMapping/>
+  </p:clrMapOvr>
+</p:sld>
+</file>
+
+<file path=ppt/slides/slide20.xml><?xml version="1.0" encoding="utf-8"?>
+<p:sld xmlns:a="http://schemas.openxmlformats.org/drawingml/2006/main" xmlns:r="http://schemas.openxmlformats.org/officeDocument/2006/relationships" xmlns:p="http://schemas.openxmlformats.org/presentationml/2006/main">
+  <p:cSld>
+    <p:spTree>
+      <p:nvGrpSpPr>
+        <p:cNvPr id="1" name=""/>
+        <p:cNvGrpSpPr/>
+        <p:nvPr/>
+      </p:nvGrpSpPr>
+      <p:grpSpPr>
+        <a:xfrm>
+          <a:off x="0" y="0"/>
+          <a:ext cx="0" cy="0"/>
+          <a:chOff x="0" y="0"/>
+          <a:chExt cx="0" cy="0"/>
+        </a:xfrm>
+      </p:grpSpPr>
+      <p:sp>
+        <p:nvSpPr>
+          <p:cNvPr id="2" name="Título 1">
+            <a:extLst>
+              <a:ext uri="{FF2B5EF4-FFF2-40B4-BE49-F238E27FC236}">
+                <a16:creationId xmlns:a16="http://schemas.microsoft.com/office/drawing/2014/main" id="{2755BD9F-A5F9-C006-2D60-3988AFB742AA}"/>
+              </a:ext>
+            </a:extLst>
+          </p:cNvPr>
+          <p:cNvSpPr>
+            <a:spLocks noGrp="1"/>
+          </p:cNvSpPr>
+          <p:nvPr>
+            <p:ph type="title"/>
+          </p:nvPr>
+        </p:nvSpPr>
+        <p:spPr/>
+        <p:txBody>
+          <a:bodyPr/>
+          <a:lstStyle/>
+          <a:p>
+            <a:r>
+              <a:rPr lang="pt-BR" dirty="0"/>
+              <a:t>Atividades</a:t>
+            </a:r>
+          </a:p>
+        </p:txBody>
+      </p:sp>
+      <p:sp>
+        <p:nvSpPr>
+          <p:cNvPr id="3" name="Espaço Reservado para Conteúdo 2">
+            <a:extLst>
+              <a:ext uri="{FF2B5EF4-FFF2-40B4-BE49-F238E27FC236}">
+                <a16:creationId xmlns:a16="http://schemas.microsoft.com/office/drawing/2014/main" id="{DE398648-3AD3-9986-3010-6210876DC9B1}"/>
+              </a:ext>
+            </a:extLst>
+          </p:cNvPr>
+          <p:cNvSpPr>
+            <a:spLocks noGrp="1"/>
+          </p:cNvSpPr>
+          <p:nvPr>
+            <p:ph idx="1"/>
+          </p:nvPr>
+        </p:nvSpPr>
+        <p:spPr/>
+        <p:txBody>
+          <a:bodyPr/>
+          <a:lstStyle/>
+          <a:p>
+            <a:r>
+              <a:rPr lang="pt-BR" dirty="0"/>
+              <a:t>Quiz: “</a:t>
+            </a:r>
+            <a:r>
+              <a:rPr lang="pt-BR" b="1" i="1" dirty="0"/>
+              <a:t>TP557 - </a:t>
+            </a:r>
+            <a:r>
+              <a:rPr lang="pt-BR" b="1" i="1" dirty="0" err="1"/>
+              <a:t>Datasets</a:t>
+            </a:r>
+            <a:r>
+              <a:rPr lang="pt-BR" dirty="0"/>
+              <a:t>”.</a:t>
+            </a:r>
+          </a:p>
+          <a:p>
+            <a:r>
+              <a:rPr lang="pt-BR" dirty="0"/>
+              <a:t>Exercício:</a:t>
+            </a:r>
+          </a:p>
+        </p:txBody>
+      </p:sp>
+    </p:spTree>
+    <p:extLst>
+      <p:ext uri="{BB962C8B-B14F-4D97-AF65-F5344CB8AC3E}">
+        <p14:creationId xmlns:p14="http://schemas.microsoft.com/office/powerpoint/2010/main" val="2918520294"/>
+      </p:ext>
+    </p:extLst>
+  </p:cSld>
+  <p:clrMapOvr>
+    <a:masterClrMapping/>
+  </p:clrMapOvr>
+</p:sld>
+</file>
+
+<file path=ppt/slides/slide21.xml><?xml version="1.0" encoding="utf-8"?>
+<p:sld xmlns:a="http://schemas.openxmlformats.org/drawingml/2006/main" xmlns:r="http://schemas.openxmlformats.org/officeDocument/2006/relationships" xmlns:p="http://schemas.openxmlformats.org/presentationml/2006/main">
+  <p:cSld>
+    <p:spTree>
+      <p:nvGrpSpPr>
+        <p:cNvPr id="1" name=""/>
+        <p:cNvGrpSpPr/>
+        <p:nvPr/>
+      </p:nvGrpSpPr>
+      <p:grpSpPr>
+        <a:xfrm>
+          <a:off x="0" y="0"/>
+          <a:ext cx="0" cy="0"/>
+          <a:chOff x="0" y="0"/>
+          <a:chExt cx="0" cy="0"/>
+        </a:xfrm>
+      </p:grpSpPr>
+      <p:sp>
+        <p:nvSpPr>
+          <p:cNvPr id="4" name="Título 1">
+            <a:extLst>
+              <a:ext uri="{FF2B5EF4-FFF2-40B4-BE49-F238E27FC236}">
+                <a16:creationId xmlns:a16="http://schemas.microsoft.com/office/drawing/2014/main" id="{32666AC8-2E17-4DB4-B0F5-60C640CCFD2E}"/>
+              </a:ext>
+            </a:extLst>
+          </p:cNvPr>
+          <p:cNvSpPr txBox="1">
+            <a:spLocks/>
+          </p:cNvSpPr>
+          <p:nvPr/>
+        </p:nvSpPr>
+        <p:spPr>
+          <a:xfrm>
+            <a:off x="1431533" y="2720526"/>
+            <a:ext cx="9144000" cy="1029541"/>
+          </a:xfrm>
+          <a:prstGeom prst="rect">
+            <a:avLst/>
+          </a:prstGeom>
+        </p:spPr>
+        <p:txBody>
+          <a:bodyPr vert="horz" lIns="91440" tIns="45720" rIns="91440" bIns="45720" rtlCol="0" anchor="ctr">
+            <a:normAutofit/>
+          </a:bodyPr>
+          <a:lstStyle>
+            <a:lvl1pPr algn="l" defTabSz="914400" rtl="0" eaLnBrk="1" latinLnBrk="0" hangingPunct="1">
+              <a:lnSpc>
+                <a:spcPct val="90000"/>
+              </a:lnSpc>
+              <a:spcBef>
+                <a:spcPct val="0"/>
+              </a:spcBef>
+              <a:buNone/>
+              <a:defRPr sz="4400" kern="1200">
+                <a:solidFill>
+                  <a:schemeClr val="tx1"/>
+                </a:solidFill>
+                <a:latin typeface="+mj-lt"/>
+                <a:ea typeface="+mj-ea"/>
+                <a:cs typeface="+mj-cs"/>
+              </a:defRPr>
+            </a:lvl1pPr>
+          </a:lstStyle>
+          <a:p>
+            <a:pPr algn="ctr"/>
+            <a:r>
+              <a:rPr lang="pt-BR" sz="6600" dirty="0"/>
+              <a:t>Perguntas?</a:t>
+            </a:r>
+            <a:endParaRPr lang="pt-BR" sz="6600" b="1" i="1" dirty="0"/>
+          </a:p>
+        </p:txBody>
+      </p:sp>
+    </p:spTree>
+    <p:extLst>
+      <p:ext uri="{BB962C8B-B14F-4D97-AF65-F5344CB8AC3E}">
+        <p14:creationId xmlns:p14="http://schemas.microsoft.com/office/powerpoint/2010/main" val="1975981511"/>
+      </p:ext>
+    </p:extLst>
+  </p:cSld>
+  <p:clrMapOvr>
+    <a:masterClrMapping/>
+  </p:clrMapOvr>
+</p:sld>
+</file>
+
+<file path=ppt/slides/slide22.xml><?xml version="1.0" encoding="utf-8"?>
+<p:sld xmlns:a="http://schemas.openxmlformats.org/drawingml/2006/main" xmlns:r="http://schemas.openxmlformats.org/officeDocument/2006/relationships" xmlns:p="http://schemas.openxmlformats.org/presentationml/2006/main">
+  <p:cSld>
+    <p:spTree>
+      <p:nvGrpSpPr>
+        <p:cNvPr id="1" name=""/>
+        <p:cNvGrpSpPr/>
+        <p:nvPr/>
+      </p:nvGrpSpPr>
+      <p:grpSpPr>
+        <a:xfrm>
+          <a:off x="0" y="0"/>
+          <a:ext cx="0" cy="0"/>
+          <a:chOff x="0" y="0"/>
+          <a:chExt cx="0" cy="0"/>
+        </a:xfrm>
+      </p:grpSpPr>
+      <p:sp>
+        <p:nvSpPr>
+          <p:cNvPr id="4" name="Título 1">
+            <a:extLst>
+              <a:ext uri="{FF2B5EF4-FFF2-40B4-BE49-F238E27FC236}">
+                <a16:creationId xmlns:a16="http://schemas.microsoft.com/office/drawing/2014/main" id="{32666AC8-2E17-4DB4-B0F5-60C640CCFD2E}"/>
+              </a:ext>
+            </a:extLst>
+          </p:cNvPr>
+          <p:cNvSpPr txBox="1">
+            <a:spLocks/>
+          </p:cNvSpPr>
+          <p:nvPr/>
+        </p:nvSpPr>
+        <p:spPr>
+          <a:xfrm>
+            <a:off x="1431533" y="2720526"/>
+            <a:ext cx="9144000" cy="1029541"/>
+          </a:xfrm>
+          <a:prstGeom prst="rect">
+            <a:avLst/>
+          </a:prstGeom>
+        </p:spPr>
+        <p:txBody>
+          <a:bodyPr vert="horz" lIns="91440" tIns="45720" rIns="91440" bIns="45720" rtlCol="0" anchor="ctr">
+            <a:normAutofit/>
+          </a:bodyPr>
+          <a:lstStyle>
+            <a:lvl1pPr algn="l" defTabSz="914400" rtl="0" eaLnBrk="1" latinLnBrk="0" hangingPunct="1">
+              <a:lnSpc>
+                <a:spcPct val="90000"/>
+              </a:lnSpc>
+              <a:spcBef>
+                <a:spcPct val="0"/>
+              </a:spcBef>
+              <a:buNone/>
+              <a:defRPr sz="4400" kern="1200">
+                <a:solidFill>
+                  <a:schemeClr val="tx1"/>
+                </a:solidFill>
+                <a:latin typeface="+mj-lt"/>
+                <a:ea typeface="+mj-ea"/>
+                <a:cs typeface="+mj-cs"/>
+              </a:defRPr>
+            </a:lvl1pPr>
+          </a:lstStyle>
+          <a:p>
+            <a:pPr algn="ctr"/>
+            <a:r>
+              <a:rPr lang="pt-BR" sz="6600" dirty="0"/>
+              <a:t>Obrigado!</a:t>
+            </a:r>
+            <a:endParaRPr lang="pt-BR" sz="6600" b="1" i="1" dirty="0"/>
+          </a:p>
+        </p:txBody>
+      </p:sp>
+    </p:spTree>
+    <p:extLst>
+      <p:ext uri="{BB962C8B-B14F-4D97-AF65-F5344CB8AC3E}">
+        <p14:creationId xmlns:p14="http://schemas.microsoft.com/office/powerpoint/2010/main" val="599145874"/>
       </p:ext>
     </p:extLst>
   </p:cSld>
@@ -4707,7 +8877,7 @@
           <p:cNvPr id="2" name="Título 1">
             <a:extLst>
               <a:ext uri="{FF2B5EF4-FFF2-40B4-BE49-F238E27FC236}">
-                <a16:creationId xmlns:a16="http://schemas.microsoft.com/office/drawing/2014/main" id="{9CD00B3E-85D7-8B25-6629-4A85FF36133A}"/>
+                <a16:creationId xmlns:a16="http://schemas.microsoft.com/office/drawing/2014/main" id="{3DBFD88C-E587-F1F5-9CE9-1664F6294656}"/>
               </a:ext>
             </a:extLst>
           </p:cNvPr>
@@ -4725,7 +8895,7 @@
           <a:p>
             <a:r>
               <a:rPr lang="pt-BR" dirty="0"/>
-              <a:t>Exemplo</a:t>
+              <a:t>Reconhecendo calçados</a:t>
             </a:r>
           </a:p>
         </p:txBody>
@@ -4735,7 +8905,7 @@
           <p:cNvPr id="3" name="Espaço Reservado para Conteúdo 2">
             <a:extLst>
               <a:ext uri="{FF2B5EF4-FFF2-40B4-BE49-F238E27FC236}">
-                <a16:creationId xmlns:a16="http://schemas.microsoft.com/office/drawing/2014/main" id="{9730104F-E6BA-B308-644A-11A7E4939EBD}"/>
+                <a16:creationId xmlns:a16="http://schemas.microsoft.com/office/drawing/2014/main" id="{BC8DED3E-A39F-AD3E-1BD0-A1D23418ABFF}"/>
               </a:ext>
             </a:extLst>
           </p:cNvPr>
@@ -4748,8 +8918,8 @@
         </p:nvSpPr>
         <p:spPr>
           <a:xfrm>
-            <a:off x="838200" y="1825625"/>
-            <a:ext cx="11049000" cy="4351338"/>
+            <a:off x="6559870" y="1825625"/>
+            <a:ext cx="5474814" cy="5032376"/>
           </a:xfrm>
         </p:spPr>
         <p:txBody>
@@ -4758,17 +8928,23 @@
           <a:p>
             <a:r>
               <a:rPr lang="pt-BR" dirty="0"/>
-              <a:t>Exemplo: </a:t>
+              <a:t>Imaginem uma situação onde queremos treinar uma rede neural para reconhecer diferentes tipos de calçados.</a:t>
+            </a:r>
+          </a:p>
+          <a:p>
+            <a:r>
+              <a:rPr lang="pt-BR" dirty="0"/>
+              <a:t>É uma tarefa similar a ensinar alguém que nunca viu um calçado antes sobre o que eles realmente são para que no futuro quando essa pessoa ver um objeto ela poder decidir se ele é um calçado ou não.</a:t>
             </a:r>
           </a:p>
         </p:txBody>
       </p:sp>
       <p:pic>
         <p:nvPicPr>
-          <p:cNvPr id="2050" name="Picture 2" descr="TensorFlow">
-            <a:extLst>
-              <a:ext uri="{FF2B5EF4-FFF2-40B4-BE49-F238E27FC236}">
-                <a16:creationId xmlns:a16="http://schemas.microsoft.com/office/drawing/2014/main" id="{87B75C17-2A48-E33A-B66B-927CA792D831}"/>
+          <p:cNvPr id="1026" name="Picture 2" descr="Barker Shoes | Official Website | English Shoemakers Since 1880 | Barker  Shoes UK">
+            <a:extLst>
+              <a:ext uri="{FF2B5EF4-FFF2-40B4-BE49-F238E27FC236}">
+                <a16:creationId xmlns:a16="http://schemas.microsoft.com/office/drawing/2014/main" id="{4DE9A806-8537-1453-3A4C-2AD7E83B8847}"/>
               </a:ext>
             </a:extLst>
           </p:cNvPr>
@@ -4792,8 +8968,8 @@
         </p:blipFill>
         <p:spPr bwMode="auto">
           <a:xfrm>
-            <a:off x="1939875" y="2923470"/>
-            <a:ext cx="4099479" cy="2305957"/>
+            <a:off x="838200" y="1875668"/>
+            <a:ext cx="2606079" cy="1628799"/>
           </a:xfrm>
           <a:prstGeom prst="rect">
             <a:avLst/>
@@ -4812,10 +8988,10 @@
       </p:pic>
       <p:pic>
         <p:nvPicPr>
-          <p:cNvPr id="2052" name="Picture 4" descr="Project Jupyter | Try Jupyter">
-            <a:extLst>
-              <a:ext uri="{FF2B5EF4-FFF2-40B4-BE49-F238E27FC236}">
-                <a16:creationId xmlns:a16="http://schemas.microsoft.com/office/drawing/2014/main" id="{FC70A9A5-A2C7-C005-C6C5-A9FF775654D9}"/>
+          <p:cNvPr id="1028" name="Picture 4" descr="Preços baixos em Sapatos | eBay">
+            <a:extLst>
+              <a:ext uri="{FF2B5EF4-FFF2-40B4-BE49-F238E27FC236}">
+                <a16:creationId xmlns:a16="http://schemas.microsoft.com/office/drawing/2014/main" id="{98243BFE-DB44-FC97-581C-F486B6A7B73B}"/>
               </a:ext>
             </a:extLst>
           </p:cNvPr>
@@ -4839,8 +9015,8 @@
         </p:blipFill>
         <p:spPr bwMode="auto">
           <a:xfrm>
-            <a:off x="5203370" y="3167764"/>
-            <a:ext cx="3461657" cy="1817370"/>
+            <a:off x="3538202" y="1881529"/>
+            <a:ext cx="2711945" cy="1368686"/>
           </a:xfrm>
           <a:prstGeom prst="rect">
             <a:avLst/>
@@ -4859,10 +9035,10 @@
       </p:pic>
       <p:pic>
         <p:nvPicPr>
-          <p:cNvPr id="2056" name="Picture 8" descr="Google Colaboratory Colab - Guía Completa Español - Marketing Branding">
-            <a:extLst>
-              <a:ext uri="{FF2B5EF4-FFF2-40B4-BE49-F238E27FC236}">
-                <a16:creationId xmlns:a16="http://schemas.microsoft.com/office/drawing/2014/main" id="{8A007768-2032-FE11-22C9-9394A0EF02EF}"/>
+          <p:cNvPr id="1030" name="Picture 6" descr="17 Essential Shoes for Men in 2023: Sneakers, Loafers, Boots, Dress Shoes,  and More | GQ">
+            <a:extLst>
+              <a:ext uri="{FF2B5EF4-FFF2-40B4-BE49-F238E27FC236}">
+                <a16:creationId xmlns:a16="http://schemas.microsoft.com/office/drawing/2014/main" id="{CFC9462D-4929-503A-5AE8-14F616EC66AA}"/>
               </a:ext>
             </a:extLst>
           </p:cNvPr>
@@ -4871,7 +9047,7 @@
           </p:cNvPicPr>
           <p:nvPr/>
         </p:nvPicPr>
-        <p:blipFill rotWithShape="1">
+        <p:blipFill>
           <a:blip r:embed="rId5">
             <a:extLst>
               <a:ext uri="{28A0092B-C50C-407E-A947-70E740481C1C}">
@@ -4879,13 +9055,15 @@
               </a:ext>
             </a:extLst>
           </a:blip>
-          <a:srcRect l="5865" r="10641"/>
-          <a:stretch/>
+          <a:srcRect/>
+          <a:stretch>
+            <a:fillRect/>
+          </a:stretch>
         </p:blipFill>
         <p:spPr bwMode="auto">
           <a:xfrm>
-            <a:off x="8665027" y="2746576"/>
-            <a:ext cx="3331071" cy="2659743"/>
+            <a:off x="804977" y="5262470"/>
+            <a:ext cx="2639302" cy="1484607"/>
           </a:xfrm>
           <a:prstGeom prst="rect">
             <a:avLst/>
@@ -4904,10 +9082,10 @@
       </p:pic>
       <p:pic>
         <p:nvPicPr>
-          <p:cNvPr id="2058" name="Picture 10" descr="IT12A01: FUNDAMENTALS OF PYTHON PROGRAMMING (SF) (SYNCHRONOUS E-LEARNING) -  NTUC LearningHub">
-            <a:extLst>
-              <a:ext uri="{FF2B5EF4-FFF2-40B4-BE49-F238E27FC236}">
-                <a16:creationId xmlns:a16="http://schemas.microsoft.com/office/drawing/2014/main" id="{80EDF8DB-E749-8471-3ACA-2FFE3006FC46}"/>
+          <p:cNvPr id="1032" name="Picture 8" descr="The 5 Best Water Shoes of 2023 | Reviews by Wirecutter">
+            <a:extLst>
+              <a:ext uri="{FF2B5EF4-FFF2-40B4-BE49-F238E27FC236}">
+                <a16:creationId xmlns:a16="http://schemas.microsoft.com/office/drawing/2014/main" id="{A90F23CC-4FF6-721E-5625-5AC321D203C4}"/>
               </a:ext>
             </a:extLst>
           </p:cNvPr>
@@ -4916,7 +9094,7 @@
           </p:cNvPicPr>
           <p:nvPr/>
         </p:nvPicPr>
-        <p:blipFill rotWithShape="1">
+        <p:blipFill>
           <a:blip r:embed="rId6">
             <a:extLst>
               <a:ext uri="{28A0092B-C50C-407E-A947-70E740481C1C}">
@@ -4924,13 +9102,15 @@
               </a:ext>
             </a:extLst>
           </a:blip>
-          <a:srcRect l="23319" r="20198"/>
-          <a:stretch/>
+          <a:srcRect/>
+          <a:stretch>
+            <a:fillRect/>
+          </a:stretch>
         </p:blipFill>
         <p:spPr bwMode="auto">
           <a:xfrm>
-            <a:off x="304800" y="3167764"/>
-            <a:ext cx="1894114" cy="1877924"/>
+            <a:off x="3538202" y="3375627"/>
+            <a:ext cx="2711945" cy="1419251"/>
           </a:xfrm>
           <a:prstGeom prst="rect">
             <a:avLst/>
@@ -4947,154 +9127,104 @@
           </a:extLst>
         </p:spPr>
       </p:pic>
-      <p:sp>
-        <p:nvSpPr>
-          <p:cNvPr id="8" name="Sinal de Adição 7">
-            <a:extLst>
-              <a:ext uri="{FF2B5EF4-FFF2-40B4-BE49-F238E27FC236}">
-                <a16:creationId xmlns:a16="http://schemas.microsoft.com/office/drawing/2014/main" id="{89317CF7-D83C-5980-45A9-863C64A2BE61}"/>
-              </a:ext>
-            </a:extLst>
-          </p:cNvPr>
-          <p:cNvSpPr>
-            <a:spLocks noChangeAspect="1"/>
-          </p:cNvSpPr>
+      <p:pic>
+        <p:nvPicPr>
+          <p:cNvPr id="1034" name="Picture 10" descr="Shoe - Wikipedia">
+            <a:extLst>
+              <a:ext uri="{FF2B5EF4-FFF2-40B4-BE49-F238E27FC236}">
+                <a16:creationId xmlns:a16="http://schemas.microsoft.com/office/drawing/2014/main" id="{D02ACA22-9C4E-DF86-654C-61FC92B1108C}"/>
+              </a:ext>
+            </a:extLst>
+          </p:cNvPr>
+          <p:cNvPicPr>
+            <a:picLocks noChangeAspect="1" noChangeArrowheads="1"/>
+          </p:cNvPicPr>
           <p:nvPr/>
-        </p:nvSpPr>
-        <p:spPr>
-          <a:xfrm>
-            <a:off x="2198914" y="3535968"/>
-            <a:ext cx="468000" cy="468000"/>
-          </a:xfrm>
-          <a:prstGeom prst="mathPlus">
+        </p:nvPicPr>
+        <p:blipFill>
+          <a:blip r:embed="rId7">
+            <a:extLst>
+              <a:ext uri="{28A0092B-C50C-407E-A947-70E740481C1C}">
+                <a14:useLocalDpi xmlns:a14="http://schemas.microsoft.com/office/drawing/2010/main" val="0"/>
+              </a:ext>
+            </a:extLst>
+          </a:blip>
+          <a:srcRect/>
+          <a:stretch>
+            <a:fillRect/>
+          </a:stretch>
+        </p:blipFill>
+        <p:spPr bwMode="auto">
+          <a:xfrm>
+            <a:off x="3754002" y="4920290"/>
+            <a:ext cx="2278897" cy="1837361"/>
+          </a:xfrm>
+          <a:prstGeom prst="rect">
             <a:avLst/>
           </a:prstGeom>
-        </p:spPr>
-        <p:style>
-          <a:lnRef idx="2">
-            <a:schemeClr val="accent1">
-              <a:shade val="15000"/>
-            </a:schemeClr>
-          </a:lnRef>
-          <a:fillRef idx="1">
-            <a:schemeClr val="accent1"/>
-          </a:fillRef>
-          <a:effectRef idx="0">
-            <a:schemeClr val="accent1"/>
-          </a:effectRef>
-          <a:fontRef idx="minor">
-            <a:schemeClr val="lt1"/>
-          </a:fontRef>
-        </p:style>
-        <p:txBody>
-          <a:bodyPr rtlCol="0" anchor="ctr"/>
-          <a:lstStyle/>
-          <a:p>
-            <a:pPr algn="ctr"/>
-            <a:endParaRPr lang="pt-BR"/>
-          </a:p>
-        </p:txBody>
-      </p:sp>
-      <p:sp>
-        <p:nvSpPr>
-          <p:cNvPr id="10" name="Sinal de Adição 9">
-            <a:extLst>
-              <a:ext uri="{FF2B5EF4-FFF2-40B4-BE49-F238E27FC236}">
-                <a16:creationId xmlns:a16="http://schemas.microsoft.com/office/drawing/2014/main" id="{C6DC4B29-EABA-20F7-BB46-C33BEC93E2DD}"/>
-              </a:ext>
-            </a:extLst>
-          </p:cNvPr>
-          <p:cNvSpPr>
-            <a:spLocks noChangeAspect="1"/>
-          </p:cNvSpPr>
+          <a:noFill/>
+          <a:extLst>
+            <a:ext uri="{909E8E84-426E-40DD-AFC4-6F175D3DCCD1}">
+              <a14:hiddenFill xmlns:a14="http://schemas.microsoft.com/office/drawing/2010/main">
+                <a:solidFill>
+                  <a:srgbClr val="FFFFFF"/>
+                </a:solidFill>
+              </a14:hiddenFill>
+            </a:ext>
+          </a:extLst>
+        </p:spPr>
+      </p:pic>
+      <p:pic>
+        <p:nvPicPr>
+          <p:cNvPr id="1036" name="Picture 12" descr="The 9 Best Sandals of 2023 | Reviews by Wirecutter">
+            <a:extLst>
+              <a:ext uri="{FF2B5EF4-FFF2-40B4-BE49-F238E27FC236}">
+                <a16:creationId xmlns:a16="http://schemas.microsoft.com/office/drawing/2014/main" id="{5E8C2F52-8C11-31F1-A6C1-2BFD37C7E235}"/>
+              </a:ext>
+            </a:extLst>
+          </p:cNvPr>
+          <p:cNvPicPr>
+            <a:picLocks noChangeAspect="1" noChangeArrowheads="1"/>
+          </p:cNvPicPr>
           <p:nvPr/>
-        </p:nvSpPr>
-        <p:spPr>
-          <a:xfrm>
-            <a:off x="5279613" y="3535968"/>
-            <a:ext cx="468000" cy="468000"/>
-          </a:xfrm>
-          <a:prstGeom prst="mathPlus">
+        </p:nvPicPr>
+        <p:blipFill>
+          <a:blip r:embed="rId8">
+            <a:extLst>
+              <a:ext uri="{28A0092B-C50C-407E-A947-70E740481C1C}">
+                <a14:useLocalDpi xmlns:a14="http://schemas.microsoft.com/office/drawing/2010/main" val="0"/>
+              </a:ext>
+            </a:extLst>
+          </a:blip>
+          <a:srcRect/>
+          <a:stretch>
+            <a:fillRect/>
+          </a:stretch>
+        </p:blipFill>
+        <p:spPr bwMode="auto">
+          <a:xfrm>
+            <a:off x="1001791" y="3623465"/>
+            <a:ext cx="2278896" cy="1520006"/>
+          </a:xfrm>
+          <a:prstGeom prst="rect">
             <a:avLst/>
           </a:prstGeom>
-        </p:spPr>
-        <p:style>
-          <a:lnRef idx="2">
-            <a:schemeClr val="accent1">
-              <a:shade val="15000"/>
-            </a:schemeClr>
-          </a:lnRef>
-          <a:fillRef idx="1">
-            <a:schemeClr val="accent1"/>
-          </a:fillRef>
-          <a:effectRef idx="0">
-            <a:schemeClr val="accent1"/>
-          </a:effectRef>
-          <a:fontRef idx="minor">
-            <a:schemeClr val="lt1"/>
-          </a:fontRef>
-        </p:style>
-        <p:txBody>
-          <a:bodyPr rtlCol="0" anchor="ctr"/>
-          <a:lstStyle/>
-          <a:p>
-            <a:pPr algn="ctr"/>
-            <a:endParaRPr lang="pt-BR"/>
-          </a:p>
-        </p:txBody>
-      </p:sp>
-      <p:sp>
-        <p:nvSpPr>
-          <p:cNvPr id="11" name="Sinal de Adição 10">
-            <a:extLst>
-              <a:ext uri="{FF2B5EF4-FFF2-40B4-BE49-F238E27FC236}">
-                <a16:creationId xmlns:a16="http://schemas.microsoft.com/office/drawing/2014/main" id="{FF65B64B-136B-DCC4-8A01-509D3D5CD19F}"/>
-              </a:ext>
-            </a:extLst>
-          </p:cNvPr>
-          <p:cNvSpPr>
-            <a:spLocks noChangeAspect="1"/>
-          </p:cNvSpPr>
-          <p:nvPr/>
-        </p:nvSpPr>
-        <p:spPr>
-          <a:xfrm>
-            <a:off x="7968386" y="3533294"/>
-            <a:ext cx="468000" cy="468000"/>
-          </a:xfrm>
-          <a:prstGeom prst="mathPlus">
-            <a:avLst/>
-          </a:prstGeom>
-        </p:spPr>
-        <p:style>
-          <a:lnRef idx="2">
-            <a:schemeClr val="accent1">
-              <a:shade val="15000"/>
-            </a:schemeClr>
-          </a:lnRef>
-          <a:fillRef idx="1">
-            <a:schemeClr val="accent1"/>
-          </a:fillRef>
-          <a:effectRef idx="0">
-            <a:schemeClr val="accent1"/>
-          </a:effectRef>
-          <a:fontRef idx="minor">
-            <a:schemeClr val="lt1"/>
-          </a:fontRef>
-        </p:style>
-        <p:txBody>
-          <a:bodyPr rtlCol="0" anchor="ctr"/>
-          <a:lstStyle/>
-          <a:p>
-            <a:pPr algn="ctr"/>
-            <a:endParaRPr lang="pt-BR"/>
-          </a:p>
-        </p:txBody>
-      </p:sp>
+          <a:noFill/>
+          <a:extLst>
+            <a:ext uri="{909E8E84-426E-40DD-AFC4-6F175D3DCCD1}">
+              <a14:hiddenFill xmlns:a14="http://schemas.microsoft.com/office/drawing/2010/main">
+                <a:solidFill>
+                  <a:srgbClr val="FFFFFF"/>
+                </a:solidFill>
+              </a14:hiddenFill>
+            </a:ext>
+          </a:extLst>
+        </p:spPr>
+      </p:pic>
     </p:spTree>
     <p:extLst>
       <p:ext uri="{BB962C8B-B14F-4D97-AF65-F5344CB8AC3E}">
-        <p14:creationId xmlns:p14="http://schemas.microsoft.com/office/powerpoint/2010/main" val="94961935"/>
+        <p14:creationId xmlns:p14="http://schemas.microsoft.com/office/powerpoint/2010/main" val="2900743487"/>
       </p:ext>
     </p:extLst>
   </p:cSld>
@@ -5126,7 +9256,7 @@
           <p:cNvPr id="2" name="Título 1">
             <a:extLst>
               <a:ext uri="{FF2B5EF4-FFF2-40B4-BE49-F238E27FC236}">
-                <a16:creationId xmlns:a16="http://schemas.microsoft.com/office/drawing/2014/main" id="{2755BD9F-A5F9-C006-2D60-3988AFB742AA}"/>
+                <a16:creationId xmlns:a16="http://schemas.microsoft.com/office/drawing/2014/main" id="{3DBFD88C-E587-F1F5-9CE9-1664F6294656}"/>
               </a:ext>
             </a:extLst>
           </p:cNvPr>
@@ -5144,7 +9274,7 @@
           <a:p>
             <a:r>
               <a:rPr lang="pt-BR" dirty="0"/>
-              <a:t>Atividades</a:t>
+              <a:t>Passos a serem seguidos</a:t>
             </a:r>
           </a:p>
         </p:txBody>
@@ -5154,7 +9284,7 @@
           <p:cNvPr id="3" name="Espaço Reservado para Conteúdo 2">
             <a:extLst>
               <a:ext uri="{FF2B5EF4-FFF2-40B4-BE49-F238E27FC236}">
-                <a16:creationId xmlns:a16="http://schemas.microsoft.com/office/drawing/2014/main" id="{DE398648-3AD3-9986-3010-6210876DC9B1}"/>
+                <a16:creationId xmlns:a16="http://schemas.microsoft.com/office/drawing/2014/main" id="{BC8DED3E-A39F-AD3E-1BD0-A1D23418ABFF}"/>
               </a:ext>
             </a:extLst>
           </p:cNvPr>
@@ -5165,32 +9295,131 @@
             <p:ph idx="1"/>
           </p:nvPr>
         </p:nvSpPr>
-        <p:spPr/>
-        <p:txBody>
-          <a:bodyPr/>
+        <p:spPr>
+          <a:xfrm>
+            <a:off x="6342622" y="1825625"/>
+            <a:ext cx="5692062" cy="5032376"/>
+          </a:xfrm>
+        </p:spPr>
+        <p:txBody>
+          <a:bodyPr>
+            <a:normAutofit/>
+          </a:bodyPr>
           <a:lstStyle/>
           <a:p>
             <a:r>
               <a:rPr lang="pt-BR" dirty="0"/>
-              <a:t>Quiz: “</a:t>
-            </a:r>
-            <a:r>
-              <a:rPr lang="pt-BR" b="1" i="1" dirty="0"/>
-              <a:t>TP557 - </a:t>
-            </a:r>
-            <a:r>
-              <a:rPr lang="pt-BR" b="1" i="1" dirty="0" err="1"/>
-              <a:t>Datasets</a:t>
-            </a:r>
+              <a:t>Sabemos que há uma enorme variedade de calçados e não há uma regra rígida sobre o que faz de um calçado um calçado. </a:t>
+            </a:r>
+          </a:p>
+          <a:p>
             <a:r>
               <a:rPr lang="pt-BR" dirty="0"/>
-              <a:t>”.</a:t>
-            </a:r>
-          </a:p>
-          <a:p>
+              <a:t>Normalmente, seguindo o </a:t>
+            </a:r>
+            <a:r>
+              <a:rPr lang="pt-BR" i="1" dirty="0"/>
+              <a:t>workflow</a:t>
+            </a:r>
             <a:r>
               <a:rPr lang="pt-BR" dirty="0"/>
-              <a:t>Exercício:</a:t>
+              <a:t> de trabalho com ML, nós:</a:t>
+            </a:r>
+          </a:p>
+          <a:p>
+            <a:pPr lvl="1">
+              <a:buFont typeface="Wingdings" panose="05000000000000000000" pitchFamily="2" charset="2"/>
+              <a:buChar char="§"/>
+            </a:pPr>
+            <a:r>
+              <a:rPr lang="pt-BR" dirty="0"/>
+              <a:t>coletaríamos o maior número possível de imagens de calçados,</a:t>
+            </a:r>
+          </a:p>
+          <a:p>
+            <a:pPr lvl="1">
+              <a:buFont typeface="Wingdings" panose="05000000000000000000" pitchFamily="2" charset="2"/>
+              <a:buChar char="§"/>
+            </a:pPr>
+            <a:r>
+              <a:rPr lang="pt-BR" dirty="0"/>
+              <a:t>treinaríamos uma rede neural usando esse conjunto,</a:t>
+            </a:r>
+          </a:p>
+          <a:p>
+            <a:pPr lvl="1">
+              <a:buFont typeface="Wingdings" panose="05000000000000000000" pitchFamily="2" charset="2"/>
+              <a:buChar char="§"/>
+            </a:pPr>
+            <a:r>
+              <a:rPr lang="pt-BR" dirty="0"/>
+              <a:t>e usaríamos o modelo treinado (i.e., inferências).</a:t>
+            </a:r>
+          </a:p>
+        </p:txBody>
+      </p:sp>
+      <p:pic>
+        <p:nvPicPr>
+          <p:cNvPr id="11" name="Imagem 10">
+            <a:extLst>
+              <a:ext uri="{FF2B5EF4-FFF2-40B4-BE49-F238E27FC236}">
+                <a16:creationId xmlns:a16="http://schemas.microsoft.com/office/drawing/2014/main" id="{C31035CD-E057-4083-DEDC-B5C9C0D8BD66}"/>
+              </a:ext>
+            </a:extLst>
+          </p:cNvPr>
+          <p:cNvPicPr>
+            <a:picLocks noChangeAspect="1"/>
+          </p:cNvPicPr>
+          <p:nvPr/>
+        </p:nvPicPr>
+        <p:blipFill>
+          <a:blip r:embed="rId3"/>
+          <a:stretch>
+            <a:fillRect/>
+          </a:stretch>
+        </p:blipFill>
+        <p:spPr>
+          <a:xfrm>
+            <a:off x="78683" y="2182762"/>
+            <a:ext cx="6244275" cy="3510269"/>
+          </a:xfrm>
+          <a:prstGeom prst="rect">
+            <a:avLst/>
+          </a:prstGeom>
+        </p:spPr>
+      </p:pic>
+      <p:sp>
+        <p:nvSpPr>
+          <p:cNvPr id="12" name="CaixaDeTexto 11">
+            <a:extLst>
+              <a:ext uri="{FF2B5EF4-FFF2-40B4-BE49-F238E27FC236}">
+                <a16:creationId xmlns:a16="http://schemas.microsoft.com/office/drawing/2014/main" id="{F51936AA-5952-E1B7-D410-D7F97360CF8E}"/>
+              </a:ext>
+            </a:extLst>
+          </p:cNvPr>
+          <p:cNvSpPr txBox="1"/>
+          <p:nvPr/>
+        </p:nvSpPr>
+        <p:spPr>
+          <a:xfrm>
+            <a:off x="1573160" y="5846544"/>
+            <a:ext cx="3254479" cy="584775"/>
+          </a:xfrm>
+          <a:prstGeom prst="rect">
+            <a:avLst/>
+          </a:prstGeom>
+          <a:noFill/>
+        </p:spPr>
+        <p:txBody>
+          <a:bodyPr wrap="square" rtlCol="0">
+            <a:spAutoFit/>
+          </a:bodyPr>
+          <a:lstStyle/>
+          <a:p>
+            <a:pPr algn="ctr"/>
+            <a:r>
+              <a:rPr lang="pt-BR" sz="1600" dirty="0"/>
+              <a:t>Quanto mais exemplos de calçados em nossa base de dados, melhor!</a:t>
             </a:r>
           </a:p>
         </p:txBody>
@@ -5198,7 +9427,7 @@
     </p:spTree>
     <p:extLst>
       <p:ext uri="{BB962C8B-B14F-4D97-AF65-F5344CB8AC3E}">
-        <p14:creationId xmlns:p14="http://schemas.microsoft.com/office/powerpoint/2010/main" val="2918520294"/>
+        <p14:creationId xmlns:p14="http://schemas.microsoft.com/office/powerpoint/2010/main" val="1679343649"/>
       </p:ext>
     </p:extLst>
   </p:cSld>
@@ -5227,64 +9456,258 @@
       </p:grpSpPr>
       <p:sp>
         <p:nvSpPr>
-          <p:cNvPr id="4" name="Título 1">
-            <a:extLst>
-              <a:ext uri="{FF2B5EF4-FFF2-40B4-BE49-F238E27FC236}">
-                <a16:creationId xmlns:a16="http://schemas.microsoft.com/office/drawing/2014/main" id="{32666AC8-2E17-4DB4-B0F5-60C640CCFD2E}"/>
-              </a:ext>
-            </a:extLst>
-          </p:cNvPr>
-          <p:cNvSpPr txBox="1">
-            <a:spLocks/>
-          </p:cNvSpPr>
+          <p:cNvPr id="2" name="Título 1">
+            <a:extLst>
+              <a:ext uri="{FF2B5EF4-FFF2-40B4-BE49-F238E27FC236}">
+                <a16:creationId xmlns:a16="http://schemas.microsoft.com/office/drawing/2014/main" id="{3DBFD88C-E587-F1F5-9CE9-1664F6294656}"/>
+              </a:ext>
+            </a:extLst>
+          </p:cNvPr>
+          <p:cNvSpPr>
+            <a:spLocks noGrp="1"/>
+          </p:cNvSpPr>
+          <p:nvPr>
+            <p:ph type="title"/>
+          </p:nvPr>
+        </p:nvSpPr>
+        <p:spPr/>
+        <p:txBody>
+          <a:bodyPr/>
+          <a:lstStyle/>
+          <a:p>
+            <a:r>
+              <a:rPr lang="pt-BR" dirty="0"/>
+              <a:t>Resultados do treinamento</a:t>
+            </a:r>
+          </a:p>
+        </p:txBody>
+      </p:sp>
+      <p:sp>
+        <p:nvSpPr>
+          <p:cNvPr id="3" name="Espaço Reservado para Conteúdo 2">
+            <a:extLst>
+              <a:ext uri="{FF2B5EF4-FFF2-40B4-BE49-F238E27FC236}">
+                <a16:creationId xmlns:a16="http://schemas.microsoft.com/office/drawing/2014/main" id="{BC8DED3E-A39F-AD3E-1BD0-A1D23418ABFF}"/>
+              </a:ext>
+            </a:extLst>
+          </p:cNvPr>
+          <p:cNvSpPr>
+            <a:spLocks noGrp="1"/>
+          </p:cNvSpPr>
+          <p:nvPr>
+            <p:ph idx="1"/>
+          </p:nvPr>
+        </p:nvSpPr>
+        <p:spPr>
+          <a:xfrm>
+            <a:off x="6915150" y="1825625"/>
+            <a:ext cx="5119534" cy="5032376"/>
+          </a:xfrm>
+        </p:spPr>
+        <p:txBody>
+          <a:bodyPr>
+            <a:normAutofit/>
+          </a:bodyPr>
+          <a:lstStyle/>
+          <a:p>
+            <a:r>
+              <a:rPr lang="pt-BR" dirty="0"/>
+              <a:t>Durante o treinamento, poderíamos observar resultados como os mostrados ao lado.</a:t>
+            </a:r>
+          </a:p>
+          <a:p>
+            <a:r>
+              <a:rPr lang="pt-BR" dirty="0"/>
+              <a:t>O modelo atinge uma acurácia de 100% em apenas 11 épocas!</a:t>
+            </a:r>
+          </a:p>
+          <a:p>
+            <a:r>
+              <a:rPr lang="pt-BR" dirty="0"/>
+              <a:t>Isso pode significar que criamos um modelo incrível que pode reconhecer calçados.</a:t>
+            </a:r>
+          </a:p>
+          <a:p>
+            <a:r>
+              <a:rPr lang="pt-BR" dirty="0"/>
+              <a:t>Então vamos usá-lo para realizar inferências com imagens inéditas de calçados!</a:t>
+            </a:r>
+          </a:p>
+        </p:txBody>
+      </p:sp>
+      <p:sp>
+        <p:nvSpPr>
+          <p:cNvPr id="4" name="CaixaDeTexto 3">
+            <a:extLst>
+              <a:ext uri="{FF2B5EF4-FFF2-40B4-BE49-F238E27FC236}">
+                <a16:creationId xmlns:a16="http://schemas.microsoft.com/office/drawing/2014/main" id="{960CF722-1452-B29C-EA77-7C38AAA29CFB}"/>
+              </a:ext>
+            </a:extLst>
+          </p:cNvPr>
+          <p:cNvSpPr txBox="1"/>
           <p:nvPr/>
         </p:nvSpPr>
         <p:spPr>
           <a:xfrm>
-            <a:off x="1431533" y="2720526"/>
-            <a:ext cx="9144000" cy="1029541"/>
+            <a:off x="157316" y="2873375"/>
+            <a:ext cx="2693117" cy="2462213"/>
           </a:xfrm>
           <a:prstGeom prst="rect">
             <a:avLst/>
           </a:prstGeom>
-        </p:spPr>
-        <p:txBody>
-          <a:bodyPr vert="horz" lIns="91440" tIns="45720" rIns="91440" bIns="45720" rtlCol="0" anchor="ctr">
-            <a:normAutofit/>
+          <a:noFill/>
+        </p:spPr>
+        <p:txBody>
+          <a:bodyPr wrap="square" rtlCol="0">
+            <a:spAutoFit/>
           </a:bodyPr>
-          <a:lstStyle>
-            <a:lvl1pPr algn="l" defTabSz="914400" rtl="0" eaLnBrk="1" latinLnBrk="0" hangingPunct="1">
-              <a:lnSpc>
-                <a:spcPct val="90000"/>
-              </a:lnSpc>
-              <a:spcBef>
-                <a:spcPct val="0"/>
-              </a:spcBef>
-              <a:buNone/>
-              <a:defRPr sz="4400" kern="1200">
-                <a:solidFill>
-                  <a:schemeClr val="tx1"/>
-                </a:solidFill>
-                <a:latin typeface="+mj-lt"/>
-                <a:ea typeface="+mj-ea"/>
-                <a:cs typeface="+mj-cs"/>
-              </a:defRPr>
-            </a:lvl1pPr>
-          </a:lstStyle>
-          <a:p>
-            <a:pPr algn="ctr"/>
-            <a:r>
-              <a:rPr lang="pt-BR" sz="6600" dirty="0"/>
-              <a:t>Perguntas?</a:t>
-            </a:r>
-            <a:endParaRPr lang="pt-BR" sz="6600" b="1" i="1" dirty="0"/>
-          </a:p>
-        </p:txBody>
-      </p:sp>
+          <a:lstStyle/>
+          <a:p>
+            <a:r>
+              <a:rPr lang="pt-BR" sz="1400" dirty="0"/>
+              <a:t>Acurácia de treinamento: </a:t>
+            </a:r>
+            <a:r>
+              <a:rPr lang="pt-BR" sz="1400" b="1" dirty="0"/>
+              <a:t>0.570</a:t>
+            </a:r>
+          </a:p>
+          <a:p>
+            <a:r>
+              <a:rPr lang="pt-BR" sz="1400" dirty="0"/>
+              <a:t>Acurácia de treinamento: </a:t>
+            </a:r>
+            <a:r>
+              <a:rPr lang="pt-BR" sz="1400" b="1" dirty="0"/>
+              <a:t>0.712</a:t>
+            </a:r>
+            <a:endParaRPr lang="pt-BR" sz="1400" dirty="0"/>
+          </a:p>
+          <a:p>
+            <a:r>
+              <a:rPr lang="pt-BR" sz="1400" dirty="0"/>
+              <a:t>Acurácia de treinamento: </a:t>
+            </a:r>
+            <a:r>
+              <a:rPr lang="pt-BR" sz="1400" b="1" dirty="0"/>
+              <a:t>0.823</a:t>
+            </a:r>
+          </a:p>
+          <a:p>
+            <a:r>
+              <a:rPr lang="pt-BR" sz="1400" dirty="0"/>
+              <a:t>Acurácia de treinamento: </a:t>
+            </a:r>
+            <a:r>
+              <a:rPr lang="pt-BR" sz="1400" b="1" dirty="0"/>
+              <a:t>0.915</a:t>
+            </a:r>
+          </a:p>
+          <a:p>
+            <a:r>
+              <a:rPr lang="pt-BR" sz="1400" dirty="0"/>
+              <a:t>Acurácia de treinamento: </a:t>
+            </a:r>
+            <a:r>
+              <a:rPr lang="pt-BR" sz="1400" b="1" dirty="0"/>
+              <a:t>0.927</a:t>
+            </a:r>
+          </a:p>
+          <a:p>
+            <a:r>
+              <a:rPr lang="pt-BR" sz="1400" dirty="0"/>
+              <a:t>Acurácia de treinamento: </a:t>
+            </a:r>
+            <a:r>
+              <a:rPr lang="pt-BR" sz="1400" b="1" dirty="0"/>
+              <a:t>0.933</a:t>
+            </a:r>
+          </a:p>
+          <a:p>
+            <a:r>
+              <a:rPr lang="pt-BR" sz="1400" dirty="0"/>
+              <a:t>Acurácia de treinamento: </a:t>
+            </a:r>
+            <a:r>
+              <a:rPr lang="pt-BR" sz="1400" b="1" dirty="0"/>
+              <a:t>0.947</a:t>
+            </a:r>
+          </a:p>
+          <a:p>
+            <a:r>
+              <a:rPr lang="pt-BR" sz="1400" dirty="0"/>
+              <a:t>Acurácia de treinamento: </a:t>
+            </a:r>
+            <a:r>
+              <a:rPr lang="pt-BR" sz="1400" b="1" dirty="0"/>
+              <a:t>0.961</a:t>
+            </a:r>
+          </a:p>
+          <a:p>
+            <a:r>
+              <a:rPr lang="pt-BR" sz="1400" dirty="0"/>
+              <a:t>Acurácia de treinamento: </a:t>
+            </a:r>
+            <a:r>
+              <a:rPr lang="pt-BR" sz="1400" b="1" dirty="0"/>
+              <a:t>0.977</a:t>
+            </a:r>
+          </a:p>
+          <a:p>
+            <a:r>
+              <a:rPr lang="pt-BR" sz="1400" dirty="0"/>
+              <a:t>Acurácia de treinamento: </a:t>
+            </a:r>
+            <a:r>
+              <a:rPr lang="pt-BR" sz="1400" b="1" dirty="0"/>
+              <a:t>0.995</a:t>
+            </a:r>
+          </a:p>
+          <a:p>
+            <a:r>
+              <a:rPr lang="pt-BR" sz="1400" dirty="0"/>
+              <a:t>Acurácia de treinamento: </a:t>
+            </a:r>
+            <a:r>
+              <a:rPr lang="pt-BR" sz="1400" b="1" dirty="0"/>
+              <a:t>1.000</a:t>
+            </a:r>
+          </a:p>
+        </p:txBody>
+      </p:sp>
+      <p:pic>
+        <p:nvPicPr>
+          <p:cNvPr id="6" name="Imagem 5">
+            <a:extLst>
+              <a:ext uri="{FF2B5EF4-FFF2-40B4-BE49-F238E27FC236}">
+                <a16:creationId xmlns:a16="http://schemas.microsoft.com/office/drawing/2014/main" id="{FE280217-8A60-C147-F1A9-B84C7FEE23E3}"/>
+              </a:ext>
+            </a:extLst>
+          </p:cNvPr>
+          <p:cNvPicPr>
+            <a:picLocks noChangeAspect="1"/>
+          </p:cNvPicPr>
+          <p:nvPr/>
+        </p:nvPicPr>
+        <p:blipFill rotWithShape="1">
+          <a:blip r:embed="rId3"/>
+          <a:srcRect l="2949" t="10727" r="9690"/>
+          <a:stretch/>
+        </p:blipFill>
+        <p:spPr>
+          <a:xfrm>
+            <a:off x="2850433" y="2735263"/>
+            <a:ext cx="3819517" cy="2927350"/>
+          </a:xfrm>
+          <a:prstGeom prst="rect">
+            <a:avLst/>
+          </a:prstGeom>
+        </p:spPr>
+      </p:pic>
     </p:spTree>
     <p:extLst>
       <p:ext uri="{BB962C8B-B14F-4D97-AF65-F5344CB8AC3E}">
-        <p14:creationId xmlns:p14="http://schemas.microsoft.com/office/powerpoint/2010/main" val="1975981511"/>
+        <p14:creationId xmlns:p14="http://schemas.microsoft.com/office/powerpoint/2010/main" val="3399755923"/>
       </p:ext>
     </p:extLst>
   </p:cSld>
@@ -5313,64 +9736,880 @@
       </p:grpSpPr>
       <p:sp>
         <p:nvSpPr>
-          <p:cNvPr id="4" name="Título 1">
-            <a:extLst>
-              <a:ext uri="{FF2B5EF4-FFF2-40B4-BE49-F238E27FC236}">
-                <a16:creationId xmlns:a16="http://schemas.microsoft.com/office/drawing/2014/main" id="{32666AC8-2E17-4DB4-B0F5-60C640CCFD2E}"/>
-              </a:ext>
-            </a:extLst>
-          </p:cNvPr>
-          <p:cNvSpPr txBox="1">
-            <a:spLocks/>
-          </p:cNvSpPr>
+          <p:cNvPr id="2" name="Título 1">
+            <a:extLst>
+              <a:ext uri="{FF2B5EF4-FFF2-40B4-BE49-F238E27FC236}">
+                <a16:creationId xmlns:a16="http://schemas.microsoft.com/office/drawing/2014/main" id="{FA18C3B8-867A-E62E-DB7C-D7FDB211C469}"/>
+              </a:ext>
+            </a:extLst>
+          </p:cNvPr>
+          <p:cNvSpPr>
+            <a:spLocks noGrp="1"/>
+          </p:cNvSpPr>
+          <p:nvPr>
+            <p:ph type="title"/>
+          </p:nvPr>
+        </p:nvSpPr>
+        <p:spPr/>
+        <p:txBody>
+          <a:bodyPr/>
+          <a:lstStyle/>
+          <a:p>
+            <a:r>
+              <a:rPr lang="pt-BR" dirty="0"/>
+              <a:t>Hora de usar o modelo treinado</a:t>
+            </a:r>
+          </a:p>
+        </p:txBody>
+      </p:sp>
+      <p:sp>
+        <p:nvSpPr>
+          <p:cNvPr id="3" name="Espaço Reservado para Conteúdo 2">
+            <a:extLst>
+              <a:ext uri="{FF2B5EF4-FFF2-40B4-BE49-F238E27FC236}">
+                <a16:creationId xmlns:a16="http://schemas.microsoft.com/office/drawing/2014/main" id="{D39D3739-8AA5-83FC-FD68-4D082746C65E}"/>
+              </a:ext>
+            </a:extLst>
+          </p:cNvPr>
+          <p:cNvSpPr>
+            <a:spLocks noGrp="1"/>
+          </p:cNvSpPr>
+          <p:nvPr>
+            <p:ph idx="1"/>
+          </p:nvPr>
+        </p:nvSpPr>
+        <p:spPr>
+          <a:xfrm>
+            <a:off x="5604387" y="1825624"/>
+            <a:ext cx="6400800" cy="5032375"/>
+          </a:xfrm>
+        </p:spPr>
+        <p:txBody>
+          <a:bodyPr>
+            <a:normAutofit/>
+          </a:bodyPr>
+          <a:lstStyle/>
+          <a:p>
+            <a:r>
+              <a:rPr lang="pt-BR" dirty="0"/>
+              <a:t>Mas então mostramos um sapato como este ao lado e ele falha em reconhecê-lo como um calçado. </a:t>
+            </a:r>
+          </a:p>
+          <a:p>
+            <a:r>
+              <a:rPr lang="pt-BR" dirty="0"/>
+              <a:t>Pensamos que o modelo era 100% preciso em reconhecer calçados. </a:t>
+            </a:r>
+          </a:p>
+          <a:p>
+            <a:r>
+              <a:rPr lang="pt-BR" dirty="0"/>
+              <a:t>Mas a realidade é que temos 100% de acurácia no reconhecimento dos tipos de calçados nos quais treinamos a rede neural e essa acurácia de 100% nos levou a uma falsa sensação de segurança de que o modelo funcionaria muito bem com qualquer outra imagem.</a:t>
+            </a:r>
+          </a:p>
+        </p:txBody>
+      </p:sp>
+      <p:pic>
+        <p:nvPicPr>
+          <p:cNvPr id="3076" name="Picture 4" descr="SANDÁLIA TRICÔ MEXICANO">
+            <a:extLst>
+              <a:ext uri="{FF2B5EF4-FFF2-40B4-BE49-F238E27FC236}">
+                <a16:creationId xmlns:a16="http://schemas.microsoft.com/office/drawing/2014/main" id="{3B4B3FC5-D9CB-7E0E-1DE1-66F9B7F1CF4F}"/>
+              </a:ext>
+            </a:extLst>
+          </p:cNvPr>
+          <p:cNvPicPr>
+            <a:picLocks noChangeAspect="1" noChangeArrowheads="1"/>
+          </p:cNvPicPr>
           <p:nvPr/>
-        </p:nvSpPr>
-        <p:spPr>
-          <a:xfrm>
-            <a:off x="1431533" y="2720526"/>
-            <a:ext cx="9144000" cy="1029541"/>
+        </p:nvPicPr>
+        <p:blipFill rotWithShape="1">
+          <a:blip r:embed="rId3">
+            <a:extLst>
+              <a:ext uri="{28A0092B-C50C-407E-A947-70E740481C1C}">
+                <a14:useLocalDpi xmlns:a14="http://schemas.microsoft.com/office/drawing/2010/main" val="0"/>
+              </a:ext>
+            </a:extLst>
+          </a:blip>
+          <a:srcRect l="13585" t="19498" r="11004" b="22724"/>
+          <a:stretch/>
+        </p:blipFill>
+        <p:spPr bwMode="auto">
+          <a:xfrm>
+            <a:off x="838200" y="2116021"/>
+            <a:ext cx="4454013" cy="3412486"/>
           </a:xfrm>
           <a:prstGeom prst="rect">
             <a:avLst/>
           </a:prstGeom>
-        </p:spPr>
-        <p:txBody>
-          <a:bodyPr vert="horz" lIns="91440" tIns="45720" rIns="91440" bIns="45720" rtlCol="0" anchor="ctr">
-            <a:normAutofit/>
-          </a:bodyPr>
-          <a:lstStyle>
-            <a:lvl1pPr algn="l" defTabSz="914400" rtl="0" eaLnBrk="1" latinLnBrk="0" hangingPunct="1">
-              <a:lnSpc>
-                <a:spcPct val="90000"/>
-              </a:lnSpc>
-              <a:spcBef>
-                <a:spcPct val="0"/>
-              </a:spcBef>
-              <a:buNone/>
-              <a:defRPr sz="4400" kern="1200">
+          <a:noFill/>
+          <a:extLst>
+            <a:ext uri="{909E8E84-426E-40DD-AFC4-6F175D3DCCD1}">
+              <a14:hiddenFill xmlns:a14="http://schemas.microsoft.com/office/drawing/2010/main">
                 <a:solidFill>
-                  <a:schemeClr val="tx1"/>
+                  <a:srgbClr val="FFFFFF"/>
                 </a:solidFill>
-                <a:latin typeface="+mj-lt"/>
-                <a:ea typeface="+mj-ea"/>
-                <a:cs typeface="+mj-cs"/>
-              </a:defRPr>
-            </a:lvl1pPr>
-          </a:lstStyle>
-          <a:p>
-            <a:pPr algn="ctr"/>
-            <a:r>
-              <a:rPr lang="pt-BR" sz="6600" dirty="0"/>
-              <a:t>Obrigado!</a:t>
-            </a:r>
-            <a:endParaRPr lang="pt-BR" sz="6600" b="1" i="1" dirty="0"/>
-          </a:p>
-        </p:txBody>
-      </p:sp>
+              </a14:hiddenFill>
+            </a:ext>
+          </a:extLst>
+        </p:spPr>
+      </p:pic>
     </p:spTree>
     <p:extLst>
       <p:ext uri="{BB962C8B-B14F-4D97-AF65-F5344CB8AC3E}">
-        <p14:creationId xmlns:p14="http://schemas.microsoft.com/office/powerpoint/2010/main" val="599145874"/>
+        <p14:creationId xmlns:p14="http://schemas.microsoft.com/office/powerpoint/2010/main" val="3215390760"/>
+      </p:ext>
+    </p:extLst>
+  </p:cSld>
+  <p:clrMapOvr>
+    <a:masterClrMapping/>
+  </p:clrMapOvr>
+</p:sld>
+</file>
+
+<file path=ppt/slides/slide7.xml><?xml version="1.0" encoding="utf-8"?>
+<p:sld xmlns:a="http://schemas.openxmlformats.org/drawingml/2006/main" xmlns:r="http://schemas.openxmlformats.org/officeDocument/2006/relationships" xmlns:p="http://schemas.openxmlformats.org/presentationml/2006/main">
+  <p:cSld>
+    <p:spTree>
+      <p:nvGrpSpPr>
+        <p:cNvPr id="1" name=""/>
+        <p:cNvGrpSpPr/>
+        <p:nvPr/>
+      </p:nvGrpSpPr>
+      <p:grpSpPr>
+        <a:xfrm>
+          <a:off x="0" y="0"/>
+          <a:ext cx="0" cy="0"/>
+          <a:chOff x="0" y="0"/>
+          <a:chExt cx="0" cy="0"/>
+        </a:xfrm>
+      </p:grpSpPr>
+      <p:sp>
+        <p:nvSpPr>
+          <p:cNvPr id="3" name="Espaço Reservado para Conteúdo 2">
+            <a:extLst>
+              <a:ext uri="{FF2B5EF4-FFF2-40B4-BE49-F238E27FC236}">
+                <a16:creationId xmlns:a16="http://schemas.microsoft.com/office/drawing/2014/main" id="{E221C344-8388-CB68-DAAF-CE5F7E060FDD}"/>
+              </a:ext>
+            </a:extLst>
+          </p:cNvPr>
+          <p:cNvSpPr>
+            <a:spLocks noGrp="1"/>
+          </p:cNvSpPr>
+          <p:nvPr>
+            <p:ph idx="1"/>
+          </p:nvPr>
+        </p:nvSpPr>
+        <p:spPr>
+          <a:xfrm>
+            <a:off x="570271" y="2001734"/>
+            <a:ext cx="11051458" cy="2854531"/>
+          </a:xfrm>
+        </p:spPr>
+        <p:txBody>
+          <a:bodyPr>
+            <a:normAutofit/>
+          </a:bodyPr>
+          <a:lstStyle/>
+          <a:p>
+            <a:pPr marL="0" indent="0" algn="ctr">
+              <a:buNone/>
+            </a:pPr>
+            <a:r>
+              <a:rPr lang="pt-BR" sz="4400" dirty="0"/>
+              <a:t>Acabamos de verificar que nosso modelo, inicialmente, perfeito não é tão perfeito assim.</a:t>
+            </a:r>
+          </a:p>
+          <a:p>
+            <a:pPr marL="0" indent="0" algn="ctr">
+              <a:buNone/>
+            </a:pPr>
+            <a:endParaRPr lang="pt-BR" sz="4400" dirty="0"/>
+          </a:p>
+          <a:p>
+            <a:pPr marL="0" indent="0" algn="ctr">
+              <a:buNone/>
+            </a:pPr>
+            <a:r>
+              <a:rPr lang="pt-BR" sz="4400" dirty="0"/>
+              <a:t>O que fazer?</a:t>
+            </a:r>
+          </a:p>
+        </p:txBody>
+      </p:sp>
+    </p:spTree>
+    <p:extLst>
+      <p:ext uri="{BB962C8B-B14F-4D97-AF65-F5344CB8AC3E}">
+        <p14:creationId xmlns:p14="http://schemas.microsoft.com/office/powerpoint/2010/main" val="3457106715"/>
+      </p:ext>
+    </p:extLst>
+  </p:cSld>
+  <p:clrMapOvr>
+    <a:masterClrMapping/>
+  </p:clrMapOvr>
+</p:sld>
+</file>
+
+<file path=ppt/slides/slide8.xml><?xml version="1.0" encoding="utf-8"?>
+<p:sld xmlns:a="http://schemas.openxmlformats.org/drawingml/2006/main" xmlns:r="http://schemas.openxmlformats.org/officeDocument/2006/relationships" xmlns:p="http://schemas.openxmlformats.org/presentationml/2006/main">
+  <p:cSld>
+    <p:spTree>
+      <p:nvGrpSpPr>
+        <p:cNvPr id="1" name=""/>
+        <p:cNvGrpSpPr/>
+        <p:nvPr/>
+      </p:nvGrpSpPr>
+      <p:grpSpPr>
+        <a:xfrm>
+          <a:off x="0" y="0"/>
+          <a:ext cx="0" cy="0"/>
+          <a:chOff x="0" y="0"/>
+          <a:chExt cx="0" cy="0"/>
+        </a:xfrm>
+      </p:grpSpPr>
+      <p:sp>
+        <p:nvSpPr>
+          <p:cNvPr id="2" name="Título 1">
+            <a:extLst>
+              <a:ext uri="{FF2B5EF4-FFF2-40B4-BE49-F238E27FC236}">
+                <a16:creationId xmlns:a16="http://schemas.microsoft.com/office/drawing/2014/main" id="{8E0F6520-45D3-CB1E-DD88-F75930828487}"/>
+              </a:ext>
+            </a:extLst>
+          </p:cNvPr>
+          <p:cNvSpPr>
+            <a:spLocks noGrp="1"/>
+          </p:cNvSpPr>
+          <p:nvPr>
+            <p:ph type="title"/>
+          </p:nvPr>
+        </p:nvSpPr>
+        <p:spPr/>
+        <p:txBody>
+          <a:bodyPr/>
+          <a:lstStyle/>
+          <a:p>
+            <a:r>
+              <a:rPr lang="pt-BR" dirty="0"/>
+              <a:t>Sobreajuste</a:t>
+            </a:r>
+          </a:p>
+        </p:txBody>
+      </p:sp>
+      <p:sp>
+        <p:nvSpPr>
+          <p:cNvPr id="3" name="Espaço Reservado para Conteúdo 2">
+            <a:extLst>
+              <a:ext uri="{FF2B5EF4-FFF2-40B4-BE49-F238E27FC236}">
+                <a16:creationId xmlns:a16="http://schemas.microsoft.com/office/drawing/2014/main" id="{1FF07388-B562-E5DD-2F3D-BFF95E2F4BA4}"/>
+              </a:ext>
+            </a:extLst>
+          </p:cNvPr>
+          <p:cNvSpPr>
+            <a:spLocks noGrp="1"/>
+          </p:cNvSpPr>
+          <p:nvPr>
+            <p:ph idx="1"/>
+          </p:nvPr>
+        </p:nvSpPr>
+        <p:spPr>
+          <a:xfrm>
+            <a:off x="5540208" y="1825624"/>
+            <a:ext cx="6474811" cy="5032375"/>
+          </a:xfrm>
+        </p:spPr>
+        <p:txBody>
+          <a:bodyPr>
+            <a:normAutofit lnSpcReduction="10000"/>
+          </a:bodyPr>
+          <a:lstStyle/>
+          <a:p>
+            <a:r>
+              <a:rPr lang="pt-BR" dirty="0"/>
+              <a:t>Nosso modelo falhou em atingir o objetivo final, que era </a:t>
+            </a:r>
+            <a:r>
+              <a:rPr lang="pt-BR" b="1" i="1" dirty="0">
+                <a:solidFill>
+                  <a:srgbClr val="00B050"/>
+                </a:solidFill>
+              </a:rPr>
+              <a:t>generalizar</a:t>
+            </a:r>
+            <a:r>
+              <a:rPr lang="pt-BR" dirty="0"/>
+              <a:t>.</a:t>
+            </a:r>
+          </a:p>
+          <a:p>
+            <a:r>
+              <a:rPr lang="pt-BR" dirty="0"/>
+              <a:t>Muito provavelmente ele ficou demasiadamente bom para reconhecer calçados apenas no conjunto em que foi treinado.</a:t>
+            </a:r>
+          </a:p>
+          <a:p>
+            <a:pPr lvl="1">
+              <a:buFont typeface="Wingdings" panose="05000000000000000000" pitchFamily="2" charset="2"/>
+              <a:buChar char="§"/>
+            </a:pPr>
+            <a:r>
+              <a:rPr lang="pt-BR" dirty="0"/>
+              <a:t>Problema conhecido somo </a:t>
+            </a:r>
+            <a:r>
+              <a:rPr lang="pt-BR" b="1" i="1" dirty="0">
+                <a:solidFill>
+                  <a:srgbClr val="FF0000"/>
+                </a:solidFill>
+              </a:rPr>
+              <a:t>sobreajuste</a:t>
+            </a:r>
+            <a:r>
+              <a:rPr lang="pt-BR" dirty="0"/>
+              <a:t>.</a:t>
+            </a:r>
+          </a:p>
+          <a:p>
+            <a:r>
+              <a:rPr lang="pt-BR" dirty="0"/>
+              <a:t>Precisamos de uma forma para analisar e evitar que o modelo se sobreajuste aos dados do conjunto de treinamento.</a:t>
+            </a:r>
+          </a:p>
+          <a:p>
+            <a:r>
+              <a:rPr lang="pt-BR" dirty="0"/>
+              <a:t>Para isso, dividimos o conjunto total de exemplos em subconjuntos.</a:t>
+            </a:r>
+          </a:p>
+        </p:txBody>
+      </p:sp>
+      <p:pic>
+        <p:nvPicPr>
+          <p:cNvPr id="5122" name="Picture 2">
+            <a:extLst>
+              <a:ext uri="{FF2B5EF4-FFF2-40B4-BE49-F238E27FC236}">
+                <a16:creationId xmlns:a16="http://schemas.microsoft.com/office/drawing/2014/main" id="{4F550F7D-69E9-4DED-A680-898746B135D5}"/>
+              </a:ext>
+            </a:extLst>
+          </p:cNvPr>
+          <p:cNvPicPr>
+            <a:picLocks noChangeAspect="1" noChangeArrowheads="1"/>
+          </p:cNvPicPr>
+          <p:nvPr/>
+        </p:nvPicPr>
+        <p:blipFill>
+          <a:blip r:embed="rId2">
+            <a:extLst>
+              <a:ext uri="{28A0092B-C50C-407E-A947-70E740481C1C}">
+                <a14:useLocalDpi xmlns:a14="http://schemas.microsoft.com/office/drawing/2010/main" val="0"/>
+              </a:ext>
+            </a:extLst>
+          </a:blip>
+          <a:srcRect/>
+          <a:stretch>
+            <a:fillRect/>
+          </a:stretch>
+        </p:blipFill>
+        <p:spPr bwMode="auto">
+          <a:xfrm>
+            <a:off x="41186" y="1690688"/>
+            <a:ext cx="3124417" cy="2091310"/>
+          </a:xfrm>
+          <a:prstGeom prst="rect">
+            <a:avLst/>
+          </a:prstGeom>
+          <a:noFill/>
+          <a:extLst>
+            <a:ext uri="{909E8E84-426E-40DD-AFC4-6F175D3DCCD1}">
+              <a14:hiddenFill xmlns:a14="http://schemas.microsoft.com/office/drawing/2010/main">
+                <a:solidFill>
+                  <a:srgbClr val="FFFFFF"/>
+                </a:solidFill>
+              </a14:hiddenFill>
+            </a:ext>
+          </a:extLst>
+        </p:spPr>
+      </p:pic>
+      <p:pic>
+        <p:nvPicPr>
+          <p:cNvPr id="5124" name="Picture 4">
+            <a:extLst>
+              <a:ext uri="{FF2B5EF4-FFF2-40B4-BE49-F238E27FC236}">
+                <a16:creationId xmlns:a16="http://schemas.microsoft.com/office/drawing/2014/main" id="{634C0A3A-BD98-D579-E74B-D1EF69056095}"/>
+              </a:ext>
+            </a:extLst>
+          </p:cNvPr>
+          <p:cNvPicPr>
+            <a:picLocks noChangeAspect="1" noChangeArrowheads="1"/>
+          </p:cNvPicPr>
+          <p:nvPr/>
+        </p:nvPicPr>
+        <p:blipFill>
+          <a:blip r:embed="rId3">
+            <a:extLst>
+              <a:ext uri="{28A0092B-C50C-407E-A947-70E740481C1C}">
+                <a14:useLocalDpi xmlns:a14="http://schemas.microsoft.com/office/drawing/2010/main" val="0"/>
+              </a:ext>
+            </a:extLst>
+          </a:blip>
+          <a:srcRect/>
+          <a:stretch>
+            <a:fillRect/>
+          </a:stretch>
+        </p:blipFill>
+        <p:spPr bwMode="auto">
+          <a:xfrm>
+            <a:off x="3242406" y="3429000"/>
+            <a:ext cx="2238810" cy="3354719"/>
+          </a:xfrm>
+          <a:prstGeom prst="rect">
+            <a:avLst/>
+          </a:prstGeom>
+          <a:noFill/>
+          <a:extLst>
+            <a:ext uri="{909E8E84-426E-40DD-AFC4-6F175D3DCCD1}">
+              <a14:hiddenFill xmlns:a14="http://schemas.microsoft.com/office/drawing/2010/main">
+                <a:solidFill>
+                  <a:srgbClr val="FFFFFF"/>
+                </a:solidFill>
+              </a14:hiddenFill>
+            </a:ext>
+          </a:extLst>
+        </p:spPr>
+      </p:pic>
+    </p:spTree>
+    <p:extLst>
+      <p:ext uri="{BB962C8B-B14F-4D97-AF65-F5344CB8AC3E}">
+        <p14:creationId xmlns:p14="http://schemas.microsoft.com/office/powerpoint/2010/main" val="3185259712"/>
+      </p:ext>
+    </p:extLst>
+  </p:cSld>
+  <p:clrMapOvr>
+    <a:masterClrMapping/>
+  </p:clrMapOvr>
+</p:sld>
+</file>
+
+<file path=ppt/slides/slide9.xml><?xml version="1.0" encoding="utf-8"?>
+<p:sld xmlns:a="http://schemas.openxmlformats.org/drawingml/2006/main" xmlns:r="http://schemas.openxmlformats.org/officeDocument/2006/relationships" xmlns:p="http://schemas.openxmlformats.org/presentationml/2006/main">
+  <p:cSld>
+    <p:spTree>
+      <p:nvGrpSpPr>
+        <p:cNvPr id="1" name=""/>
+        <p:cNvGrpSpPr/>
+        <p:nvPr/>
+      </p:nvGrpSpPr>
+      <p:grpSpPr>
+        <a:xfrm>
+          <a:off x="0" y="0"/>
+          <a:ext cx="0" cy="0"/>
+          <a:chOff x="0" y="0"/>
+          <a:chExt cx="0" cy="0"/>
+        </a:xfrm>
+      </p:grpSpPr>
+      <p:sp>
+        <p:nvSpPr>
+          <p:cNvPr id="2" name="Título 1">
+            <a:extLst>
+              <a:ext uri="{FF2B5EF4-FFF2-40B4-BE49-F238E27FC236}">
+                <a16:creationId xmlns:a16="http://schemas.microsoft.com/office/drawing/2014/main" id="{DF5079C6-CB84-CFE9-43C7-0B30FA68EF86}"/>
+              </a:ext>
+            </a:extLst>
+          </p:cNvPr>
+          <p:cNvSpPr>
+            <a:spLocks noGrp="1"/>
+          </p:cNvSpPr>
+          <p:nvPr>
+            <p:ph type="title"/>
+          </p:nvPr>
+        </p:nvSpPr>
+        <p:spPr/>
+        <p:txBody>
+          <a:bodyPr/>
+          <a:lstStyle/>
+          <a:p>
+            <a:r>
+              <a:rPr lang="pt-BR" dirty="0"/>
+              <a:t>Subajuste e sobreajuste</a:t>
+            </a:r>
+          </a:p>
+        </p:txBody>
+      </p:sp>
+      <p:sp>
+        <p:nvSpPr>
+          <p:cNvPr id="3" name="Espaço Reservado para Conteúdo 2">
+            <a:extLst>
+              <a:ext uri="{FF2B5EF4-FFF2-40B4-BE49-F238E27FC236}">
+                <a16:creationId xmlns:a16="http://schemas.microsoft.com/office/drawing/2014/main" id="{00D9AD81-A061-C4A9-2251-C539F0790014}"/>
+              </a:ext>
+            </a:extLst>
+          </p:cNvPr>
+          <p:cNvSpPr>
+            <a:spLocks noGrp="1"/>
+          </p:cNvSpPr>
+          <p:nvPr>
+            <p:ph idx="1"/>
+          </p:nvPr>
+        </p:nvSpPr>
+        <p:spPr>
+          <a:xfrm>
+            <a:off x="838200" y="5406488"/>
+            <a:ext cx="11216148" cy="1451511"/>
+          </a:xfrm>
+        </p:spPr>
+        <p:txBody>
+          <a:bodyPr>
+            <a:normAutofit/>
+          </a:bodyPr>
+          <a:lstStyle/>
+          <a:p>
+            <a:r>
+              <a:rPr lang="pt-BR" dirty="0"/>
+              <a:t>Antes de falarmos sobre a divisão do conjunto total de dados, vamos falar rapidamente sobre dois problemas comuns que modelos de ML podem apresentar, o </a:t>
+            </a:r>
+            <a:r>
+              <a:rPr lang="pt-BR" b="1" i="1" dirty="0">
+                <a:solidFill>
+                  <a:srgbClr val="FF0000"/>
+                </a:solidFill>
+              </a:rPr>
+              <a:t>subajuste</a:t>
+            </a:r>
+            <a:r>
+              <a:rPr lang="pt-BR" dirty="0"/>
+              <a:t> e o </a:t>
+            </a:r>
+            <a:r>
+              <a:rPr lang="pt-BR" b="1" i="1" dirty="0">
+                <a:solidFill>
+                  <a:srgbClr val="FF0000"/>
+                </a:solidFill>
+              </a:rPr>
+              <a:t>sobreajuste</a:t>
+            </a:r>
+            <a:r>
+              <a:rPr lang="pt-BR" dirty="0"/>
+              <a:t>.</a:t>
+            </a:r>
+          </a:p>
+        </p:txBody>
+      </p:sp>
+      <p:pic>
+        <p:nvPicPr>
+          <p:cNvPr id="7170" name="Picture 2">
+            <a:extLst>
+              <a:ext uri="{FF2B5EF4-FFF2-40B4-BE49-F238E27FC236}">
+                <a16:creationId xmlns:a16="http://schemas.microsoft.com/office/drawing/2014/main" id="{1892C83B-01FF-5BDF-4F58-41B311222FA0}"/>
+              </a:ext>
+            </a:extLst>
+          </p:cNvPr>
+          <p:cNvPicPr>
+            <a:picLocks noChangeAspect="1" noChangeArrowheads="1"/>
+          </p:cNvPicPr>
+          <p:nvPr/>
+        </p:nvPicPr>
+        <p:blipFill rotWithShape="1">
+          <a:blip r:embed="rId2">
+            <a:extLst>
+              <a:ext uri="{28A0092B-C50C-407E-A947-70E740481C1C}">
+                <a14:useLocalDpi xmlns:a14="http://schemas.microsoft.com/office/drawing/2010/main" val="0"/>
+              </a:ext>
+            </a:extLst>
+          </a:blip>
+          <a:srcRect l="8199" t="18914" r="71063" b="27303"/>
+          <a:stretch/>
+        </p:blipFill>
+        <p:spPr bwMode="auto">
+          <a:xfrm>
+            <a:off x="2447925" y="1787640"/>
+            <a:ext cx="2355748" cy="3482064"/>
+          </a:xfrm>
+          <a:prstGeom prst="rect">
+            <a:avLst/>
+          </a:prstGeom>
+          <a:noFill/>
+          <a:extLst>
+            <a:ext uri="{909E8E84-426E-40DD-AFC4-6F175D3DCCD1}">
+              <a14:hiddenFill xmlns:a14="http://schemas.microsoft.com/office/drawing/2010/main">
+                <a:solidFill>
+                  <a:srgbClr val="FFFFFF"/>
+                </a:solidFill>
+              </a14:hiddenFill>
+            </a:ext>
+          </a:extLst>
+        </p:spPr>
+      </p:pic>
+      <p:sp>
+        <p:nvSpPr>
+          <p:cNvPr id="4" name="CaixaDeTexto 3">
+            <a:extLst>
+              <a:ext uri="{FF2B5EF4-FFF2-40B4-BE49-F238E27FC236}">
+                <a16:creationId xmlns:a16="http://schemas.microsoft.com/office/drawing/2014/main" id="{2D4157CD-EC99-C673-5888-FB8C3E89B649}"/>
+              </a:ext>
+            </a:extLst>
+          </p:cNvPr>
+          <p:cNvSpPr txBox="1"/>
+          <p:nvPr/>
+        </p:nvSpPr>
+        <p:spPr>
+          <a:xfrm>
+            <a:off x="2729064" y="1507353"/>
+            <a:ext cx="1858297" cy="369332"/>
+          </a:xfrm>
+          <a:prstGeom prst="rect">
+            <a:avLst/>
+          </a:prstGeom>
+          <a:noFill/>
+        </p:spPr>
+        <p:txBody>
+          <a:bodyPr wrap="square" rtlCol="0">
+            <a:spAutoFit/>
+          </a:bodyPr>
+          <a:lstStyle/>
+          <a:p>
+            <a:pPr algn="ctr"/>
+            <a:r>
+              <a:rPr lang="pt-BR" b="1" dirty="0"/>
+              <a:t>subajuste</a:t>
+            </a:r>
+          </a:p>
+        </p:txBody>
+      </p:sp>
+      <p:sp>
+        <p:nvSpPr>
+          <p:cNvPr id="5" name="CaixaDeTexto 4">
+            <a:extLst>
+              <a:ext uri="{FF2B5EF4-FFF2-40B4-BE49-F238E27FC236}">
+                <a16:creationId xmlns:a16="http://schemas.microsoft.com/office/drawing/2014/main" id="{71253339-1DEB-89C1-8C0E-7E916415966F}"/>
+              </a:ext>
+            </a:extLst>
+          </p:cNvPr>
+          <p:cNvSpPr txBox="1"/>
+          <p:nvPr/>
+        </p:nvSpPr>
+        <p:spPr>
+          <a:xfrm>
+            <a:off x="7971936" y="1531166"/>
+            <a:ext cx="1858297" cy="369332"/>
+          </a:xfrm>
+          <a:prstGeom prst="rect">
+            <a:avLst/>
+          </a:prstGeom>
+          <a:noFill/>
+        </p:spPr>
+        <p:txBody>
+          <a:bodyPr wrap="square" rtlCol="0">
+            <a:spAutoFit/>
+          </a:bodyPr>
+          <a:lstStyle/>
+          <a:p>
+            <a:pPr algn="ctr"/>
+            <a:r>
+              <a:rPr lang="pt-BR" b="1" dirty="0"/>
+              <a:t>sobreajuste</a:t>
+            </a:r>
+          </a:p>
+        </p:txBody>
+      </p:sp>
+      <p:sp>
+        <p:nvSpPr>
+          <p:cNvPr id="6" name="CaixaDeTexto 5">
+            <a:extLst>
+              <a:ext uri="{FF2B5EF4-FFF2-40B4-BE49-F238E27FC236}">
+                <a16:creationId xmlns:a16="http://schemas.microsoft.com/office/drawing/2014/main" id="{AAA323F9-8E5C-2ED7-7474-00EAC3A9B445}"/>
+              </a:ext>
+            </a:extLst>
+          </p:cNvPr>
+          <p:cNvSpPr txBox="1"/>
+          <p:nvPr/>
+        </p:nvSpPr>
+        <p:spPr>
+          <a:xfrm>
+            <a:off x="5135534" y="1506281"/>
+            <a:ext cx="2231923" cy="369332"/>
+          </a:xfrm>
+          <a:prstGeom prst="rect">
+            <a:avLst/>
+          </a:prstGeom>
+          <a:noFill/>
+        </p:spPr>
+        <p:txBody>
+          <a:bodyPr wrap="square" rtlCol="0">
+            <a:spAutoFit/>
+          </a:bodyPr>
+          <a:lstStyle/>
+          <a:p>
+            <a:pPr algn="ctr"/>
+            <a:r>
+              <a:rPr lang="pt-BR" b="1" dirty="0"/>
+              <a:t>ajuste apropriado</a:t>
+            </a:r>
+          </a:p>
+        </p:txBody>
+      </p:sp>
+      <p:sp>
+        <p:nvSpPr>
+          <p:cNvPr id="7" name="CaixaDeTexto 6">
+            <a:extLst>
+              <a:ext uri="{FF2B5EF4-FFF2-40B4-BE49-F238E27FC236}">
+                <a16:creationId xmlns:a16="http://schemas.microsoft.com/office/drawing/2014/main" id="{42279F6B-8E44-6328-821B-2B13EEE2036B}"/>
+              </a:ext>
+            </a:extLst>
+          </p:cNvPr>
+          <p:cNvSpPr txBox="1"/>
+          <p:nvPr/>
+        </p:nvSpPr>
+        <p:spPr>
+          <a:xfrm>
+            <a:off x="1328700" y="2327839"/>
+            <a:ext cx="1238865" cy="369332"/>
+          </a:xfrm>
+          <a:prstGeom prst="rect">
+            <a:avLst/>
+          </a:prstGeom>
+          <a:noFill/>
+        </p:spPr>
+        <p:txBody>
+          <a:bodyPr wrap="square" rtlCol="0">
+            <a:spAutoFit/>
+          </a:bodyPr>
+          <a:lstStyle/>
+          <a:p>
+            <a:r>
+              <a:rPr lang="pt-BR" b="1" dirty="0"/>
+              <a:t>Regressão</a:t>
+            </a:r>
+          </a:p>
+        </p:txBody>
+      </p:sp>
+      <p:sp>
+        <p:nvSpPr>
+          <p:cNvPr id="8" name="CaixaDeTexto 7">
+            <a:extLst>
+              <a:ext uri="{FF2B5EF4-FFF2-40B4-BE49-F238E27FC236}">
+                <a16:creationId xmlns:a16="http://schemas.microsoft.com/office/drawing/2014/main" id="{01E6D656-857C-E1E7-B118-2232A5B3C12A}"/>
+              </a:ext>
+            </a:extLst>
+          </p:cNvPr>
+          <p:cNvSpPr txBox="1"/>
+          <p:nvPr/>
+        </p:nvSpPr>
+        <p:spPr>
+          <a:xfrm>
+            <a:off x="1219316" y="4095940"/>
+            <a:ext cx="1457632" cy="369332"/>
+          </a:xfrm>
+          <a:prstGeom prst="rect">
+            <a:avLst/>
+          </a:prstGeom>
+          <a:noFill/>
+        </p:spPr>
+        <p:txBody>
+          <a:bodyPr wrap="square" rtlCol="0">
+            <a:spAutoFit/>
+          </a:bodyPr>
+          <a:lstStyle/>
+          <a:p>
+            <a:r>
+              <a:rPr lang="pt-BR" b="1" dirty="0"/>
+              <a:t>Classificação</a:t>
+            </a:r>
+          </a:p>
+        </p:txBody>
+      </p:sp>
+      <p:pic>
+        <p:nvPicPr>
+          <p:cNvPr id="9" name="Picture 2">
+            <a:extLst>
+              <a:ext uri="{FF2B5EF4-FFF2-40B4-BE49-F238E27FC236}">
+                <a16:creationId xmlns:a16="http://schemas.microsoft.com/office/drawing/2014/main" id="{18114226-93F9-BEA2-8207-47B386FC6099}"/>
+              </a:ext>
+            </a:extLst>
+          </p:cNvPr>
+          <p:cNvPicPr>
+            <a:picLocks noChangeAspect="1" noChangeArrowheads="1"/>
+          </p:cNvPicPr>
+          <p:nvPr/>
+        </p:nvPicPr>
+        <p:blipFill rotWithShape="1">
+          <a:blip r:embed="rId2">
+            <a:extLst>
+              <a:ext uri="{28A0092B-C50C-407E-A947-70E740481C1C}">
+                <a14:useLocalDpi xmlns:a14="http://schemas.microsoft.com/office/drawing/2010/main" val="0"/>
+              </a:ext>
+            </a:extLst>
+          </a:blip>
+          <a:srcRect l="38345" t="19278" r="40638" b="27303"/>
+          <a:stretch/>
+        </p:blipFill>
+        <p:spPr bwMode="auto">
+          <a:xfrm>
+            <a:off x="5086869" y="1800019"/>
+            <a:ext cx="2387600" cy="3458460"/>
+          </a:xfrm>
+          <a:prstGeom prst="rect">
+            <a:avLst/>
+          </a:prstGeom>
+          <a:noFill/>
+          <a:extLst>
+            <a:ext uri="{909E8E84-426E-40DD-AFC4-6F175D3DCCD1}">
+              <a14:hiddenFill xmlns:a14="http://schemas.microsoft.com/office/drawing/2010/main">
+                <a:solidFill>
+                  <a:srgbClr val="FFFFFF"/>
+                </a:solidFill>
+              </a14:hiddenFill>
+            </a:ext>
+          </a:extLst>
+        </p:spPr>
+      </p:pic>
+      <p:pic>
+        <p:nvPicPr>
+          <p:cNvPr id="10" name="Picture 2">
+            <a:extLst>
+              <a:ext uri="{FF2B5EF4-FFF2-40B4-BE49-F238E27FC236}">
+                <a16:creationId xmlns:a16="http://schemas.microsoft.com/office/drawing/2014/main" id="{5DE423C0-8EE4-15A7-2DEA-C42F713C06E7}"/>
+              </a:ext>
+            </a:extLst>
+          </p:cNvPr>
+          <p:cNvPicPr>
+            <a:picLocks noChangeAspect="1" noChangeArrowheads="1"/>
+          </p:cNvPicPr>
+          <p:nvPr/>
+        </p:nvPicPr>
+        <p:blipFill rotWithShape="1">
+          <a:blip r:embed="rId2">
+            <a:extLst>
+              <a:ext uri="{28A0092B-C50C-407E-A947-70E740481C1C}">
+                <a14:useLocalDpi xmlns:a14="http://schemas.microsoft.com/office/drawing/2010/main" val="0"/>
+              </a:ext>
+            </a:extLst>
+          </a:blip>
+          <a:srcRect l="69602" t="20289" r="9128" b="27303"/>
+          <a:stretch/>
+        </p:blipFill>
+        <p:spPr bwMode="auto">
+          <a:xfrm>
+            <a:off x="7757665" y="1787640"/>
+            <a:ext cx="2462776" cy="3458460"/>
+          </a:xfrm>
+          <a:prstGeom prst="rect">
+            <a:avLst/>
+          </a:prstGeom>
+          <a:noFill/>
+          <a:extLst>
+            <a:ext uri="{909E8E84-426E-40DD-AFC4-6F175D3DCCD1}">
+              <a14:hiddenFill xmlns:a14="http://schemas.microsoft.com/office/drawing/2010/main">
+                <a:solidFill>
+                  <a:srgbClr val="FFFFFF"/>
+                </a:solidFill>
+              </a14:hiddenFill>
+            </a:ext>
+          </a:extLst>
+        </p:spPr>
+      </p:pic>
+    </p:spTree>
+    <p:extLst>
+      <p:ext uri="{BB962C8B-B14F-4D97-AF65-F5344CB8AC3E}">
+        <p14:creationId xmlns:p14="http://schemas.microsoft.com/office/powerpoint/2010/main" val="2949996952"/>
       </p:ext>
     </p:extLst>
   </p:cSld>

--- a/slides/TP557_10_Datasets.pptx
+++ b/slides/TP557_10_Datasets.pptx
@@ -5,10 +5,10 @@
     <p:sldMasterId id="2147483648" r:id="rId1"/>
   </p:sldMasterIdLst>
   <p:notesMasterIdLst>
-    <p:notesMasterId r:id="rId24"/>
+    <p:notesMasterId r:id="rId29"/>
   </p:notesMasterIdLst>
   <p:handoutMasterIdLst>
-    <p:handoutMasterId r:id="rId25"/>
+    <p:handoutMasterId r:id="rId30"/>
   </p:handoutMasterIdLst>
   <p:sldIdLst>
     <p:sldId id="256" r:id="rId2"/>
@@ -26,13 +26,18 @@
     <p:sldId id="443" r:id="rId14"/>
     <p:sldId id="444" r:id="rId15"/>
     <p:sldId id="445" r:id="rId16"/>
-    <p:sldId id="438" r:id="rId17"/>
-    <p:sldId id="434" r:id="rId18"/>
-    <p:sldId id="435" r:id="rId19"/>
-    <p:sldId id="426" r:id="rId20"/>
-    <p:sldId id="405" r:id="rId21"/>
-    <p:sldId id="293" r:id="rId22"/>
-    <p:sldId id="306" r:id="rId23"/>
+    <p:sldId id="448" r:id="rId17"/>
+    <p:sldId id="449" r:id="rId18"/>
+    <p:sldId id="434" r:id="rId19"/>
+    <p:sldId id="435" r:id="rId20"/>
+    <p:sldId id="452" r:id="rId21"/>
+    <p:sldId id="450" r:id="rId22"/>
+    <p:sldId id="451" r:id="rId23"/>
+    <p:sldId id="446" r:id="rId24"/>
+    <p:sldId id="426" r:id="rId25"/>
+    <p:sldId id="405" r:id="rId26"/>
+    <p:sldId id="293" r:id="rId27"/>
+    <p:sldId id="306" r:id="rId28"/>
   </p:sldIdLst>
   <p:sldSz cx="12192000" cy="6858000"/>
   <p:notesSz cx="7315200" cy="9601200"/>
@@ -296,7 +301,7 @@
           <a:p>
             <a:fld id="{144F1436-6906-4D93-B7A2-786C327BFA14}" type="datetimeFigureOut">
               <a:rPr lang="nl-BE" smtClean="0"/>
-              <a:t>22/08/2023</a:t>
+              <a:t>23/08/2023</a:t>
             </a:fld>
             <a:endParaRPr lang="nl-BE"/>
           </a:p>
@@ -461,7 +466,7 @@
           <a:p>
             <a:fld id="{AA8CD09E-2914-4F47-B6C1-51B2C31814C9}" type="datetimeFigureOut">
               <a:rPr lang="pt-BR" smtClean="0"/>
-              <a:t>22/08/2023</a:t>
+              <a:t>23/08/2023</a:t>
             </a:fld>
             <a:endParaRPr lang="pt-BR"/>
           </a:p>
@@ -812,6 +817,1333 @@
 </p:notes>
 </file>
 
+<file path=ppt/notesSlides/notesSlide10.xml><?xml version="1.0" encoding="utf-8"?>
+<p:notes xmlns:a="http://schemas.openxmlformats.org/drawingml/2006/main" xmlns:r="http://schemas.openxmlformats.org/officeDocument/2006/relationships" xmlns:p="http://schemas.openxmlformats.org/presentationml/2006/main">
+  <p:cSld>
+    <p:spTree>
+      <p:nvGrpSpPr>
+        <p:cNvPr id="1" name=""/>
+        <p:cNvGrpSpPr/>
+        <p:nvPr/>
+      </p:nvGrpSpPr>
+      <p:grpSpPr>
+        <a:xfrm>
+          <a:off x="0" y="0"/>
+          <a:ext cx="0" cy="0"/>
+          <a:chOff x="0" y="0"/>
+          <a:chExt cx="0" cy="0"/>
+        </a:xfrm>
+      </p:grpSpPr>
+      <p:sp>
+        <p:nvSpPr>
+          <p:cNvPr id="2" name="Espaço Reservado para Imagem de Slide 1"/>
+          <p:cNvSpPr>
+            <a:spLocks noGrp="1" noRot="1" noChangeAspect="1"/>
+          </p:cNvSpPr>
+          <p:nvPr>
+            <p:ph type="sldImg"/>
+          </p:nvPr>
+        </p:nvSpPr>
+        <p:spPr/>
+      </p:sp>
+      <p:sp>
+        <p:nvSpPr>
+          <p:cNvPr id="3" name="Espaço Reservado para Anotações 2"/>
+          <p:cNvSpPr>
+            <a:spLocks noGrp="1"/>
+          </p:cNvSpPr>
+          <p:nvPr>
+            <p:ph type="body" idx="1"/>
+          </p:nvPr>
+        </p:nvSpPr>
+        <p:spPr/>
+        <p:txBody>
+          <a:bodyPr/>
+          <a:lstStyle/>
+          <a:p>
+            <a:pPr algn="l"/>
+            <a:r>
+              <a:rPr lang="pt-BR" b="0" i="0" dirty="0">
+                <a:solidFill>
+                  <a:srgbClr val="374151"/>
+                </a:solidFill>
+                <a:effectLst/>
+                <a:latin typeface="Söhne"/>
+              </a:rPr>
+              <a:t>O sobreajuste (</a:t>
+            </a:r>
+            <a:r>
+              <a:rPr lang="pt-BR" b="0" i="0" dirty="0" err="1">
+                <a:solidFill>
+                  <a:srgbClr val="374151"/>
+                </a:solidFill>
+                <a:effectLst/>
+                <a:latin typeface="Söhne"/>
+              </a:rPr>
+              <a:t>overfitting</a:t>
+            </a:r>
+            <a:r>
+              <a:rPr lang="pt-BR" b="0" i="0" dirty="0">
+                <a:solidFill>
+                  <a:srgbClr val="374151"/>
+                </a:solidFill>
+                <a:effectLst/>
+                <a:latin typeface="Söhne"/>
+              </a:rPr>
+              <a:t>) é um problema comum em redes neurais e em outros modelos de aprendizado de máquina, onde o modelo se ajusta excessivamente aos dados de treinamento e acaba perdendo a capacidade de generalizar para novos dados que não foram vistos durante o treinamento. Em outras palavras, o modelo memoriza os dados de treinamento em vez de aprender padrões gerais.</a:t>
+            </a:r>
+          </a:p>
+          <a:p>
+            <a:pPr algn="l"/>
+            <a:r>
+              <a:rPr lang="pt-BR" b="0" i="0" dirty="0">
+                <a:solidFill>
+                  <a:srgbClr val="374151"/>
+                </a:solidFill>
+                <a:effectLst/>
+                <a:latin typeface="Söhne"/>
+              </a:rPr>
+              <a:t>Características do sobreajuste:</a:t>
+            </a:r>
+          </a:p>
+          <a:p>
+            <a:pPr algn="l">
+              <a:buFont typeface="+mj-lt"/>
+              <a:buAutoNum type="arabicPeriod"/>
+            </a:pPr>
+            <a:r>
+              <a:rPr lang="pt-BR" b="1" i="0" dirty="0">
+                <a:solidFill>
+                  <a:srgbClr val="374151"/>
+                </a:solidFill>
+                <a:effectLst/>
+                <a:latin typeface="Söhne"/>
+              </a:rPr>
+              <a:t>Desempenho Excelente nos Dados de Treinamento:</a:t>
+            </a:r>
+            <a:r>
+              <a:rPr lang="pt-BR" b="0" i="0" dirty="0">
+                <a:solidFill>
+                  <a:srgbClr val="374151"/>
+                </a:solidFill>
+                <a:effectLst/>
+                <a:latin typeface="Söhne"/>
+              </a:rPr>
+              <a:t> O modelo terá um desempenho muito bom nos dados de treinamento, com um erro de treinamento muito baixo.</a:t>
+            </a:r>
+          </a:p>
+          <a:p>
+            <a:pPr algn="l">
+              <a:buFont typeface="+mj-lt"/>
+              <a:buAutoNum type="arabicPeriod"/>
+            </a:pPr>
+            <a:r>
+              <a:rPr lang="pt-BR" b="1" i="0" dirty="0">
+                <a:solidFill>
+                  <a:srgbClr val="374151"/>
+                </a:solidFill>
+                <a:effectLst/>
+                <a:latin typeface="Söhne"/>
+              </a:rPr>
+              <a:t>Desempenho Inferior nos Dados de Validação/Teste:</a:t>
+            </a:r>
+            <a:r>
+              <a:rPr lang="pt-BR" b="0" i="0" dirty="0">
+                <a:solidFill>
+                  <a:srgbClr val="374151"/>
+                </a:solidFill>
+                <a:effectLst/>
+                <a:latin typeface="Söhne"/>
+              </a:rPr>
+              <a:t> No entanto, o desempenho nos dados de validação ou teste será significativamente pior, com um erro de validação/teste mais alto do que o erro de treinamento.</a:t>
+            </a:r>
+          </a:p>
+          <a:p>
+            <a:pPr algn="l">
+              <a:buFont typeface="+mj-lt"/>
+              <a:buAutoNum type="arabicPeriod"/>
+            </a:pPr>
+            <a:r>
+              <a:rPr lang="pt-BR" b="1" i="0" dirty="0">
+                <a:solidFill>
+                  <a:srgbClr val="374151"/>
+                </a:solidFill>
+                <a:effectLst/>
+                <a:latin typeface="Söhne"/>
+              </a:rPr>
+              <a:t>Modelo Complexo:</a:t>
+            </a:r>
+            <a:r>
+              <a:rPr lang="pt-BR" b="0" i="0" dirty="0">
+                <a:solidFill>
+                  <a:srgbClr val="374151"/>
+                </a:solidFill>
+                <a:effectLst/>
+                <a:latin typeface="Söhne"/>
+              </a:rPr>
+              <a:t> Modelos </a:t>
+            </a:r>
+            <a:r>
+              <a:rPr lang="pt-BR" b="0" i="0" dirty="0" err="1">
+                <a:solidFill>
+                  <a:srgbClr val="374151"/>
+                </a:solidFill>
+                <a:effectLst/>
+                <a:latin typeface="Söhne"/>
+              </a:rPr>
+              <a:t>sobreajustados</a:t>
+            </a:r>
+            <a:r>
+              <a:rPr lang="pt-BR" b="0" i="0" dirty="0">
+                <a:solidFill>
+                  <a:srgbClr val="374151"/>
+                </a:solidFill>
+                <a:effectLst/>
+                <a:latin typeface="Söhne"/>
+              </a:rPr>
+              <a:t> tendem a ser muito complexos, com muitos parâmetros e camadas.</a:t>
+            </a:r>
+          </a:p>
+          <a:p>
+            <a:pPr algn="l">
+              <a:buFont typeface="+mj-lt"/>
+              <a:buAutoNum type="arabicPeriod"/>
+            </a:pPr>
+            <a:r>
+              <a:rPr lang="pt-BR" b="1" i="0" dirty="0">
+                <a:solidFill>
+                  <a:srgbClr val="374151"/>
+                </a:solidFill>
+                <a:effectLst/>
+                <a:latin typeface="Söhne"/>
+              </a:rPr>
+              <a:t>Sensibilidade a Ruídos:</a:t>
+            </a:r>
+            <a:r>
+              <a:rPr lang="pt-BR" b="0" i="0" dirty="0">
+                <a:solidFill>
+                  <a:srgbClr val="374151"/>
+                </a:solidFill>
+                <a:effectLst/>
+                <a:latin typeface="Söhne"/>
+              </a:rPr>
+              <a:t> O modelo pode se tornar sensível a pequenas variações nos dados de treinamento, incluindo ruídos.</a:t>
+            </a:r>
+          </a:p>
+          <a:p>
+            <a:pPr algn="l">
+              <a:buFont typeface="+mj-lt"/>
+              <a:buAutoNum type="arabicPeriod"/>
+            </a:pPr>
+            <a:r>
+              <a:rPr lang="pt-BR" b="1" i="0" dirty="0">
+                <a:solidFill>
+                  <a:srgbClr val="374151"/>
+                </a:solidFill>
+                <a:effectLst/>
+                <a:latin typeface="Söhne"/>
+              </a:rPr>
+              <a:t>Padronização Anormal:</a:t>
+            </a:r>
+            <a:r>
+              <a:rPr lang="pt-BR" b="0" i="0" dirty="0">
+                <a:solidFill>
+                  <a:srgbClr val="374151"/>
+                </a:solidFill>
+                <a:effectLst/>
+                <a:latin typeface="Söhne"/>
+              </a:rPr>
+              <a:t> O modelo pode aprender padrões que são específicos dos dados de treinamento, mas não são generalizáveis.</a:t>
+            </a:r>
+          </a:p>
+          <a:p>
+            <a:endParaRPr lang="pt-BR" dirty="0"/>
+          </a:p>
+          <a:p>
+            <a:endParaRPr lang="pt-BR" dirty="0"/>
+          </a:p>
+        </p:txBody>
+      </p:sp>
+      <p:sp>
+        <p:nvSpPr>
+          <p:cNvPr id="4" name="Espaço Reservado para Número de Slide 3"/>
+          <p:cNvSpPr>
+            <a:spLocks noGrp="1"/>
+          </p:cNvSpPr>
+          <p:nvPr>
+            <p:ph type="sldNum" sz="quarter" idx="5"/>
+          </p:nvPr>
+        </p:nvSpPr>
+        <p:spPr/>
+        <p:txBody>
+          <a:bodyPr/>
+          <a:lstStyle/>
+          <a:p>
+            <a:fld id="{6FC8D850-966F-45A6-8DE7-15B891E7D40D}" type="slidenum">
+              <a:rPr lang="pt-BR" smtClean="0"/>
+              <a:t>13</a:t>
+            </a:fld>
+            <a:endParaRPr lang="pt-BR"/>
+          </a:p>
+        </p:txBody>
+      </p:sp>
+    </p:spTree>
+    <p:extLst>
+      <p:ext uri="{BB962C8B-B14F-4D97-AF65-F5344CB8AC3E}">
+        <p14:creationId xmlns:p14="http://schemas.microsoft.com/office/powerpoint/2010/main" val="3101610943"/>
+      </p:ext>
+    </p:extLst>
+  </p:cSld>
+  <p:clrMapOvr>
+    <a:masterClrMapping/>
+  </p:clrMapOvr>
+</p:notes>
+</file>
+
+<file path=ppt/notesSlides/notesSlide11.xml><?xml version="1.0" encoding="utf-8"?>
+<p:notes xmlns:a="http://schemas.openxmlformats.org/drawingml/2006/main" xmlns:r="http://schemas.openxmlformats.org/officeDocument/2006/relationships" xmlns:p="http://schemas.openxmlformats.org/presentationml/2006/main">
+  <p:cSld>
+    <p:spTree>
+      <p:nvGrpSpPr>
+        <p:cNvPr id="1" name=""/>
+        <p:cNvGrpSpPr/>
+        <p:nvPr/>
+      </p:nvGrpSpPr>
+      <p:grpSpPr>
+        <a:xfrm>
+          <a:off x="0" y="0"/>
+          <a:ext cx="0" cy="0"/>
+          <a:chOff x="0" y="0"/>
+          <a:chExt cx="0" cy="0"/>
+        </a:xfrm>
+      </p:grpSpPr>
+      <p:sp>
+        <p:nvSpPr>
+          <p:cNvPr id="2" name="Espaço Reservado para Imagem de Slide 1"/>
+          <p:cNvSpPr>
+            <a:spLocks noGrp="1" noRot="1" noChangeAspect="1"/>
+          </p:cNvSpPr>
+          <p:nvPr>
+            <p:ph type="sldImg"/>
+          </p:nvPr>
+        </p:nvSpPr>
+        <p:spPr/>
+      </p:sp>
+      <p:sp>
+        <p:nvSpPr>
+          <p:cNvPr id="3" name="Espaço Reservado para Anotações 2"/>
+          <p:cNvSpPr>
+            <a:spLocks noGrp="1"/>
+          </p:cNvSpPr>
+          <p:nvPr>
+            <p:ph type="body" idx="1"/>
+          </p:nvPr>
+        </p:nvSpPr>
+        <p:spPr/>
+        <p:txBody>
+          <a:bodyPr/>
+          <a:lstStyle/>
+          <a:p>
+            <a:pPr algn="l"/>
+            <a:r>
+              <a:rPr lang="pt-BR" b="0" i="0" dirty="0">
+                <a:solidFill>
+                  <a:srgbClr val="374151"/>
+                </a:solidFill>
+                <a:effectLst/>
+                <a:latin typeface="Söhne"/>
+              </a:rPr>
+              <a:t>Causas do sobreajuste:</a:t>
+            </a:r>
+          </a:p>
+          <a:p>
+            <a:pPr algn="l">
+              <a:buFont typeface="+mj-lt"/>
+              <a:buAutoNum type="arabicPeriod"/>
+            </a:pPr>
+            <a:r>
+              <a:rPr lang="pt-BR" b="1" i="0" dirty="0">
+                <a:solidFill>
+                  <a:srgbClr val="374151"/>
+                </a:solidFill>
+                <a:effectLst/>
+                <a:latin typeface="Söhne"/>
+              </a:rPr>
+              <a:t>Modelo Muito Complexo:</a:t>
+            </a:r>
+            <a:r>
+              <a:rPr lang="pt-BR" b="0" i="0" dirty="0">
+                <a:solidFill>
+                  <a:srgbClr val="374151"/>
+                </a:solidFill>
+                <a:effectLst/>
+                <a:latin typeface="Söhne"/>
+              </a:rPr>
+              <a:t> Se o modelo for muito complexo em relação à quantidade de dados disponíveis, ele pode aprender a representar o ruído nos dados de treinamento.</a:t>
+            </a:r>
+          </a:p>
+          <a:p>
+            <a:pPr algn="l">
+              <a:buFont typeface="+mj-lt"/>
+              <a:buAutoNum type="arabicPeriod"/>
+            </a:pPr>
+            <a:r>
+              <a:rPr lang="pt-BR" b="1" i="0" dirty="0">
+                <a:solidFill>
+                  <a:srgbClr val="374151"/>
+                </a:solidFill>
+                <a:effectLst/>
+                <a:latin typeface="Söhne"/>
+              </a:rPr>
+              <a:t>Treinamento Excessivo:</a:t>
+            </a:r>
+            <a:r>
+              <a:rPr lang="pt-BR" b="0" i="0" dirty="0">
+                <a:solidFill>
+                  <a:srgbClr val="374151"/>
+                </a:solidFill>
+                <a:effectLst/>
+                <a:latin typeface="Söhne"/>
+              </a:rPr>
+              <a:t> Treinar o modelo por muitas épocas ou permitir que ele veja os mesmos dados várias vezes pode levar ao memorização dos dados de treinamento.</a:t>
+            </a:r>
+          </a:p>
+          <a:p>
+            <a:pPr algn="l">
+              <a:buFont typeface="+mj-lt"/>
+              <a:buAutoNum type="arabicPeriod"/>
+            </a:pPr>
+            <a:r>
+              <a:rPr lang="pt-BR" b="1" i="0" dirty="0">
+                <a:solidFill>
+                  <a:srgbClr val="374151"/>
+                </a:solidFill>
+                <a:effectLst/>
+                <a:latin typeface="Söhne"/>
+              </a:rPr>
+              <a:t>Falta de Dados:</a:t>
+            </a:r>
+            <a:r>
+              <a:rPr lang="pt-BR" b="0" i="0" dirty="0">
+                <a:solidFill>
+                  <a:srgbClr val="374151"/>
+                </a:solidFill>
+                <a:effectLst/>
+                <a:latin typeface="Söhne"/>
+              </a:rPr>
+              <a:t> Quando há poucos dados de treinamento disponíveis, o modelo pode ser mais propenso a sobreajuste, pois tem menos exemplos para aprender padrões gerais.</a:t>
+            </a:r>
+          </a:p>
+          <a:p>
+            <a:pPr algn="l">
+              <a:buFont typeface="+mj-lt"/>
+              <a:buAutoNum type="arabicPeriod"/>
+            </a:pPr>
+            <a:r>
+              <a:rPr lang="pt-BR" b="1" i="0" dirty="0">
+                <a:solidFill>
+                  <a:srgbClr val="374151"/>
+                </a:solidFill>
+                <a:effectLst/>
+                <a:latin typeface="Söhne"/>
+              </a:rPr>
+              <a:t>Ausência de Regularização:</a:t>
+            </a:r>
+            <a:r>
+              <a:rPr lang="pt-BR" b="0" i="0" dirty="0">
+                <a:solidFill>
+                  <a:srgbClr val="374151"/>
+                </a:solidFill>
+                <a:effectLst/>
+                <a:latin typeface="Söhne"/>
+              </a:rPr>
+              <a:t> A falta de técnicas de regularização, como </a:t>
+            </a:r>
+            <a:r>
+              <a:rPr lang="pt-BR" b="0" i="0" dirty="0" err="1">
+                <a:solidFill>
+                  <a:srgbClr val="374151"/>
+                </a:solidFill>
+                <a:effectLst/>
+                <a:latin typeface="Söhne"/>
+              </a:rPr>
+              <a:t>dropout</a:t>
+            </a:r>
+            <a:r>
+              <a:rPr lang="pt-BR" b="0" i="0" dirty="0">
+                <a:solidFill>
+                  <a:srgbClr val="374151"/>
+                </a:solidFill>
+                <a:effectLst/>
+                <a:latin typeface="Söhne"/>
+              </a:rPr>
+              <a:t>, L2 </a:t>
+            </a:r>
+            <a:r>
+              <a:rPr lang="pt-BR" b="0" i="0" dirty="0" err="1">
+                <a:solidFill>
+                  <a:srgbClr val="374151"/>
+                </a:solidFill>
+                <a:effectLst/>
+                <a:latin typeface="Söhne"/>
+              </a:rPr>
+              <a:t>regularization</a:t>
+            </a:r>
+            <a:r>
+              <a:rPr lang="pt-BR" b="0" i="0" dirty="0">
+                <a:solidFill>
+                  <a:srgbClr val="374151"/>
+                </a:solidFill>
+                <a:effectLst/>
+                <a:latin typeface="Söhne"/>
+              </a:rPr>
+              <a:t> ou data </a:t>
+            </a:r>
+            <a:r>
+              <a:rPr lang="pt-BR" b="0" i="0" dirty="0" err="1">
+                <a:solidFill>
+                  <a:srgbClr val="374151"/>
+                </a:solidFill>
+                <a:effectLst/>
+                <a:latin typeface="Söhne"/>
+              </a:rPr>
+              <a:t>augmentation</a:t>
+            </a:r>
+            <a:r>
+              <a:rPr lang="pt-BR" b="0" i="0" dirty="0">
+                <a:solidFill>
+                  <a:srgbClr val="374151"/>
+                </a:solidFill>
+                <a:effectLst/>
+                <a:latin typeface="Söhne"/>
+              </a:rPr>
+              <a:t>, pode permitir que o modelo se ajuste excessivamente aos dados.</a:t>
+            </a:r>
+          </a:p>
+          <a:p>
+            <a:endParaRPr lang="pt-BR" dirty="0"/>
+          </a:p>
+        </p:txBody>
+      </p:sp>
+      <p:sp>
+        <p:nvSpPr>
+          <p:cNvPr id="4" name="Espaço Reservado para Número de Slide 3"/>
+          <p:cNvSpPr>
+            <a:spLocks noGrp="1"/>
+          </p:cNvSpPr>
+          <p:nvPr>
+            <p:ph type="sldNum" sz="quarter" idx="5"/>
+          </p:nvPr>
+        </p:nvSpPr>
+        <p:spPr/>
+        <p:txBody>
+          <a:bodyPr/>
+          <a:lstStyle/>
+          <a:p>
+            <a:fld id="{6FC8D850-966F-45A6-8DE7-15B891E7D40D}" type="slidenum">
+              <a:rPr lang="pt-BR" smtClean="0"/>
+              <a:t>14</a:t>
+            </a:fld>
+            <a:endParaRPr lang="pt-BR"/>
+          </a:p>
+        </p:txBody>
+      </p:sp>
+    </p:spTree>
+    <p:extLst>
+      <p:ext uri="{BB962C8B-B14F-4D97-AF65-F5344CB8AC3E}">
+        <p14:creationId xmlns:p14="http://schemas.microsoft.com/office/powerpoint/2010/main" val="3128380552"/>
+      </p:ext>
+    </p:extLst>
+  </p:cSld>
+  <p:clrMapOvr>
+    <a:masterClrMapping/>
+  </p:clrMapOvr>
+</p:notes>
+</file>
+
+<file path=ppt/notesSlides/notesSlide12.xml><?xml version="1.0" encoding="utf-8"?>
+<p:notes xmlns:a="http://schemas.openxmlformats.org/drawingml/2006/main" xmlns:r="http://schemas.openxmlformats.org/officeDocument/2006/relationships" xmlns:p="http://schemas.openxmlformats.org/presentationml/2006/main">
+  <p:cSld>
+    <p:spTree>
+      <p:nvGrpSpPr>
+        <p:cNvPr id="1" name=""/>
+        <p:cNvGrpSpPr/>
+        <p:nvPr/>
+      </p:nvGrpSpPr>
+      <p:grpSpPr>
+        <a:xfrm>
+          <a:off x="0" y="0"/>
+          <a:ext cx="0" cy="0"/>
+          <a:chOff x="0" y="0"/>
+          <a:chExt cx="0" cy="0"/>
+        </a:xfrm>
+      </p:grpSpPr>
+      <p:sp>
+        <p:nvSpPr>
+          <p:cNvPr id="2" name="Espaço Reservado para Imagem de Slide 1"/>
+          <p:cNvSpPr>
+            <a:spLocks noGrp="1" noRot="1" noChangeAspect="1"/>
+          </p:cNvSpPr>
+          <p:nvPr>
+            <p:ph type="sldImg"/>
+          </p:nvPr>
+        </p:nvSpPr>
+        <p:spPr/>
+      </p:sp>
+      <p:sp>
+        <p:nvSpPr>
+          <p:cNvPr id="3" name="Espaço Reservado para Anotações 2"/>
+          <p:cNvSpPr>
+            <a:spLocks noGrp="1"/>
+          </p:cNvSpPr>
+          <p:nvPr>
+            <p:ph type="body" idx="1"/>
+          </p:nvPr>
+        </p:nvSpPr>
+        <p:spPr/>
+        <p:txBody>
+          <a:bodyPr/>
+          <a:lstStyle/>
+          <a:p>
+            <a:pPr algn="l"/>
+            <a:r>
+              <a:rPr lang="pt-BR" b="0" i="0" dirty="0">
+                <a:solidFill>
+                  <a:srgbClr val="374151"/>
+                </a:solidFill>
+                <a:effectLst/>
+                <a:latin typeface="Söhne"/>
+              </a:rPr>
+              <a:t>Como lidar com o sobreajuste:</a:t>
+            </a:r>
+          </a:p>
+          <a:p>
+            <a:pPr algn="l">
+              <a:buFont typeface="+mj-lt"/>
+              <a:buAutoNum type="arabicPeriod"/>
+            </a:pPr>
+            <a:r>
+              <a:rPr lang="pt-BR" b="1" i="0" dirty="0">
+                <a:solidFill>
+                  <a:srgbClr val="374151"/>
+                </a:solidFill>
+                <a:effectLst/>
+                <a:latin typeface="Söhne"/>
+              </a:rPr>
+              <a:t>Regularização:</a:t>
+            </a:r>
+            <a:r>
+              <a:rPr lang="pt-BR" b="0" i="0" dirty="0">
+                <a:solidFill>
+                  <a:srgbClr val="374151"/>
+                </a:solidFill>
+                <a:effectLst/>
+                <a:latin typeface="Söhne"/>
+              </a:rPr>
+              <a:t> Utilizar técnicas de regularização, como </a:t>
+            </a:r>
+            <a:r>
+              <a:rPr lang="pt-BR" b="0" i="0" dirty="0" err="1">
+                <a:solidFill>
+                  <a:srgbClr val="374151"/>
+                </a:solidFill>
+                <a:effectLst/>
+                <a:latin typeface="Söhne"/>
+              </a:rPr>
+              <a:t>dropout</a:t>
+            </a:r>
+            <a:r>
+              <a:rPr lang="pt-BR" b="0" i="0" dirty="0">
+                <a:solidFill>
+                  <a:srgbClr val="374151"/>
+                </a:solidFill>
+                <a:effectLst/>
+                <a:latin typeface="Söhne"/>
+              </a:rPr>
+              <a:t> (desativação aleatória de neurônios durante o treinamento), L2 </a:t>
+            </a:r>
+            <a:r>
+              <a:rPr lang="pt-BR" b="0" i="0" dirty="0" err="1">
+                <a:solidFill>
+                  <a:srgbClr val="374151"/>
+                </a:solidFill>
+                <a:effectLst/>
+                <a:latin typeface="Söhne"/>
+              </a:rPr>
+              <a:t>regularization</a:t>
+            </a:r>
+            <a:r>
+              <a:rPr lang="pt-BR" b="0" i="0" dirty="0">
+                <a:solidFill>
+                  <a:srgbClr val="374151"/>
+                </a:solidFill>
+                <a:effectLst/>
+                <a:latin typeface="Söhne"/>
+              </a:rPr>
+              <a:t> (penalização dos valores dos parâmetros) e Batch </a:t>
+            </a:r>
+            <a:r>
+              <a:rPr lang="pt-BR" b="0" i="0" dirty="0" err="1">
+                <a:solidFill>
+                  <a:srgbClr val="374151"/>
+                </a:solidFill>
+                <a:effectLst/>
+                <a:latin typeface="Söhne"/>
+              </a:rPr>
+              <a:t>Normalization</a:t>
+            </a:r>
+            <a:r>
+              <a:rPr lang="pt-BR" b="0" i="0" dirty="0">
+                <a:solidFill>
+                  <a:srgbClr val="374151"/>
+                </a:solidFill>
+                <a:effectLst/>
+                <a:latin typeface="Söhne"/>
+              </a:rPr>
+              <a:t>, pode ajudar a controlar a complexidade do modelo.</a:t>
+            </a:r>
+          </a:p>
+          <a:p>
+            <a:pPr algn="l">
+              <a:buFont typeface="+mj-lt"/>
+              <a:buAutoNum type="arabicPeriod"/>
+            </a:pPr>
+            <a:r>
+              <a:rPr lang="pt-BR" b="1" i="0" dirty="0">
+                <a:solidFill>
+                  <a:srgbClr val="374151"/>
+                </a:solidFill>
+                <a:effectLst/>
+                <a:latin typeface="Söhne"/>
+              </a:rPr>
+              <a:t>Aumentar os Dados de Treinamento:</a:t>
+            </a:r>
+            <a:r>
+              <a:rPr lang="pt-BR" b="0" i="0" dirty="0">
+                <a:solidFill>
+                  <a:srgbClr val="374151"/>
+                </a:solidFill>
+                <a:effectLst/>
+                <a:latin typeface="Söhne"/>
+              </a:rPr>
+              <a:t> Coletar mais dados de treinamento pode reduzir o risco de sobreajuste, pois o modelo terá mais exemplos para aprender padrões.</a:t>
+            </a:r>
+          </a:p>
+          <a:p>
+            <a:pPr algn="l">
+              <a:buFont typeface="+mj-lt"/>
+              <a:buAutoNum type="arabicPeriod"/>
+            </a:pPr>
+            <a:r>
+              <a:rPr lang="pt-BR" b="1" i="0" dirty="0">
+                <a:solidFill>
+                  <a:srgbClr val="374151"/>
+                </a:solidFill>
+                <a:effectLst/>
+                <a:latin typeface="Söhne"/>
+              </a:rPr>
+              <a:t>Validação Cruzada:</a:t>
+            </a:r>
+            <a:r>
+              <a:rPr lang="pt-BR" b="0" i="0" dirty="0">
+                <a:solidFill>
+                  <a:srgbClr val="374151"/>
+                </a:solidFill>
+                <a:effectLst/>
+                <a:latin typeface="Söhne"/>
+              </a:rPr>
+              <a:t> Utilizar validação cruzada pode ajudar a avaliar o desempenho do modelo em diferentes conjuntos de dados e identificar quando ele está </a:t>
+            </a:r>
+            <a:r>
+              <a:rPr lang="pt-BR" b="0" i="0" dirty="0" err="1">
+                <a:solidFill>
+                  <a:srgbClr val="374151"/>
+                </a:solidFill>
+                <a:effectLst/>
+                <a:latin typeface="Söhne"/>
+              </a:rPr>
+              <a:t>sobreajustando</a:t>
+            </a:r>
+            <a:r>
+              <a:rPr lang="pt-BR" b="0" i="0" dirty="0">
+                <a:solidFill>
+                  <a:srgbClr val="374151"/>
+                </a:solidFill>
+                <a:effectLst/>
+                <a:latin typeface="Söhne"/>
+              </a:rPr>
+              <a:t>.</a:t>
+            </a:r>
+          </a:p>
+          <a:p>
+            <a:pPr algn="l">
+              <a:buFont typeface="+mj-lt"/>
+              <a:buAutoNum type="arabicPeriod"/>
+            </a:pPr>
+            <a:r>
+              <a:rPr lang="pt-BR" b="1" i="0" dirty="0">
+                <a:solidFill>
+                  <a:srgbClr val="374151"/>
+                </a:solidFill>
+                <a:effectLst/>
+                <a:latin typeface="Söhne"/>
+              </a:rPr>
+              <a:t>Monitoramento do Desempenho:</a:t>
+            </a:r>
+            <a:r>
+              <a:rPr lang="pt-BR" b="0" i="0" dirty="0">
+                <a:solidFill>
+                  <a:srgbClr val="374151"/>
+                </a:solidFill>
+                <a:effectLst/>
+                <a:latin typeface="Söhne"/>
+              </a:rPr>
+              <a:t> Acompanhar o desempenho do modelo nos dados de treinamento e de validação/teste pode ajudar a identificar quando o sobreajuste está ocorrendo.</a:t>
+            </a:r>
+          </a:p>
+          <a:p>
+            <a:pPr algn="l">
+              <a:buFont typeface="+mj-lt"/>
+              <a:buAutoNum type="arabicPeriod"/>
+            </a:pPr>
+            <a:r>
+              <a:rPr lang="pt-BR" b="1" i="0" dirty="0">
+                <a:solidFill>
+                  <a:srgbClr val="374151"/>
+                </a:solidFill>
+                <a:effectLst/>
+                <a:latin typeface="Söhne"/>
+              </a:rPr>
+              <a:t>Simplificar o Modelo:</a:t>
+            </a:r>
+            <a:r>
+              <a:rPr lang="pt-BR" b="0" i="0" dirty="0">
+                <a:solidFill>
+                  <a:srgbClr val="374151"/>
+                </a:solidFill>
+                <a:effectLst/>
+                <a:latin typeface="Söhne"/>
+              </a:rPr>
+              <a:t> Reduzir a complexidade do modelo, removendo camadas ou neurônios, pode ajudar a prevenir o sobreajuste.</a:t>
+            </a:r>
+          </a:p>
+          <a:p>
+            <a:endParaRPr lang="pt-BR" dirty="0"/>
+          </a:p>
+        </p:txBody>
+      </p:sp>
+      <p:sp>
+        <p:nvSpPr>
+          <p:cNvPr id="4" name="Espaço Reservado para Número de Slide 3"/>
+          <p:cNvSpPr>
+            <a:spLocks noGrp="1"/>
+          </p:cNvSpPr>
+          <p:nvPr>
+            <p:ph type="sldNum" sz="quarter" idx="5"/>
+          </p:nvPr>
+        </p:nvSpPr>
+        <p:spPr/>
+        <p:txBody>
+          <a:bodyPr/>
+          <a:lstStyle/>
+          <a:p>
+            <a:fld id="{6FC8D850-966F-45A6-8DE7-15B891E7D40D}" type="slidenum">
+              <a:rPr lang="pt-BR" smtClean="0"/>
+              <a:t>15</a:t>
+            </a:fld>
+            <a:endParaRPr lang="pt-BR"/>
+          </a:p>
+        </p:txBody>
+      </p:sp>
+    </p:spTree>
+    <p:extLst>
+      <p:ext uri="{BB962C8B-B14F-4D97-AF65-F5344CB8AC3E}">
+        <p14:creationId xmlns:p14="http://schemas.microsoft.com/office/powerpoint/2010/main" val="1149394569"/>
+      </p:ext>
+    </p:extLst>
+  </p:cSld>
+  <p:clrMapOvr>
+    <a:masterClrMapping/>
+  </p:clrMapOvr>
+</p:notes>
+</file>
+
+<file path=ppt/notesSlides/notesSlide13.xml><?xml version="1.0" encoding="utf-8"?>
+<p:notes xmlns:a="http://schemas.openxmlformats.org/drawingml/2006/main" xmlns:r="http://schemas.openxmlformats.org/officeDocument/2006/relationships" xmlns:p="http://schemas.openxmlformats.org/presentationml/2006/main">
+  <p:cSld>
+    <p:spTree>
+      <p:nvGrpSpPr>
+        <p:cNvPr id="1" name=""/>
+        <p:cNvGrpSpPr/>
+        <p:nvPr/>
+      </p:nvGrpSpPr>
+      <p:grpSpPr>
+        <a:xfrm>
+          <a:off x="0" y="0"/>
+          <a:ext cx="0" cy="0"/>
+          <a:chOff x="0" y="0"/>
+          <a:chExt cx="0" cy="0"/>
+        </a:xfrm>
+      </p:grpSpPr>
+      <p:sp>
+        <p:nvSpPr>
+          <p:cNvPr id="2" name="Espaço Reservado para Imagem de Slide 1"/>
+          <p:cNvSpPr>
+            <a:spLocks noGrp="1" noRot="1" noChangeAspect="1"/>
+          </p:cNvSpPr>
+          <p:nvPr>
+            <p:ph type="sldImg"/>
+          </p:nvPr>
+        </p:nvSpPr>
+        <p:spPr/>
+      </p:sp>
+      <p:sp>
+        <p:nvSpPr>
+          <p:cNvPr id="3" name="Espaço Reservado para Anotações 2"/>
+          <p:cNvSpPr>
+            <a:spLocks noGrp="1"/>
+          </p:cNvSpPr>
+          <p:nvPr>
+            <p:ph type="body" idx="1"/>
+          </p:nvPr>
+        </p:nvSpPr>
+        <p:spPr/>
+        <p:txBody>
+          <a:bodyPr/>
+          <a:lstStyle/>
+          <a:p>
+            <a:endParaRPr lang="pt-BR" dirty="0"/>
+          </a:p>
+        </p:txBody>
+      </p:sp>
+      <p:sp>
+        <p:nvSpPr>
+          <p:cNvPr id="4" name="Espaço Reservado para Número de Slide 3"/>
+          <p:cNvSpPr>
+            <a:spLocks noGrp="1"/>
+          </p:cNvSpPr>
+          <p:nvPr>
+            <p:ph type="sldNum" sz="quarter" idx="5"/>
+          </p:nvPr>
+        </p:nvSpPr>
+        <p:spPr/>
+        <p:txBody>
+          <a:bodyPr/>
+          <a:lstStyle/>
+          <a:p>
+            <a:fld id="{6FC8D850-966F-45A6-8DE7-15B891E7D40D}" type="slidenum">
+              <a:rPr lang="pt-BR" smtClean="0"/>
+              <a:t>16</a:t>
+            </a:fld>
+            <a:endParaRPr lang="pt-BR"/>
+          </a:p>
+        </p:txBody>
+      </p:sp>
+    </p:spTree>
+    <p:extLst>
+      <p:ext uri="{BB962C8B-B14F-4D97-AF65-F5344CB8AC3E}">
+        <p14:creationId xmlns:p14="http://schemas.microsoft.com/office/powerpoint/2010/main" val="3667176381"/>
+      </p:ext>
+    </p:extLst>
+  </p:cSld>
+  <p:clrMapOvr>
+    <a:masterClrMapping/>
+  </p:clrMapOvr>
+</p:notes>
+</file>
+
+<file path=ppt/notesSlides/notesSlide14.xml><?xml version="1.0" encoding="utf-8"?>
+<p:notes xmlns:a="http://schemas.openxmlformats.org/drawingml/2006/main" xmlns:r="http://schemas.openxmlformats.org/officeDocument/2006/relationships" xmlns:p="http://schemas.openxmlformats.org/presentationml/2006/main">
+  <p:cSld>
+    <p:spTree>
+      <p:nvGrpSpPr>
+        <p:cNvPr id="1" name=""/>
+        <p:cNvGrpSpPr/>
+        <p:nvPr/>
+      </p:nvGrpSpPr>
+      <p:grpSpPr>
+        <a:xfrm>
+          <a:off x="0" y="0"/>
+          <a:ext cx="0" cy="0"/>
+          <a:chOff x="0" y="0"/>
+          <a:chExt cx="0" cy="0"/>
+        </a:xfrm>
+      </p:grpSpPr>
+      <p:sp>
+        <p:nvSpPr>
+          <p:cNvPr id="2" name="Espaço Reservado para Imagem de Slide 1"/>
+          <p:cNvSpPr>
+            <a:spLocks noGrp="1" noRot="1" noChangeAspect="1"/>
+          </p:cNvSpPr>
+          <p:nvPr>
+            <p:ph type="sldImg"/>
+          </p:nvPr>
+        </p:nvSpPr>
+        <p:spPr/>
+      </p:sp>
+      <p:sp>
+        <p:nvSpPr>
+          <p:cNvPr id="3" name="Espaço Reservado para Anotações 2"/>
+          <p:cNvSpPr>
+            <a:spLocks noGrp="1"/>
+          </p:cNvSpPr>
+          <p:nvPr>
+            <p:ph type="body" idx="1"/>
+          </p:nvPr>
+        </p:nvSpPr>
+        <p:spPr/>
+        <p:txBody>
+          <a:bodyPr/>
+          <a:lstStyle/>
+          <a:p>
+            <a:r>
+              <a:rPr lang="pt-BR" b="0" i="0" dirty="0">
+                <a:solidFill>
+                  <a:srgbClr val="374151"/>
+                </a:solidFill>
+                <a:effectLst/>
+                <a:latin typeface="Söhne"/>
+              </a:rPr>
+              <a:t>Hiperparâmetros são configurações ajustáveis definidas antes do treinamento de um modelo de aprendizado de máquina. Eles não são aprendidos pelo modelo durante o treinamento, mas sim definidos pelo cientista de dados ou engenheiro de </a:t>
+            </a:r>
+            <a:r>
+              <a:rPr lang="pt-BR" b="0" i="0" dirty="0" err="1">
+                <a:solidFill>
+                  <a:srgbClr val="374151"/>
+                </a:solidFill>
+                <a:effectLst/>
+                <a:latin typeface="Söhne"/>
+              </a:rPr>
+              <a:t>machine</a:t>
+            </a:r>
+            <a:r>
+              <a:rPr lang="pt-BR" b="0" i="0" dirty="0">
+                <a:solidFill>
+                  <a:srgbClr val="374151"/>
+                </a:solidFill>
+                <a:effectLst/>
+                <a:latin typeface="Söhne"/>
+              </a:rPr>
+              <a:t> </a:t>
+            </a:r>
+            <a:r>
+              <a:rPr lang="pt-BR" b="0" i="0" dirty="0" err="1">
+                <a:solidFill>
+                  <a:srgbClr val="374151"/>
+                </a:solidFill>
+                <a:effectLst/>
+                <a:latin typeface="Söhne"/>
+              </a:rPr>
+              <a:t>learning</a:t>
+            </a:r>
+            <a:r>
+              <a:rPr lang="pt-BR" b="0" i="0" dirty="0">
+                <a:solidFill>
+                  <a:srgbClr val="374151"/>
+                </a:solidFill>
+                <a:effectLst/>
+                <a:latin typeface="Söhne"/>
+              </a:rPr>
+              <a:t>. Hiperparâmetros influenciam como o modelo é treinado e como ele aprende os padrões nos dados, afetando diretamente o desempenho e a capacidade de generalização do modelo. Exemplos de hiperparâmetros incluem a taxa de aprendizado, o número de camadas e neurônios em uma rede neural, os parâmetros de regularização e o tamanho do lote de treinamento. A escolha adequada de hiperparâmetros é crucial para otimizar o desempenho do modelo.</a:t>
+            </a:r>
+            <a:endParaRPr lang="pt-BR" dirty="0"/>
+          </a:p>
+        </p:txBody>
+      </p:sp>
+      <p:sp>
+        <p:nvSpPr>
+          <p:cNvPr id="4" name="Espaço Reservado para Número de Slide 3"/>
+          <p:cNvSpPr>
+            <a:spLocks noGrp="1"/>
+          </p:cNvSpPr>
+          <p:nvPr>
+            <p:ph type="sldNum" sz="quarter" idx="5"/>
+          </p:nvPr>
+        </p:nvSpPr>
+        <p:spPr/>
+        <p:txBody>
+          <a:bodyPr/>
+          <a:lstStyle/>
+          <a:p>
+            <a:fld id="{6FC8D850-966F-45A6-8DE7-15B891E7D40D}" type="slidenum">
+              <a:rPr lang="pt-BR" smtClean="0"/>
+              <a:t>21</a:t>
+            </a:fld>
+            <a:endParaRPr lang="pt-BR"/>
+          </a:p>
+        </p:txBody>
+      </p:sp>
+    </p:spTree>
+    <p:extLst>
+      <p:ext uri="{BB962C8B-B14F-4D97-AF65-F5344CB8AC3E}">
+        <p14:creationId xmlns:p14="http://schemas.microsoft.com/office/powerpoint/2010/main" val="2239550966"/>
+      </p:ext>
+    </p:extLst>
+  </p:cSld>
+  <p:clrMapOvr>
+    <a:masterClrMapping/>
+  </p:clrMapOvr>
+</p:notes>
+</file>
+
+<file path=ppt/notesSlides/notesSlide15.xml><?xml version="1.0" encoding="utf-8"?>
+<p:notes xmlns:a="http://schemas.openxmlformats.org/drawingml/2006/main" xmlns:r="http://schemas.openxmlformats.org/officeDocument/2006/relationships" xmlns:p="http://schemas.openxmlformats.org/presentationml/2006/main">
+  <p:cSld>
+    <p:spTree>
+      <p:nvGrpSpPr>
+        <p:cNvPr id="1" name=""/>
+        <p:cNvGrpSpPr/>
+        <p:nvPr/>
+      </p:nvGrpSpPr>
+      <p:grpSpPr>
+        <a:xfrm>
+          <a:off x="0" y="0"/>
+          <a:ext cx="0" cy="0"/>
+          <a:chOff x="0" y="0"/>
+          <a:chExt cx="0" cy="0"/>
+        </a:xfrm>
+      </p:grpSpPr>
+      <p:sp>
+        <p:nvSpPr>
+          <p:cNvPr id="2" name="Espaço Reservado para Imagem de Slide 1"/>
+          <p:cNvSpPr>
+            <a:spLocks noGrp="1" noRot="1" noChangeAspect="1"/>
+          </p:cNvSpPr>
+          <p:nvPr>
+            <p:ph type="sldImg"/>
+          </p:nvPr>
+        </p:nvSpPr>
+        <p:spPr/>
+      </p:sp>
+      <p:sp>
+        <p:nvSpPr>
+          <p:cNvPr id="3" name="Espaço Reservado para Anotações 2"/>
+          <p:cNvSpPr>
+            <a:spLocks noGrp="1"/>
+          </p:cNvSpPr>
+          <p:nvPr>
+            <p:ph type="body" idx="1"/>
+          </p:nvPr>
+        </p:nvSpPr>
+        <p:spPr/>
+        <p:txBody>
+          <a:bodyPr/>
+          <a:lstStyle/>
+          <a:p>
+            <a:pPr marL="0" marR="0" lvl="0" indent="0" algn="l" defTabSz="914400" rtl="0" eaLnBrk="1" fontAlgn="auto" latinLnBrk="0" hangingPunct="1">
+              <a:lnSpc>
+                <a:spcPct val="100000"/>
+              </a:lnSpc>
+              <a:spcBef>
+                <a:spcPts val="0"/>
+              </a:spcBef>
+              <a:spcAft>
+                <a:spcPts val="0"/>
+              </a:spcAft>
+              <a:buClrTx/>
+              <a:buSzTx/>
+              <a:buFontTx/>
+              <a:buNone/>
+              <a:tabLst/>
+              <a:defRPr/>
+            </a:pPr>
+            <a:r>
+              <a:rPr lang="pt-BR" dirty="0"/>
+              <a:t>https://colab.research.google.com/</a:t>
+            </a:r>
+            <a:r>
+              <a:rPr lang="pt-BR" dirty="0" err="1"/>
+              <a:t>github</a:t>
+            </a:r>
+            <a:r>
+              <a:rPr lang="pt-BR" dirty="0"/>
+              <a:t>/zz4fap/tp557-iot-ml/</a:t>
+            </a:r>
+            <a:r>
+              <a:rPr lang="pt-BR" dirty="0" err="1"/>
+              <a:t>blob</a:t>
+            </a:r>
+            <a:r>
+              <a:rPr lang="pt-BR" dirty="0"/>
+              <a:t>/master/</a:t>
+            </a:r>
+            <a:r>
+              <a:rPr lang="pt-BR" dirty="0" err="1"/>
+              <a:t>examples</a:t>
+            </a:r>
+            <a:r>
+              <a:rPr lang="pt-BR" dirty="0"/>
+              <a:t>/</a:t>
+            </a:r>
+            <a:r>
+              <a:rPr lang="pt-BR" dirty="0" err="1"/>
+              <a:t>Detecção_de_dígitos_escritos_à_mão.ipynb</a:t>
+            </a:r>
+            <a:endParaRPr lang="pt-BR" dirty="0"/>
+          </a:p>
+        </p:txBody>
+      </p:sp>
+      <p:sp>
+        <p:nvSpPr>
+          <p:cNvPr id="4" name="Espaço Reservado para Número de Slide 3"/>
+          <p:cNvSpPr>
+            <a:spLocks noGrp="1"/>
+          </p:cNvSpPr>
+          <p:nvPr>
+            <p:ph type="sldNum" sz="quarter" idx="5"/>
+          </p:nvPr>
+        </p:nvSpPr>
+        <p:spPr/>
+        <p:txBody>
+          <a:bodyPr/>
+          <a:lstStyle/>
+          <a:p>
+            <a:fld id="{6FC8D850-966F-45A6-8DE7-15B891E7D40D}" type="slidenum">
+              <a:rPr lang="pt-BR" smtClean="0"/>
+              <a:t>24</a:t>
+            </a:fld>
+            <a:endParaRPr lang="pt-BR"/>
+          </a:p>
+        </p:txBody>
+      </p:sp>
+    </p:spTree>
+    <p:extLst>
+      <p:ext uri="{BB962C8B-B14F-4D97-AF65-F5344CB8AC3E}">
+        <p14:creationId xmlns:p14="http://schemas.microsoft.com/office/powerpoint/2010/main" val="4213120806"/>
+      </p:ext>
+    </p:extLst>
+  </p:cSld>
+  <p:clrMapOvr>
+    <a:masterClrMapping/>
+  </p:clrMapOvr>
+</p:notes>
+</file>
+
+<file path=ppt/notesSlides/notesSlide16.xml><?xml version="1.0" encoding="utf-8"?>
+<p:notes xmlns:a="http://schemas.openxmlformats.org/drawingml/2006/main" xmlns:r="http://schemas.openxmlformats.org/officeDocument/2006/relationships" xmlns:p="http://schemas.openxmlformats.org/presentationml/2006/main">
+  <p:cSld>
+    <p:spTree>
+      <p:nvGrpSpPr>
+        <p:cNvPr id="1" name=""/>
+        <p:cNvGrpSpPr/>
+        <p:nvPr/>
+      </p:nvGrpSpPr>
+      <p:grpSpPr>
+        <a:xfrm>
+          <a:off x="0" y="0"/>
+          <a:ext cx="0" cy="0"/>
+          <a:chOff x="0" y="0"/>
+          <a:chExt cx="0" cy="0"/>
+        </a:xfrm>
+      </p:grpSpPr>
+      <p:sp>
+        <p:nvSpPr>
+          <p:cNvPr id="2" name="Espaço Reservado para Imagem de Slide 1"/>
+          <p:cNvSpPr>
+            <a:spLocks noGrp="1" noRot="1" noChangeAspect="1"/>
+          </p:cNvSpPr>
+          <p:nvPr>
+            <p:ph type="sldImg"/>
+          </p:nvPr>
+        </p:nvSpPr>
+        <p:spPr/>
+      </p:sp>
+      <p:sp>
+        <p:nvSpPr>
+          <p:cNvPr id="3" name="Espaço Reservado para Anotações 2"/>
+          <p:cNvSpPr>
+            <a:spLocks noGrp="1"/>
+          </p:cNvSpPr>
+          <p:nvPr>
+            <p:ph type="body" idx="1"/>
+          </p:nvPr>
+        </p:nvSpPr>
+        <p:spPr/>
+        <p:txBody>
+          <a:bodyPr/>
+          <a:lstStyle/>
+          <a:p>
+            <a:r>
+              <a:rPr lang="pt-BR" dirty="0"/>
+              <a:t>https://colab.research.google.com/</a:t>
+            </a:r>
+            <a:r>
+              <a:rPr lang="pt-BR" dirty="0" err="1"/>
+              <a:t>github</a:t>
+            </a:r>
+            <a:r>
+              <a:rPr lang="pt-BR" dirty="0"/>
+              <a:t>/zz4fap/tp557-iot-ml/</a:t>
+            </a:r>
+            <a:r>
+              <a:rPr lang="pt-BR" dirty="0" err="1"/>
+              <a:t>blob</a:t>
+            </a:r>
+            <a:r>
+              <a:rPr lang="pt-BR" dirty="0"/>
+              <a:t>/master/</a:t>
+            </a:r>
+            <a:r>
+              <a:rPr lang="pt-BR" dirty="0" err="1"/>
+              <a:t>exercises</a:t>
+            </a:r>
+            <a:r>
+              <a:rPr lang="pt-BR" dirty="0"/>
+              <a:t>/</a:t>
+            </a:r>
+            <a:r>
+              <a:rPr lang="pt-BR" dirty="0" err="1"/>
+              <a:t>Exercício_detecção_de_peças_de_roupa.ipynb</a:t>
+            </a:r>
+            <a:endParaRPr lang="pt-BR" dirty="0"/>
+          </a:p>
+          <a:p>
+            <a:endParaRPr lang="pt-BR" dirty="0"/>
+          </a:p>
+          <a:p>
+            <a:endParaRPr lang="pt-BR" dirty="0"/>
+          </a:p>
+          <a:p>
+            <a:endParaRPr lang="pt-BR" dirty="0"/>
+          </a:p>
+        </p:txBody>
+      </p:sp>
+      <p:sp>
+        <p:nvSpPr>
+          <p:cNvPr id="4" name="Espaço Reservado para Número de Slide 3"/>
+          <p:cNvSpPr>
+            <a:spLocks noGrp="1"/>
+          </p:cNvSpPr>
+          <p:nvPr>
+            <p:ph type="sldNum" sz="quarter" idx="5"/>
+          </p:nvPr>
+        </p:nvSpPr>
+        <p:spPr/>
+        <p:txBody>
+          <a:bodyPr/>
+          <a:lstStyle/>
+          <a:p>
+            <a:fld id="{6FC8D850-966F-45A6-8DE7-15B891E7D40D}" type="slidenum">
+              <a:rPr lang="pt-BR" smtClean="0"/>
+              <a:t>25</a:t>
+            </a:fld>
+            <a:endParaRPr lang="pt-BR"/>
+          </a:p>
+        </p:txBody>
+      </p:sp>
+    </p:spTree>
+    <p:extLst>
+      <p:ext uri="{BB962C8B-B14F-4D97-AF65-F5344CB8AC3E}">
+        <p14:creationId xmlns:p14="http://schemas.microsoft.com/office/powerpoint/2010/main" val="4247922459"/>
+      </p:ext>
+    </p:extLst>
+  </p:cSld>
+  <p:clrMapOvr>
+    <a:masterClrMapping/>
+  </p:clrMapOvr>
+</p:notes>
+</file>
+
 <file path=ppt/notesSlides/notesSlide2.xml><?xml version="1.0" encoding="utf-8"?>
 <p:notes xmlns:a="http://schemas.openxmlformats.org/drawingml/2006/main" xmlns:r="http://schemas.openxmlformats.org/officeDocument/2006/relationships" xmlns:p="http://schemas.openxmlformats.org/presentationml/2006/main">
   <p:cSld>
@@ -1276,55 +2608,176 @@
           <a:bodyPr/>
           <a:lstStyle/>
           <a:p>
-            <a:pPr marL="0" marR="0" lvl="0" indent="0" algn="l" defTabSz="914400" rtl="0" eaLnBrk="1" fontAlgn="auto" latinLnBrk="0" hangingPunct="1">
-              <a:lnSpc>
-                <a:spcPct val="100000"/>
-              </a:lnSpc>
-              <a:spcBef>
-                <a:spcPts val="0"/>
-              </a:spcBef>
-              <a:spcAft>
-                <a:spcPts val="0"/>
-              </a:spcAft>
-              <a:buClrTx/>
-              <a:buSzTx/>
-              <a:buFontTx/>
-              <a:buNone/>
-              <a:tabLst/>
-              <a:defRPr/>
+            <a:pPr algn="l"/>
+            <a:r>
+              <a:rPr lang="pt-BR" b="0" i="0" dirty="0">
+                <a:solidFill>
+                  <a:srgbClr val="374151"/>
+                </a:solidFill>
+                <a:effectLst/>
+                <a:latin typeface="Söhne"/>
+              </a:rPr>
+              <a:t>O subajuste (</a:t>
+            </a:r>
+            <a:r>
+              <a:rPr lang="pt-BR" b="0" i="0" dirty="0" err="1">
+                <a:solidFill>
+                  <a:srgbClr val="374151"/>
+                </a:solidFill>
+                <a:effectLst/>
+                <a:latin typeface="Söhne"/>
+              </a:rPr>
+              <a:t>underfitting</a:t>
+            </a:r>
+            <a:r>
+              <a:rPr lang="pt-BR" b="0" i="0" dirty="0">
+                <a:solidFill>
+                  <a:srgbClr val="374151"/>
+                </a:solidFill>
+                <a:effectLst/>
+                <a:latin typeface="Söhne"/>
+              </a:rPr>
+              <a:t>) é um problema que ocorre quando um modelo de rede neural não é capaz de capturar adequadamente os padrões e relações presentes nos dados de treinamento. Isso resulta em um modelo que não consegue se adaptar aos dados de forma suficientemente precisa, levando a um desempenho insatisfatório tanto nos dados de treinamento quanto nos dados de validação/teste. Em outras palavras, o modelo é muito simplificado para representar a complexidade dos dados.</a:t>
+            </a:r>
+          </a:p>
+          <a:p>
+            <a:pPr algn="l"/>
+            <a:r>
+              <a:rPr lang="pt-BR" b="0" i="0" dirty="0">
+                <a:solidFill>
+                  <a:srgbClr val="374151"/>
+                </a:solidFill>
+                <a:effectLst/>
+                <a:latin typeface="Söhne"/>
+              </a:rPr>
+              <a:t>Características do subajuste:</a:t>
+            </a:r>
+          </a:p>
+          <a:p>
+            <a:pPr algn="l">
+              <a:buFont typeface="+mj-lt"/>
+              <a:buAutoNum type="arabicPeriod"/>
             </a:pPr>
             <a:r>
-              <a:rPr lang="pt-BR" dirty="0"/>
-              <a:t>https://colab.research.google.com/</a:t>
-            </a:r>
-            <a:r>
-              <a:rPr lang="pt-BR" dirty="0" err="1"/>
-              <a:t>github</a:t>
-            </a:r>
-            <a:r>
-              <a:rPr lang="pt-BR" dirty="0"/>
-              <a:t>/zz4fap/tp557-iot-ml/</a:t>
-            </a:r>
-            <a:r>
-              <a:rPr lang="pt-BR" dirty="0" err="1"/>
-              <a:t>blob</a:t>
-            </a:r>
-            <a:r>
-              <a:rPr lang="pt-BR" dirty="0"/>
-              <a:t>/master/</a:t>
-            </a:r>
-            <a:r>
-              <a:rPr lang="pt-BR" dirty="0" err="1"/>
-              <a:t>examples</a:t>
-            </a:r>
-            <a:r>
-              <a:rPr lang="pt-BR" dirty="0"/>
-              <a:t>/</a:t>
-            </a:r>
-            <a:r>
-              <a:rPr lang="pt-BR" dirty="0" err="1"/>
-              <a:t>Detecção_de_dígitos_escritos_à_mão.ipynb</a:t>
-            </a:r>
+              <a:rPr lang="pt-BR" b="1" i="0" dirty="0">
+                <a:solidFill>
+                  <a:srgbClr val="374151"/>
+                </a:solidFill>
+                <a:effectLst/>
+                <a:latin typeface="Söhne"/>
+              </a:rPr>
+              <a:t>Desempenho Baixo:</a:t>
+            </a:r>
+            <a:r>
+              <a:rPr lang="pt-BR" b="0" i="0" dirty="0">
+                <a:solidFill>
+                  <a:srgbClr val="374151"/>
+                </a:solidFill>
+                <a:effectLst/>
+                <a:latin typeface="Söhne"/>
+              </a:rPr>
+              <a:t> O modelo terá uma baixa precisão e desempenho geral, tanto nos dados de treinamento quanto nos dados de validação/teste.</a:t>
+            </a:r>
+          </a:p>
+          <a:p>
+            <a:pPr algn="l">
+              <a:buFont typeface="+mj-lt"/>
+              <a:buAutoNum type="arabicPeriod"/>
+            </a:pPr>
+            <a:r>
+              <a:rPr lang="pt-BR" b="1" i="0" dirty="0">
+                <a:solidFill>
+                  <a:srgbClr val="374151"/>
+                </a:solidFill>
+                <a:effectLst/>
+                <a:latin typeface="Söhne"/>
+              </a:rPr>
+              <a:t>Erro de Treinamento Elevado:</a:t>
+            </a:r>
+            <a:r>
+              <a:rPr lang="pt-BR" b="0" i="0" dirty="0">
+                <a:solidFill>
+                  <a:srgbClr val="374151"/>
+                </a:solidFill>
+                <a:effectLst/>
+                <a:latin typeface="Söhne"/>
+              </a:rPr>
+              <a:t> O erro de treinamento será relativamente alto, indicando que o modelo não consegue ajustar os dados de treinamento com precisão.</a:t>
+            </a:r>
+          </a:p>
+          <a:p>
+            <a:pPr algn="l">
+              <a:buFont typeface="+mj-lt"/>
+              <a:buAutoNum type="arabicPeriod"/>
+            </a:pPr>
+            <a:r>
+              <a:rPr lang="pt-BR" b="1" i="0" dirty="0">
+                <a:solidFill>
+                  <a:srgbClr val="374151"/>
+                </a:solidFill>
+                <a:effectLst/>
+                <a:latin typeface="Söhne"/>
+              </a:rPr>
+              <a:t>Baixa Complexidade:</a:t>
+            </a:r>
+            <a:r>
+              <a:rPr lang="pt-BR" b="0" i="0" dirty="0">
+                <a:solidFill>
+                  <a:srgbClr val="374151"/>
+                </a:solidFill>
+                <a:effectLst/>
+                <a:latin typeface="Söhne"/>
+              </a:rPr>
+              <a:t> Modelos </a:t>
+            </a:r>
+            <a:r>
+              <a:rPr lang="pt-BR" b="0" i="0" dirty="0" err="1">
+                <a:solidFill>
+                  <a:srgbClr val="374151"/>
+                </a:solidFill>
+                <a:effectLst/>
+                <a:latin typeface="Söhne"/>
+              </a:rPr>
+              <a:t>subajustados</a:t>
+            </a:r>
+            <a:r>
+              <a:rPr lang="pt-BR" b="0" i="0" dirty="0">
+                <a:solidFill>
+                  <a:srgbClr val="374151"/>
+                </a:solidFill>
+                <a:effectLst/>
+                <a:latin typeface="Söhne"/>
+              </a:rPr>
+              <a:t> costumam ser muito simples, com poucos parâmetros ou camadas, o que os torna incapazes de representar as nuances complexas dos dados.</a:t>
+            </a:r>
+          </a:p>
+          <a:p>
+            <a:pPr algn="l">
+              <a:buFont typeface="+mj-lt"/>
+              <a:buAutoNum type="arabicPeriod"/>
+            </a:pPr>
+            <a:r>
+              <a:rPr lang="pt-BR" b="1" i="0" dirty="0">
+                <a:solidFill>
+                  <a:srgbClr val="374151"/>
+                </a:solidFill>
+                <a:effectLst/>
+                <a:latin typeface="Söhne"/>
+              </a:rPr>
+              <a:t>Incapacidade de Generalização:</a:t>
+            </a:r>
+            <a:r>
+              <a:rPr lang="pt-BR" b="0" i="0" dirty="0">
+                <a:solidFill>
+                  <a:srgbClr val="374151"/>
+                </a:solidFill>
+                <a:effectLst/>
+                <a:latin typeface="Söhne"/>
+              </a:rPr>
+              <a:t> Como o modelo não consegue capturar os padrões nos dados, ele terá dificuldade em generalizar para novos dados que não foram vistos durante o treinamento.</a:t>
+            </a:r>
+          </a:p>
+          <a:p>
             <a:endParaRPr lang="pt-BR" dirty="0"/>
           </a:p>
         </p:txBody>
@@ -1346,7 +2799,7 @@
           <a:p>
             <a:fld id="{6FC8D850-966F-45A6-8DE7-15B891E7D40D}" type="slidenum">
               <a:rPr lang="pt-BR" smtClean="0"/>
-              <a:t>19</a:t>
+              <a:t>10</a:t>
             </a:fld>
             <a:endParaRPr lang="pt-BR"/>
           </a:p>
@@ -1355,7 +2808,7 @@
     </p:spTree>
     <p:extLst>
       <p:ext uri="{BB962C8B-B14F-4D97-AF65-F5344CB8AC3E}">
-        <p14:creationId xmlns:p14="http://schemas.microsoft.com/office/powerpoint/2010/main" val="4213120806"/>
+        <p14:creationId xmlns:p14="http://schemas.microsoft.com/office/powerpoint/2010/main" val="3266509561"/>
       </p:ext>
     </p:extLst>
   </p:cSld>
@@ -1409,45 +2862,121 @@
           <a:bodyPr/>
           <a:lstStyle/>
           <a:p>
-            <a:r>
-              <a:rPr lang="pt-BR" dirty="0"/>
-              <a:t>https://colab.research.google.com/</a:t>
-            </a:r>
-            <a:r>
-              <a:rPr lang="pt-BR" dirty="0" err="1"/>
-              <a:t>github</a:t>
-            </a:r>
-            <a:r>
-              <a:rPr lang="pt-BR" dirty="0"/>
-              <a:t>/zz4fap/tp557-iot-ml/</a:t>
-            </a:r>
-            <a:r>
-              <a:rPr lang="pt-BR" dirty="0" err="1"/>
-              <a:t>blob</a:t>
-            </a:r>
-            <a:r>
-              <a:rPr lang="pt-BR" dirty="0"/>
-              <a:t>/master/</a:t>
-            </a:r>
-            <a:r>
-              <a:rPr lang="pt-BR" dirty="0" err="1"/>
-              <a:t>exercises</a:t>
-            </a:r>
-            <a:r>
-              <a:rPr lang="pt-BR" dirty="0"/>
-              <a:t>/</a:t>
-            </a:r>
-            <a:r>
-              <a:rPr lang="pt-BR" dirty="0" err="1"/>
-              <a:t>Exercício_detecção_de_peças_de_roupa.ipynb</a:t>
-            </a:r>
-            <a:endParaRPr lang="pt-BR" dirty="0"/>
-          </a:p>
-          <a:p>
-            <a:endParaRPr lang="pt-BR" dirty="0"/>
-          </a:p>
-          <a:p>
-            <a:endParaRPr lang="pt-BR" dirty="0"/>
+            <a:pPr algn="l"/>
+            <a:r>
+              <a:rPr lang="pt-BR" b="0" i="0" dirty="0">
+                <a:solidFill>
+                  <a:srgbClr val="374151"/>
+                </a:solidFill>
+                <a:effectLst/>
+                <a:latin typeface="Söhne"/>
+              </a:rPr>
+              <a:t>Causas do subajuste:</a:t>
+            </a:r>
+          </a:p>
+          <a:p>
+            <a:pPr algn="l">
+              <a:buFont typeface="+mj-lt"/>
+              <a:buAutoNum type="arabicPeriod"/>
+            </a:pPr>
+            <a:r>
+              <a:rPr lang="pt-BR" b="1" i="0" dirty="0">
+                <a:solidFill>
+                  <a:srgbClr val="374151"/>
+                </a:solidFill>
+                <a:effectLst/>
+                <a:latin typeface="Söhne"/>
+              </a:rPr>
+              <a:t>Modelo Muito Simples:</a:t>
+            </a:r>
+            <a:r>
+              <a:rPr lang="pt-BR" b="0" i="0" dirty="0">
+                <a:solidFill>
+                  <a:srgbClr val="374151"/>
+                </a:solidFill>
+                <a:effectLst/>
+                <a:latin typeface="Söhne"/>
+              </a:rPr>
+              <a:t> Se o modelo for muito básico em relação à complexidade dos dados, ele não terá capacidade para se ajustar adequadamente.</a:t>
+            </a:r>
+          </a:p>
+          <a:p>
+            <a:pPr algn="l">
+              <a:buFont typeface="+mj-lt"/>
+              <a:buAutoNum type="arabicPeriod"/>
+            </a:pPr>
+            <a:r>
+              <a:rPr lang="pt-BR" b="1" i="0" dirty="0">
+                <a:solidFill>
+                  <a:srgbClr val="374151"/>
+                </a:solidFill>
+                <a:effectLst/>
+                <a:latin typeface="Söhne"/>
+              </a:rPr>
+              <a:t>Dificuldade de Representação:</a:t>
+            </a:r>
+            <a:r>
+              <a:rPr lang="pt-BR" b="0" i="0" dirty="0">
+                <a:solidFill>
+                  <a:srgbClr val="374151"/>
+                </a:solidFill>
+                <a:effectLst/>
+                <a:latin typeface="Söhne"/>
+              </a:rPr>
+              <a:t> Algumas redes neurais podem não ter camadas ou neurônios suficientes para representar a complexidade dos dados.</a:t>
+            </a:r>
+          </a:p>
+          <a:p>
+            <a:pPr algn="l">
+              <a:buFont typeface="+mj-lt"/>
+              <a:buAutoNum type="arabicPeriod"/>
+            </a:pPr>
+            <a:r>
+              <a:rPr lang="pt-BR" b="1" i="0" dirty="0">
+                <a:solidFill>
+                  <a:srgbClr val="374151"/>
+                </a:solidFill>
+                <a:effectLst/>
+                <a:latin typeface="Söhne"/>
+              </a:rPr>
+              <a:t>Poucas Épocas de Treinamento:</a:t>
+            </a:r>
+            <a:r>
+              <a:rPr lang="pt-BR" b="0" i="0" dirty="0">
+                <a:solidFill>
+                  <a:srgbClr val="374151"/>
+                </a:solidFill>
+                <a:effectLst/>
+                <a:latin typeface="Söhne"/>
+              </a:rPr>
+              <a:t> Um treinamento insuficiente pode resultar em subajuste, pois o modelo não teve oportunidade de aprender os padrões nos dados.</a:t>
+            </a:r>
+          </a:p>
+          <a:p>
+            <a:pPr algn="l">
+              <a:buFont typeface="+mj-lt"/>
+              <a:buAutoNum type="arabicPeriod"/>
+            </a:pPr>
+            <a:r>
+              <a:rPr lang="pt-BR" b="1" i="0" dirty="0">
+                <a:solidFill>
+                  <a:srgbClr val="374151"/>
+                </a:solidFill>
+                <a:effectLst/>
+                <a:latin typeface="Söhne"/>
+              </a:rPr>
+              <a:t>Falta de Dados:</a:t>
+            </a:r>
+            <a:r>
+              <a:rPr lang="pt-BR" b="0" i="0" dirty="0">
+                <a:solidFill>
+                  <a:srgbClr val="374151"/>
+                </a:solidFill>
+                <a:effectLst/>
+                <a:latin typeface="Söhne"/>
+              </a:rPr>
+              <a:t> Quando há poucos dados de treinamento disponíveis, o modelo pode não ser capaz de aprender com eficácia as características relevantes.</a:t>
+            </a:r>
           </a:p>
           <a:p>
             <a:endParaRPr lang="pt-BR" dirty="0"/>
@@ -1471,7 +3000,7 @@
           <a:p>
             <a:fld id="{6FC8D850-966F-45A6-8DE7-15B891E7D40D}" type="slidenum">
               <a:rPr lang="pt-BR" smtClean="0"/>
-              <a:t>20</a:t>
+              <a:t>11</a:t>
             </a:fld>
             <a:endParaRPr lang="pt-BR"/>
           </a:p>
@@ -1480,7 +3009,294 @@
     </p:spTree>
     <p:extLst>
       <p:ext uri="{BB962C8B-B14F-4D97-AF65-F5344CB8AC3E}">
-        <p14:creationId xmlns:p14="http://schemas.microsoft.com/office/powerpoint/2010/main" val="4247922459"/>
+        <p14:creationId xmlns:p14="http://schemas.microsoft.com/office/powerpoint/2010/main" val="2543457654"/>
+      </p:ext>
+    </p:extLst>
+  </p:cSld>
+  <p:clrMapOvr>
+    <a:masterClrMapping/>
+  </p:clrMapOvr>
+</p:notes>
+</file>
+
+<file path=ppt/notesSlides/notesSlide9.xml><?xml version="1.0" encoding="utf-8"?>
+<p:notes xmlns:a="http://schemas.openxmlformats.org/drawingml/2006/main" xmlns:r="http://schemas.openxmlformats.org/officeDocument/2006/relationships" xmlns:p="http://schemas.openxmlformats.org/presentationml/2006/main">
+  <p:cSld>
+    <p:spTree>
+      <p:nvGrpSpPr>
+        <p:cNvPr id="1" name=""/>
+        <p:cNvGrpSpPr/>
+        <p:nvPr/>
+      </p:nvGrpSpPr>
+      <p:grpSpPr>
+        <a:xfrm>
+          <a:off x="0" y="0"/>
+          <a:ext cx="0" cy="0"/>
+          <a:chOff x="0" y="0"/>
+          <a:chExt cx="0" cy="0"/>
+        </a:xfrm>
+      </p:grpSpPr>
+      <p:sp>
+        <p:nvSpPr>
+          <p:cNvPr id="2" name="Espaço Reservado para Imagem de Slide 1"/>
+          <p:cNvSpPr>
+            <a:spLocks noGrp="1" noRot="1" noChangeAspect="1"/>
+          </p:cNvSpPr>
+          <p:nvPr>
+            <p:ph type="sldImg"/>
+          </p:nvPr>
+        </p:nvSpPr>
+        <p:spPr/>
+      </p:sp>
+      <p:sp>
+        <p:nvSpPr>
+          <p:cNvPr id="3" name="Espaço Reservado para Anotações 2"/>
+          <p:cNvSpPr>
+            <a:spLocks noGrp="1"/>
+          </p:cNvSpPr>
+          <p:nvPr>
+            <p:ph type="body" idx="1"/>
+          </p:nvPr>
+        </p:nvSpPr>
+        <p:spPr/>
+        <p:txBody>
+          <a:bodyPr/>
+          <a:lstStyle/>
+          <a:p>
+            <a:pPr algn="l"/>
+            <a:r>
+              <a:rPr lang="pt-BR" b="0" i="0" dirty="0">
+                <a:solidFill>
+                  <a:srgbClr val="374151"/>
+                </a:solidFill>
+                <a:effectLst/>
+                <a:latin typeface="Söhne"/>
+              </a:rPr>
+              <a:t>Como lidar com o subajuste:</a:t>
+            </a:r>
+          </a:p>
+          <a:p>
+            <a:pPr algn="l">
+              <a:buFont typeface="+mj-lt"/>
+              <a:buAutoNum type="arabicPeriod"/>
+            </a:pPr>
+            <a:r>
+              <a:rPr lang="pt-BR" b="1" i="0" dirty="0">
+                <a:solidFill>
+                  <a:srgbClr val="374151"/>
+                </a:solidFill>
+                <a:effectLst/>
+                <a:latin typeface="Söhne"/>
+              </a:rPr>
+              <a:t>Aumentar a Complexidade do Modelo:</a:t>
+            </a:r>
+            <a:r>
+              <a:rPr lang="pt-BR" b="0" i="0" dirty="0">
+                <a:solidFill>
+                  <a:srgbClr val="374151"/>
+                </a:solidFill>
+                <a:effectLst/>
+                <a:latin typeface="Söhne"/>
+              </a:rPr>
+              <a:t> Adicionar mais camadas ou neurônios ao modelo pode ajudar a aumentar sua capacidade de representação.</a:t>
+            </a:r>
+          </a:p>
+          <a:p>
+            <a:pPr algn="l">
+              <a:buFont typeface="+mj-lt"/>
+              <a:buAutoNum type="arabicPeriod"/>
+            </a:pPr>
+            <a:r>
+              <a:rPr lang="pt-BR" b="1" i="0" dirty="0">
+                <a:solidFill>
+                  <a:srgbClr val="374151"/>
+                </a:solidFill>
+                <a:effectLst/>
+                <a:latin typeface="Söhne"/>
+              </a:rPr>
+              <a:t>Treinar por Mais Épocas:</a:t>
+            </a:r>
+            <a:r>
+              <a:rPr lang="pt-BR" b="0" i="0" dirty="0">
+                <a:solidFill>
+                  <a:srgbClr val="374151"/>
+                </a:solidFill>
+                <a:effectLst/>
+                <a:latin typeface="Söhne"/>
+              </a:rPr>
+              <a:t> Treinar o modelo por mais épocas pode permitir que ele se ajuste melhor aos dados. No entanto, é importante monitorar o desempenho nos dados de validação para evitar </a:t>
+            </a:r>
+            <a:r>
+              <a:rPr lang="pt-BR" b="0" i="0" dirty="0" err="1">
+                <a:solidFill>
+                  <a:srgbClr val="374151"/>
+                </a:solidFill>
+                <a:effectLst/>
+                <a:latin typeface="Söhne"/>
+              </a:rPr>
+              <a:t>overfitting</a:t>
+            </a:r>
+            <a:r>
+              <a:rPr lang="pt-BR" b="0" i="0" dirty="0">
+                <a:solidFill>
+                  <a:srgbClr val="374151"/>
+                </a:solidFill>
+                <a:effectLst/>
+                <a:latin typeface="Söhne"/>
+              </a:rPr>
+              <a:t>.</a:t>
+            </a:r>
+          </a:p>
+          <a:p>
+            <a:pPr algn="l">
+              <a:buFont typeface="+mj-lt"/>
+              <a:buAutoNum type="arabicPeriod"/>
+            </a:pPr>
+            <a:r>
+              <a:rPr lang="pt-BR" b="1" i="0" dirty="0">
+                <a:solidFill>
+                  <a:srgbClr val="374151"/>
+                </a:solidFill>
+                <a:effectLst/>
+                <a:latin typeface="Söhne"/>
+              </a:rPr>
+              <a:t>Aumentar os Dados de Treinamento:</a:t>
+            </a:r>
+            <a:r>
+              <a:rPr lang="pt-BR" b="0" i="0" dirty="0">
+                <a:solidFill>
+                  <a:srgbClr val="374151"/>
+                </a:solidFill>
+                <a:effectLst/>
+                <a:latin typeface="Söhne"/>
+              </a:rPr>
+              <a:t> Se possível, coletar mais dados de treinamento pode ajudar o modelo a capturar melhor os padrões.</a:t>
+            </a:r>
+          </a:p>
+          <a:p>
+            <a:pPr algn="l">
+              <a:buFont typeface="+mj-lt"/>
+              <a:buAutoNum type="arabicPeriod"/>
+            </a:pPr>
+            <a:r>
+              <a:rPr lang="pt-BR" b="1" i="0" dirty="0">
+                <a:solidFill>
+                  <a:srgbClr val="374151"/>
+                </a:solidFill>
+                <a:effectLst/>
+                <a:latin typeface="Söhne"/>
+              </a:rPr>
+              <a:t>Regularização:</a:t>
+            </a:r>
+            <a:r>
+              <a:rPr lang="pt-BR" b="0" i="0" dirty="0">
+                <a:solidFill>
+                  <a:srgbClr val="374151"/>
+                </a:solidFill>
+                <a:effectLst/>
+                <a:latin typeface="Söhne"/>
+              </a:rPr>
+              <a:t> Técnicas de regularização, como </a:t>
+            </a:r>
+            <a:r>
+              <a:rPr lang="pt-BR" b="0" i="0" dirty="0" err="1">
+                <a:solidFill>
+                  <a:srgbClr val="374151"/>
+                </a:solidFill>
+                <a:effectLst/>
+                <a:latin typeface="Söhne"/>
+              </a:rPr>
+              <a:t>dropout</a:t>
+            </a:r>
+            <a:r>
+              <a:rPr lang="pt-BR" b="0" i="0" dirty="0">
+                <a:solidFill>
+                  <a:srgbClr val="374151"/>
+                </a:solidFill>
+                <a:effectLst/>
+                <a:latin typeface="Söhne"/>
+              </a:rPr>
+              <a:t> e L2 </a:t>
+            </a:r>
+            <a:r>
+              <a:rPr lang="pt-BR" b="0" i="0" dirty="0" err="1">
+                <a:solidFill>
+                  <a:srgbClr val="374151"/>
+                </a:solidFill>
+                <a:effectLst/>
+                <a:latin typeface="Söhne"/>
+              </a:rPr>
+              <a:t>regularization</a:t>
+            </a:r>
+            <a:r>
+              <a:rPr lang="pt-BR" b="0" i="0" dirty="0">
+                <a:solidFill>
+                  <a:srgbClr val="374151"/>
+                </a:solidFill>
+                <a:effectLst/>
+                <a:latin typeface="Söhne"/>
+              </a:rPr>
+              <a:t>, podem ajudar a evitar o subajuste controlando a complexidade do modelo.</a:t>
+            </a:r>
+          </a:p>
+          <a:p>
+            <a:pPr algn="l">
+              <a:buFont typeface="+mj-lt"/>
+              <a:buAutoNum type="arabicPeriod"/>
+            </a:pPr>
+            <a:r>
+              <a:rPr lang="pt-BR" b="1" i="0" dirty="0">
+                <a:solidFill>
+                  <a:srgbClr val="374151"/>
+                </a:solidFill>
+                <a:effectLst/>
+                <a:latin typeface="Söhne"/>
+              </a:rPr>
+              <a:t>Ajustar Hiperparâmetros:</a:t>
+            </a:r>
+            <a:r>
+              <a:rPr lang="pt-BR" b="0" i="0" dirty="0">
+                <a:solidFill>
+                  <a:srgbClr val="374151"/>
+                </a:solidFill>
+                <a:effectLst/>
+                <a:latin typeface="Söhne"/>
+              </a:rPr>
+              <a:t> Experimentar com diferentes hiperparâmetros, como taxa de aprendizado e tamanho do lote, pode ajudar a melhorar o desempenho do modelo.</a:t>
+            </a:r>
+          </a:p>
+          <a:p>
+            <a:endParaRPr lang="pt-BR" dirty="0"/>
+          </a:p>
+        </p:txBody>
+      </p:sp>
+      <p:sp>
+        <p:nvSpPr>
+          <p:cNvPr id="4" name="Espaço Reservado para Número de Slide 3"/>
+          <p:cNvSpPr>
+            <a:spLocks noGrp="1"/>
+          </p:cNvSpPr>
+          <p:nvPr>
+            <p:ph type="sldNum" sz="quarter" idx="5"/>
+          </p:nvPr>
+        </p:nvSpPr>
+        <p:spPr/>
+        <p:txBody>
+          <a:bodyPr/>
+          <a:lstStyle/>
+          <a:p>
+            <a:fld id="{6FC8D850-966F-45A6-8DE7-15B891E7D40D}" type="slidenum">
+              <a:rPr lang="pt-BR" smtClean="0"/>
+              <a:t>12</a:t>
+            </a:fld>
+            <a:endParaRPr lang="pt-BR"/>
+          </a:p>
+        </p:txBody>
+      </p:sp>
+    </p:spTree>
+    <p:extLst>
+      <p:ext uri="{BB962C8B-B14F-4D97-AF65-F5344CB8AC3E}">
+        <p14:creationId xmlns:p14="http://schemas.microsoft.com/office/powerpoint/2010/main" val="3561914135"/>
       </p:ext>
     </p:extLst>
   </p:cSld>
@@ -1637,7 +3453,7 @@
           <a:p>
             <a:fld id="{63289F7E-B80B-496E-81B4-D396C37C9454}" type="datetimeFigureOut">
               <a:rPr lang="pt-BR" smtClean="0"/>
-              <a:t>22/08/2023</a:t>
+              <a:t>23/08/2023</a:t>
             </a:fld>
             <a:endParaRPr lang="pt-BR"/>
           </a:p>
@@ -1835,7 +3651,7 @@
           <a:p>
             <a:fld id="{63289F7E-B80B-496E-81B4-D396C37C9454}" type="datetimeFigureOut">
               <a:rPr lang="pt-BR" smtClean="0"/>
-              <a:t>22/08/2023</a:t>
+              <a:t>23/08/2023</a:t>
             </a:fld>
             <a:endParaRPr lang="pt-BR"/>
           </a:p>
@@ -2043,7 +3859,7 @@
           <a:p>
             <a:fld id="{63289F7E-B80B-496E-81B4-D396C37C9454}" type="datetimeFigureOut">
               <a:rPr lang="pt-BR" smtClean="0"/>
-              <a:t>22/08/2023</a:t>
+              <a:t>23/08/2023</a:t>
             </a:fld>
             <a:endParaRPr lang="pt-BR"/>
           </a:p>
@@ -2241,7 +4057,7 @@
           <a:p>
             <a:fld id="{63289F7E-B80B-496E-81B4-D396C37C9454}" type="datetimeFigureOut">
               <a:rPr lang="pt-BR" smtClean="0"/>
-              <a:t>22/08/2023</a:t>
+              <a:t>23/08/2023</a:t>
             </a:fld>
             <a:endParaRPr lang="pt-BR"/>
           </a:p>
@@ -2516,7 +4332,7 @@
           <a:p>
             <a:fld id="{63289F7E-B80B-496E-81B4-D396C37C9454}" type="datetimeFigureOut">
               <a:rPr lang="pt-BR" smtClean="0"/>
-              <a:t>22/08/2023</a:t>
+              <a:t>23/08/2023</a:t>
             </a:fld>
             <a:endParaRPr lang="pt-BR"/>
           </a:p>
@@ -2781,7 +4597,7 @@
           <a:p>
             <a:fld id="{63289F7E-B80B-496E-81B4-D396C37C9454}" type="datetimeFigureOut">
               <a:rPr lang="pt-BR" smtClean="0"/>
-              <a:t>22/08/2023</a:t>
+              <a:t>23/08/2023</a:t>
             </a:fld>
             <a:endParaRPr lang="pt-BR"/>
           </a:p>
@@ -3193,7 +5009,7 @@
           <a:p>
             <a:fld id="{63289F7E-B80B-496E-81B4-D396C37C9454}" type="datetimeFigureOut">
               <a:rPr lang="pt-BR" smtClean="0"/>
-              <a:t>22/08/2023</a:t>
+              <a:t>23/08/2023</a:t>
             </a:fld>
             <a:endParaRPr lang="pt-BR"/>
           </a:p>
@@ -3334,7 +5150,7 @@
           <a:p>
             <a:fld id="{63289F7E-B80B-496E-81B4-D396C37C9454}" type="datetimeFigureOut">
               <a:rPr lang="pt-BR" smtClean="0"/>
-              <a:t>22/08/2023</a:t>
+              <a:t>23/08/2023</a:t>
             </a:fld>
             <a:endParaRPr lang="pt-BR"/>
           </a:p>
@@ -3447,7 +5263,7 @@
           <a:p>
             <a:fld id="{63289F7E-B80B-496E-81B4-D396C37C9454}" type="datetimeFigureOut">
               <a:rPr lang="pt-BR" smtClean="0"/>
-              <a:t>22/08/2023</a:t>
+              <a:t>23/08/2023</a:t>
             </a:fld>
             <a:endParaRPr lang="pt-BR"/>
           </a:p>
@@ -3758,7 +5574,7 @@
           <a:p>
             <a:fld id="{63289F7E-B80B-496E-81B4-D396C37C9454}" type="datetimeFigureOut">
               <a:rPr lang="pt-BR" smtClean="0"/>
-              <a:t>22/08/2023</a:t>
+              <a:t>23/08/2023</a:t>
             </a:fld>
             <a:endParaRPr lang="pt-BR"/>
           </a:p>
@@ -4046,7 +5862,7 @@
           <a:p>
             <a:fld id="{63289F7E-B80B-496E-81B4-D396C37C9454}" type="datetimeFigureOut">
               <a:rPr lang="pt-BR" smtClean="0"/>
-              <a:t>22/08/2023</a:t>
+              <a:t>23/08/2023</a:t>
             </a:fld>
             <a:endParaRPr lang="pt-BR"/>
           </a:p>
@@ -4287,7 +6103,7 @@
           <a:p>
             <a:fld id="{63289F7E-B80B-496E-81B4-D396C37C9454}" type="datetimeFigureOut">
               <a:rPr lang="pt-BR" smtClean="0"/>
-              <a:t>22/08/2023</a:t>
+              <a:t>23/08/2023</a:t>
             </a:fld>
             <a:endParaRPr lang="pt-BR"/>
           </a:p>
@@ -5090,7 +6906,7 @@
           <p:nvPr/>
         </p:nvPicPr>
         <p:blipFill rotWithShape="1">
-          <a:blip r:embed="rId2">
+          <a:blip r:embed="rId3">
             <a:extLst>
               <a:ext uri="{28A0092B-C50C-407E-A947-70E740481C1C}">
                 <a14:useLocalDpi xmlns:a14="http://schemas.microsoft.com/office/drawing/2010/main" val="0"/>
@@ -5313,7 +7129,7 @@
           <p:nvPr/>
         </p:nvPicPr>
         <p:blipFill rotWithShape="1">
-          <a:blip r:embed="rId2">
+          <a:blip r:embed="rId3">
             <a:extLst>
               <a:ext uri="{28A0092B-C50C-407E-A947-70E740481C1C}">
                 <a14:useLocalDpi xmlns:a14="http://schemas.microsoft.com/office/drawing/2010/main" val="0"/>
@@ -5358,7 +7174,7 @@
           <p:nvPr/>
         </p:nvPicPr>
         <p:blipFill rotWithShape="1">
-          <a:blip r:embed="rId2">
+          <a:blip r:embed="rId3">
             <a:extLst>
               <a:ext uri="{28A0092B-C50C-407E-A947-70E740481C1C}">
                 <a14:useLocalDpi xmlns:a14="http://schemas.microsoft.com/office/drawing/2010/main" val="0"/>
@@ -5532,7 +7348,7 @@
           <p:nvPr/>
         </p:nvPicPr>
         <p:blipFill rotWithShape="1">
-          <a:blip r:embed="rId2">
+          <a:blip r:embed="rId3">
             <a:extLst>
               <a:ext uri="{28A0092B-C50C-407E-A947-70E740481C1C}">
                 <a14:useLocalDpi xmlns:a14="http://schemas.microsoft.com/office/drawing/2010/main" val="0"/>
@@ -5755,7 +7571,7 @@
           <p:nvPr/>
         </p:nvPicPr>
         <p:blipFill rotWithShape="1">
-          <a:blip r:embed="rId2">
+          <a:blip r:embed="rId3">
             <a:extLst>
               <a:ext uri="{28A0092B-C50C-407E-A947-70E740481C1C}">
                 <a14:useLocalDpi xmlns:a14="http://schemas.microsoft.com/office/drawing/2010/main" val="0"/>
@@ -5800,7 +7616,7 @@
           <p:nvPr/>
         </p:nvPicPr>
         <p:blipFill rotWithShape="1">
-          <a:blip r:embed="rId2">
+          <a:blip r:embed="rId3">
             <a:extLst>
               <a:ext uri="{28A0092B-C50C-407E-A947-70E740481C1C}">
                 <a14:useLocalDpi xmlns:a14="http://schemas.microsoft.com/office/drawing/2010/main" val="0"/>
@@ -5973,7 +7789,7 @@
           <p:nvPr/>
         </p:nvPicPr>
         <p:blipFill rotWithShape="1">
-          <a:blip r:embed="rId2">
+          <a:blip r:embed="rId3">
             <a:extLst>
               <a:ext uri="{28A0092B-C50C-407E-A947-70E740481C1C}">
                 <a14:useLocalDpi xmlns:a14="http://schemas.microsoft.com/office/drawing/2010/main" val="0"/>
@@ -6196,7 +8012,7 @@
           <p:nvPr/>
         </p:nvPicPr>
         <p:blipFill rotWithShape="1">
-          <a:blip r:embed="rId2">
+          <a:blip r:embed="rId3">
             <a:extLst>
               <a:ext uri="{28A0092B-C50C-407E-A947-70E740481C1C}">
                 <a14:useLocalDpi xmlns:a14="http://schemas.microsoft.com/office/drawing/2010/main" val="0"/>
@@ -6241,7 +8057,7 @@
           <p:nvPr/>
         </p:nvPicPr>
         <p:blipFill rotWithShape="1">
-          <a:blip r:embed="rId2">
+          <a:blip r:embed="rId3">
             <a:extLst>
               <a:ext uri="{28A0092B-C50C-407E-A947-70E740481C1C}">
                 <a14:useLocalDpi xmlns:a14="http://schemas.microsoft.com/office/drawing/2010/main" val="0"/>
@@ -6446,7 +8262,7 @@
           <p:nvPr/>
         </p:nvPicPr>
         <p:blipFill rotWithShape="1">
-          <a:blip r:embed="rId2">
+          <a:blip r:embed="rId3">
             <a:extLst>
               <a:ext uri="{28A0092B-C50C-407E-A947-70E740481C1C}">
                 <a14:useLocalDpi xmlns:a14="http://schemas.microsoft.com/office/drawing/2010/main" val="0"/>
@@ -6669,7 +8485,7 @@
           <p:nvPr/>
         </p:nvPicPr>
         <p:blipFill rotWithShape="1">
-          <a:blip r:embed="rId2">
+          <a:blip r:embed="rId3">
             <a:extLst>
               <a:ext uri="{28A0092B-C50C-407E-A947-70E740481C1C}">
                 <a14:useLocalDpi xmlns:a14="http://schemas.microsoft.com/office/drawing/2010/main" val="0"/>
@@ -6714,7 +8530,7 @@
           <p:nvPr/>
         </p:nvPicPr>
         <p:blipFill rotWithShape="1">
-          <a:blip r:embed="rId2">
+          <a:blip r:embed="rId3">
             <a:extLst>
               <a:ext uri="{28A0092B-C50C-407E-A947-70E740481C1C}">
                 <a14:useLocalDpi xmlns:a14="http://schemas.microsoft.com/office/drawing/2010/main" val="0"/>
@@ -6820,8 +8636,8 @@
         </p:nvSpPr>
         <p:spPr>
           <a:xfrm>
-            <a:off x="838200" y="4686301"/>
-            <a:ext cx="11216148" cy="2171700"/>
+            <a:off x="838200" y="5114665"/>
+            <a:ext cx="11216148" cy="1743335"/>
           </a:xfrm>
         </p:spPr>
         <p:txBody>
@@ -6844,8 +8660,57 @@
             </a:r>
             <a:r>
               <a:rPr lang="pt-BR" dirty="0"/>
-              <a:t> são:</a:t>
-            </a:r>
+              <a:t> são: </a:t>
+            </a:r>
+            <a:r>
+              <a:rPr lang="pt-BR" b="1" i="1" dirty="0"/>
+              <a:t>modelo muito complexo </a:t>
+            </a:r>
+            <a:r>
+              <a:rPr lang="pt-BR" dirty="0"/>
+              <a:t>em relação à quantidade de dados, </a:t>
+            </a:r>
+            <a:r>
+              <a:rPr lang="pt-BR" b="1" i="1" dirty="0"/>
+              <a:t>treinamento excessivo </a:t>
+            </a:r>
+            <a:r>
+              <a:rPr lang="pt-BR" dirty="0"/>
+              <a:t>(</a:t>
+            </a:r>
+            <a:r>
+              <a:rPr lang="pt-BR" b="0" i="0" dirty="0">
+                <a:effectLst/>
+              </a:rPr>
+              <a:t>leva à memorização dos dados de treinamento)</a:t>
+            </a:r>
+            <a:r>
+              <a:rPr lang="pt-BR" dirty="0"/>
+              <a:t>, </a:t>
+            </a:r>
+            <a:r>
+              <a:rPr lang="pt-BR" b="1" i="1" dirty="0"/>
+              <a:t>f</a:t>
+            </a:r>
+            <a:r>
+              <a:rPr lang="pt-BR" b="1" i="1" dirty="0">
+                <a:effectLst/>
+              </a:rPr>
+              <a:t>alta de dados </a:t>
+            </a:r>
+            <a:r>
+              <a:rPr lang="pt-BR" dirty="0">
+                <a:effectLst/>
+              </a:rPr>
+              <a:t>(modelo tem poucos</a:t>
+            </a:r>
+            <a:r>
+              <a:rPr lang="pt-BR" b="0" i="0" dirty="0">
+                <a:effectLst/>
+              </a:rPr>
+              <a:t> exemplos para aprender padrões gerais).</a:t>
+            </a:r>
+            <a:endParaRPr lang="pt-BR" dirty="0"/>
           </a:p>
         </p:txBody>
       </p:sp>
@@ -6864,7 +8729,7 @@
           <p:nvPr/>
         </p:nvPicPr>
         <p:blipFill rotWithShape="1">
-          <a:blip r:embed="rId2">
+          <a:blip r:embed="rId3">
             <a:extLst>
               <a:ext uri="{28A0092B-C50C-407E-A947-70E740481C1C}">
                 <a14:useLocalDpi xmlns:a14="http://schemas.microsoft.com/office/drawing/2010/main" val="0"/>
@@ -7087,7 +8952,7 @@
           <p:nvPr/>
         </p:nvPicPr>
         <p:blipFill rotWithShape="1">
-          <a:blip r:embed="rId2">
+          <a:blip r:embed="rId3">
             <a:extLst>
               <a:ext uri="{28A0092B-C50C-407E-A947-70E740481C1C}">
                 <a14:useLocalDpi xmlns:a14="http://schemas.microsoft.com/office/drawing/2010/main" val="0"/>
@@ -7132,7 +8997,7 @@
           <p:nvPr/>
         </p:nvPicPr>
         <p:blipFill rotWithShape="1">
-          <a:blip r:embed="rId2">
+          <a:blip r:embed="rId3">
             <a:extLst>
               <a:ext uri="{28A0092B-C50C-407E-A947-70E740481C1C}">
                 <a14:useLocalDpi xmlns:a14="http://schemas.microsoft.com/office/drawing/2010/main" val="0"/>
@@ -7252,6 +9117,91 @@
               <a:rPr lang="pt-BR" dirty="0"/>
               <a:t>Para mitigar o problema, podemos </a:t>
             </a:r>
+            <a:r>
+              <a:rPr lang="pt-BR" b="1" i="1" dirty="0"/>
+              <a:t>aumentar os dados de treinamento</a:t>
+            </a:r>
+            <a:r>
+              <a:rPr lang="pt-BR" dirty="0"/>
+              <a:t>, se possível, </a:t>
+            </a:r>
+            <a:r>
+              <a:rPr lang="pt-BR" b="1" i="1" dirty="0"/>
+              <a:t>r</a:t>
+            </a:r>
+            <a:r>
+              <a:rPr lang="pt-BR" b="1" i="1" dirty="0">
+                <a:effectLst/>
+              </a:rPr>
+              <a:t>eduzir a complexidade do modelo</a:t>
+            </a:r>
+            <a:r>
+              <a:rPr lang="pt-BR" b="1" i="1" dirty="0"/>
+              <a:t> </a:t>
+            </a:r>
+            <a:r>
+              <a:rPr lang="pt-BR" dirty="0"/>
+              <a:t>(e.g., </a:t>
+            </a:r>
+            <a:r>
+              <a:rPr lang="pt-BR" b="0" i="0" dirty="0">
+                <a:effectLst/>
+              </a:rPr>
+              <a:t>removendo camadas ou neurônios), </a:t>
+            </a:r>
+            <a:r>
+              <a:rPr lang="pt-BR" b="1" i="1" dirty="0">
+                <a:effectLst/>
+              </a:rPr>
+              <a:t>aplicar técnicas de regularização </a:t>
+            </a:r>
+            <a:r>
+              <a:rPr lang="pt-BR" b="0" i="0" dirty="0">
+                <a:effectLst/>
+              </a:rPr>
+              <a:t>(e.g., </a:t>
+            </a:r>
+            <a:r>
+              <a:rPr lang="pt-BR" b="0" i="1" dirty="0" err="1">
+                <a:effectLst/>
+              </a:rPr>
+              <a:t>dropout</a:t>
+            </a:r>
+            <a:r>
+              <a:rPr lang="pt-BR" b="0" i="0" dirty="0">
+                <a:effectLst/>
+              </a:rPr>
+              <a:t>, regularizações L1 ou L2, </a:t>
+            </a:r>
+            <a:r>
+              <a:rPr lang="pt-BR" b="1" i="1" dirty="0" err="1">
+                <a:effectLst/>
+              </a:rPr>
+              <a:t>early</a:t>
+            </a:r>
+            <a:r>
+              <a:rPr lang="pt-BR" b="1" i="1" dirty="0">
+                <a:effectLst/>
+              </a:rPr>
+              <a:t>-stop</a:t>
+            </a:r>
+            <a:r>
+              <a:rPr lang="pt-BR" b="0" i="0" dirty="0">
+                <a:effectLst/>
+              </a:rPr>
+              <a:t> (</a:t>
+            </a:r>
+            <a:r>
+              <a:rPr lang="pt-BR" dirty="0"/>
+              <a:t>a</a:t>
+            </a:r>
+            <a:r>
+              <a:rPr lang="pt-BR" b="0" i="0" dirty="0">
+                <a:effectLst/>
+              </a:rPr>
+              <a:t>companhar os erros de treinamento e de teste ajuda a identificar quando o sobreajuste está ocorrendo).</a:t>
+            </a:r>
+            <a:endParaRPr lang="pt-BR" dirty="0"/>
           </a:p>
         </p:txBody>
       </p:sp>
@@ -7270,7 +9220,7 @@
           <p:nvPr/>
         </p:nvPicPr>
         <p:blipFill rotWithShape="1">
-          <a:blip r:embed="rId2">
+          <a:blip r:embed="rId3">
             <a:extLst>
               <a:ext uri="{28A0092B-C50C-407E-A947-70E740481C1C}">
                 <a14:useLocalDpi xmlns:a14="http://schemas.microsoft.com/office/drawing/2010/main" val="0"/>
@@ -7493,7 +9443,7 @@
           <p:nvPr/>
         </p:nvPicPr>
         <p:blipFill rotWithShape="1">
-          <a:blip r:embed="rId2">
+          <a:blip r:embed="rId3">
             <a:extLst>
               <a:ext uri="{28A0092B-C50C-407E-A947-70E740481C1C}">
                 <a14:useLocalDpi xmlns:a14="http://schemas.microsoft.com/office/drawing/2010/main" val="0"/>
@@ -7538,7 +9488,7 @@
           <p:nvPr/>
         </p:nvPicPr>
         <p:blipFill rotWithShape="1">
-          <a:blip r:embed="rId2">
+          <a:blip r:embed="rId3">
             <a:extLst>
               <a:ext uri="{28A0092B-C50C-407E-A947-70E740481C1C}">
                 <a14:useLocalDpi xmlns:a14="http://schemas.microsoft.com/office/drawing/2010/main" val="0"/>
@@ -7603,7 +9553,7 @@
           <p:cNvPr id="2" name="Título 1">
             <a:extLst>
               <a:ext uri="{FF2B5EF4-FFF2-40B4-BE49-F238E27FC236}">
-                <a16:creationId xmlns:a16="http://schemas.microsoft.com/office/drawing/2014/main" id="{B04A7F89-F919-BEA1-1CDB-63AA14A723CA}"/>
+                <a16:creationId xmlns:a16="http://schemas.microsoft.com/office/drawing/2014/main" id="{DF5079C6-CB84-CFE9-43C7-0B30FA68EF86}"/>
               </a:ext>
             </a:extLst>
           </p:cNvPr>
@@ -7619,7 +9569,10 @@
           <a:bodyPr/>
           <a:lstStyle/>
           <a:p>
-            <a:endParaRPr lang="pt-BR"/>
+            <a:r>
+              <a:rPr lang="pt-BR" dirty="0"/>
+              <a:t>Subajuste e sobreajuste</a:t>
+            </a:r>
           </a:p>
         </p:txBody>
       </p:sp>
@@ -7628,7 +9581,7 @@
           <p:cNvPr id="3" name="Espaço Reservado para Conteúdo 2">
             <a:extLst>
               <a:ext uri="{FF2B5EF4-FFF2-40B4-BE49-F238E27FC236}">
-                <a16:creationId xmlns:a16="http://schemas.microsoft.com/office/drawing/2014/main" id="{D6E2C431-090C-A553-8AEC-3B59C1BB8AAE}"/>
+                <a16:creationId xmlns:a16="http://schemas.microsoft.com/office/drawing/2014/main" id="{00D9AD81-A061-C4A9-2251-C539F0790014}"/>
               </a:ext>
             </a:extLst>
           </p:cNvPr>
@@ -7639,19 +9592,356 @@
             <p:ph idx="1"/>
           </p:nvPr>
         </p:nvSpPr>
-        <p:spPr/>
-        <p:txBody>
-          <a:bodyPr/>
-          <a:lstStyle/>
-          <a:p>
-            <a:endParaRPr lang="pt-BR" dirty="0"/>
-          </a:p>
-        </p:txBody>
-      </p:sp>
+        <p:spPr>
+          <a:xfrm>
+            <a:off x="838200" y="4768645"/>
+            <a:ext cx="11216148" cy="2089356"/>
+          </a:xfrm>
+        </p:spPr>
+        <p:txBody>
+          <a:bodyPr>
+            <a:normAutofit lnSpcReduction="10000"/>
+          </a:bodyPr>
+          <a:lstStyle/>
+          <a:p>
+            <a:r>
+              <a:rPr lang="pt-BR" dirty="0">
+                <a:effectLst/>
+              </a:rPr>
+              <a:t>Encontrar o equilíbrio certo entre a complexidade (ou flexibilidade) do modelo e sua capacidade de generalização é essencial para obter um modelo com bom desempenho.</a:t>
+            </a:r>
+          </a:p>
+          <a:p>
+            <a:r>
+              <a:rPr lang="pt-BR" dirty="0"/>
+              <a:t>Ou seja, devemos encontrar um </a:t>
+            </a:r>
+            <a:r>
+              <a:rPr lang="pt-BR" dirty="0">
+                <a:effectLst/>
+              </a:rPr>
+              <a:t>equilíbrio entre um modelo muito simples (subajuste) e um modelo muito complexo (sobreajuste).</a:t>
+            </a:r>
+          </a:p>
+        </p:txBody>
+      </p:sp>
+      <p:pic>
+        <p:nvPicPr>
+          <p:cNvPr id="7170" name="Picture 2">
+            <a:extLst>
+              <a:ext uri="{FF2B5EF4-FFF2-40B4-BE49-F238E27FC236}">
+                <a16:creationId xmlns:a16="http://schemas.microsoft.com/office/drawing/2014/main" id="{1892C83B-01FF-5BDF-4F58-41B311222FA0}"/>
+              </a:ext>
+            </a:extLst>
+          </p:cNvPr>
+          <p:cNvPicPr>
+            <a:picLocks noChangeAspect="1" noChangeArrowheads="1"/>
+          </p:cNvPicPr>
+          <p:nvPr/>
+        </p:nvPicPr>
+        <p:blipFill rotWithShape="1">
+          <a:blip r:embed="rId3">
+            <a:extLst>
+              <a:ext uri="{28A0092B-C50C-407E-A947-70E740481C1C}">
+                <a14:useLocalDpi xmlns:a14="http://schemas.microsoft.com/office/drawing/2010/main" val="0"/>
+              </a:ext>
+            </a:extLst>
+          </a:blip>
+          <a:srcRect l="8199" t="18914" r="71063" b="27303"/>
+          <a:stretch/>
+        </p:blipFill>
+        <p:spPr bwMode="auto">
+          <a:xfrm>
+            <a:off x="2352675" y="1701915"/>
+            <a:ext cx="1993902" cy="2947214"/>
+          </a:xfrm>
+          <a:prstGeom prst="rect">
+            <a:avLst/>
+          </a:prstGeom>
+          <a:noFill/>
+          <a:extLst>
+            <a:ext uri="{909E8E84-426E-40DD-AFC4-6F175D3DCCD1}">
+              <a14:hiddenFill xmlns:a14="http://schemas.microsoft.com/office/drawing/2010/main">
+                <a:solidFill>
+                  <a:srgbClr val="FFFFFF"/>
+                </a:solidFill>
+              </a14:hiddenFill>
+            </a:ext>
+          </a:extLst>
+        </p:spPr>
+      </p:pic>
+      <p:sp>
+        <p:nvSpPr>
+          <p:cNvPr id="4" name="CaixaDeTexto 3">
+            <a:extLst>
+              <a:ext uri="{FF2B5EF4-FFF2-40B4-BE49-F238E27FC236}">
+                <a16:creationId xmlns:a16="http://schemas.microsoft.com/office/drawing/2014/main" id="{2D4157CD-EC99-C673-5888-FB8C3E89B649}"/>
+              </a:ext>
+            </a:extLst>
+          </p:cNvPr>
+          <p:cNvSpPr txBox="1"/>
+          <p:nvPr/>
+        </p:nvSpPr>
+        <p:spPr>
+          <a:xfrm>
+            <a:off x="2633815" y="1421628"/>
+            <a:ext cx="1707280" cy="369332"/>
+          </a:xfrm>
+          <a:prstGeom prst="rect">
+            <a:avLst/>
+          </a:prstGeom>
+          <a:noFill/>
+        </p:spPr>
+        <p:txBody>
+          <a:bodyPr wrap="square" rtlCol="0">
+            <a:spAutoFit/>
+          </a:bodyPr>
+          <a:lstStyle/>
+          <a:p>
+            <a:pPr algn="ctr"/>
+            <a:r>
+              <a:rPr lang="pt-BR" b="1" dirty="0"/>
+              <a:t>subajuste</a:t>
+            </a:r>
+          </a:p>
+        </p:txBody>
+      </p:sp>
+      <p:sp>
+        <p:nvSpPr>
+          <p:cNvPr id="5" name="CaixaDeTexto 4">
+            <a:extLst>
+              <a:ext uri="{FF2B5EF4-FFF2-40B4-BE49-F238E27FC236}">
+                <a16:creationId xmlns:a16="http://schemas.microsoft.com/office/drawing/2014/main" id="{71253339-1DEB-89C1-8C0E-7E916415966F}"/>
+              </a:ext>
+            </a:extLst>
+          </p:cNvPr>
+          <p:cNvSpPr txBox="1"/>
+          <p:nvPr/>
+        </p:nvSpPr>
+        <p:spPr>
+          <a:xfrm>
+            <a:off x="7876687" y="1445441"/>
+            <a:ext cx="1707280" cy="369332"/>
+          </a:xfrm>
+          <a:prstGeom prst="rect">
+            <a:avLst/>
+          </a:prstGeom>
+          <a:noFill/>
+        </p:spPr>
+        <p:txBody>
+          <a:bodyPr wrap="square" rtlCol="0">
+            <a:spAutoFit/>
+          </a:bodyPr>
+          <a:lstStyle/>
+          <a:p>
+            <a:pPr algn="ctr"/>
+            <a:r>
+              <a:rPr lang="pt-BR" b="1" dirty="0"/>
+              <a:t>sobreajuste</a:t>
+            </a:r>
+          </a:p>
+        </p:txBody>
+      </p:sp>
+      <p:sp>
+        <p:nvSpPr>
+          <p:cNvPr id="6" name="CaixaDeTexto 5">
+            <a:extLst>
+              <a:ext uri="{FF2B5EF4-FFF2-40B4-BE49-F238E27FC236}">
+                <a16:creationId xmlns:a16="http://schemas.microsoft.com/office/drawing/2014/main" id="{AAA323F9-8E5C-2ED7-7474-00EAC3A9B445}"/>
+              </a:ext>
+            </a:extLst>
+          </p:cNvPr>
+          <p:cNvSpPr txBox="1"/>
+          <p:nvPr/>
+        </p:nvSpPr>
+        <p:spPr>
+          <a:xfrm>
+            <a:off x="5040284" y="1420556"/>
+            <a:ext cx="2050543" cy="369332"/>
+          </a:xfrm>
+          <a:prstGeom prst="rect">
+            <a:avLst/>
+          </a:prstGeom>
+          <a:noFill/>
+        </p:spPr>
+        <p:txBody>
+          <a:bodyPr wrap="square" rtlCol="0">
+            <a:spAutoFit/>
+          </a:bodyPr>
+          <a:lstStyle/>
+          <a:p>
+            <a:pPr algn="ctr"/>
+            <a:r>
+              <a:rPr lang="pt-BR" b="1" dirty="0"/>
+              <a:t>ajuste apropriado</a:t>
+            </a:r>
+          </a:p>
+        </p:txBody>
+      </p:sp>
+      <p:sp>
+        <p:nvSpPr>
+          <p:cNvPr id="7" name="CaixaDeTexto 6">
+            <a:extLst>
+              <a:ext uri="{FF2B5EF4-FFF2-40B4-BE49-F238E27FC236}">
+                <a16:creationId xmlns:a16="http://schemas.microsoft.com/office/drawing/2014/main" id="{42279F6B-8E44-6328-821B-2B13EEE2036B}"/>
+              </a:ext>
+            </a:extLst>
+          </p:cNvPr>
+          <p:cNvSpPr txBox="1"/>
+          <p:nvPr/>
+        </p:nvSpPr>
+        <p:spPr>
+          <a:xfrm>
+            <a:off x="1197524" y="2059260"/>
+            <a:ext cx="1247571" cy="369332"/>
+          </a:xfrm>
+          <a:prstGeom prst="rect">
+            <a:avLst/>
+          </a:prstGeom>
+          <a:noFill/>
+        </p:spPr>
+        <p:txBody>
+          <a:bodyPr wrap="square" rtlCol="0">
+            <a:spAutoFit/>
+          </a:bodyPr>
+          <a:lstStyle/>
+          <a:p>
+            <a:r>
+              <a:rPr lang="pt-BR" b="1" dirty="0"/>
+              <a:t>Regressão</a:t>
+            </a:r>
+          </a:p>
+        </p:txBody>
+      </p:sp>
+      <p:sp>
+        <p:nvSpPr>
+          <p:cNvPr id="8" name="CaixaDeTexto 7">
+            <a:extLst>
+              <a:ext uri="{FF2B5EF4-FFF2-40B4-BE49-F238E27FC236}">
+                <a16:creationId xmlns:a16="http://schemas.microsoft.com/office/drawing/2014/main" id="{01E6D656-857C-E1E7-B118-2232A5B3C12A}"/>
+              </a:ext>
+            </a:extLst>
+          </p:cNvPr>
+          <p:cNvSpPr txBox="1"/>
+          <p:nvPr/>
+        </p:nvSpPr>
+        <p:spPr>
+          <a:xfrm>
+            <a:off x="949141" y="3715945"/>
+            <a:ext cx="1507195" cy="369332"/>
+          </a:xfrm>
+          <a:prstGeom prst="rect">
+            <a:avLst/>
+          </a:prstGeom>
+          <a:noFill/>
+        </p:spPr>
+        <p:txBody>
+          <a:bodyPr wrap="square" rtlCol="0">
+            <a:spAutoFit/>
+          </a:bodyPr>
+          <a:lstStyle/>
+          <a:p>
+            <a:r>
+              <a:rPr lang="pt-BR" b="1" dirty="0"/>
+              <a:t>Classificação</a:t>
+            </a:r>
+          </a:p>
+        </p:txBody>
+      </p:sp>
+      <p:pic>
+        <p:nvPicPr>
+          <p:cNvPr id="9" name="Picture 2">
+            <a:extLst>
+              <a:ext uri="{FF2B5EF4-FFF2-40B4-BE49-F238E27FC236}">
+                <a16:creationId xmlns:a16="http://schemas.microsoft.com/office/drawing/2014/main" id="{18114226-93F9-BEA2-8207-47B386FC6099}"/>
+              </a:ext>
+            </a:extLst>
+          </p:cNvPr>
+          <p:cNvPicPr>
+            <a:picLocks noChangeAspect="1" noChangeArrowheads="1"/>
+          </p:cNvPicPr>
+          <p:nvPr/>
+        </p:nvPicPr>
+        <p:blipFill rotWithShape="1">
+          <a:blip r:embed="rId3">
+            <a:extLst>
+              <a:ext uri="{28A0092B-C50C-407E-A947-70E740481C1C}">
+                <a14:useLocalDpi xmlns:a14="http://schemas.microsoft.com/office/drawing/2010/main" val="0"/>
+              </a:ext>
+            </a:extLst>
+          </a:blip>
+          <a:srcRect l="38345" t="19278" r="40638" b="27303"/>
+          <a:stretch/>
+        </p:blipFill>
+        <p:spPr bwMode="auto">
+          <a:xfrm>
+            <a:off x="4991619" y="1714294"/>
+            <a:ext cx="2020860" cy="2927235"/>
+          </a:xfrm>
+          <a:prstGeom prst="rect">
+            <a:avLst/>
+          </a:prstGeom>
+          <a:noFill/>
+          <a:extLst>
+            <a:ext uri="{909E8E84-426E-40DD-AFC4-6F175D3DCCD1}">
+              <a14:hiddenFill xmlns:a14="http://schemas.microsoft.com/office/drawing/2010/main">
+                <a:solidFill>
+                  <a:srgbClr val="FFFFFF"/>
+                </a:solidFill>
+              </a14:hiddenFill>
+            </a:ext>
+          </a:extLst>
+        </p:spPr>
+      </p:pic>
+      <p:pic>
+        <p:nvPicPr>
+          <p:cNvPr id="10" name="Picture 2">
+            <a:extLst>
+              <a:ext uri="{FF2B5EF4-FFF2-40B4-BE49-F238E27FC236}">
+                <a16:creationId xmlns:a16="http://schemas.microsoft.com/office/drawing/2014/main" id="{5DE423C0-8EE4-15A7-2DEA-C42F713C06E7}"/>
+              </a:ext>
+            </a:extLst>
+          </p:cNvPr>
+          <p:cNvPicPr>
+            <a:picLocks noChangeAspect="1" noChangeArrowheads="1"/>
+          </p:cNvPicPr>
+          <p:nvPr/>
+        </p:nvPicPr>
+        <p:blipFill rotWithShape="1">
+          <a:blip r:embed="rId3">
+            <a:extLst>
+              <a:ext uri="{28A0092B-C50C-407E-A947-70E740481C1C}">
+                <a14:useLocalDpi xmlns:a14="http://schemas.microsoft.com/office/drawing/2010/main" val="0"/>
+              </a:ext>
+            </a:extLst>
+          </a:blip>
+          <a:srcRect l="69602" t="20289" r="9128" b="27303"/>
+          <a:stretch/>
+        </p:blipFill>
+        <p:spPr bwMode="auto">
+          <a:xfrm>
+            <a:off x="7662415" y="1701915"/>
+            <a:ext cx="2084490" cy="2927235"/>
+          </a:xfrm>
+          <a:prstGeom prst="rect">
+            <a:avLst/>
+          </a:prstGeom>
+          <a:noFill/>
+          <a:extLst>
+            <a:ext uri="{909E8E84-426E-40DD-AFC4-6F175D3DCCD1}">
+              <a14:hiddenFill xmlns:a14="http://schemas.microsoft.com/office/drawing/2010/main">
+                <a:solidFill>
+                  <a:srgbClr val="FFFFFF"/>
+                </a:solidFill>
+              </a14:hiddenFill>
+            </a:ext>
+          </a:extLst>
+        </p:spPr>
+      </p:pic>
     </p:spTree>
     <p:extLst>
       <p:ext uri="{BB962C8B-B14F-4D97-AF65-F5344CB8AC3E}">
-        <p14:creationId xmlns:p14="http://schemas.microsoft.com/office/powerpoint/2010/main" val="2510192099"/>
+        <p14:creationId xmlns:p14="http://schemas.microsoft.com/office/powerpoint/2010/main" val="4194345967"/>
       </p:ext>
     </p:extLst>
   </p:cSld>
@@ -7680,6 +9970,81 @@
       </p:grpSpPr>
       <p:sp>
         <p:nvSpPr>
+          <p:cNvPr id="3" name="Espaço Reservado para Conteúdo 2">
+            <a:extLst>
+              <a:ext uri="{FF2B5EF4-FFF2-40B4-BE49-F238E27FC236}">
+                <a16:creationId xmlns:a16="http://schemas.microsoft.com/office/drawing/2014/main" id="{8B238420-A23F-DE85-A170-45E0B437CEF2}"/>
+              </a:ext>
+            </a:extLst>
+          </p:cNvPr>
+          <p:cNvSpPr>
+            <a:spLocks noGrp="1"/>
+          </p:cNvSpPr>
+          <p:nvPr>
+            <p:ph idx="1"/>
+          </p:nvPr>
+        </p:nvSpPr>
+        <p:spPr>
+          <a:xfrm>
+            <a:off x="838200" y="2953365"/>
+            <a:ext cx="10515600" cy="951270"/>
+          </a:xfrm>
+        </p:spPr>
+        <p:txBody>
+          <a:bodyPr>
+            <a:normAutofit/>
+          </a:bodyPr>
+          <a:lstStyle/>
+          <a:p>
+            <a:pPr marL="0" indent="0" algn="ctr">
+              <a:buNone/>
+            </a:pPr>
+            <a:r>
+              <a:rPr lang="pt-BR" sz="5400" b="1" dirty="0"/>
+              <a:t>Como encontramos esse </a:t>
+            </a:r>
+            <a:r>
+              <a:rPr lang="pt-BR" sz="5400" b="1" dirty="0">
+                <a:effectLst/>
+              </a:rPr>
+              <a:t>equilíbrio?</a:t>
+            </a:r>
+            <a:endParaRPr lang="pt-BR" sz="5400" b="1" dirty="0"/>
+          </a:p>
+        </p:txBody>
+      </p:sp>
+    </p:spTree>
+    <p:extLst>
+      <p:ext uri="{BB962C8B-B14F-4D97-AF65-F5344CB8AC3E}">
+        <p14:creationId xmlns:p14="http://schemas.microsoft.com/office/powerpoint/2010/main" val="1902586751"/>
+      </p:ext>
+    </p:extLst>
+  </p:cSld>
+  <p:clrMapOvr>
+    <a:masterClrMapping/>
+  </p:clrMapOvr>
+</p:sld>
+</file>
+
+<file path=ppt/slides/slide18.xml><?xml version="1.0" encoding="utf-8"?>
+<p:sld xmlns:a="http://schemas.openxmlformats.org/drawingml/2006/main" xmlns:r="http://schemas.openxmlformats.org/officeDocument/2006/relationships" xmlns:p="http://schemas.openxmlformats.org/presentationml/2006/main">
+  <p:cSld>
+    <p:spTree>
+      <p:nvGrpSpPr>
+        <p:cNvPr id="1" name=""/>
+        <p:cNvGrpSpPr/>
+        <p:nvPr/>
+      </p:nvGrpSpPr>
+      <p:grpSpPr>
+        <a:xfrm>
+          <a:off x="0" y="0"/>
+          <a:ext cx="0" cy="0"/>
+          <a:chOff x="0" y="0"/>
+          <a:chExt cx="0" cy="0"/>
+        </a:xfrm>
+      </p:grpSpPr>
+      <p:sp>
+        <p:nvSpPr>
           <p:cNvPr id="2" name="Título 1">
             <a:extLst>
               <a:ext uri="{FF2B5EF4-FFF2-40B4-BE49-F238E27FC236}">
@@ -7903,152 +10268,6 @@
 </p:sld>
 </file>
 
-<file path=ppt/slides/slide18.xml><?xml version="1.0" encoding="utf-8"?>
-<p:sld xmlns:a="http://schemas.openxmlformats.org/drawingml/2006/main" xmlns:r="http://schemas.openxmlformats.org/officeDocument/2006/relationships" xmlns:p="http://schemas.openxmlformats.org/presentationml/2006/main">
-  <p:cSld>
-    <p:spTree>
-      <p:nvGrpSpPr>
-        <p:cNvPr id="1" name=""/>
-        <p:cNvGrpSpPr/>
-        <p:nvPr/>
-      </p:nvGrpSpPr>
-      <p:grpSpPr>
-        <a:xfrm>
-          <a:off x="0" y="0"/>
-          <a:ext cx="0" cy="0"/>
-          <a:chOff x="0" y="0"/>
-          <a:chExt cx="0" cy="0"/>
-        </a:xfrm>
-      </p:grpSpPr>
-      <p:sp>
-        <p:nvSpPr>
-          <p:cNvPr id="2" name="Título 1">
-            <a:extLst>
-              <a:ext uri="{FF2B5EF4-FFF2-40B4-BE49-F238E27FC236}">
-                <a16:creationId xmlns:a16="http://schemas.microsoft.com/office/drawing/2014/main" id="{8E0F6520-45D3-CB1E-DD88-F75930828487}"/>
-              </a:ext>
-            </a:extLst>
-          </p:cNvPr>
-          <p:cNvSpPr>
-            <a:spLocks noGrp="1"/>
-          </p:cNvSpPr>
-          <p:nvPr>
-            <p:ph type="title"/>
-          </p:nvPr>
-        </p:nvSpPr>
-        <p:spPr/>
-        <p:txBody>
-          <a:bodyPr/>
-          <a:lstStyle/>
-          <a:p>
-            <a:r>
-              <a:rPr lang="pt-BR" dirty="0"/>
-              <a:t>Dividir para conquistar!</a:t>
-            </a:r>
-          </a:p>
-        </p:txBody>
-      </p:sp>
-      <p:sp>
-        <p:nvSpPr>
-          <p:cNvPr id="3" name="Espaço Reservado para Conteúdo 2">
-            <a:extLst>
-              <a:ext uri="{FF2B5EF4-FFF2-40B4-BE49-F238E27FC236}">
-                <a16:creationId xmlns:a16="http://schemas.microsoft.com/office/drawing/2014/main" id="{1FF07388-B562-E5DD-2F3D-BFF95E2F4BA4}"/>
-              </a:ext>
-            </a:extLst>
-          </p:cNvPr>
-          <p:cNvSpPr>
-            <a:spLocks noGrp="1"/>
-          </p:cNvSpPr>
-          <p:nvPr>
-            <p:ph idx="1"/>
-          </p:nvPr>
-        </p:nvSpPr>
-        <p:spPr>
-          <a:xfrm>
-            <a:off x="6853084" y="1825624"/>
-            <a:ext cx="5161936" cy="5032375"/>
-          </a:xfrm>
-        </p:spPr>
-        <p:txBody>
-          <a:bodyPr/>
-          <a:lstStyle/>
-          <a:p>
-            <a:r>
-              <a:rPr lang="pt-BR" dirty="0"/>
-              <a:t>E daí se retivermos alguns dos dados? Não treine com todos os dados. Guarde alguns para validar se a rede neural está treinando bem. E tendo isso definido, podemos usá-lo para medir como ele se sai com dados não vistos.</a:t>
-            </a:r>
-          </a:p>
-        </p:txBody>
-      </p:sp>
-      <p:sp>
-        <p:nvSpPr>
-          <p:cNvPr id="4" name="Retângulo 3">
-            <a:extLst>
-              <a:ext uri="{FF2B5EF4-FFF2-40B4-BE49-F238E27FC236}">
-                <a16:creationId xmlns:a16="http://schemas.microsoft.com/office/drawing/2014/main" id="{070ACEEF-0F17-B82A-D62D-51E980D81E7E}"/>
-              </a:ext>
-            </a:extLst>
-          </p:cNvPr>
-          <p:cNvSpPr/>
-          <p:nvPr/>
-        </p:nvSpPr>
-        <p:spPr>
-          <a:xfrm>
-            <a:off x="98322" y="3084153"/>
-            <a:ext cx="6548284" cy="629264"/>
-          </a:xfrm>
-          <a:prstGeom prst="rect">
-            <a:avLst/>
-          </a:prstGeom>
-          <a:solidFill>
-            <a:schemeClr val="accent4">
-              <a:lumMod val="60000"/>
-              <a:lumOff val="40000"/>
-            </a:schemeClr>
-          </a:solidFill>
-        </p:spPr>
-        <p:style>
-          <a:lnRef idx="2">
-            <a:schemeClr val="accent4">
-              <a:shade val="15000"/>
-            </a:schemeClr>
-          </a:lnRef>
-          <a:fillRef idx="1">
-            <a:schemeClr val="accent4"/>
-          </a:fillRef>
-          <a:effectRef idx="0">
-            <a:schemeClr val="accent4"/>
-          </a:effectRef>
-          <a:fontRef idx="minor">
-            <a:schemeClr val="lt1"/>
-          </a:fontRef>
-        </p:style>
-        <p:txBody>
-          <a:bodyPr rtlCol="0" anchor="ctr"/>
-          <a:lstStyle/>
-          <a:p>
-            <a:pPr algn="ctr"/>
-            <a:r>
-              <a:rPr lang="pt-BR" b="1" dirty="0"/>
-              <a:t>Dados</a:t>
-            </a:r>
-          </a:p>
-        </p:txBody>
-      </p:sp>
-    </p:spTree>
-    <p:extLst>
-      <p:ext uri="{BB962C8B-B14F-4D97-AF65-F5344CB8AC3E}">
-        <p14:creationId xmlns:p14="http://schemas.microsoft.com/office/powerpoint/2010/main" val="3437626043"/>
-      </p:ext>
-    </p:extLst>
-  </p:cSld>
-  <p:clrMapOvr>
-    <a:masterClrMapping/>
-  </p:clrMapOvr>
-</p:sld>
-</file>
-
 <file path=ppt/slides/slide19.xml><?xml version="1.0" encoding="utf-8"?>
 <p:sld xmlns:a="http://schemas.openxmlformats.org/drawingml/2006/main" xmlns:r="http://schemas.openxmlformats.org/officeDocument/2006/relationships" xmlns:p="http://schemas.openxmlformats.org/presentationml/2006/main">
   <p:cSld>
@@ -8071,7 +10290,7 @@
           <p:cNvPr id="2" name="Título 1">
             <a:extLst>
               <a:ext uri="{FF2B5EF4-FFF2-40B4-BE49-F238E27FC236}">
-                <a16:creationId xmlns:a16="http://schemas.microsoft.com/office/drawing/2014/main" id="{9CD00B3E-85D7-8B25-6629-4A85FF36133A}"/>
+                <a16:creationId xmlns:a16="http://schemas.microsoft.com/office/drawing/2014/main" id="{8E0F6520-45D3-CB1E-DD88-F75930828487}"/>
               </a:ext>
             </a:extLst>
           </p:cNvPr>
@@ -8089,7 +10308,7 @@
           <a:p>
             <a:r>
               <a:rPr lang="pt-BR" dirty="0"/>
-              <a:t>Exemplo</a:t>
+              <a:t>Dividir para conquistar!</a:t>
             </a:r>
           </a:p>
         </p:txBody>
@@ -8099,7 +10318,7 @@
           <p:cNvPr id="3" name="Espaço Reservado para Conteúdo 2">
             <a:extLst>
               <a:ext uri="{FF2B5EF4-FFF2-40B4-BE49-F238E27FC236}">
-                <a16:creationId xmlns:a16="http://schemas.microsoft.com/office/drawing/2014/main" id="{9730104F-E6BA-B308-644A-11A7E4939EBD}"/>
+                <a16:creationId xmlns:a16="http://schemas.microsoft.com/office/drawing/2014/main" id="{1FF07388-B562-E5DD-2F3D-BFF95E2F4BA4}"/>
               </a:ext>
             </a:extLst>
           </p:cNvPr>
@@ -8112,353 +10331,253 @@
         </p:nvSpPr>
         <p:spPr>
           <a:xfrm>
-            <a:off x="838200" y="1825625"/>
-            <a:ext cx="11049000" cy="4351338"/>
+            <a:off x="6853084" y="1825624"/>
+            <a:ext cx="5161936" cy="5032375"/>
           </a:xfrm>
         </p:spPr>
         <p:txBody>
-          <a:bodyPr/>
+          <a:bodyPr>
+            <a:normAutofit/>
+          </a:bodyPr>
           <a:lstStyle/>
           <a:p>
             <a:r>
               <a:rPr lang="pt-BR" dirty="0"/>
-              <a:t>Exemplo: </a:t>
-            </a:r>
-          </a:p>
-        </p:txBody>
-      </p:sp>
-      <p:pic>
-        <p:nvPicPr>
-          <p:cNvPr id="2050" name="Picture 2" descr="TensorFlow">
-            <a:extLst>
-              <a:ext uri="{FF2B5EF4-FFF2-40B4-BE49-F238E27FC236}">
-                <a16:creationId xmlns:a16="http://schemas.microsoft.com/office/drawing/2014/main" id="{87B75C17-2A48-E33A-B66B-927CA792D831}"/>
-              </a:ext>
-            </a:extLst>
-          </p:cNvPr>
-          <p:cNvPicPr>
-            <a:picLocks noChangeAspect="1" noChangeArrowheads="1"/>
-          </p:cNvPicPr>
+              <a:t>E se dividirmos o conjunto total de exemplos em subconjuntos?</a:t>
+            </a:r>
+          </a:p>
+          <a:p>
+            <a:pPr lvl="1">
+              <a:buFont typeface="Wingdings" panose="05000000000000000000" pitchFamily="2" charset="2"/>
+              <a:buChar char="§"/>
+            </a:pPr>
+            <a:r>
+              <a:rPr lang="pt-BR" b="1" i="1" dirty="0">
+                <a:effectLst/>
+              </a:rPr>
+              <a:t>Conjunto de treinamento</a:t>
+            </a:r>
+          </a:p>
+          <a:p>
+            <a:pPr lvl="1">
+              <a:buFont typeface="Wingdings" panose="05000000000000000000" pitchFamily="2" charset="2"/>
+              <a:buChar char="§"/>
+            </a:pPr>
+            <a:r>
+              <a:rPr lang="pt-BR" b="1" i="1" dirty="0">
+                <a:effectLst/>
+              </a:rPr>
+              <a:t>Conjunto de validação</a:t>
+            </a:r>
+            <a:endParaRPr lang="pt-BR" b="1" i="1" dirty="0"/>
+          </a:p>
+          <a:p>
+            <a:pPr lvl="1">
+              <a:buFont typeface="Wingdings" panose="05000000000000000000" pitchFamily="2" charset="2"/>
+              <a:buChar char="§"/>
+            </a:pPr>
+            <a:r>
+              <a:rPr lang="pt-BR" b="1" i="1" dirty="0">
+                <a:effectLst/>
+              </a:rPr>
+              <a:t>Conjunto de teste</a:t>
+            </a:r>
+            <a:endParaRPr lang="pt-BR" dirty="0">
+              <a:effectLst/>
+            </a:endParaRPr>
+          </a:p>
+        </p:txBody>
+      </p:sp>
+      <p:grpSp>
+        <p:nvGrpSpPr>
+          <p:cNvPr id="8" name="Agrupar 7">
+            <a:extLst>
+              <a:ext uri="{FF2B5EF4-FFF2-40B4-BE49-F238E27FC236}">
+                <a16:creationId xmlns:a16="http://schemas.microsoft.com/office/drawing/2014/main" id="{1D3CCE0A-2911-037A-D8A8-8B58FDFE8164}"/>
+              </a:ext>
+            </a:extLst>
+          </p:cNvPr>
+          <p:cNvGrpSpPr/>
           <p:nvPr/>
-        </p:nvPicPr>
-        <p:blipFill>
-          <a:blip r:embed="rId3">
-            <a:extLst>
-              <a:ext uri="{28A0092B-C50C-407E-A947-70E740481C1C}">
-                <a14:useLocalDpi xmlns:a14="http://schemas.microsoft.com/office/drawing/2010/main" val="0"/>
-              </a:ext>
-            </a:extLst>
-          </a:blip>
-          <a:srcRect/>
-          <a:stretch>
-            <a:fillRect/>
-          </a:stretch>
-        </p:blipFill>
-        <p:spPr bwMode="auto">
-          <a:xfrm>
-            <a:off x="1939875" y="2923470"/>
-            <a:ext cx="4099479" cy="2305957"/>
-          </a:xfrm>
-          <a:prstGeom prst="rect">
-            <a:avLst/>
-          </a:prstGeom>
-          <a:noFill/>
-          <a:extLst>
-            <a:ext uri="{909E8E84-426E-40DD-AFC4-6F175D3DCCD1}">
-              <a14:hiddenFill xmlns:a14="http://schemas.microsoft.com/office/drawing/2010/main">
-                <a:solidFill>
-                  <a:srgbClr val="FFFFFF"/>
-                </a:solidFill>
-              </a14:hiddenFill>
-            </a:ext>
-          </a:extLst>
-        </p:spPr>
-      </p:pic>
-      <p:pic>
-        <p:nvPicPr>
-          <p:cNvPr id="2052" name="Picture 4" descr="Project Jupyter | Try Jupyter">
-            <a:extLst>
-              <a:ext uri="{FF2B5EF4-FFF2-40B4-BE49-F238E27FC236}">
-                <a16:creationId xmlns:a16="http://schemas.microsoft.com/office/drawing/2014/main" id="{FC70A9A5-A2C7-C005-C6C5-A9FF775654D9}"/>
-              </a:ext>
-            </a:extLst>
-          </p:cNvPr>
-          <p:cNvPicPr>
-            <a:picLocks noChangeAspect="1" noChangeArrowheads="1"/>
-          </p:cNvPicPr>
-          <p:nvPr/>
-        </p:nvPicPr>
-        <p:blipFill>
-          <a:blip r:embed="rId4">
-            <a:extLst>
-              <a:ext uri="{28A0092B-C50C-407E-A947-70E740481C1C}">
-                <a14:useLocalDpi xmlns:a14="http://schemas.microsoft.com/office/drawing/2010/main" val="0"/>
-              </a:ext>
-            </a:extLst>
-          </a:blip>
-          <a:srcRect/>
-          <a:stretch>
-            <a:fillRect/>
-          </a:stretch>
-        </p:blipFill>
-        <p:spPr bwMode="auto">
-          <a:xfrm>
-            <a:off x="5203370" y="3167764"/>
-            <a:ext cx="3461657" cy="1817370"/>
-          </a:xfrm>
-          <a:prstGeom prst="rect">
-            <a:avLst/>
-          </a:prstGeom>
-          <a:noFill/>
-          <a:extLst>
-            <a:ext uri="{909E8E84-426E-40DD-AFC4-6F175D3DCCD1}">
-              <a14:hiddenFill xmlns:a14="http://schemas.microsoft.com/office/drawing/2010/main">
-                <a:solidFill>
-                  <a:srgbClr val="FFFFFF"/>
-                </a:solidFill>
-              </a14:hiddenFill>
-            </a:ext>
-          </a:extLst>
-        </p:spPr>
-      </p:pic>
-      <p:pic>
-        <p:nvPicPr>
-          <p:cNvPr id="2056" name="Picture 8" descr="Google Colaboratory Colab - Guía Completa Español - Marketing Branding">
-            <a:extLst>
-              <a:ext uri="{FF2B5EF4-FFF2-40B4-BE49-F238E27FC236}">
-                <a16:creationId xmlns:a16="http://schemas.microsoft.com/office/drawing/2014/main" id="{8A007768-2032-FE11-22C9-9394A0EF02EF}"/>
-              </a:ext>
-            </a:extLst>
-          </p:cNvPr>
-          <p:cNvPicPr>
-            <a:picLocks noChangeAspect="1" noChangeArrowheads="1"/>
-          </p:cNvPicPr>
-          <p:nvPr/>
-        </p:nvPicPr>
-        <p:blipFill rotWithShape="1">
-          <a:blip r:embed="rId5">
-            <a:extLst>
-              <a:ext uri="{28A0092B-C50C-407E-A947-70E740481C1C}">
-                <a14:useLocalDpi xmlns:a14="http://schemas.microsoft.com/office/drawing/2010/main" val="0"/>
-              </a:ext>
-            </a:extLst>
-          </a:blip>
-          <a:srcRect l="5865" r="10641"/>
-          <a:stretch/>
-        </p:blipFill>
-        <p:spPr bwMode="auto">
-          <a:xfrm>
-            <a:off x="8665027" y="2746576"/>
-            <a:ext cx="3331071" cy="2659743"/>
-          </a:xfrm>
-          <a:prstGeom prst="rect">
-            <a:avLst/>
-          </a:prstGeom>
-          <a:noFill/>
-          <a:extLst>
-            <a:ext uri="{909E8E84-426E-40DD-AFC4-6F175D3DCCD1}">
-              <a14:hiddenFill xmlns:a14="http://schemas.microsoft.com/office/drawing/2010/main">
-                <a:solidFill>
-                  <a:srgbClr val="FFFFFF"/>
-                </a:solidFill>
-              </a14:hiddenFill>
-            </a:ext>
-          </a:extLst>
-        </p:spPr>
-      </p:pic>
-      <p:pic>
-        <p:nvPicPr>
-          <p:cNvPr id="2058" name="Picture 10" descr="IT12A01: FUNDAMENTALS OF PYTHON PROGRAMMING (SF) (SYNCHRONOUS E-LEARNING) -  NTUC LearningHub">
-            <a:extLst>
-              <a:ext uri="{FF2B5EF4-FFF2-40B4-BE49-F238E27FC236}">
-                <a16:creationId xmlns:a16="http://schemas.microsoft.com/office/drawing/2014/main" id="{80EDF8DB-E749-8471-3ACA-2FFE3006FC46}"/>
-              </a:ext>
-            </a:extLst>
-          </p:cNvPr>
-          <p:cNvPicPr>
-            <a:picLocks noChangeAspect="1" noChangeArrowheads="1"/>
-          </p:cNvPicPr>
-          <p:nvPr/>
-        </p:nvPicPr>
-        <p:blipFill rotWithShape="1">
-          <a:blip r:embed="rId6">
-            <a:extLst>
-              <a:ext uri="{28A0092B-C50C-407E-A947-70E740481C1C}">
-                <a14:useLocalDpi xmlns:a14="http://schemas.microsoft.com/office/drawing/2010/main" val="0"/>
-              </a:ext>
-            </a:extLst>
-          </a:blip>
-          <a:srcRect l="23319" r="20198"/>
-          <a:stretch/>
-        </p:blipFill>
-        <p:spPr bwMode="auto">
-          <a:xfrm>
-            <a:off x="304800" y="3167764"/>
-            <a:ext cx="1894114" cy="1877924"/>
-          </a:xfrm>
-          <a:prstGeom prst="rect">
-            <a:avLst/>
-          </a:prstGeom>
-          <a:noFill/>
-          <a:extLst>
-            <a:ext uri="{909E8E84-426E-40DD-AFC4-6F175D3DCCD1}">
-              <a14:hiddenFill xmlns:a14="http://schemas.microsoft.com/office/drawing/2010/main">
-                <a:solidFill>
-                  <a:srgbClr val="FFFFFF"/>
-                </a:solidFill>
-              </a14:hiddenFill>
-            </a:ext>
-          </a:extLst>
-        </p:spPr>
-      </p:pic>
-      <p:sp>
-        <p:nvSpPr>
-          <p:cNvPr id="8" name="Sinal de Adição 7">
-            <a:extLst>
-              <a:ext uri="{FF2B5EF4-FFF2-40B4-BE49-F238E27FC236}">
-                <a16:creationId xmlns:a16="http://schemas.microsoft.com/office/drawing/2014/main" id="{89317CF7-D83C-5980-45A9-863C64A2BE61}"/>
-              </a:ext>
-            </a:extLst>
-          </p:cNvPr>
-          <p:cNvSpPr>
-            <a:spLocks noChangeAspect="1"/>
-          </p:cNvSpPr>
-          <p:nvPr/>
-        </p:nvSpPr>
-        <p:spPr>
-          <a:xfrm>
-            <a:off x="2198914" y="3535968"/>
-            <a:ext cx="468000" cy="468000"/>
-          </a:xfrm>
-          <a:prstGeom prst="mathPlus">
-            <a:avLst/>
-          </a:prstGeom>
-        </p:spPr>
-        <p:style>
-          <a:lnRef idx="2">
-            <a:schemeClr val="accent1">
-              <a:shade val="15000"/>
-            </a:schemeClr>
-          </a:lnRef>
-          <a:fillRef idx="1">
-            <a:schemeClr val="accent1"/>
-          </a:fillRef>
-          <a:effectRef idx="0">
-            <a:schemeClr val="accent1"/>
-          </a:effectRef>
-          <a:fontRef idx="minor">
-            <a:schemeClr val="lt1"/>
-          </a:fontRef>
-        </p:style>
-        <p:txBody>
-          <a:bodyPr rtlCol="0" anchor="ctr"/>
-          <a:lstStyle/>
-          <a:p>
-            <a:pPr algn="ctr"/>
-            <a:endParaRPr lang="pt-BR"/>
-          </a:p>
-        </p:txBody>
-      </p:sp>
-      <p:sp>
-        <p:nvSpPr>
-          <p:cNvPr id="10" name="Sinal de Adição 9">
-            <a:extLst>
-              <a:ext uri="{FF2B5EF4-FFF2-40B4-BE49-F238E27FC236}">
-                <a16:creationId xmlns:a16="http://schemas.microsoft.com/office/drawing/2014/main" id="{C6DC4B29-EABA-20F7-BB46-C33BEC93E2DD}"/>
-              </a:ext>
-            </a:extLst>
-          </p:cNvPr>
-          <p:cNvSpPr>
-            <a:spLocks noChangeAspect="1"/>
-          </p:cNvSpPr>
-          <p:nvPr/>
-        </p:nvSpPr>
-        <p:spPr>
-          <a:xfrm>
-            <a:off x="5279613" y="3535968"/>
-            <a:ext cx="468000" cy="468000"/>
-          </a:xfrm>
-          <a:prstGeom prst="mathPlus">
-            <a:avLst/>
-          </a:prstGeom>
-        </p:spPr>
-        <p:style>
-          <a:lnRef idx="2">
-            <a:schemeClr val="accent1">
-              <a:shade val="15000"/>
-            </a:schemeClr>
-          </a:lnRef>
-          <a:fillRef idx="1">
-            <a:schemeClr val="accent1"/>
-          </a:fillRef>
-          <a:effectRef idx="0">
-            <a:schemeClr val="accent1"/>
-          </a:effectRef>
-          <a:fontRef idx="minor">
-            <a:schemeClr val="lt1"/>
-          </a:fontRef>
-        </p:style>
-        <p:txBody>
-          <a:bodyPr rtlCol="0" anchor="ctr"/>
-          <a:lstStyle/>
-          <a:p>
-            <a:pPr algn="ctr"/>
-            <a:endParaRPr lang="pt-BR"/>
-          </a:p>
-        </p:txBody>
-      </p:sp>
-      <p:sp>
-        <p:nvSpPr>
-          <p:cNvPr id="11" name="Sinal de Adição 10">
-            <a:extLst>
-              <a:ext uri="{FF2B5EF4-FFF2-40B4-BE49-F238E27FC236}">
-                <a16:creationId xmlns:a16="http://schemas.microsoft.com/office/drawing/2014/main" id="{FF65B64B-136B-DCC4-8A01-509D3D5CD19F}"/>
-              </a:ext>
-            </a:extLst>
-          </p:cNvPr>
-          <p:cNvSpPr>
-            <a:spLocks noChangeAspect="1"/>
-          </p:cNvSpPr>
-          <p:nvPr/>
-        </p:nvSpPr>
-        <p:spPr>
-          <a:xfrm>
-            <a:off x="7968386" y="3533294"/>
-            <a:ext cx="468000" cy="468000"/>
-          </a:xfrm>
-          <a:prstGeom prst="mathPlus">
-            <a:avLst/>
-          </a:prstGeom>
-        </p:spPr>
-        <p:style>
-          <a:lnRef idx="2">
-            <a:schemeClr val="accent1">
-              <a:shade val="15000"/>
-            </a:schemeClr>
-          </a:lnRef>
-          <a:fillRef idx="1">
-            <a:schemeClr val="accent1"/>
-          </a:fillRef>
-          <a:effectRef idx="0">
-            <a:schemeClr val="accent1"/>
-          </a:effectRef>
-          <a:fontRef idx="minor">
-            <a:schemeClr val="lt1"/>
-          </a:fontRef>
-        </p:style>
-        <p:txBody>
-          <a:bodyPr rtlCol="0" anchor="ctr"/>
-          <a:lstStyle/>
-          <a:p>
-            <a:pPr algn="ctr"/>
-            <a:endParaRPr lang="pt-BR"/>
-          </a:p>
-        </p:txBody>
-      </p:sp>
+        </p:nvGrpSpPr>
+        <p:grpSpPr>
+          <a:xfrm>
+            <a:off x="78656" y="2719489"/>
+            <a:ext cx="6548285" cy="629264"/>
+            <a:chOff x="98321" y="4027179"/>
+            <a:chExt cx="6548285" cy="629264"/>
+          </a:xfrm>
+        </p:grpSpPr>
+        <p:sp>
+          <p:nvSpPr>
+            <p:cNvPr id="5" name="Retângulo 4">
+              <a:extLst>
+                <a:ext uri="{FF2B5EF4-FFF2-40B4-BE49-F238E27FC236}">
+                  <a16:creationId xmlns:a16="http://schemas.microsoft.com/office/drawing/2014/main" id="{74695352-AA0B-095F-460A-BB9FCC8530C0}"/>
+                </a:ext>
+              </a:extLst>
+            </p:cNvPr>
+            <p:cNvSpPr/>
+            <p:nvPr/>
+          </p:nvSpPr>
+          <p:spPr>
+            <a:xfrm>
+              <a:off x="98321" y="4027179"/>
+              <a:ext cx="4267203" cy="629264"/>
+            </a:xfrm>
+            <a:prstGeom prst="rect">
+              <a:avLst/>
+            </a:prstGeom>
+            <a:solidFill>
+              <a:schemeClr val="accent4">
+                <a:lumMod val="60000"/>
+                <a:lumOff val="40000"/>
+              </a:schemeClr>
+            </a:solidFill>
+          </p:spPr>
+          <p:style>
+            <a:lnRef idx="2">
+              <a:schemeClr val="accent4">
+                <a:shade val="15000"/>
+              </a:schemeClr>
+            </a:lnRef>
+            <a:fillRef idx="1">
+              <a:schemeClr val="accent4"/>
+            </a:fillRef>
+            <a:effectRef idx="0">
+              <a:schemeClr val="accent4"/>
+            </a:effectRef>
+            <a:fontRef idx="minor">
+              <a:schemeClr val="lt1"/>
+            </a:fontRef>
+          </p:style>
+          <p:txBody>
+            <a:bodyPr rtlCol="0" anchor="ctr"/>
+            <a:lstStyle/>
+            <a:p>
+              <a:pPr algn="ctr"/>
+              <a:r>
+                <a:rPr lang="pt-BR" b="1" dirty="0"/>
+                <a:t>Treinamento</a:t>
+              </a:r>
+            </a:p>
+          </p:txBody>
+        </p:sp>
+        <p:sp>
+          <p:nvSpPr>
+            <p:cNvPr id="6" name="Retângulo 5">
+              <a:extLst>
+                <a:ext uri="{FF2B5EF4-FFF2-40B4-BE49-F238E27FC236}">
+                  <a16:creationId xmlns:a16="http://schemas.microsoft.com/office/drawing/2014/main" id="{EA450083-62C5-B841-123D-A9EE9ABF26E4}"/>
+                </a:ext>
+              </a:extLst>
+            </p:cNvPr>
+            <p:cNvSpPr/>
+            <p:nvPr/>
+          </p:nvSpPr>
+          <p:spPr>
+            <a:xfrm>
+              <a:off x="5506066" y="4027179"/>
+              <a:ext cx="1140540" cy="629264"/>
+            </a:xfrm>
+            <a:prstGeom prst="rect">
+              <a:avLst/>
+            </a:prstGeom>
+            <a:solidFill>
+              <a:schemeClr val="accent5">
+                <a:lumMod val="60000"/>
+                <a:lumOff val="40000"/>
+              </a:schemeClr>
+            </a:solidFill>
+          </p:spPr>
+          <p:style>
+            <a:lnRef idx="2">
+              <a:schemeClr val="accent4">
+                <a:shade val="15000"/>
+              </a:schemeClr>
+            </a:lnRef>
+            <a:fillRef idx="1">
+              <a:schemeClr val="accent4"/>
+            </a:fillRef>
+            <a:effectRef idx="0">
+              <a:schemeClr val="accent4"/>
+            </a:effectRef>
+            <a:fontRef idx="minor">
+              <a:schemeClr val="lt1"/>
+            </a:fontRef>
+          </p:style>
+          <p:txBody>
+            <a:bodyPr rtlCol="0" anchor="ctr"/>
+            <a:lstStyle/>
+            <a:p>
+              <a:pPr algn="ctr"/>
+              <a:r>
+                <a:rPr lang="pt-BR" b="1" dirty="0"/>
+                <a:t>Teste</a:t>
+              </a:r>
+            </a:p>
+          </p:txBody>
+        </p:sp>
+        <p:sp>
+          <p:nvSpPr>
+            <p:cNvPr id="7" name="Retângulo 6">
+              <a:extLst>
+                <a:ext uri="{FF2B5EF4-FFF2-40B4-BE49-F238E27FC236}">
+                  <a16:creationId xmlns:a16="http://schemas.microsoft.com/office/drawing/2014/main" id="{45AB0AF8-615D-0889-3527-10EC78D8E2B7}"/>
+                </a:ext>
+              </a:extLst>
+            </p:cNvPr>
+            <p:cNvSpPr/>
+            <p:nvPr/>
+          </p:nvSpPr>
+          <p:spPr>
+            <a:xfrm>
+              <a:off x="4365525" y="4027179"/>
+              <a:ext cx="1140541" cy="629264"/>
+            </a:xfrm>
+            <a:prstGeom prst="rect">
+              <a:avLst/>
+            </a:prstGeom>
+            <a:solidFill>
+              <a:schemeClr val="accent2">
+                <a:lumMod val="60000"/>
+                <a:lumOff val="40000"/>
+              </a:schemeClr>
+            </a:solidFill>
+          </p:spPr>
+          <p:style>
+            <a:lnRef idx="2">
+              <a:schemeClr val="accent4">
+                <a:shade val="15000"/>
+              </a:schemeClr>
+            </a:lnRef>
+            <a:fillRef idx="1">
+              <a:schemeClr val="accent4"/>
+            </a:fillRef>
+            <a:effectRef idx="0">
+              <a:schemeClr val="accent4"/>
+            </a:effectRef>
+            <a:fontRef idx="minor">
+              <a:schemeClr val="lt1"/>
+            </a:fontRef>
+          </p:style>
+          <p:txBody>
+            <a:bodyPr rtlCol="0" anchor="ctr"/>
+            <a:lstStyle/>
+            <a:p>
+              <a:pPr algn="ctr"/>
+              <a:r>
+                <a:rPr lang="pt-BR" b="1" dirty="0"/>
+                <a:t>Validação</a:t>
+              </a:r>
+            </a:p>
+          </p:txBody>
+        </p:sp>
+      </p:grpSp>
     </p:spTree>
     <p:extLst>
       <p:ext uri="{BB962C8B-B14F-4D97-AF65-F5344CB8AC3E}">
-        <p14:creationId xmlns:p14="http://schemas.microsoft.com/office/powerpoint/2010/main" val="94961935"/>
+        <p14:creationId xmlns:p14="http://schemas.microsoft.com/office/powerpoint/2010/main" val="3437626043"/>
       </p:ext>
     </p:extLst>
   </p:cSld>
@@ -8601,7 +10720,7 @@
           <p:cNvPr id="2" name="Título 1">
             <a:extLst>
               <a:ext uri="{FF2B5EF4-FFF2-40B4-BE49-F238E27FC236}">
-                <a16:creationId xmlns:a16="http://schemas.microsoft.com/office/drawing/2014/main" id="{2755BD9F-A5F9-C006-2D60-3988AFB742AA}"/>
+                <a16:creationId xmlns:a16="http://schemas.microsoft.com/office/drawing/2014/main" id="{8E0F6520-45D3-CB1E-DD88-F75930828487}"/>
               </a:ext>
             </a:extLst>
           </p:cNvPr>
@@ -8619,7 +10738,7 @@
           <a:p>
             <a:r>
               <a:rPr lang="pt-BR" dirty="0"/>
-              <a:t>Atividades</a:t>
+              <a:t>Dividir para conquistar!</a:t>
             </a:r>
           </a:p>
         </p:txBody>
@@ -8629,7 +10748,7 @@
           <p:cNvPr id="3" name="Espaço Reservado para Conteúdo 2">
             <a:extLst>
               <a:ext uri="{FF2B5EF4-FFF2-40B4-BE49-F238E27FC236}">
-                <a16:creationId xmlns:a16="http://schemas.microsoft.com/office/drawing/2014/main" id="{DE398648-3AD3-9986-3010-6210876DC9B1}"/>
+                <a16:creationId xmlns:a16="http://schemas.microsoft.com/office/drawing/2014/main" id="{1FF07388-B562-E5DD-2F3D-BFF95E2F4BA4}"/>
               </a:ext>
             </a:extLst>
           </p:cNvPr>
@@ -8640,40 +10759,248 @@
             <p:ph idx="1"/>
           </p:nvPr>
         </p:nvSpPr>
-        <p:spPr/>
-        <p:txBody>
-          <a:bodyPr/>
-          <a:lstStyle/>
+        <p:spPr>
+          <a:xfrm>
+            <a:off x="6853084" y="1825624"/>
+            <a:ext cx="5161936" cy="5032375"/>
+          </a:xfrm>
+        </p:spPr>
+        <p:txBody>
+          <a:bodyPr>
+            <a:normAutofit/>
+          </a:bodyPr>
+          <a:lstStyle/>
+          <a:p>
+            <a:r>
+              <a:rPr lang="pt-BR" b="1" i="1" dirty="0">
+                <a:effectLst/>
+              </a:rPr>
+              <a:t>Conjunto de treinamento</a:t>
+            </a:r>
+            <a:r>
+              <a:rPr lang="pt-BR" dirty="0">
+                <a:effectLst/>
+              </a:rPr>
+              <a:t>: usado para ajustar os parâmetros (i.e., pesos) do modelo.</a:t>
+            </a:r>
+          </a:p>
           <a:p>
             <a:r>
               <a:rPr lang="pt-BR" dirty="0"/>
-              <a:t>Quiz: “</a:t>
-            </a:r>
+              <a:t>É o maior dos três subconjuntos.</a:t>
+            </a:r>
+            <a:endParaRPr lang="pt-BR" dirty="0">
+              <a:effectLst/>
+            </a:endParaRPr>
+          </a:p>
+          <a:p>
             <a:r>
               <a:rPr lang="pt-BR" b="1" i="1" dirty="0"/>
-              <a:t>TP557 - </a:t>
-            </a:r>
-            <a:r>
-              <a:rPr lang="pt-BR" b="1" i="1" dirty="0" err="1"/>
-              <a:t>Datasets</a:t>
+              <a:t>Tamanho do subconjunto</a:t>
             </a:r>
             <a:r>
               <a:rPr lang="pt-BR" dirty="0"/>
-              <a:t>”.</a:t>
-            </a:r>
-          </a:p>
-          <a:p>
-            <a:r>
-              <a:rPr lang="pt-BR" dirty="0"/>
-              <a:t>Exercício:</a:t>
-            </a:r>
-          </a:p>
-        </p:txBody>
-      </p:sp>
+              <a:t>: </a:t>
+            </a:r>
+            <a:r>
+              <a:rPr lang="pt-BR" dirty="0">
+                <a:effectLst/>
+              </a:rPr>
+              <a:t>70% a 80% do total.</a:t>
+            </a:r>
+          </a:p>
+        </p:txBody>
+      </p:sp>
+      <p:grpSp>
+        <p:nvGrpSpPr>
+          <p:cNvPr id="8" name="Agrupar 7">
+            <a:extLst>
+              <a:ext uri="{FF2B5EF4-FFF2-40B4-BE49-F238E27FC236}">
+                <a16:creationId xmlns:a16="http://schemas.microsoft.com/office/drawing/2014/main" id="{1D3CCE0A-2911-037A-D8A8-8B58FDFE8164}"/>
+              </a:ext>
+            </a:extLst>
+          </p:cNvPr>
+          <p:cNvGrpSpPr/>
+          <p:nvPr/>
+        </p:nvGrpSpPr>
+        <p:grpSpPr>
+          <a:xfrm>
+            <a:off x="78656" y="2719489"/>
+            <a:ext cx="6548285" cy="629264"/>
+            <a:chOff x="98321" y="4027179"/>
+            <a:chExt cx="6548285" cy="629264"/>
+          </a:xfrm>
+        </p:grpSpPr>
+        <p:sp>
+          <p:nvSpPr>
+            <p:cNvPr id="5" name="Retângulo 4">
+              <a:extLst>
+                <a:ext uri="{FF2B5EF4-FFF2-40B4-BE49-F238E27FC236}">
+                  <a16:creationId xmlns:a16="http://schemas.microsoft.com/office/drawing/2014/main" id="{74695352-AA0B-095F-460A-BB9FCC8530C0}"/>
+                </a:ext>
+              </a:extLst>
+            </p:cNvPr>
+            <p:cNvSpPr/>
+            <p:nvPr/>
+          </p:nvSpPr>
+          <p:spPr>
+            <a:xfrm>
+              <a:off x="98321" y="4027179"/>
+              <a:ext cx="4267203" cy="629264"/>
+            </a:xfrm>
+            <a:prstGeom prst="rect">
+              <a:avLst/>
+            </a:prstGeom>
+            <a:solidFill>
+              <a:schemeClr val="accent4">
+                <a:lumMod val="60000"/>
+                <a:lumOff val="40000"/>
+              </a:schemeClr>
+            </a:solidFill>
+          </p:spPr>
+          <p:style>
+            <a:lnRef idx="2">
+              <a:schemeClr val="accent4">
+                <a:shade val="15000"/>
+              </a:schemeClr>
+            </a:lnRef>
+            <a:fillRef idx="1">
+              <a:schemeClr val="accent4"/>
+            </a:fillRef>
+            <a:effectRef idx="0">
+              <a:schemeClr val="accent4"/>
+            </a:effectRef>
+            <a:fontRef idx="minor">
+              <a:schemeClr val="lt1"/>
+            </a:fontRef>
+          </p:style>
+          <p:txBody>
+            <a:bodyPr rtlCol="0" anchor="ctr"/>
+            <a:lstStyle/>
+            <a:p>
+              <a:pPr algn="ctr"/>
+              <a:r>
+                <a:rPr lang="pt-BR" b="1" dirty="0"/>
+                <a:t>Treinamento</a:t>
+              </a:r>
+            </a:p>
+          </p:txBody>
+        </p:sp>
+        <p:sp>
+          <p:nvSpPr>
+            <p:cNvPr id="6" name="Retângulo 5">
+              <a:extLst>
+                <a:ext uri="{FF2B5EF4-FFF2-40B4-BE49-F238E27FC236}">
+                  <a16:creationId xmlns:a16="http://schemas.microsoft.com/office/drawing/2014/main" id="{EA450083-62C5-B841-123D-A9EE9ABF26E4}"/>
+                </a:ext>
+              </a:extLst>
+            </p:cNvPr>
+            <p:cNvSpPr/>
+            <p:nvPr/>
+          </p:nvSpPr>
+          <p:spPr>
+            <a:xfrm>
+              <a:off x="5506066" y="4027179"/>
+              <a:ext cx="1140540" cy="629264"/>
+            </a:xfrm>
+            <a:prstGeom prst="rect">
+              <a:avLst/>
+            </a:prstGeom>
+            <a:solidFill>
+              <a:schemeClr val="accent5">
+                <a:lumMod val="60000"/>
+                <a:lumOff val="40000"/>
+              </a:schemeClr>
+            </a:solidFill>
+          </p:spPr>
+          <p:style>
+            <a:lnRef idx="2">
+              <a:schemeClr val="accent4">
+                <a:shade val="15000"/>
+              </a:schemeClr>
+            </a:lnRef>
+            <a:fillRef idx="1">
+              <a:schemeClr val="accent4"/>
+            </a:fillRef>
+            <a:effectRef idx="0">
+              <a:schemeClr val="accent4"/>
+            </a:effectRef>
+            <a:fontRef idx="minor">
+              <a:schemeClr val="lt1"/>
+            </a:fontRef>
+          </p:style>
+          <p:txBody>
+            <a:bodyPr rtlCol="0" anchor="ctr"/>
+            <a:lstStyle/>
+            <a:p>
+              <a:pPr algn="ctr"/>
+              <a:r>
+                <a:rPr lang="pt-BR" b="1" dirty="0"/>
+                <a:t>Teste</a:t>
+              </a:r>
+            </a:p>
+          </p:txBody>
+        </p:sp>
+        <p:sp>
+          <p:nvSpPr>
+            <p:cNvPr id="7" name="Retângulo 6">
+              <a:extLst>
+                <a:ext uri="{FF2B5EF4-FFF2-40B4-BE49-F238E27FC236}">
+                  <a16:creationId xmlns:a16="http://schemas.microsoft.com/office/drawing/2014/main" id="{45AB0AF8-615D-0889-3527-10EC78D8E2B7}"/>
+                </a:ext>
+              </a:extLst>
+            </p:cNvPr>
+            <p:cNvSpPr/>
+            <p:nvPr/>
+          </p:nvSpPr>
+          <p:spPr>
+            <a:xfrm>
+              <a:off x="4365525" y="4027179"/>
+              <a:ext cx="1140541" cy="629264"/>
+            </a:xfrm>
+            <a:prstGeom prst="rect">
+              <a:avLst/>
+            </a:prstGeom>
+            <a:solidFill>
+              <a:schemeClr val="accent2">
+                <a:lumMod val="60000"/>
+                <a:lumOff val="40000"/>
+              </a:schemeClr>
+            </a:solidFill>
+          </p:spPr>
+          <p:style>
+            <a:lnRef idx="2">
+              <a:schemeClr val="accent4">
+                <a:shade val="15000"/>
+              </a:schemeClr>
+            </a:lnRef>
+            <a:fillRef idx="1">
+              <a:schemeClr val="accent4"/>
+            </a:fillRef>
+            <a:effectRef idx="0">
+              <a:schemeClr val="accent4"/>
+            </a:effectRef>
+            <a:fontRef idx="minor">
+              <a:schemeClr val="lt1"/>
+            </a:fontRef>
+          </p:style>
+          <p:txBody>
+            <a:bodyPr rtlCol="0" anchor="ctr"/>
+            <a:lstStyle/>
+            <a:p>
+              <a:pPr algn="ctr"/>
+              <a:r>
+                <a:rPr lang="pt-BR" b="1" dirty="0"/>
+                <a:t>Validação</a:t>
+              </a:r>
+            </a:p>
+          </p:txBody>
+        </p:sp>
+      </p:grpSp>
     </p:spTree>
     <p:extLst>
       <p:ext uri="{BB962C8B-B14F-4D97-AF65-F5344CB8AC3E}">
-        <p14:creationId xmlns:p14="http://schemas.microsoft.com/office/powerpoint/2010/main" val="2918520294"/>
+        <p14:creationId xmlns:p14="http://schemas.microsoft.com/office/powerpoint/2010/main" val="4088946662"/>
       </p:ext>
     </p:extLst>
   </p:cSld>
@@ -8702,6 +11029,1279 @@
       </p:grpSpPr>
       <p:sp>
         <p:nvSpPr>
+          <p:cNvPr id="2" name="Título 1">
+            <a:extLst>
+              <a:ext uri="{FF2B5EF4-FFF2-40B4-BE49-F238E27FC236}">
+                <a16:creationId xmlns:a16="http://schemas.microsoft.com/office/drawing/2014/main" id="{8E0F6520-45D3-CB1E-DD88-F75930828487}"/>
+              </a:ext>
+            </a:extLst>
+          </p:cNvPr>
+          <p:cNvSpPr>
+            <a:spLocks noGrp="1"/>
+          </p:cNvSpPr>
+          <p:nvPr>
+            <p:ph type="title"/>
+          </p:nvPr>
+        </p:nvSpPr>
+        <p:spPr/>
+        <p:txBody>
+          <a:bodyPr/>
+          <a:lstStyle/>
+          <a:p>
+            <a:r>
+              <a:rPr lang="pt-BR" dirty="0"/>
+              <a:t>Dividir para conquistar!</a:t>
+            </a:r>
+          </a:p>
+        </p:txBody>
+      </p:sp>
+      <p:sp>
+        <p:nvSpPr>
+          <p:cNvPr id="3" name="Espaço Reservado para Conteúdo 2">
+            <a:extLst>
+              <a:ext uri="{FF2B5EF4-FFF2-40B4-BE49-F238E27FC236}">
+                <a16:creationId xmlns:a16="http://schemas.microsoft.com/office/drawing/2014/main" id="{1FF07388-B562-E5DD-2F3D-BFF95E2F4BA4}"/>
+              </a:ext>
+            </a:extLst>
+          </p:cNvPr>
+          <p:cNvSpPr>
+            <a:spLocks noGrp="1"/>
+          </p:cNvSpPr>
+          <p:nvPr>
+            <p:ph idx="1"/>
+          </p:nvPr>
+        </p:nvSpPr>
+        <p:spPr>
+          <a:xfrm>
+            <a:off x="6882580" y="1825624"/>
+            <a:ext cx="5211097" cy="5032375"/>
+          </a:xfrm>
+        </p:spPr>
+        <p:txBody>
+          <a:bodyPr>
+            <a:normAutofit lnSpcReduction="10000"/>
+          </a:bodyPr>
+          <a:lstStyle/>
+          <a:p>
+            <a:r>
+              <a:rPr lang="pt-BR" b="1" i="1" dirty="0"/>
+              <a:t>Conjunto de validação</a:t>
+            </a:r>
+            <a:r>
+              <a:rPr lang="pt-BR" dirty="0"/>
+              <a:t>: </a:t>
+            </a:r>
+            <a:r>
+              <a:rPr lang="pt-BR" b="0" i="0" dirty="0">
+                <a:effectLst/>
+              </a:rPr>
+              <a:t>usado para ajustar os hiperparâmetros do modelo (e.g., número de camadas e de nós, otimizador, função de ativação, etc.).</a:t>
+            </a:r>
+          </a:p>
+          <a:p>
+            <a:pPr lvl="1">
+              <a:buFont typeface="Wingdings" panose="05000000000000000000" pitchFamily="2" charset="2"/>
+              <a:buChar char="§"/>
+            </a:pPr>
+            <a:r>
+              <a:rPr lang="pt-BR" b="1" i="0" dirty="0">
+                <a:effectLst/>
+              </a:rPr>
+              <a:t>Hiperparâmetros</a:t>
+            </a:r>
+            <a:r>
+              <a:rPr lang="pt-BR" b="0" i="0" dirty="0">
+                <a:effectLst/>
+              </a:rPr>
+              <a:t>: parâmetros que não são aprendidos durante o treinamento do modelo, mas que influenciam </a:t>
+            </a:r>
+            <a:r>
+              <a:rPr lang="pt-BR" dirty="0"/>
+              <a:t>seu</a:t>
+            </a:r>
+            <a:r>
+              <a:rPr lang="pt-BR" b="0" i="0" dirty="0">
+                <a:effectLst/>
+              </a:rPr>
+              <a:t> aprendizado</a:t>
+            </a:r>
+            <a:endParaRPr lang="pt-BR" dirty="0"/>
+          </a:p>
+          <a:p>
+            <a:r>
+              <a:rPr lang="pt-BR" b="1" i="1" dirty="0"/>
+              <a:t>Tamanho do subconjunto</a:t>
+            </a:r>
+            <a:r>
+              <a:rPr lang="pt-BR" dirty="0"/>
+              <a:t>: 10</a:t>
+            </a:r>
+            <a:r>
+              <a:rPr lang="pt-BR" dirty="0">
+                <a:effectLst/>
+              </a:rPr>
+              <a:t>% a 15% do total.</a:t>
+            </a:r>
+            <a:endParaRPr lang="pt-BR" b="0" i="0" dirty="0">
+              <a:effectLst/>
+            </a:endParaRPr>
+          </a:p>
+          <a:p>
+            <a:r>
+              <a:rPr lang="pt-BR" b="0" i="0" dirty="0">
+                <a:effectLst/>
+              </a:rPr>
+              <a:t>A validação é importante para evitar o sobreajuste.</a:t>
+            </a:r>
+            <a:endParaRPr lang="pt-BR" dirty="0"/>
+          </a:p>
+        </p:txBody>
+      </p:sp>
+      <p:grpSp>
+        <p:nvGrpSpPr>
+          <p:cNvPr id="5" name="Agrupar 4">
+            <a:extLst>
+              <a:ext uri="{FF2B5EF4-FFF2-40B4-BE49-F238E27FC236}">
+                <a16:creationId xmlns:a16="http://schemas.microsoft.com/office/drawing/2014/main" id="{9A13FA45-B0E6-AD00-6A7C-3B7A72CF3284}"/>
+              </a:ext>
+            </a:extLst>
+          </p:cNvPr>
+          <p:cNvGrpSpPr/>
+          <p:nvPr/>
+        </p:nvGrpSpPr>
+        <p:grpSpPr>
+          <a:xfrm>
+            <a:off x="98322" y="3201269"/>
+            <a:ext cx="6548285" cy="629264"/>
+            <a:chOff x="98321" y="4027179"/>
+            <a:chExt cx="6548285" cy="629264"/>
+          </a:xfrm>
+        </p:grpSpPr>
+        <p:sp>
+          <p:nvSpPr>
+            <p:cNvPr id="6" name="Retângulo 5">
+              <a:extLst>
+                <a:ext uri="{FF2B5EF4-FFF2-40B4-BE49-F238E27FC236}">
+                  <a16:creationId xmlns:a16="http://schemas.microsoft.com/office/drawing/2014/main" id="{2CABB89E-8D63-A583-F90D-EA6B801B7D70}"/>
+                </a:ext>
+              </a:extLst>
+            </p:cNvPr>
+            <p:cNvSpPr/>
+            <p:nvPr/>
+          </p:nvSpPr>
+          <p:spPr>
+            <a:xfrm>
+              <a:off x="98321" y="4027179"/>
+              <a:ext cx="4267203" cy="629264"/>
+            </a:xfrm>
+            <a:prstGeom prst="rect">
+              <a:avLst/>
+            </a:prstGeom>
+            <a:solidFill>
+              <a:schemeClr val="accent4">
+                <a:lumMod val="60000"/>
+                <a:lumOff val="40000"/>
+              </a:schemeClr>
+            </a:solidFill>
+          </p:spPr>
+          <p:style>
+            <a:lnRef idx="2">
+              <a:schemeClr val="accent4">
+                <a:shade val="15000"/>
+              </a:schemeClr>
+            </a:lnRef>
+            <a:fillRef idx="1">
+              <a:schemeClr val="accent4"/>
+            </a:fillRef>
+            <a:effectRef idx="0">
+              <a:schemeClr val="accent4"/>
+            </a:effectRef>
+            <a:fontRef idx="minor">
+              <a:schemeClr val="lt1"/>
+            </a:fontRef>
+          </p:style>
+          <p:txBody>
+            <a:bodyPr rtlCol="0" anchor="ctr"/>
+            <a:lstStyle/>
+            <a:p>
+              <a:pPr algn="ctr"/>
+              <a:r>
+                <a:rPr lang="pt-BR" b="1" dirty="0"/>
+                <a:t>Treinamento</a:t>
+              </a:r>
+            </a:p>
+          </p:txBody>
+        </p:sp>
+        <p:sp>
+          <p:nvSpPr>
+            <p:cNvPr id="7" name="Retângulo 6">
+              <a:extLst>
+                <a:ext uri="{FF2B5EF4-FFF2-40B4-BE49-F238E27FC236}">
+                  <a16:creationId xmlns:a16="http://schemas.microsoft.com/office/drawing/2014/main" id="{3E1BB6F9-27F1-10EE-8556-D1E271B783E0}"/>
+                </a:ext>
+              </a:extLst>
+            </p:cNvPr>
+            <p:cNvSpPr/>
+            <p:nvPr/>
+          </p:nvSpPr>
+          <p:spPr>
+            <a:xfrm>
+              <a:off x="5506066" y="4027179"/>
+              <a:ext cx="1140540" cy="629264"/>
+            </a:xfrm>
+            <a:prstGeom prst="rect">
+              <a:avLst/>
+            </a:prstGeom>
+            <a:solidFill>
+              <a:schemeClr val="accent5">
+                <a:lumMod val="60000"/>
+                <a:lumOff val="40000"/>
+              </a:schemeClr>
+            </a:solidFill>
+          </p:spPr>
+          <p:style>
+            <a:lnRef idx="2">
+              <a:schemeClr val="accent4">
+                <a:shade val="15000"/>
+              </a:schemeClr>
+            </a:lnRef>
+            <a:fillRef idx="1">
+              <a:schemeClr val="accent4"/>
+            </a:fillRef>
+            <a:effectRef idx="0">
+              <a:schemeClr val="accent4"/>
+            </a:effectRef>
+            <a:fontRef idx="minor">
+              <a:schemeClr val="lt1"/>
+            </a:fontRef>
+          </p:style>
+          <p:txBody>
+            <a:bodyPr rtlCol="0" anchor="ctr"/>
+            <a:lstStyle/>
+            <a:p>
+              <a:pPr algn="ctr"/>
+              <a:r>
+                <a:rPr lang="pt-BR" b="1" dirty="0"/>
+                <a:t>Teste</a:t>
+              </a:r>
+            </a:p>
+          </p:txBody>
+        </p:sp>
+        <p:sp>
+          <p:nvSpPr>
+            <p:cNvPr id="8" name="Retângulo 7">
+              <a:extLst>
+                <a:ext uri="{FF2B5EF4-FFF2-40B4-BE49-F238E27FC236}">
+                  <a16:creationId xmlns:a16="http://schemas.microsoft.com/office/drawing/2014/main" id="{C8333017-6A08-0EFC-DB6C-05BBC6B5F1A6}"/>
+                </a:ext>
+              </a:extLst>
+            </p:cNvPr>
+            <p:cNvSpPr/>
+            <p:nvPr/>
+          </p:nvSpPr>
+          <p:spPr>
+            <a:xfrm>
+              <a:off x="4365525" y="4027179"/>
+              <a:ext cx="1140541" cy="629264"/>
+            </a:xfrm>
+            <a:prstGeom prst="rect">
+              <a:avLst/>
+            </a:prstGeom>
+            <a:solidFill>
+              <a:schemeClr val="accent2">
+                <a:lumMod val="60000"/>
+                <a:lumOff val="40000"/>
+              </a:schemeClr>
+            </a:solidFill>
+          </p:spPr>
+          <p:style>
+            <a:lnRef idx="2">
+              <a:schemeClr val="accent4">
+                <a:shade val="15000"/>
+              </a:schemeClr>
+            </a:lnRef>
+            <a:fillRef idx="1">
+              <a:schemeClr val="accent4"/>
+            </a:fillRef>
+            <a:effectRef idx="0">
+              <a:schemeClr val="accent4"/>
+            </a:effectRef>
+            <a:fontRef idx="minor">
+              <a:schemeClr val="lt1"/>
+            </a:fontRef>
+          </p:style>
+          <p:txBody>
+            <a:bodyPr rtlCol="0" anchor="ctr"/>
+            <a:lstStyle/>
+            <a:p>
+              <a:pPr algn="ctr"/>
+              <a:r>
+                <a:rPr lang="pt-BR" b="1" dirty="0"/>
+                <a:t>Validação</a:t>
+              </a:r>
+            </a:p>
+          </p:txBody>
+        </p:sp>
+      </p:grpSp>
+    </p:spTree>
+    <p:extLst>
+      <p:ext uri="{BB962C8B-B14F-4D97-AF65-F5344CB8AC3E}">
+        <p14:creationId xmlns:p14="http://schemas.microsoft.com/office/powerpoint/2010/main" val="4243147971"/>
+      </p:ext>
+    </p:extLst>
+  </p:cSld>
+  <p:clrMapOvr>
+    <a:masterClrMapping/>
+  </p:clrMapOvr>
+</p:sld>
+</file>
+
+<file path=ppt/slides/slide22.xml><?xml version="1.0" encoding="utf-8"?>
+<p:sld xmlns:a="http://schemas.openxmlformats.org/drawingml/2006/main" xmlns:r="http://schemas.openxmlformats.org/officeDocument/2006/relationships" xmlns:p="http://schemas.openxmlformats.org/presentationml/2006/main">
+  <p:cSld>
+    <p:spTree>
+      <p:nvGrpSpPr>
+        <p:cNvPr id="1" name=""/>
+        <p:cNvGrpSpPr/>
+        <p:nvPr/>
+      </p:nvGrpSpPr>
+      <p:grpSpPr>
+        <a:xfrm>
+          <a:off x="0" y="0"/>
+          <a:ext cx="0" cy="0"/>
+          <a:chOff x="0" y="0"/>
+          <a:chExt cx="0" cy="0"/>
+        </a:xfrm>
+      </p:grpSpPr>
+      <p:sp>
+        <p:nvSpPr>
+          <p:cNvPr id="2" name="Título 1">
+            <a:extLst>
+              <a:ext uri="{FF2B5EF4-FFF2-40B4-BE49-F238E27FC236}">
+                <a16:creationId xmlns:a16="http://schemas.microsoft.com/office/drawing/2014/main" id="{8E0F6520-45D3-CB1E-DD88-F75930828487}"/>
+              </a:ext>
+            </a:extLst>
+          </p:cNvPr>
+          <p:cNvSpPr>
+            <a:spLocks noGrp="1"/>
+          </p:cNvSpPr>
+          <p:nvPr>
+            <p:ph type="title"/>
+          </p:nvPr>
+        </p:nvSpPr>
+        <p:spPr/>
+        <p:txBody>
+          <a:bodyPr/>
+          <a:lstStyle/>
+          <a:p>
+            <a:r>
+              <a:rPr lang="pt-BR" dirty="0"/>
+              <a:t>Dividir para conquistar!</a:t>
+            </a:r>
+          </a:p>
+        </p:txBody>
+      </p:sp>
+      <p:sp>
+        <p:nvSpPr>
+          <p:cNvPr id="3" name="Espaço Reservado para Conteúdo 2">
+            <a:extLst>
+              <a:ext uri="{FF2B5EF4-FFF2-40B4-BE49-F238E27FC236}">
+                <a16:creationId xmlns:a16="http://schemas.microsoft.com/office/drawing/2014/main" id="{1FF07388-B562-E5DD-2F3D-BFF95E2F4BA4}"/>
+              </a:ext>
+            </a:extLst>
+          </p:cNvPr>
+          <p:cNvSpPr>
+            <a:spLocks noGrp="1"/>
+          </p:cNvSpPr>
+          <p:nvPr>
+            <p:ph idx="1"/>
+          </p:nvPr>
+        </p:nvSpPr>
+        <p:spPr>
+          <a:xfrm>
+            <a:off x="6853084" y="1825624"/>
+            <a:ext cx="5161936" cy="5032375"/>
+          </a:xfrm>
+        </p:spPr>
+        <p:txBody>
+          <a:bodyPr>
+            <a:normAutofit/>
+          </a:bodyPr>
+          <a:lstStyle/>
+          <a:p>
+            <a:r>
+              <a:rPr lang="pt-BR" b="1" i="1" dirty="0">
+                <a:effectLst/>
+              </a:rPr>
+              <a:t>Conjunto de teste</a:t>
+            </a:r>
+            <a:r>
+              <a:rPr lang="pt-BR" b="1" i="0" dirty="0">
+                <a:effectLst/>
+              </a:rPr>
+              <a:t>:</a:t>
+            </a:r>
+            <a:r>
+              <a:rPr lang="pt-BR" b="0" i="0" dirty="0">
+                <a:effectLst/>
+              </a:rPr>
+              <a:t> conjunto mantido completamente separado durante todo o processo de desenvolvimento do modelo. </a:t>
+            </a:r>
+          </a:p>
+          <a:p>
+            <a:r>
+              <a:rPr lang="pt-BR" dirty="0"/>
+              <a:t>É</a:t>
+            </a:r>
+            <a:r>
+              <a:rPr lang="pt-BR" b="0" i="0" dirty="0">
+                <a:effectLst/>
+              </a:rPr>
+              <a:t> usado apenas no final para avaliar o desempenho do modelo em dados inéditos. </a:t>
+            </a:r>
+          </a:p>
+          <a:p>
+            <a:r>
+              <a:rPr lang="pt-BR" b="1" i="1" dirty="0"/>
+              <a:t>Tamanho do subconjunto</a:t>
+            </a:r>
+            <a:r>
+              <a:rPr lang="pt-BR" dirty="0"/>
+              <a:t>: 10</a:t>
+            </a:r>
+            <a:r>
+              <a:rPr lang="pt-BR" dirty="0">
+                <a:effectLst/>
+              </a:rPr>
+              <a:t>% a 15% do total.</a:t>
+            </a:r>
+            <a:endParaRPr lang="pt-BR" b="0" i="0" dirty="0">
+              <a:effectLst/>
+            </a:endParaRPr>
+          </a:p>
+        </p:txBody>
+      </p:sp>
+      <p:grpSp>
+        <p:nvGrpSpPr>
+          <p:cNvPr id="5" name="Agrupar 4">
+            <a:extLst>
+              <a:ext uri="{FF2B5EF4-FFF2-40B4-BE49-F238E27FC236}">
+                <a16:creationId xmlns:a16="http://schemas.microsoft.com/office/drawing/2014/main" id="{AF12C6A3-924A-7571-5F36-A7FB5487F322}"/>
+              </a:ext>
+            </a:extLst>
+          </p:cNvPr>
+          <p:cNvGrpSpPr/>
+          <p:nvPr/>
+        </p:nvGrpSpPr>
+        <p:grpSpPr>
+          <a:xfrm>
+            <a:off x="78656" y="2719489"/>
+            <a:ext cx="6548285" cy="629264"/>
+            <a:chOff x="98321" y="4027179"/>
+            <a:chExt cx="6548285" cy="629264"/>
+          </a:xfrm>
+        </p:grpSpPr>
+        <p:sp>
+          <p:nvSpPr>
+            <p:cNvPr id="6" name="Retângulo 5">
+              <a:extLst>
+                <a:ext uri="{FF2B5EF4-FFF2-40B4-BE49-F238E27FC236}">
+                  <a16:creationId xmlns:a16="http://schemas.microsoft.com/office/drawing/2014/main" id="{8FA8CB26-5801-2ABB-B1EE-59A42710492C}"/>
+                </a:ext>
+              </a:extLst>
+            </p:cNvPr>
+            <p:cNvSpPr/>
+            <p:nvPr/>
+          </p:nvSpPr>
+          <p:spPr>
+            <a:xfrm>
+              <a:off x="98321" y="4027179"/>
+              <a:ext cx="4267203" cy="629264"/>
+            </a:xfrm>
+            <a:prstGeom prst="rect">
+              <a:avLst/>
+            </a:prstGeom>
+            <a:solidFill>
+              <a:schemeClr val="accent4">
+                <a:lumMod val="60000"/>
+                <a:lumOff val="40000"/>
+              </a:schemeClr>
+            </a:solidFill>
+          </p:spPr>
+          <p:style>
+            <a:lnRef idx="2">
+              <a:schemeClr val="accent4">
+                <a:shade val="15000"/>
+              </a:schemeClr>
+            </a:lnRef>
+            <a:fillRef idx="1">
+              <a:schemeClr val="accent4"/>
+            </a:fillRef>
+            <a:effectRef idx="0">
+              <a:schemeClr val="accent4"/>
+            </a:effectRef>
+            <a:fontRef idx="minor">
+              <a:schemeClr val="lt1"/>
+            </a:fontRef>
+          </p:style>
+          <p:txBody>
+            <a:bodyPr rtlCol="0" anchor="ctr"/>
+            <a:lstStyle/>
+            <a:p>
+              <a:pPr algn="ctr"/>
+              <a:r>
+                <a:rPr lang="pt-BR" b="1" dirty="0"/>
+                <a:t>Treinamento</a:t>
+              </a:r>
+            </a:p>
+          </p:txBody>
+        </p:sp>
+        <p:sp>
+          <p:nvSpPr>
+            <p:cNvPr id="7" name="Retângulo 6">
+              <a:extLst>
+                <a:ext uri="{FF2B5EF4-FFF2-40B4-BE49-F238E27FC236}">
+                  <a16:creationId xmlns:a16="http://schemas.microsoft.com/office/drawing/2014/main" id="{495A9737-F0CB-3C08-88C8-E869002E85CC}"/>
+                </a:ext>
+              </a:extLst>
+            </p:cNvPr>
+            <p:cNvSpPr/>
+            <p:nvPr/>
+          </p:nvSpPr>
+          <p:spPr>
+            <a:xfrm>
+              <a:off x="5506066" y="4027179"/>
+              <a:ext cx="1140540" cy="629264"/>
+            </a:xfrm>
+            <a:prstGeom prst="rect">
+              <a:avLst/>
+            </a:prstGeom>
+            <a:solidFill>
+              <a:schemeClr val="accent5">
+                <a:lumMod val="60000"/>
+                <a:lumOff val="40000"/>
+              </a:schemeClr>
+            </a:solidFill>
+          </p:spPr>
+          <p:style>
+            <a:lnRef idx="2">
+              <a:schemeClr val="accent4">
+                <a:shade val="15000"/>
+              </a:schemeClr>
+            </a:lnRef>
+            <a:fillRef idx="1">
+              <a:schemeClr val="accent4"/>
+            </a:fillRef>
+            <a:effectRef idx="0">
+              <a:schemeClr val="accent4"/>
+            </a:effectRef>
+            <a:fontRef idx="minor">
+              <a:schemeClr val="lt1"/>
+            </a:fontRef>
+          </p:style>
+          <p:txBody>
+            <a:bodyPr rtlCol="0" anchor="ctr"/>
+            <a:lstStyle/>
+            <a:p>
+              <a:pPr algn="ctr"/>
+              <a:r>
+                <a:rPr lang="pt-BR" b="1" dirty="0"/>
+                <a:t>Teste</a:t>
+              </a:r>
+            </a:p>
+          </p:txBody>
+        </p:sp>
+        <p:sp>
+          <p:nvSpPr>
+            <p:cNvPr id="8" name="Retângulo 7">
+              <a:extLst>
+                <a:ext uri="{FF2B5EF4-FFF2-40B4-BE49-F238E27FC236}">
+                  <a16:creationId xmlns:a16="http://schemas.microsoft.com/office/drawing/2014/main" id="{C0FD1481-94AB-6D5B-F9AF-8A943C2BA262}"/>
+                </a:ext>
+              </a:extLst>
+            </p:cNvPr>
+            <p:cNvSpPr/>
+            <p:nvPr/>
+          </p:nvSpPr>
+          <p:spPr>
+            <a:xfrm>
+              <a:off x="4365525" y="4027179"/>
+              <a:ext cx="1140541" cy="629264"/>
+            </a:xfrm>
+            <a:prstGeom prst="rect">
+              <a:avLst/>
+            </a:prstGeom>
+            <a:solidFill>
+              <a:schemeClr val="accent2">
+                <a:lumMod val="60000"/>
+                <a:lumOff val="40000"/>
+              </a:schemeClr>
+            </a:solidFill>
+          </p:spPr>
+          <p:style>
+            <a:lnRef idx="2">
+              <a:schemeClr val="accent4">
+                <a:shade val="15000"/>
+              </a:schemeClr>
+            </a:lnRef>
+            <a:fillRef idx="1">
+              <a:schemeClr val="accent4"/>
+            </a:fillRef>
+            <a:effectRef idx="0">
+              <a:schemeClr val="accent4"/>
+            </a:effectRef>
+            <a:fontRef idx="minor">
+              <a:schemeClr val="lt1"/>
+            </a:fontRef>
+          </p:style>
+          <p:txBody>
+            <a:bodyPr rtlCol="0" anchor="ctr"/>
+            <a:lstStyle/>
+            <a:p>
+              <a:pPr algn="ctr"/>
+              <a:r>
+                <a:rPr lang="pt-BR" b="1" dirty="0"/>
+                <a:t>Validação</a:t>
+              </a:r>
+            </a:p>
+          </p:txBody>
+        </p:sp>
+      </p:grpSp>
+    </p:spTree>
+    <p:extLst>
+      <p:ext uri="{BB962C8B-B14F-4D97-AF65-F5344CB8AC3E}">
+        <p14:creationId xmlns:p14="http://schemas.microsoft.com/office/powerpoint/2010/main" val="3540533333"/>
+      </p:ext>
+    </p:extLst>
+  </p:cSld>
+  <p:clrMapOvr>
+    <a:masterClrMapping/>
+  </p:clrMapOvr>
+</p:sld>
+</file>
+
+<file path=ppt/slides/slide23.xml><?xml version="1.0" encoding="utf-8"?>
+<p:sld xmlns:a="http://schemas.openxmlformats.org/drawingml/2006/main" xmlns:r="http://schemas.openxmlformats.org/officeDocument/2006/relationships" xmlns:p="http://schemas.openxmlformats.org/presentationml/2006/main">
+  <p:cSld>
+    <p:spTree>
+      <p:nvGrpSpPr>
+        <p:cNvPr id="1" name=""/>
+        <p:cNvGrpSpPr/>
+        <p:nvPr/>
+      </p:nvGrpSpPr>
+      <p:grpSpPr>
+        <a:xfrm>
+          <a:off x="0" y="0"/>
+          <a:ext cx="0" cy="0"/>
+          <a:chOff x="0" y="0"/>
+          <a:chExt cx="0" cy="0"/>
+        </a:xfrm>
+      </p:grpSpPr>
+      <p:sp>
+        <p:nvSpPr>
+          <p:cNvPr id="2" name="Título 1">
+            <a:extLst>
+              <a:ext uri="{FF2B5EF4-FFF2-40B4-BE49-F238E27FC236}">
+                <a16:creationId xmlns:a16="http://schemas.microsoft.com/office/drawing/2014/main" id="{D729F673-B517-8CF2-C7D0-BA7EE704E4FE}"/>
+              </a:ext>
+            </a:extLst>
+          </p:cNvPr>
+          <p:cNvSpPr>
+            <a:spLocks noGrp="1"/>
+          </p:cNvSpPr>
+          <p:nvPr>
+            <p:ph type="title"/>
+          </p:nvPr>
+        </p:nvSpPr>
+        <p:spPr/>
+        <p:txBody>
+          <a:bodyPr/>
+          <a:lstStyle/>
+          <a:p>
+            <a:endParaRPr lang="pt-BR"/>
+          </a:p>
+        </p:txBody>
+      </p:sp>
+      <p:sp>
+        <p:nvSpPr>
+          <p:cNvPr id="3" name="Espaço Reservado para Conteúdo 2">
+            <a:extLst>
+              <a:ext uri="{FF2B5EF4-FFF2-40B4-BE49-F238E27FC236}">
+                <a16:creationId xmlns:a16="http://schemas.microsoft.com/office/drawing/2014/main" id="{96358EF7-640D-2D5F-8C4A-905DFEE6393E}"/>
+              </a:ext>
+            </a:extLst>
+          </p:cNvPr>
+          <p:cNvSpPr>
+            <a:spLocks noGrp="1"/>
+          </p:cNvSpPr>
+          <p:nvPr>
+            <p:ph idx="1"/>
+          </p:nvPr>
+        </p:nvSpPr>
+        <p:spPr/>
+        <p:txBody>
+          <a:bodyPr/>
+          <a:lstStyle/>
+          <a:p>
+            <a:endParaRPr lang="pt-BR"/>
+          </a:p>
+        </p:txBody>
+      </p:sp>
+    </p:spTree>
+    <p:extLst>
+      <p:ext uri="{BB962C8B-B14F-4D97-AF65-F5344CB8AC3E}">
+        <p14:creationId xmlns:p14="http://schemas.microsoft.com/office/powerpoint/2010/main" val="2555344941"/>
+      </p:ext>
+    </p:extLst>
+  </p:cSld>
+  <p:clrMapOvr>
+    <a:masterClrMapping/>
+  </p:clrMapOvr>
+</p:sld>
+</file>
+
+<file path=ppt/slides/slide24.xml><?xml version="1.0" encoding="utf-8"?>
+<p:sld xmlns:a="http://schemas.openxmlformats.org/drawingml/2006/main" xmlns:r="http://schemas.openxmlformats.org/officeDocument/2006/relationships" xmlns:p="http://schemas.openxmlformats.org/presentationml/2006/main">
+  <p:cSld>
+    <p:spTree>
+      <p:nvGrpSpPr>
+        <p:cNvPr id="1" name=""/>
+        <p:cNvGrpSpPr/>
+        <p:nvPr/>
+      </p:nvGrpSpPr>
+      <p:grpSpPr>
+        <a:xfrm>
+          <a:off x="0" y="0"/>
+          <a:ext cx="0" cy="0"/>
+          <a:chOff x="0" y="0"/>
+          <a:chExt cx="0" cy="0"/>
+        </a:xfrm>
+      </p:grpSpPr>
+      <p:sp>
+        <p:nvSpPr>
+          <p:cNvPr id="2" name="Título 1">
+            <a:extLst>
+              <a:ext uri="{FF2B5EF4-FFF2-40B4-BE49-F238E27FC236}">
+                <a16:creationId xmlns:a16="http://schemas.microsoft.com/office/drawing/2014/main" id="{9CD00B3E-85D7-8B25-6629-4A85FF36133A}"/>
+              </a:ext>
+            </a:extLst>
+          </p:cNvPr>
+          <p:cNvSpPr>
+            <a:spLocks noGrp="1"/>
+          </p:cNvSpPr>
+          <p:nvPr>
+            <p:ph type="title"/>
+          </p:nvPr>
+        </p:nvSpPr>
+        <p:spPr/>
+        <p:txBody>
+          <a:bodyPr/>
+          <a:lstStyle/>
+          <a:p>
+            <a:r>
+              <a:rPr lang="pt-BR" dirty="0"/>
+              <a:t>Exemplo</a:t>
+            </a:r>
+          </a:p>
+        </p:txBody>
+      </p:sp>
+      <p:sp>
+        <p:nvSpPr>
+          <p:cNvPr id="3" name="Espaço Reservado para Conteúdo 2">
+            <a:extLst>
+              <a:ext uri="{FF2B5EF4-FFF2-40B4-BE49-F238E27FC236}">
+                <a16:creationId xmlns:a16="http://schemas.microsoft.com/office/drawing/2014/main" id="{9730104F-E6BA-B308-644A-11A7E4939EBD}"/>
+              </a:ext>
+            </a:extLst>
+          </p:cNvPr>
+          <p:cNvSpPr>
+            <a:spLocks noGrp="1"/>
+          </p:cNvSpPr>
+          <p:nvPr>
+            <p:ph idx="1"/>
+          </p:nvPr>
+        </p:nvSpPr>
+        <p:spPr>
+          <a:xfrm>
+            <a:off x="838200" y="1825625"/>
+            <a:ext cx="11049000" cy="4351338"/>
+          </a:xfrm>
+        </p:spPr>
+        <p:txBody>
+          <a:bodyPr/>
+          <a:lstStyle/>
+          <a:p>
+            <a:r>
+              <a:rPr lang="pt-BR" dirty="0"/>
+              <a:t>Exemplo: </a:t>
+            </a:r>
+          </a:p>
+        </p:txBody>
+      </p:sp>
+      <p:pic>
+        <p:nvPicPr>
+          <p:cNvPr id="2050" name="Picture 2" descr="TensorFlow">
+            <a:extLst>
+              <a:ext uri="{FF2B5EF4-FFF2-40B4-BE49-F238E27FC236}">
+                <a16:creationId xmlns:a16="http://schemas.microsoft.com/office/drawing/2014/main" id="{87B75C17-2A48-E33A-B66B-927CA792D831}"/>
+              </a:ext>
+            </a:extLst>
+          </p:cNvPr>
+          <p:cNvPicPr>
+            <a:picLocks noChangeAspect="1" noChangeArrowheads="1"/>
+          </p:cNvPicPr>
+          <p:nvPr/>
+        </p:nvPicPr>
+        <p:blipFill>
+          <a:blip r:embed="rId3">
+            <a:extLst>
+              <a:ext uri="{28A0092B-C50C-407E-A947-70E740481C1C}">
+                <a14:useLocalDpi xmlns:a14="http://schemas.microsoft.com/office/drawing/2010/main" val="0"/>
+              </a:ext>
+            </a:extLst>
+          </a:blip>
+          <a:srcRect/>
+          <a:stretch>
+            <a:fillRect/>
+          </a:stretch>
+        </p:blipFill>
+        <p:spPr bwMode="auto">
+          <a:xfrm>
+            <a:off x="1939875" y="2923470"/>
+            <a:ext cx="4099479" cy="2305957"/>
+          </a:xfrm>
+          <a:prstGeom prst="rect">
+            <a:avLst/>
+          </a:prstGeom>
+          <a:noFill/>
+          <a:extLst>
+            <a:ext uri="{909E8E84-426E-40DD-AFC4-6F175D3DCCD1}">
+              <a14:hiddenFill xmlns:a14="http://schemas.microsoft.com/office/drawing/2010/main">
+                <a:solidFill>
+                  <a:srgbClr val="FFFFFF"/>
+                </a:solidFill>
+              </a14:hiddenFill>
+            </a:ext>
+          </a:extLst>
+        </p:spPr>
+      </p:pic>
+      <p:pic>
+        <p:nvPicPr>
+          <p:cNvPr id="2052" name="Picture 4" descr="Project Jupyter | Try Jupyter">
+            <a:extLst>
+              <a:ext uri="{FF2B5EF4-FFF2-40B4-BE49-F238E27FC236}">
+                <a16:creationId xmlns:a16="http://schemas.microsoft.com/office/drawing/2014/main" id="{FC70A9A5-A2C7-C005-C6C5-A9FF775654D9}"/>
+              </a:ext>
+            </a:extLst>
+          </p:cNvPr>
+          <p:cNvPicPr>
+            <a:picLocks noChangeAspect="1" noChangeArrowheads="1"/>
+          </p:cNvPicPr>
+          <p:nvPr/>
+        </p:nvPicPr>
+        <p:blipFill>
+          <a:blip r:embed="rId4">
+            <a:extLst>
+              <a:ext uri="{28A0092B-C50C-407E-A947-70E740481C1C}">
+                <a14:useLocalDpi xmlns:a14="http://schemas.microsoft.com/office/drawing/2010/main" val="0"/>
+              </a:ext>
+            </a:extLst>
+          </a:blip>
+          <a:srcRect/>
+          <a:stretch>
+            <a:fillRect/>
+          </a:stretch>
+        </p:blipFill>
+        <p:spPr bwMode="auto">
+          <a:xfrm>
+            <a:off x="5203370" y="3167764"/>
+            <a:ext cx="3461657" cy="1817370"/>
+          </a:xfrm>
+          <a:prstGeom prst="rect">
+            <a:avLst/>
+          </a:prstGeom>
+          <a:noFill/>
+          <a:extLst>
+            <a:ext uri="{909E8E84-426E-40DD-AFC4-6F175D3DCCD1}">
+              <a14:hiddenFill xmlns:a14="http://schemas.microsoft.com/office/drawing/2010/main">
+                <a:solidFill>
+                  <a:srgbClr val="FFFFFF"/>
+                </a:solidFill>
+              </a14:hiddenFill>
+            </a:ext>
+          </a:extLst>
+        </p:spPr>
+      </p:pic>
+      <p:pic>
+        <p:nvPicPr>
+          <p:cNvPr id="2056" name="Picture 8" descr="Google Colaboratory Colab - Guía Completa Español - Marketing Branding">
+            <a:extLst>
+              <a:ext uri="{FF2B5EF4-FFF2-40B4-BE49-F238E27FC236}">
+                <a16:creationId xmlns:a16="http://schemas.microsoft.com/office/drawing/2014/main" id="{8A007768-2032-FE11-22C9-9394A0EF02EF}"/>
+              </a:ext>
+            </a:extLst>
+          </p:cNvPr>
+          <p:cNvPicPr>
+            <a:picLocks noChangeAspect="1" noChangeArrowheads="1"/>
+          </p:cNvPicPr>
+          <p:nvPr/>
+        </p:nvPicPr>
+        <p:blipFill rotWithShape="1">
+          <a:blip r:embed="rId5">
+            <a:extLst>
+              <a:ext uri="{28A0092B-C50C-407E-A947-70E740481C1C}">
+                <a14:useLocalDpi xmlns:a14="http://schemas.microsoft.com/office/drawing/2010/main" val="0"/>
+              </a:ext>
+            </a:extLst>
+          </a:blip>
+          <a:srcRect l="5865" r="10641"/>
+          <a:stretch/>
+        </p:blipFill>
+        <p:spPr bwMode="auto">
+          <a:xfrm>
+            <a:off x="8665027" y="2746576"/>
+            <a:ext cx="3331071" cy="2659743"/>
+          </a:xfrm>
+          <a:prstGeom prst="rect">
+            <a:avLst/>
+          </a:prstGeom>
+          <a:noFill/>
+          <a:extLst>
+            <a:ext uri="{909E8E84-426E-40DD-AFC4-6F175D3DCCD1}">
+              <a14:hiddenFill xmlns:a14="http://schemas.microsoft.com/office/drawing/2010/main">
+                <a:solidFill>
+                  <a:srgbClr val="FFFFFF"/>
+                </a:solidFill>
+              </a14:hiddenFill>
+            </a:ext>
+          </a:extLst>
+        </p:spPr>
+      </p:pic>
+      <p:pic>
+        <p:nvPicPr>
+          <p:cNvPr id="2058" name="Picture 10" descr="IT12A01: FUNDAMENTALS OF PYTHON PROGRAMMING (SF) (SYNCHRONOUS E-LEARNING) -  NTUC LearningHub">
+            <a:extLst>
+              <a:ext uri="{FF2B5EF4-FFF2-40B4-BE49-F238E27FC236}">
+                <a16:creationId xmlns:a16="http://schemas.microsoft.com/office/drawing/2014/main" id="{80EDF8DB-E749-8471-3ACA-2FFE3006FC46}"/>
+              </a:ext>
+            </a:extLst>
+          </p:cNvPr>
+          <p:cNvPicPr>
+            <a:picLocks noChangeAspect="1" noChangeArrowheads="1"/>
+          </p:cNvPicPr>
+          <p:nvPr/>
+        </p:nvPicPr>
+        <p:blipFill rotWithShape="1">
+          <a:blip r:embed="rId6">
+            <a:extLst>
+              <a:ext uri="{28A0092B-C50C-407E-A947-70E740481C1C}">
+                <a14:useLocalDpi xmlns:a14="http://schemas.microsoft.com/office/drawing/2010/main" val="0"/>
+              </a:ext>
+            </a:extLst>
+          </a:blip>
+          <a:srcRect l="23319" r="20198"/>
+          <a:stretch/>
+        </p:blipFill>
+        <p:spPr bwMode="auto">
+          <a:xfrm>
+            <a:off x="304800" y="3167764"/>
+            <a:ext cx="1894114" cy="1877924"/>
+          </a:xfrm>
+          <a:prstGeom prst="rect">
+            <a:avLst/>
+          </a:prstGeom>
+          <a:noFill/>
+          <a:extLst>
+            <a:ext uri="{909E8E84-426E-40DD-AFC4-6F175D3DCCD1}">
+              <a14:hiddenFill xmlns:a14="http://schemas.microsoft.com/office/drawing/2010/main">
+                <a:solidFill>
+                  <a:srgbClr val="FFFFFF"/>
+                </a:solidFill>
+              </a14:hiddenFill>
+            </a:ext>
+          </a:extLst>
+        </p:spPr>
+      </p:pic>
+      <p:sp>
+        <p:nvSpPr>
+          <p:cNvPr id="8" name="Sinal de Adição 7">
+            <a:extLst>
+              <a:ext uri="{FF2B5EF4-FFF2-40B4-BE49-F238E27FC236}">
+                <a16:creationId xmlns:a16="http://schemas.microsoft.com/office/drawing/2014/main" id="{89317CF7-D83C-5980-45A9-863C64A2BE61}"/>
+              </a:ext>
+            </a:extLst>
+          </p:cNvPr>
+          <p:cNvSpPr>
+            <a:spLocks noChangeAspect="1"/>
+          </p:cNvSpPr>
+          <p:nvPr/>
+        </p:nvSpPr>
+        <p:spPr>
+          <a:xfrm>
+            <a:off x="2198914" y="3535968"/>
+            <a:ext cx="468000" cy="468000"/>
+          </a:xfrm>
+          <a:prstGeom prst="mathPlus">
+            <a:avLst/>
+          </a:prstGeom>
+        </p:spPr>
+        <p:style>
+          <a:lnRef idx="2">
+            <a:schemeClr val="accent1">
+              <a:shade val="15000"/>
+            </a:schemeClr>
+          </a:lnRef>
+          <a:fillRef idx="1">
+            <a:schemeClr val="accent1"/>
+          </a:fillRef>
+          <a:effectRef idx="0">
+            <a:schemeClr val="accent1"/>
+          </a:effectRef>
+          <a:fontRef idx="minor">
+            <a:schemeClr val="lt1"/>
+          </a:fontRef>
+        </p:style>
+        <p:txBody>
+          <a:bodyPr rtlCol="0" anchor="ctr"/>
+          <a:lstStyle/>
+          <a:p>
+            <a:pPr algn="ctr"/>
+            <a:endParaRPr lang="pt-BR"/>
+          </a:p>
+        </p:txBody>
+      </p:sp>
+      <p:sp>
+        <p:nvSpPr>
+          <p:cNvPr id="10" name="Sinal de Adição 9">
+            <a:extLst>
+              <a:ext uri="{FF2B5EF4-FFF2-40B4-BE49-F238E27FC236}">
+                <a16:creationId xmlns:a16="http://schemas.microsoft.com/office/drawing/2014/main" id="{C6DC4B29-EABA-20F7-BB46-C33BEC93E2DD}"/>
+              </a:ext>
+            </a:extLst>
+          </p:cNvPr>
+          <p:cNvSpPr>
+            <a:spLocks noChangeAspect="1"/>
+          </p:cNvSpPr>
+          <p:nvPr/>
+        </p:nvSpPr>
+        <p:spPr>
+          <a:xfrm>
+            <a:off x="5279613" y="3535968"/>
+            <a:ext cx="468000" cy="468000"/>
+          </a:xfrm>
+          <a:prstGeom prst="mathPlus">
+            <a:avLst/>
+          </a:prstGeom>
+        </p:spPr>
+        <p:style>
+          <a:lnRef idx="2">
+            <a:schemeClr val="accent1">
+              <a:shade val="15000"/>
+            </a:schemeClr>
+          </a:lnRef>
+          <a:fillRef idx="1">
+            <a:schemeClr val="accent1"/>
+          </a:fillRef>
+          <a:effectRef idx="0">
+            <a:schemeClr val="accent1"/>
+          </a:effectRef>
+          <a:fontRef idx="minor">
+            <a:schemeClr val="lt1"/>
+          </a:fontRef>
+        </p:style>
+        <p:txBody>
+          <a:bodyPr rtlCol="0" anchor="ctr"/>
+          <a:lstStyle/>
+          <a:p>
+            <a:pPr algn="ctr"/>
+            <a:endParaRPr lang="pt-BR"/>
+          </a:p>
+        </p:txBody>
+      </p:sp>
+      <p:sp>
+        <p:nvSpPr>
+          <p:cNvPr id="11" name="Sinal de Adição 10">
+            <a:extLst>
+              <a:ext uri="{FF2B5EF4-FFF2-40B4-BE49-F238E27FC236}">
+                <a16:creationId xmlns:a16="http://schemas.microsoft.com/office/drawing/2014/main" id="{FF65B64B-136B-DCC4-8A01-509D3D5CD19F}"/>
+              </a:ext>
+            </a:extLst>
+          </p:cNvPr>
+          <p:cNvSpPr>
+            <a:spLocks noChangeAspect="1"/>
+          </p:cNvSpPr>
+          <p:nvPr/>
+        </p:nvSpPr>
+        <p:spPr>
+          <a:xfrm>
+            <a:off x="7968386" y="3533294"/>
+            <a:ext cx="468000" cy="468000"/>
+          </a:xfrm>
+          <a:prstGeom prst="mathPlus">
+            <a:avLst/>
+          </a:prstGeom>
+        </p:spPr>
+        <p:style>
+          <a:lnRef idx="2">
+            <a:schemeClr val="accent1">
+              <a:shade val="15000"/>
+            </a:schemeClr>
+          </a:lnRef>
+          <a:fillRef idx="1">
+            <a:schemeClr val="accent1"/>
+          </a:fillRef>
+          <a:effectRef idx="0">
+            <a:schemeClr val="accent1"/>
+          </a:effectRef>
+          <a:fontRef idx="minor">
+            <a:schemeClr val="lt1"/>
+          </a:fontRef>
+        </p:style>
+        <p:txBody>
+          <a:bodyPr rtlCol="0" anchor="ctr"/>
+          <a:lstStyle/>
+          <a:p>
+            <a:pPr algn="ctr"/>
+            <a:endParaRPr lang="pt-BR"/>
+          </a:p>
+        </p:txBody>
+      </p:sp>
+    </p:spTree>
+    <p:extLst>
+      <p:ext uri="{BB962C8B-B14F-4D97-AF65-F5344CB8AC3E}">
+        <p14:creationId xmlns:p14="http://schemas.microsoft.com/office/powerpoint/2010/main" val="94961935"/>
+      </p:ext>
+    </p:extLst>
+  </p:cSld>
+  <p:clrMapOvr>
+    <a:masterClrMapping/>
+  </p:clrMapOvr>
+</p:sld>
+</file>
+
+<file path=ppt/slides/slide25.xml><?xml version="1.0" encoding="utf-8"?>
+<p:sld xmlns:a="http://schemas.openxmlformats.org/drawingml/2006/main" xmlns:r="http://schemas.openxmlformats.org/officeDocument/2006/relationships" xmlns:p="http://schemas.openxmlformats.org/presentationml/2006/main">
+  <p:cSld>
+    <p:spTree>
+      <p:nvGrpSpPr>
+        <p:cNvPr id="1" name=""/>
+        <p:cNvGrpSpPr/>
+        <p:nvPr/>
+      </p:nvGrpSpPr>
+      <p:grpSpPr>
+        <a:xfrm>
+          <a:off x="0" y="0"/>
+          <a:ext cx="0" cy="0"/>
+          <a:chOff x="0" y="0"/>
+          <a:chExt cx="0" cy="0"/>
+        </a:xfrm>
+      </p:grpSpPr>
+      <p:sp>
+        <p:nvSpPr>
+          <p:cNvPr id="2" name="Título 1">
+            <a:extLst>
+              <a:ext uri="{FF2B5EF4-FFF2-40B4-BE49-F238E27FC236}">
+                <a16:creationId xmlns:a16="http://schemas.microsoft.com/office/drawing/2014/main" id="{2755BD9F-A5F9-C006-2D60-3988AFB742AA}"/>
+              </a:ext>
+            </a:extLst>
+          </p:cNvPr>
+          <p:cNvSpPr>
+            <a:spLocks noGrp="1"/>
+          </p:cNvSpPr>
+          <p:nvPr>
+            <p:ph type="title"/>
+          </p:nvPr>
+        </p:nvSpPr>
+        <p:spPr/>
+        <p:txBody>
+          <a:bodyPr/>
+          <a:lstStyle/>
+          <a:p>
+            <a:r>
+              <a:rPr lang="pt-BR" dirty="0"/>
+              <a:t>Atividades</a:t>
+            </a:r>
+          </a:p>
+        </p:txBody>
+      </p:sp>
+      <p:sp>
+        <p:nvSpPr>
+          <p:cNvPr id="3" name="Espaço Reservado para Conteúdo 2">
+            <a:extLst>
+              <a:ext uri="{FF2B5EF4-FFF2-40B4-BE49-F238E27FC236}">
+                <a16:creationId xmlns:a16="http://schemas.microsoft.com/office/drawing/2014/main" id="{DE398648-3AD3-9986-3010-6210876DC9B1}"/>
+              </a:ext>
+            </a:extLst>
+          </p:cNvPr>
+          <p:cNvSpPr>
+            <a:spLocks noGrp="1"/>
+          </p:cNvSpPr>
+          <p:nvPr>
+            <p:ph idx="1"/>
+          </p:nvPr>
+        </p:nvSpPr>
+        <p:spPr/>
+        <p:txBody>
+          <a:bodyPr/>
+          <a:lstStyle/>
+          <a:p>
+            <a:r>
+              <a:rPr lang="pt-BR" dirty="0"/>
+              <a:t>Quiz: “</a:t>
+            </a:r>
+            <a:r>
+              <a:rPr lang="pt-BR" b="1" i="1" dirty="0"/>
+              <a:t>TP557 - </a:t>
+            </a:r>
+            <a:r>
+              <a:rPr lang="pt-BR" b="1" i="1" dirty="0" err="1"/>
+              <a:t>Datasets</a:t>
+            </a:r>
+            <a:r>
+              <a:rPr lang="pt-BR" dirty="0"/>
+              <a:t>”.</a:t>
+            </a:r>
+          </a:p>
+          <a:p>
+            <a:r>
+              <a:rPr lang="pt-BR" dirty="0"/>
+              <a:t>Exercício:</a:t>
+            </a:r>
+          </a:p>
+        </p:txBody>
+      </p:sp>
+    </p:spTree>
+    <p:extLst>
+      <p:ext uri="{BB962C8B-B14F-4D97-AF65-F5344CB8AC3E}">
+        <p14:creationId xmlns:p14="http://schemas.microsoft.com/office/powerpoint/2010/main" val="2918520294"/>
+      </p:ext>
+    </p:extLst>
+  </p:cSld>
+  <p:clrMapOvr>
+    <a:masterClrMapping/>
+  </p:clrMapOvr>
+</p:sld>
+</file>
+
+<file path=ppt/slides/slide26.xml><?xml version="1.0" encoding="utf-8"?>
+<p:sld xmlns:a="http://schemas.openxmlformats.org/drawingml/2006/main" xmlns:r="http://schemas.openxmlformats.org/officeDocument/2006/relationships" xmlns:p="http://schemas.openxmlformats.org/presentationml/2006/main">
+  <p:cSld>
+    <p:spTree>
+      <p:nvGrpSpPr>
+        <p:cNvPr id="1" name=""/>
+        <p:cNvGrpSpPr/>
+        <p:nvPr/>
+      </p:nvGrpSpPr>
+      <p:grpSpPr>
+        <a:xfrm>
+          <a:off x="0" y="0"/>
+          <a:ext cx="0" cy="0"/>
+          <a:chOff x="0" y="0"/>
+          <a:chExt cx="0" cy="0"/>
+        </a:xfrm>
+      </p:grpSpPr>
+      <p:sp>
+        <p:nvSpPr>
           <p:cNvPr id="4" name="Título 1">
             <a:extLst>
               <a:ext uri="{FF2B5EF4-FFF2-40B4-BE49-F238E27FC236}">
@@ -8769,7 +12369,7 @@
 </p:sld>
 </file>
 
-<file path=ppt/slides/slide22.xml><?xml version="1.0" encoding="utf-8"?>
+<file path=ppt/slides/slide27.xml><?xml version="1.0" encoding="utf-8"?>
 <p:sld xmlns:a="http://schemas.openxmlformats.org/drawingml/2006/main" xmlns:r="http://schemas.openxmlformats.org/officeDocument/2006/relationships" xmlns:p="http://schemas.openxmlformats.org/presentationml/2006/main">
   <p:cSld>
     <p:spTree>

--- a/slides/TP557_10_Datasets.pptx
+++ b/slides/TP557_10_Datasets.pptx
@@ -5,10 +5,10 @@
     <p:sldMasterId id="2147483648" r:id="rId1"/>
   </p:sldMasterIdLst>
   <p:notesMasterIdLst>
-    <p:notesMasterId r:id="rId29"/>
+    <p:notesMasterId r:id="rId34"/>
   </p:notesMasterIdLst>
   <p:handoutMasterIdLst>
-    <p:handoutMasterId r:id="rId30"/>
+    <p:handoutMasterId r:id="rId35"/>
   </p:handoutMasterIdLst>
   <p:sldIdLst>
     <p:sldId id="256" r:id="rId2"/>
@@ -33,11 +33,16 @@
     <p:sldId id="452" r:id="rId21"/>
     <p:sldId id="450" r:id="rId22"/>
     <p:sldId id="451" r:id="rId23"/>
-    <p:sldId id="446" r:id="rId24"/>
-    <p:sldId id="426" r:id="rId25"/>
-    <p:sldId id="405" r:id="rId26"/>
-    <p:sldId id="293" r:id="rId27"/>
-    <p:sldId id="306" r:id="rId28"/>
+    <p:sldId id="453" r:id="rId24"/>
+    <p:sldId id="454" r:id="rId25"/>
+    <p:sldId id="456" r:id="rId26"/>
+    <p:sldId id="426" r:id="rId27"/>
+    <p:sldId id="446" r:id="rId28"/>
+    <p:sldId id="457" r:id="rId29"/>
+    <p:sldId id="405" r:id="rId30"/>
+    <p:sldId id="293" r:id="rId31"/>
+    <p:sldId id="306" r:id="rId32"/>
+    <p:sldId id="455" r:id="rId33"/>
   </p:sldIdLst>
   <p:sldSz cx="12192000" cy="6858000"/>
   <p:notesSz cx="7315200" cy="9601200"/>
@@ -301,7 +306,7 @@
           <a:p>
             <a:fld id="{144F1436-6906-4D93-B7A2-786C327BFA14}" type="datetimeFigureOut">
               <a:rPr lang="nl-BE" smtClean="0"/>
-              <a:t>23/08/2023</a:t>
+              <a:t>24/08/2023</a:t>
             </a:fld>
             <a:endParaRPr lang="nl-BE"/>
           </a:p>
@@ -466,7 +471,7 @@
           <a:p>
             <a:fld id="{AA8CD09E-2914-4F47-B6C1-51B2C31814C9}" type="datetimeFigureOut">
               <a:rPr lang="pt-BR" smtClean="0"/>
-              <a:t>23/08/2023</a:t>
+              <a:t>24/08/2023</a:t>
             </a:fld>
             <a:endParaRPr lang="pt-BR"/>
           </a:p>
@@ -1973,12 +1978,47 @@
             </a:r>
             <a:r>
               <a:rPr lang="pt-BR" dirty="0"/>
-              <a:t>/</a:t>
-            </a:r>
-            <a:r>
-              <a:rPr lang="pt-BR" dirty="0" err="1"/>
-              <a:t>Detecção_de_dígitos_escritos_à_mão.ipynb</a:t>
-            </a:r>
+              <a:t>/Detecção_de_dígitos_escritos_à_mão_com_dados_de_validação_e_teste.ipynb</a:t>
+            </a:r>
+          </a:p>
+          <a:p>
+            <a:pPr marL="0" marR="0" lvl="0" indent="0" algn="l" defTabSz="914400" rtl="0" eaLnBrk="1" fontAlgn="auto" latinLnBrk="0" hangingPunct="1">
+              <a:lnSpc>
+                <a:spcPct val="100000"/>
+              </a:lnSpc>
+              <a:spcBef>
+                <a:spcPts val="0"/>
+              </a:spcBef>
+              <a:spcAft>
+                <a:spcPts val="0"/>
+              </a:spcAft>
+              <a:buClrTx/>
+              <a:buSzTx/>
+              <a:buFontTx/>
+              <a:buNone/>
+              <a:tabLst/>
+              <a:defRPr/>
+            </a:pPr>
+            <a:endParaRPr lang="pt-BR" dirty="0"/>
+          </a:p>
+          <a:p>
+            <a:pPr marL="0" marR="0" lvl="0" indent="0" algn="l" defTabSz="914400" rtl="0" eaLnBrk="1" fontAlgn="auto" latinLnBrk="0" hangingPunct="1">
+              <a:lnSpc>
+                <a:spcPct val="100000"/>
+              </a:lnSpc>
+              <a:spcBef>
+                <a:spcPts val="0"/>
+              </a:spcBef>
+              <a:spcAft>
+                <a:spcPts val="0"/>
+              </a:spcAft>
+              <a:buClrTx/>
+              <a:buSzTx/>
+              <a:buFontTx/>
+              <a:buNone/>
+              <a:tabLst/>
+              <a:defRPr/>
+            </a:pPr>
             <a:endParaRPr lang="pt-BR" dirty="0"/>
           </a:p>
         </p:txBody>
@@ -2000,7 +2040,7 @@
           <a:p>
             <a:fld id="{6FC8D850-966F-45A6-8DE7-15B891E7D40D}" type="slidenum">
               <a:rPr lang="pt-BR" smtClean="0"/>
-              <a:t>24</a:t>
+              <a:t>26</a:t>
             </a:fld>
             <a:endParaRPr lang="pt-BR"/>
           </a:p>
@@ -2063,6 +2103,23 @@
           <a:bodyPr/>
           <a:lstStyle/>
           <a:p>
+            <a:pPr marL="0" marR="0" lvl="0" indent="0" algn="l" defTabSz="914400" rtl="0" eaLnBrk="1" fontAlgn="auto" latinLnBrk="0" hangingPunct="1">
+              <a:lnSpc>
+                <a:spcPct val="100000"/>
+              </a:lnSpc>
+              <a:spcBef>
+                <a:spcPts val="0"/>
+              </a:spcBef>
+              <a:spcAft>
+                <a:spcPts val="0"/>
+              </a:spcAft>
+              <a:buClrTx/>
+              <a:buSzTx/>
+              <a:buFontTx/>
+              <a:buNone/>
+              <a:tabLst/>
+              <a:defRPr/>
+            </a:pPr>
             <a:r>
               <a:rPr lang="pt-BR" dirty="0"/>
               <a:t>https://colab.research.google.com/</a:t>
@@ -2085,7 +2142,7 @@
             </a:r>
             <a:r>
               <a:rPr lang="pt-BR" dirty="0" err="1"/>
-              <a:t>exercises</a:t>
+              <a:t>examples</a:t>
             </a:r>
             <a:r>
               <a:rPr lang="pt-BR" dirty="0"/>
@@ -2093,17 +2150,8 @@
             </a:r>
             <a:r>
               <a:rPr lang="pt-BR" dirty="0" err="1"/>
-              <a:t>Exercício_detecção_de_peças_de_roupa.ipynb</a:t>
-            </a:r>
-            <a:endParaRPr lang="pt-BR" dirty="0"/>
-          </a:p>
-          <a:p>
-            <a:endParaRPr lang="pt-BR" dirty="0"/>
-          </a:p>
-          <a:p>
-            <a:endParaRPr lang="pt-BR" dirty="0"/>
-          </a:p>
-          <a:p>
+              <a:t>Detecção_de_dígitos_escritos_à_mão.ipynb</a:t>
+            </a:r>
             <a:endParaRPr lang="pt-BR" dirty="0"/>
           </a:p>
         </p:txBody>
@@ -2125,7 +2173,132 @@
           <a:p>
             <a:fld id="{6FC8D850-966F-45A6-8DE7-15B891E7D40D}" type="slidenum">
               <a:rPr lang="pt-BR" smtClean="0"/>
-              <a:t>25</a:t>
+              <a:t>28</a:t>
+            </a:fld>
+            <a:endParaRPr lang="pt-BR"/>
+          </a:p>
+        </p:txBody>
+      </p:sp>
+    </p:spTree>
+    <p:extLst>
+      <p:ext uri="{BB962C8B-B14F-4D97-AF65-F5344CB8AC3E}">
+        <p14:creationId xmlns:p14="http://schemas.microsoft.com/office/powerpoint/2010/main" val="2604614687"/>
+      </p:ext>
+    </p:extLst>
+  </p:cSld>
+  <p:clrMapOvr>
+    <a:masterClrMapping/>
+  </p:clrMapOvr>
+</p:notes>
+</file>
+
+<file path=ppt/notesSlides/notesSlide17.xml><?xml version="1.0" encoding="utf-8"?>
+<p:notes xmlns:a="http://schemas.openxmlformats.org/drawingml/2006/main" xmlns:r="http://schemas.openxmlformats.org/officeDocument/2006/relationships" xmlns:p="http://schemas.openxmlformats.org/presentationml/2006/main">
+  <p:cSld>
+    <p:spTree>
+      <p:nvGrpSpPr>
+        <p:cNvPr id="1" name=""/>
+        <p:cNvGrpSpPr/>
+        <p:nvPr/>
+      </p:nvGrpSpPr>
+      <p:grpSpPr>
+        <a:xfrm>
+          <a:off x="0" y="0"/>
+          <a:ext cx="0" cy="0"/>
+          <a:chOff x="0" y="0"/>
+          <a:chExt cx="0" cy="0"/>
+        </a:xfrm>
+      </p:grpSpPr>
+      <p:sp>
+        <p:nvSpPr>
+          <p:cNvPr id="2" name="Espaço Reservado para Imagem de Slide 1"/>
+          <p:cNvSpPr>
+            <a:spLocks noGrp="1" noRot="1" noChangeAspect="1"/>
+          </p:cNvSpPr>
+          <p:nvPr>
+            <p:ph type="sldImg"/>
+          </p:nvPr>
+        </p:nvSpPr>
+        <p:spPr/>
+      </p:sp>
+      <p:sp>
+        <p:nvSpPr>
+          <p:cNvPr id="3" name="Espaço Reservado para Anotações 2"/>
+          <p:cNvSpPr>
+            <a:spLocks noGrp="1"/>
+          </p:cNvSpPr>
+          <p:nvPr>
+            <p:ph type="body" idx="1"/>
+          </p:nvPr>
+        </p:nvSpPr>
+        <p:spPr/>
+        <p:txBody>
+          <a:bodyPr/>
+          <a:lstStyle/>
+          <a:p>
+            <a:r>
+              <a:rPr lang="pt-BR" dirty="0"/>
+              <a:t>https://colab.research.google.com/</a:t>
+            </a:r>
+            <a:r>
+              <a:rPr lang="pt-BR" dirty="0" err="1"/>
+              <a:t>github</a:t>
+            </a:r>
+            <a:r>
+              <a:rPr lang="pt-BR" dirty="0"/>
+              <a:t>/zz4fap/tp557-iot-ml/</a:t>
+            </a:r>
+            <a:r>
+              <a:rPr lang="pt-BR" dirty="0" err="1"/>
+              <a:t>blob</a:t>
+            </a:r>
+            <a:r>
+              <a:rPr lang="pt-BR" dirty="0"/>
+              <a:t>/master/</a:t>
+            </a:r>
+            <a:r>
+              <a:rPr lang="pt-BR" dirty="0" err="1"/>
+              <a:t>exercises</a:t>
+            </a:r>
+            <a:r>
+              <a:rPr lang="pt-BR" dirty="0"/>
+              <a:t>/</a:t>
+            </a:r>
+            <a:r>
+              <a:rPr lang="pt-BR" dirty="0" err="1"/>
+              <a:t>Exercício_detecção_de_peças_de_roupa.ipynb</a:t>
+            </a:r>
+            <a:endParaRPr lang="pt-BR" dirty="0"/>
+          </a:p>
+          <a:p>
+            <a:endParaRPr lang="pt-BR" dirty="0"/>
+          </a:p>
+          <a:p>
+            <a:endParaRPr lang="pt-BR" dirty="0"/>
+          </a:p>
+          <a:p>
+            <a:endParaRPr lang="pt-BR" dirty="0"/>
+          </a:p>
+        </p:txBody>
+      </p:sp>
+      <p:sp>
+        <p:nvSpPr>
+          <p:cNvPr id="4" name="Espaço Reservado para Número de Slide 3"/>
+          <p:cNvSpPr>
+            <a:spLocks noGrp="1"/>
+          </p:cNvSpPr>
+          <p:nvPr>
+            <p:ph type="sldNum" sz="quarter" idx="5"/>
+          </p:nvPr>
+        </p:nvSpPr>
+        <p:spPr/>
+        <p:txBody>
+          <a:bodyPr/>
+          <a:lstStyle/>
+          <a:p>
+            <a:fld id="{6FC8D850-966F-45A6-8DE7-15B891E7D40D}" type="slidenum">
+              <a:rPr lang="pt-BR" smtClean="0"/>
+              <a:t>29</a:t>
             </a:fld>
             <a:endParaRPr lang="pt-BR"/>
           </a:p>
@@ -3453,7 +3626,7 @@
           <a:p>
             <a:fld id="{63289F7E-B80B-496E-81B4-D396C37C9454}" type="datetimeFigureOut">
               <a:rPr lang="pt-BR" smtClean="0"/>
-              <a:t>23/08/2023</a:t>
+              <a:t>24/08/2023</a:t>
             </a:fld>
             <a:endParaRPr lang="pt-BR"/>
           </a:p>
@@ -3651,7 +3824,7 @@
           <a:p>
             <a:fld id="{63289F7E-B80B-496E-81B4-D396C37C9454}" type="datetimeFigureOut">
               <a:rPr lang="pt-BR" smtClean="0"/>
-              <a:t>23/08/2023</a:t>
+              <a:t>24/08/2023</a:t>
             </a:fld>
             <a:endParaRPr lang="pt-BR"/>
           </a:p>
@@ -3859,7 +4032,7 @@
           <a:p>
             <a:fld id="{63289F7E-B80B-496E-81B4-D396C37C9454}" type="datetimeFigureOut">
               <a:rPr lang="pt-BR" smtClean="0"/>
-              <a:t>23/08/2023</a:t>
+              <a:t>24/08/2023</a:t>
             </a:fld>
             <a:endParaRPr lang="pt-BR"/>
           </a:p>
@@ -4057,7 +4230,7 @@
           <a:p>
             <a:fld id="{63289F7E-B80B-496E-81B4-D396C37C9454}" type="datetimeFigureOut">
               <a:rPr lang="pt-BR" smtClean="0"/>
-              <a:t>23/08/2023</a:t>
+              <a:t>24/08/2023</a:t>
             </a:fld>
             <a:endParaRPr lang="pt-BR"/>
           </a:p>
@@ -4332,7 +4505,7 @@
           <a:p>
             <a:fld id="{63289F7E-B80B-496E-81B4-D396C37C9454}" type="datetimeFigureOut">
               <a:rPr lang="pt-BR" smtClean="0"/>
-              <a:t>23/08/2023</a:t>
+              <a:t>24/08/2023</a:t>
             </a:fld>
             <a:endParaRPr lang="pt-BR"/>
           </a:p>
@@ -4597,7 +4770,7 @@
           <a:p>
             <a:fld id="{63289F7E-B80B-496E-81B4-D396C37C9454}" type="datetimeFigureOut">
               <a:rPr lang="pt-BR" smtClean="0"/>
-              <a:t>23/08/2023</a:t>
+              <a:t>24/08/2023</a:t>
             </a:fld>
             <a:endParaRPr lang="pt-BR"/>
           </a:p>
@@ -5009,7 +5182,7 @@
           <a:p>
             <a:fld id="{63289F7E-B80B-496E-81B4-D396C37C9454}" type="datetimeFigureOut">
               <a:rPr lang="pt-BR" smtClean="0"/>
-              <a:t>23/08/2023</a:t>
+              <a:t>24/08/2023</a:t>
             </a:fld>
             <a:endParaRPr lang="pt-BR"/>
           </a:p>
@@ -5150,7 +5323,7 @@
           <a:p>
             <a:fld id="{63289F7E-B80B-496E-81B4-D396C37C9454}" type="datetimeFigureOut">
               <a:rPr lang="pt-BR" smtClean="0"/>
-              <a:t>23/08/2023</a:t>
+              <a:t>24/08/2023</a:t>
             </a:fld>
             <a:endParaRPr lang="pt-BR"/>
           </a:p>
@@ -5263,7 +5436,7 @@
           <a:p>
             <a:fld id="{63289F7E-B80B-496E-81B4-D396C37C9454}" type="datetimeFigureOut">
               <a:rPr lang="pt-BR" smtClean="0"/>
-              <a:t>23/08/2023</a:t>
+              <a:t>24/08/2023</a:t>
             </a:fld>
             <a:endParaRPr lang="pt-BR"/>
           </a:p>
@@ -5574,7 +5747,7 @@
           <a:p>
             <a:fld id="{63289F7E-B80B-496E-81B4-D396C37C9454}" type="datetimeFigureOut">
               <a:rPr lang="pt-BR" smtClean="0"/>
-              <a:t>23/08/2023</a:t>
+              <a:t>24/08/2023</a:t>
             </a:fld>
             <a:endParaRPr lang="pt-BR"/>
           </a:p>
@@ -5862,7 +6035,7 @@
           <a:p>
             <a:fld id="{63289F7E-B80B-496E-81B4-D396C37C9454}" type="datetimeFigureOut">
               <a:rPr lang="pt-BR" smtClean="0"/>
-              <a:t>23/08/2023</a:t>
+              <a:t>24/08/2023</a:t>
             </a:fld>
             <a:endParaRPr lang="pt-BR"/>
           </a:p>
@@ -6103,7 +6276,7 @@
           <a:p>
             <a:fld id="{63289F7E-B80B-496E-81B4-D396C37C9454}" type="datetimeFigureOut">
               <a:rPr lang="pt-BR" smtClean="0"/>
-              <a:t>23/08/2023</a:t>
+              <a:t>24/08/2023</a:t>
             </a:fld>
             <a:endParaRPr lang="pt-BR"/>
           </a:p>
@@ -10343,7 +10516,7 @@
           <a:p>
             <a:r>
               <a:rPr lang="pt-BR" dirty="0"/>
-              <a:t>E se dividirmos o conjunto total de exemplos em subconjuntos?</a:t>
+              <a:t>E se dividirmos o conjunto total de exemplos em conjuntos menores?</a:t>
             </a:r>
           </a:p>
           <a:p>
@@ -10390,10 +10563,10 @@
       </p:sp>
       <p:grpSp>
         <p:nvGrpSpPr>
-          <p:cNvPr id="8" name="Agrupar 7">
-            <a:extLst>
-              <a:ext uri="{FF2B5EF4-FFF2-40B4-BE49-F238E27FC236}">
-                <a16:creationId xmlns:a16="http://schemas.microsoft.com/office/drawing/2014/main" id="{1D3CCE0A-2911-037A-D8A8-8B58FDFE8164}"/>
+          <p:cNvPr id="4" name="Agrupar 3">
+            <a:extLst>
+              <a:ext uri="{FF2B5EF4-FFF2-40B4-BE49-F238E27FC236}">
+                <a16:creationId xmlns:a16="http://schemas.microsoft.com/office/drawing/2014/main" id="{288B23B8-5113-3888-77B7-BB6BAC36ED69}"/>
               </a:ext>
             </a:extLst>
           </p:cNvPr>
@@ -10410,10 +10583,10 @@
         </p:grpSpPr>
         <p:sp>
           <p:nvSpPr>
-            <p:cNvPr id="5" name="Retângulo 4">
+            <p:cNvPr id="9" name="Retângulo 8">
               <a:extLst>
                 <a:ext uri="{FF2B5EF4-FFF2-40B4-BE49-F238E27FC236}">
-                  <a16:creationId xmlns:a16="http://schemas.microsoft.com/office/drawing/2014/main" id="{74695352-AA0B-095F-460A-BB9FCC8530C0}"/>
+                  <a16:creationId xmlns:a16="http://schemas.microsoft.com/office/drawing/2014/main" id="{C89405E4-B2C1-EA4B-F1E2-BF6295A09601}"/>
                 </a:ext>
               </a:extLst>
             </p:cNvPr>
@@ -10465,10 +10638,10 @@
         </p:sp>
         <p:sp>
           <p:nvSpPr>
-            <p:cNvPr id="6" name="Retângulo 5">
+            <p:cNvPr id="10" name="Retângulo 9">
               <a:extLst>
                 <a:ext uri="{FF2B5EF4-FFF2-40B4-BE49-F238E27FC236}">
-                  <a16:creationId xmlns:a16="http://schemas.microsoft.com/office/drawing/2014/main" id="{EA450083-62C5-B841-123D-A9EE9ABF26E4}"/>
+                  <a16:creationId xmlns:a16="http://schemas.microsoft.com/office/drawing/2014/main" id="{FB5D56B6-071A-9C23-7908-C117CAFB472D}"/>
                 </a:ext>
               </a:extLst>
             </p:cNvPr>
@@ -10520,10 +10693,10 @@
         </p:sp>
         <p:sp>
           <p:nvSpPr>
-            <p:cNvPr id="7" name="Retângulo 6">
+            <p:cNvPr id="11" name="Retângulo 10">
               <a:extLst>
                 <a:ext uri="{FF2B5EF4-FFF2-40B4-BE49-F238E27FC236}">
-                  <a16:creationId xmlns:a16="http://schemas.microsoft.com/office/drawing/2014/main" id="{45AB0AF8-615D-0889-3527-10EC78D8E2B7}"/>
+                  <a16:creationId xmlns:a16="http://schemas.microsoft.com/office/drawing/2014/main" id="{901EFED6-A10D-AFB1-1044-2FC0A0D026EA}"/>
                 </a:ext>
               </a:extLst>
             </p:cNvPr>
@@ -10738,7 +10911,7 @@
           <a:p>
             <a:r>
               <a:rPr lang="pt-BR" dirty="0"/>
-              <a:t>Dividir para conquistar!</a:t>
+              <a:t>Conjunto de treinamento</a:t>
             </a:r>
           </a:p>
         </p:txBody>
@@ -11050,7 +11223,7 @@
           <a:p>
             <a:r>
               <a:rPr lang="pt-BR" dirty="0"/>
-              <a:t>Dividir para conquistar!</a:t>
+              <a:t>Conjunto de validação</a:t>
             </a:r>
           </a:p>
         </p:txBody>
@@ -11159,10 +11332,10 @@
       </p:sp>
       <p:grpSp>
         <p:nvGrpSpPr>
-          <p:cNvPr id="5" name="Agrupar 4">
-            <a:extLst>
-              <a:ext uri="{FF2B5EF4-FFF2-40B4-BE49-F238E27FC236}">
-                <a16:creationId xmlns:a16="http://schemas.microsoft.com/office/drawing/2014/main" id="{9A13FA45-B0E6-AD00-6A7C-3B7A72CF3284}"/>
+          <p:cNvPr id="4" name="Agrupar 3">
+            <a:extLst>
+              <a:ext uri="{FF2B5EF4-FFF2-40B4-BE49-F238E27FC236}">
+                <a16:creationId xmlns:a16="http://schemas.microsoft.com/office/drawing/2014/main" id="{834867BD-485B-151E-A8D6-3FD97BD5C155}"/>
               </a:ext>
             </a:extLst>
           </p:cNvPr>
@@ -11171,7 +11344,7 @@
         </p:nvGrpSpPr>
         <p:grpSpPr>
           <a:xfrm>
-            <a:off x="98322" y="3201269"/>
+            <a:off x="78656" y="2719489"/>
             <a:ext cx="6548285" cy="629264"/>
             <a:chOff x="98321" y="4027179"/>
             <a:chExt cx="6548285" cy="629264"/>
@@ -11179,10 +11352,10 @@
         </p:grpSpPr>
         <p:sp>
           <p:nvSpPr>
-            <p:cNvPr id="6" name="Retângulo 5">
+            <p:cNvPr id="9" name="Retângulo 8">
               <a:extLst>
                 <a:ext uri="{FF2B5EF4-FFF2-40B4-BE49-F238E27FC236}">
-                  <a16:creationId xmlns:a16="http://schemas.microsoft.com/office/drawing/2014/main" id="{2CABB89E-8D63-A583-F90D-EA6B801B7D70}"/>
+                  <a16:creationId xmlns:a16="http://schemas.microsoft.com/office/drawing/2014/main" id="{FDB8567A-B72C-3862-4679-651D2D165946}"/>
                 </a:ext>
               </a:extLst>
             </p:cNvPr>
@@ -11234,10 +11407,10 @@
         </p:sp>
         <p:sp>
           <p:nvSpPr>
-            <p:cNvPr id="7" name="Retângulo 6">
+            <p:cNvPr id="10" name="Retângulo 9">
               <a:extLst>
                 <a:ext uri="{FF2B5EF4-FFF2-40B4-BE49-F238E27FC236}">
-                  <a16:creationId xmlns:a16="http://schemas.microsoft.com/office/drawing/2014/main" id="{3E1BB6F9-27F1-10EE-8556-D1E271B783E0}"/>
+                  <a16:creationId xmlns:a16="http://schemas.microsoft.com/office/drawing/2014/main" id="{9ABA3821-4162-3193-ADF3-D76742D62FEC}"/>
                 </a:ext>
               </a:extLst>
             </p:cNvPr>
@@ -11289,10 +11462,10 @@
         </p:sp>
         <p:sp>
           <p:nvSpPr>
-            <p:cNvPr id="8" name="Retângulo 7">
+            <p:cNvPr id="11" name="Retângulo 10">
               <a:extLst>
                 <a:ext uri="{FF2B5EF4-FFF2-40B4-BE49-F238E27FC236}">
-                  <a16:creationId xmlns:a16="http://schemas.microsoft.com/office/drawing/2014/main" id="{C8333017-6A08-0EFC-DB6C-05BBC6B5F1A6}"/>
+                  <a16:creationId xmlns:a16="http://schemas.microsoft.com/office/drawing/2014/main" id="{FFDE3367-A304-FC98-F961-58B9F75E98A4}"/>
                 </a:ext>
               </a:extLst>
             </p:cNvPr>
@@ -11396,7 +11569,7 @@
           <a:p>
             <a:r>
               <a:rPr lang="pt-BR" dirty="0"/>
-              <a:t>Dividir para conquistar!</a:t>
+              <a:t>Conjunto de teste</a:t>
             </a:r>
           </a:p>
         </p:txBody>
@@ -11483,10 +11656,10 @@
       </p:sp>
       <p:grpSp>
         <p:nvGrpSpPr>
-          <p:cNvPr id="5" name="Agrupar 4">
-            <a:extLst>
-              <a:ext uri="{FF2B5EF4-FFF2-40B4-BE49-F238E27FC236}">
-                <a16:creationId xmlns:a16="http://schemas.microsoft.com/office/drawing/2014/main" id="{AF12C6A3-924A-7571-5F36-A7FB5487F322}"/>
+          <p:cNvPr id="4" name="Agrupar 3">
+            <a:extLst>
+              <a:ext uri="{FF2B5EF4-FFF2-40B4-BE49-F238E27FC236}">
+                <a16:creationId xmlns:a16="http://schemas.microsoft.com/office/drawing/2014/main" id="{C45FB5A8-671C-DCA1-B12E-7A3F299B7726}"/>
               </a:ext>
             </a:extLst>
           </p:cNvPr>
@@ -11503,10 +11676,10 @@
         </p:grpSpPr>
         <p:sp>
           <p:nvSpPr>
-            <p:cNvPr id="6" name="Retângulo 5">
+            <p:cNvPr id="9" name="Retângulo 8">
               <a:extLst>
                 <a:ext uri="{FF2B5EF4-FFF2-40B4-BE49-F238E27FC236}">
-                  <a16:creationId xmlns:a16="http://schemas.microsoft.com/office/drawing/2014/main" id="{8FA8CB26-5801-2ABB-B1EE-59A42710492C}"/>
+                  <a16:creationId xmlns:a16="http://schemas.microsoft.com/office/drawing/2014/main" id="{942652D7-D11D-9E31-147F-0596CA45CDD8}"/>
                 </a:ext>
               </a:extLst>
             </p:cNvPr>
@@ -11558,10 +11731,10 @@
         </p:sp>
         <p:sp>
           <p:nvSpPr>
-            <p:cNvPr id="7" name="Retângulo 6">
+            <p:cNvPr id="10" name="Retângulo 9">
               <a:extLst>
                 <a:ext uri="{FF2B5EF4-FFF2-40B4-BE49-F238E27FC236}">
-                  <a16:creationId xmlns:a16="http://schemas.microsoft.com/office/drawing/2014/main" id="{495A9737-F0CB-3C08-88C8-E869002E85CC}"/>
+                  <a16:creationId xmlns:a16="http://schemas.microsoft.com/office/drawing/2014/main" id="{CB77ECC7-D3D5-4A48-9BEE-68805AC5B8B2}"/>
                 </a:ext>
               </a:extLst>
             </p:cNvPr>
@@ -11613,10 +11786,10 @@
         </p:sp>
         <p:sp>
           <p:nvSpPr>
-            <p:cNvPr id="8" name="Retângulo 7">
+            <p:cNvPr id="11" name="Retângulo 10">
               <a:extLst>
                 <a:ext uri="{FF2B5EF4-FFF2-40B4-BE49-F238E27FC236}">
-                  <a16:creationId xmlns:a16="http://schemas.microsoft.com/office/drawing/2014/main" id="{C0FD1481-94AB-6D5B-F9AF-8A943C2BA262}"/>
+                  <a16:creationId xmlns:a16="http://schemas.microsoft.com/office/drawing/2014/main" id="{09795D2F-676B-DA33-9E1A-DE95DE4B3F7E}"/>
                 </a:ext>
               </a:extLst>
             </p:cNvPr>
@@ -11702,7 +11875,7 @@
           <p:cNvPr id="2" name="Título 1">
             <a:extLst>
               <a:ext uri="{FF2B5EF4-FFF2-40B4-BE49-F238E27FC236}">
-                <a16:creationId xmlns:a16="http://schemas.microsoft.com/office/drawing/2014/main" id="{D729F673-B517-8CF2-C7D0-BA7EE704E4FE}"/>
+                <a16:creationId xmlns:a16="http://schemas.microsoft.com/office/drawing/2014/main" id="{8E0F6520-45D3-CB1E-DD88-F75930828487}"/>
               </a:ext>
             </a:extLst>
           </p:cNvPr>
@@ -11718,7 +11891,10 @@
           <a:bodyPr/>
           <a:lstStyle/>
           <a:p>
-            <a:endParaRPr lang="pt-BR"/>
+            <a:r>
+              <a:rPr lang="pt-BR" dirty="0"/>
+              <a:t>Aplicando a metodologia</a:t>
+            </a:r>
           </a:p>
         </p:txBody>
       </p:sp>
@@ -11727,7 +11903,7 @@
           <p:cNvPr id="3" name="Espaço Reservado para Conteúdo 2">
             <a:extLst>
               <a:ext uri="{FF2B5EF4-FFF2-40B4-BE49-F238E27FC236}">
-                <a16:creationId xmlns:a16="http://schemas.microsoft.com/office/drawing/2014/main" id="{96358EF7-640D-2D5F-8C4A-905DFEE6393E}"/>
+                <a16:creationId xmlns:a16="http://schemas.microsoft.com/office/drawing/2014/main" id="{1FF07388-B562-E5DD-2F3D-BFF95E2F4BA4}"/>
               </a:ext>
             </a:extLst>
           </p:cNvPr>
@@ -11738,19 +11914,394 @@
             <p:ph idx="1"/>
           </p:nvPr>
         </p:nvSpPr>
-        <p:spPr/>
+        <p:spPr>
+          <a:xfrm>
+            <a:off x="6400800" y="1825624"/>
+            <a:ext cx="5614221" cy="5032375"/>
+          </a:xfrm>
+        </p:spPr>
         <p:txBody>
-          <a:bodyPr/>
+          <a:bodyPr>
+            <a:normAutofit lnSpcReduction="10000"/>
+          </a:bodyPr>
           <a:lstStyle/>
           <a:p>
-            <a:endParaRPr lang="pt-BR"/>
+            <a:r>
+              <a:rPr lang="pt-BR" b="0" i="0" dirty="0">
+                <a:effectLst/>
+              </a:rPr>
+              <a:t>Seguindo essa metodologia, poderíamos, por exemplo, escolher uma arquitetura de rede neural e treiná-la para resolver um problema de classificação. </a:t>
+            </a:r>
+          </a:p>
+          <a:p>
+            <a:r>
+              <a:rPr lang="pt-BR" b="0" i="0" dirty="0">
+                <a:effectLst/>
+              </a:rPr>
+              <a:t>Nos dados de treinamento, a acurácia é de 99.9%. </a:t>
+            </a:r>
+          </a:p>
+          <a:p>
+            <a:r>
+              <a:rPr lang="pt-BR" b="0" i="0" dirty="0">
+                <a:effectLst/>
+              </a:rPr>
+              <a:t>Mas ela é pior nos outros dois conjuntos. </a:t>
+            </a:r>
+          </a:p>
+          <a:p>
+            <a:r>
+              <a:rPr lang="pt-BR" b="0" i="0" dirty="0">
+                <a:effectLst/>
+              </a:rPr>
+              <a:t>Ela é de 90% e 80% nos conjunto de validação e teste, respectivamente.</a:t>
+            </a:r>
+          </a:p>
+          <a:p>
+            <a:r>
+              <a:rPr lang="pt-BR" dirty="0"/>
+              <a:t>O que isso pode indicar?</a:t>
+            </a:r>
+            <a:endParaRPr lang="pt-BR" b="0" i="0" dirty="0">
+              <a:effectLst/>
+            </a:endParaRPr>
           </a:p>
         </p:txBody>
       </p:sp>
+      <p:grpSp>
+        <p:nvGrpSpPr>
+          <p:cNvPr id="4" name="Agrupar 3">
+            <a:extLst>
+              <a:ext uri="{FF2B5EF4-FFF2-40B4-BE49-F238E27FC236}">
+                <a16:creationId xmlns:a16="http://schemas.microsoft.com/office/drawing/2014/main" id="{C45FB5A8-671C-DCA1-B12E-7A3F299B7726}"/>
+              </a:ext>
+            </a:extLst>
+          </p:cNvPr>
+          <p:cNvGrpSpPr/>
+          <p:nvPr/>
+        </p:nvGrpSpPr>
+        <p:grpSpPr>
+          <a:xfrm>
+            <a:off x="78657" y="2753031"/>
+            <a:ext cx="6322144" cy="595721"/>
+            <a:chOff x="98321" y="4027179"/>
+            <a:chExt cx="6548285" cy="629264"/>
+          </a:xfrm>
+        </p:grpSpPr>
+        <p:sp>
+          <p:nvSpPr>
+            <p:cNvPr id="9" name="Retângulo 8">
+              <a:extLst>
+                <a:ext uri="{FF2B5EF4-FFF2-40B4-BE49-F238E27FC236}">
+                  <a16:creationId xmlns:a16="http://schemas.microsoft.com/office/drawing/2014/main" id="{942652D7-D11D-9E31-147F-0596CA45CDD8}"/>
+                </a:ext>
+              </a:extLst>
+            </p:cNvPr>
+            <p:cNvSpPr/>
+            <p:nvPr/>
+          </p:nvSpPr>
+          <p:spPr>
+            <a:xfrm>
+              <a:off x="98321" y="4027179"/>
+              <a:ext cx="4267203" cy="629264"/>
+            </a:xfrm>
+            <a:prstGeom prst="rect">
+              <a:avLst/>
+            </a:prstGeom>
+            <a:solidFill>
+              <a:schemeClr val="accent4">
+                <a:lumMod val="60000"/>
+                <a:lumOff val="40000"/>
+              </a:schemeClr>
+            </a:solidFill>
+          </p:spPr>
+          <p:style>
+            <a:lnRef idx="2">
+              <a:schemeClr val="accent4">
+                <a:shade val="15000"/>
+              </a:schemeClr>
+            </a:lnRef>
+            <a:fillRef idx="1">
+              <a:schemeClr val="accent4"/>
+            </a:fillRef>
+            <a:effectRef idx="0">
+              <a:schemeClr val="accent4"/>
+            </a:effectRef>
+            <a:fontRef idx="minor">
+              <a:schemeClr val="lt1"/>
+            </a:fontRef>
+          </p:style>
+          <p:txBody>
+            <a:bodyPr rtlCol="0" anchor="ctr"/>
+            <a:lstStyle/>
+            <a:p>
+              <a:pPr algn="ctr"/>
+              <a:r>
+                <a:rPr lang="pt-BR" b="1" dirty="0"/>
+                <a:t>Treinamento</a:t>
+              </a:r>
+            </a:p>
+          </p:txBody>
+        </p:sp>
+        <p:sp>
+          <p:nvSpPr>
+            <p:cNvPr id="10" name="Retângulo 9">
+              <a:extLst>
+                <a:ext uri="{FF2B5EF4-FFF2-40B4-BE49-F238E27FC236}">
+                  <a16:creationId xmlns:a16="http://schemas.microsoft.com/office/drawing/2014/main" id="{CB77ECC7-D3D5-4A48-9BEE-68805AC5B8B2}"/>
+                </a:ext>
+              </a:extLst>
+            </p:cNvPr>
+            <p:cNvSpPr/>
+            <p:nvPr/>
+          </p:nvSpPr>
+          <p:spPr>
+            <a:xfrm>
+              <a:off x="5506066" y="4027179"/>
+              <a:ext cx="1140540" cy="629264"/>
+            </a:xfrm>
+            <a:prstGeom prst="rect">
+              <a:avLst/>
+            </a:prstGeom>
+            <a:solidFill>
+              <a:schemeClr val="accent5">
+                <a:lumMod val="60000"/>
+                <a:lumOff val="40000"/>
+              </a:schemeClr>
+            </a:solidFill>
+          </p:spPr>
+          <p:style>
+            <a:lnRef idx="2">
+              <a:schemeClr val="accent4">
+                <a:shade val="15000"/>
+              </a:schemeClr>
+            </a:lnRef>
+            <a:fillRef idx="1">
+              <a:schemeClr val="accent4"/>
+            </a:fillRef>
+            <a:effectRef idx="0">
+              <a:schemeClr val="accent4"/>
+            </a:effectRef>
+            <a:fontRef idx="minor">
+              <a:schemeClr val="lt1"/>
+            </a:fontRef>
+          </p:style>
+          <p:txBody>
+            <a:bodyPr rtlCol="0" anchor="ctr"/>
+            <a:lstStyle/>
+            <a:p>
+              <a:pPr algn="ctr"/>
+              <a:r>
+                <a:rPr lang="pt-BR" b="1" dirty="0"/>
+                <a:t>Teste</a:t>
+              </a:r>
+            </a:p>
+          </p:txBody>
+        </p:sp>
+        <p:sp>
+          <p:nvSpPr>
+            <p:cNvPr id="11" name="Retângulo 10">
+              <a:extLst>
+                <a:ext uri="{FF2B5EF4-FFF2-40B4-BE49-F238E27FC236}">
+                  <a16:creationId xmlns:a16="http://schemas.microsoft.com/office/drawing/2014/main" id="{09795D2F-676B-DA33-9E1A-DE95DE4B3F7E}"/>
+                </a:ext>
+              </a:extLst>
+            </p:cNvPr>
+            <p:cNvSpPr/>
+            <p:nvPr/>
+          </p:nvSpPr>
+          <p:spPr>
+            <a:xfrm>
+              <a:off x="4365525" y="4027179"/>
+              <a:ext cx="1140541" cy="629264"/>
+            </a:xfrm>
+            <a:prstGeom prst="rect">
+              <a:avLst/>
+            </a:prstGeom>
+            <a:solidFill>
+              <a:schemeClr val="accent2">
+                <a:lumMod val="60000"/>
+                <a:lumOff val="40000"/>
+              </a:schemeClr>
+            </a:solidFill>
+          </p:spPr>
+          <p:style>
+            <a:lnRef idx="2">
+              <a:schemeClr val="accent4">
+                <a:shade val="15000"/>
+              </a:schemeClr>
+            </a:lnRef>
+            <a:fillRef idx="1">
+              <a:schemeClr val="accent4"/>
+            </a:fillRef>
+            <a:effectRef idx="0">
+              <a:schemeClr val="accent4"/>
+            </a:effectRef>
+            <a:fontRef idx="minor">
+              <a:schemeClr val="lt1"/>
+            </a:fontRef>
+          </p:style>
+          <p:txBody>
+            <a:bodyPr rtlCol="0" anchor="ctr"/>
+            <a:lstStyle/>
+            <a:p>
+              <a:pPr algn="ctr"/>
+              <a:r>
+                <a:rPr lang="pt-BR" b="1" dirty="0"/>
+                <a:t>Validação</a:t>
+              </a:r>
+            </a:p>
+          </p:txBody>
+        </p:sp>
+      </p:grpSp>
+      <p:sp>
+        <p:nvSpPr>
+          <p:cNvPr id="5" name="CaixaDeTexto 4">
+            <a:extLst>
+              <a:ext uri="{FF2B5EF4-FFF2-40B4-BE49-F238E27FC236}">
+                <a16:creationId xmlns:a16="http://schemas.microsoft.com/office/drawing/2014/main" id="{3063BB5B-C98D-14A2-6E2F-EAEECB666101}"/>
+              </a:ext>
+            </a:extLst>
+          </p:cNvPr>
+          <p:cNvSpPr txBox="1"/>
+          <p:nvPr/>
+        </p:nvSpPr>
+        <p:spPr>
+          <a:xfrm>
+            <a:off x="1568304" y="3348752"/>
+            <a:ext cx="1140544" cy="523220"/>
+          </a:xfrm>
+          <a:prstGeom prst="rect">
+            <a:avLst/>
+          </a:prstGeom>
+          <a:noFill/>
+        </p:spPr>
+        <p:txBody>
+          <a:bodyPr wrap="square" rtlCol="0">
+            <a:spAutoFit/>
+          </a:bodyPr>
+          <a:lstStyle/>
+          <a:p>
+            <a:pPr algn="ctr"/>
+            <a:r>
+              <a:rPr lang="pt-BR" sz="1400" dirty="0"/>
+              <a:t>Acurácia: 0.999</a:t>
+            </a:r>
+          </a:p>
+        </p:txBody>
+      </p:sp>
+      <p:sp>
+        <p:nvSpPr>
+          <p:cNvPr id="6" name="CaixaDeTexto 5">
+            <a:extLst>
+              <a:ext uri="{FF2B5EF4-FFF2-40B4-BE49-F238E27FC236}">
+                <a16:creationId xmlns:a16="http://schemas.microsoft.com/office/drawing/2014/main" id="{C3D07BA5-A4B3-F074-9327-3D1F4B1D6902}"/>
+              </a:ext>
+            </a:extLst>
+          </p:cNvPr>
+          <p:cNvSpPr txBox="1"/>
+          <p:nvPr/>
+        </p:nvSpPr>
+        <p:spPr>
+          <a:xfrm>
+            <a:off x="4198494" y="3348752"/>
+            <a:ext cx="1101151" cy="523220"/>
+          </a:xfrm>
+          <a:prstGeom prst="rect">
+            <a:avLst/>
+          </a:prstGeom>
+          <a:noFill/>
+        </p:spPr>
+        <p:txBody>
+          <a:bodyPr wrap="square" rtlCol="0">
+            <a:spAutoFit/>
+          </a:bodyPr>
+          <a:lstStyle/>
+          <a:p>
+            <a:pPr algn="ctr"/>
+            <a:r>
+              <a:rPr lang="pt-BR" sz="1400" dirty="0"/>
+              <a:t>Acurácia: 0.9</a:t>
+            </a:r>
+          </a:p>
+        </p:txBody>
+      </p:sp>
+      <p:sp>
+        <p:nvSpPr>
+          <p:cNvPr id="7" name="CaixaDeTexto 6">
+            <a:extLst>
+              <a:ext uri="{FF2B5EF4-FFF2-40B4-BE49-F238E27FC236}">
+                <a16:creationId xmlns:a16="http://schemas.microsoft.com/office/drawing/2014/main" id="{83BEAD47-ED5A-64C9-3184-510135A2CFE6}"/>
+              </a:ext>
+            </a:extLst>
+          </p:cNvPr>
+          <p:cNvSpPr txBox="1"/>
+          <p:nvPr/>
+        </p:nvSpPr>
+        <p:spPr>
+          <a:xfrm>
+            <a:off x="5299648" y="3367550"/>
+            <a:ext cx="1101153" cy="523220"/>
+          </a:xfrm>
+          <a:prstGeom prst="rect">
+            <a:avLst/>
+          </a:prstGeom>
+          <a:noFill/>
+        </p:spPr>
+        <p:txBody>
+          <a:bodyPr wrap="square" rtlCol="0">
+            <a:spAutoFit/>
+          </a:bodyPr>
+          <a:lstStyle/>
+          <a:p>
+            <a:pPr algn="ctr"/>
+            <a:r>
+              <a:rPr lang="pt-BR" sz="1400" dirty="0"/>
+              <a:t>Acurácia: 0.8</a:t>
+            </a:r>
+          </a:p>
+        </p:txBody>
+      </p:sp>
+      <p:pic>
+        <p:nvPicPr>
+          <p:cNvPr id="12" name="Imagem 11">
+            <a:extLst>
+              <a:ext uri="{FF2B5EF4-FFF2-40B4-BE49-F238E27FC236}">
+                <a16:creationId xmlns:a16="http://schemas.microsoft.com/office/drawing/2014/main" id="{49F0D3D2-EF84-C8F4-C1B8-F78492867A5E}"/>
+              </a:ext>
+            </a:extLst>
+          </p:cNvPr>
+          <p:cNvPicPr>
+            <a:picLocks noChangeAspect="1"/>
+          </p:cNvPicPr>
+          <p:nvPr/>
+        </p:nvPicPr>
+        <p:blipFill>
+          <a:blip r:embed="rId2">
+            <a:extLst>
+              <a:ext uri="{28A0092B-C50C-407E-A947-70E740481C1C}">
+                <a14:useLocalDpi xmlns:a14="http://schemas.microsoft.com/office/drawing/2010/main" val="0"/>
+              </a:ext>
+            </a:extLst>
+          </a:blip>
+          <a:stretch>
+            <a:fillRect/>
+          </a:stretch>
+        </p:blipFill>
+        <p:spPr>
+          <a:xfrm>
+            <a:off x="1809065" y="4227872"/>
+            <a:ext cx="3414037" cy="2265003"/>
+          </a:xfrm>
+          <a:prstGeom prst="rect">
+            <a:avLst/>
+          </a:prstGeom>
+        </p:spPr>
+      </p:pic>
     </p:spTree>
     <p:extLst>
       <p:ext uri="{BB962C8B-B14F-4D97-AF65-F5344CB8AC3E}">
-        <p14:creationId xmlns:p14="http://schemas.microsoft.com/office/powerpoint/2010/main" val="2555344941"/>
+        <p14:creationId xmlns:p14="http://schemas.microsoft.com/office/powerpoint/2010/main" val="526410100"/>
       </p:ext>
     </p:extLst>
   </p:cSld>
@@ -11782,7 +12333,7 @@
           <p:cNvPr id="2" name="Título 1">
             <a:extLst>
               <a:ext uri="{FF2B5EF4-FFF2-40B4-BE49-F238E27FC236}">
-                <a16:creationId xmlns:a16="http://schemas.microsoft.com/office/drawing/2014/main" id="{9CD00B3E-85D7-8B25-6629-4A85FF36133A}"/>
+                <a16:creationId xmlns:a16="http://schemas.microsoft.com/office/drawing/2014/main" id="{8E0F6520-45D3-CB1E-DD88-F75930828487}"/>
               </a:ext>
             </a:extLst>
           </p:cNvPr>
@@ -11800,7 +12351,7 @@
           <a:p>
             <a:r>
               <a:rPr lang="pt-BR" dirty="0"/>
-              <a:t>Exemplo</a:t>
+              <a:t>Aplicando a metodologia</a:t>
             </a:r>
           </a:p>
         </p:txBody>
@@ -11810,7 +12361,7 @@
           <p:cNvPr id="3" name="Espaço Reservado para Conteúdo 2">
             <a:extLst>
               <a:ext uri="{FF2B5EF4-FFF2-40B4-BE49-F238E27FC236}">
-                <a16:creationId xmlns:a16="http://schemas.microsoft.com/office/drawing/2014/main" id="{9730104F-E6BA-B308-644A-11A7E4939EBD}"/>
+                <a16:creationId xmlns:a16="http://schemas.microsoft.com/office/drawing/2014/main" id="{1FF07388-B562-E5DD-2F3D-BFF95E2F4BA4}"/>
               </a:ext>
             </a:extLst>
           </p:cNvPr>
@@ -11823,8 +12374,904 @@
         </p:nvSpPr>
         <p:spPr>
           <a:xfrm>
+            <a:off x="6400800" y="1825624"/>
+            <a:ext cx="5643716" cy="5032375"/>
+          </a:xfrm>
+        </p:spPr>
+        <p:txBody>
+          <a:bodyPr>
+            <a:normAutofit lnSpcReduction="10000"/>
+          </a:bodyPr>
+          <a:lstStyle/>
+          <a:p>
+            <a:r>
+              <a:rPr lang="pt-BR" b="0" i="0" dirty="0">
+                <a:effectLst/>
+              </a:rPr>
+              <a:t>Podemos estar diante de uma situação igual a da detecção de calçados. </a:t>
+            </a:r>
+          </a:p>
+          <a:p>
+            <a:r>
+              <a:rPr lang="pt-BR" b="0" i="0" dirty="0">
+                <a:effectLst/>
+              </a:rPr>
+              <a:t>Projetamos uma rede neural que é ótima nos dados de treinamento, mas não tão boa nos outros dados.</a:t>
+            </a:r>
+          </a:p>
+          <a:p>
+            <a:pPr lvl="1">
+              <a:buFont typeface="Wingdings" panose="05000000000000000000" pitchFamily="2" charset="2"/>
+              <a:buChar char="§"/>
+            </a:pPr>
+            <a:r>
+              <a:rPr lang="pt-BR" b="0" i="0" dirty="0">
+                <a:effectLst/>
+              </a:rPr>
+              <a:t>Uma indicação de sobreajuste.</a:t>
+            </a:r>
+          </a:p>
+          <a:p>
+            <a:r>
+              <a:rPr lang="pt-BR" b="0" i="0" dirty="0">
+                <a:effectLst/>
+              </a:rPr>
+              <a:t>Os 99.9% nos fazem pensar que temos uma rede muito melhor do que realmente temos. </a:t>
+            </a:r>
+          </a:p>
+          <a:p>
+            <a:r>
+              <a:rPr lang="pt-BR" b="0" i="0" dirty="0">
+                <a:effectLst/>
+              </a:rPr>
+              <a:t>E se reprojetarmos a rede (e.g., reduzir sua complexidade) e tentamos novamente?</a:t>
+            </a:r>
+          </a:p>
+        </p:txBody>
+      </p:sp>
+      <p:grpSp>
+        <p:nvGrpSpPr>
+          <p:cNvPr id="4" name="Agrupar 3">
+            <a:extLst>
+              <a:ext uri="{FF2B5EF4-FFF2-40B4-BE49-F238E27FC236}">
+                <a16:creationId xmlns:a16="http://schemas.microsoft.com/office/drawing/2014/main" id="{C45FB5A8-671C-DCA1-B12E-7A3F299B7726}"/>
+              </a:ext>
+            </a:extLst>
+          </p:cNvPr>
+          <p:cNvGrpSpPr/>
+          <p:nvPr/>
+        </p:nvGrpSpPr>
+        <p:grpSpPr>
+          <a:xfrm>
+            <a:off x="78657" y="2753031"/>
+            <a:ext cx="6322144" cy="595721"/>
+            <a:chOff x="98321" y="4027179"/>
+            <a:chExt cx="6548285" cy="629264"/>
+          </a:xfrm>
+        </p:grpSpPr>
+        <p:sp>
+          <p:nvSpPr>
+            <p:cNvPr id="9" name="Retângulo 8">
+              <a:extLst>
+                <a:ext uri="{FF2B5EF4-FFF2-40B4-BE49-F238E27FC236}">
+                  <a16:creationId xmlns:a16="http://schemas.microsoft.com/office/drawing/2014/main" id="{942652D7-D11D-9E31-147F-0596CA45CDD8}"/>
+                </a:ext>
+              </a:extLst>
+            </p:cNvPr>
+            <p:cNvSpPr/>
+            <p:nvPr/>
+          </p:nvSpPr>
+          <p:spPr>
+            <a:xfrm>
+              <a:off x="98321" y="4027179"/>
+              <a:ext cx="4267203" cy="629264"/>
+            </a:xfrm>
+            <a:prstGeom prst="rect">
+              <a:avLst/>
+            </a:prstGeom>
+            <a:solidFill>
+              <a:schemeClr val="accent4">
+                <a:lumMod val="60000"/>
+                <a:lumOff val="40000"/>
+              </a:schemeClr>
+            </a:solidFill>
+          </p:spPr>
+          <p:style>
+            <a:lnRef idx="2">
+              <a:schemeClr val="accent4">
+                <a:shade val="15000"/>
+              </a:schemeClr>
+            </a:lnRef>
+            <a:fillRef idx="1">
+              <a:schemeClr val="accent4"/>
+            </a:fillRef>
+            <a:effectRef idx="0">
+              <a:schemeClr val="accent4"/>
+            </a:effectRef>
+            <a:fontRef idx="minor">
+              <a:schemeClr val="lt1"/>
+            </a:fontRef>
+          </p:style>
+          <p:txBody>
+            <a:bodyPr rtlCol="0" anchor="ctr"/>
+            <a:lstStyle/>
+            <a:p>
+              <a:pPr algn="ctr"/>
+              <a:r>
+                <a:rPr lang="pt-BR" b="1" dirty="0"/>
+                <a:t>Treinamento</a:t>
+              </a:r>
+            </a:p>
+          </p:txBody>
+        </p:sp>
+        <p:sp>
+          <p:nvSpPr>
+            <p:cNvPr id="10" name="Retângulo 9">
+              <a:extLst>
+                <a:ext uri="{FF2B5EF4-FFF2-40B4-BE49-F238E27FC236}">
+                  <a16:creationId xmlns:a16="http://schemas.microsoft.com/office/drawing/2014/main" id="{CB77ECC7-D3D5-4A48-9BEE-68805AC5B8B2}"/>
+                </a:ext>
+              </a:extLst>
+            </p:cNvPr>
+            <p:cNvSpPr/>
+            <p:nvPr/>
+          </p:nvSpPr>
+          <p:spPr>
+            <a:xfrm>
+              <a:off x="5506066" y="4027179"/>
+              <a:ext cx="1140540" cy="629264"/>
+            </a:xfrm>
+            <a:prstGeom prst="rect">
+              <a:avLst/>
+            </a:prstGeom>
+            <a:solidFill>
+              <a:schemeClr val="accent5">
+                <a:lumMod val="60000"/>
+                <a:lumOff val="40000"/>
+              </a:schemeClr>
+            </a:solidFill>
+          </p:spPr>
+          <p:style>
+            <a:lnRef idx="2">
+              <a:schemeClr val="accent4">
+                <a:shade val="15000"/>
+              </a:schemeClr>
+            </a:lnRef>
+            <a:fillRef idx="1">
+              <a:schemeClr val="accent4"/>
+            </a:fillRef>
+            <a:effectRef idx="0">
+              <a:schemeClr val="accent4"/>
+            </a:effectRef>
+            <a:fontRef idx="minor">
+              <a:schemeClr val="lt1"/>
+            </a:fontRef>
+          </p:style>
+          <p:txBody>
+            <a:bodyPr rtlCol="0" anchor="ctr"/>
+            <a:lstStyle/>
+            <a:p>
+              <a:pPr algn="ctr"/>
+              <a:r>
+                <a:rPr lang="pt-BR" b="1" dirty="0"/>
+                <a:t>Teste</a:t>
+              </a:r>
+            </a:p>
+          </p:txBody>
+        </p:sp>
+        <p:sp>
+          <p:nvSpPr>
+            <p:cNvPr id="11" name="Retângulo 10">
+              <a:extLst>
+                <a:ext uri="{FF2B5EF4-FFF2-40B4-BE49-F238E27FC236}">
+                  <a16:creationId xmlns:a16="http://schemas.microsoft.com/office/drawing/2014/main" id="{09795D2F-676B-DA33-9E1A-DE95DE4B3F7E}"/>
+                </a:ext>
+              </a:extLst>
+            </p:cNvPr>
+            <p:cNvSpPr/>
+            <p:nvPr/>
+          </p:nvSpPr>
+          <p:spPr>
+            <a:xfrm>
+              <a:off x="4365525" y="4027179"/>
+              <a:ext cx="1140541" cy="629264"/>
+            </a:xfrm>
+            <a:prstGeom prst="rect">
+              <a:avLst/>
+            </a:prstGeom>
+            <a:solidFill>
+              <a:schemeClr val="accent2">
+                <a:lumMod val="60000"/>
+                <a:lumOff val="40000"/>
+              </a:schemeClr>
+            </a:solidFill>
+          </p:spPr>
+          <p:style>
+            <a:lnRef idx="2">
+              <a:schemeClr val="accent4">
+                <a:shade val="15000"/>
+              </a:schemeClr>
+            </a:lnRef>
+            <a:fillRef idx="1">
+              <a:schemeClr val="accent4"/>
+            </a:fillRef>
+            <a:effectRef idx="0">
+              <a:schemeClr val="accent4"/>
+            </a:effectRef>
+            <a:fontRef idx="minor">
+              <a:schemeClr val="lt1"/>
+            </a:fontRef>
+          </p:style>
+          <p:txBody>
+            <a:bodyPr rtlCol="0" anchor="ctr"/>
+            <a:lstStyle/>
+            <a:p>
+              <a:pPr algn="ctr"/>
+              <a:r>
+                <a:rPr lang="pt-BR" b="1" dirty="0"/>
+                <a:t>Validação</a:t>
+              </a:r>
+            </a:p>
+          </p:txBody>
+        </p:sp>
+      </p:grpSp>
+      <p:sp>
+        <p:nvSpPr>
+          <p:cNvPr id="5" name="CaixaDeTexto 4">
+            <a:extLst>
+              <a:ext uri="{FF2B5EF4-FFF2-40B4-BE49-F238E27FC236}">
+                <a16:creationId xmlns:a16="http://schemas.microsoft.com/office/drawing/2014/main" id="{3063BB5B-C98D-14A2-6E2F-EAEECB666101}"/>
+              </a:ext>
+            </a:extLst>
+          </p:cNvPr>
+          <p:cNvSpPr txBox="1"/>
+          <p:nvPr/>
+        </p:nvSpPr>
+        <p:spPr>
+          <a:xfrm>
+            <a:off x="1568304" y="3348752"/>
+            <a:ext cx="1140544" cy="523220"/>
+          </a:xfrm>
+          <a:prstGeom prst="rect">
+            <a:avLst/>
+          </a:prstGeom>
+          <a:noFill/>
+        </p:spPr>
+        <p:txBody>
+          <a:bodyPr wrap="square" rtlCol="0">
+            <a:spAutoFit/>
+          </a:bodyPr>
+          <a:lstStyle/>
+          <a:p>
+            <a:pPr algn="ctr"/>
+            <a:r>
+              <a:rPr lang="pt-BR" sz="1400" dirty="0"/>
+              <a:t>Acurácia: 0.999</a:t>
+            </a:r>
+          </a:p>
+        </p:txBody>
+      </p:sp>
+      <p:sp>
+        <p:nvSpPr>
+          <p:cNvPr id="6" name="CaixaDeTexto 5">
+            <a:extLst>
+              <a:ext uri="{FF2B5EF4-FFF2-40B4-BE49-F238E27FC236}">
+                <a16:creationId xmlns:a16="http://schemas.microsoft.com/office/drawing/2014/main" id="{C3D07BA5-A4B3-F074-9327-3D1F4B1D6902}"/>
+              </a:ext>
+            </a:extLst>
+          </p:cNvPr>
+          <p:cNvSpPr txBox="1"/>
+          <p:nvPr/>
+        </p:nvSpPr>
+        <p:spPr>
+          <a:xfrm>
+            <a:off x="4198494" y="3348752"/>
+            <a:ext cx="1101151" cy="523220"/>
+          </a:xfrm>
+          <a:prstGeom prst="rect">
+            <a:avLst/>
+          </a:prstGeom>
+          <a:noFill/>
+        </p:spPr>
+        <p:txBody>
+          <a:bodyPr wrap="square" rtlCol="0">
+            <a:spAutoFit/>
+          </a:bodyPr>
+          <a:lstStyle/>
+          <a:p>
+            <a:pPr algn="ctr"/>
+            <a:r>
+              <a:rPr lang="pt-BR" sz="1400" dirty="0"/>
+              <a:t>Acurácia: 0.9</a:t>
+            </a:r>
+          </a:p>
+        </p:txBody>
+      </p:sp>
+      <p:sp>
+        <p:nvSpPr>
+          <p:cNvPr id="7" name="CaixaDeTexto 6">
+            <a:extLst>
+              <a:ext uri="{FF2B5EF4-FFF2-40B4-BE49-F238E27FC236}">
+                <a16:creationId xmlns:a16="http://schemas.microsoft.com/office/drawing/2014/main" id="{83BEAD47-ED5A-64C9-3184-510135A2CFE6}"/>
+              </a:ext>
+            </a:extLst>
+          </p:cNvPr>
+          <p:cNvSpPr txBox="1"/>
+          <p:nvPr/>
+        </p:nvSpPr>
+        <p:spPr>
+          <a:xfrm>
+            <a:off x="5299648" y="3367550"/>
+            <a:ext cx="1101153" cy="523220"/>
+          </a:xfrm>
+          <a:prstGeom prst="rect">
+            <a:avLst/>
+          </a:prstGeom>
+          <a:noFill/>
+        </p:spPr>
+        <p:txBody>
+          <a:bodyPr wrap="square" rtlCol="0">
+            <a:spAutoFit/>
+          </a:bodyPr>
+          <a:lstStyle/>
+          <a:p>
+            <a:pPr algn="ctr"/>
+            <a:r>
+              <a:rPr lang="pt-BR" sz="1400" dirty="0"/>
+              <a:t>Acurácia: 0.8</a:t>
+            </a:r>
+          </a:p>
+        </p:txBody>
+      </p:sp>
+      <p:pic>
+        <p:nvPicPr>
+          <p:cNvPr id="8" name="Imagem 7">
+            <a:extLst>
+              <a:ext uri="{FF2B5EF4-FFF2-40B4-BE49-F238E27FC236}">
+                <a16:creationId xmlns:a16="http://schemas.microsoft.com/office/drawing/2014/main" id="{363AC9CC-B775-2230-CAB6-E3FB1F505B0C}"/>
+              </a:ext>
+            </a:extLst>
+          </p:cNvPr>
+          <p:cNvPicPr>
+            <a:picLocks noChangeAspect="1"/>
+          </p:cNvPicPr>
+          <p:nvPr/>
+        </p:nvPicPr>
+        <p:blipFill>
+          <a:blip r:embed="rId2">
+            <a:extLst>
+              <a:ext uri="{28A0092B-C50C-407E-A947-70E740481C1C}">
+                <a14:useLocalDpi xmlns:a14="http://schemas.microsoft.com/office/drawing/2010/main" val="0"/>
+              </a:ext>
+            </a:extLst>
+          </a:blip>
+          <a:stretch>
+            <a:fillRect/>
+          </a:stretch>
+        </p:blipFill>
+        <p:spPr>
+          <a:xfrm>
+            <a:off x="1809065" y="4227872"/>
+            <a:ext cx="3414037" cy="2265003"/>
+          </a:xfrm>
+          <a:prstGeom prst="rect">
+            <a:avLst/>
+          </a:prstGeom>
+        </p:spPr>
+      </p:pic>
+    </p:spTree>
+    <p:extLst>
+      <p:ext uri="{BB962C8B-B14F-4D97-AF65-F5344CB8AC3E}">
+        <p14:creationId xmlns:p14="http://schemas.microsoft.com/office/powerpoint/2010/main" val="341477410"/>
+      </p:ext>
+    </p:extLst>
+  </p:cSld>
+  <p:clrMapOvr>
+    <a:masterClrMapping/>
+  </p:clrMapOvr>
+</p:sld>
+</file>
+
+<file path=ppt/slides/slide25.xml><?xml version="1.0" encoding="utf-8"?>
+<p:sld xmlns:a="http://schemas.openxmlformats.org/drawingml/2006/main" xmlns:r="http://schemas.openxmlformats.org/officeDocument/2006/relationships" xmlns:p="http://schemas.openxmlformats.org/presentationml/2006/main">
+  <p:cSld>
+    <p:spTree>
+      <p:nvGrpSpPr>
+        <p:cNvPr id="1" name=""/>
+        <p:cNvGrpSpPr/>
+        <p:nvPr/>
+      </p:nvGrpSpPr>
+      <p:grpSpPr>
+        <a:xfrm>
+          <a:off x="0" y="0"/>
+          <a:ext cx="0" cy="0"/>
+          <a:chOff x="0" y="0"/>
+          <a:chExt cx="0" cy="0"/>
+        </a:xfrm>
+      </p:grpSpPr>
+      <p:sp>
+        <p:nvSpPr>
+          <p:cNvPr id="2" name="Título 1">
+            <a:extLst>
+              <a:ext uri="{FF2B5EF4-FFF2-40B4-BE49-F238E27FC236}">
+                <a16:creationId xmlns:a16="http://schemas.microsoft.com/office/drawing/2014/main" id="{8E0F6520-45D3-CB1E-DD88-F75930828487}"/>
+              </a:ext>
+            </a:extLst>
+          </p:cNvPr>
+          <p:cNvSpPr>
+            <a:spLocks noGrp="1"/>
+          </p:cNvSpPr>
+          <p:nvPr>
+            <p:ph type="title"/>
+          </p:nvPr>
+        </p:nvSpPr>
+        <p:spPr/>
+        <p:txBody>
+          <a:bodyPr/>
+          <a:lstStyle/>
+          <a:p>
+            <a:r>
+              <a:rPr lang="pt-BR" dirty="0"/>
+              <a:t>Aplicando a metodologia</a:t>
+            </a:r>
+          </a:p>
+        </p:txBody>
+      </p:sp>
+      <p:grpSp>
+        <p:nvGrpSpPr>
+          <p:cNvPr id="4" name="Agrupar 3">
+            <a:extLst>
+              <a:ext uri="{FF2B5EF4-FFF2-40B4-BE49-F238E27FC236}">
+                <a16:creationId xmlns:a16="http://schemas.microsoft.com/office/drawing/2014/main" id="{C45FB5A8-671C-DCA1-B12E-7A3F299B7726}"/>
+              </a:ext>
+            </a:extLst>
+          </p:cNvPr>
+          <p:cNvGrpSpPr/>
+          <p:nvPr/>
+        </p:nvGrpSpPr>
+        <p:grpSpPr>
+          <a:xfrm>
+            <a:off x="78657" y="2753031"/>
+            <a:ext cx="6322144" cy="595721"/>
+            <a:chOff x="98321" y="4027179"/>
+            <a:chExt cx="6548285" cy="629264"/>
+          </a:xfrm>
+        </p:grpSpPr>
+        <p:sp>
+          <p:nvSpPr>
+            <p:cNvPr id="9" name="Retângulo 8">
+              <a:extLst>
+                <a:ext uri="{FF2B5EF4-FFF2-40B4-BE49-F238E27FC236}">
+                  <a16:creationId xmlns:a16="http://schemas.microsoft.com/office/drawing/2014/main" id="{942652D7-D11D-9E31-147F-0596CA45CDD8}"/>
+                </a:ext>
+              </a:extLst>
+            </p:cNvPr>
+            <p:cNvSpPr/>
+            <p:nvPr/>
+          </p:nvSpPr>
+          <p:spPr>
+            <a:xfrm>
+              <a:off x="98321" y="4027179"/>
+              <a:ext cx="4267203" cy="629264"/>
+            </a:xfrm>
+            <a:prstGeom prst="rect">
+              <a:avLst/>
+            </a:prstGeom>
+            <a:solidFill>
+              <a:schemeClr val="accent4">
+                <a:lumMod val="60000"/>
+                <a:lumOff val="40000"/>
+              </a:schemeClr>
+            </a:solidFill>
+          </p:spPr>
+          <p:style>
+            <a:lnRef idx="2">
+              <a:schemeClr val="accent4">
+                <a:shade val="15000"/>
+              </a:schemeClr>
+            </a:lnRef>
+            <a:fillRef idx="1">
+              <a:schemeClr val="accent4"/>
+            </a:fillRef>
+            <a:effectRef idx="0">
+              <a:schemeClr val="accent4"/>
+            </a:effectRef>
+            <a:fontRef idx="minor">
+              <a:schemeClr val="lt1"/>
+            </a:fontRef>
+          </p:style>
+          <p:txBody>
+            <a:bodyPr rtlCol="0" anchor="ctr"/>
+            <a:lstStyle/>
+            <a:p>
+              <a:pPr algn="ctr"/>
+              <a:r>
+                <a:rPr lang="pt-BR" b="1" dirty="0"/>
+                <a:t>Treinamento</a:t>
+              </a:r>
+            </a:p>
+          </p:txBody>
+        </p:sp>
+        <p:sp>
+          <p:nvSpPr>
+            <p:cNvPr id="10" name="Retângulo 9">
+              <a:extLst>
+                <a:ext uri="{FF2B5EF4-FFF2-40B4-BE49-F238E27FC236}">
+                  <a16:creationId xmlns:a16="http://schemas.microsoft.com/office/drawing/2014/main" id="{CB77ECC7-D3D5-4A48-9BEE-68805AC5B8B2}"/>
+                </a:ext>
+              </a:extLst>
+            </p:cNvPr>
+            <p:cNvSpPr/>
+            <p:nvPr/>
+          </p:nvSpPr>
+          <p:spPr>
+            <a:xfrm>
+              <a:off x="5506066" y="4027179"/>
+              <a:ext cx="1140540" cy="629264"/>
+            </a:xfrm>
+            <a:prstGeom prst="rect">
+              <a:avLst/>
+            </a:prstGeom>
+            <a:solidFill>
+              <a:schemeClr val="accent5">
+                <a:lumMod val="60000"/>
+                <a:lumOff val="40000"/>
+              </a:schemeClr>
+            </a:solidFill>
+          </p:spPr>
+          <p:style>
+            <a:lnRef idx="2">
+              <a:schemeClr val="accent4">
+                <a:shade val="15000"/>
+              </a:schemeClr>
+            </a:lnRef>
+            <a:fillRef idx="1">
+              <a:schemeClr val="accent4"/>
+            </a:fillRef>
+            <a:effectRef idx="0">
+              <a:schemeClr val="accent4"/>
+            </a:effectRef>
+            <a:fontRef idx="minor">
+              <a:schemeClr val="lt1"/>
+            </a:fontRef>
+          </p:style>
+          <p:txBody>
+            <a:bodyPr rtlCol="0" anchor="ctr"/>
+            <a:lstStyle/>
+            <a:p>
+              <a:pPr algn="ctr"/>
+              <a:r>
+                <a:rPr lang="pt-BR" b="1" dirty="0"/>
+                <a:t>Teste</a:t>
+              </a:r>
+            </a:p>
+          </p:txBody>
+        </p:sp>
+        <p:sp>
+          <p:nvSpPr>
+            <p:cNvPr id="11" name="Retângulo 10">
+              <a:extLst>
+                <a:ext uri="{FF2B5EF4-FFF2-40B4-BE49-F238E27FC236}">
+                  <a16:creationId xmlns:a16="http://schemas.microsoft.com/office/drawing/2014/main" id="{09795D2F-676B-DA33-9E1A-DE95DE4B3F7E}"/>
+                </a:ext>
+              </a:extLst>
+            </p:cNvPr>
+            <p:cNvSpPr/>
+            <p:nvPr/>
+          </p:nvSpPr>
+          <p:spPr>
+            <a:xfrm>
+              <a:off x="4365525" y="4027179"/>
+              <a:ext cx="1140541" cy="629264"/>
+            </a:xfrm>
+            <a:prstGeom prst="rect">
+              <a:avLst/>
+            </a:prstGeom>
+            <a:solidFill>
+              <a:schemeClr val="accent2">
+                <a:lumMod val="60000"/>
+                <a:lumOff val="40000"/>
+              </a:schemeClr>
+            </a:solidFill>
+          </p:spPr>
+          <p:style>
+            <a:lnRef idx="2">
+              <a:schemeClr val="accent4">
+                <a:shade val="15000"/>
+              </a:schemeClr>
+            </a:lnRef>
+            <a:fillRef idx="1">
+              <a:schemeClr val="accent4"/>
+            </a:fillRef>
+            <a:effectRef idx="0">
+              <a:schemeClr val="accent4"/>
+            </a:effectRef>
+            <a:fontRef idx="minor">
+              <a:schemeClr val="lt1"/>
+            </a:fontRef>
+          </p:style>
+          <p:txBody>
+            <a:bodyPr rtlCol="0" anchor="ctr"/>
+            <a:lstStyle/>
+            <a:p>
+              <a:pPr algn="ctr"/>
+              <a:r>
+                <a:rPr lang="pt-BR" b="1" dirty="0"/>
+                <a:t>Validação</a:t>
+              </a:r>
+            </a:p>
+          </p:txBody>
+        </p:sp>
+      </p:grpSp>
+      <p:sp>
+        <p:nvSpPr>
+          <p:cNvPr id="5" name="CaixaDeTexto 4">
+            <a:extLst>
+              <a:ext uri="{FF2B5EF4-FFF2-40B4-BE49-F238E27FC236}">
+                <a16:creationId xmlns:a16="http://schemas.microsoft.com/office/drawing/2014/main" id="{3063BB5B-C98D-14A2-6E2F-EAEECB666101}"/>
+              </a:ext>
+            </a:extLst>
+          </p:cNvPr>
+          <p:cNvSpPr txBox="1"/>
+          <p:nvPr/>
+        </p:nvSpPr>
+        <p:spPr>
+          <a:xfrm>
+            <a:off x="1568304" y="3348752"/>
+            <a:ext cx="1140544" cy="523220"/>
+          </a:xfrm>
+          <a:prstGeom prst="rect">
+            <a:avLst/>
+          </a:prstGeom>
+          <a:noFill/>
+        </p:spPr>
+        <p:txBody>
+          <a:bodyPr wrap="square" rtlCol="0">
+            <a:spAutoFit/>
+          </a:bodyPr>
+          <a:lstStyle/>
+          <a:p>
+            <a:pPr algn="ctr"/>
+            <a:r>
+              <a:rPr lang="pt-BR" sz="1400" dirty="0"/>
+              <a:t>Acurácia: 0.942</a:t>
+            </a:r>
+          </a:p>
+        </p:txBody>
+      </p:sp>
+      <p:sp>
+        <p:nvSpPr>
+          <p:cNvPr id="6" name="CaixaDeTexto 5">
+            <a:extLst>
+              <a:ext uri="{FF2B5EF4-FFF2-40B4-BE49-F238E27FC236}">
+                <a16:creationId xmlns:a16="http://schemas.microsoft.com/office/drawing/2014/main" id="{C3D07BA5-A4B3-F074-9327-3D1F4B1D6902}"/>
+              </a:ext>
+            </a:extLst>
+          </p:cNvPr>
+          <p:cNvSpPr txBox="1"/>
+          <p:nvPr/>
+        </p:nvSpPr>
+        <p:spPr>
+          <a:xfrm>
+            <a:off x="4198494" y="3348752"/>
+            <a:ext cx="1101151" cy="523220"/>
+          </a:xfrm>
+          <a:prstGeom prst="rect">
+            <a:avLst/>
+          </a:prstGeom>
+          <a:noFill/>
+        </p:spPr>
+        <p:txBody>
+          <a:bodyPr wrap="square" rtlCol="0">
+            <a:spAutoFit/>
+          </a:bodyPr>
+          <a:lstStyle/>
+          <a:p>
+            <a:pPr algn="ctr"/>
+            <a:r>
+              <a:rPr lang="pt-BR" sz="1400" dirty="0"/>
+              <a:t>Acurácia: 0.93</a:t>
+            </a:r>
+          </a:p>
+        </p:txBody>
+      </p:sp>
+      <p:sp>
+        <p:nvSpPr>
+          <p:cNvPr id="7" name="CaixaDeTexto 6">
+            <a:extLst>
+              <a:ext uri="{FF2B5EF4-FFF2-40B4-BE49-F238E27FC236}">
+                <a16:creationId xmlns:a16="http://schemas.microsoft.com/office/drawing/2014/main" id="{83BEAD47-ED5A-64C9-3184-510135A2CFE6}"/>
+              </a:ext>
+            </a:extLst>
+          </p:cNvPr>
+          <p:cNvSpPr txBox="1"/>
+          <p:nvPr/>
+        </p:nvSpPr>
+        <p:spPr>
+          <a:xfrm>
+            <a:off x="5299648" y="3367550"/>
+            <a:ext cx="1101153" cy="523220"/>
+          </a:xfrm>
+          <a:prstGeom prst="rect">
+            <a:avLst/>
+          </a:prstGeom>
+          <a:noFill/>
+        </p:spPr>
+        <p:txBody>
+          <a:bodyPr wrap="square" rtlCol="0">
+            <a:spAutoFit/>
+          </a:bodyPr>
+          <a:lstStyle/>
+          <a:p>
+            <a:pPr algn="ctr"/>
+            <a:r>
+              <a:rPr lang="pt-BR" sz="1400" dirty="0"/>
+              <a:t>Acurácia: 0.925</a:t>
+            </a:r>
+          </a:p>
+        </p:txBody>
+      </p:sp>
+      <p:sp>
+        <p:nvSpPr>
+          <p:cNvPr id="15" name="Espaço Reservado para Conteúdo 14">
+            <a:extLst>
+              <a:ext uri="{FF2B5EF4-FFF2-40B4-BE49-F238E27FC236}">
+                <a16:creationId xmlns:a16="http://schemas.microsoft.com/office/drawing/2014/main" id="{89887A48-603D-07FB-23A0-746824264837}"/>
+              </a:ext>
+            </a:extLst>
+          </p:cNvPr>
+          <p:cNvSpPr>
+            <a:spLocks noGrp="1"/>
+          </p:cNvSpPr>
+          <p:nvPr>
+            <p:ph idx="1"/>
+          </p:nvPr>
+        </p:nvSpPr>
+        <p:spPr>
+          <a:xfrm>
+            <a:off x="6528619" y="1825624"/>
+            <a:ext cx="5515897" cy="5032375"/>
+          </a:xfrm>
+        </p:spPr>
+        <p:txBody>
+          <a:bodyPr>
+            <a:normAutofit/>
+          </a:bodyPr>
+          <a:lstStyle/>
+          <a:p>
+            <a:r>
+              <a:rPr lang="pt-BR" dirty="0"/>
+              <a:t>A acurácia no conjunto de treinamento pode diminuir, mas o mais importante é manter a acurácia da rede nos conjuntos de validação e teste o mais próximos do treinamento.</a:t>
+            </a:r>
+          </a:p>
+          <a:p>
+            <a:r>
+              <a:rPr lang="pt-BR" dirty="0"/>
+              <a:t>Essa proximidade dos valores nos dará uma forte indicação da verdadeira acurácia da rede.</a:t>
+            </a:r>
+          </a:p>
+          <a:p>
+            <a:r>
+              <a:rPr lang="pt-BR" dirty="0"/>
+              <a:t>À luz dessas informações, vamos revisitar nosso exemplo dos dígitos escritos à mão.</a:t>
+            </a:r>
+          </a:p>
+        </p:txBody>
+      </p:sp>
+      <p:pic>
+        <p:nvPicPr>
+          <p:cNvPr id="16" name="Espaço Reservado para Conteúdo 12">
+            <a:extLst>
+              <a:ext uri="{FF2B5EF4-FFF2-40B4-BE49-F238E27FC236}">
+                <a16:creationId xmlns:a16="http://schemas.microsoft.com/office/drawing/2014/main" id="{A2A009AE-37F9-F7D5-4938-B7FCA30A19FC}"/>
+              </a:ext>
+            </a:extLst>
+          </p:cNvPr>
+          <p:cNvPicPr>
+            <a:picLocks noChangeAspect="1"/>
+          </p:cNvPicPr>
+          <p:nvPr/>
+        </p:nvPicPr>
+        <p:blipFill>
+          <a:blip r:embed="rId2">
+            <a:extLst>
+              <a:ext uri="{28A0092B-C50C-407E-A947-70E740481C1C}">
+                <a14:useLocalDpi xmlns:a14="http://schemas.microsoft.com/office/drawing/2010/main" val="0"/>
+              </a:ext>
+            </a:extLst>
+          </a:blip>
+          <a:stretch>
+            <a:fillRect/>
+          </a:stretch>
+        </p:blipFill>
+        <p:spPr>
+          <a:xfrm>
+            <a:off x="1568304" y="4316360"/>
+            <a:ext cx="3577282" cy="1773391"/>
+          </a:xfrm>
+          <a:prstGeom prst="rect">
+            <a:avLst/>
+          </a:prstGeom>
+        </p:spPr>
+      </p:pic>
+    </p:spTree>
+    <p:extLst>
+      <p:ext uri="{BB962C8B-B14F-4D97-AF65-F5344CB8AC3E}">
+        <p14:creationId xmlns:p14="http://schemas.microsoft.com/office/powerpoint/2010/main" val="1412128924"/>
+      </p:ext>
+    </p:extLst>
+  </p:cSld>
+  <p:clrMapOvr>
+    <a:masterClrMapping/>
+  </p:clrMapOvr>
+</p:sld>
+</file>
+
+<file path=ppt/slides/slide26.xml><?xml version="1.0" encoding="utf-8"?>
+<p:sld xmlns:a="http://schemas.openxmlformats.org/drawingml/2006/main" xmlns:r="http://schemas.openxmlformats.org/officeDocument/2006/relationships" xmlns:p="http://schemas.openxmlformats.org/presentationml/2006/main">
+  <p:cSld>
+    <p:spTree>
+      <p:nvGrpSpPr>
+        <p:cNvPr id="1" name=""/>
+        <p:cNvGrpSpPr/>
+        <p:nvPr/>
+      </p:nvGrpSpPr>
+      <p:grpSpPr>
+        <a:xfrm>
+          <a:off x="0" y="0"/>
+          <a:ext cx="0" cy="0"/>
+          <a:chOff x="0" y="0"/>
+          <a:chExt cx="0" cy="0"/>
+        </a:xfrm>
+      </p:grpSpPr>
+      <p:sp>
+        <p:nvSpPr>
+          <p:cNvPr id="2" name="Título 1">
+            <a:extLst>
+              <a:ext uri="{FF2B5EF4-FFF2-40B4-BE49-F238E27FC236}">
+                <a16:creationId xmlns:a16="http://schemas.microsoft.com/office/drawing/2014/main" id="{9CD00B3E-85D7-8B25-6629-4A85FF36133A}"/>
+              </a:ext>
+            </a:extLst>
+          </p:cNvPr>
+          <p:cNvSpPr>
+            <a:spLocks noGrp="1"/>
+          </p:cNvSpPr>
+          <p:nvPr>
+            <p:ph type="title"/>
+          </p:nvPr>
+        </p:nvSpPr>
+        <p:spPr/>
+        <p:txBody>
+          <a:bodyPr/>
+          <a:lstStyle/>
+          <a:p>
+            <a:r>
+              <a:rPr lang="pt-BR" dirty="0"/>
+              <a:t>Exemplo</a:t>
+            </a:r>
+          </a:p>
+        </p:txBody>
+      </p:sp>
+      <p:sp>
+        <p:nvSpPr>
+          <p:cNvPr id="3" name="Espaço Reservado para Conteúdo 2">
+            <a:extLst>
+              <a:ext uri="{FF2B5EF4-FFF2-40B4-BE49-F238E27FC236}">
+                <a16:creationId xmlns:a16="http://schemas.microsoft.com/office/drawing/2014/main" id="{9730104F-E6BA-B308-644A-11A7E4939EBD}"/>
+              </a:ext>
+            </a:extLst>
+          </p:cNvPr>
+          <p:cNvSpPr>
+            <a:spLocks noGrp="1"/>
+          </p:cNvSpPr>
+          <p:nvPr>
+            <p:ph idx="1"/>
+          </p:nvPr>
+        </p:nvSpPr>
+        <p:spPr>
+          <a:xfrm>
             <a:off x="838200" y="1825625"/>
-            <a:ext cx="11049000" cy="4351338"/>
+            <a:ext cx="11157898" cy="4351338"/>
           </a:xfrm>
         </p:spPr>
         <p:txBody>
@@ -11833,7 +13280,7 @@
           <a:p>
             <a:r>
               <a:rPr lang="pt-BR" dirty="0"/>
-              <a:t>Exemplo: </a:t>
+              <a:t>Exemplo: Detecção de dígitos escritos à mão com dados de validação e teste</a:t>
             </a:r>
           </a:p>
         </p:txBody>
@@ -12179,7 +13626,7 @@
 </p:sld>
 </file>
 
-<file path=ppt/slides/slide25.xml><?xml version="1.0" encoding="utf-8"?>
+<file path=ppt/slides/slide27.xml><?xml version="1.0" encoding="utf-8"?>
 <p:sld xmlns:a="http://schemas.openxmlformats.org/drawingml/2006/main" xmlns:r="http://schemas.openxmlformats.org/officeDocument/2006/relationships" xmlns:p="http://schemas.openxmlformats.org/presentationml/2006/main">
   <p:cSld>
     <p:spTree>
@@ -12201,6 +13648,505 @@
           <p:cNvPr id="2" name="Título 1">
             <a:extLst>
               <a:ext uri="{FF2B5EF4-FFF2-40B4-BE49-F238E27FC236}">
+                <a16:creationId xmlns:a16="http://schemas.microsoft.com/office/drawing/2014/main" id="{D729F673-B517-8CF2-C7D0-BA7EE704E4FE}"/>
+              </a:ext>
+            </a:extLst>
+          </p:cNvPr>
+          <p:cNvSpPr>
+            <a:spLocks noGrp="1"/>
+          </p:cNvSpPr>
+          <p:nvPr>
+            <p:ph type="title"/>
+          </p:nvPr>
+        </p:nvSpPr>
+        <p:spPr/>
+        <p:txBody>
+          <a:bodyPr/>
+          <a:lstStyle/>
+          <a:p>
+            <a:endParaRPr lang="pt-BR"/>
+          </a:p>
+        </p:txBody>
+      </p:sp>
+      <p:sp>
+        <p:nvSpPr>
+          <p:cNvPr id="3" name="Espaço Reservado para Conteúdo 2">
+            <a:extLst>
+              <a:ext uri="{FF2B5EF4-FFF2-40B4-BE49-F238E27FC236}">
+                <a16:creationId xmlns:a16="http://schemas.microsoft.com/office/drawing/2014/main" id="{96358EF7-640D-2D5F-8C4A-905DFEE6393E}"/>
+              </a:ext>
+            </a:extLst>
+          </p:cNvPr>
+          <p:cNvSpPr>
+            <a:spLocks noGrp="1"/>
+          </p:cNvSpPr>
+          <p:nvPr>
+            <p:ph idx="1"/>
+          </p:nvPr>
+        </p:nvSpPr>
+        <p:spPr/>
+        <p:txBody>
+          <a:bodyPr/>
+          <a:lstStyle/>
+          <a:p>
+            <a:endParaRPr lang="pt-BR" dirty="0"/>
+          </a:p>
+        </p:txBody>
+      </p:sp>
+    </p:spTree>
+    <p:extLst>
+      <p:ext uri="{BB962C8B-B14F-4D97-AF65-F5344CB8AC3E}">
+        <p14:creationId xmlns:p14="http://schemas.microsoft.com/office/powerpoint/2010/main" val="2555344941"/>
+      </p:ext>
+    </p:extLst>
+  </p:cSld>
+  <p:clrMapOvr>
+    <a:masterClrMapping/>
+  </p:clrMapOvr>
+</p:sld>
+</file>
+
+<file path=ppt/slides/slide28.xml><?xml version="1.0" encoding="utf-8"?>
+<p:sld xmlns:a="http://schemas.openxmlformats.org/drawingml/2006/main" xmlns:r="http://schemas.openxmlformats.org/officeDocument/2006/relationships" xmlns:p="http://schemas.openxmlformats.org/presentationml/2006/main">
+  <p:cSld>
+    <p:spTree>
+      <p:nvGrpSpPr>
+        <p:cNvPr id="1" name=""/>
+        <p:cNvGrpSpPr/>
+        <p:nvPr/>
+      </p:nvGrpSpPr>
+      <p:grpSpPr>
+        <a:xfrm>
+          <a:off x="0" y="0"/>
+          <a:ext cx="0" cy="0"/>
+          <a:chOff x="0" y="0"/>
+          <a:chExt cx="0" cy="0"/>
+        </a:xfrm>
+      </p:grpSpPr>
+      <p:sp>
+        <p:nvSpPr>
+          <p:cNvPr id="2" name="Título 1">
+            <a:extLst>
+              <a:ext uri="{FF2B5EF4-FFF2-40B4-BE49-F238E27FC236}">
+                <a16:creationId xmlns:a16="http://schemas.microsoft.com/office/drawing/2014/main" id="{9CD00B3E-85D7-8B25-6629-4A85FF36133A}"/>
+              </a:ext>
+            </a:extLst>
+          </p:cNvPr>
+          <p:cNvSpPr>
+            <a:spLocks noGrp="1"/>
+          </p:cNvSpPr>
+          <p:nvPr>
+            <p:ph type="title"/>
+          </p:nvPr>
+        </p:nvSpPr>
+        <p:spPr/>
+        <p:txBody>
+          <a:bodyPr/>
+          <a:lstStyle/>
+          <a:p>
+            <a:r>
+              <a:rPr lang="pt-BR" dirty="0"/>
+              <a:t>Exemplo</a:t>
+            </a:r>
+          </a:p>
+        </p:txBody>
+      </p:sp>
+      <p:sp>
+        <p:nvSpPr>
+          <p:cNvPr id="3" name="Espaço Reservado para Conteúdo 2">
+            <a:extLst>
+              <a:ext uri="{FF2B5EF4-FFF2-40B4-BE49-F238E27FC236}">
+                <a16:creationId xmlns:a16="http://schemas.microsoft.com/office/drawing/2014/main" id="{9730104F-E6BA-B308-644A-11A7E4939EBD}"/>
+              </a:ext>
+            </a:extLst>
+          </p:cNvPr>
+          <p:cNvSpPr>
+            <a:spLocks noGrp="1"/>
+          </p:cNvSpPr>
+          <p:nvPr>
+            <p:ph idx="1"/>
+          </p:nvPr>
+        </p:nvSpPr>
+        <p:spPr>
+          <a:xfrm>
+            <a:off x="838200" y="1825625"/>
+            <a:ext cx="11049000" cy="4351338"/>
+          </a:xfrm>
+        </p:spPr>
+        <p:txBody>
+          <a:bodyPr/>
+          <a:lstStyle/>
+          <a:p>
+            <a:r>
+              <a:rPr lang="pt-BR" dirty="0"/>
+              <a:t>Exemplo: </a:t>
+            </a:r>
+          </a:p>
+        </p:txBody>
+      </p:sp>
+      <p:pic>
+        <p:nvPicPr>
+          <p:cNvPr id="2050" name="Picture 2" descr="TensorFlow">
+            <a:extLst>
+              <a:ext uri="{FF2B5EF4-FFF2-40B4-BE49-F238E27FC236}">
+                <a16:creationId xmlns:a16="http://schemas.microsoft.com/office/drawing/2014/main" id="{87B75C17-2A48-E33A-B66B-927CA792D831}"/>
+              </a:ext>
+            </a:extLst>
+          </p:cNvPr>
+          <p:cNvPicPr>
+            <a:picLocks noChangeAspect="1" noChangeArrowheads="1"/>
+          </p:cNvPicPr>
+          <p:nvPr/>
+        </p:nvPicPr>
+        <p:blipFill>
+          <a:blip r:embed="rId3">
+            <a:extLst>
+              <a:ext uri="{28A0092B-C50C-407E-A947-70E740481C1C}">
+                <a14:useLocalDpi xmlns:a14="http://schemas.microsoft.com/office/drawing/2010/main" val="0"/>
+              </a:ext>
+            </a:extLst>
+          </a:blip>
+          <a:srcRect/>
+          <a:stretch>
+            <a:fillRect/>
+          </a:stretch>
+        </p:blipFill>
+        <p:spPr bwMode="auto">
+          <a:xfrm>
+            <a:off x="1939875" y="2923470"/>
+            <a:ext cx="4099479" cy="2305957"/>
+          </a:xfrm>
+          <a:prstGeom prst="rect">
+            <a:avLst/>
+          </a:prstGeom>
+          <a:noFill/>
+          <a:extLst>
+            <a:ext uri="{909E8E84-426E-40DD-AFC4-6F175D3DCCD1}">
+              <a14:hiddenFill xmlns:a14="http://schemas.microsoft.com/office/drawing/2010/main">
+                <a:solidFill>
+                  <a:srgbClr val="FFFFFF"/>
+                </a:solidFill>
+              </a14:hiddenFill>
+            </a:ext>
+          </a:extLst>
+        </p:spPr>
+      </p:pic>
+      <p:pic>
+        <p:nvPicPr>
+          <p:cNvPr id="2052" name="Picture 4" descr="Project Jupyter | Try Jupyter">
+            <a:extLst>
+              <a:ext uri="{FF2B5EF4-FFF2-40B4-BE49-F238E27FC236}">
+                <a16:creationId xmlns:a16="http://schemas.microsoft.com/office/drawing/2014/main" id="{FC70A9A5-A2C7-C005-C6C5-A9FF775654D9}"/>
+              </a:ext>
+            </a:extLst>
+          </p:cNvPr>
+          <p:cNvPicPr>
+            <a:picLocks noChangeAspect="1" noChangeArrowheads="1"/>
+          </p:cNvPicPr>
+          <p:nvPr/>
+        </p:nvPicPr>
+        <p:blipFill>
+          <a:blip r:embed="rId4">
+            <a:extLst>
+              <a:ext uri="{28A0092B-C50C-407E-A947-70E740481C1C}">
+                <a14:useLocalDpi xmlns:a14="http://schemas.microsoft.com/office/drawing/2010/main" val="0"/>
+              </a:ext>
+            </a:extLst>
+          </a:blip>
+          <a:srcRect/>
+          <a:stretch>
+            <a:fillRect/>
+          </a:stretch>
+        </p:blipFill>
+        <p:spPr bwMode="auto">
+          <a:xfrm>
+            <a:off x="5203370" y="3167764"/>
+            <a:ext cx="3461657" cy="1817370"/>
+          </a:xfrm>
+          <a:prstGeom prst="rect">
+            <a:avLst/>
+          </a:prstGeom>
+          <a:noFill/>
+          <a:extLst>
+            <a:ext uri="{909E8E84-426E-40DD-AFC4-6F175D3DCCD1}">
+              <a14:hiddenFill xmlns:a14="http://schemas.microsoft.com/office/drawing/2010/main">
+                <a:solidFill>
+                  <a:srgbClr val="FFFFFF"/>
+                </a:solidFill>
+              </a14:hiddenFill>
+            </a:ext>
+          </a:extLst>
+        </p:spPr>
+      </p:pic>
+      <p:pic>
+        <p:nvPicPr>
+          <p:cNvPr id="2056" name="Picture 8" descr="Google Colaboratory Colab - Guía Completa Español - Marketing Branding">
+            <a:extLst>
+              <a:ext uri="{FF2B5EF4-FFF2-40B4-BE49-F238E27FC236}">
+                <a16:creationId xmlns:a16="http://schemas.microsoft.com/office/drawing/2014/main" id="{8A007768-2032-FE11-22C9-9394A0EF02EF}"/>
+              </a:ext>
+            </a:extLst>
+          </p:cNvPr>
+          <p:cNvPicPr>
+            <a:picLocks noChangeAspect="1" noChangeArrowheads="1"/>
+          </p:cNvPicPr>
+          <p:nvPr/>
+        </p:nvPicPr>
+        <p:blipFill rotWithShape="1">
+          <a:blip r:embed="rId5">
+            <a:extLst>
+              <a:ext uri="{28A0092B-C50C-407E-A947-70E740481C1C}">
+                <a14:useLocalDpi xmlns:a14="http://schemas.microsoft.com/office/drawing/2010/main" val="0"/>
+              </a:ext>
+            </a:extLst>
+          </a:blip>
+          <a:srcRect l="5865" r="10641"/>
+          <a:stretch/>
+        </p:blipFill>
+        <p:spPr bwMode="auto">
+          <a:xfrm>
+            <a:off x="8665027" y="2746576"/>
+            <a:ext cx="3331071" cy="2659743"/>
+          </a:xfrm>
+          <a:prstGeom prst="rect">
+            <a:avLst/>
+          </a:prstGeom>
+          <a:noFill/>
+          <a:extLst>
+            <a:ext uri="{909E8E84-426E-40DD-AFC4-6F175D3DCCD1}">
+              <a14:hiddenFill xmlns:a14="http://schemas.microsoft.com/office/drawing/2010/main">
+                <a:solidFill>
+                  <a:srgbClr val="FFFFFF"/>
+                </a:solidFill>
+              </a14:hiddenFill>
+            </a:ext>
+          </a:extLst>
+        </p:spPr>
+      </p:pic>
+      <p:pic>
+        <p:nvPicPr>
+          <p:cNvPr id="2058" name="Picture 10" descr="IT12A01: FUNDAMENTALS OF PYTHON PROGRAMMING (SF) (SYNCHRONOUS E-LEARNING) -  NTUC LearningHub">
+            <a:extLst>
+              <a:ext uri="{FF2B5EF4-FFF2-40B4-BE49-F238E27FC236}">
+                <a16:creationId xmlns:a16="http://schemas.microsoft.com/office/drawing/2014/main" id="{80EDF8DB-E749-8471-3ACA-2FFE3006FC46}"/>
+              </a:ext>
+            </a:extLst>
+          </p:cNvPr>
+          <p:cNvPicPr>
+            <a:picLocks noChangeAspect="1" noChangeArrowheads="1"/>
+          </p:cNvPicPr>
+          <p:nvPr/>
+        </p:nvPicPr>
+        <p:blipFill rotWithShape="1">
+          <a:blip r:embed="rId6">
+            <a:extLst>
+              <a:ext uri="{28A0092B-C50C-407E-A947-70E740481C1C}">
+                <a14:useLocalDpi xmlns:a14="http://schemas.microsoft.com/office/drawing/2010/main" val="0"/>
+              </a:ext>
+            </a:extLst>
+          </a:blip>
+          <a:srcRect l="23319" r="20198"/>
+          <a:stretch/>
+        </p:blipFill>
+        <p:spPr bwMode="auto">
+          <a:xfrm>
+            <a:off x="304800" y="3167764"/>
+            <a:ext cx="1894114" cy="1877924"/>
+          </a:xfrm>
+          <a:prstGeom prst="rect">
+            <a:avLst/>
+          </a:prstGeom>
+          <a:noFill/>
+          <a:extLst>
+            <a:ext uri="{909E8E84-426E-40DD-AFC4-6F175D3DCCD1}">
+              <a14:hiddenFill xmlns:a14="http://schemas.microsoft.com/office/drawing/2010/main">
+                <a:solidFill>
+                  <a:srgbClr val="FFFFFF"/>
+                </a:solidFill>
+              </a14:hiddenFill>
+            </a:ext>
+          </a:extLst>
+        </p:spPr>
+      </p:pic>
+      <p:sp>
+        <p:nvSpPr>
+          <p:cNvPr id="8" name="Sinal de Adição 7">
+            <a:extLst>
+              <a:ext uri="{FF2B5EF4-FFF2-40B4-BE49-F238E27FC236}">
+                <a16:creationId xmlns:a16="http://schemas.microsoft.com/office/drawing/2014/main" id="{89317CF7-D83C-5980-45A9-863C64A2BE61}"/>
+              </a:ext>
+            </a:extLst>
+          </p:cNvPr>
+          <p:cNvSpPr>
+            <a:spLocks noChangeAspect="1"/>
+          </p:cNvSpPr>
+          <p:nvPr/>
+        </p:nvSpPr>
+        <p:spPr>
+          <a:xfrm>
+            <a:off x="2198914" y="3535968"/>
+            <a:ext cx="468000" cy="468000"/>
+          </a:xfrm>
+          <a:prstGeom prst="mathPlus">
+            <a:avLst/>
+          </a:prstGeom>
+        </p:spPr>
+        <p:style>
+          <a:lnRef idx="2">
+            <a:schemeClr val="accent1">
+              <a:shade val="15000"/>
+            </a:schemeClr>
+          </a:lnRef>
+          <a:fillRef idx="1">
+            <a:schemeClr val="accent1"/>
+          </a:fillRef>
+          <a:effectRef idx="0">
+            <a:schemeClr val="accent1"/>
+          </a:effectRef>
+          <a:fontRef idx="minor">
+            <a:schemeClr val="lt1"/>
+          </a:fontRef>
+        </p:style>
+        <p:txBody>
+          <a:bodyPr rtlCol="0" anchor="ctr"/>
+          <a:lstStyle/>
+          <a:p>
+            <a:pPr algn="ctr"/>
+            <a:endParaRPr lang="pt-BR"/>
+          </a:p>
+        </p:txBody>
+      </p:sp>
+      <p:sp>
+        <p:nvSpPr>
+          <p:cNvPr id="10" name="Sinal de Adição 9">
+            <a:extLst>
+              <a:ext uri="{FF2B5EF4-FFF2-40B4-BE49-F238E27FC236}">
+                <a16:creationId xmlns:a16="http://schemas.microsoft.com/office/drawing/2014/main" id="{C6DC4B29-EABA-20F7-BB46-C33BEC93E2DD}"/>
+              </a:ext>
+            </a:extLst>
+          </p:cNvPr>
+          <p:cNvSpPr>
+            <a:spLocks noChangeAspect="1"/>
+          </p:cNvSpPr>
+          <p:nvPr/>
+        </p:nvSpPr>
+        <p:spPr>
+          <a:xfrm>
+            <a:off x="5279613" y="3535968"/>
+            <a:ext cx="468000" cy="468000"/>
+          </a:xfrm>
+          <a:prstGeom prst="mathPlus">
+            <a:avLst/>
+          </a:prstGeom>
+        </p:spPr>
+        <p:style>
+          <a:lnRef idx="2">
+            <a:schemeClr val="accent1">
+              <a:shade val="15000"/>
+            </a:schemeClr>
+          </a:lnRef>
+          <a:fillRef idx="1">
+            <a:schemeClr val="accent1"/>
+          </a:fillRef>
+          <a:effectRef idx="0">
+            <a:schemeClr val="accent1"/>
+          </a:effectRef>
+          <a:fontRef idx="minor">
+            <a:schemeClr val="lt1"/>
+          </a:fontRef>
+        </p:style>
+        <p:txBody>
+          <a:bodyPr rtlCol="0" anchor="ctr"/>
+          <a:lstStyle/>
+          <a:p>
+            <a:pPr algn="ctr"/>
+            <a:endParaRPr lang="pt-BR"/>
+          </a:p>
+        </p:txBody>
+      </p:sp>
+      <p:sp>
+        <p:nvSpPr>
+          <p:cNvPr id="11" name="Sinal de Adição 10">
+            <a:extLst>
+              <a:ext uri="{FF2B5EF4-FFF2-40B4-BE49-F238E27FC236}">
+                <a16:creationId xmlns:a16="http://schemas.microsoft.com/office/drawing/2014/main" id="{FF65B64B-136B-DCC4-8A01-509D3D5CD19F}"/>
+              </a:ext>
+            </a:extLst>
+          </p:cNvPr>
+          <p:cNvSpPr>
+            <a:spLocks noChangeAspect="1"/>
+          </p:cNvSpPr>
+          <p:nvPr/>
+        </p:nvSpPr>
+        <p:spPr>
+          <a:xfrm>
+            <a:off x="7968386" y="3533294"/>
+            <a:ext cx="468000" cy="468000"/>
+          </a:xfrm>
+          <a:prstGeom prst="mathPlus">
+            <a:avLst/>
+          </a:prstGeom>
+        </p:spPr>
+        <p:style>
+          <a:lnRef idx="2">
+            <a:schemeClr val="accent1">
+              <a:shade val="15000"/>
+            </a:schemeClr>
+          </a:lnRef>
+          <a:fillRef idx="1">
+            <a:schemeClr val="accent1"/>
+          </a:fillRef>
+          <a:effectRef idx="0">
+            <a:schemeClr val="accent1"/>
+          </a:effectRef>
+          <a:fontRef idx="minor">
+            <a:schemeClr val="lt1"/>
+          </a:fontRef>
+        </p:style>
+        <p:txBody>
+          <a:bodyPr rtlCol="0" anchor="ctr"/>
+          <a:lstStyle/>
+          <a:p>
+            <a:pPr algn="ctr"/>
+            <a:endParaRPr lang="pt-BR"/>
+          </a:p>
+        </p:txBody>
+      </p:sp>
+    </p:spTree>
+    <p:extLst>
+      <p:ext uri="{BB962C8B-B14F-4D97-AF65-F5344CB8AC3E}">
+        <p14:creationId xmlns:p14="http://schemas.microsoft.com/office/powerpoint/2010/main" val="4224881976"/>
+      </p:ext>
+    </p:extLst>
+  </p:cSld>
+  <p:clrMapOvr>
+    <a:masterClrMapping/>
+  </p:clrMapOvr>
+</p:sld>
+</file>
+
+<file path=ppt/slides/slide29.xml><?xml version="1.0" encoding="utf-8"?>
+<p:sld xmlns:a="http://schemas.openxmlformats.org/drawingml/2006/main" xmlns:r="http://schemas.openxmlformats.org/officeDocument/2006/relationships" xmlns:p="http://schemas.openxmlformats.org/presentationml/2006/main">
+  <p:cSld>
+    <p:spTree>
+      <p:nvGrpSpPr>
+        <p:cNvPr id="1" name=""/>
+        <p:cNvGrpSpPr/>
+        <p:nvPr/>
+      </p:nvGrpSpPr>
+      <p:grpSpPr>
+        <a:xfrm>
+          <a:off x="0" y="0"/>
+          <a:ext cx="0" cy="0"/>
+          <a:chOff x="0" y="0"/>
+          <a:chExt cx="0" cy="0"/>
+        </a:xfrm>
+      </p:grpSpPr>
+      <p:sp>
+        <p:nvSpPr>
+          <p:cNvPr id="2" name="Título 1">
+            <a:extLst>
+              <a:ext uri="{FF2B5EF4-FFF2-40B4-BE49-F238E27FC236}">
                 <a16:creationId xmlns:a16="http://schemas.microsoft.com/office/drawing/2014/main" id="{2755BD9F-A5F9-C006-2D60-3988AFB742AA}"/>
               </a:ext>
             </a:extLst>
@@ -12283,7 +14229,386 @@
 </p:sld>
 </file>
 
-<file path=ppt/slides/slide26.xml><?xml version="1.0" encoding="utf-8"?>
+<file path=ppt/slides/slide3.xml><?xml version="1.0" encoding="utf-8"?>
+<p:sld xmlns:a="http://schemas.openxmlformats.org/drawingml/2006/main" xmlns:r="http://schemas.openxmlformats.org/officeDocument/2006/relationships" xmlns:p="http://schemas.openxmlformats.org/presentationml/2006/main">
+  <p:cSld>
+    <p:spTree>
+      <p:nvGrpSpPr>
+        <p:cNvPr id="1" name=""/>
+        <p:cNvGrpSpPr/>
+        <p:nvPr/>
+      </p:nvGrpSpPr>
+      <p:grpSpPr>
+        <a:xfrm>
+          <a:off x="0" y="0"/>
+          <a:ext cx="0" cy="0"/>
+          <a:chOff x="0" y="0"/>
+          <a:chExt cx="0" cy="0"/>
+        </a:xfrm>
+      </p:grpSpPr>
+      <p:sp>
+        <p:nvSpPr>
+          <p:cNvPr id="2" name="Título 1">
+            <a:extLst>
+              <a:ext uri="{FF2B5EF4-FFF2-40B4-BE49-F238E27FC236}">
+                <a16:creationId xmlns:a16="http://schemas.microsoft.com/office/drawing/2014/main" id="{3DBFD88C-E587-F1F5-9CE9-1664F6294656}"/>
+              </a:ext>
+            </a:extLst>
+          </p:cNvPr>
+          <p:cNvSpPr>
+            <a:spLocks noGrp="1"/>
+          </p:cNvSpPr>
+          <p:nvPr>
+            <p:ph type="title"/>
+          </p:nvPr>
+        </p:nvSpPr>
+        <p:spPr/>
+        <p:txBody>
+          <a:bodyPr/>
+          <a:lstStyle/>
+          <a:p>
+            <a:r>
+              <a:rPr lang="pt-BR" dirty="0"/>
+              <a:t>Reconhecendo calçados</a:t>
+            </a:r>
+          </a:p>
+        </p:txBody>
+      </p:sp>
+      <p:sp>
+        <p:nvSpPr>
+          <p:cNvPr id="3" name="Espaço Reservado para Conteúdo 2">
+            <a:extLst>
+              <a:ext uri="{FF2B5EF4-FFF2-40B4-BE49-F238E27FC236}">
+                <a16:creationId xmlns:a16="http://schemas.microsoft.com/office/drawing/2014/main" id="{BC8DED3E-A39F-AD3E-1BD0-A1D23418ABFF}"/>
+              </a:ext>
+            </a:extLst>
+          </p:cNvPr>
+          <p:cNvSpPr>
+            <a:spLocks noGrp="1"/>
+          </p:cNvSpPr>
+          <p:nvPr>
+            <p:ph idx="1"/>
+          </p:nvPr>
+        </p:nvSpPr>
+        <p:spPr>
+          <a:xfrm>
+            <a:off x="6559870" y="1825625"/>
+            <a:ext cx="5474814" cy="5032376"/>
+          </a:xfrm>
+        </p:spPr>
+        <p:txBody>
+          <a:bodyPr/>
+          <a:lstStyle/>
+          <a:p>
+            <a:r>
+              <a:rPr lang="pt-BR" dirty="0"/>
+              <a:t>Imaginem uma situação onde queremos treinar uma rede neural para reconhecer diferentes tipos de calçados.</a:t>
+            </a:r>
+          </a:p>
+          <a:p>
+            <a:r>
+              <a:rPr lang="pt-BR" dirty="0"/>
+              <a:t>É uma tarefa similar a ensinar alguém que nunca viu um calçado antes sobre o que eles realmente são para que no futuro quando essa pessoa ver um objeto ela poder decidir se ele é um calçado ou não.</a:t>
+            </a:r>
+          </a:p>
+        </p:txBody>
+      </p:sp>
+      <p:pic>
+        <p:nvPicPr>
+          <p:cNvPr id="1026" name="Picture 2" descr="Barker Shoes | Official Website | English Shoemakers Since 1880 | Barker  Shoes UK">
+            <a:extLst>
+              <a:ext uri="{FF2B5EF4-FFF2-40B4-BE49-F238E27FC236}">
+                <a16:creationId xmlns:a16="http://schemas.microsoft.com/office/drawing/2014/main" id="{4DE9A806-8537-1453-3A4C-2AD7E83B8847}"/>
+              </a:ext>
+            </a:extLst>
+          </p:cNvPr>
+          <p:cNvPicPr>
+            <a:picLocks noChangeAspect="1" noChangeArrowheads="1"/>
+          </p:cNvPicPr>
+          <p:nvPr/>
+        </p:nvPicPr>
+        <p:blipFill>
+          <a:blip r:embed="rId3">
+            <a:extLst>
+              <a:ext uri="{28A0092B-C50C-407E-A947-70E740481C1C}">
+                <a14:useLocalDpi xmlns:a14="http://schemas.microsoft.com/office/drawing/2010/main" val="0"/>
+              </a:ext>
+            </a:extLst>
+          </a:blip>
+          <a:srcRect/>
+          <a:stretch>
+            <a:fillRect/>
+          </a:stretch>
+        </p:blipFill>
+        <p:spPr bwMode="auto">
+          <a:xfrm>
+            <a:off x="838200" y="1875668"/>
+            <a:ext cx="2606079" cy="1628799"/>
+          </a:xfrm>
+          <a:prstGeom prst="rect">
+            <a:avLst/>
+          </a:prstGeom>
+          <a:noFill/>
+          <a:extLst>
+            <a:ext uri="{909E8E84-426E-40DD-AFC4-6F175D3DCCD1}">
+              <a14:hiddenFill xmlns:a14="http://schemas.microsoft.com/office/drawing/2010/main">
+                <a:solidFill>
+                  <a:srgbClr val="FFFFFF"/>
+                </a:solidFill>
+              </a14:hiddenFill>
+            </a:ext>
+          </a:extLst>
+        </p:spPr>
+      </p:pic>
+      <p:pic>
+        <p:nvPicPr>
+          <p:cNvPr id="1028" name="Picture 4" descr="Preços baixos em Sapatos | eBay">
+            <a:extLst>
+              <a:ext uri="{FF2B5EF4-FFF2-40B4-BE49-F238E27FC236}">
+                <a16:creationId xmlns:a16="http://schemas.microsoft.com/office/drawing/2014/main" id="{98243BFE-DB44-FC97-581C-F486B6A7B73B}"/>
+              </a:ext>
+            </a:extLst>
+          </p:cNvPr>
+          <p:cNvPicPr>
+            <a:picLocks noChangeAspect="1" noChangeArrowheads="1"/>
+          </p:cNvPicPr>
+          <p:nvPr/>
+        </p:nvPicPr>
+        <p:blipFill>
+          <a:blip r:embed="rId4">
+            <a:extLst>
+              <a:ext uri="{28A0092B-C50C-407E-A947-70E740481C1C}">
+                <a14:useLocalDpi xmlns:a14="http://schemas.microsoft.com/office/drawing/2010/main" val="0"/>
+              </a:ext>
+            </a:extLst>
+          </a:blip>
+          <a:srcRect/>
+          <a:stretch>
+            <a:fillRect/>
+          </a:stretch>
+        </p:blipFill>
+        <p:spPr bwMode="auto">
+          <a:xfrm>
+            <a:off x="3538202" y="1881529"/>
+            <a:ext cx="2711945" cy="1368686"/>
+          </a:xfrm>
+          <a:prstGeom prst="rect">
+            <a:avLst/>
+          </a:prstGeom>
+          <a:noFill/>
+          <a:extLst>
+            <a:ext uri="{909E8E84-426E-40DD-AFC4-6F175D3DCCD1}">
+              <a14:hiddenFill xmlns:a14="http://schemas.microsoft.com/office/drawing/2010/main">
+                <a:solidFill>
+                  <a:srgbClr val="FFFFFF"/>
+                </a:solidFill>
+              </a14:hiddenFill>
+            </a:ext>
+          </a:extLst>
+        </p:spPr>
+      </p:pic>
+      <p:pic>
+        <p:nvPicPr>
+          <p:cNvPr id="1030" name="Picture 6" descr="17 Essential Shoes for Men in 2023: Sneakers, Loafers, Boots, Dress Shoes,  and More | GQ">
+            <a:extLst>
+              <a:ext uri="{FF2B5EF4-FFF2-40B4-BE49-F238E27FC236}">
+                <a16:creationId xmlns:a16="http://schemas.microsoft.com/office/drawing/2014/main" id="{CFC9462D-4929-503A-5AE8-14F616EC66AA}"/>
+              </a:ext>
+            </a:extLst>
+          </p:cNvPr>
+          <p:cNvPicPr>
+            <a:picLocks noChangeAspect="1" noChangeArrowheads="1"/>
+          </p:cNvPicPr>
+          <p:nvPr/>
+        </p:nvPicPr>
+        <p:blipFill>
+          <a:blip r:embed="rId5">
+            <a:extLst>
+              <a:ext uri="{28A0092B-C50C-407E-A947-70E740481C1C}">
+                <a14:useLocalDpi xmlns:a14="http://schemas.microsoft.com/office/drawing/2010/main" val="0"/>
+              </a:ext>
+            </a:extLst>
+          </a:blip>
+          <a:srcRect/>
+          <a:stretch>
+            <a:fillRect/>
+          </a:stretch>
+        </p:blipFill>
+        <p:spPr bwMode="auto">
+          <a:xfrm>
+            <a:off x="804977" y="5262470"/>
+            <a:ext cx="2639302" cy="1484607"/>
+          </a:xfrm>
+          <a:prstGeom prst="rect">
+            <a:avLst/>
+          </a:prstGeom>
+          <a:noFill/>
+          <a:extLst>
+            <a:ext uri="{909E8E84-426E-40DD-AFC4-6F175D3DCCD1}">
+              <a14:hiddenFill xmlns:a14="http://schemas.microsoft.com/office/drawing/2010/main">
+                <a:solidFill>
+                  <a:srgbClr val="FFFFFF"/>
+                </a:solidFill>
+              </a14:hiddenFill>
+            </a:ext>
+          </a:extLst>
+        </p:spPr>
+      </p:pic>
+      <p:pic>
+        <p:nvPicPr>
+          <p:cNvPr id="1032" name="Picture 8" descr="The 5 Best Water Shoes of 2023 | Reviews by Wirecutter">
+            <a:extLst>
+              <a:ext uri="{FF2B5EF4-FFF2-40B4-BE49-F238E27FC236}">
+                <a16:creationId xmlns:a16="http://schemas.microsoft.com/office/drawing/2014/main" id="{A90F23CC-4FF6-721E-5625-5AC321D203C4}"/>
+              </a:ext>
+            </a:extLst>
+          </p:cNvPr>
+          <p:cNvPicPr>
+            <a:picLocks noChangeAspect="1" noChangeArrowheads="1"/>
+          </p:cNvPicPr>
+          <p:nvPr/>
+        </p:nvPicPr>
+        <p:blipFill>
+          <a:blip r:embed="rId6">
+            <a:extLst>
+              <a:ext uri="{28A0092B-C50C-407E-A947-70E740481C1C}">
+                <a14:useLocalDpi xmlns:a14="http://schemas.microsoft.com/office/drawing/2010/main" val="0"/>
+              </a:ext>
+            </a:extLst>
+          </a:blip>
+          <a:srcRect/>
+          <a:stretch>
+            <a:fillRect/>
+          </a:stretch>
+        </p:blipFill>
+        <p:spPr bwMode="auto">
+          <a:xfrm>
+            <a:off x="3538202" y="3375627"/>
+            <a:ext cx="2711945" cy="1419251"/>
+          </a:xfrm>
+          <a:prstGeom prst="rect">
+            <a:avLst/>
+          </a:prstGeom>
+          <a:noFill/>
+          <a:extLst>
+            <a:ext uri="{909E8E84-426E-40DD-AFC4-6F175D3DCCD1}">
+              <a14:hiddenFill xmlns:a14="http://schemas.microsoft.com/office/drawing/2010/main">
+                <a:solidFill>
+                  <a:srgbClr val="FFFFFF"/>
+                </a:solidFill>
+              </a14:hiddenFill>
+            </a:ext>
+          </a:extLst>
+        </p:spPr>
+      </p:pic>
+      <p:pic>
+        <p:nvPicPr>
+          <p:cNvPr id="1034" name="Picture 10" descr="Shoe - Wikipedia">
+            <a:extLst>
+              <a:ext uri="{FF2B5EF4-FFF2-40B4-BE49-F238E27FC236}">
+                <a16:creationId xmlns:a16="http://schemas.microsoft.com/office/drawing/2014/main" id="{D02ACA22-9C4E-DF86-654C-61FC92B1108C}"/>
+              </a:ext>
+            </a:extLst>
+          </p:cNvPr>
+          <p:cNvPicPr>
+            <a:picLocks noChangeAspect="1" noChangeArrowheads="1"/>
+          </p:cNvPicPr>
+          <p:nvPr/>
+        </p:nvPicPr>
+        <p:blipFill>
+          <a:blip r:embed="rId7">
+            <a:extLst>
+              <a:ext uri="{28A0092B-C50C-407E-A947-70E740481C1C}">
+                <a14:useLocalDpi xmlns:a14="http://schemas.microsoft.com/office/drawing/2010/main" val="0"/>
+              </a:ext>
+            </a:extLst>
+          </a:blip>
+          <a:srcRect/>
+          <a:stretch>
+            <a:fillRect/>
+          </a:stretch>
+        </p:blipFill>
+        <p:spPr bwMode="auto">
+          <a:xfrm>
+            <a:off x="3754002" y="4920290"/>
+            <a:ext cx="2278897" cy="1837361"/>
+          </a:xfrm>
+          <a:prstGeom prst="rect">
+            <a:avLst/>
+          </a:prstGeom>
+          <a:noFill/>
+          <a:extLst>
+            <a:ext uri="{909E8E84-426E-40DD-AFC4-6F175D3DCCD1}">
+              <a14:hiddenFill xmlns:a14="http://schemas.microsoft.com/office/drawing/2010/main">
+                <a:solidFill>
+                  <a:srgbClr val="FFFFFF"/>
+                </a:solidFill>
+              </a14:hiddenFill>
+            </a:ext>
+          </a:extLst>
+        </p:spPr>
+      </p:pic>
+      <p:pic>
+        <p:nvPicPr>
+          <p:cNvPr id="1036" name="Picture 12" descr="The 9 Best Sandals of 2023 | Reviews by Wirecutter">
+            <a:extLst>
+              <a:ext uri="{FF2B5EF4-FFF2-40B4-BE49-F238E27FC236}">
+                <a16:creationId xmlns:a16="http://schemas.microsoft.com/office/drawing/2014/main" id="{5E8C2F52-8C11-31F1-A6C1-2BFD37C7E235}"/>
+              </a:ext>
+            </a:extLst>
+          </p:cNvPr>
+          <p:cNvPicPr>
+            <a:picLocks noChangeAspect="1" noChangeArrowheads="1"/>
+          </p:cNvPicPr>
+          <p:nvPr/>
+        </p:nvPicPr>
+        <p:blipFill>
+          <a:blip r:embed="rId8">
+            <a:extLst>
+              <a:ext uri="{28A0092B-C50C-407E-A947-70E740481C1C}">
+                <a14:useLocalDpi xmlns:a14="http://schemas.microsoft.com/office/drawing/2010/main" val="0"/>
+              </a:ext>
+            </a:extLst>
+          </a:blip>
+          <a:srcRect/>
+          <a:stretch>
+            <a:fillRect/>
+          </a:stretch>
+        </p:blipFill>
+        <p:spPr bwMode="auto">
+          <a:xfrm>
+            <a:off x="1001791" y="3623465"/>
+            <a:ext cx="2278896" cy="1520006"/>
+          </a:xfrm>
+          <a:prstGeom prst="rect">
+            <a:avLst/>
+          </a:prstGeom>
+          <a:noFill/>
+          <a:extLst>
+            <a:ext uri="{909E8E84-426E-40DD-AFC4-6F175D3DCCD1}">
+              <a14:hiddenFill xmlns:a14="http://schemas.microsoft.com/office/drawing/2010/main">
+                <a:solidFill>
+                  <a:srgbClr val="FFFFFF"/>
+                </a:solidFill>
+              </a14:hiddenFill>
+            </a:ext>
+          </a:extLst>
+        </p:spPr>
+      </p:pic>
+    </p:spTree>
+    <p:extLst>
+      <p:ext uri="{BB962C8B-B14F-4D97-AF65-F5344CB8AC3E}">
+        <p14:creationId xmlns:p14="http://schemas.microsoft.com/office/powerpoint/2010/main" val="2900743487"/>
+      </p:ext>
+    </p:extLst>
+  </p:cSld>
+  <p:clrMapOvr>
+    <a:masterClrMapping/>
+  </p:clrMapOvr>
+</p:sld>
+</file>
+
+<file path=ppt/slides/slide30.xml><?xml version="1.0" encoding="utf-8"?>
 <p:sld xmlns:a="http://schemas.openxmlformats.org/drawingml/2006/main" xmlns:r="http://schemas.openxmlformats.org/officeDocument/2006/relationships" xmlns:p="http://schemas.openxmlformats.org/presentationml/2006/main">
   <p:cSld>
     <p:spTree>
@@ -12369,7 +14694,7 @@
 </p:sld>
 </file>
 
-<file path=ppt/slides/slide27.xml><?xml version="1.0" encoding="utf-8"?>
+<file path=ppt/slides/slide31.xml><?xml version="1.0" encoding="utf-8"?>
 <p:sld xmlns:a="http://schemas.openxmlformats.org/drawingml/2006/main" xmlns:r="http://schemas.openxmlformats.org/officeDocument/2006/relationships" xmlns:p="http://schemas.openxmlformats.org/presentationml/2006/main">
   <p:cSld>
     <p:spTree>
@@ -12455,7 +14780,7 @@
 </p:sld>
 </file>
 
-<file path=ppt/slides/slide3.xml><?xml version="1.0" encoding="utf-8"?>
+<file path=ppt/slides/slide32.xml><?xml version="1.0" encoding="utf-8"?>
 <p:sld xmlns:a="http://schemas.openxmlformats.org/drawingml/2006/main" xmlns:r="http://schemas.openxmlformats.org/officeDocument/2006/relationships" xmlns:p="http://schemas.openxmlformats.org/presentationml/2006/main">
   <p:cSld>
     <p:spTree>
@@ -12472,359 +14797,5530 @@
           <a:chExt cx="0" cy="0"/>
         </a:xfrm>
       </p:grpSpPr>
-      <p:sp>
-        <p:nvSpPr>
-          <p:cNvPr id="2" name="Título 1">
-            <a:extLst>
-              <a:ext uri="{FF2B5EF4-FFF2-40B4-BE49-F238E27FC236}">
-                <a16:creationId xmlns:a16="http://schemas.microsoft.com/office/drawing/2014/main" id="{3DBFD88C-E587-F1F5-9CE9-1664F6294656}"/>
-              </a:ext>
-            </a:extLst>
-          </p:cNvPr>
-          <p:cNvSpPr>
-            <a:spLocks noGrp="1"/>
-          </p:cNvSpPr>
-          <p:nvPr>
-            <p:ph type="title"/>
-          </p:nvPr>
-        </p:nvSpPr>
-        <p:spPr/>
-        <p:txBody>
-          <a:bodyPr/>
-          <a:lstStyle/>
-          <a:p>
-            <a:r>
-              <a:rPr lang="pt-BR" dirty="0"/>
-              <a:t>Reconhecendo calçados</a:t>
-            </a:r>
-          </a:p>
-        </p:txBody>
-      </p:sp>
-      <p:sp>
-        <p:nvSpPr>
-          <p:cNvPr id="3" name="Espaço Reservado para Conteúdo 2">
-            <a:extLst>
-              <a:ext uri="{FF2B5EF4-FFF2-40B4-BE49-F238E27FC236}">
-                <a16:creationId xmlns:a16="http://schemas.microsoft.com/office/drawing/2014/main" id="{BC8DED3E-A39F-AD3E-1BD0-A1D23418ABFF}"/>
-              </a:ext>
-            </a:extLst>
-          </p:cNvPr>
-          <p:cNvSpPr>
-            <a:spLocks noGrp="1"/>
-          </p:cNvSpPr>
-          <p:nvPr>
-            <p:ph idx="1"/>
-          </p:nvPr>
-        </p:nvSpPr>
-        <p:spPr>
+      <p:grpSp>
+        <p:nvGrpSpPr>
+          <p:cNvPr id="4" name="Agrupar 3">
+            <a:extLst>
+              <a:ext uri="{FF2B5EF4-FFF2-40B4-BE49-F238E27FC236}">
+                <a16:creationId xmlns:a16="http://schemas.microsoft.com/office/drawing/2014/main" id="{FB07C42F-A992-2717-DDF1-083ADA9C3645}"/>
+              </a:ext>
+            </a:extLst>
+          </p:cNvPr>
+          <p:cNvGrpSpPr/>
+          <p:nvPr/>
+        </p:nvGrpSpPr>
+        <p:grpSpPr>
           <a:xfrm>
-            <a:off x="6559870" y="1825625"/>
-            <a:ext cx="5474814" cy="5032376"/>
+            <a:off x="1050515" y="1517918"/>
+            <a:ext cx="4577263" cy="3036592"/>
+            <a:chOff x="983980" y="3614532"/>
+            <a:chExt cx="4577263" cy="3036592"/>
           </a:xfrm>
-        </p:spPr>
-        <p:txBody>
-          <a:bodyPr/>
-          <a:lstStyle/>
-          <a:p>
-            <a:r>
-              <a:rPr lang="pt-BR" dirty="0"/>
-              <a:t>Imaginem uma situação onde queremos treinar uma rede neural para reconhecer diferentes tipos de calçados.</a:t>
-            </a:r>
-          </a:p>
-          <a:p>
-            <a:r>
-              <a:rPr lang="pt-BR" dirty="0"/>
-              <a:t>É uma tarefa similar a ensinar alguém que nunca viu um calçado antes sobre o que eles realmente são para que no futuro quando essa pessoa ver um objeto ela poder decidir se ele é um calçado ou não.</a:t>
-            </a:r>
-          </a:p>
-        </p:txBody>
-      </p:sp>
-      <p:pic>
-        <p:nvPicPr>
-          <p:cNvPr id="1026" name="Picture 2" descr="Barker Shoes | Official Website | English Shoemakers Since 1880 | Barker  Shoes UK">
-            <a:extLst>
-              <a:ext uri="{FF2B5EF4-FFF2-40B4-BE49-F238E27FC236}">
-                <a16:creationId xmlns:a16="http://schemas.microsoft.com/office/drawing/2014/main" id="{4DE9A806-8537-1453-3A4C-2AD7E83B8847}"/>
-              </a:ext>
-            </a:extLst>
-          </p:cNvPr>
-          <p:cNvPicPr>
-            <a:picLocks noChangeAspect="1" noChangeArrowheads="1"/>
-          </p:cNvPicPr>
+        </p:grpSpPr>
+        <p:sp>
+          <p:nvSpPr>
+            <p:cNvPr id="5" name="Elipse 4">
+              <a:extLst>
+                <a:ext uri="{FF2B5EF4-FFF2-40B4-BE49-F238E27FC236}">
+                  <a16:creationId xmlns:a16="http://schemas.microsoft.com/office/drawing/2014/main" id="{21354678-1459-EC6A-BFFF-068903DA2C08}"/>
+                </a:ext>
+              </a:extLst>
+            </p:cNvPr>
+            <p:cNvSpPr/>
+            <p:nvPr/>
+          </p:nvSpPr>
+          <p:spPr>
+            <a:xfrm>
+              <a:off x="3328962" y="3756976"/>
+              <a:ext cx="566057" cy="566057"/>
+            </a:xfrm>
+            <a:prstGeom prst="ellipse">
+              <a:avLst/>
+            </a:prstGeom>
+            <a:solidFill>
+              <a:schemeClr val="accent1"/>
+            </a:solidFill>
+            <a:ln>
+              <a:noFill/>
+            </a:ln>
+          </p:spPr>
+          <p:style>
+            <a:lnRef idx="2">
+              <a:schemeClr val="accent1">
+                <a:shade val="15000"/>
+              </a:schemeClr>
+            </a:lnRef>
+            <a:fillRef idx="1">
+              <a:schemeClr val="accent1"/>
+            </a:fillRef>
+            <a:effectRef idx="0">
+              <a:schemeClr val="accent1"/>
+            </a:effectRef>
+            <a:fontRef idx="minor">
+              <a:schemeClr val="lt1"/>
+            </a:fontRef>
+          </p:style>
+          <p:txBody>
+            <a:bodyPr rtlCol="0" anchor="ctr"/>
+            <a:lstStyle/>
+            <a:p>
+              <a:pPr algn="ctr"/>
+              <a:endParaRPr lang="pt-BR" dirty="0"/>
+            </a:p>
+          </p:txBody>
+        </p:sp>
+        <p:sp>
+          <p:nvSpPr>
+            <p:cNvPr id="6" name="Elipse 5">
+              <a:extLst>
+                <a:ext uri="{FF2B5EF4-FFF2-40B4-BE49-F238E27FC236}">
+                  <a16:creationId xmlns:a16="http://schemas.microsoft.com/office/drawing/2014/main" id="{9202167C-234D-8420-55FA-B0C12B1A5BB1}"/>
+                </a:ext>
+              </a:extLst>
+            </p:cNvPr>
+            <p:cNvSpPr/>
+            <p:nvPr/>
+          </p:nvSpPr>
+          <p:spPr>
+            <a:xfrm>
+              <a:off x="3328961" y="4526233"/>
+              <a:ext cx="566057" cy="566057"/>
+            </a:xfrm>
+            <a:prstGeom prst="ellipse">
+              <a:avLst/>
+            </a:prstGeom>
+            <a:solidFill>
+              <a:schemeClr val="accent1"/>
+            </a:solidFill>
+            <a:ln>
+              <a:noFill/>
+            </a:ln>
+          </p:spPr>
+          <p:style>
+            <a:lnRef idx="2">
+              <a:schemeClr val="accent1">
+                <a:shade val="15000"/>
+              </a:schemeClr>
+            </a:lnRef>
+            <a:fillRef idx="1">
+              <a:schemeClr val="accent1"/>
+            </a:fillRef>
+            <a:effectRef idx="0">
+              <a:schemeClr val="accent1"/>
+            </a:effectRef>
+            <a:fontRef idx="minor">
+              <a:schemeClr val="lt1"/>
+            </a:fontRef>
+          </p:style>
+          <p:txBody>
+            <a:bodyPr rtlCol="0" anchor="ctr"/>
+            <a:lstStyle/>
+            <a:p>
+              <a:pPr algn="ctr"/>
+              <a:endParaRPr lang="pt-BR" dirty="0"/>
+            </a:p>
+          </p:txBody>
+        </p:sp>
+        <p:sp>
+          <p:nvSpPr>
+            <p:cNvPr id="7" name="Elipse 6">
+              <a:extLst>
+                <a:ext uri="{FF2B5EF4-FFF2-40B4-BE49-F238E27FC236}">
+                  <a16:creationId xmlns:a16="http://schemas.microsoft.com/office/drawing/2014/main" id="{C2445B85-6587-1F9D-632C-CA40610EC62E}"/>
+                </a:ext>
+              </a:extLst>
+            </p:cNvPr>
+            <p:cNvSpPr/>
+            <p:nvPr/>
+          </p:nvSpPr>
+          <p:spPr>
+            <a:xfrm>
+              <a:off x="3328961" y="5305650"/>
+              <a:ext cx="566057" cy="566057"/>
+            </a:xfrm>
+            <a:prstGeom prst="ellipse">
+              <a:avLst/>
+            </a:prstGeom>
+            <a:solidFill>
+              <a:schemeClr val="accent1"/>
+            </a:solidFill>
+            <a:ln>
+              <a:noFill/>
+            </a:ln>
+          </p:spPr>
+          <p:style>
+            <a:lnRef idx="2">
+              <a:schemeClr val="accent1">
+                <a:shade val="15000"/>
+              </a:schemeClr>
+            </a:lnRef>
+            <a:fillRef idx="1">
+              <a:schemeClr val="accent1"/>
+            </a:fillRef>
+            <a:effectRef idx="0">
+              <a:schemeClr val="accent1"/>
+            </a:effectRef>
+            <a:fontRef idx="minor">
+              <a:schemeClr val="lt1"/>
+            </a:fontRef>
+          </p:style>
+          <p:txBody>
+            <a:bodyPr rtlCol="0" anchor="ctr"/>
+            <a:lstStyle/>
+            <a:p>
+              <a:pPr algn="ctr"/>
+              <a:endParaRPr lang="pt-BR" dirty="0"/>
+            </a:p>
+          </p:txBody>
+        </p:sp>
+        <p:sp>
+          <p:nvSpPr>
+            <p:cNvPr id="8" name="Elipse 7">
+              <a:extLst>
+                <a:ext uri="{FF2B5EF4-FFF2-40B4-BE49-F238E27FC236}">
+                  <a16:creationId xmlns:a16="http://schemas.microsoft.com/office/drawing/2014/main" id="{151E4E5F-4430-EBD6-8B9B-10BA312FFCF4}"/>
+                </a:ext>
+              </a:extLst>
+            </p:cNvPr>
+            <p:cNvSpPr/>
+            <p:nvPr/>
+          </p:nvSpPr>
+          <p:spPr>
+            <a:xfrm>
+              <a:off x="3328961" y="6085067"/>
+              <a:ext cx="566057" cy="566057"/>
+            </a:xfrm>
+            <a:prstGeom prst="ellipse">
+              <a:avLst/>
+            </a:prstGeom>
+            <a:solidFill>
+              <a:schemeClr val="accent1"/>
+            </a:solidFill>
+            <a:ln>
+              <a:noFill/>
+            </a:ln>
+          </p:spPr>
+          <p:style>
+            <a:lnRef idx="2">
+              <a:schemeClr val="accent1">
+                <a:shade val="15000"/>
+              </a:schemeClr>
+            </a:lnRef>
+            <a:fillRef idx="1">
+              <a:schemeClr val="accent1"/>
+            </a:fillRef>
+            <a:effectRef idx="0">
+              <a:schemeClr val="accent1"/>
+            </a:effectRef>
+            <a:fontRef idx="minor">
+              <a:schemeClr val="lt1"/>
+            </a:fontRef>
+          </p:style>
+          <p:txBody>
+            <a:bodyPr rtlCol="0" anchor="ctr"/>
+            <a:lstStyle/>
+            <a:p>
+              <a:pPr algn="ctr"/>
+              <a:endParaRPr lang="pt-BR" dirty="0"/>
+            </a:p>
+          </p:txBody>
+        </p:sp>
+        <p:sp>
+          <p:nvSpPr>
+            <p:cNvPr id="9" name="Elipse 8">
+              <a:extLst>
+                <a:ext uri="{FF2B5EF4-FFF2-40B4-BE49-F238E27FC236}">
+                  <a16:creationId xmlns:a16="http://schemas.microsoft.com/office/drawing/2014/main" id="{B9F28606-2CD9-EA49-6D4F-B417EF5BAEE3}"/>
+                </a:ext>
+              </a:extLst>
+            </p:cNvPr>
+            <p:cNvSpPr/>
+            <p:nvPr/>
+          </p:nvSpPr>
+          <p:spPr>
+            <a:xfrm>
+              <a:off x="4389392" y="4524905"/>
+              <a:ext cx="566057" cy="566057"/>
+            </a:xfrm>
+            <a:prstGeom prst="ellipse">
+              <a:avLst/>
+            </a:prstGeom>
+            <a:solidFill>
+              <a:schemeClr val="bg1">
+                <a:lumMod val="85000"/>
+              </a:schemeClr>
+            </a:solidFill>
+            <a:ln>
+              <a:noFill/>
+            </a:ln>
+          </p:spPr>
+          <p:style>
+            <a:lnRef idx="2">
+              <a:schemeClr val="accent1">
+                <a:shade val="15000"/>
+              </a:schemeClr>
+            </a:lnRef>
+            <a:fillRef idx="1">
+              <a:schemeClr val="accent1"/>
+            </a:fillRef>
+            <a:effectRef idx="0">
+              <a:schemeClr val="accent1"/>
+            </a:effectRef>
+            <a:fontRef idx="minor">
+              <a:schemeClr val="lt1"/>
+            </a:fontRef>
+          </p:style>
+          <p:txBody>
+            <a:bodyPr rtlCol="0" anchor="ctr"/>
+            <a:lstStyle/>
+            <a:p>
+              <a:pPr algn="ctr"/>
+              <a:endParaRPr lang="pt-BR" dirty="0"/>
+            </a:p>
+          </p:txBody>
+        </p:sp>
+        <p:sp>
+          <p:nvSpPr>
+            <p:cNvPr id="10" name="Elipse 9">
+              <a:extLst>
+                <a:ext uri="{FF2B5EF4-FFF2-40B4-BE49-F238E27FC236}">
+                  <a16:creationId xmlns:a16="http://schemas.microsoft.com/office/drawing/2014/main" id="{60889C38-9906-3431-F3B0-48A0569494C7}"/>
+                </a:ext>
+              </a:extLst>
+            </p:cNvPr>
+            <p:cNvSpPr/>
+            <p:nvPr/>
+          </p:nvSpPr>
+          <p:spPr>
+            <a:xfrm>
+              <a:off x="2123189" y="3756976"/>
+              <a:ext cx="566057" cy="566057"/>
+            </a:xfrm>
+            <a:prstGeom prst="ellipse">
+              <a:avLst/>
+            </a:prstGeom>
+            <a:solidFill>
+              <a:schemeClr val="accent2"/>
+            </a:solidFill>
+            <a:ln>
+              <a:noFill/>
+            </a:ln>
+          </p:spPr>
+          <p:style>
+            <a:lnRef idx="2">
+              <a:schemeClr val="accent1">
+                <a:shade val="15000"/>
+              </a:schemeClr>
+            </a:lnRef>
+            <a:fillRef idx="1">
+              <a:schemeClr val="accent1"/>
+            </a:fillRef>
+            <a:effectRef idx="0">
+              <a:schemeClr val="accent1"/>
+            </a:effectRef>
+            <a:fontRef idx="minor">
+              <a:schemeClr val="lt1"/>
+            </a:fontRef>
+          </p:style>
+          <p:txBody>
+            <a:bodyPr rtlCol="0" anchor="ctr"/>
+            <a:lstStyle/>
+            <a:p>
+              <a:pPr algn="ctr"/>
+              <a:endParaRPr lang="pt-BR" dirty="0"/>
+            </a:p>
+          </p:txBody>
+        </p:sp>
+        <p:sp>
+          <p:nvSpPr>
+            <p:cNvPr id="11" name="Elipse 10">
+              <a:extLst>
+                <a:ext uri="{FF2B5EF4-FFF2-40B4-BE49-F238E27FC236}">
+                  <a16:creationId xmlns:a16="http://schemas.microsoft.com/office/drawing/2014/main" id="{DF780B85-FE8C-06AC-A428-D3E801D0CAFA}"/>
+                </a:ext>
+              </a:extLst>
+            </p:cNvPr>
+            <p:cNvSpPr/>
+            <p:nvPr/>
+          </p:nvSpPr>
+          <p:spPr>
+            <a:xfrm>
+              <a:off x="2127901" y="4526230"/>
+              <a:ext cx="566057" cy="566057"/>
+            </a:xfrm>
+            <a:prstGeom prst="ellipse">
+              <a:avLst/>
+            </a:prstGeom>
+            <a:solidFill>
+              <a:schemeClr val="accent2"/>
+            </a:solidFill>
+            <a:ln>
+              <a:noFill/>
+            </a:ln>
+          </p:spPr>
+          <p:style>
+            <a:lnRef idx="2">
+              <a:schemeClr val="accent1">
+                <a:shade val="15000"/>
+              </a:schemeClr>
+            </a:lnRef>
+            <a:fillRef idx="1">
+              <a:schemeClr val="accent1"/>
+            </a:fillRef>
+            <a:effectRef idx="0">
+              <a:schemeClr val="accent1"/>
+            </a:effectRef>
+            <a:fontRef idx="minor">
+              <a:schemeClr val="lt1"/>
+            </a:fontRef>
+          </p:style>
+          <p:txBody>
+            <a:bodyPr rtlCol="0" anchor="ctr"/>
+            <a:lstStyle/>
+            <a:p>
+              <a:pPr algn="ctr"/>
+              <a:endParaRPr lang="pt-BR" dirty="0"/>
+            </a:p>
+          </p:txBody>
+        </p:sp>
+        <p:sp>
+          <p:nvSpPr>
+            <p:cNvPr id="12" name="Elipse 11">
+              <a:extLst>
+                <a:ext uri="{FF2B5EF4-FFF2-40B4-BE49-F238E27FC236}">
+                  <a16:creationId xmlns:a16="http://schemas.microsoft.com/office/drawing/2014/main" id="{7A187CCF-3FCB-A01B-5454-D4817F3CC33F}"/>
+                </a:ext>
+              </a:extLst>
+            </p:cNvPr>
+            <p:cNvSpPr/>
+            <p:nvPr/>
+          </p:nvSpPr>
+          <p:spPr>
+            <a:xfrm>
+              <a:off x="2123189" y="5303324"/>
+              <a:ext cx="566057" cy="566057"/>
+            </a:xfrm>
+            <a:prstGeom prst="ellipse">
+              <a:avLst/>
+            </a:prstGeom>
+            <a:solidFill>
+              <a:schemeClr val="accent2"/>
+            </a:solidFill>
+            <a:ln>
+              <a:noFill/>
+            </a:ln>
+          </p:spPr>
+          <p:style>
+            <a:lnRef idx="2">
+              <a:schemeClr val="accent1">
+                <a:shade val="15000"/>
+              </a:schemeClr>
+            </a:lnRef>
+            <a:fillRef idx="1">
+              <a:schemeClr val="accent1"/>
+            </a:fillRef>
+            <a:effectRef idx="0">
+              <a:schemeClr val="accent1"/>
+            </a:effectRef>
+            <a:fontRef idx="minor">
+              <a:schemeClr val="lt1"/>
+            </a:fontRef>
+          </p:style>
+          <p:txBody>
+            <a:bodyPr rtlCol="0" anchor="ctr"/>
+            <a:lstStyle/>
+            <a:p>
+              <a:pPr algn="ctr"/>
+              <a:endParaRPr lang="pt-BR" dirty="0"/>
+            </a:p>
+          </p:txBody>
+        </p:sp>
+        <p:cxnSp>
+          <p:nvCxnSpPr>
+            <p:cNvPr id="13" name="Conector de Seta Reta 12">
+              <a:extLst>
+                <a:ext uri="{FF2B5EF4-FFF2-40B4-BE49-F238E27FC236}">
+                  <a16:creationId xmlns:a16="http://schemas.microsoft.com/office/drawing/2014/main" id="{D71AF5E7-4BDC-4DF5-B4A7-BD601D539EA3}"/>
+                </a:ext>
+              </a:extLst>
+            </p:cNvPr>
+            <p:cNvCxnSpPr>
+              <a:stCxn id="10" idx="6"/>
+              <a:endCxn id="5" idx="2"/>
+            </p:cNvCxnSpPr>
+            <p:nvPr/>
+          </p:nvCxnSpPr>
+          <p:spPr>
+            <a:xfrm>
+              <a:off x="2689246" y="4040005"/>
+              <a:ext cx="639716" cy="0"/>
+            </a:xfrm>
+            <a:prstGeom prst="straightConnector1">
+              <a:avLst/>
+            </a:prstGeom>
+            <a:ln>
+              <a:tailEnd type="triangle"/>
+            </a:ln>
+          </p:spPr>
+          <p:style>
+            <a:lnRef idx="1">
+              <a:schemeClr val="accent1"/>
+            </a:lnRef>
+            <a:fillRef idx="0">
+              <a:schemeClr val="accent1"/>
+            </a:fillRef>
+            <a:effectRef idx="0">
+              <a:schemeClr val="accent1"/>
+            </a:effectRef>
+            <a:fontRef idx="minor">
+              <a:schemeClr val="tx1"/>
+            </a:fontRef>
+          </p:style>
+        </p:cxnSp>
+        <p:cxnSp>
+          <p:nvCxnSpPr>
+            <p:cNvPr id="14" name="Conector de Seta Reta 13">
+              <a:extLst>
+                <a:ext uri="{FF2B5EF4-FFF2-40B4-BE49-F238E27FC236}">
+                  <a16:creationId xmlns:a16="http://schemas.microsoft.com/office/drawing/2014/main" id="{33D87AF2-6594-D2C7-CFE2-62391F186390}"/>
+                </a:ext>
+              </a:extLst>
+            </p:cNvPr>
+            <p:cNvCxnSpPr>
+              <a:stCxn id="10" idx="6"/>
+              <a:endCxn id="6" idx="2"/>
+            </p:cNvCxnSpPr>
+            <p:nvPr/>
+          </p:nvCxnSpPr>
+          <p:spPr>
+            <a:xfrm>
+              <a:off x="2689246" y="4040005"/>
+              <a:ext cx="639715" cy="769257"/>
+            </a:xfrm>
+            <a:prstGeom prst="straightConnector1">
+              <a:avLst/>
+            </a:prstGeom>
+            <a:ln>
+              <a:tailEnd type="triangle"/>
+            </a:ln>
+          </p:spPr>
+          <p:style>
+            <a:lnRef idx="1">
+              <a:schemeClr val="accent1"/>
+            </a:lnRef>
+            <a:fillRef idx="0">
+              <a:schemeClr val="accent1"/>
+            </a:fillRef>
+            <a:effectRef idx="0">
+              <a:schemeClr val="accent1"/>
+            </a:effectRef>
+            <a:fontRef idx="minor">
+              <a:schemeClr val="tx1"/>
+            </a:fontRef>
+          </p:style>
+        </p:cxnSp>
+        <p:cxnSp>
+          <p:nvCxnSpPr>
+            <p:cNvPr id="15" name="Conector de Seta Reta 14">
+              <a:extLst>
+                <a:ext uri="{FF2B5EF4-FFF2-40B4-BE49-F238E27FC236}">
+                  <a16:creationId xmlns:a16="http://schemas.microsoft.com/office/drawing/2014/main" id="{880FBCFF-63A2-EDE9-8EFA-6FFF9479EF42}"/>
+                </a:ext>
+              </a:extLst>
+            </p:cNvPr>
+            <p:cNvCxnSpPr>
+              <a:stCxn id="10" idx="6"/>
+              <a:endCxn id="7" idx="2"/>
+            </p:cNvCxnSpPr>
+            <p:nvPr/>
+          </p:nvCxnSpPr>
+          <p:spPr>
+            <a:xfrm>
+              <a:off x="2689246" y="4040005"/>
+              <a:ext cx="639715" cy="1548674"/>
+            </a:xfrm>
+            <a:prstGeom prst="straightConnector1">
+              <a:avLst/>
+            </a:prstGeom>
+            <a:ln>
+              <a:tailEnd type="triangle"/>
+            </a:ln>
+          </p:spPr>
+          <p:style>
+            <a:lnRef idx="1">
+              <a:schemeClr val="accent1"/>
+            </a:lnRef>
+            <a:fillRef idx="0">
+              <a:schemeClr val="accent1"/>
+            </a:fillRef>
+            <a:effectRef idx="0">
+              <a:schemeClr val="accent1"/>
+            </a:effectRef>
+            <a:fontRef idx="minor">
+              <a:schemeClr val="tx1"/>
+            </a:fontRef>
+          </p:style>
+        </p:cxnSp>
+        <p:cxnSp>
+          <p:nvCxnSpPr>
+            <p:cNvPr id="16" name="Conector de Seta Reta 15">
+              <a:extLst>
+                <a:ext uri="{FF2B5EF4-FFF2-40B4-BE49-F238E27FC236}">
+                  <a16:creationId xmlns:a16="http://schemas.microsoft.com/office/drawing/2014/main" id="{47651E34-D429-DC72-2972-060D81836DBB}"/>
+                </a:ext>
+              </a:extLst>
+            </p:cNvPr>
+            <p:cNvCxnSpPr>
+              <a:stCxn id="10" idx="6"/>
+              <a:endCxn id="8" idx="2"/>
+            </p:cNvCxnSpPr>
+            <p:nvPr/>
+          </p:nvCxnSpPr>
+          <p:spPr>
+            <a:xfrm>
+              <a:off x="2689246" y="4040005"/>
+              <a:ext cx="639715" cy="2328091"/>
+            </a:xfrm>
+            <a:prstGeom prst="straightConnector1">
+              <a:avLst/>
+            </a:prstGeom>
+            <a:ln>
+              <a:tailEnd type="triangle"/>
+            </a:ln>
+          </p:spPr>
+          <p:style>
+            <a:lnRef idx="1">
+              <a:schemeClr val="accent1"/>
+            </a:lnRef>
+            <a:fillRef idx="0">
+              <a:schemeClr val="accent1"/>
+            </a:fillRef>
+            <a:effectRef idx="0">
+              <a:schemeClr val="accent1"/>
+            </a:effectRef>
+            <a:fontRef idx="minor">
+              <a:schemeClr val="tx1"/>
+            </a:fontRef>
+          </p:style>
+        </p:cxnSp>
+        <p:cxnSp>
+          <p:nvCxnSpPr>
+            <p:cNvPr id="17" name="Conector de Seta Reta 16">
+              <a:extLst>
+                <a:ext uri="{FF2B5EF4-FFF2-40B4-BE49-F238E27FC236}">
+                  <a16:creationId xmlns:a16="http://schemas.microsoft.com/office/drawing/2014/main" id="{CC55591E-7244-297B-6A7C-2B054EE6C283}"/>
+                </a:ext>
+              </a:extLst>
+            </p:cNvPr>
+            <p:cNvCxnSpPr>
+              <a:stCxn id="11" idx="6"/>
+              <a:endCxn id="5" idx="2"/>
+            </p:cNvCxnSpPr>
+            <p:nvPr/>
+          </p:nvCxnSpPr>
+          <p:spPr>
+            <a:xfrm flipV="1">
+              <a:off x="2693958" y="4040005"/>
+              <a:ext cx="635004" cy="769254"/>
+            </a:xfrm>
+            <a:prstGeom prst="straightConnector1">
+              <a:avLst/>
+            </a:prstGeom>
+            <a:ln>
+              <a:tailEnd type="triangle"/>
+            </a:ln>
+          </p:spPr>
+          <p:style>
+            <a:lnRef idx="1">
+              <a:schemeClr val="accent1"/>
+            </a:lnRef>
+            <a:fillRef idx="0">
+              <a:schemeClr val="accent1"/>
+            </a:fillRef>
+            <a:effectRef idx="0">
+              <a:schemeClr val="accent1"/>
+            </a:effectRef>
+            <a:fontRef idx="minor">
+              <a:schemeClr val="tx1"/>
+            </a:fontRef>
+          </p:style>
+        </p:cxnSp>
+        <p:cxnSp>
+          <p:nvCxnSpPr>
+            <p:cNvPr id="18" name="Conector de Seta Reta 17">
+              <a:extLst>
+                <a:ext uri="{FF2B5EF4-FFF2-40B4-BE49-F238E27FC236}">
+                  <a16:creationId xmlns:a16="http://schemas.microsoft.com/office/drawing/2014/main" id="{5C063DBD-7854-101C-3A82-FA18DE8ED5AA}"/>
+                </a:ext>
+              </a:extLst>
+            </p:cNvPr>
+            <p:cNvCxnSpPr>
+              <a:stCxn id="12" idx="6"/>
+              <a:endCxn id="6" idx="2"/>
+            </p:cNvCxnSpPr>
+            <p:nvPr/>
+          </p:nvCxnSpPr>
+          <p:spPr>
+            <a:xfrm flipV="1">
+              <a:off x="2689246" y="4809262"/>
+              <a:ext cx="639715" cy="777091"/>
+            </a:xfrm>
+            <a:prstGeom prst="straightConnector1">
+              <a:avLst/>
+            </a:prstGeom>
+            <a:ln>
+              <a:tailEnd type="triangle"/>
+            </a:ln>
+          </p:spPr>
+          <p:style>
+            <a:lnRef idx="1">
+              <a:schemeClr val="accent1"/>
+            </a:lnRef>
+            <a:fillRef idx="0">
+              <a:schemeClr val="accent1"/>
+            </a:fillRef>
+            <a:effectRef idx="0">
+              <a:schemeClr val="accent1"/>
+            </a:effectRef>
+            <a:fontRef idx="minor">
+              <a:schemeClr val="tx1"/>
+            </a:fontRef>
+          </p:style>
+        </p:cxnSp>
+        <p:cxnSp>
+          <p:nvCxnSpPr>
+            <p:cNvPr id="19" name="Conector de Seta Reta 18">
+              <a:extLst>
+                <a:ext uri="{FF2B5EF4-FFF2-40B4-BE49-F238E27FC236}">
+                  <a16:creationId xmlns:a16="http://schemas.microsoft.com/office/drawing/2014/main" id="{BA1CDC5A-BE46-A95A-DBF4-28D015FE056D}"/>
+                </a:ext>
+              </a:extLst>
+            </p:cNvPr>
+            <p:cNvCxnSpPr>
+              <a:stCxn id="11" idx="6"/>
+              <a:endCxn id="6" idx="2"/>
+            </p:cNvCxnSpPr>
+            <p:nvPr/>
+          </p:nvCxnSpPr>
+          <p:spPr>
+            <a:xfrm>
+              <a:off x="2693958" y="4809259"/>
+              <a:ext cx="635003" cy="3"/>
+            </a:xfrm>
+            <a:prstGeom prst="straightConnector1">
+              <a:avLst/>
+            </a:prstGeom>
+            <a:ln>
+              <a:tailEnd type="triangle"/>
+            </a:ln>
+          </p:spPr>
+          <p:style>
+            <a:lnRef idx="1">
+              <a:schemeClr val="accent1"/>
+            </a:lnRef>
+            <a:fillRef idx="0">
+              <a:schemeClr val="accent1"/>
+            </a:fillRef>
+            <a:effectRef idx="0">
+              <a:schemeClr val="accent1"/>
+            </a:effectRef>
+            <a:fontRef idx="minor">
+              <a:schemeClr val="tx1"/>
+            </a:fontRef>
+          </p:style>
+        </p:cxnSp>
+        <p:cxnSp>
+          <p:nvCxnSpPr>
+            <p:cNvPr id="20" name="Conector de Seta Reta 19">
+              <a:extLst>
+                <a:ext uri="{FF2B5EF4-FFF2-40B4-BE49-F238E27FC236}">
+                  <a16:creationId xmlns:a16="http://schemas.microsoft.com/office/drawing/2014/main" id="{D00D0734-5865-7C7F-24B0-626AC0C3D0F5}"/>
+                </a:ext>
+              </a:extLst>
+            </p:cNvPr>
+            <p:cNvCxnSpPr>
+              <a:stCxn id="11" idx="6"/>
+              <a:endCxn id="7" idx="2"/>
+            </p:cNvCxnSpPr>
+            <p:nvPr/>
+          </p:nvCxnSpPr>
+          <p:spPr>
+            <a:xfrm>
+              <a:off x="2693958" y="4809259"/>
+              <a:ext cx="635003" cy="779420"/>
+            </a:xfrm>
+            <a:prstGeom prst="straightConnector1">
+              <a:avLst/>
+            </a:prstGeom>
+            <a:ln>
+              <a:tailEnd type="triangle"/>
+            </a:ln>
+          </p:spPr>
+          <p:style>
+            <a:lnRef idx="1">
+              <a:schemeClr val="accent1"/>
+            </a:lnRef>
+            <a:fillRef idx="0">
+              <a:schemeClr val="accent1"/>
+            </a:fillRef>
+            <a:effectRef idx="0">
+              <a:schemeClr val="accent1"/>
+            </a:effectRef>
+            <a:fontRef idx="minor">
+              <a:schemeClr val="tx1"/>
+            </a:fontRef>
+          </p:style>
+        </p:cxnSp>
+        <p:cxnSp>
+          <p:nvCxnSpPr>
+            <p:cNvPr id="21" name="Conector de Seta Reta 20">
+              <a:extLst>
+                <a:ext uri="{FF2B5EF4-FFF2-40B4-BE49-F238E27FC236}">
+                  <a16:creationId xmlns:a16="http://schemas.microsoft.com/office/drawing/2014/main" id="{5343B509-BF11-2338-E37D-0E23DA2C6D23}"/>
+                </a:ext>
+              </a:extLst>
+            </p:cNvPr>
+            <p:cNvCxnSpPr>
+              <a:stCxn id="11" idx="6"/>
+              <a:endCxn id="8" idx="2"/>
+            </p:cNvCxnSpPr>
+            <p:nvPr/>
+          </p:nvCxnSpPr>
+          <p:spPr>
+            <a:xfrm>
+              <a:off x="2693958" y="4809259"/>
+              <a:ext cx="635003" cy="1558837"/>
+            </a:xfrm>
+            <a:prstGeom prst="straightConnector1">
+              <a:avLst/>
+            </a:prstGeom>
+            <a:ln>
+              <a:tailEnd type="triangle"/>
+            </a:ln>
+          </p:spPr>
+          <p:style>
+            <a:lnRef idx="1">
+              <a:schemeClr val="accent1"/>
+            </a:lnRef>
+            <a:fillRef idx="0">
+              <a:schemeClr val="accent1"/>
+            </a:fillRef>
+            <a:effectRef idx="0">
+              <a:schemeClr val="accent1"/>
+            </a:effectRef>
+            <a:fontRef idx="minor">
+              <a:schemeClr val="tx1"/>
+            </a:fontRef>
+          </p:style>
+        </p:cxnSp>
+        <p:cxnSp>
+          <p:nvCxnSpPr>
+            <p:cNvPr id="22" name="Conector de Seta Reta 21">
+              <a:extLst>
+                <a:ext uri="{FF2B5EF4-FFF2-40B4-BE49-F238E27FC236}">
+                  <a16:creationId xmlns:a16="http://schemas.microsoft.com/office/drawing/2014/main" id="{471B67E1-F2D1-7CA7-710A-4D8FE34D7CD0}"/>
+                </a:ext>
+              </a:extLst>
+            </p:cNvPr>
+            <p:cNvCxnSpPr>
+              <a:stCxn id="12" idx="6"/>
+              <a:endCxn id="5" idx="2"/>
+            </p:cNvCxnSpPr>
+            <p:nvPr/>
+          </p:nvCxnSpPr>
+          <p:spPr>
+            <a:xfrm flipV="1">
+              <a:off x="2689246" y="4040005"/>
+              <a:ext cx="639716" cy="1546348"/>
+            </a:xfrm>
+            <a:prstGeom prst="straightConnector1">
+              <a:avLst/>
+            </a:prstGeom>
+            <a:ln>
+              <a:tailEnd type="triangle"/>
+            </a:ln>
+          </p:spPr>
+          <p:style>
+            <a:lnRef idx="1">
+              <a:schemeClr val="accent1"/>
+            </a:lnRef>
+            <a:fillRef idx="0">
+              <a:schemeClr val="accent1"/>
+            </a:fillRef>
+            <a:effectRef idx="0">
+              <a:schemeClr val="accent1"/>
+            </a:effectRef>
+            <a:fontRef idx="minor">
+              <a:schemeClr val="tx1"/>
+            </a:fontRef>
+          </p:style>
+        </p:cxnSp>
+        <p:cxnSp>
+          <p:nvCxnSpPr>
+            <p:cNvPr id="23" name="Conector de Seta Reta 22">
+              <a:extLst>
+                <a:ext uri="{FF2B5EF4-FFF2-40B4-BE49-F238E27FC236}">
+                  <a16:creationId xmlns:a16="http://schemas.microsoft.com/office/drawing/2014/main" id="{27E5B778-94A3-E90C-F5D7-B0BC6160C0BB}"/>
+                </a:ext>
+              </a:extLst>
+            </p:cNvPr>
+            <p:cNvCxnSpPr>
+              <a:stCxn id="12" idx="6"/>
+              <a:endCxn id="7" idx="2"/>
+            </p:cNvCxnSpPr>
+            <p:nvPr/>
+          </p:nvCxnSpPr>
+          <p:spPr>
+            <a:xfrm>
+              <a:off x="2689246" y="5586353"/>
+              <a:ext cx="639715" cy="2326"/>
+            </a:xfrm>
+            <a:prstGeom prst="straightConnector1">
+              <a:avLst/>
+            </a:prstGeom>
+            <a:ln>
+              <a:tailEnd type="triangle"/>
+            </a:ln>
+          </p:spPr>
+          <p:style>
+            <a:lnRef idx="1">
+              <a:schemeClr val="accent1"/>
+            </a:lnRef>
+            <a:fillRef idx="0">
+              <a:schemeClr val="accent1"/>
+            </a:fillRef>
+            <a:effectRef idx="0">
+              <a:schemeClr val="accent1"/>
+            </a:effectRef>
+            <a:fontRef idx="minor">
+              <a:schemeClr val="tx1"/>
+            </a:fontRef>
+          </p:style>
+        </p:cxnSp>
+        <p:cxnSp>
+          <p:nvCxnSpPr>
+            <p:cNvPr id="24" name="Conector de Seta Reta 23">
+              <a:extLst>
+                <a:ext uri="{FF2B5EF4-FFF2-40B4-BE49-F238E27FC236}">
+                  <a16:creationId xmlns:a16="http://schemas.microsoft.com/office/drawing/2014/main" id="{85119F7A-FF89-CA88-72F8-076932F8E1CE}"/>
+                </a:ext>
+              </a:extLst>
+            </p:cNvPr>
+            <p:cNvCxnSpPr>
+              <a:stCxn id="12" idx="6"/>
+              <a:endCxn id="8" idx="2"/>
+            </p:cNvCxnSpPr>
+            <p:nvPr/>
+          </p:nvCxnSpPr>
+          <p:spPr>
+            <a:xfrm>
+              <a:off x="2689246" y="5586353"/>
+              <a:ext cx="639715" cy="781743"/>
+            </a:xfrm>
+            <a:prstGeom prst="straightConnector1">
+              <a:avLst/>
+            </a:prstGeom>
+            <a:ln>
+              <a:tailEnd type="triangle"/>
+            </a:ln>
+          </p:spPr>
+          <p:style>
+            <a:lnRef idx="1">
+              <a:schemeClr val="accent1"/>
+            </a:lnRef>
+            <a:fillRef idx="0">
+              <a:schemeClr val="accent1"/>
+            </a:fillRef>
+            <a:effectRef idx="0">
+              <a:schemeClr val="accent1"/>
+            </a:effectRef>
+            <a:fontRef idx="minor">
+              <a:schemeClr val="tx1"/>
+            </a:fontRef>
+          </p:style>
+        </p:cxnSp>
+        <p:cxnSp>
+          <p:nvCxnSpPr>
+            <p:cNvPr id="25" name="Conector de Seta Reta 24">
+              <a:extLst>
+                <a:ext uri="{FF2B5EF4-FFF2-40B4-BE49-F238E27FC236}">
+                  <a16:creationId xmlns:a16="http://schemas.microsoft.com/office/drawing/2014/main" id="{AD37D85D-9834-D427-C065-DB9FD7B2DCC6}"/>
+                </a:ext>
+              </a:extLst>
+            </p:cNvPr>
+            <p:cNvCxnSpPr>
+              <a:cxnSpLocks/>
+              <a:stCxn id="28" idx="3"/>
+              <a:endCxn id="10" idx="2"/>
+            </p:cNvCxnSpPr>
+            <p:nvPr/>
+          </p:nvCxnSpPr>
+          <p:spPr>
+            <a:xfrm flipV="1">
+              <a:off x="1547919" y="4040005"/>
+              <a:ext cx="575270" cy="397955"/>
+            </a:xfrm>
+            <a:prstGeom prst="straightConnector1">
+              <a:avLst/>
+            </a:prstGeom>
+            <a:ln>
+              <a:tailEnd type="triangle"/>
+            </a:ln>
+          </p:spPr>
+          <p:style>
+            <a:lnRef idx="1">
+              <a:schemeClr val="accent1"/>
+            </a:lnRef>
+            <a:fillRef idx="0">
+              <a:schemeClr val="accent1"/>
+            </a:fillRef>
+            <a:effectRef idx="0">
+              <a:schemeClr val="accent1"/>
+            </a:effectRef>
+            <a:fontRef idx="minor">
+              <a:schemeClr val="tx1"/>
+            </a:fontRef>
+          </p:style>
+        </p:cxnSp>
+        <p:cxnSp>
+          <p:nvCxnSpPr>
+            <p:cNvPr id="26" name="Conector reto 25">
+              <a:extLst>
+                <a:ext uri="{FF2B5EF4-FFF2-40B4-BE49-F238E27FC236}">
+                  <a16:creationId xmlns:a16="http://schemas.microsoft.com/office/drawing/2014/main" id="{EC3A2865-40E1-458C-CEF1-F1F5DA811CCC}"/>
+                </a:ext>
+              </a:extLst>
+            </p:cNvPr>
+            <p:cNvCxnSpPr>
+              <a:cxnSpLocks/>
+              <a:stCxn id="35" idx="3"/>
+              <a:endCxn id="11" idx="2"/>
+            </p:cNvCxnSpPr>
+            <p:nvPr/>
+          </p:nvCxnSpPr>
+          <p:spPr>
+            <a:xfrm flipV="1">
+              <a:off x="1504691" y="4809259"/>
+              <a:ext cx="623210" cy="1133997"/>
+            </a:xfrm>
+            <a:prstGeom prst="line">
+              <a:avLst/>
+            </a:prstGeom>
+            <a:ln>
+              <a:headEnd type="none" w="med" len="med"/>
+              <a:tailEnd type="triangle" w="med" len="med"/>
+            </a:ln>
+          </p:spPr>
+          <p:style>
+            <a:lnRef idx="1">
+              <a:schemeClr val="accent1"/>
+            </a:lnRef>
+            <a:fillRef idx="0">
+              <a:schemeClr val="accent1"/>
+            </a:fillRef>
+            <a:effectRef idx="0">
+              <a:schemeClr val="accent1"/>
+            </a:effectRef>
+            <a:fontRef idx="minor">
+              <a:schemeClr val="tx1"/>
+            </a:fontRef>
+          </p:style>
+        </p:cxnSp>
+        <p:cxnSp>
+          <p:nvCxnSpPr>
+            <p:cNvPr id="27" name="Conector de Seta Reta 26">
+              <a:extLst>
+                <a:ext uri="{FF2B5EF4-FFF2-40B4-BE49-F238E27FC236}">
+                  <a16:creationId xmlns:a16="http://schemas.microsoft.com/office/drawing/2014/main" id="{4E716FD0-CB64-2EDE-2037-F2295115AC49}"/>
+                </a:ext>
+              </a:extLst>
+            </p:cNvPr>
+            <p:cNvCxnSpPr>
+              <a:cxnSpLocks/>
+              <a:stCxn id="9" idx="6"/>
+            </p:cNvCxnSpPr>
+            <p:nvPr/>
+          </p:nvCxnSpPr>
+          <p:spPr>
+            <a:xfrm flipV="1">
+              <a:off x="4955449" y="4806772"/>
+              <a:ext cx="257585" cy="1162"/>
+            </a:xfrm>
+            <a:prstGeom prst="straightConnector1">
+              <a:avLst/>
+            </a:prstGeom>
+            <a:ln>
+              <a:tailEnd type="triangle"/>
+            </a:ln>
+          </p:spPr>
+          <p:style>
+            <a:lnRef idx="1">
+              <a:schemeClr val="accent1"/>
+            </a:lnRef>
+            <a:fillRef idx="0">
+              <a:schemeClr val="accent1"/>
+            </a:fillRef>
+            <a:effectRef idx="0">
+              <a:schemeClr val="accent1"/>
+            </a:effectRef>
+            <a:fontRef idx="minor">
+              <a:schemeClr val="tx1"/>
+            </a:fontRef>
+          </p:style>
+        </p:cxnSp>
+        <mc:AlternateContent xmlns:mc="http://schemas.openxmlformats.org/markup-compatibility/2006" xmlns:a14="http://schemas.microsoft.com/office/drawing/2010/main">
+          <mc:Choice Requires="a14">
+            <p:sp>
+              <p:nvSpPr>
+                <p:cNvPr id="28" name="CaixaDeTexto 27">
+                  <a:extLst>
+                    <a:ext uri="{FF2B5EF4-FFF2-40B4-BE49-F238E27FC236}">
+                      <a16:creationId xmlns:a16="http://schemas.microsoft.com/office/drawing/2014/main" id="{AFFA34F2-9D6C-4CB8-0690-996E4B904A68}"/>
+                    </a:ext>
+                  </a:extLst>
+                </p:cNvPr>
+                <p:cNvSpPr txBox="1"/>
+                <p:nvPr/>
+              </p:nvSpPr>
+              <p:spPr>
+                <a:xfrm>
+                  <a:off x="1165380" y="4253294"/>
+                  <a:ext cx="382539" cy="369332"/>
+                </a:xfrm>
+                <a:prstGeom prst="rect">
+                  <a:avLst/>
+                </a:prstGeom>
+                <a:noFill/>
+              </p:spPr>
+              <p:txBody>
+                <a:bodyPr wrap="square" rtlCol="0">
+                  <a:spAutoFit/>
+                </a:bodyPr>
+                <a:lstStyle/>
+                <a:p>
+                  <a:pPr/>
+                  <a14:m>
+                    <m:oMathPara xmlns:m="http://schemas.openxmlformats.org/officeDocument/2006/math">
+                      <m:oMathParaPr>
+                        <m:jc m:val="centerGroup"/>
+                      </m:oMathParaPr>
+                      <m:oMath xmlns:m="http://schemas.openxmlformats.org/officeDocument/2006/math">
+                        <m:sSub>
+                          <m:sSubPr>
+                            <m:ctrlPr>
+                              <a:rPr lang="pt-BR" i="1" smtClean="0">
+                                <a:latin typeface="Cambria Math" panose="02040503050406030204" pitchFamily="18" charset="0"/>
+                              </a:rPr>
+                            </m:ctrlPr>
+                          </m:sSubPr>
+                          <m:e>
+                            <m:r>
+                              <a:rPr lang="pt-BR" b="0" i="1" smtClean="0">
+                                <a:latin typeface="Cambria Math" panose="02040503050406030204" pitchFamily="18" charset="0"/>
+                              </a:rPr>
+                              <m:t>𝑥</m:t>
+                            </m:r>
+                          </m:e>
+                          <m:sub>
+                            <m:r>
+                              <a:rPr lang="pt-BR" b="0" i="1" smtClean="0">
+                                <a:latin typeface="Cambria Math" panose="02040503050406030204" pitchFamily="18" charset="0"/>
+                              </a:rPr>
+                              <m:t>1</m:t>
+                            </m:r>
+                          </m:sub>
+                        </m:sSub>
+                      </m:oMath>
+                    </m:oMathPara>
+                  </a14:m>
+                  <a:endParaRPr lang="pt-BR" dirty="0"/>
+                </a:p>
+              </p:txBody>
+            </p:sp>
+          </mc:Choice>
+          <mc:Fallback xmlns="">
+            <p:sp>
+              <p:nvSpPr>
+                <p:cNvPr id="28" name="CaixaDeTexto 27">
+                  <a:extLst>
+                    <a:ext uri="{FF2B5EF4-FFF2-40B4-BE49-F238E27FC236}">
+                      <a16:creationId xmlns:a16="http://schemas.microsoft.com/office/drawing/2014/main" id="{3F5AE126-0FCE-B221-5292-CB4564BB399D}"/>
+                    </a:ext>
+                  </a:extLst>
+                </p:cNvPr>
+                <p:cNvSpPr txBox="1">
+                  <a:spLocks noRot="1" noChangeAspect="1" noMove="1" noResize="1" noEditPoints="1" noAdjustHandles="1" noChangeArrowheads="1" noChangeShapeType="1" noTextEdit="1"/>
+                </p:cNvSpPr>
+                <p:nvPr/>
+              </p:nvSpPr>
+              <p:spPr>
+                <a:xfrm>
+                  <a:off x="1165380" y="4253294"/>
+                  <a:ext cx="382539" cy="369332"/>
+                </a:xfrm>
+                <a:prstGeom prst="rect">
+                  <a:avLst/>
+                </a:prstGeom>
+                <a:blipFill>
+                  <a:blip r:embed="rId2"/>
+                  <a:stretch>
+                    <a:fillRect/>
+                  </a:stretch>
+                </a:blipFill>
+              </p:spPr>
+              <p:txBody>
+                <a:bodyPr/>
+                <a:lstStyle/>
+                <a:p>
+                  <a:r>
+                    <a:rPr lang="pt-BR">
+                      <a:noFill/>
+                    </a:rPr>
+                    <a:t> </a:t>
+                  </a:r>
+                </a:p>
+              </p:txBody>
+            </p:sp>
+          </mc:Fallback>
+        </mc:AlternateContent>
+        <mc:AlternateContent xmlns:mc="http://schemas.openxmlformats.org/markup-compatibility/2006" xmlns:a14="http://schemas.microsoft.com/office/drawing/2010/main">
+          <mc:Choice Requires="a14">
+            <p:sp>
+              <p:nvSpPr>
+                <p:cNvPr id="29" name="CaixaDeTexto 28">
+                  <a:extLst>
+                    <a:ext uri="{FF2B5EF4-FFF2-40B4-BE49-F238E27FC236}">
+                      <a16:creationId xmlns:a16="http://schemas.microsoft.com/office/drawing/2014/main" id="{9852FD77-BF58-459E-954E-198502ED4F4A}"/>
+                    </a:ext>
+                  </a:extLst>
+                </p:cNvPr>
+                <p:cNvSpPr txBox="1"/>
+                <p:nvPr/>
+              </p:nvSpPr>
+              <p:spPr>
+                <a:xfrm>
+                  <a:off x="1128276" y="5001341"/>
+                  <a:ext cx="370290" cy="369332"/>
+                </a:xfrm>
+                <a:prstGeom prst="rect">
+                  <a:avLst/>
+                </a:prstGeom>
+                <a:noFill/>
+              </p:spPr>
+              <p:txBody>
+                <a:bodyPr wrap="square" rtlCol="0">
+                  <a:spAutoFit/>
+                </a:bodyPr>
+                <a:lstStyle/>
+                <a:p>
+                  <a:pPr/>
+                  <a14:m>
+                    <m:oMathPara xmlns:m="http://schemas.openxmlformats.org/officeDocument/2006/math">
+                      <m:oMathParaPr>
+                        <m:jc m:val="centerGroup"/>
+                      </m:oMathParaPr>
+                      <m:oMath xmlns:m="http://schemas.openxmlformats.org/officeDocument/2006/math">
+                        <m:sSub>
+                          <m:sSubPr>
+                            <m:ctrlPr>
+                              <a:rPr lang="pt-BR" i="1" smtClean="0">
+                                <a:latin typeface="Cambria Math" panose="02040503050406030204" pitchFamily="18" charset="0"/>
+                              </a:rPr>
+                            </m:ctrlPr>
+                          </m:sSubPr>
+                          <m:e>
+                            <m:r>
+                              <a:rPr lang="pt-BR" b="0" i="1" smtClean="0">
+                                <a:latin typeface="Cambria Math" panose="02040503050406030204" pitchFamily="18" charset="0"/>
+                              </a:rPr>
+                              <m:t>𝑥</m:t>
+                            </m:r>
+                          </m:e>
+                          <m:sub>
+                            <m:r>
+                              <a:rPr lang="pt-BR" b="0" i="1" smtClean="0">
+                                <a:latin typeface="Cambria Math" panose="02040503050406030204" pitchFamily="18" charset="0"/>
+                              </a:rPr>
+                              <m:t>2</m:t>
+                            </m:r>
+                          </m:sub>
+                        </m:sSub>
+                      </m:oMath>
+                    </m:oMathPara>
+                  </a14:m>
+                  <a:endParaRPr lang="pt-BR" dirty="0"/>
+                </a:p>
+              </p:txBody>
+            </p:sp>
+          </mc:Choice>
+          <mc:Fallback xmlns="">
+            <p:sp>
+              <p:nvSpPr>
+                <p:cNvPr id="29" name="CaixaDeTexto 28">
+                  <a:extLst>
+                    <a:ext uri="{FF2B5EF4-FFF2-40B4-BE49-F238E27FC236}">
+                      <a16:creationId xmlns:a16="http://schemas.microsoft.com/office/drawing/2014/main" id="{FE6D6893-7176-5CDD-98DC-6B7D0F0143EB}"/>
+                    </a:ext>
+                  </a:extLst>
+                </p:cNvPr>
+                <p:cNvSpPr txBox="1">
+                  <a:spLocks noRot="1" noChangeAspect="1" noMove="1" noResize="1" noEditPoints="1" noAdjustHandles="1" noChangeArrowheads="1" noChangeShapeType="1" noTextEdit="1"/>
+                </p:cNvSpPr>
+                <p:nvPr/>
+              </p:nvSpPr>
+              <p:spPr>
+                <a:xfrm>
+                  <a:off x="1128276" y="5001341"/>
+                  <a:ext cx="370290" cy="369332"/>
+                </a:xfrm>
+                <a:prstGeom prst="rect">
+                  <a:avLst/>
+                </a:prstGeom>
+                <a:blipFill>
+                  <a:blip r:embed="rId3"/>
+                  <a:stretch>
+                    <a:fillRect/>
+                  </a:stretch>
+                </a:blipFill>
+              </p:spPr>
+              <p:txBody>
+                <a:bodyPr/>
+                <a:lstStyle/>
+                <a:p>
+                  <a:r>
+                    <a:rPr lang="pt-BR">
+                      <a:noFill/>
+                    </a:rPr>
+                    <a:t> </a:t>
+                  </a:r>
+                </a:p>
+              </p:txBody>
+            </p:sp>
+          </mc:Fallback>
+        </mc:AlternateContent>
+        <p:sp>
+          <p:nvSpPr>
+            <p:cNvPr id="30" name="Elipse 29">
+              <a:extLst>
+                <a:ext uri="{FF2B5EF4-FFF2-40B4-BE49-F238E27FC236}">
+                  <a16:creationId xmlns:a16="http://schemas.microsoft.com/office/drawing/2014/main" id="{D879E81D-3BDF-070E-962C-853F3EC24E04}"/>
+                </a:ext>
+              </a:extLst>
+            </p:cNvPr>
+            <p:cNvSpPr/>
+            <p:nvPr/>
+          </p:nvSpPr>
+          <p:spPr>
+            <a:xfrm>
+              <a:off x="2130257" y="6080416"/>
+              <a:ext cx="566057" cy="566057"/>
+            </a:xfrm>
+            <a:prstGeom prst="ellipse">
+              <a:avLst/>
+            </a:prstGeom>
+            <a:solidFill>
+              <a:schemeClr val="accent2"/>
+            </a:solidFill>
+            <a:ln>
+              <a:noFill/>
+            </a:ln>
+          </p:spPr>
+          <p:style>
+            <a:lnRef idx="2">
+              <a:schemeClr val="accent1">
+                <a:shade val="15000"/>
+              </a:schemeClr>
+            </a:lnRef>
+            <a:fillRef idx="1">
+              <a:schemeClr val="accent1"/>
+            </a:fillRef>
+            <a:effectRef idx="0">
+              <a:schemeClr val="accent1"/>
+            </a:effectRef>
+            <a:fontRef idx="minor">
+              <a:schemeClr val="lt1"/>
+            </a:fontRef>
+          </p:style>
+          <p:txBody>
+            <a:bodyPr rtlCol="0" anchor="ctr"/>
+            <a:lstStyle/>
+            <a:p>
+              <a:pPr algn="ctr"/>
+              <a:endParaRPr lang="pt-BR" dirty="0"/>
+            </a:p>
+          </p:txBody>
+        </p:sp>
+        <p:cxnSp>
+          <p:nvCxnSpPr>
+            <p:cNvPr id="31" name="Conector de Seta Reta 30">
+              <a:extLst>
+                <a:ext uri="{FF2B5EF4-FFF2-40B4-BE49-F238E27FC236}">
+                  <a16:creationId xmlns:a16="http://schemas.microsoft.com/office/drawing/2014/main" id="{322E9BED-3F9B-7EE1-FAF4-2FC31B8F3EF6}"/>
+                </a:ext>
+              </a:extLst>
+            </p:cNvPr>
+            <p:cNvCxnSpPr>
+              <a:stCxn id="30" idx="6"/>
+              <a:endCxn id="8" idx="2"/>
+            </p:cNvCxnSpPr>
+            <p:nvPr/>
+          </p:nvCxnSpPr>
+          <p:spPr>
+            <a:xfrm>
+              <a:off x="2696314" y="6363445"/>
+              <a:ext cx="632647" cy="4651"/>
+            </a:xfrm>
+            <a:prstGeom prst="straightConnector1">
+              <a:avLst/>
+            </a:prstGeom>
+            <a:ln>
+              <a:tailEnd type="triangle"/>
+            </a:ln>
+          </p:spPr>
+          <p:style>
+            <a:lnRef idx="1">
+              <a:schemeClr val="accent1"/>
+            </a:lnRef>
+            <a:fillRef idx="0">
+              <a:schemeClr val="accent1"/>
+            </a:fillRef>
+            <a:effectRef idx="0">
+              <a:schemeClr val="accent1"/>
+            </a:effectRef>
+            <a:fontRef idx="minor">
+              <a:schemeClr val="tx1"/>
+            </a:fontRef>
+          </p:style>
+        </p:cxnSp>
+        <p:cxnSp>
+          <p:nvCxnSpPr>
+            <p:cNvPr id="32" name="Conector de Seta Reta 31">
+              <a:extLst>
+                <a:ext uri="{FF2B5EF4-FFF2-40B4-BE49-F238E27FC236}">
+                  <a16:creationId xmlns:a16="http://schemas.microsoft.com/office/drawing/2014/main" id="{6B8EE68F-D54C-3BE4-481F-2B20C66A2460}"/>
+                </a:ext>
+              </a:extLst>
+            </p:cNvPr>
+            <p:cNvCxnSpPr>
+              <a:stCxn id="30" idx="6"/>
+              <a:endCxn id="7" idx="2"/>
+            </p:cNvCxnSpPr>
+            <p:nvPr/>
+          </p:nvCxnSpPr>
+          <p:spPr>
+            <a:xfrm flipV="1">
+              <a:off x="2696314" y="5588679"/>
+              <a:ext cx="632647" cy="774766"/>
+            </a:xfrm>
+            <a:prstGeom prst="straightConnector1">
+              <a:avLst/>
+            </a:prstGeom>
+            <a:ln>
+              <a:tailEnd type="triangle"/>
+            </a:ln>
+          </p:spPr>
+          <p:style>
+            <a:lnRef idx="1">
+              <a:schemeClr val="accent1"/>
+            </a:lnRef>
+            <a:fillRef idx="0">
+              <a:schemeClr val="accent1"/>
+            </a:fillRef>
+            <a:effectRef idx="0">
+              <a:schemeClr val="accent1"/>
+            </a:effectRef>
+            <a:fontRef idx="minor">
+              <a:schemeClr val="tx1"/>
+            </a:fontRef>
+          </p:style>
+        </p:cxnSp>
+        <p:cxnSp>
+          <p:nvCxnSpPr>
+            <p:cNvPr id="33" name="Conector de Seta Reta 32">
+              <a:extLst>
+                <a:ext uri="{FF2B5EF4-FFF2-40B4-BE49-F238E27FC236}">
+                  <a16:creationId xmlns:a16="http://schemas.microsoft.com/office/drawing/2014/main" id="{20669ED9-1347-1100-33ED-B86CECBC9101}"/>
+                </a:ext>
+              </a:extLst>
+            </p:cNvPr>
+            <p:cNvCxnSpPr>
+              <a:stCxn id="30" idx="6"/>
+              <a:endCxn id="6" idx="2"/>
+            </p:cNvCxnSpPr>
+            <p:nvPr/>
+          </p:nvCxnSpPr>
+          <p:spPr>
+            <a:xfrm flipV="1">
+              <a:off x="2696314" y="4809262"/>
+              <a:ext cx="632647" cy="1554183"/>
+            </a:xfrm>
+            <a:prstGeom prst="straightConnector1">
+              <a:avLst/>
+            </a:prstGeom>
+            <a:ln>
+              <a:tailEnd type="triangle"/>
+            </a:ln>
+          </p:spPr>
+          <p:style>
+            <a:lnRef idx="1">
+              <a:schemeClr val="accent1"/>
+            </a:lnRef>
+            <a:fillRef idx="0">
+              <a:schemeClr val="accent1"/>
+            </a:fillRef>
+            <a:effectRef idx="0">
+              <a:schemeClr val="accent1"/>
+            </a:effectRef>
+            <a:fontRef idx="minor">
+              <a:schemeClr val="tx1"/>
+            </a:fontRef>
+          </p:style>
+        </p:cxnSp>
+        <p:cxnSp>
+          <p:nvCxnSpPr>
+            <p:cNvPr id="34" name="Conector de Seta Reta 33">
+              <a:extLst>
+                <a:ext uri="{FF2B5EF4-FFF2-40B4-BE49-F238E27FC236}">
+                  <a16:creationId xmlns:a16="http://schemas.microsoft.com/office/drawing/2014/main" id="{AE0BCBBC-DEF5-A15C-33A6-44AD92C1DCF2}"/>
+                </a:ext>
+              </a:extLst>
+            </p:cNvPr>
+            <p:cNvCxnSpPr>
+              <a:stCxn id="30" idx="6"/>
+              <a:endCxn id="5" idx="2"/>
+            </p:cNvCxnSpPr>
+            <p:nvPr/>
+          </p:nvCxnSpPr>
+          <p:spPr>
+            <a:xfrm flipV="1">
+              <a:off x="2696314" y="4040005"/>
+              <a:ext cx="632648" cy="2323440"/>
+            </a:xfrm>
+            <a:prstGeom prst="straightConnector1">
+              <a:avLst/>
+            </a:prstGeom>
+            <a:ln>
+              <a:tailEnd type="triangle"/>
+            </a:ln>
+          </p:spPr>
+          <p:style>
+            <a:lnRef idx="1">
+              <a:schemeClr val="accent1"/>
+            </a:lnRef>
+            <a:fillRef idx="0">
+              <a:schemeClr val="accent1"/>
+            </a:fillRef>
+            <a:effectRef idx="0">
+              <a:schemeClr val="accent1"/>
+            </a:effectRef>
+            <a:fontRef idx="minor">
+              <a:schemeClr val="tx1"/>
+            </a:fontRef>
+          </p:style>
+        </p:cxnSp>
+        <mc:AlternateContent xmlns:mc="http://schemas.openxmlformats.org/markup-compatibility/2006" xmlns:a14="http://schemas.microsoft.com/office/drawing/2010/main">
+          <mc:Choice Requires="a14">
+            <p:sp>
+              <p:nvSpPr>
+                <p:cNvPr id="35" name="CaixaDeTexto 34">
+                  <a:extLst>
+                    <a:ext uri="{FF2B5EF4-FFF2-40B4-BE49-F238E27FC236}">
+                      <a16:creationId xmlns:a16="http://schemas.microsoft.com/office/drawing/2014/main" id="{2A56C37C-1F92-72E7-C43E-3B6833DD4820}"/>
+                    </a:ext>
+                  </a:extLst>
+                </p:cNvPr>
+                <p:cNvSpPr txBox="1"/>
+                <p:nvPr/>
+              </p:nvSpPr>
+              <p:spPr>
+                <a:xfrm>
+                  <a:off x="1122151" y="5758590"/>
+                  <a:ext cx="382540" cy="369332"/>
+                </a:xfrm>
+                <a:prstGeom prst="rect">
+                  <a:avLst/>
+                </a:prstGeom>
+                <a:noFill/>
+              </p:spPr>
+              <p:txBody>
+                <a:bodyPr wrap="square" rtlCol="0">
+                  <a:spAutoFit/>
+                </a:bodyPr>
+                <a:lstStyle/>
+                <a:p>
+                  <a:pPr/>
+                  <a14:m>
+                    <m:oMathPara xmlns:m="http://schemas.openxmlformats.org/officeDocument/2006/math">
+                      <m:oMathParaPr>
+                        <m:jc m:val="centerGroup"/>
+                      </m:oMathParaPr>
+                      <m:oMath xmlns:m="http://schemas.openxmlformats.org/officeDocument/2006/math">
+                        <m:sSub>
+                          <m:sSubPr>
+                            <m:ctrlPr>
+                              <a:rPr lang="pt-BR" i="1" smtClean="0">
+                                <a:latin typeface="Cambria Math" panose="02040503050406030204" pitchFamily="18" charset="0"/>
+                              </a:rPr>
+                            </m:ctrlPr>
+                          </m:sSubPr>
+                          <m:e>
+                            <m:r>
+                              <a:rPr lang="pt-BR" b="0" i="1" smtClean="0">
+                                <a:latin typeface="Cambria Math" panose="02040503050406030204" pitchFamily="18" charset="0"/>
+                              </a:rPr>
+                              <m:t>𝑥</m:t>
+                            </m:r>
+                          </m:e>
+                          <m:sub>
+                            <m:r>
+                              <a:rPr lang="pt-BR" b="0" i="1" smtClean="0">
+                                <a:latin typeface="Cambria Math" panose="02040503050406030204" pitchFamily="18" charset="0"/>
+                              </a:rPr>
+                              <m:t>𝐾</m:t>
+                            </m:r>
+                          </m:sub>
+                        </m:sSub>
+                      </m:oMath>
+                    </m:oMathPara>
+                  </a14:m>
+                  <a:endParaRPr lang="pt-BR" dirty="0"/>
+                </a:p>
+              </p:txBody>
+            </p:sp>
+          </mc:Choice>
+          <mc:Fallback xmlns="">
+            <p:sp>
+              <p:nvSpPr>
+                <p:cNvPr id="35" name="CaixaDeTexto 34">
+                  <a:extLst>
+                    <a:ext uri="{FF2B5EF4-FFF2-40B4-BE49-F238E27FC236}">
+                      <a16:creationId xmlns:a16="http://schemas.microsoft.com/office/drawing/2014/main" id="{FF647779-0E16-8E2A-4D70-B1ED8994C819}"/>
+                    </a:ext>
+                  </a:extLst>
+                </p:cNvPr>
+                <p:cNvSpPr txBox="1">
+                  <a:spLocks noRot="1" noChangeAspect="1" noMove="1" noResize="1" noEditPoints="1" noAdjustHandles="1" noChangeArrowheads="1" noChangeShapeType="1" noTextEdit="1"/>
+                </p:cNvSpPr>
+                <p:nvPr/>
+              </p:nvSpPr>
+              <p:spPr>
+                <a:xfrm>
+                  <a:off x="1122151" y="5758590"/>
+                  <a:ext cx="382540" cy="369332"/>
+                </a:xfrm>
+                <a:prstGeom prst="rect">
+                  <a:avLst/>
+                </a:prstGeom>
+                <a:blipFill>
+                  <a:blip r:embed="rId4"/>
+                  <a:stretch>
+                    <a:fillRect r="-3175"/>
+                  </a:stretch>
+                </a:blipFill>
+              </p:spPr>
+              <p:txBody>
+                <a:bodyPr/>
+                <a:lstStyle/>
+                <a:p>
+                  <a:r>
+                    <a:rPr lang="pt-BR">
+                      <a:noFill/>
+                    </a:rPr>
+                    <a:t> </a:t>
+                  </a:r>
+                </a:p>
+              </p:txBody>
+            </p:sp>
+          </mc:Fallback>
+        </mc:AlternateContent>
+        <p:cxnSp>
+          <p:nvCxnSpPr>
+            <p:cNvPr id="36" name="Conector de Seta Reta 35">
+              <a:extLst>
+                <a:ext uri="{FF2B5EF4-FFF2-40B4-BE49-F238E27FC236}">
+                  <a16:creationId xmlns:a16="http://schemas.microsoft.com/office/drawing/2014/main" id="{A8772863-65BD-3569-FE59-9C967815475F}"/>
+                </a:ext>
+              </a:extLst>
+            </p:cNvPr>
+            <p:cNvCxnSpPr>
+              <a:cxnSpLocks/>
+              <a:stCxn id="29" idx="3"/>
+              <a:endCxn id="10" idx="2"/>
+            </p:cNvCxnSpPr>
+            <p:nvPr/>
+          </p:nvCxnSpPr>
+          <p:spPr>
+            <a:xfrm flipV="1">
+              <a:off x="1498566" y="4040005"/>
+              <a:ext cx="624623" cy="1146002"/>
+            </a:xfrm>
+            <a:prstGeom prst="straightConnector1">
+              <a:avLst/>
+            </a:prstGeom>
+            <a:ln>
+              <a:tailEnd type="triangle"/>
+            </a:ln>
+          </p:spPr>
+          <p:style>
+            <a:lnRef idx="1">
+              <a:schemeClr val="accent1"/>
+            </a:lnRef>
+            <a:fillRef idx="0">
+              <a:schemeClr val="accent1"/>
+            </a:fillRef>
+            <a:effectRef idx="0">
+              <a:schemeClr val="accent1"/>
+            </a:effectRef>
+            <a:fontRef idx="minor">
+              <a:schemeClr val="tx1"/>
+            </a:fontRef>
+          </p:style>
+        </p:cxnSp>
+        <p:cxnSp>
+          <p:nvCxnSpPr>
+            <p:cNvPr id="37" name="Conector de Seta Reta 36">
+              <a:extLst>
+                <a:ext uri="{FF2B5EF4-FFF2-40B4-BE49-F238E27FC236}">
+                  <a16:creationId xmlns:a16="http://schemas.microsoft.com/office/drawing/2014/main" id="{1C1E42F5-78AF-0A96-6251-66FA6901D344}"/>
+                </a:ext>
+              </a:extLst>
+            </p:cNvPr>
+            <p:cNvCxnSpPr>
+              <a:cxnSpLocks/>
+              <a:stCxn id="29" idx="3"/>
+              <a:endCxn id="11" idx="2"/>
+            </p:cNvCxnSpPr>
+            <p:nvPr/>
+          </p:nvCxnSpPr>
+          <p:spPr>
+            <a:xfrm flipV="1">
+              <a:off x="1498566" y="4809259"/>
+              <a:ext cx="629335" cy="376748"/>
+            </a:xfrm>
+            <a:prstGeom prst="straightConnector1">
+              <a:avLst/>
+            </a:prstGeom>
+            <a:ln>
+              <a:tailEnd type="triangle"/>
+            </a:ln>
+          </p:spPr>
+          <p:style>
+            <a:lnRef idx="1">
+              <a:schemeClr val="accent1"/>
+            </a:lnRef>
+            <a:fillRef idx="0">
+              <a:schemeClr val="accent1"/>
+            </a:fillRef>
+            <a:effectRef idx="0">
+              <a:schemeClr val="accent1"/>
+            </a:effectRef>
+            <a:fontRef idx="minor">
+              <a:schemeClr val="tx1"/>
+            </a:fontRef>
+          </p:style>
+        </p:cxnSp>
+        <p:cxnSp>
+          <p:nvCxnSpPr>
+            <p:cNvPr id="38" name="Conector de Seta Reta 37">
+              <a:extLst>
+                <a:ext uri="{FF2B5EF4-FFF2-40B4-BE49-F238E27FC236}">
+                  <a16:creationId xmlns:a16="http://schemas.microsoft.com/office/drawing/2014/main" id="{4248EAFB-F79B-CFE7-4455-746E6D81FB98}"/>
+                </a:ext>
+              </a:extLst>
+            </p:cNvPr>
+            <p:cNvCxnSpPr>
+              <a:stCxn id="35" idx="3"/>
+              <a:endCxn id="12" idx="2"/>
+            </p:cNvCxnSpPr>
+            <p:nvPr/>
+          </p:nvCxnSpPr>
+          <p:spPr>
+            <a:xfrm flipV="1">
+              <a:off x="1504691" y="5586353"/>
+              <a:ext cx="618498" cy="356903"/>
+            </a:xfrm>
+            <a:prstGeom prst="straightConnector1">
+              <a:avLst/>
+            </a:prstGeom>
+            <a:ln>
+              <a:tailEnd type="triangle"/>
+            </a:ln>
+          </p:spPr>
+          <p:style>
+            <a:lnRef idx="1">
+              <a:schemeClr val="accent1"/>
+            </a:lnRef>
+            <a:fillRef idx="0">
+              <a:schemeClr val="accent1"/>
+            </a:fillRef>
+            <a:effectRef idx="0">
+              <a:schemeClr val="accent1"/>
+            </a:effectRef>
+            <a:fontRef idx="minor">
+              <a:schemeClr val="tx1"/>
+            </a:fontRef>
+          </p:style>
+        </p:cxnSp>
+        <p:cxnSp>
+          <p:nvCxnSpPr>
+            <p:cNvPr id="39" name="Conector de Seta Reta 38">
+              <a:extLst>
+                <a:ext uri="{FF2B5EF4-FFF2-40B4-BE49-F238E27FC236}">
+                  <a16:creationId xmlns:a16="http://schemas.microsoft.com/office/drawing/2014/main" id="{39C11FF6-9528-C739-2885-730680D799C7}"/>
+                </a:ext>
+              </a:extLst>
+            </p:cNvPr>
+            <p:cNvCxnSpPr>
+              <a:cxnSpLocks/>
+              <a:stCxn id="35" idx="3"/>
+              <a:endCxn id="10" idx="2"/>
+            </p:cNvCxnSpPr>
+            <p:nvPr/>
+          </p:nvCxnSpPr>
+          <p:spPr>
+            <a:xfrm flipV="1">
+              <a:off x="1504691" y="4040005"/>
+              <a:ext cx="618498" cy="1903251"/>
+            </a:xfrm>
+            <a:prstGeom prst="straightConnector1">
+              <a:avLst/>
+            </a:prstGeom>
+            <a:ln>
+              <a:tailEnd type="triangle"/>
+            </a:ln>
+          </p:spPr>
+          <p:style>
+            <a:lnRef idx="1">
+              <a:schemeClr val="accent1"/>
+            </a:lnRef>
+            <a:fillRef idx="0">
+              <a:schemeClr val="accent1"/>
+            </a:fillRef>
+            <a:effectRef idx="0">
+              <a:schemeClr val="accent1"/>
+            </a:effectRef>
+            <a:fontRef idx="minor">
+              <a:schemeClr val="tx1"/>
+            </a:fontRef>
+          </p:style>
+        </p:cxnSp>
+        <p:cxnSp>
+          <p:nvCxnSpPr>
+            <p:cNvPr id="40" name="Conector de Seta Reta 39">
+              <a:extLst>
+                <a:ext uri="{FF2B5EF4-FFF2-40B4-BE49-F238E27FC236}">
+                  <a16:creationId xmlns:a16="http://schemas.microsoft.com/office/drawing/2014/main" id="{01988E91-9E26-55CD-05A2-3EE2493A7375}"/>
+                </a:ext>
+              </a:extLst>
+            </p:cNvPr>
+            <p:cNvCxnSpPr>
+              <a:cxnSpLocks/>
+              <a:stCxn id="29" idx="3"/>
+              <a:endCxn id="12" idx="2"/>
+            </p:cNvCxnSpPr>
+            <p:nvPr/>
+          </p:nvCxnSpPr>
+          <p:spPr>
+            <a:xfrm>
+              <a:off x="1498566" y="5186007"/>
+              <a:ext cx="624623" cy="400346"/>
+            </a:xfrm>
+            <a:prstGeom prst="straightConnector1">
+              <a:avLst/>
+            </a:prstGeom>
+            <a:ln>
+              <a:tailEnd type="triangle"/>
+            </a:ln>
+          </p:spPr>
+          <p:style>
+            <a:lnRef idx="1">
+              <a:schemeClr val="accent1"/>
+            </a:lnRef>
+            <a:fillRef idx="0">
+              <a:schemeClr val="accent1"/>
+            </a:fillRef>
+            <a:effectRef idx="0">
+              <a:schemeClr val="accent1"/>
+            </a:effectRef>
+            <a:fontRef idx="minor">
+              <a:schemeClr val="tx1"/>
+            </a:fontRef>
+          </p:style>
+        </p:cxnSp>
+        <p:cxnSp>
+          <p:nvCxnSpPr>
+            <p:cNvPr id="41" name="Conector de Seta Reta 40">
+              <a:extLst>
+                <a:ext uri="{FF2B5EF4-FFF2-40B4-BE49-F238E27FC236}">
+                  <a16:creationId xmlns:a16="http://schemas.microsoft.com/office/drawing/2014/main" id="{4DBBAF9E-5581-163A-3DAD-2DC962B6894E}"/>
+                </a:ext>
+              </a:extLst>
+            </p:cNvPr>
+            <p:cNvCxnSpPr>
+              <a:cxnSpLocks/>
+              <a:stCxn id="29" idx="3"/>
+              <a:endCxn id="30" idx="2"/>
+            </p:cNvCxnSpPr>
+            <p:nvPr/>
+          </p:nvCxnSpPr>
+          <p:spPr>
+            <a:xfrm>
+              <a:off x="1498566" y="5186007"/>
+              <a:ext cx="631691" cy="1177438"/>
+            </a:xfrm>
+            <a:prstGeom prst="straightConnector1">
+              <a:avLst/>
+            </a:prstGeom>
+            <a:ln>
+              <a:tailEnd type="triangle"/>
+            </a:ln>
+          </p:spPr>
+          <p:style>
+            <a:lnRef idx="1">
+              <a:schemeClr val="accent1"/>
+            </a:lnRef>
+            <a:fillRef idx="0">
+              <a:schemeClr val="accent1"/>
+            </a:fillRef>
+            <a:effectRef idx="0">
+              <a:schemeClr val="accent1"/>
+            </a:effectRef>
+            <a:fontRef idx="minor">
+              <a:schemeClr val="tx1"/>
+            </a:fontRef>
+          </p:style>
+        </p:cxnSp>
+        <p:cxnSp>
+          <p:nvCxnSpPr>
+            <p:cNvPr id="42" name="Conector de Seta Reta 41">
+              <a:extLst>
+                <a:ext uri="{FF2B5EF4-FFF2-40B4-BE49-F238E27FC236}">
+                  <a16:creationId xmlns:a16="http://schemas.microsoft.com/office/drawing/2014/main" id="{D53113B5-77E7-0E50-4D72-F7100ED11C4F}"/>
+                </a:ext>
+              </a:extLst>
+            </p:cNvPr>
+            <p:cNvCxnSpPr>
+              <a:stCxn id="28" idx="3"/>
+              <a:endCxn id="11" idx="2"/>
+            </p:cNvCxnSpPr>
+            <p:nvPr/>
+          </p:nvCxnSpPr>
+          <p:spPr>
+            <a:xfrm>
+              <a:off x="1547919" y="4437960"/>
+              <a:ext cx="579982" cy="371299"/>
+            </a:xfrm>
+            <a:prstGeom prst="straightConnector1">
+              <a:avLst/>
+            </a:prstGeom>
+            <a:ln>
+              <a:tailEnd type="triangle"/>
+            </a:ln>
+          </p:spPr>
+          <p:style>
+            <a:lnRef idx="1">
+              <a:schemeClr val="accent1"/>
+            </a:lnRef>
+            <a:fillRef idx="0">
+              <a:schemeClr val="accent1"/>
+            </a:fillRef>
+            <a:effectRef idx="0">
+              <a:schemeClr val="accent1"/>
+            </a:effectRef>
+            <a:fontRef idx="minor">
+              <a:schemeClr val="tx1"/>
+            </a:fontRef>
+          </p:style>
+        </p:cxnSp>
+        <p:cxnSp>
+          <p:nvCxnSpPr>
+            <p:cNvPr id="43" name="Conector de Seta Reta 42">
+              <a:extLst>
+                <a:ext uri="{FF2B5EF4-FFF2-40B4-BE49-F238E27FC236}">
+                  <a16:creationId xmlns:a16="http://schemas.microsoft.com/office/drawing/2014/main" id="{6F00F43D-F065-B9F4-E3CC-0CCF6914FA0D}"/>
+                </a:ext>
+              </a:extLst>
+            </p:cNvPr>
+            <p:cNvCxnSpPr>
+              <a:stCxn id="28" idx="3"/>
+              <a:endCxn id="12" idx="2"/>
+            </p:cNvCxnSpPr>
+            <p:nvPr/>
+          </p:nvCxnSpPr>
+          <p:spPr>
+            <a:xfrm>
+              <a:off x="1547919" y="4437960"/>
+              <a:ext cx="575270" cy="1148393"/>
+            </a:xfrm>
+            <a:prstGeom prst="straightConnector1">
+              <a:avLst/>
+            </a:prstGeom>
+            <a:ln>
+              <a:tailEnd type="triangle"/>
+            </a:ln>
+          </p:spPr>
+          <p:style>
+            <a:lnRef idx="1">
+              <a:schemeClr val="accent1"/>
+            </a:lnRef>
+            <a:fillRef idx="0">
+              <a:schemeClr val="accent1"/>
+            </a:fillRef>
+            <a:effectRef idx="0">
+              <a:schemeClr val="accent1"/>
+            </a:effectRef>
+            <a:fontRef idx="minor">
+              <a:schemeClr val="tx1"/>
+            </a:fontRef>
+          </p:style>
+        </p:cxnSp>
+        <p:cxnSp>
+          <p:nvCxnSpPr>
+            <p:cNvPr id="44" name="Conector de Seta Reta 43">
+              <a:extLst>
+                <a:ext uri="{FF2B5EF4-FFF2-40B4-BE49-F238E27FC236}">
+                  <a16:creationId xmlns:a16="http://schemas.microsoft.com/office/drawing/2014/main" id="{2805DD6C-D548-3E47-826A-2F2C74B2AA99}"/>
+                </a:ext>
+              </a:extLst>
+            </p:cNvPr>
+            <p:cNvCxnSpPr>
+              <a:stCxn id="28" idx="3"/>
+              <a:endCxn id="30" idx="2"/>
+            </p:cNvCxnSpPr>
+            <p:nvPr/>
+          </p:nvCxnSpPr>
+          <p:spPr>
+            <a:xfrm>
+              <a:off x="1547919" y="4437960"/>
+              <a:ext cx="582338" cy="1925485"/>
+            </a:xfrm>
+            <a:prstGeom prst="straightConnector1">
+              <a:avLst/>
+            </a:prstGeom>
+            <a:ln>
+              <a:tailEnd type="triangle"/>
+            </a:ln>
+          </p:spPr>
+          <p:style>
+            <a:lnRef idx="1">
+              <a:schemeClr val="accent1"/>
+            </a:lnRef>
+            <a:fillRef idx="0">
+              <a:schemeClr val="accent1"/>
+            </a:fillRef>
+            <a:effectRef idx="0">
+              <a:schemeClr val="accent1"/>
+            </a:effectRef>
+            <a:fontRef idx="minor">
+              <a:schemeClr val="tx1"/>
+            </a:fontRef>
+          </p:style>
+        </p:cxnSp>
+        <p:cxnSp>
+          <p:nvCxnSpPr>
+            <p:cNvPr id="45" name="Conector de Seta Reta 44">
+              <a:extLst>
+                <a:ext uri="{FF2B5EF4-FFF2-40B4-BE49-F238E27FC236}">
+                  <a16:creationId xmlns:a16="http://schemas.microsoft.com/office/drawing/2014/main" id="{A55E8A02-F4EA-CBD9-B395-DB9EAC81BA29}"/>
+                </a:ext>
+              </a:extLst>
+            </p:cNvPr>
+            <p:cNvCxnSpPr>
+              <a:stCxn id="35" idx="3"/>
+              <a:endCxn id="30" idx="2"/>
+            </p:cNvCxnSpPr>
+            <p:nvPr/>
+          </p:nvCxnSpPr>
+          <p:spPr>
+            <a:xfrm>
+              <a:off x="1504691" y="5943256"/>
+              <a:ext cx="625566" cy="420189"/>
+            </a:xfrm>
+            <a:prstGeom prst="straightConnector1">
+              <a:avLst/>
+            </a:prstGeom>
+            <a:ln>
+              <a:tailEnd type="triangle"/>
+            </a:ln>
+          </p:spPr>
+          <p:style>
+            <a:lnRef idx="1">
+              <a:schemeClr val="accent1"/>
+            </a:lnRef>
+            <a:fillRef idx="0">
+              <a:schemeClr val="accent1"/>
+            </a:fillRef>
+            <a:effectRef idx="0">
+              <a:schemeClr val="accent1"/>
+            </a:effectRef>
+            <a:fontRef idx="minor">
+              <a:schemeClr val="tx1"/>
+            </a:fontRef>
+          </p:style>
+        </p:cxnSp>
+        <p:cxnSp>
+          <p:nvCxnSpPr>
+            <p:cNvPr id="46" name="Conector de Seta Reta 45">
+              <a:extLst>
+                <a:ext uri="{FF2B5EF4-FFF2-40B4-BE49-F238E27FC236}">
+                  <a16:creationId xmlns:a16="http://schemas.microsoft.com/office/drawing/2014/main" id="{35D96836-300D-1A8A-6BCE-F57886CEB90F}"/>
+                </a:ext>
+              </a:extLst>
+            </p:cNvPr>
+            <p:cNvCxnSpPr>
+              <a:cxnSpLocks/>
+              <a:stCxn id="5" idx="6"/>
+              <a:endCxn id="9" idx="2"/>
+            </p:cNvCxnSpPr>
+            <p:nvPr/>
+          </p:nvCxnSpPr>
+          <p:spPr>
+            <a:xfrm>
+              <a:off x="3895019" y="4040005"/>
+              <a:ext cx="494373" cy="767929"/>
+            </a:xfrm>
+            <a:prstGeom prst="straightConnector1">
+              <a:avLst/>
+            </a:prstGeom>
+            <a:ln>
+              <a:tailEnd type="triangle"/>
+            </a:ln>
+          </p:spPr>
+          <p:style>
+            <a:lnRef idx="1">
+              <a:schemeClr val="accent1"/>
+            </a:lnRef>
+            <a:fillRef idx="0">
+              <a:schemeClr val="accent1"/>
+            </a:fillRef>
+            <a:effectRef idx="0">
+              <a:schemeClr val="accent1"/>
+            </a:effectRef>
+            <a:fontRef idx="minor">
+              <a:schemeClr val="tx1"/>
+            </a:fontRef>
+          </p:style>
+        </p:cxnSp>
+        <p:cxnSp>
+          <p:nvCxnSpPr>
+            <p:cNvPr id="47" name="Conector de Seta Reta 46">
+              <a:extLst>
+                <a:ext uri="{FF2B5EF4-FFF2-40B4-BE49-F238E27FC236}">
+                  <a16:creationId xmlns:a16="http://schemas.microsoft.com/office/drawing/2014/main" id="{8BDBA190-5DD5-8004-7086-A384BF11F5D2}"/>
+                </a:ext>
+              </a:extLst>
+            </p:cNvPr>
+            <p:cNvCxnSpPr>
+              <a:stCxn id="6" idx="6"/>
+              <a:endCxn id="9" idx="2"/>
+            </p:cNvCxnSpPr>
+            <p:nvPr/>
+          </p:nvCxnSpPr>
+          <p:spPr>
+            <a:xfrm flipV="1">
+              <a:off x="3895018" y="4807934"/>
+              <a:ext cx="494374" cy="1328"/>
+            </a:xfrm>
+            <a:prstGeom prst="straightConnector1">
+              <a:avLst/>
+            </a:prstGeom>
+            <a:ln>
+              <a:tailEnd type="triangle"/>
+            </a:ln>
+          </p:spPr>
+          <p:style>
+            <a:lnRef idx="1">
+              <a:schemeClr val="accent1"/>
+            </a:lnRef>
+            <a:fillRef idx="0">
+              <a:schemeClr val="accent1"/>
+            </a:fillRef>
+            <a:effectRef idx="0">
+              <a:schemeClr val="accent1"/>
+            </a:effectRef>
+            <a:fontRef idx="minor">
+              <a:schemeClr val="tx1"/>
+            </a:fontRef>
+          </p:style>
+        </p:cxnSp>
+        <p:cxnSp>
+          <p:nvCxnSpPr>
+            <p:cNvPr id="48" name="Conector de Seta Reta 47">
+              <a:extLst>
+                <a:ext uri="{FF2B5EF4-FFF2-40B4-BE49-F238E27FC236}">
+                  <a16:creationId xmlns:a16="http://schemas.microsoft.com/office/drawing/2014/main" id="{9A1458B6-3262-8B2F-9F1F-E6542BBBAFDD}"/>
+                </a:ext>
+              </a:extLst>
+            </p:cNvPr>
+            <p:cNvCxnSpPr>
+              <a:stCxn id="7" idx="6"/>
+              <a:endCxn id="9" idx="2"/>
+            </p:cNvCxnSpPr>
+            <p:nvPr/>
+          </p:nvCxnSpPr>
+          <p:spPr>
+            <a:xfrm flipV="1">
+              <a:off x="3895018" y="4807934"/>
+              <a:ext cx="494374" cy="780745"/>
+            </a:xfrm>
+            <a:prstGeom prst="straightConnector1">
+              <a:avLst/>
+            </a:prstGeom>
+            <a:ln>
+              <a:tailEnd type="triangle"/>
+            </a:ln>
+          </p:spPr>
+          <p:style>
+            <a:lnRef idx="1">
+              <a:schemeClr val="accent1"/>
+            </a:lnRef>
+            <a:fillRef idx="0">
+              <a:schemeClr val="accent1"/>
+            </a:fillRef>
+            <a:effectRef idx="0">
+              <a:schemeClr val="accent1"/>
+            </a:effectRef>
+            <a:fontRef idx="minor">
+              <a:schemeClr val="tx1"/>
+            </a:fontRef>
+          </p:style>
+        </p:cxnSp>
+        <p:cxnSp>
+          <p:nvCxnSpPr>
+            <p:cNvPr id="49" name="Conector de Seta Reta 48">
+              <a:extLst>
+                <a:ext uri="{FF2B5EF4-FFF2-40B4-BE49-F238E27FC236}">
+                  <a16:creationId xmlns:a16="http://schemas.microsoft.com/office/drawing/2014/main" id="{BB56128A-36BB-DE73-3541-6D47617028E5}"/>
+                </a:ext>
+              </a:extLst>
+            </p:cNvPr>
+            <p:cNvCxnSpPr>
+              <a:stCxn id="8" idx="6"/>
+              <a:endCxn id="9" idx="2"/>
+            </p:cNvCxnSpPr>
+            <p:nvPr/>
+          </p:nvCxnSpPr>
+          <p:spPr>
+            <a:xfrm flipV="1">
+              <a:off x="3895018" y="4807934"/>
+              <a:ext cx="494374" cy="1560162"/>
+            </a:xfrm>
+            <a:prstGeom prst="straightConnector1">
+              <a:avLst/>
+            </a:prstGeom>
+            <a:ln>
+              <a:tailEnd type="triangle"/>
+            </a:ln>
+          </p:spPr>
+          <p:style>
+            <a:lnRef idx="1">
+              <a:schemeClr val="accent1"/>
+            </a:lnRef>
+            <a:fillRef idx="0">
+              <a:schemeClr val="accent1"/>
+            </a:fillRef>
+            <a:effectRef idx="0">
+              <a:schemeClr val="accent1"/>
+            </a:effectRef>
+            <a:fontRef idx="minor">
+              <a:schemeClr val="tx1"/>
+            </a:fontRef>
+          </p:style>
+        </p:cxnSp>
+        <mc:AlternateContent xmlns:mc="http://schemas.openxmlformats.org/markup-compatibility/2006" xmlns:a14="http://schemas.microsoft.com/office/drawing/2010/main">
+          <mc:Choice Requires="a14">
+            <p:sp>
+              <p:nvSpPr>
+                <p:cNvPr id="50" name="CaixaDeTexto 49">
+                  <a:extLst>
+                    <a:ext uri="{FF2B5EF4-FFF2-40B4-BE49-F238E27FC236}">
+                      <a16:creationId xmlns:a16="http://schemas.microsoft.com/office/drawing/2014/main" id="{99CB017E-9A70-E8A6-9C43-58BFDB9953AB}"/>
+                    </a:ext>
+                  </a:extLst>
+                </p:cNvPr>
+                <p:cNvSpPr txBox="1"/>
+                <p:nvPr/>
+              </p:nvSpPr>
+              <p:spPr>
+                <a:xfrm>
+                  <a:off x="5135329" y="4613494"/>
+                  <a:ext cx="415834" cy="369332"/>
+                </a:xfrm>
+                <a:prstGeom prst="rect">
+                  <a:avLst/>
+                </a:prstGeom>
+                <a:noFill/>
+              </p:spPr>
+              <p:txBody>
+                <a:bodyPr wrap="square" rtlCol="0">
+                  <a:spAutoFit/>
+                </a:bodyPr>
+                <a:lstStyle/>
+                <a:p>
+                  <a:pPr/>
+                  <a14:m>
+                    <m:oMathPara xmlns:m="http://schemas.openxmlformats.org/officeDocument/2006/math">
+                      <m:oMathParaPr>
+                        <m:jc m:val="centerGroup"/>
+                      </m:oMathParaPr>
+                      <m:oMath xmlns:m="http://schemas.openxmlformats.org/officeDocument/2006/math">
+                        <m:sSub>
+                          <m:sSubPr>
+                            <m:ctrlPr>
+                              <a:rPr lang="pt-BR" i="1" smtClean="0">
+                                <a:latin typeface="Cambria Math" panose="02040503050406030204" pitchFamily="18" charset="0"/>
+                              </a:rPr>
+                            </m:ctrlPr>
+                          </m:sSubPr>
+                          <m:e>
+                            <m:acc>
+                              <m:accPr>
+                                <m:chr m:val="̂"/>
+                                <m:ctrlPr>
+                                  <a:rPr lang="pt-BR" i="1" smtClean="0">
+                                    <a:latin typeface="Cambria Math" panose="02040503050406030204" pitchFamily="18" charset="0"/>
+                                  </a:rPr>
+                                </m:ctrlPr>
+                              </m:accPr>
+                              <m:e>
+                                <m:r>
+                                  <a:rPr lang="pt-BR" b="0" i="1" smtClean="0">
+                                    <a:latin typeface="Cambria Math" panose="02040503050406030204" pitchFamily="18" charset="0"/>
+                                  </a:rPr>
+                                  <m:t>𝑦</m:t>
+                                </m:r>
+                              </m:e>
+                            </m:acc>
+                          </m:e>
+                          <m:sub>
+                            <m:r>
+                              <a:rPr lang="pt-BR" b="0" i="1" smtClean="0">
+                                <a:latin typeface="Cambria Math" panose="02040503050406030204" pitchFamily="18" charset="0"/>
+                              </a:rPr>
+                              <m:t>1</m:t>
+                            </m:r>
+                          </m:sub>
+                        </m:sSub>
+                      </m:oMath>
+                    </m:oMathPara>
+                  </a14:m>
+                  <a:endParaRPr lang="pt-BR" dirty="0"/>
+                </a:p>
+              </p:txBody>
+            </p:sp>
+          </mc:Choice>
+          <mc:Fallback xmlns="">
+            <p:sp>
+              <p:nvSpPr>
+                <p:cNvPr id="50" name="CaixaDeTexto 49">
+                  <a:extLst>
+                    <a:ext uri="{FF2B5EF4-FFF2-40B4-BE49-F238E27FC236}">
+                      <a16:creationId xmlns:a16="http://schemas.microsoft.com/office/drawing/2014/main" id="{C298979C-FEEC-44B1-1EEB-CE843AEBE556}"/>
+                    </a:ext>
+                  </a:extLst>
+                </p:cNvPr>
+                <p:cNvSpPr txBox="1">
+                  <a:spLocks noRot="1" noChangeAspect="1" noMove="1" noResize="1" noEditPoints="1" noAdjustHandles="1" noChangeArrowheads="1" noChangeShapeType="1" noTextEdit="1"/>
+                </p:cNvSpPr>
+                <p:nvPr/>
+              </p:nvSpPr>
+              <p:spPr>
+                <a:xfrm>
+                  <a:off x="5135329" y="4613494"/>
+                  <a:ext cx="415834" cy="369332"/>
+                </a:xfrm>
+                <a:prstGeom prst="rect">
+                  <a:avLst/>
+                </a:prstGeom>
+                <a:blipFill>
+                  <a:blip r:embed="rId5"/>
+                  <a:stretch>
+                    <a:fillRect t="-6667" r="-8824" b="-6667"/>
+                  </a:stretch>
+                </a:blipFill>
+              </p:spPr>
+              <p:txBody>
+                <a:bodyPr/>
+                <a:lstStyle/>
+                <a:p>
+                  <a:r>
+                    <a:rPr lang="pt-BR">
+                      <a:noFill/>
+                    </a:rPr>
+                    <a:t> </a:t>
+                  </a:r>
+                </a:p>
+              </p:txBody>
+            </p:sp>
+          </mc:Fallback>
+        </mc:AlternateContent>
+        <mc:AlternateContent xmlns:mc="http://schemas.openxmlformats.org/markup-compatibility/2006" xmlns:a14="http://schemas.microsoft.com/office/drawing/2010/main">
+          <mc:Choice Requires="a14">
+            <p:sp>
+              <p:nvSpPr>
+                <p:cNvPr id="51" name="CaixaDeTexto 50">
+                  <a:extLst>
+                    <a:ext uri="{FF2B5EF4-FFF2-40B4-BE49-F238E27FC236}">
+                      <a16:creationId xmlns:a16="http://schemas.microsoft.com/office/drawing/2014/main" id="{5DD99152-A9EA-C518-AD2D-CBF76A3F5033}"/>
+                    </a:ext>
+                  </a:extLst>
+                </p:cNvPr>
+                <p:cNvSpPr txBox="1"/>
+                <p:nvPr/>
+              </p:nvSpPr>
+              <p:spPr>
+                <a:xfrm flipH="1">
+                  <a:off x="983980" y="5467885"/>
+                  <a:ext cx="653654" cy="276999"/>
+                </a:xfrm>
+                <a:prstGeom prst="rect">
+                  <a:avLst/>
+                </a:prstGeom>
+                <a:noFill/>
+              </p:spPr>
+              <p:txBody>
+                <a:bodyPr wrap="square" lIns="0" tIns="0" rIns="0" bIns="0" rtlCol="0">
+                  <a:spAutoFit/>
+                </a:bodyPr>
+                <a:lstStyle/>
+                <a:p>
+                  <a:pPr/>
+                  <a14:m>
+                    <m:oMathPara xmlns:m="http://schemas.openxmlformats.org/officeDocument/2006/math">
+                      <m:oMathParaPr>
+                        <m:jc m:val="centerGroup"/>
+                      </m:oMathParaPr>
+                      <m:oMath xmlns:m="http://schemas.openxmlformats.org/officeDocument/2006/math">
+                        <m:r>
+                          <a:rPr lang="pt-BR" i="1" smtClean="0">
+                            <a:latin typeface="Cambria Math" panose="02040503050406030204" pitchFamily="18" charset="0"/>
+                            <a:ea typeface="Cambria Math" panose="02040503050406030204" pitchFamily="18" charset="0"/>
+                          </a:rPr>
+                          <m:t>⋮</m:t>
+                        </m:r>
+                      </m:oMath>
+                    </m:oMathPara>
+                  </a14:m>
+                  <a:endParaRPr lang="pt-BR" dirty="0"/>
+                </a:p>
+              </p:txBody>
+            </p:sp>
+          </mc:Choice>
+          <mc:Fallback xmlns="">
+            <p:sp>
+              <p:nvSpPr>
+                <p:cNvPr id="51" name="CaixaDeTexto 50">
+                  <a:extLst>
+                    <a:ext uri="{FF2B5EF4-FFF2-40B4-BE49-F238E27FC236}">
+                      <a16:creationId xmlns:a16="http://schemas.microsoft.com/office/drawing/2014/main" id="{02613DEB-985F-3400-22BF-F5CF5E3DA06E}"/>
+                    </a:ext>
+                  </a:extLst>
+                </p:cNvPr>
+                <p:cNvSpPr txBox="1">
+                  <a:spLocks noRot="1" noChangeAspect="1" noMove="1" noResize="1" noEditPoints="1" noAdjustHandles="1" noChangeArrowheads="1" noChangeShapeType="1" noTextEdit="1"/>
+                </p:cNvSpPr>
+                <p:nvPr/>
+              </p:nvSpPr>
+              <p:spPr>
+                <a:xfrm flipH="1">
+                  <a:off x="983980" y="5467885"/>
+                  <a:ext cx="653654" cy="276999"/>
+                </a:xfrm>
+                <a:prstGeom prst="rect">
+                  <a:avLst/>
+                </a:prstGeom>
+                <a:blipFill>
+                  <a:blip r:embed="rId6"/>
+                  <a:stretch>
+                    <a:fillRect b="-6667"/>
+                  </a:stretch>
+                </a:blipFill>
+              </p:spPr>
+              <p:txBody>
+                <a:bodyPr/>
+                <a:lstStyle/>
+                <a:p>
+                  <a:r>
+                    <a:rPr lang="pt-BR">
+                      <a:noFill/>
+                    </a:rPr>
+                    <a:t> </a:t>
+                  </a:r>
+                </a:p>
+              </p:txBody>
+            </p:sp>
+          </mc:Fallback>
+        </mc:AlternateContent>
+        <p:cxnSp>
+          <p:nvCxnSpPr>
+            <p:cNvPr id="52" name="Conector de Seta Reta 51">
+              <a:extLst>
+                <a:ext uri="{FF2B5EF4-FFF2-40B4-BE49-F238E27FC236}">
+                  <a16:creationId xmlns:a16="http://schemas.microsoft.com/office/drawing/2014/main" id="{CE935B14-3BD1-1812-EF67-A77EA0B1128A}"/>
+                </a:ext>
+              </a:extLst>
+            </p:cNvPr>
+            <p:cNvCxnSpPr>
+              <a:cxnSpLocks/>
+              <a:endCxn id="5" idx="0"/>
+            </p:cNvCxnSpPr>
+            <p:nvPr/>
+          </p:nvCxnSpPr>
+          <p:spPr>
+            <a:xfrm>
+              <a:off x="3611991" y="3614532"/>
+              <a:ext cx="0" cy="142444"/>
+            </a:xfrm>
+            <a:prstGeom prst="straightConnector1">
+              <a:avLst/>
+            </a:prstGeom>
+            <a:ln>
+              <a:tailEnd type="triangle"/>
+            </a:ln>
+          </p:spPr>
+          <p:style>
+            <a:lnRef idx="1">
+              <a:schemeClr val="accent1"/>
+            </a:lnRef>
+            <a:fillRef idx="0">
+              <a:schemeClr val="accent1"/>
+            </a:fillRef>
+            <a:effectRef idx="0">
+              <a:schemeClr val="accent1"/>
+            </a:effectRef>
+            <a:fontRef idx="minor">
+              <a:schemeClr val="tx1"/>
+            </a:fontRef>
+          </p:style>
+        </p:cxnSp>
+        <p:cxnSp>
+          <p:nvCxnSpPr>
+            <p:cNvPr id="53" name="Conector de Seta Reta 52">
+              <a:extLst>
+                <a:ext uri="{FF2B5EF4-FFF2-40B4-BE49-F238E27FC236}">
+                  <a16:creationId xmlns:a16="http://schemas.microsoft.com/office/drawing/2014/main" id="{E8F98CC6-C2E6-9F66-7AE2-7A32B56A18CD}"/>
+                </a:ext>
+              </a:extLst>
+            </p:cNvPr>
+            <p:cNvCxnSpPr>
+              <a:cxnSpLocks/>
+            </p:cNvCxnSpPr>
+            <p:nvPr/>
+          </p:nvCxnSpPr>
+          <p:spPr>
+            <a:xfrm>
+              <a:off x="3611991" y="4383786"/>
+              <a:ext cx="0" cy="142444"/>
+            </a:xfrm>
+            <a:prstGeom prst="straightConnector1">
+              <a:avLst/>
+            </a:prstGeom>
+            <a:ln>
+              <a:tailEnd type="triangle"/>
+            </a:ln>
+          </p:spPr>
+          <p:style>
+            <a:lnRef idx="1">
+              <a:schemeClr val="accent1"/>
+            </a:lnRef>
+            <a:fillRef idx="0">
+              <a:schemeClr val="accent1"/>
+            </a:fillRef>
+            <a:effectRef idx="0">
+              <a:schemeClr val="accent1"/>
+            </a:effectRef>
+            <a:fontRef idx="minor">
+              <a:schemeClr val="tx1"/>
+            </a:fontRef>
+          </p:style>
+        </p:cxnSp>
+        <p:cxnSp>
+          <p:nvCxnSpPr>
+            <p:cNvPr id="54" name="Conector de Seta Reta 53">
+              <a:extLst>
+                <a:ext uri="{FF2B5EF4-FFF2-40B4-BE49-F238E27FC236}">
+                  <a16:creationId xmlns:a16="http://schemas.microsoft.com/office/drawing/2014/main" id="{7F5E5662-7035-61B6-F331-A3C054AF7A75}"/>
+                </a:ext>
+              </a:extLst>
+            </p:cNvPr>
+            <p:cNvCxnSpPr>
+              <a:cxnSpLocks/>
+            </p:cNvCxnSpPr>
+            <p:nvPr/>
+          </p:nvCxnSpPr>
+          <p:spPr>
+            <a:xfrm>
+              <a:off x="3611991" y="5160880"/>
+              <a:ext cx="0" cy="142444"/>
+            </a:xfrm>
+            <a:prstGeom prst="straightConnector1">
+              <a:avLst/>
+            </a:prstGeom>
+            <a:ln>
+              <a:tailEnd type="triangle"/>
+            </a:ln>
+          </p:spPr>
+          <p:style>
+            <a:lnRef idx="1">
+              <a:schemeClr val="accent1"/>
+            </a:lnRef>
+            <a:fillRef idx="0">
+              <a:schemeClr val="accent1"/>
+            </a:fillRef>
+            <a:effectRef idx="0">
+              <a:schemeClr val="accent1"/>
+            </a:effectRef>
+            <a:fontRef idx="minor">
+              <a:schemeClr val="tx1"/>
+            </a:fontRef>
+          </p:style>
+        </p:cxnSp>
+        <p:cxnSp>
+          <p:nvCxnSpPr>
+            <p:cNvPr id="55" name="Conector de Seta Reta 54">
+              <a:extLst>
+                <a:ext uri="{FF2B5EF4-FFF2-40B4-BE49-F238E27FC236}">
+                  <a16:creationId xmlns:a16="http://schemas.microsoft.com/office/drawing/2014/main" id="{AD3C4A8F-E4DE-EC76-C133-5256EF60D3FF}"/>
+                </a:ext>
+              </a:extLst>
+            </p:cNvPr>
+            <p:cNvCxnSpPr>
+              <a:cxnSpLocks/>
+            </p:cNvCxnSpPr>
+            <p:nvPr/>
+          </p:nvCxnSpPr>
+          <p:spPr>
+            <a:xfrm>
+              <a:off x="3611991" y="5937972"/>
+              <a:ext cx="0" cy="142444"/>
+            </a:xfrm>
+            <a:prstGeom prst="straightConnector1">
+              <a:avLst/>
+            </a:prstGeom>
+            <a:ln>
+              <a:tailEnd type="triangle"/>
+            </a:ln>
+          </p:spPr>
+          <p:style>
+            <a:lnRef idx="1">
+              <a:schemeClr val="accent1"/>
+            </a:lnRef>
+            <a:fillRef idx="0">
+              <a:schemeClr val="accent1"/>
+            </a:fillRef>
+            <a:effectRef idx="0">
+              <a:schemeClr val="accent1"/>
+            </a:effectRef>
+            <a:fontRef idx="minor">
+              <a:schemeClr val="tx1"/>
+            </a:fontRef>
+          </p:style>
+        </p:cxnSp>
+        <p:cxnSp>
+          <p:nvCxnSpPr>
+            <p:cNvPr id="56" name="Conector de Seta Reta 55">
+              <a:extLst>
+                <a:ext uri="{FF2B5EF4-FFF2-40B4-BE49-F238E27FC236}">
+                  <a16:creationId xmlns:a16="http://schemas.microsoft.com/office/drawing/2014/main" id="{4B1B32D6-CB6B-E648-186C-90D5E7C17141}"/>
+                </a:ext>
+              </a:extLst>
+            </p:cNvPr>
+            <p:cNvCxnSpPr>
+              <a:cxnSpLocks/>
+            </p:cNvCxnSpPr>
+            <p:nvPr/>
+          </p:nvCxnSpPr>
+          <p:spPr>
+            <a:xfrm>
+              <a:off x="2402316" y="3614532"/>
+              <a:ext cx="0" cy="142444"/>
+            </a:xfrm>
+            <a:prstGeom prst="straightConnector1">
+              <a:avLst/>
+            </a:prstGeom>
+            <a:ln>
+              <a:tailEnd type="triangle"/>
+            </a:ln>
+          </p:spPr>
+          <p:style>
+            <a:lnRef idx="1">
+              <a:schemeClr val="accent1"/>
+            </a:lnRef>
+            <a:fillRef idx="0">
+              <a:schemeClr val="accent1"/>
+            </a:fillRef>
+            <a:effectRef idx="0">
+              <a:schemeClr val="accent1"/>
+            </a:effectRef>
+            <a:fontRef idx="minor">
+              <a:schemeClr val="tx1"/>
+            </a:fontRef>
+          </p:style>
+        </p:cxnSp>
+        <p:cxnSp>
+          <p:nvCxnSpPr>
+            <p:cNvPr id="57" name="Conector de Seta Reta 56">
+              <a:extLst>
+                <a:ext uri="{FF2B5EF4-FFF2-40B4-BE49-F238E27FC236}">
+                  <a16:creationId xmlns:a16="http://schemas.microsoft.com/office/drawing/2014/main" id="{6909FFED-5E78-7F62-5202-414EF66B8820}"/>
+                </a:ext>
+              </a:extLst>
+            </p:cNvPr>
+            <p:cNvCxnSpPr>
+              <a:cxnSpLocks/>
+            </p:cNvCxnSpPr>
+            <p:nvPr/>
+          </p:nvCxnSpPr>
+          <p:spPr>
+            <a:xfrm>
+              <a:off x="2408666" y="4375037"/>
+              <a:ext cx="0" cy="142444"/>
+            </a:xfrm>
+            <a:prstGeom prst="straightConnector1">
+              <a:avLst/>
+            </a:prstGeom>
+            <a:ln>
+              <a:tailEnd type="triangle"/>
+            </a:ln>
+          </p:spPr>
+          <p:style>
+            <a:lnRef idx="1">
+              <a:schemeClr val="accent1"/>
+            </a:lnRef>
+            <a:fillRef idx="0">
+              <a:schemeClr val="accent1"/>
+            </a:fillRef>
+            <a:effectRef idx="0">
+              <a:schemeClr val="accent1"/>
+            </a:effectRef>
+            <a:fontRef idx="minor">
+              <a:schemeClr val="tx1"/>
+            </a:fontRef>
+          </p:style>
+        </p:cxnSp>
+        <p:cxnSp>
+          <p:nvCxnSpPr>
+            <p:cNvPr id="58" name="Conector de Seta Reta 57">
+              <a:extLst>
+                <a:ext uri="{FF2B5EF4-FFF2-40B4-BE49-F238E27FC236}">
+                  <a16:creationId xmlns:a16="http://schemas.microsoft.com/office/drawing/2014/main" id="{CB323DCE-9043-2C11-ED83-7F73F24EDD36}"/>
+                </a:ext>
+              </a:extLst>
+            </p:cNvPr>
+            <p:cNvCxnSpPr>
+              <a:cxnSpLocks/>
+            </p:cNvCxnSpPr>
+            <p:nvPr/>
+          </p:nvCxnSpPr>
+          <p:spPr>
+            <a:xfrm>
+              <a:off x="2402316" y="5160880"/>
+              <a:ext cx="0" cy="142444"/>
+            </a:xfrm>
+            <a:prstGeom prst="straightConnector1">
+              <a:avLst/>
+            </a:prstGeom>
+            <a:ln>
+              <a:tailEnd type="triangle"/>
+            </a:ln>
+          </p:spPr>
+          <p:style>
+            <a:lnRef idx="1">
+              <a:schemeClr val="accent1"/>
+            </a:lnRef>
+            <a:fillRef idx="0">
+              <a:schemeClr val="accent1"/>
+            </a:fillRef>
+            <a:effectRef idx="0">
+              <a:schemeClr val="accent1"/>
+            </a:effectRef>
+            <a:fontRef idx="minor">
+              <a:schemeClr val="tx1"/>
+            </a:fontRef>
+          </p:style>
+        </p:cxnSp>
+        <p:cxnSp>
+          <p:nvCxnSpPr>
+            <p:cNvPr id="59" name="Conector de Seta Reta 58">
+              <a:extLst>
+                <a:ext uri="{FF2B5EF4-FFF2-40B4-BE49-F238E27FC236}">
+                  <a16:creationId xmlns:a16="http://schemas.microsoft.com/office/drawing/2014/main" id="{9E6AD66B-7932-A6AD-DBA8-43BC5062CE0F}"/>
+                </a:ext>
+              </a:extLst>
+            </p:cNvPr>
+            <p:cNvCxnSpPr>
+              <a:cxnSpLocks/>
+            </p:cNvCxnSpPr>
+            <p:nvPr/>
+          </p:nvCxnSpPr>
+          <p:spPr>
+            <a:xfrm>
+              <a:off x="2402316" y="5935320"/>
+              <a:ext cx="0" cy="142444"/>
+            </a:xfrm>
+            <a:prstGeom prst="straightConnector1">
+              <a:avLst/>
+            </a:prstGeom>
+            <a:ln>
+              <a:tailEnd type="triangle"/>
+            </a:ln>
+          </p:spPr>
+          <p:style>
+            <a:lnRef idx="1">
+              <a:schemeClr val="accent1"/>
+            </a:lnRef>
+            <a:fillRef idx="0">
+              <a:schemeClr val="accent1"/>
+            </a:fillRef>
+            <a:effectRef idx="0">
+              <a:schemeClr val="accent1"/>
+            </a:effectRef>
+            <a:fontRef idx="minor">
+              <a:schemeClr val="tx1"/>
+            </a:fontRef>
+          </p:style>
+        </p:cxnSp>
+        <p:cxnSp>
+          <p:nvCxnSpPr>
+            <p:cNvPr id="60" name="Conector de Seta Reta 59">
+              <a:extLst>
+                <a:ext uri="{FF2B5EF4-FFF2-40B4-BE49-F238E27FC236}">
+                  <a16:creationId xmlns:a16="http://schemas.microsoft.com/office/drawing/2014/main" id="{A1651898-69FD-504A-3925-1DBFEE64C77D}"/>
+                </a:ext>
+              </a:extLst>
+            </p:cNvPr>
+            <p:cNvCxnSpPr>
+              <a:cxnSpLocks/>
+            </p:cNvCxnSpPr>
+            <p:nvPr/>
+          </p:nvCxnSpPr>
+          <p:spPr>
+            <a:xfrm>
+              <a:off x="4680061" y="4383786"/>
+              <a:ext cx="0" cy="142444"/>
+            </a:xfrm>
+            <a:prstGeom prst="straightConnector1">
+              <a:avLst/>
+            </a:prstGeom>
+            <a:ln>
+              <a:tailEnd type="triangle"/>
+            </a:ln>
+          </p:spPr>
+          <p:style>
+            <a:lnRef idx="1">
+              <a:schemeClr val="accent1"/>
+            </a:lnRef>
+            <a:fillRef idx="0">
+              <a:schemeClr val="accent1"/>
+            </a:fillRef>
+            <a:effectRef idx="0">
+              <a:schemeClr val="accent1"/>
+            </a:effectRef>
+            <a:fontRef idx="minor">
+              <a:schemeClr val="tx1"/>
+            </a:fontRef>
+          </p:style>
+        </p:cxnSp>
+        <p:sp>
+          <p:nvSpPr>
+            <p:cNvPr id="61" name="Elipse 60">
+              <a:extLst>
+                <a:ext uri="{FF2B5EF4-FFF2-40B4-BE49-F238E27FC236}">
+                  <a16:creationId xmlns:a16="http://schemas.microsoft.com/office/drawing/2014/main" id="{C3618AA4-1940-C194-59BA-86C628FAAEC5}"/>
+                </a:ext>
+              </a:extLst>
+            </p:cNvPr>
+            <p:cNvSpPr/>
+            <p:nvPr/>
+          </p:nvSpPr>
+          <p:spPr>
+            <a:xfrm>
+              <a:off x="4389389" y="5303324"/>
+              <a:ext cx="566057" cy="566057"/>
+            </a:xfrm>
+            <a:prstGeom prst="ellipse">
+              <a:avLst/>
+            </a:prstGeom>
+            <a:solidFill>
+              <a:schemeClr val="bg1">
+                <a:lumMod val="85000"/>
+              </a:schemeClr>
+            </a:solidFill>
+            <a:ln>
+              <a:noFill/>
+            </a:ln>
+          </p:spPr>
+          <p:style>
+            <a:lnRef idx="2">
+              <a:schemeClr val="accent1">
+                <a:shade val="15000"/>
+              </a:schemeClr>
+            </a:lnRef>
+            <a:fillRef idx="1">
+              <a:schemeClr val="accent1"/>
+            </a:fillRef>
+            <a:effectRef idx="0">
+              <a:schemeClr val="accent1"/>
+            </a:effectRef>
+            <a:fontRef idx="minor">
+              <a:schemeClr val="lt1"/>
+            </a:fontRef>
+          </p:style>
+          <p:txBody>
+            <a:bodyPr rtlCol="0" anchor="ctr"/>
+            <a:lstStyle/>
+            <a:p>
+              <a:pPr algn="ctr"/>
+              <a:endParaRPr lang="pt-BR" dirty="0"/>
+            </a:p>
+          </p:txBody>
+        </p:sp>
+        <p:cxnSp>
+          <p:nvCxnSpPr>
+            <p:cNvPr id="62" name="Conector de Seta Reta 61">
+              <a:extLst>
+                <a:ext uri="{FF2B5EF4-FFF2-40B4-BE49-F238E27FC236}">
+                  <a16:creationId xmlns:a16="http://schemas.microsoft.com/office/drawing/2014/main" id="{93E7787E-3F23-D554-0015-C6587AA5A1BE}"/>
+                </a:ext>
+              </a:extLst>
+            </p:cNvPr>
+            <p:cNvCxnSpPr>
+              <a:cxnSpLocks/>
+            </p:cNvCxnSpPr>
+            <p:nvPr/>
+          </p:nvCxnSpPr>
+          <p:spPr>
+            <a:xfrm>
+              <a:off x="4672417" y="5160880"/>
+              <a:ext cx="0" cy="142444"/>
+            </a:xfrm>
+            <a:prstGeom prst="straightConnector1">
+              <a:avLst/>
+            </a:prstGeom>
+            <a:ln>
+              <a:tailEnd type="triangle"/>
+            </a:ln>
+          </p:spPr>
+          <p:style>
+            <a:lnRef idx="1">
+              <a:schemeClr val="accent1"/>
+            </a:lnRef>
+            <a:fillRef idx="0">
+              <a:schemeClr val="accent1"/>
+            </a:fillRef>
+            <a:effectRef idx="0">
+              <a:schemeClr val="accent1"/>
+            </a:effectRef>
+            <a:fontRef idx="minor">
+              <a:schemeClr val="tx1"/>
+            </a:fontRef>
+          </p:style>
+        </p:cxnSp>
+        <p:cxnSp>
+          <p:nvCxnSpPr>
+            <p:cNvPr id="63" name="Conector de Seta Reta 62">
+              <a:extLst>
+                <a:ext uri="{FF2B5EF4-FFF2-40B4-BE49-F238E27FC236}">
+                  <a16:creationId xmlns:a16="http://schemas.microsoft.com/office/drawing/2014/main" id="{44DF4508-52D1-EF13-5988-EB5A553172BB}"/>
+                </a:ext>
+              </a:extLst>
+            </p:cNvPr>
+            <p:cNvCxnSpPr>
+              <a:stCxn id="5" idx="6"/>
+              <a:endCxn id="61" idx="2"/>
+            </p:cNvCxnSpPr>
+            <p:nvPr/>
+          </p:nvCxnSpPr>
+          <p:spPr>
+            <a:xfrm>
+              <a:off x="3895019" y="4040005"/>
+              <a:ext cx="494370" cy="1546348"/>
+            </a:xfrm>
+            <a:prstGeom prst="straightConnector1">
+              <a:avLst/>
+            </a:prstGeom>
+            <a:ln>
+              <a:tailEnd type="triangle"/>
+            </a:ln>
+          </p:spPr>
+          <p:style>
+            <a:lnRef idx="1">
+              <a:schemeClr val="accent1"/>
+            </a:lnRef>
+            <a:fillRef idx="0">
+              <a:schemeClr val="accent1"/>
+            </a:fillRef>
+            <a:effectRef idx="0">
+              <a:schemeClr val="accent1"/>
+            </a:effectRef>
+            <a:fontRef idx="minor">
+              <a:schemeClr val="tx1"/>
+            </a:fontRef>
+          </p:style>
+        </p:cxnSp>
+        <p:cxnSp>
+          <p:nvCxnSpPr>
+            <p:cNvPr id="64" name="Conector de Seta Reta 63">
+              <a:extLst>
+                <a:ext uri="{FF2B5EF4-FFF2-40B4-BE49-F238E27FC236}">
+                  <a16:creationId xmlns:a16="http://schemas.microsoft.com/office/drawing/2014/main" id="{150D464E-AEC1-287D-10D4-2216F0B3BB14}"/>
+                </a:ext>
+              </a:extLst>
+            </p:cNvPr>
+            <p:cNvCxnSpPr>
+              <a:stCxn id="6" idx="6"/>
+              <a:endCxn id="61" idx="2"/>
+            </p:cNvCxnSpPr>
+            <p:nvPr/>
+          </p:nvCxnSpPr>
+          <p:spPr>
+            <a:xfrm>
+              <a:off x="3895018" y="4809262"/>
+              <a:ext cx="494371" cy="777091"/>
+            </a:xfrm>
+            <a:prstGeom prst="straightConnector1">
+              <a:avLst/>
+            </a:prstGeom>
+            <a:ln>
+              <a:tailEnd type="triangle"/>
+            </a:ln>
+          </p:spPr>
+          <p:style>
+            <a:lnRef idx="1">
+              <a:schemeClr val="accent1"/>
+            </a:lnRef>
+            <a:fillRef idx="0">
+              <a:schemeClr val="accent1"/>
+            </a:fillRef>
+            <a:effectRef idx="0">
+              <a:schemeClr val="accent1"/>
+            </a:effectRef>
+            <a:fontRef idx="minor">
+              <a:schemeClr val="tx1"/>
+            </a:fontRef>
+          </p:style>
+        </p:cxnSp>
+        <p:cxnSp>
+          <p:nvCxnSpPr>
+            <p:cNvPr id="65" name="Conector de Seta Reta 64">
+              <a:extLst>
+                <a:ext uri="{FF2B5EF4-FFF2-40B4-BE49-F238E27FC236}">
+                  <a16:creationId xmlns:a16="http://schemas.microsoft.com/office/drawing/2014/main" id="{5CA2E182-69E2-D029-76B3-458379AFD558}"/>
+                </a:ext>
+              </a:extLst>
+            </p:cNvPr>
+            <p:cNvCxnSpPr>
+              <a:stCxn id="7" idx="6"/>
+              <a:endCxn id="61" idx="2"/>
+            </p:cNvCxnSpPr>
+            <p:nvPr/>
+          </p:nvCxnSpPr>
+          <p:spPr>
+            <a:xfrm flipV="1">
+              <a:off x="3895018" y="5586353"/>
+              <a:ext cx="494371" cy="2326"/>
+            </a:xfrm>
+            <a:prstGeom prst="straightConnector1">
+              <a:avLst/>
+            </a:prstGeom>
+            <a:ln>
+              <a:tailEnd type="triangle"/>
+            </a:ln>
+          </p:spPr>
+          <p:style>
+            <a:lnRef idx="1">
+              <a:schemeClr val="accent1"/>
+            </a:lnRef>
+            <a:fillRef idx="0">
+              <a:schemeClr val="accent1"/>
+            </a:fillRef>
+            <a:effectRef idx="0">
+              <a:schemeClr val="accent1"/>
+            </a:effectRef>
+            <a:fontRef idx="minor">
+              <a:schemeClr val="tx1"/>
+            </a:fontRef>
+          </p:style>
+        </p:cxnSp>
+        <p:cxnSp>
+          <p:nvCxnSpPr>
+            <p:cNvPr id="66" name="Conector de Seta Reta 65">
+              <a:extLst>
+                <a:ext uri="{FF2B5EF4-FFF2-40B4-BE49-F238E27FC236}">
+                  <a16:creationId xmlns:a16="http://schemas.microsoft.com/office/drawing/2014/main" id="{5D189B98-F5BB-B00F-B8E2-C9A5C22D8D5A}"/>
+                </a:ext>
+              </a:extLst>
+            </p:cNvPr>
+            <p:cNvCxnSpPr>
+              <a:stCxn id="8" idx="6"/>
+              <a:endCxn id="61" idx="2"/>
+            </p:cNvCxnSpPr>
+            <p:nvPr/>
+          </p:nvCxnSpPr>
+          <p:spPr>
+            <a:xfrm flipV="1">
+              <a:off x="3895018" y="5586353"/>
+              <a:ext cx="494371" cy="781743"/>
+            </a:xfrm>
+            <a:prstGeom prst="straightConnector1">
+              <a:avLst/>
+            </a:prstGeom>
+            <a:ln>
+              <a:tailEnd type="triangle"/>
+            </a:ln>
+          </p:spPr>
+          <p:style>
+            <a:lnRef idx="1">
+              <a:schemeClr val="accent1"/>
+            </a:lnRef>
+            <a:fillRef idx="0">
+              <a:schemeClr val="accent1"/>
+            </a:fillRef>
+            <a:effectRef idx="0">
+              <a:schemeClr val="accent1"/>
+            </a:effectRef>
+            <a:fontRef idx="minor">
+              <a:schemeClr val="tx1"/>
+            </a:fontRef>
+          </p:style>
+        </p:cxnSp>
+        <p:cxnSp>
+          <p:nvCxnSpPr>
+            <p:cNvPr id="67" name="Conector de Seta Reta 66">
+              <a:extLst>
+                <a:ext uri="{FF2B5EF4-FFF2-40B4-BE49-F238E27FC236}">
+                  <a16:creationId xmlns:a16="http://schemas.microsoft.com/office/drawing/2014/main" id="{11B06758-0920-8AA8-5F59-D8A66289A6BD}"/>
+                </a:ext>
+              </a:extLst>
+            </p:cNvPr>
+            <p:cNvCxnSpPr>
+              <a:cxnSpLocks/>
+            </p:cNvCxnSpPr>
+            <p:nvPr/>
+          </p:nvCxnSpPr>
+          <p:spPr>
+            <a:xfrm flipV="1">
+              <a:off x="4955449" y="5581057"/>
+              <a:ext cx="257585" cy="1162"/>
+            </a:xfrm>
+            <a:prstGeom prst="straightConnector1">
+              <a:avLst/>
+            </a:prstGeom>
+            <a:ln>
+              <a:tailEnd type="triangle"/>
+            </a:ln>
+          </p:spPr>
+          <p:style>
+            <a:lnRef idx="1">
+              <a:schemeClr val="accent1"/>
+            </a:lnRef>
+            <a:fillRef idx="0">
+              <a:schemeClr val="accent1"/>
+            </a:fillRef>
+            <a:effectRef idx="0">
+              <a:schemeClr val="accent1"/>
+            </a:effectRef>
+            <a:fontRef idx="minor">
+              <a:schemeClr val="tx1"/>
+            </a:fontRef>
+          </p:style>
+        </p:cxnSp>
+        <mc:AlternateContent xmlns:mc="http://schemas.openxmlformats.org/markup-compatibility/2006" xmlns:a14="http://schemas.microsoft.com/office/drawing/2010/main">
+          <mc:Choice Requires="a14">
+            <p:sp>
+              <p:nvSpPr>
+                <p:cNvPr id="68" name="CaixaDeTexto 67">
+                  <a:extLst>
+                    <a:ext uri="{FF2B5EF4-FFF2-40B4-BE49-F238E27FC236}">
+                      <a16:creationId xmlns:a16="http://schemas.microsoft.com/office/drawing/2014/main" id="{71E9EBB1-B4EA-38B2-215B-3CEDA2D21878}"/>
+                    </a:ext>
+                  </a:extLst>
+                </p:cNvPr>
+                <p:cNvSpPr txBox="1"/>
+                <p:nvPr/>
+              </p:nvSpPr>
+              <p:spPr>
+                <a:xfrm>
+                  <a:off x="5145409" y="5375552"/>
+                  <a:ext cx="415834" cy="369332"/>
+                </a:xfrm>
+                <a:prstGeom prst="rect">
+                  <a:avLst/>
+                </a:prstGeom>
+                <a:noFill/>
+              </p:spPr>
+              <p:txBody>
+                <a:bodyPr wrap="square" rtlCol="0">
+                  <a:spAutoFit/>
+                </a:bodyPr>
+                <a:lstStyle/>
+                <a:p>
+                  <a:pPr/>
+                  <a14:m>
+                    <m:oMathPara xmlns:m="http://schemas.openxmlformats.org/officeDocument/2006/math">
+                      <m:oMathParaPr>
+                        <m:jc m:val="centerGroup"/>
+                      </m:oMathParaPr>
+                      <m:oMath xmlns:m="http://schemas.openxmlformats.org/officeDocument/2006/math">
+                        <m:sSub>
+                          <m:sSubPr>
+                            <m:ctrlPr>
+                              <a:rPr lang="pt-BR" i="1" smtClean="0">
+                                <a:latin typeface="Cambria Math" panose="02040503050406030204" pitchFamily="18" charset="0"/>
+                              </a:rPr>
+                            </m:ctrlPr>
+                          </m:sSubPr>
+                          <m:e>
+                            <m:acc>
+                              <m:accPr>
+                                <m:chr m:val="̂"/>
+                                <m:ctrlPr>
+                                  <a:rPr lang="pt-BR" i="1" smtClean="0">
+                                    <a:latin typeface="Cambria Math" panose="02040503050406030204" pitchFamily="18" charset="0"/>
+                                  </a:rPr>
+                                </m:ctrlPr>
+                              </m:accPr>
+                              <m:e>
+                                <m:r>
+                                  <a:rPr lang="pt-BR" b="0" i="1" smtClean="0">
+                                    <a:latin typeface="Cambria Math" panose="02040503050406030204" pitchFamily="18" charset="0"/>
+                                  </a:rPr>
+                                  <m:t>𝑦</m:t>
+                                </m:r>
+                              </m:e>
+                            </m:acc>
+                          </m:e>
+                          <m:sub>
+                            <m:r>
+                              <a:rPr lang="pt-BR" b="0" i="1" smtClean="0">
+                                <a:latin typeface="Cambria Math" panose="02040503050406030204" pitchFamily="18" charset="0"/>
+                              </a:rPr>
+                              <m:t>2</m:t>
+                            </m:r>
+                          </m:sub>
+                        </m:sSub>
+                      </m:oMath>
+                    </m:oMathPara>
+                  </a14:m>
+                  <a:endParaRPr lang="pt-BR" dirty="0"/>
+                </a:p>
+              </p:txBody>
+            </p:sp>
+          </mc:Choice>
+          <mc:Fallback xmlns="">
+            <p:sp>
+              <p:nvSpPr>
+                <p:cNvPr id="68" name="CaixaDeTexto 67">
+                  <a:extLst>
+                    <a:ext uri="{FF2B5EF4-FFF2-40B4-BE49-F238E27FC236}">
+                      <a16:creationId xmlns:a16="http://schemas.microsoft.com/office/drawing/2014/main" id="{6CD06DD8-9472-1D2D-3014-F1071386D57A}"/>
+                    </a:ext>
+                  </a:extLst>
+                </p:cNvPr>
+                <p:cNvSpPr txBox="1">
+                  <a:spLocks noRot="1" noChangeAspect="1" noMove="1" noResize="1" noEditPoints="1" noAdjustHandles="1" noChangeArrowheads="1" noChangeShapeType="1" noTextEdit="1"/>
+                </p:cNvSpPr>
+                <p:nvPr/>
+              </p:nvSpPr>
+              <p:spPr>
+                <a:xfrm>
+                  <a:off x="5145409" y="5375552"/>
+                  <a:ext cx="415834" cy="369332"/>
+                </a:xfrm>
+                <a:prstGeom prst="rect">
+                  <a:avLst/>
+                </a:prstGeom>
+                <a:blipFill>
+                  <a:blip r:embed="rId7"/>
+                  <a:stretch>
+                    <a:fillRect t="-6667" r="-7246" b="-6667"/>
+                  </a:stretch>
+                </a:blipFill>
+              </p:spPr>
+              <p:txBody>
+                <a:bodyPr/>
+                <a:lstStyle/>
+                <a:p>
+                  <a:r>
+                    <a:rPr lang="pt-BR">
+                      <a:noFill/>
+                    </a:rPr>
+                    <a:t> </a:t>
+                  </a:r>
+                </a:p>
+              </p:txBody>
+            </p:sp>
+          </mc:Fallback>
+        </mc:AlternateContent>
+      </p:grpSp>
+      <p:grpSp>
+        <p:nvGrpSpPr>
+          <p:cNvPr id="165" name="Agrupar 164">
+            <a:extLst>
+              <a:ext uri="{FF2B5EF4-FFF2-40B4-BE49-F238E27FC236}">
+                <a16:creationId xmlns:a16="http://schemas.microsoft.com/office/drawing/2014/main" id="{0618C993-0BF6-102C-DD68-4AC2AA1211A2}"/>
+              </a:ext>
+            </a:extLst>
+          </p:cNvPr>
+          <p:cNvGrpSpPr/>
           <p:nvPr/>
-        </p:nvPicPr>
-        <p:blipFill>
-          <a:blip r:embed="rId3">
-            <a:extLst>
-              <a:ext uri="{28A0092B-C50C-407E-A947-70E740481C1C}">
-                <a14:useLocalDpi xmlns:a14="http://schemas.microsoft.com/office/drawing/2010/main" val="0"/>
-              </a:ext>
-            </a:extLst>
-          </a:blip>
-          <a:srcRect/>
-          <a:stretch>
-            <a:fillRect/>
-          </a:stretch>
-        </p:blipFill>
-        <p:spPr bwMode="auto">
+        </p:nvGrpSpPr>
+        <p:grpSpPr>
           <a:xfrm>
-            <a:off x="838200" y="1875668"/>
-            <a:ext cx="2606079" cy="1628799"/>
+            <a:off x="6218374" y="1660362"/>
+            <a:ext cx="4548514" cy="2254849"/>
+            <a:chOff x="6218374" y="1660362"/>
+            <a:chExt cx="4548514" cy="2254849"/>
           </a:xfrm>
-          <a:prstGeom prst="rect">
-            <a:avLst/>
-          </a:prstGeom>
-          <a:noFill/>
-          <a:extLst>
-            <a:ext uri="{909E8E84-426E-40DD-AFC4-6F175D3DCCD1}">
-              <a14:hiddenFill xmlns:a14="http://schemas.microsoft.com/office/drawing/2010/main">
-                <a:solidFill>
-                  <a:srgbClr val="FFFFFF"/>
-                </a:solidFill>
-              </a14:hiddenFill>
-            </a:ext>
-          </a:extLst>
-        </p:spPr>
-      </p:pic>
-      <p:pic>
-        <p:nvPicPr>
-          <p:cNvPr id="1028" name="Picture 4" descr="Preços baixos em Sapatos | eBay">
-            <a:extLst>
-              <a:ext uri="{FF2B5EF4-FFF2-40B4-BE49-F238E27FC236}">
-                <a16:creationId xmlns:a16="http://schemas.microsoft.com/office/drawing/2014/main" id="{98243BFE-DB44-FC97-581C-F486B6A7B73B}"/>
-              </a:ext>
-            </a:extLst>
-          </p:cNvPr>
-          <p:cNvPicPr>
-            <a:picLocks noChangeAspect="1" noChangeArrowheads="1"/>
-          </p:cNvPicPr>
-          <p:nvPr/>
-        </p:nvPicPr>
-        <p:blipFill>
-          <a:blip r:embed="rId4">
-            <a:extLst>
-              <a:ext uri="{28A0092B-C50C-407E-A947-70E740481C1C}">
-                <a14:useLocalDpi xmlns:a14="http://schemas.microsoft.com/office/drawing/2010/main" val="0"/>
-              </a:ext>
-            </a:extLst>
-          </a:blip>
-          <a:srcRect/>
-          <a:stretch>
-            <a:fillRect/>
-          </a:stretch>
-        </p:blipFill>
-        <p:spPr bwMode="auto">
-          <a:xfrm>
-            <a:off x="3538202" y="1881529"/>
-            <a:ext cx="2711945" cy="1368686"/>
-          </a:xfrm>
-          <a:prstGeom prst="rect">
-            <a:avLst/>
-          </a:prstGeom>
-          <a:noFill/>
-          <a:extLst>
-            <a:ext uri="{909E8E84-426E-40DD-AFC4-6F175D3DCCD1}">
-              <a14:hiddenFill xmlns:a14="http://schemas.microsoft.com/office/drawing/2010/main">
-                <a:solidFill>
-                  <a:srgbClr val="FFFFFF"/>
-                </a:solidFill>
-              </a14:hiddenFill>
-            </a:ext>
-          </a:extLst>
-        </p:spPr>
-      </p:pic>
-      <p:pic>
-        <p:nvPicPr>
-          <p:cNvPr id="1030" name="Picture 6" descr="17 Essential Shoes for Men in 2023: Sneakers, Loafers, Boots, Dress Shoes,  and More | GQ">
-            <a:extLst>
-              <a:ext uri="{FF2B5EF4-FFF2-40B4-BE49-F238E27FC236}">
-                <a16:creationId xmlns:a16="http://schemas.microsoft.com/office/drawing/2014/main" id="{CFC9462D-4929-503A-5AE8-14F616EC66AA}"/>
-              </a:ext>
-            </a:extLst>
-          </p:cNvPr>
-          <p:cNvPicPr>
-            <a:picLocks noChangeAspect="1" noChangeArrowheads="1"/>
-          </p:cNvPicPr>
-          <p:nvPr/>
-        </p:nvPicPr>
-        <p:blipFill>
-          <a:blip r:embed="rId5">
-            <a:extLst>
-              <a:ext uri="{28A0092B-C50C-407E-A947-70E740481C1C}">
-                <a14:useLocalDpi xmlns:a14="http://schemas.microsoft.com/office/drawing/2010/main" val="0"/>
-              </a:ext>
-            </a:extLst>
-          </a:blip>
-          <a:srcRect/>
-          <a:stretch>
-            <a:fillRect/>
-          </a:stretch>
-        </p:blipFill>
-        <p:spPr bwMode="auto">
-          <a:xfrm>
-            <a:off x="804977" y="5262470"/>
-            <a:ext cx="2639302" cy="1484607"/>
-          </a:xfrm>
-          <a:prstGeom prst="rect">
-            <a:avLst/>
-          </a:prstGeom>
-          <a:noFill/>
-          <a:extLst>
-            <a:ext uri="{909E8E84-426E-40DD-AFC4-6F175D3DCCD1}">
-              <a14:hiddenFill xmlns:a14="http://schemas.microsoft.com/office/drawing/2010/main">
-                <a:solidFill>
-                  <a:srgbClr val="FFFFFF"/>
-                </a:solidFill>
-              </a14:hiddenFill>
-            </a:ext>
-          </a:extLst>
-        </p:spPr>
-      </p:pic>
-      <p:pic>
-        <p:nvPicPr>
-          <p:cNvPr id="1032" name="Picture 8" descr="The 5 Best Water Shoes of 2023 | Reviews by Wirecutter">
-            <a:extLst>
-              <a:ext uri="{FF2B5EF4-FFF2-40B4-BE49-F238E27FC236}">
-                <a16:creationId xmlns:a16="http://schemas.microsoft.com/office/drawing/2014/main" id="{A90F23CC-4FF6-721E-5625-5AC321D203C4}"/>
-              </a:ext>
-            </a:extLst>
-          </p:cNvPr>
-          <p:cNvPicPr>
-            <a:picLocks noChangeAspect="1" noChangeArrowheads="1"/>
-          </p:cNvPicPr>
-          <p:nvPr/>
-        </p:nvPicPr>
-        <p:blipFill>
-          <a:blip r:embed="rId6">
-            <a:extLst>
-              <a:ext uri="{28A0092B-C50C-407E-A947-70E740481C1C}">
-                <a14:useLocalDpi xmlns:a14="http://schemas.microsoft.com/office/drawing/2010/main" val="0"/>
-              </a:ext>
-            </a:extLst>
-          </a:blip>
-          <a:srcRect/>
-          <a:stretch>
-            <a:fillRect/>
-          </a:stretch>
-        </p:blipFill>
-        <p:spPr bwMode="auto">
-          <a:xfrm>
-            <a:off x="3538202" y="3375627"/>
-            <a:ext cx="2711945" cy="1419251"/>
-          </a:xfrm>
-          <a:prstGeom prst="rect">
-            <a:avLst/>
-          </a:prstGeom>
-          <a:noFill/>
-          <a:extLst>
-            <a:ext uri="{909E8E84-426E-40DD-AFC4-6F175D3DCCD1}">
-              <a14:hiddenFill xmlns:a14="http://schemas.microsoft.com/office/drawing/2010/main">
-                <a:solidFill>
-                  <a:srgbClr val="FFFFFF"/>
-                </a:solidFill>
-              </a14:hiddenFill>
-            </a:ext>
-          </a:extLst>
-        </p:spPr>
-      </p:pic>
-      <p:pic>
-        <p:nvPicPr>
-          <p:cNvPr id="1034" name="Picture 10" descr="Shoe - Wikipedia">
-            <a:extLst>
-              <a:ext uri="{FF2B5EF4-FFF2-40B4-BE49-F238E27FC236}">
-                <a16:creationId xmlns:a16="http://schemas.microsoft.com/office/drawing/2014/main" id="{D02ACA22-9C4E-DF86-654C-61FC92B1108C}"/>
-              </a:ext>
-            </a:extLst>
-          </p:cNvPr>
-          <p:cNvPicPr>
-            <a:picLocks noChangeAspect="1" noChangeArrowheads="1"/>
-          </p:cNvPicPr>
-          <p:nvPr/>
-        </p:nvPicPr>
-        <p:blipFill>
-          <a:blip r:embed="rId7">
-            <a:extLst>
-              <a:ext uri="{28A0092B-C50C-407E-A947-70E740481C1C}">
-                <a14:useLocalDpi xmlns:a14="http://schemas.microsoft.com/office/drawing/2010/main" val="0"/>
-              </a:ext>
-            </a:extLst>
-          </a:blip>
-          <a:srcRect/>
-          <a:stretch>
-            <a:fillRect/>
-          </a:stretch>
-        </p:blipFill>
-        <p:spPr bwMode="auto">
-          <a:xfrm>
-            <a:off x="3754002" y="4920290"/>
-            <a:ext cx="2278897" cy="1837361"/>
-          </a:xfrm>
-          <a:prstGeom prst="rect">
-            <a:avLst/>
-          </a:prstGeom>
-          <a:noFill/>
-          <a:extLst>
-            <a:ext uri="{909E8E84-426E-40DD-AFC4-6F175D3DCCD1}">
-              <a14:hiddenFill xmlns:a14="http://schemas.microsoft.com/office/drawing/2010/main">
-                <a:solidFill>
-                  <a:srgbClr val="FFFFFF"/>
-                </a:solidFill>
-              </a14:hiddenFill>
-            </a:ext>
-          </a:extLst>
-        </p:spPr>
-      </p:pic>
-      <p:pic>
-        <p:nvPicPr>
-          <p:cNvPr id="1036" name="Picture 12" descr="The 9 Best Sandals of 2023 | Reviews by Wirecutter">
-            <a:extLst>
-              <a:ext uri="{FF2B5EF4-FFF2-40B4-BE49-F238E27FC236}">
-                <a16:creationId xmlns:a16="http://schemas.microsoft.com/office/drawing/2014/main" id="{5E8C2F52-8C11-31F1-A6C1-2BFD37C7E235}"/>
-              </a:ext>
-            </a:extLst>
-          </p:cNvPr>
-          <p:cNvPicPr>
-            <a:picLocks noChangeAspect="1" noChangeArrowheads="1"/>
-          </p:cNvPicPr>
-          <p:nvPr/>
-        </p:nvPicPr>
-        <p:blipFill>
-          <a:blip r:embed="rId8">
-            <a:extLst>
-              <a:ext uri="{28A0092B-C50C-407E-A947-70E740481C1C}">
-                <a14:useLocalDpi xmlns:a14="http://schemas.microsoft.com/office/drawing/2010/main" val="0"/>
-              </a:ext>
-            </a:extLst>
-          </a:blip>
-          <a:srcRect/>
-          <a:stretch>
-            <a:fillRect/>
-          </a:stretch>
-        </p:blipFill>
-        <p:spPr bwMode="auto">
-          <a:xfrm>
-            <a:off x="1001791" y="3623465"/>
-            <a:ext cx="2278896" cy="1520006"/>
-          </a:xfrm>
-          <a:prstGeom prst="rect">
-            <a:avLst/>
-          </a:prstGeom>
-          <a:noFill/>
-          <a:extLst>
-            <a:ext uri="{909E8E84-426E-40DD-AFC4-6F175D3DCCD1}">
-              <a14:hiddenFill xmlns:a14="http://schemas.microsoft.com/office/drawing/2010/main">
-                <a:solidFill>
-                  <a:srgbClr val="FFFFFF"/>
-                </a:solidFill>
-              </a14:hiddenFill>
-            </a:ext>
-          </a:extLst>
-        </p:spPr>
-      </p:pic>
+        </p:grpSpPr>
+        <p:sp>
+          <p:nvSpPr>
+            <p:cNvPr id="70" name="Elipse 69">
+              <a:extLst>
+                <a:ext uri="{FF2B5EF4-FFF2-40B4-BE49-F238E27FC236}">
+                  <a16:creationId xmlns:a16="http://schemas.microsoft.com/office/drawing/2014/main" id="{E39F3A4B-64FB-2235-50E9-685D30F3AF9A}"/>
+                </a:ext>
+              </a:extLst>
+            </p:cNvPr>
+            <p:cNvSpPr/>
+            <p:nvPr/>
+          </p:nvSpPr>
+          <p:spPr>
+            <a:xfrm>
+              <a:off x="8537971" y="2137838"/>
+              <a:ext cx="566057" cy="566057"/>
+            </a:xfrm>
+            <a:prstGeom prst="ellipse">
+              <a:avLst/>
+            </a:prstGeom>
+            <a:solidFill>
+              <a:schemeClr val="accent1"/>
+            </a:solidFill>
+            <a:ln>
+              <a:noFill/>
+            </a:ln>
+          </p:spPr>
+          <p:style>
+            <a:lnRef idx="2">
+              <a:schemeClr val="accent1">
+                <a:shade val="15000"/>
+              </a:schemeClr>
+            </a:lnRef>
+            <a:fillRef idx="1">
+              <a:schemeClr val="accent1"/>
+            </a:fillRef>
+            <a:effectRef idx="0">
+              <a:schemeClr val="accent1"/>
+            </a:effectRef>
+            <a:fontRef idx="minor">
+              <a:schemeClr val="lt1"/>
+            </a:fontRef>
+          </p:style>
+          <p:txBody>
+            <a:bodyPr rtlCol="0" anchor="ctr"/>
+            <a:lstStyle/>
+            <a:p>
+              <a:pPr algn="ctr"/>
+              <a:endParaRPr lang="pt-BR" dirty="0"/>
+            </a:p>
+          </p:txBody>
+        </p:sp>
+        <p:sp>
+          <p:nvSpPr>
+            <p:cNvPr id="71" name="Elipse 70">
+              <a:extLst>
+                <a:ext uri="{FF2B5EF4-FFF2-40B4-BE49-F238E27FC236}">
+                  <a16:creationId xmlns:a16="http://schemas.microsoft.com/office/drawing/2014/main" id="{DF98F044-6EC7-649C-5F00-E8E185E1D7C9}"/>
+                </a:ext>
+              </a:extLst>
+            </p:cNvPr>
+            <p:cNvSpPr/>
+            <p:nvPr/>
+          </p:nvSpPr>
+          <p:spPr>
+            <a:xfrm>
+              <a:off x="8542683" y="3006537"/>
+              <a:ext cx="566057" cy="566057"/>
+            </a:xfrm>
+            <a:prstGeom prst="ellipse">
+              <a:avLst/>
+            </a:prstGeom>
+            <a:solidFill>
+              <a:schemeClr val="accent1"/>
+            </a:solidFill>
+            <a:ln>
+              <a:noFill/>
+            </a:ln>
+          </p:spPr>
+          <p:style>
+            <a:lnRef idx="2">
+              <a:schemeClr val="accent1">
+                <a:shade val="15000"/>
+              </a:schemeClr>
+            </a:lnRef>
+            <a:fillRef idx="1">
+              <a:schemeClr val="accent1"/>
+            </a:fillRef>
+            <a:effectRef idx="0">
+              <a:schemeClr val="accent1"/>
+            </a:effectRef>
+            <a:fontRef idx="minor">
+              <a:schemeClr val="lt1"/>
+            </a:fontRef>
+          </p:style>
+          <p:txBody>
+            <a:bodyPr rtlCol="0" anchor="ctr"/>
+            <a:lstStyle/>
+            <a:p>
+              <a:pPr algn="ctr"/>
+              <a:endParaRPr lang="pt-BR" dirty="0"/>
+            </a:p>
+          </p:txBody>
+        </p:sp>
+        <p:sp>
+          <p:nvSpPr>
+            <p:cNvPr id="74" name="Elipse 73">
+              <a:extLst>
+                <a:ext uri="{FF2B5EF4-FFF2-40B4-BE49-F238E27FC236}">
+                  <a16:creationId xmlns:a16="http://schemas.microsoft.com/office/drawing/2014/main" id="{BEBB560D-575B-4DBD-0B2E-E34BE81E94AA}"/>
+                </a:ext>
+              </a:extLst>
+            </p:cNvPr>
+            <p:cNvSpPr/>
+            <p:nvPr/>
+          </p:nvSpPr>
+          <p:spPr>
+            <a:xfrm>
+              <a:off x="9598398" y="2145263"/>
+              <a:ext cx="566057" cy="566057"/>
+            </a:xfrm>
+            <a:prstGeom prst="ellipse">
+              <a:avLst/>
+            </a:prstGeom>
+            <a:solidFill>
+              <a:schemeClr val="bg1">
+                <a:lumMod val="85000"/>
+              </a:schemeClr>
+            </a:solidFill>
+            <a:ln>
+              <a:noFill/>
+            </a:ln>
+          </p:spPr>
+          <p:style>
+            <a:lnRef idx="2">
+              <a:schemeClr val="accent1">
+                <a:shade val="15000"/>
+              </a:schemeClr>
+            </a:lnRef>
+            <a:fillRef idx="1">
+              <a:schemeClr val="accent1"/>
+            </a:fillRef>
+            <a:effectRef idx="0">
+              <a:schemeClr val="accent1"/>
+            </a:effectRef>
+            <a:fontRef idx="minor">
+              <a:schemeClr val="lt1"/>
+            </a:fontRef>
+          </p:style>
+          <p:txBody>
+            <a:bodyPr rtlCol="0" anchor="ctr"/>
+            <a:lstStyle/>
+            <a:p>
+              <a:pPr algn="ctr"/>
+              <a:endParaRPr lang="pt-BR" dirty="0"/>
+            </a:p>
+          </p:txBody>
+        </p:sp>
+        <p:sp>
+          <p:nvSpPr>
+            <p:cNvPr id="75" name="Elipse 74">
+              <a:extLst>
+                <a:ext uri="{FF2B5EF4-FFF2-40B4-BE49-F238E27FC236}">
+                  <a16:creationId xmlns:a16="http://schemas.microsoft.com/office/drawing/2014/main" id="{BF05E553-A4B6-2700-1A50-86263F929DB4}"/>
+                </a:ext>
+              </a:extLst>
+            </p:cNvPr>
+            <p:cNvSpPr/>
+            <p:nvPr/>
+          </p:nvSpPr>
+          <p:spPr>
+            <a:xfrm>
+              <a:off x="7336911" y="1802806"/>
+              <a:ext cx="566057" cy="566057"/>
+            </a:xfrm>
+            <a:prstGeom prst="ellipse">
+              <a:avLst/>
+            </a:prstGeom>
+            <a:solidFill>
+              <a:schemeClr val="accent2"/>
+            </a:solidFill>
+            <a:ln>
+              <a:noFill/>
+            </a:ln>
+          </p:spPr>
+          <p:style>
+            <a:lnRef idx="2">
+              <a:schemeClr val="accent1">
+                <a:shade val="15000"/>
+              </a:schemeClr>
+            </a:lnRef>
+            <a:fillRef idx="1">
+              <a:schemeClr val="accent1"/>
+            </a:fillRef>
+            <a:effectRef idx="0">
+              <a:schemeClr val="accent1"/>
+            </a:effectRef>
+            <a:fontRef idx="minor">
+              <a:schemeClr val="lt1"/>
+            </a:fontRef>
+          </p:style>
+          <p:txBody>
+            <a:bodyPr rtlCol="0" anchor="ctr"/>
+            <a:lstStyle/>
+            <a:p>
+              <a:pPr algn="ctr"/>
+              <a:endParaRPr lang="pt-BR" dirty="0"/>
+            </a:p>
+          </p:txBody>
+        </p:sp>
+        <p:sp>
+          <p:nvSpPr>
+            <p:cNvPr id="76" name="Elipse 75">
+              <a:extLst>
+                <a:ext uri="{FF2B5EF4-FFF2-40B4-BE49-F238E27FC236}">
+                  <a16:creationId xmlns:a16="http://schemas.microsoft.com/office/drawing/2014/main" id="{27CFCEF1-AEFB-C082-434A-97CB57A09EC5}"/>
+                </a:ext>
+              </a:extLst>
+            </p:cNvPr>
+            <p:cNvSpPr/>
+            <p:nvPr/>
+          </p:nvSpPr>
+          <p:spPr>
+            <a:xfrm>
+              <a:off x="7341623" y="2572060"/>
+              <a:ext cx="566057" cy="566057"/>
+            </a:xfrm>
+            <a:prstGeom prst="ellipse">
+              <a:avLst/>
+            </a:prstGeom>
+            <a:solidFill>
+              <a:schemeClr val="accent2"/>
+            </a:solidFill>
+            <a:ln>
+              <a:noFill/>
+            </a:ln>
+          </p:spPr>
+          <p:style>
+            <a:lnRef idx="2">
+              <a:schemeClr val="accent1">
+                <a:shade val="15000"/>
+              </a:schemeClr>
+            </a:lnRef>
+            <a:fillRef idx="1">
+              <a:schemeClr val="accent1"/>
+            </a:fillRef>
+            <a:effectRef idx="0">
+              <a:schemeClr val="accent1"/>
+            </a:effectRef>
+            <a:fontRef idx="minor">
+              <a:schemeClr val="lt1"/>
+            </a:fontRef>
+          </p:style>
+          <p:txBody>
+            <a:bodyPr rtlCol="0" anchor="ctr"/>
+            <a:lstStyle/>
+            <a:p>
+              <a:pPr algn="ctr"/>
+              <a:endParaRPr lang="pt-BR" dirty="0"/>
+            </a:p>
+          </p:txBody>
+        </p:sp>
+        <p:sp>
+          <p:nvSpPr>
+            <p:cNvPr id="77" name="Elipse 76">
+              <a:extLst>
+                <a:ext uri="{FF2B5EF4-FFF2-40B4-BE49-F238E27FC236}">
+                  <a16:creationId xmlns:a16="http://schemas.microsoft.com/office/drawing/2014/main" id="{E3D2A773-2748-DC35-14AF-C5BE6612412B}"/>
+                </a:ext>
+              </a:extLst>
+            </p:cNvPr>
+            <p:cNvSpPr/>
+            <p:nvPr/>
+          </p:nvSpPr>
+          <p:spPr>
+            <a:xfrm>
+              <a:off x="7336911" y="3349154"/>
+              <a:ext cx="566057" cy="566057"/>
+            </a:xfrm>
+            <a:prstGeom prst="ellipse">
+              <a:avLst/>
+            </a:prstGeom>
+            <a:solidFill>
+              <a:schemeClr val="accent2"/>
+            </a:solidFill>
+            <a:ln>
+              <a:noFill/>
+            </a:ln>
+          </p:spPr>
+          <p:style>
+            <a:lnRef idx="2">
+              <a:schemeClr val="accent1">
+                <a:shade val="15000"/>
+              </a:schemeClr>
+            </a:lnRef>
+            <a:fillRef idx="1">
+              <a:schemeClr val="accent1"/>
+            </a:fillRef>
+            <a:effectRef idx="0">
+              <a:schemeClr val="accent1"/>
+            </a:effectRef>
+            <a:fontRef idx="minor">
+              <a:schemeClr val="lt1"/>
+            </a:fontRef>
+          </p:style>
+          <p:txBody>
+            <a:bodyPr rtlCol="0" anchor="ctr"/>
+            <a:lstStyle/>
+            <a:p>
+              <a:pPr algn="ctr"/>
+              <a:endParaRPr lang="pt-BR" dirty="0"/>
+            </a:p>
+          </p:txBody>
+        </p:sp>
+        <p:cxnSp>
+          <p:nvCxnSpPr>
+            <p:cNvPr id="78" name="Conector de Seta Reta 77">
+              <a:extLst>
+                <a:ext uri="{FF2B5EF4-FFF2-40B4-BE49-F238E27FC236}">
+                  <a16:creationId xmlns:a16="http://schemas.microsoft.com/office/drawing/2014/main" id="{B2BAB490-DFBB-4466-36D6-521D097CA343}"/>
+                </a:ext>
+              </a:extLst>
+            </p:cNvPr>
+            <p:cNvCxnSpPr>
+              <a:stCxn id="75" idx="6"/>
+              <a:endCxn id="70" idx="2"/>
+            </p:cNvCxnSpPr>
+            <p:nvPr/>
+          </p:nvCxnSpPr>
+          <p:spPr>
+            <a:xfrm>
+              <a:off x="7902968" y="2085835"/>
+              <a:ext cx="635003" cy="335032"/>
+            </a:xfrm>
+            <a:prstGeom prst="straightConnector1">
+              <a:avLst/>
+            </a:prstGeom>
+            <a:ln>
+              <a:tailEnd type="triangle"/>
+            </a:ln>
+          </p:spPr>
+          <p:style>
+            <a:lnRef idx="1">
+              <a:schemeClr val="accent1"/>
+            </a:lnRef>
+            <a:fillRef idx="0">
+              <a:schemeClr val="accent1"/>
+            </a:fillRef>
+            <a:effectRef idx="0">
+              <a:schemeClr val="accent1"/>
+            </a:effectRef>
+            <a:fontRef idx="minor">
+              <a:schemeClr val="tx1"/>
+            </a:fontRef>
+          </p:style>
+        </p:cxnSp>
+        <p:cxnSp>
+          <p:nvCxnSpPr>
+            <p:cNvPr id="79" name="Conector de Seta Reta 78">
+              <a:extLst>
+                <a:ext uri="{FF2B5EF4-FFF2-40B4-BE49-F238E27FC236}">
+                  <a16:creationId xmlns:a16="http://schemas.microsoft.com/office/drawing/2014/main" id="{D7D4B9E9-842B-6C79-0A0A-3BEFD76F9058}"/>
+                </a:ext>
+              </a:extLst>
+            </p:cNvPr>
+            <p:cNvCxnSpPr>
+              <a:stCxn id="75" idx="6"/>
+              <a:endCxn id="71" idx="2"/>
+            </p:cNvCxnSpPr>
+            <p:nvPr/>
+          </p:nvCxnSpPr>
+          <p:spPr>
+            <a:xfrm>
+              <a:off x="7902968" y="2085835"/>
+              <a:ext cx="639715" cy="1203731"/>
+            </a:xfrm>
+            <a:prstGeom prst="straightConnector1">
+              <a:avLst/>
+            </a:prstGeom>
+            <a:ln>
+              <a:tailEnd type="triangle"/>
+            </a:ln>
+          </p:spPr>
+          <p:style>
+            <a:lnRef idx="1">
+              <a:schemeClr val="accent1"/>
+            </a:lnRef>
+            <a:fillRef idx="0">
+              <a:schemeClr val="accent1"/>
+            </a:fillRef>
+            <a:effectRef idx="0">
+              <a:schemeClr val="accent1"/>
+            </a:effectRef>
+            <a:fontRef idx="minor">
+              <a:schemeClr val="tx1"/>
+            </a:fontRef>
+          </p:style>
+        </p:cxnSp>
+        <p:cxnSp>
+          <p:nvCxnSpPr>
+            <p:cNvPr id="82" name="Conector de Seta Reta 81">
+              <a:extLst>
+                <a:ext uri="{FF2B5EF4-FFF2-40B4-BE49-F238E27FC236}">
+                  <a16:creationId xmlns:a16="http://schemas.microsoft.com/office/drawing/2014/main" id="{EBDF0578-04AC-7B56-6BAB-F9BB4FA83FFF}"/>
+                </a:ext>
+              </a:extLst>
+            </p:cNvPr>
+            <p:cNvCxnSpPr>
+              <a:stCxn id="76" idx="6"/>
+              <a:endCxn id="70" idx="2"/>
+            </p:cNvCxnSpPr>
+            <p:nvPr/>
+          </p:nvCxnSpPr>
+          <p:spPr>
+            <a:xfrm flipV="1">
+              <a:off x="7907680" y="2420867"/>
+              <a:ext cx="630291" cy="434222"/>
+            </a:xfrm>
+            <a:prstGeom prst="straightConnector1">
+              <a:avLst/>
+            </a:prstGeom>
+            <a:ln>
+              <a:tailEnd type="triangle"/>
+            </a:ln>
+          </p:spPr>
+          <p:style>
+            <a:lnRef idx="1">
+              <a:schemeClr val="accent1"/>
+            </a:lnRef>
+            <a:fillRef idx="0">
+              <a:schemeClr val="accent1"/>
+            </a:fillRef>
+            <a:effectRef idx="0">
+              <a:schemeClr val="accent1"/>
+            </a:effectRef>
+            <a:fontRef idx="minor">
+              <a:schemeClr val="tx1"/>
+            </a:fontRef>
+          </p:style>
+        </p:cxnSp>
+        <p:cxnSp>
+          <p:nvCxnSpPr>
+            <p:cNvPr id="83" name="Conector de Seta Reta 82">
+              <a:extLst>
+                <a:ext uri="{FF2B5EF4-FFF2-40B4-BE49-F238E27FC236}">
+                  <a16:creationId xmlns:a16="http://schemas.microsoft.com/office/drawing/2014/main" id="{83A54A11-C9A8-C310-A9B2-5062C99ADFA0}"/>
+                </a:ext>
+              </a:extLst>
+            </p:cNvPr>
+            <p:cNvCxnSpPr>
+              <a:stCxn id="77" idx="6"/>
+              <a:endCxn id="71" idx="2"/>
+            </p:cNvCxnSpPr>
+            <p:nvPr/>
+          </p:nvCxnSpPr>
+          <p:spPr>
+            <a:xfrm flipV="1">
+              <a:off x="7902968" y="3289566"/>
+              <a:ext cx="639715" cy="342617"/>
+            </a:xfrm>
+            <a:prstGeom prst="straightConnector1">
+              <a:avLst/>
+            </a:prstGeom>
+            <a:ln>
+              <a:tailEnd type="triangle"/>
+            </a:ln>
+          </p:spPr>
+          <p:style>
+            <a:lnRef idx="1">
+              <a:schemeClr val="accent1"/>
+            </a:lnRef>
+            <a:fillRef idx="0">
+              <a:schemeClr val="accent1"/>
+            </a:fillRef>
+            <a:effectRef idx="0">
+              <a:schemeClr val="accent1"/>
+            </a:effectRef>
+            <a:fontRef idx="minor">
+              <a:schemeClr val="tx1"/>
+            </a:fontRef>
+          </p:style>
+        </p:cxnSp>
+        <p:cxnSp>
+          <p:nvCxnSpPr>
+            <p:cNvPr id="84" name="Conector de Seta Reta 83">
+              <a:extLst>
+                <a:ext uri="{FF2B5EF4-FFF2-40B4-BE49-F238E27FC236}">
+                  <a16:creationId xmlns:a16="http://schemas.microsoft.com/office/drawing/2014/main" id="{291A467E-1B89-5035-78D7-8924D0BF68AD}"/>
+                </a:ext>
+              </a:extLst>
+            </p:cNvPr>
+            <p:cNvCxnSpPr>
+              <a:stCxn id="76" idx="6"/>
+              <a:endCxn id="71" idx="2"/>
+            </p:cNvCxnSpPr>
+            <p:nvPr/>
+          </p:nvCxnSpPr>
+          <p:spPr>
+            <a:xfrm>
+              <a:off x="7907680" y="2855089"/>
+              <a:ext cx="635003" cy="434477"/>
+            </a:xfrm>
+            <a:prstGeom prst="straightConnector1">
+              <a:avLst/>
+            </a:prstGeom>
+            <a:ln>
+              <a:tailEnd type="triangle"/>
+            </a:ln>
+          </p:spPr>
+          <p:style>
+            <a:lnRef idx="1">
+              <a:schemeClr val="accent1"/>
+            </a:lnRef>
+            <a:fillRef idx="0">
+              <a:schemeClr val="accent1"/>
+            </a:fillRef>
+            <a:effectRef idx="0">
+              <a:schemeClr val="accent1"/>
+            </a:effectRef>
+            <a:fontRef idx="minor">
+              <a:schemeClr val="tx1"/>
+            </a:fontRef>
+          </p:style>
+        </p:cxnSp>
+        <p:cxnSp>
+          <p:nvCxnSpPr>
+            <p:cNvPr id="87" name="Conector de Seta Reta 86">
+              <a:extLst>
+                <a:ext uri="{FF2B5EF4-FFF2-40B4-BE49-F238E27FC236}">
+                  <a16:creationId xmlns:a16="http://schemas.microsoft.com/office/drawing/2014/main" id="{2621631A-F5A0-ECF4-2A62-1B4379F6F00A}"/>
+                </a:ext>
+              </a:extLst>
+            </p:cNvPr>
+            <p:cNvCxnSpPr>
+              <a:stCxn id="77" idx="6"/>
+              <a:endCxn id="70" idx="2"/>
+            </p:cNvCxnSpPr>
+            <p:nvPr/>
+          </p:nvCxnSpPr>
+          <p:spPr>
+            <a:xfrm flipV="1">
+              <a:off x="7902968" y="2420867"/>
+              <a:ext cx="635003" cy="1211316"/>
+            </a:xfrm>
+            <a:prstGeom prst="straightConnector1">
+              <a:avLst/>
+            </a:prstGeom>
+            <a:ln>
+              <a:tailEnd type="triangle"/>
+            </a:ln>
+          </p:spPr>
+          <p:style>
+            <a:lnRef idx="1">
+              <a:schemeClr val="accent1"/>
+            </a:lnRef>
+            <a:fillRef idx="0">
+              <a:schemeClr val="accent1"/>
+            </a:fillRef>
+            <a:effectRef idx="0">
+              <a:schemeClr val="accent1"/>
+            </a:effectRef>
+            <a:fontRef idx="minor">
+              <a:schemeClr val="tx1"/>
+            </a:fontRef>
+          </p:style>
+        </p:cxnSp>
+        <p:cxnSp>
+          <p:nvCxnSpPr>
+            <p:cNvPr id="90" name="Conector de Seta Reta 89">
+              <a:extLst>
+                <a:ext uri="{FF2B5EF4-FFF2-40B4-BE49-F238E27FC236}">
+                  <a16:creationId xmlns:a16="http://schemas.microsoft.com/office/drawing/2014/main" id="{2597FE04-EA07-B79C-6CE5-7D86C99CC3DF}"/>
+                </a:ext>
+              </a:extLst>
+            </p:cNvPr>
+            <p:cNvCxnSpPr>
+              <a:cxnSpLocks/>
+              <a:stCxn id="93" idx="3"/>
+              <a:endCxn id="75" idx="2"/>
+            </p:cNvCxnSpPr>
+            <p:nvPr/>
+          </p:nvCxnSpPr>
+          <p:spPr>
+            <a:xfrm>
+              <a:off x="6731944" y="2081731"/>
+              <a:ext cx="604967" cy="4104"/>
+            </a:xfrm>
+            <a:prstGeom prst="straightConnector1">
+              <a:avLst/>
+            </a:prstGeom>
+            <a:ln>
+              <a:tailEnd type="triangle"/>
+            </a:ln>
+          </p:spPr>
+          <p:style>
+            <a:lnRef idx="1">
+              <a:schemeClr val="accent1"/>
+            </a:lnRef>
+            <a:fillRef idx="0">
+              <a:schemeClr val="accent1"/>
+            </a:fillRef>
+            <a:effectRef idx="0">
+              <a:schemeClr val="accent1"/>
+            </a:effectRef>
+            <a:fontRef idx="minor">
+              <a:schemeClr val="tx1"/>
+            </a:fontRef>
+          </p:style>
+        </p:cxnSp>
+        <p:cxnSp>
+          <p:nvCxnSpPr>
+            <p:cNvPr id="91" name="Conector reto 90">
+              <a:extLst>
+                <a:ext uri="{FF2B5EF4-FFF2-40B4-BE49-F238E27FC236}">
+                  <a16:creationId xmlns:a16="http://schemas.microsoft.com/office/drawing/2014/main" id="{9C927A19-D05F-033A-8092-7F8E7F2634FB}"/>
+                </a:ext>
+              </a:extLst>
+            </p:cNvPr>
+            <p:cNvCxnSpPr>
+              <a:cxnSpLocks/>
+              <a:stCxn id="100" idx="3"/>
+              <a:endCxn id="76" idx="2"/>
+            </p:cNvCxnSpPr>
+            <p:nvPr/>
+          </p:nvCxnSpPr>
+          <p:spPr>
+            <a:xfrm flipV="1">
+              <a:off x="6742024" y="2855089"/>
+              <a:ext cx="599599" cy="775074"/>
+            </a:xfrm>
+            <a:prstGeom prst="line">
+              <a:avLst/>
+            </a:prstGeom>
+            <a:ln>
+              <a:headEnd type="none" w="med" len="med"/>
+              <a:tailEnd type="triangle" w="med" len="med"/>
+            </a:ln>
+          </p:spPr>
+          <p:style>
+            <a:lnRef idx="1">
+              <a:schemeClr val="accent1"/>
+            </a:lnRef>
+            <a:fillRef idx="0">
+              <a:schemeClr val="accent1"/>
+            </a:fillRef>
+            <a:effectRef idx="0">
+              <a:schemeClr val="accent1"/>
+            </a:effectRef>
+            <a:fontRef idx="minor">
+              <a:schemeClr val="tx1"/>
+            </a:fontRef>
+          </p:style>
+        </p:cxnSp>
+        <p:cxnSp>
+          <p:nvCxnSpPr>
+            <p:cNvPr id="92" name="Conector de Seta Reta 91">
+              <a:extLst>
+                <a:ext uri="{FF2B5EF4-FFF2-40B4-BE49-F238E27FC236}">
+                  <a16:creationId xmlns:a16="http://schemas.microsoft.com/office/drawing/2014/main" id="{3340A5B3-AC11-0395-547D-9CC723CDBB43}"/>
+                </a:ext>
+              </a:extLst>
+            </p:cNvPr>
+            <p:cNvCxnSpPr>
+              <a:cxnSpLocks/>
+              <a:stCxn id="74" idx="6"/>
+            </p:cNvCxnSpPr>
+            <p:nvPr/>
+          </p:nvCxnSpPr>
+          <p:spPr>
+            <a:xfrm flipV="1">
+              <a:off x="10164455" y="2427130"/>
+              <a:ext cx="257585" cy="1162"/>
+            </a:xfrm>
+            <a:prstGeom prst="straightConnector1">
+              <a:avLst/>
+            </a:prstGeom>
+            <a:ln>
+              <a:tailEnd type="triangle"/>
+            </a:ln>
+          </p:spPr>
+          <p:style>
+            <a:lnRef idx="1">
+              <a:schemeClr val="accent1"/>
+            </a:lnRef>
+            <a:fillRef idx="0">
+              <a:schemeClr val="accent1"/>
+            </a:fillRef>
+            <a:effectRef idx="0">
+              <a:schemeClr val="accent1"/>
+            </a:effectRef>
+            <a:fontRef idx="minor">
+              <a:schemeClr val="tx1"/>
+            </a:fontRef>
+          </p:style>
+        </p:cxnSp>
+        <mc:AlternateContent xmlns:mc="http://schemas.openxmlformats.org/markup-compatibility/2006">
+          <mc:Choice xmlns:a14="http://schemas.microsoft.com/office/drawing/2010/main" Requires="a14">
+            <p:sp>
+              <p:nvSpPr>
+                <p:cNvPr id="93" name="CaixaDeTexto 92">
+                  <a:extLst>
+                    <a:ext uri="{FF2B5EF4-FFF2-40B4-BE49-F238E27FC236}">
+                      <a16:creationId xmlns:a16="http://schemas.microsoft.com/office/drawing/2014/main" id="{544DA558-5359-4C3E-4014-16F3FE77B6BF}"/>
+                    </a:ext>
+                  </a:extLst>
+                </p:cNvPr>
+                <p:cNvSpPr txBox="1"/>
+                <p:nvPr/>
+              </p:nvSpPr>
+              <p:spPr>
+                <a:xfrm>
+                  <a:off x="6386920" y="1897065"/>
+                  <a:ext cx="345024" cy="369332"/>
+                </a:xfrm>
+                <a:prstGeom prst="rect">
+                  <a:avLst/>
+                </a:prstGeom>
+                <a:noFill/>
+              </p:spPr>
+              <p:txBody>
+                <a:bodyPr wrap="square" rtlCol="0">
+                  <a:spAutoFit/>
+                </a:bodyPr>
+                <a:lstStyle/>
+                <a:p>
+                  <a:pPr/>
+                  <a14:m>
+                    <m:oMathPara xmlns:m="http://schemas.openxmlformats.org/officeDocument/2006/math">
+                      <m:oMathParaPr>
+                        <m:jc m:val="centerGroup"/>
+                      </m:oMathParaPr>
+                      <m:oMath xmlns:m="http://schemas.openxmlformats.org/officeDocument/2006/math">
+                        <m:sSub>
+                          <m:sSubPr>
+                            <m:ctrlPr>
+                              <a:rPr lang="pt-BR" i="1" smtClean="0">
+                                <a:latin typeface="Cambria Math" panose="02040503050406030204" pitchFamily="18" charset="0"/>
+                              </a:rPr>
+                            </m:ctrlPr>
+                          </m:sSubPr>
+                          <m:e>
+                            <m:r>
+                              <a:rPr lang="pt-BR" b="0" i="1" smtClean="0">
+                                <a:latin typeface="Cambria Math" panose="02040503050406030204" pitchFamily="18" charset="0"/>
+                              </a:rPr>
+                              <m:t>𝑥</m:t>
+                            </m:r>
+                          </m:e>
+                          <m:sub>
+                            <m:r>
+                              <a:rPr lang="pt-BR" b="0" i="1" smtClean="0">
+                                <a:latin typeface="Cambria Math" panose="02040503050406030204" pitchFamily="18" charset="0"/>
+                              </a:rPr>
+                              <m:t>1</m:t>
+                            </m:r>
+                          </m:sub>
+                        </m:sSub>
+                      </m:oMath>
+                    </m:oMathPara>
+                  </a14:m>
+                  <a:endParaRPr lang="pt-BR" dirty="0"/>
+                </a:p>
+              </p:txBody>
+            </p:sp>
+          </mc:Choice>
+          <mc:Fallback>
+            <p:sp>
+              <p:nvSpPr>
+                <p:cNvPr id="93" name="CaixaDeTexto 92">
+                  <a:extLst>
+                    <a:ext uri="{FF2B5EF4-FFF2-40B4-BE49-F238E27FC236}">
+                      <a16:creationId xmlns:a16="http://schemas.microsoft.com/office/drawing/2014/main" id="{544DA558-5359-4C3E-4014-16F3FE77B6BF}"/>
+                    </a:ext>
+                  </a:extLst>
+                </p:cNvPr>
+                <p:cNvSpPr txBox="1">
+                  <a:spLocks noRot="1" noChangeAspect="1" noMove="1" noResize="1" noEditPoints="1" noAdjustHandles="1" noChangeArrowheads="1" noChangeShapeType="1" noTextEdit="1"/>
+                </p:cNvSpPr>
+                <p:nvPr/>
+              </p:nvSpPr>
+              <p:spPr>
+                <a:xfrm>
+                  <a:off x="6386920" y="1897065"/>
+                  <a:ext cx="345024" cy="369332"/>
+                </a:xfrm>
+                <a:prstGeom prst="rect">
+                  <a:avLst/>
+                </a:prstGeom>
+                <a:blipFill>
+                  <a:blip r:embed="rId8"/>
+                  <a:stretch>
+                    <a:fillRect r="-5357"/>
+                  </a:stretch>
+                </a:blipFill>
+              </p:spPr>
+              <p:txBody>
+                <a:bodyPr/>
+                <a:lstStyle/>
+                <a:p>
+                  <a:r>
+                    <a:rPr lang="pt-BR">
+                      <a:noFill/>
+                    </a:rPr>
+                    <a:t> </a:t>
+                  </a:r>
+                </a:p>
+              </p:txBody>
+            </p:sp>
+          </mc:Fallback>
+        </mc:AlternateContent>
+        <mc:AlternateContent xmlns:mc="http://schemas.openxmlformats.org/markup-compatibility/2006">
+          <mc:Choice xmlns:a14="http://schemas.microsoft.com/office/drawing/2010/main" Requires="a14">
+            <p:sp>
+              <p:nvSpPr>
+                <p:cNvPr id="94" name="CaixaDeTexto 93">
+                  <a:extLst>
+                    <a:ext uri="{FF2B5EF4-FFF2-40B4-BE49-F238E27FC236}">
+                      <a16:creationId xmlns:a16="http://schemas.microsoft.com/office/drawing/2014/main" id="{241B9106-00CD-B044-0971-533326B85243}"/>
+                    </a:ext>
+                  </a:extLst>
+                </p:cNvPr>
+                <p:cNvSpPr txBox="1"/>
+                <p:nvPr/>
+              </p:nvSpPr>
+              <p:spPr>
+                <a:xfrm>
+                  <a:off x="6363161" y="2666319"/>
+                  <a:ext cx="370290" cy="369332"/>
+                </a:xfrm>
+                <a:prstGeom prst="rect">
+                  <a:avLst/>
+                </a:prstGeom>
+                <a:noFill/>
+              </p:spPr>
+              <p:txBody>
+                <a:bodyPr wrap="square" rtlCol="0">
+                  <a:spAutoFit/>
+                </a:bodyPr>
+                <a:lstStyle/>
+                <a:p>
+                  <a:pPr/>
+                  <a14:m>
+                    <m:oMathPara xmlns:m="http://schemas.openxmlformats.org/officeDocument/2006/math">
+                      <m:oMathParaPr>
+                        <m:jc m:val="centerGroup"/>
+                      </m:oMathParaPr>
+                      <m:oMath xmlns:m="http://schemas.openxmlformats.org/officeDocument/2006/math">
+                        <m:sSub>
+                          <m:sSubPr>
+                            <m:ctrlPr>
+                              <a:rPr lang="pt-BR" i="1" smtClean="0">
+                                <a:latin typeface="Cambria Math" panose="02040503050406030204" pitchFamily="18" charset="0"/>
+                              </a:rPr>
+                            </m:ctrlPr>
+                          </m:sSubPr>
+                          <m:e>
+                            <m:r>
+                              <a:rPr lang="pt-BR" b="0" i="1" smtClean="0">
+                                <a:latin typeface="Cambria Math" panose="02040503050406030204" pitchFamily="18" charset="0"/>
+                              </a:rPr>
+                              <m:t>𝑥</m:t>
+                            </m:r>
+                          </m:e>
+                          <m:sub>
+                            <m:r>
+                              <a:rPr lang="pt-BR" b="0" i="1" smtClean="0">
+                                <a:latin typeface="Cambria Math" panose="02040503050406030204" pitchFamily="18" charset="0"/>
+                              </a:rPr>
+                              <m:t>2</m:t>
+                            </m:r>
+                          </m:sub>
+                        </m:sSub>
+                      </m:oMath>
+                    </m:oMathPara>
+                  </a14:m>
+                  <a:endParaRPr lang="pt-BR" dirty="0"/>
+                </a:p>
+              </p:txBody>
+            </p:sp>
+          </mc:Choice>
+          <mc:Fallback>
+            <p:sp>
+              <p:nvSpPr>
+                <p:cNvPr id="94" name="CaixaDeTexto 93">
+                  <a:extLst>
+                    <a:ext uri="{FF2B5EF4-FFF2-40B4-BE49-F238E27FC236}">
+                      <a16:creationId xmlns:a16="http://schemas.microsoft.com/office/drawing/2014/main" id="{241B9106-00CD-B044-0971-533326B85243}"/>
+                    </a:ext>
+                  </a:extLst>
+                </p:cNvPr>
+                <p:cNvSpPr txBox="1">
+                  <a:spLocks noRot="1" noChangeAspect="1" noMove="1" noResize="1" noEditPoints="1" noAdjustHandles="1" noChangeArrowheads="1" noChangeShapeType="1" noTextEdit="1"/>
+                </p:cNvSpPr>
+                <p:nvPr/>
+              </p:nvSpPr>
+              <p:spPr>
+                <a:xfrm>
+                  <a:off x="6363161" y="2666319"/>
+                  <a:ext cx="370290" cy="369332"/>
+                </a:xfrm>
+                <a:prstGeom prst="rect">
+                  <a:avLst/>
+                </a:prstGeom>
+                <a:blipFill>
+                  <a:blip r:embed="rId9"/>
+                  <a:stretch>
+                    <a:fillRect/>
+                  </a:stretch>
+                </a:blipFill>
+              </p:spPr>
+              <p:txBody>
+                <a:bodyPr/>
+                <a:lstStyle/>
+                <a:p>
+                  <a:r>
+                    <a:rPr lang="pt-BR">
+                      <a:noFill/>
+                    </a:rPr>
+                    <a:t> </a:t>
+                  </a:r>
+                </a:p>
+              </p:txBody>
+            </p:sp>
+          </mc:Fallback>
+        </mc:AlternateContent>
+        <mc:AlternateContent xmlns:mc="http://schemas.openxmlformats.org/markup-compatibility/2006">
+          <mc:Choice xmlns:a14="http://schemas.microsoft.com/office/drawing/2010/main" Requires="a14">
+            <p:sp>
+              <p:nvSpPr>
+                <p:cNvPr id="100" name="CaixaDeTexto 99">
+                  <a:extLst>
+                    <a:ext uri="{FF2B5EF4-FFF2-40B4-BE49-F238E27FC236}">
+                      <a16:creationId xmlns:a16="http://schemas.microsoft.com/office/drawing/2014/main" id="{1053A238-3190-88FD-D41E-ED5A191CE7C8}"/>
+                    </a:ext>
+                  </a:extLst>
+                </p:cNvPr>
+                <p:cNvSpPr txBox="1"/>
+                <p:nvPr/>
+              </p:nvSpPr>
+              <p:spPr>
+                <a:xfrm>
+                  <a:off x="6359484" y="3445497"/>
+                  <a:ext cx="382540" cy="369332"/>
+                </a:xfrm>
+                <a:prstGeom prst="rect">
+                  <a:avLst/>
+                </a:prstGeom>
+                <a:noFill/>
+              </p:spPr>
+              <p:txBody>
+                <a:bodyPr wrap="square" rtlCol="0">
+                  <a:spAutoFit/>
+                </a:bodyPr>
+                <a:lstStyle/>
+                <a:p>
+                  <a:pPr/>
+                  <a14:m>
+                    <m:oMathPara xmlns:m="http://schemas.openxmlformats.org/officeDocument/2006/math">
+                      <m:oMathParaPr>
+                        <m:jc m:val="centerGroup"/>
+                      </m:oMathParaPr>
+                      <m:oMath xmlns:m="http://schemas.openxmlformats.org/officeDocument/2006/math">
+                        <m:sSub>
+                          <m:sSubPr>
+                            <m:ctrlPr>
+                              <a:rPr lang="pt-BR" i="1" smtClean="0">
+                                <a:latin typeface="Cambria Math" panose="02040503050406030204" pitchFamily="18" charset="0"/>
+                              </a:rPr>
+                            </m:ctrlPr>
+                          </m:sSubPr>
+                          <m:e>
+                            <m:r>
+                              <a:rPr lang="pt-BR" b="0" i="1" smtClean="0">
+                                <a:latin typeface="Cambria Math" panose="02040503050406030204" pitchFamily="18" charset="0"/>
+                              </a:rPr>
+                              <m:t>𝑥</m:t>
+                            </m:r>
+                          </m:e>
+                          <m:sub>
+                            <m:r>
+                              <a:rPr lang="pt-BR" b="0" i="1" smtClean="0">
+                                <a:latin typeface="Cambria Math" panose="02040503050406030204" pitchFamily="18" charset="0"/>
+                              </a:rPr>
+                              <m:t>𝐾</m:t>
+                            </m:r>
+                          </m:sub>
+                        </m:sSub>
+                      </m:oMath>
+                    </m:oMathPara>
+                  </a14:m>
+                  <a:endParaRPr lang="pt-BR" dirty="0"/>
+                </a:p>
+              </p:txBody>
+            </p:sp>
+          </mc:Choice>
+          <mc:Fallback>
+            <p:sp>
+              <p:nvSpPr>
+                <p:cNvPr id="100" name="CaixaDeTexto 99">
+                  <a:extLst>
+                    <a:ext uri="{FF2B5EF4-FFF2-40B4-BE49-F238E27FC236}">
+                      <a16:creationId xmlns:a16="http://schemas.microsoft.com/office/drawing/2014/main" id="{1053A238-3190-88FD-D41E-ED5A191CE7C8}"/>
+                    </a:ext>
+                  </a:extLst>
+                </p:cNvPr>
+                <p:cNvSpPr txBox="1">
+                  <a:spLocks noRot="1" noChangeAspect="1" noMove="1" noResize="1" noEditPoints="1" noAdjustHandles="1" noChangeArrowheads="1" noChangeShapeType="1" noTextEdit="1"/>
+                </p:cNvSpPr>
+                <p:nvPr/>
+              </p:nvSpPr>
+              <p:spPr>
+                <a:xfrm>
+                  <a:off x="6359484" y="3445497"/>
+                  <a:ext cx="382540" cy="369332"/>
+                </a:xfrm>
+                <a:prstGeom prst="rect">
+                  <a:avLst/>
+                </a:prstGeom>
+                <a:blipFill>
+                  <a:blip r:embed="rId10"/>
+                  <a:stretch>
+                    <a:fillRect r="-3175"/>
+                  </a:stretch>
+                </a:blipFill>
+              </p:spPr>
+              <p:txBody>
+                <a:bodyPr/>
+                <a:lstStyle/>
+                <a:p>
+                  <a:r>
+                    <a:rPr lang="pt-BR">
+                      <a:noFill/>
+                    </a:rPr>
+                    <a:t> </a:t>
+                  </a:r>
+                </a:p>
+              </p:txBody>
+            </p:sp>
+          </mc:Fallback>
+        </mc:AlternateContent>
+        <p:cxnSp>
+          <p:nvCxnSpPr>
+            <p:cNvPr id="101" name="Conector de Seta Reta 100">
+              <a:extLst>
+                <a:ext uri="{FF2B5EF4-FFF2-40B4-BE49-F238E27FC236}">
+                  <a16:creationId xmlns:a16="http://schemas.microsoft.com/office/drawing/2014/main" id="{7F7F27CD-B664-8E4C-D2A1-2BDFD7CF9347}"/>
+                </a:ext>
+              </a:extLst>
+            </p:cNvPr>
+            <p:cNvCxnSpPr>
+              <a:cxnSpLocks/>
+              <a:stCxn id="94" idx="3"/>
+              <a:endCxn id="75" idx="2"/>
+            </p:cNvCxnSpPr>
+            <p:nvPr/>
+          </p:nvCxnSpPr>
+          <p:spPr>
+            <a:xfrm flipV="1">
+              <a:off x="6733451" y="2085835"/>
+              <a:ext cx="603460" cy="765150"/>
+            </a:xfrm>
+            <a:prstGeom prst="straightConnector1">
+              <a:avLst/>
+            </a:prstGeom>
+            <a:ln>
+              <a:tailEnd type="triangle"/>
+            </a:ln>
+          </p:spPr>
+          <p:style>
+            <a:lnRef idx="1">
+              <a:schemeClr val="accent1"/>
+            </a:lnRef>
+            <a:fillRef idx="0">
+              <a:schemeClr val="accent1"/>
+            </a:fillRef>
+            <a:effectRef idx="0">
+              <a:schemeClr val="accent1"/>
+            </a:effectRef>
+            <a:fontRef idx="minor">
+              <a:schemeClr val="tx1"/>
+            </a:fontRef>
+          </p:style>
+        </p:cxnSp>
+        <p:cxnSp>
+          <p:nvCxnSpPr>
+            <p:cNvPr id="102" name="Conector de Seta Reta 101">
+              <a:extLst>
+                <a:ext uri="{FF2B5EF4-FFF2-40B4-BE49-F238E27FC236}">
+                  <a16:creationId xmlns:a16="http://schemas.microsoft.com/office/drawing/2014/main" id="{72D17B04-532C-DDB0-7DCE-C3577177E665}"/>
+                </a:ext>
+              </a:extLst>
+            </p:cNvPr>
+            <p:cNvCxnSpPr>
+              <a:cxnSpLocks/>
+              <a:stCxn id="94" idx="3"/>
+              <a:endCxn id="76" idx="2"/>
+            </p:cNvCxnSpPr>
+            <p:nvPr/>
+          </p:nvCxnSpPr>
+          <p:spPr>
+            <a:xfrm>
+              <a:off x="6733451" y="2850985"/>
+              <a:ext cx="608172" cy="4104"/>
+            </a:xfrm>
+            <a:prstGeom prst="straightConnector1">
+              <a:avLst/>
+            </a:prstGeom>
+            <a:ln>
+              <a:tailEnd type="triangle"/>
+            </a:ln>
+          </p:spPr>
+          <p:style>
+            <a:lnRef idx="1">
+              <a:schemeClr val="accent1"/>
+            </a:lnRef>
+            <a:fillRef idx="0">
+              <a:schemeClr val="accent1"/>
+            </a:fillRef>
+            <a:effectRef idx="0">
+              <a:schemeClr val="accent1"/>
+            </a:effectRef>
+            <a:fontRef idx="minor">
+              <a:schemeClr val="tx1"/>
+            </a:fontRef>
+          </p:style>
+        </p:cxnSp>
+        <p:cxnSp>
+          <p:nvCxnSpPr>
+            <p:cNvPr id="103" name="Conector de Seta Reta 102">
+              <a:extLst>
+                <a:ext uri="{FF2B5EF4-FFF2-40B4-BE49-F238E27FC236}">
+                  <a16:creationId xmlns:a16="http://schemas.microsoft.com/office/drawing/2014/main" id="{97F07E0E-91B1-F4AF-0F11-EDC6787E0700}"/>
+                </a:ext>
+              </a:extLst>
+            </p:cNvPr>
+            <p:cNvCxnSpPr>
+              <a:stCxn id="100" idx="3"/>
+              <a:endCxn id="77" idx="2"/>
+            </p:cNvCxnSpPr>
+            <p:nvPr/>
+          </p:nvCxnSpPr>
+          <p:spPr>
+            <a:xfrm>
+              <a:off x="6742024" y="3630163"/>
+              <a:ext cx="594887" cy="2020"/>
+            </a:xfrm>
+            <a:prstGeom prst="straightConnector1">
+              <a:avLst/>
+            </a:prstGeom>
+            <a:ln>
+              <a:tailEnd type="triangle"/>
+            </a:ln>
+          </p:spPr>
+          <p:style>
+            <a:lnRef idx="1">
+              <a:schemeClr val="accent1"/>
+            </a:lnRef>
+            <a:fillRef idx="0">
+              <a:schemeClr val="accent1"/>
+            </a:fillRef>
+            <a:effectRef idx="0">
+              <a:schemeClr val="accent1"/>
+            </a:effectRef>
+            <a:fontRef idx="minor">
+              <a:schemeClr val="tx1"/>
+            </a:fontRef>
+          </p:style>
+        </p:cxnSp>
+        <p:cxnSp>
+          <p:nvCxnSpPr>
+            <p:cNvPr id="104" name="Conector de Seta Reta 103">
+              <a:extLst>
+                <a:ext uri="{FF2B5EF4-FFF2-40B4-BE49-F238E27FC236}">
+                  <a16:creationId xmlns:a16="http://schemas.microsoft.com/office/drawing/2014/main" id="{E9316988-5211-EAE2-BF8F-E48D69233380}"/>
+                </a:ext>
+              </a:extLst>
+            </p:cNvPr>
+            <p:cNvCxnSpPr>
+              <a:cxnSpLocks/>
+              <a:stCxn id="100" idx="3"/>
+              <a:endCxn id="75" idx="2"/>
+            </p:cNvCxnSpPr>
+            <p:nvPr/>
+          </p:nvCxnSpPr>
+          <p:spPr>
+            <a:xfrm flipV="1">
+              <a:off x="6742024" y="2085835"/>
+              <a:ext cx="594887" cy="1544328"/>
+            </a:xfrm>
+            <a:prstGeom prst="straightConnector1">
+              <a:avLst/>
+            </a:prstGeom>
+            <a:ln>
+              <a:tailEnd type="triangle"/>
+            </a:ln>
+          </p:spPr>
+          <p:style>
+            <a:lnRef idx="1">
+              <a:schemeClr val="accent1"/>
+            </a:lnRef>
+            <a:fillRef idx="0">
+              <a:schemeClr val="accent1"/>
+            </a:fillRef>
+            <a:effectRef idx="0">
+              <a:schemeClr val="accent1"/>
+            </a:effectRef>
+            <a:fontRef idx="minor">
+              <a:schemeClr val="tx1"/>
+            </a:fontRef>
+          </p:style>
+        </p:cxnSp>
+        <p:cxnSp>
+          <p:nvCxnSpPr>
+            <p:cNvPr id="105" name="Conector de Seta Reta 104">
+              <a:extLst>
+                <a:ext uri="{FF2B5EF4-FFF2-40B4-BE49-F238E27FC236}">
+                  <a16:creationId xmlns:a16="http://schemas.microsoft.com/office/drawing/2014/main" id="{B80C4875-EF8E-BA1D-E0C8-A62FE6B485AD}"/>
+                </a:ext>
+              </a:extLst>
+            </p:cNvPr>
+            <p:cNvCxnSpPr>
+              <a:cxnSpLocks/>
+              <a:stCxn id="94" idx="3"/>
+              <a:endCxn id="77" idx="2"/>
+            </p:cNvCxnSpPr>
+            <p:nvPr/>
+          </p:nvCxnSpPr>
+          <p:spPr>
+            <a:xfrm>
+              <a:off x="6733451" y="2850985"/>
+              <a:ext cx="603460" cy="781198"/>
+            </a:xfrm>
+            <a:prstGeom prst="straightConnector1">
+              <a:avLst/>
+            </a:prstGeom>
+            <a:ln>
+              <a:tailEnd type="triangle"/>
+            </a:ln>
+          </p:spPr>
+          <p:style>
+            <a:lnRef idx="1">
+              <a:schemeClr val="accent1"/>
+            </a:lnRef>
+            <a:fillRef idx="0">
+              <a:schemeClr val="accent1"/>
+            </a:fillRef>
+            <a:effectRef idx="0">
+              <a:schemeClr val="accent1"/>
+            </a:effectRef>
+            <a:fontRef idx="minor">
+              <a:schemeClr val="tx1"/>
+            </a:fontRef>
+          </p:style>
+        </p:cxnSp>
+        <p:cxnSp>
+          <p:nvCxnSpPr>
+            <p:cNvPr id="107" name="Conector de Seta Reta 106">
+              <a:extLst>
+                <a:ext uri="{FF2B5EF4-FFF2-40B4-BE49-F238E27FC236}">
+                  <a16:creationId xmlns:a16="http://schemas.microsoft.com/office/drawing/2014/main" id="{F7F1680B-CC31-23AE-2548-4D1D8C56075F}"/>
+                </a:ext>
+              </a:extLst>
+            </p:cNvPr>
+            <p:cNvCxnSpPr>
+              <a:cxnSpLocks/>
+              <a:stCxn id="93" idx="3"/>
+              <a:endCxn id="76" idx="2"/>
+            </p:cNvCxnSpPr>
+            <p:nvPr/>
+          </p:nvCxnSpPr>
+          <p:spPr>
+            <a:xfrm>
+              <a:off x="6731944" y="2081731"/>
+              <a:ext cx="609679" cy="773358"/>
+            </a:xfrm>
+            <a:prstGeom prst="straightConnector1">
+              <a:avLst/>
+            </a:prstGeom>
+            <a:ln>
+              <a:tailEnd type="triangle"/>
+            </a:ln>
+          </p:spPr>
+          <p:style>
+            <a:lnRef idx="1">
+              <a:schemeClr val="accent1"/>
+            </a:lnRef>
+            <a:fillRef idx="0">
+              <a:schemeClr val="accent1"/>
+            </a:fillRef>
+            <a:effectRef idx="0">
+              <a:schemeClr val="accent1"/>
+            </a:effectRef>
+            <a:fontRef idx="minor">
+              <a:schemeClr val="tx1"/>
+            </a:fontRef>
+          </p:style>
+        </p:cxnSp>
+        <p:cxnSp>
+          <p:nvCxnSpPr>
+            <p:cNvPr id="108" name="Conector de Seta Reta 107">
+              <a:extLst>
+                <a:ext uri="{FF2B5EF4-FFF2-40B4-BE49-F238E27FC236}">
+                  <a16:creationId xmlns:a16="http://schemas.microsoft.com/office/drawing/2014/main" id="{C9236142-9603-ACD3-CDB2-89FD439FD192}"/>
+                </a:ext>
+              </a:extLst>
+            </p:cNvPr>
+            <p:cNvCxnSpPr>
+              <a:cxnSpLocks/>
+              <a:stCxn id="93" idx="3"/>
+              <a:endCxn id="77" idx="2"/>
+            </p:cNvCxnSpPr>
+            <p:nvPr/>
+          </p:nvCxnSpPr>
+          <p:spPr>
+            <a:xfrm>
+              <a:off x="6731944" y="2081731"/>
+              <a:ext cx="604967" cy="1550452"/>
+            </a:xfrm>
+            <a:prstGeom prst="straightConnector1">
+              <a:avLst/>
+            </a:prstGeom>
+            <a:ln>
+              <a:tailEnd type="triangle"/>
+            </a:ln>
+          </p:spPr>
+          <p:style>
+            <a:lnRef idx="1">
+              <a:schemeClr val="accent1"/>
+            </a:lnRef>
+            <a:fillRef idx="0">
+              <a:schemeClr val="accent1"/>
+            </a:fillRef>
+            <a:effectRef idx="0">
+              <a:schemeClr val="accent1"/>
+            </a:effectRef>
+            <a:fontRef idx="minor">
+              <a:schemeClr val="tx1"/>
+            </a:fontRef>
+          </p:style>
+        </p:cxnSp>
+        <p:cxnSp>
+          <p:nvCxnSpPr>
+            <p:cNvPr id="111" name="Conector de Seta Reta 110">
+              <a:extLst>
+                <a:ext uri="{FF2B5EF4-FFF2-40B4-BE49-F238E27FC236}">
+                  <a16:creationId xmlns:a16="http://schemas.microsoft.com/office/drawing/2014/main" id="{8A27B6E8-4D88-C02C-E72A-82E55AE2E958}"/>
+                </a:ext>
+              </a:extLst>
+            </p:cNvPr>
+            <p:cNvCxnSpPr>
+              <a:cxnSpLocks/>
+              <a:stCxn id="70" idx="6"/>
+              <a:endCxn id="74" idx="2"/>
+            </p:cNvCxnSpPr>
+            <p:nvPr/>
+          </p:nvCxnSpPr>
+          <p:spPr>
+            <a:xfrm>
+              <a:off x="9104028" y="2420867"/>
+              <a:ext cx="494370" cy="7425"/>
+            </a:xfrm>
+            <a:prstGeom prst="straightConnector1">
+              <a:avLst/>
+            </a:prstGeom>
+            <a:ln>
+              <a:tailEnd type="triangle"/>
+            </a:ln>
+          </p:spPr>
+          <p:style>
+            <a:lnRef idx="1">
+              <a:schemeClr val="accent1"/>
+            </a:lnRef>
+            <a:fillRef idx="0">
+              <a:schemeClr val="accent1"/>
+            </a:fillRef>
+            <a:effectRef idx="0">
+              <a:schemeClr val="accent1"/>
+            </a:effectRef>
+            <a:fontRef idx="minor">
+              <a:schemeClr val="tx1"/>
+            </a:fontRef>
+          </p:style>
+        </p:cxnSp>
+        <p:cxnSp>
+          <p:nvCxnSpPr>
+            <p:cNvPr id="112" name="Conector de Seta Reta 111">
+              <a:extLst>
+                <a:ext uri="{FF2B5EF4-FFF2-40B4-BE49-F238E27FC236}">
+                  <a16:creationId xmlns:a16="http://schemas.microsoft.com/office/drawing/2014/main" id="{31E8B782-B242-223E-A7ED-547B7A9A9273}"/>
+                </a:ext>
+              </a:extLst>
+            </p:cNvPr>
+            <p:cNvCxnSpPr>
+              <a:stCxn id="71" idx="6"/>
+              <a:endCxn id="74" idx="2"/>
+            </p:cNvCxnSpPr>
+            <p:nvPr/>
+          </p:nvCxnSpPr>
+          <p:spPr>
+            <a:xfrm flipV="1">
+              <a:off x="9108740" y="2428292"/>
+              <a:ext cx="489658" cy="861274"/>
+            </a:xfrm>
+            <a:prstGeom prst="straightConnector1">
+              <a:avLst/>
+            </a:prstGeom>
+            <a:ln>
+              <a:tailEnd type="triangle"/>
+            </a:ln>
+          </p:spPr>
+          <p:style>
+            <a:lnRef idx="1">
+              <a:schemeClr val="accent1"/>
+            </a:lnRef>
+            <a:fillRef idx="0">
+              <a:schemeClr val="accent1"/>
+            </a:fillRef>
+            <a:effectRef idx="0">
+              <a:schemeClr val="accent1"/>
+            </a:effectRef>
+            <a:fontRef idx="minor">
+              <a:schemeClr val="tx1"/>
+            </a:fontRef>
+          </p:style>
+        </p:cxnSp>
+        <mc:AlternateContent xmlns:mc="http://schemas.openxmlformats.org/markup-compatibility/2006">
+          <mc:Choice xmlns:a14="http://schemas.microsoft.com/office/drawing/2010/main" Requires="a14">
+            <p:sp>
+              <p:nvSpPr>
+                <p:cNvPr id="115" name="CaixaDeTexto 114">
+                  <a:extLst>
+                    <a:ext uri="{FF2B5EF4-FFF2-40B4-BE49-F238E27FC236}">
+                      <a16:creationId xmlns:a16="http://schemas.microsoft.com/office/drawing/2014/main" id="{8EB4E742-DDB4-1C8D-EDF1-F9E9148B24AE}"/>
+                    </a:ext>
+                  </a:extLst>
+                </p:cNvPr>
+                <p:cNvSpPr txBox="1"/>
+                <p:nvPr/>
+              </p:nvSpPr>
+              <p:spPr>
+                <a:xfrm>
+                  <a:off x="10351054" y="2206213"/>
+                  <a:ext cx="415834" cy="369332"/>
+                </a:xfrm>
+                <a:prstGeom prst="rect">
+                  <a:avLst/>
+                </a:prstGeom>
+                <a:noFill/>
+              </p:spPr>
+              <p:txBody>
+                <a:bodyPr wrap="square" rtlCol="0">
+                  <a:spAutoFit/>
+                </a:bodyPr>
+                <a:lstStyle/>
+                <a:p>
+                  <a:pPr/>
+                  <a14:m>
+                    <m:oMathPara xmlns:m="http://schemas.openxmlformats.org/officeDocument/2006/math">
+                      <m:oMathParaPr>
+                        <m:jc m:val="centerGroup"/>
+                      </m:oMathParaPr>
+                      <m:oMath xmlns:m="http://schemas.openxmlformats.org/officeDocument/2006/math">
+                        <m:sSub>
+                          <m:sSubPr>
+                            <m:ctrlPr>
+                              <a:rPr lang="pt-BR" i="1" smtClean="0">
+                                <a:latin typeface="Cambria Math" panose="02040503050406030204" pitchFamily="18" charset="0"/>
+                              </a:rPr>
+                            </m:ctrlPr>
+                          </m:sSubPr>
+                          <m:e>
+                            <m:acc>
+                              <m:accPr>
+                                <m:chr m:val="̂"/>
+                                <m:ctrlPr>
+                                  <a:rPr lang="pt-BR" i="1" smtClean="0">
+                                    <a:latin typeface="Cambria Math" panose="02040503050406030204" pitchFamily="18" charset="0"/>
+                                  </a:rPr>
+                                </m:ctrlPr>
+                              </m:accPr>
+                              <m:e>
+                                <m:r>
+                                  <a:rPr lang="pt-BR" b="0" i="1" smtClean="0">
+                                    <a:latin typeface="Cambria Math" panose="02040503050406030204" pitchFamily="18" charset="0"/>
+                                  </a:rPr>
+                                  <m:t>𝑦</m:t>
+                                </m:r>
+                              </m:e>
+                            </m:acc>
+                          </m:e>
+                          <m:sub>
+                            <m:r>
+                              <a:rPr lang="pt-BR" b="0" i="1" smtClean="0">
+                                <a:latin typeface="Cambria Math" panose="02040503050406030204" pitchFamily="18" charset="0"/>
+                              </a:rPr>
+                              <m:t>1</m:t>
+                            </m:r>
+                          </m:sub>
+                        </m:sSub>
+                      </m:oMath>
+                    </m:oMathPara>
+                  </a14:m>
+                  <a:endParaRPr lang="pt-BR" dirty="0"/>
+                </a:p>
+              </p:txBody>
+            </p:sp>
+          </mc:Choice>
+          <mc:Fallback>
+            <p:sp>
+              <p:nvSpPr>
+                <p:cNvPr id="115" name="CaixaDeTexto 114">
+                  <a:extLst>
+                    <a:ext uri="{FF2B5EF4-FFF2-40B4-BE49-F238E27FC236}">
+                      <a16:creationId xmlns:a16="http://schemas.microsoft.com/office/drawing/2014/main" id="{8EB4E742-DDB4-1C8D-EDF1-F9E9148B24AE}"/>
+                    </a:ext>
+                  </a:extLst>
+                </p:cNvPr>
+                <p:cNvSpPr txBox="1">
+                  <a:spLocks noRot="1" noChangeAspect="1" noMove="1" noResize="1" noEditPoints="1" noAdjustHandles="1" noChangeArrowheads="1" noChangeShapeType="1" noTextEdit="1"/>
+                </p:cNvSpPr>
+                <p:nvPr/>
+              </p:nvSpPr>
+              <p:spPr>
+                <a:xfrm>
+                  <a:off x="10351054" y="2206213"/>
+                  <a:ext cx="415834" cy="369332"/>
+                </a:xfrm>
+                <a:prstGeom prst="rect">
+                  <a:avLst/>
+                </a:prstGeom>
+                <a:blipFill>
+                  <a:blip r:embed="rId11"/>
+                  <a:stretch>
+                    <a:fillRect t="-6667" r="-10294" b="-6667"/>
+                  </a:stretch>
+                </a:blipFill>
+              </p:spPr>
+              <p:txBody>
+                <a:bodyPr/>
+                <a:lstStyle/>
+                <a:p>
+                  <a:r>
+                    <a:rPr lang="pt-BR">
+                      <a:noFill/>
+                    </a:rPr>
+                    <a:t> </a:t>
+                  </a:r>
+                </a:p>
+              </p:txBody>
+            </p:sp>
+          </mc:Fallback>
+        </mc:AlternateContent>
+        <mc:AlternateContent xmlns:mc="http://schemas.openxmlformats.org/markup-compatibility/2006">
+          <mc:Choice xmlns:a14="http://schemas.microsoft.com/office/drawing/2010/main" Requires="a14">
+            <p:sp>
+              <p:nvSpPr>
+                <p:cNvPr id="116" name="CaixaDeTexto 115">
+                  <a:extLst>
+                    <a:ext uri="{FF2B5EF4-FFF2-40B4-BE49-F238E27FC236}">
+                      <a16:creationId xmlns:a16="http://schemas.microsoft.com/office/drawing/2014/main" id="{FE572705-88AC-7FB1-D34B-0B9CE62A8FF4}"/>
+                    </a:ext>
+                  </a:extLst>
+                </p:cNvPr>
+                <p:cNvSpPr txBox="1"/>
+                <p:nvPr/>
+              </p:nvSpPr>
+              <p:spPr>
+                <a:xfrm flipH="1">
+                  <a:off x="6218374" y="3130788"/>
+                  <a:ext cx="653654" cy="276999"/>
+                </a:xfrm>
+                <a:prstGeom prst="rect">
+                  <a:avLst/>
+                </a:prstGeom>
+                <a:noFill/>
+              </p:spPr>
+              <p:txBody>
+                <a:bodyPr wrap="square" lIns="0" tIns="0" rIns="0" bIns="0" rtlCol="0">
+                  <a:spAutoFit/>
+                </a:bodyPr>
+                <a:lstStyle/>
+                <a:p>
+                  <a:pPr/>
+                  <a14:m>
+                    <m:oMathPara xmlns:m="http://schemas.openxmlformats.org/officeDocument/2006/math">
+                      <m:oMathParaPr>
+                        <m:jc m:val="centerGroup"/>
+                      </m:oMathParaPr>
+                      <m:oMath xmlns:m="http://schemas.openxmlformats.org/officeDocument/2006/math">
+                        <m:r>
+                          <a:rPr lang="pt-BR" i="1" smtClean="0">
+                            <a:latin typeface="Cambria Math" panose="02040503050406030204" pitchFamily="18" charset="0"/>
+                            <a:ea typeface="Cambria Math" panose="02040503050406030204" pitchFamily="18" charset="0"/>
+                          </a:rPr>
+                          <m:t>⋮</m:t>
+                        </m:r>
+                      </m:oMath>
+                    </m:oMathPara>
+                  </a14:m>
+                  <a:endParaRPr lang="pt-BR" dirty="0"/>
+                </a:p>
+              </p:txBody>
+            </p:sp>
+          </mc:Choice>
+          <mc:Fallback>
+            <p:sp>
+              <p:nvSpPr>
+                <p:cNvPr id="116" name="CaixaDeTexto 115">
+                  <a:extLst>
+                    <a:ext uri="{FF2B5EF4-FFF2-40B4-BE49-F238E27FC236}">
+                      <a16:creationId xmlns:a16="http://schemas.microsoft.com/office/drawing/2014/main" id="{FE572705-88AC-7FB1-D34B-0B9CE62A8FF4}"/>
+                    </a:ext>
+                  </a:extLst>
+                </p:cNvPr>
+                <p:cNvSpPr txBox="1">
+                  <a:spLocks noRot="1" noChangeAspect="1" noMove="1" noResize="1" noEditPoints="1" noAdjustHandles="1" noChangeArrowheads="1" noChangeShapeType="1" noTextEdit="1"/>
+                </p:cNvSpPr>
+                <p:nvPr/>
+              </p:nvSpPr>
+              <p:spPr>
+                <a:xfrm flipH="1">
+                  <a:off x="6218374" y="3130788"/>
+                  <a:ext cx="653654" cy="276999"/>
+                </a:xfrm>
+                <a:prstGeom prst="rect">
+                  <a:avLst/>
+                </a:prstGeom>
+                <a:blipFill>
+                  <a:blip r:embed="rId12"/>
+                  <a:stretch>
+                    <a:fillRect b="-6667"/>
+                  </a:stretch>
+                </a:blipFill>
+              </p:spPr>
+              <p:txBody>
+                <a:bodyPr/>
+                <a:lstStyle/>
+                <a:p>
+                  <a:r>
+                    <a:rPr lang="pt-BR">
+                      <a:noFill/>
+                    </a:rPr>
+                    <a:t> </a:t>
+                  </a:r>
+                </a:p>
+              </p:txBody>
+            </p:sp>
+          </mc:Fallback>
+        </mc:AlternateContent>
+        <p:cxnSp>
+          <p:nvCxnSpPr>
+            <p:cNvPr id="117" name="Conector de Seta Reta 116">
+              <a:extLst>
+                <a:ext uri="{FF2B5EF4-FFF2-40B4-BE49-F238E27FC236}">
+                  <a16:creationId xmlns:a16="http://schemas.microsoft.com/office/drawing/2014/main" id="{D9AFE3DA-ADA3-1224-2A12-9B2FE6B8F2B3}"/>
+                </a:ext>
+              </a:extLst>
+            </p:cNvPr>
+            <p:cNvCxnSpPr>
+              <a:cxnSpLocks/>
+              <a:endCxn id="70" idx="0"/>
+            </p:cNvCxnSpPr>
+            <p:nvPr/>
+          </p:nvCxnSpPr>
+          <p:spPr>
+            <a:xfrm>
+              <a:off x="8821000" y="1995394"/>
+              <a:ext cx="0" cy="142444"/>
+            </a:xfrm>
+            <a:prstGeom prst="straightConnector1">
+              <a:avLst/>
+            </a:prstGeom>
+            <a:ln>
+              <a:tailEnd type="triangle"/>
+            </a:ln>
+          </p:spPr>
+          <p:style>
+            <a:lnRef idx="1">
+              <a:schemeClr val="accent1"/>
+            </a:lnRef>
+            <a:fillRef idx="0">
+              <a:schemeClr val="accent1"/>
+            </a:fillRef>
+            <a:effectRef idx="0">
+              <a:schemeClr val="accent1"/>
+            </a:effectRef>
+            <a:fontRef idx="minor">
+              <a:schemeClr val="tx1"/>
+            </a:fontRef>
+          </p:style>
+        </p:cxnSp>
+        <p:cxnSp>
+          <p:nvCxnSpPr>
+            <p:cNvPr id="118" name="Conector de Seta Reta 117">
+              <a:extLst>
+                <a:ext uri="{FF2B5EF4-FFF2-40B4-BE49-F238E27FC236}">
+                  <a16:creationId xmlns:a16="http://schemas.microsoft.com/office/drawing/2014/main" id="{14046F89-B1EC-4C7D-73B5-BB360D26991E}"/>
+                </a:ext>
+              </a:extLst>
+            </p:cNvPr>
+            <p:cNvCxnSpPr>
+              <a:cxnSpLocks/>
+            </p:cNvCxnSpPr>
+            <p:nvPr/>
+          </p:nvCxnSpPr>
+          <p:spPr>
+            <a:xfrm>
+              <a:off x="8825711" y="2886212"/>
+              <a:ext cx="0" cy="142444"/>
+            </a:xfrm>
+            <a:prstGeom prst="straightConnector1">
+              <a:avLst/>
+            </a:prstGeom>
+            <a:ln>
+              <a:tailEnd type="triangle"/>
+            </a:ln>
+          </p:spPr>
+          <p:style>
+            <a:lnRef idx="1">
+              <a:schemeClr val="accent1"/>
+            </a:lnRef>
+            <a:fillRef idx="0">
+              <a:schemeClr val="accent1"/>
+            </a:fillRef>
+            <a:effectRef idx="0">
+              <a:schemeClr val="accent1"/>
+            </a:effectRef>
+            <a:fontRef idx="minor">
+              <a:schemeClr val="tx1"/>
+            </a:fontRef>
+          </p:style>
+        </p:cxnSp>
+        <p:cxnSp>
+          <p:nvCxnSpPr>
+            <p:cNvPr id="121" name="Conector de Seta Reta 120">
+              <a:extLst>
+                <a:ext uri="{FF2B5EF4-FFF2-40B4-BE49-F238E27FC236}">
+                  <a16:creationId xmlns:a16="http://schemas.microsoft.com/office/drawing/2014/main" id="{D705BDCB-087E-A436-DB26-F55A5F8B6D28}"/>
+                </a:ext>
+              </a:extLst>
+            </p:cNvPr>
+            <p:cNvCxnSpPr>
+              <a:cxnSpLocks/>
+            </p:cNvCxnSpPr>
+            <p:nvPr/>
+          </p:nvCxnSpPr>
+          <p:spPr>
+            <a:xfrm>
+              <a:off x="7616038" y="1660362"/>
+              <a:ext cx="0" cy="142444"/>
+            </a:xfrm>
+            <a:prstGeom prst="straightConnector1">
+              <a:avLst/>
+            </a:prstGeom>
+            <a:ln>
+              <a:tailEnd type="triangle"/>
+            </a:ln>
+          </p:spPr>
+          <p:style>
+            <a:lnRef idx="1">
+              <a:schemeClr val="accent1"/>
+            </a:lnRef>
+            <a:fillRef idx="0">
+              <a:schemeClr val="accent1"/>
+            </a:fillRef>
+            <a:effectRef idx="0">
+              <a:schemeClr val="accent1"/>
+            </a:effectRef>
+            <a:fontRef idx="minor">
+              <a:schemeClr val="tx1"/>
+            </a:fontRef>
+          </p:style>
+        </p:cxnSp>
+        <p:cxnSp>
+          <p:nvCxnSpPr>
+            <p:cNvPr id="122" name="Conector de Seta Reta 121">
+              <a:extLst>
+                <a:ext uri="{FF2B5EF4-FFF2-40B4-BE49-F238E27FC236}">
+                  <a16:creationId xmlns:a16="http://schemas.microsoft.com/office/drawing/2014/main" id="{7A4CB641-FA56-89FC-C592-0F98EA9EDA97}"/>
+                </a:ext>
+              </a:extLst>
+            </p:cNvPr>
+            <p:cNvCxnSpPr>
+              <a:cxnSpLocks/>
+            </p:cNvCxnSpPr>
+            <p:nvPr/>
+          </p:nvCxnSpPr>
+          <p:spPr>
+            <a:xfrm>
+              <a:off x="7622388" y="2420867"/>
+              <a:ext cx="0" cy="142444"/>
+            </a:xfrm>
+            <a:prstGeom prst="straightConnector1">
+              <a:avLst/>
+            </a:prstGeom>
+            <a:ln>
+              <a:tailEnd type="triangle"/>
+            </a:ln>
+          </p:spPr>
+          <p:style>
+            <a:lnRef idx="1">
+              <a:schemeClr val="accent1"/>
+            </a:lnRef>
+            <a:fillRef idx="0">
+              <a:schemeClr val="accent1"/>
+            </a:fillRef>
+            <a:effectRef idx="0">
+              <a:schemeClr val="accent1"/>
+            </a:effectRef>
+            <a:fontRef idx="minor">
+              <a:schemeClr val="tx1"/>
+            </a:fontRef>
+          </p:style>
+        </p:cxnSp>
+        <p:cxnSp>
+          <p:nvCxnSpPr>
+            <p:cNvPr id="123" name="Conector de Seta Reta 122">
+              <a:extLst>
+                <a:ext uri="{FF2B5EF4-FFF2-40B4-BE49-F238E27FC236}">
+                  <a16:creationId xmlns:a16="http://schemas.microsoft.com/office/drawing/2014/main" id="{FE5DFC41-0476-5BEB-7A0F-E8A00E426DF0}"/>
+                </a:ext>
+              </a:extLst>
+            </p:cNvPr>
+            <p:cNvCxnSpPr>
+              <a:cxnSpLocks/>
+            </p:cNvCxnSpPr>
+            <p:nvPr/>
+          </p:nvCxnSpPr>
+          <p:spPr>
+            <a:xfrm>
+              <a:off x="7616038" y="3206710"/>
+              <a:ext cx="0" cy="142444"/>
+            </a:xfrm>
+            <a:prstGeom prst="straightConnector1">
+              <a:avLst/>
+            </a:prstGeom>
+            <a:ln>
+              <a:tailEnd type="triangle"/>
+            </a:ln>
+          </p:spPr>
+          <p:style>
+            <a:lnRef idx="1">
+              <a:schemeClr val="accent1"/>
+            </a:lnRef>
+            <a:fillRef idx="0">
+              <a:schemeClr val="accent1"/>
+            </a:fillRef>
+            <a:effectRef idx="0">
+              <a:schemeClr val="accent1"/>
+            </a:effectRef>
+            <a:fontRef idx="minor">
+              <a:schemeClr val="tx1"/>
+            </a:fontRef>
+          </p:style>
+        </p:cxnSp>
+        <p:cxnSp>
+          <p:nvCxnSpPr>
+            <p:cNvPr id="125" name="Conector de Seta Reta 124">
+              <a:extLst>
+                <a:ext uri="{FF2B5EF4-FFF2-40B4-BE49-F238E27FC236}">
+                  <a16:creationId xmlns:a16="http://schemas.microsoft.com/office/drawing/2014/main" id="{4D7EA5BC-D33F-29B5-CC10-4743D30E5FF7}"/>
+                </a:ext>
+              </a:extLst>
+            </p:cNvPr>
+            <p:cNvCxnSpPr>
+              <a:cxnSpLocks/>
+            </p:cNvCxnSpPr>
+            <p:nvPr/>
+          </p:nvCxnSpPr>
+          <p:spPr>
+            <a:xfrm>
+              <a:off x="9886139" y="2014236"/>
+              <a:ext cx="0" cy="142444"/>
+            </a:xfrm>
+            <a:prstGeom prst="straightConnector1">
+              <a:avLst/>
+            </a:prstGeom>
+            <a:ln>
+              <a:tailEnd type="triangle"/>
+            </a:ln>
+          </p:spPr>
+          <p:style>
+            <a:lnRef idx="1">
+              <a:schemeClr val="accent1"/>
+            </a:lnRef>
+            <a:fillRef idx="0">
+              <a:schemeClr val="accent1"/>
+            </a:fillRef>
+            <a:effectRef idx="0">
+              <a:schemeClr val="accent1"/>
+            </a:effectRef>
+            <a:fontRef idx="minor">
+              <a:schemeClr val="tx1"/>
+            </a:fontRef>
+          </p:style>
+        </p:cxnSp>
+        <p:sp>
+          <p:nvSpPr>
+            <p:cNvPr id="126" name="Elipse 125">
+              <a:extLst>
+                <a:ext uri="{FF2B5EF4-FFF2-40B4-BE49-F238E27FC236}">
+                  <a16:creationId xmlns:a16="http://schemas.microsoft.com/office/drawing/2014/main" id="{439307EE-E4A5-3FF6-C3AF-D309DD95872F}"/>
+                </a:ext>
+              </a:extLst>
+            </p:cNvPr>
+            <p:cNvSpPr/>
+            <p:nvPr/>
+          </p:nvSpPr>
+          <p:spPr>
+            <a:xfrm>
+              <a:off x="9598397" y="2998684"/>
+              <a:ext cx="566057" cy="566057"/>
+            </a:xfrm>
+            <a:prstGeom prst="ellipse">
+              <a:avLst/>
+            </a:prstGeom>
+            <a:solidFill>
+              <a:schemeClr val="bg1">
+                <a:lumMod val="85000"/>
+              </a:schemeClr>
+            </a:solidFill>
+            <a:ln>
+              <a:noFill/>
+            </a:ln>
+          </p:spPr>
+          <p:style>
+            <a:lnRef idx="2">
+              <a:schemeClr val="accent1">
+                <a:shade val="15000"/>
+              </a:schemeClr>
+            </a:lnRef>
+            <a:fillRef idx="1">
+              <a:schemeClr val="accent1"/>
+            </a:fillRef>
+            <a:effectRef idx="0">
+              <a:schemeClr val="accent1"/>
+            </a:effectRef>
+            <a:fontRef idx="minor">
+              <a:schemeClr val="lt1"/>
+            </a:fontRef>
+          </p:style>
+          <p:txBody>
+            <a:bodyPr rtlCol="0" anchor="ctr"/>
+            <a:lstStyle/>
+            <a:p>
+              <a:pPr algn="ctr"/>
+              <a:endParaRPr lang="pt-BR" dirty="0"/>
+            </a:p>
+          </p:txBody>
+        </p:sp>
+        <p:cxnSp>
+          <p:nvCxnSpPr>
+            <p:cNvPr id="127" name="Conector de Seta Reta 126">
+              <a:extLst>
+                <a:ext uri="{FF2B5EF4-FFF2-40B4-BE49-F238E27FC236}">
+                  <a16:creationId xmlns:a16="http://schemas.microsoft.com/office/drawing/2014/main" id="{DFE32563-DACC-E8C1-9A14-D1ADC3F11D5B}"/>
+                </a:ext>
+              </a:extLst>
+            </p:cNvPr>
+            <p:cNvCxnSpPr>
+              <a:cxnSpLocks/>
+            </p:cNvCxnSpPr>
+            <p:nvPr/>
+          </p:nvCxnSpPr>
+          <p:spPr>
+            <a:xfrm>
+              <a:off x="9884424" y="2872304"/>
+              <a:ext cx="0" cy="142444"/>
+            </a:xfrm>
+            <a:prstGeom prst="straightConnector1">
+              <a:avLst/>
+            </a:prstGeom>
+            <a:ln>
+              <a:tailEnd type="triangle"/>
+            </a:ln>
+          </p:spPr>
+          <p:style>
+            <a:lnRef idx="1">
+              <a:schemeClr val="accent1"/>
+            </a:lnRef>
+            <a:fillRef idx="0">
+              <a:schemeClr val="accent1"/>
+            </a:fillRef>
+            <a:effectRef idx="0">
+              <a:schemeClr val="accent1"/>
+            </a:effectRef>
+            <a:fontRef idx="minor">
+              <a:schemeClr val="tx1"/>
+            </a:fontRef>
+          </p:style>
+        </p:cxnSp>
+        <p:cxnSp>
+          <p:nvCxnSpPr>
+            <p:cNvPr id="128" name="Conector de Seta Reta 127">
+              <a:extLst>
+                <a:ext uri="{FF2B5EF4-FFF2-40B4-BE49-F238E27FC236}">
+                  <a16:creationId xmlns:a16="http://schemas.microsoft.com/office/drawing/2014/main" id="{C4FC1BA4-9A33-57A1-8218-2AB89F231DEC}"/>
+                </a:ext>
+              </a:extLst>
+            </p:cNvPr>
+            <p:cNvCxnSpPr>
+              <a:stCxn id="70" idx="6"/>
+              <a:endCxn id="126" idx="2"/>
+            </p:cNvCxnSpPr>
+            <p:nvPr/>
+          </p:nvCxnSpPr>
+          <p:spPr>
+            <a:xfrm>
+              <a:off x="9104028" y="2420867"/>
+              <a:ext cx="494369" cy="860846"/>
+            </a:xfrm>
+            <a:prstGeom prst="straightConnector1">
+              <a:avLst/>
+            </a:prstGeom>
+            <a:ln>
+              <a:tailEnd type="triangle"/>
+            </a:ln>
+          </p:spPr>
+          <p:style>
+            <a:lnRef idx="1">
+              <a:schemeClr val="accent1"/>
+            </a:lnRef>
+            <a:fillRef idx="0">
+              <a:schemeClr val="accent1"/>
+            </a:fillRef>
+            <a:effectRef idx="0">
+              <a:schemeClr val="accent1"/>
+            </a:effectRef>
+            <a:fontRef idx="minor">
+              <a:schemeClr val="tx1"/>
+            </a:fontRef>
+          </p:style>
+        </p:cxnSp>
+        <p:cxnSp>
+          <p:nvCxnSpPr>
+            <p:cNvPr id="129" name="Conector de Seta Reta 128">
+              <a:extLst>
+                <a:ext uri="{FF2B5EF4-FFF2-40B4-BE49-F238E27FC236}">
+                  <a16:creationId xmlns:a16="http://schemas.microsoft.com/office/drawing/2014/main" id="{868BA459-31B9-BFDD-3C82-E0AC2383F362}"/>
+                </a:ext>
+              </a:extLst>
+            </p:cNvPr>
+            <p:cNvCxnSpPr>
+              <a:stCxn id="71" idx="6"/>
+              <a:endCxn id="126" idx="2"/>
+            </p:cNvCxnSpPr>
+            <p:nvPr/>
+          </p:nvCxnSpPr>
+          <p:spPr>
+            <a:xfrm flipV="1">
+              <a:off x="9108740" y="3281713"/>
+              <a:ext cx="489657" cy="7853"/>
+            </a:xfrm>
+            <a:prstGeom prst="straightConnector1">
+              <a:avLst/>
+            </a:prstGeom>
+            <a:ln>
+              <a:tailEnd type="triangle"/>
+            </a:ln>
+          </p:spPr>
+          <p:style>
+            <a:lnRef idx="1">
+              <a:schemeClr val="accent1"/>
+            </a:lnRef>
+            <a:fillRef idx="0">
+              <a:schemeClr val="accent1"/>
+            </a:fillRef>
+            <a:effectRef idx="0">
+              <a:schemeClr val="accent1"/>
+            </a:effectRef>
+            <a:fontRef idx="minor">
+              <a:schemeClr val="tx1"/>
+            </a:fontRef>
+          </p:style>
+        </p:cxnSp>
+        <p:cxnSp>
+          <p:nvCxnSpPr>
+            <p:cNvPr id="132" name="Conector de Seta Reta 131">
+              <a:extLst>
+                <a:ext uri="{FF2B5EF4-FFF2-40B4-BE49-F238E27FC236}">
+                  <a16:creationId xmlns:a16="http://schemas.microsoft.com/office/drawing/2014/main" id="{C355A1EF-B99F-DFB7-0631-7F74672E65CE}"/>
+                </a:ext>
+              </a:extLst>
+            </p:cNvPr>
+            <p:cNvCxnSpPr>
+              <a:cxnSpLocks/>
+            </p:cNvCxnSpPr>
+            <p:nvPr/>
+          </p:nvCxnSpPr>
+          <p:spPr>
+            <a:xfrm flipV="1">
+              <a:off x="10161094" y="3279117"/>
+              <a:ext cx="257585" cy="1162"/>
+            </a:xfrm>
+            <a:prstGeom prst="straightConnector1">
+              <a:avLst/>
+            </a:prstGeom>
+            <a:ln>
+              <a:tailEnd type="triangle"/>
+            </a:ln>
+          </p:spPr>
+          <p:style>
+            <a:lnRef idx="1">
+              <a:schemeClr val="accent1"/>
+            </a:lnRef>
+            <a:fillRef idx="0">
+              <a:schemeClr val="accent1"/>
+            </a:fillRef>
+            <a:effectRef idx="0">
+              <a:schemeClr val="accent1"/>
+            </a:effectRef>
+            <a:fontRef idx="minor">
+              <a:schemeClr val="tx1"/>
+            </a:fontRef>
+          </p:style>
+        </p:cxnSp>
+        <mc:AlternateContent xmlns:mc="http://schemas.openxmlformats.org/markup-compatibility/2006">
+          <mc:Choice xmlns:a14="http://schemas.microsoft.com/office/drawing/2010/main" Requires="a14">
+            <p:sp>
+              <p:nvSpPr>
+                <p:cNvPr id="133" name="CaixaDeTexto 132">
+                  <a:extLst>
+                    <a:ext uri="{FF2B5EF4-FFF2-40B4-BE49-F238E27FC236}">
+                      <a16:creationId xmlns:a16="http://schemas.microsoft.com/office/drawing/2014/main" id="{2BC8051F-3FF7-FF62-6DD8-24309383E3F5}"/>
+                    </a:ext>
+                  </a:extLst>
+                </p:cNvPr>
+                <p:cNvSpPr txBox="1"/>
+                <p:nvPr/>
+              </p:nvSpPr>
+              <p:spPr>
+                <a:xfrm>
+                  <a:off x="10351054" y="3073612"/>
+                  <a:ext cx="415834" cy="369332"/>
+                </a:xfrm>
+                <a:prstGeom prst="rect">
+                  <a:avLst/>
+                </a:prstGeom>
+                <a:noFill/>
+              </p:spPr>
+              <p:txBody>
+                <a:bodyPr wrap="square" rtlCol="0">
+                  <a:spAutoFit/>
+                </a:bodyPr>
+                <a:lstStyle/>
+                <a:p>
+                  <a:pPr/>
+                  <a14:m>
+                    <m:oMathPara xmlns:m="http://schemas.openxmlformats.org/officeDocument/2006/math">
+                      <m:oMathParaPr>
+                        <m:jc m:val="centerGroup"/>
+                      </m:oMathParaPr>
+                      <m:oMath xmlns:m="http://schemas.openxmlformats.org/officeDocument/2006/math">
+                        <m:sSub>
+                          <m:sSubPr>
+                            <m:ctrlPr>
+                              <a:rPr lang="pt-BR" i="1" smtClean="0">
+                                <a:latin typeface="Cambria Math" panose="02040503050406030204" pitchFamily="18" charset="0"/>
+                              </a:rPr>
+                            </m:ctrlPr>
+                          </m:sSubPr>
+                          <m:e>
+                            <m:acc>
+                              <m:accPr>
+                                <m:chr m:val="̂"/>
+                                <m:ctrlPr>
+                                  <a:rPr lang="pt-BR" i="1" smtClean="0">
+                                    <a:latin typeface="Cambria Math" panose="02040503050406030204" pitchFamily="18" charset="0"/>
+                                  </a:rPr>
+                                </m:ctrlPr>
+                              </m:accPr>
+                              <m:e>
+                                <m:r>
+                                  <a:rPr lang="pt-BR" b="0" i="1" smtClean="0">
+                                    <a:latin typeface="Cambria Math" panose="02040503050406030204" pitchFamily="18" charset="0"/>
+                                  </a:rPr>
+                                  <m:t>𝑦</m:t>
+                                </m:r>
+                              </m:e>
+                            </m:acc>
+                          </m:e>
+                          <m:sub>
+                            <m:r>
+                              <a:rPr lang="pt-BR" b="0" i="1" smtClean="0">
+                                <a:latin typeface="Cambria Math" panose="02040503050406030204" pitchFamily="18" charset="0"/>
+                              </a:rPr>
+                              <m:t>2</m:t>
+                            </m:r>
+                          </m:sub>
+                        </m:sSub>
+                      </m:oMath>
+                    </m:oMathPara>
+                  </a14:m>
+                  <a:endParaRPr lang="pt-BR" dirty="0"/>
+                </a:p>
+              </p:txBody>
+            </p:sp>
+          </mc:Choice>
+          <mc:Fallback>
+            <p:sp>
+              <p:nvSpPr>
+                <p:cNvPr id="133" name="CaixaDeTexto 132">
+                  <a:extLst>
+                    <a:ext uri="{FF2B5EF4-FFF2-40B4-BE49-F238E27FC236}">
+                      <a16:creationId xmlns:a16="http://schemas.microsoft.com/office/drawing/2014/main" id="{2BC8051F-3FF7-FF62-6DD8-24309383E3F5}"/>
+                    </a:ext>
+                  </a:extLst>
+                </p:cNvPr>
+                <p:cNvSpPr txBox="1">
+                  <a:spLocks noRot="1" noChangeAspect="1" noMove="1" noResize="1" noEditPoints="1" noAdjustHandles="1" noChangeArrowheads="1" noChangeShapeType="1" noTextEdit="1"/>
+                </p:cNvSpPr>
+                <p:nvPr/>
+              </p:nvSpPr>
+              <p:spPr>
+                <a:xfrm>
+                  <a:off x="10351054" y="3073612"/>
+                  <a:ext cx="415834" cy="369332"/>
+                </a:xfrm>
+                <a:prstGeom prst="rect">
+                  <a:avLst/>
+                </a:prstGeom>
+                <a:blipFill>
+                  <a:blip r:embed="rId13"/>
+                  <a:stretch>
+                    <a:fillRect t="-6557" r="-8824" b="-6557"/>
+                  </a:stretch>
+                </a:blipFill>
+              </p:spPr>
+              <p:txBody>
+                <a:bodyPr/>
+                <a:lstStyle/>
+                <a:p>
+                  <a:r>
+                    <a:rPr lang="pt-BR">
+                      <a:noFill/>
+                    </a:rPr>
+                    <a:t> </a:t>
+                  </a:r>
+                </a:p>
+              </p:txBody>
+            </p:sp>
+          </mc:Fallback>
+        </mc:AlternateContent>
+      </p:grpSp>
     </p:spTree>
     <p:extLst>
       <p:ext uri="{BB962C8B-B14F-4D97-AF65-F5344CB8AC3E}">
-        <p14:creationId xmlns:p14="http://schemas.microsoft.com/office/powerpoint/2010/main" val="2900743487"/>
+        <p14:creationId xmlns:p14="http://schemas.microsoft.com/office/powerpoint/2010/main" val="147337237"/>
       </p:ext>
     </p:extLst>
   </p:cSld>

--- a/slides/TP557_10_Datasets.pptx
+++ b/slides/TP557_10_Datasets.pptx
@@ -5,10 +5,10 @@
     <p:sldMasterId id="2147483648" r:id="rId1"/>
   </p:sldMasterIdLst>
   <p:notesMasterIdLst>
-    <p:notesMasterId r:id="rId34"/>
+    <p:notesMasterId r:id="rId35"/>
   </p:notesMasterIdLst>
   <p:handoutMasterIdLst>
-    <p:handoutMasterId r:id="rId35"/>
+    <p:handoutMasterId r:id="rId36"/>
   </p:handoutMasterIdLst>
   <p:sldIdLst>
     <p:sldId id="256" r:id="rId2"/>
@@ -36,13 +36,14 @@
     <p:sldId id="453" r:id="rId24"/>
     <p:sldId id="454" r:id="rId25"/>
     <p:sldId id="456" r:id="rId26"/>
-    <p:sldId id="426" r:id="rId27"/>
-    <p:sldId id="446" r:id="rId28"/>
-    <p:sldId id="457" r:id="rId29"/>
-    <p:sldId id="405" r:id="rId30"/>
-    <p:sldId id="293" r:id="rId31"/>
-    <p:sldId id="306" r:id="rId32"/>
-    <p:sldId id="455" r:id="rId33"/>
+    <p:sldId id="457" r:id="rId27"/>
+    <p:sldId id="459" r:id="rId28"/>
+    <p:sldId id="460" r:id="rId29"/>
+    <p:sldId id="426" r:id="rId30"/>
+    <p:sldId id="405" r:id="rId31"/>
+    <p:sldId id="293" r:id="rId32"/>
+    <p:sldId id="306" r:id="rId33"/>
+    <p:sldId id="455" r:id="rId34"/>
   </p:sldIdLst>
   <p:sldSz cx="12192000" cy="6858000"/>
   <p:notesSz cx="7315200" cy="9601200"/>
@@ -1954,31 +1955,7 @@
             </a:pPr>
             <a:r>
               <a:rPr lang="pt-BR" dirty="0"/>
-              <a:t>https://colab.research.google.com/</a:t>
-            </a:r>
-            <a:r>
-              <a:rPr lang="pt-BR" dirty="0" err="1"/>
-              <a:t>github</a:t>
-            </a:r>
-            <a:r>
-              <a:rPr lang="pt-BR" dirty="0"/>
-              <a:t>/zz4fap/tp557-iot-ml/</a:t>
-            </a:r>
-            <a:r>
-              <a:rPr lang="pt-BR" dirty="0" err="1"/>
-              <a:t>blob</a:t>
-            </a:r>
-            <a:r>
-              <a:rPr lang="pt-BR" dirty="0"/>
-              <a:t>/master/</a:t>
-            </a:r>
-            <a:r>
-              <a:rPr lang="pt-BR" dirty="0" err="1"/>
-              <a:t>examples</a:t>
-            </a:r>
-            <a:r>
-              <a:rPr lang="pt-BR" dirty="0"/>
-              <a:t>/Detecção_de_dígitos_escritos_à_mão_com_dados_de_validação_e_teste.ipynb</a:t>
+              <a:t>https://colab.research.google.com/github/zz4fap/tp557-iot-ml/blob/master/examples/Detec%C3%A7%C3%A3o_de_d%C3%ADgitos_escritos_%C3%A0_m%C3%A3o_com_dados_de_valida%C3%A7%C3%A3o_e_teste.ipynb</a:t>
             </a:r>
           </a:p>
           <a:p>
@@ -2021,6 +1998,26 @@
             </a:pPr>
             <a:endParaRPr lang="pt-BR" dirty="0"/>
           </a:p>
+          <a:p>
+            <a:pPr marL="0" marR="0" lvl="0" indent="0" algn="l" defTabSz="914400" rtl="0" eaLnBrk="1" fontAlgn="auto" latinLnBrk="0" hangingPunct="1">
+              <a:lnSpc>
+                <a:spcPct val="100000"/>
+              </a:lnSpc>
+              <a:spcBef>
+                <a:spcPts val="0"/>
+              </a:spcBef>
+              <a:spcAft>
+                <a:spcPts val="0"/>
+              </a:spcAft>
+              <a:buClrTx/>
+              <a:buSzTx/>
+              <a:buFontTx/>
+              <a:buNone/>
+              <a:tabLst/>
+              <a:defRPr/>
+            </a:pPr>
+            <a:endParaRPr lang="pt-BR" dirty="0"/>
+          </a:p>
         </p:txBody>
       </p:sp>
       <p:sp>
@@ -2040,7 +2037,7 @@
           <a:p>
             <a:fld id="{6FC8D850-966F-45A6-8DE7-15B891E7D40D}" type="slidenum">
               <a:rPr lang="pt-BR" smtClean="0"/>
-              <a:t>26</a:t>
+              <a:t>29</a:t>
             </a:fld>
             <a:endParaRPr lang="pt-BR"/>
           </a:p>
@@ -2103,23 +2100,6 @@
           <a:bodyPr/>
           <a:lstStyle/>
           <a:p>
-            <a:pPr marL="0" marR="0" lvl="0" indent="0" algn="l" defTabSz="914400" rtl="0" eaLnBrk="1" fontAlgn="auto" latinLnBrk="0" hangingPunct="1">
-              <a:lnSpc>
-                <a:spcPct val="100000"/>
-              </a:lnSpc>
-              <a:spcBef>
-                <a:spcPts val="0"/>
-              </a:spcBef>
-              <a:spcAft>
-                <a:spcPts val="0"/>
-              </a:spcAft>
-              <a:buClrTx/>
-              <a:buSzTx/>
-              <a:buFontTx/>
-              <a:buNone/>
-              <a:tabLst/>
-              <a:defRPr/>
-            </a:pPr>
             <a:r>
               <a:rPr lang="pt-BR" dirty="0"/>
               <a:t>https://colab.research.google.com/</a:t>
@@ -2142,7 +2122,7 @@
             </a:r>
             <a:r>
               <a:rPr lang="pt-BR" dirty="0" err="1"/>
-              <a:t>examples</a:t>
+              <a:t>exercises</a:t>
             </a:r>
             <a:r>
               <a:rPr lang="pt-BR" dirty="0"/>
@@ -2150,8 +2130,17 @@
             </a:r>
             <a:r>
               <a:rPr lang="pt-BR" dirty="0" err="1"/>
-              <a:t>Detecção_de_dígitos_escritos_à_mão.ipynb</a:t>
-            </a:r>
+              <a:t>Exercício_detecção_de_peças_de_roupa.ipynb</a:t>
+            </a:r>
+            <a:endParaRPr lang="pt-BR" dirty="0"/>
+          </a:p>
+          <a:p>
+            <a:endParaRPr lang="pt-BR" dirty="0"/>
+          </a:p>
+          <a:p>
+            <a:endParaRPr lang="pt-BR" dirty="0"/>
+          </a:p>
+          <a:p>
             <a:endParaRPr lang="pt-BR" dirty="0"/>
           </a:p>
         </p:txBody>
@@ -2173,132 +2162,7 @@
           <a:p>
             <a:fld id="{6FC8D850-966F-45A6-8DE7-15B891E7D40D}" type="slidenum">
               <a:rPr lang="pt-BR" smtClean="0"/>
-              <a:t>28</a:t>
-            </a:fld>
-            <a:endParaRPr lang="pt-BR"/>
-          </a:p>
-        </p:txBody>
-      </p:sp>
-    </p:spTree>
-    <p:extLst>
-      <p:ext uri="{BB962C8B-B14F-4D97-AF65-F5344CB8AC3E}">
-        <p14:creationId xmlns:p14="http://schemas.microsoft.com/office/powerpoint/2010/main" val="2604614687"/>
-      </p:ext>
-    </p:extLst>
-  </p:cSld>
-  <p:clrMapOvr>
-    <a:masterClrMapping/>
-  </p:clrMapOvr>
-</p:notes>
-</file>
-
-<file path=ppt/notesSlides/notesSlide17.xml><?xml version="1.0" encoding="utf-8"?>
-<p:notes xmlns:a="http://schemas.openxmlformats.org/drawingml/2006/main" xmlns:r="http://schemas.openxmlformats.org/officeDocument/2006/relationships" xmlns:p="http://schemas.openxmlformats.org/presentationml/2006/main">
-  <p:cSld>
-    <p:spTree>
-      <p:nvGrpSpPr>
-        <p:cNvPr id="1" name=""/>
-        <p:cNvGrpSpPr/>
-        <p:nvPr/>
-      </p:nvGrpSpPr>
-      <p:grpSpPr>
-        <a:xfrm>
-          <a:off x="0" y="0"/>
-          <a:ext cx="0" cy="0"/>
-          <a:chOff x="0" y="0"/>
-          <a:chExt cx="0" cy="0"/>
-        </a:xfrm>
-      </p:grpSpPr>
-      <p:sp>
-        <p:nvSpPr>
-          <p:cNvPr id="2" name="Espaço Reservado para Imagem de Slide 1"/>
-          <p:cNvSpPr>
-            <a:spLocks noGrp="1" noRot="1" noChangeAspect="1"/>
-          </p:cNvSpPr>
-          <p:nvPr>
-            <p:ph type="sldImg"/>
-          </p:nvPr>
-        </p:nvSpPr>
-        <p:spPr/>
-      </p:sp>
-      <p:sp>
-        <p:nvSpPr>
-          <p:cNvPr id="3" name="Espaço Reservado para Anotações 2"/>
-          <p:cNvSpPr>
-            <a:spLocks noGrp="1"/>
-          </p:cNvSpPr>
-          <p:nvPr>
-            <p:ph type="body" idx="1"/>
-          </p:nvPr>
-        </p:nvSpPr>
-        <p:spPr/>
-        <p:txBody>
-          <a:bodyPr/>
-          <a:lstStyle/>
-          <a:p>
-            <a:r>
-              <a:rPr lang="pt-BR" dirty="0"/>
-              <a:t>https://colab.research.google.com/</a:t>
-            </a:r>
-            <a:r>
-              <a:rPr lang="pt-BR" dirty="0" err="1"/>
-              <a:t>github</a:t>
-            </a:r>
-            <a:r>
-              <a:rPr lang="pt-BR" dirty="0"/>
-              <a:t>/zz4fap/tp557-iot-ml/</a:t>
-            </a:r>
-            <a:r>
-              <a:rPr lang="pt-BR" dirty="0" err="1"/>
-              <a:t>blob</a:t>
-            </a:r>
-            <a:r>
-              <a:rPr lang="pt-BR" dirty="0"/>
-              <a:t>/master/</a:t>
-            </a:r>
-            <a:r>
-              <a:rPr lang="pt-BR" dirty="0" err="1"/>
-              <a:t>exercises</a:t>
-            </a:r>
-            <a:r>
-              <a:rPr lang="pt-BR" dirty="0"/>
-              <a:t>/</a:t>
-            </a:r>
-            <a:r>
-              <a:rPr lang="pt-BR" dirty="0" err="1"/>
-              <a:t>Exercício_detecção_de_peças_de_roupa.ipynb</a:t>
-            </a:r>
-            <a:endParaRPr lang="pt-BR" dirty="0"/>
-          </a:p>
-          <a:p>
-            <a:endParaRPr lang="pt-BR" dirty="0"/>
-          </a:p>
-          <a:p>
-            <a:endParaRPr lang="pt-BR" dirty="0"/>
-          </a:p>
-          <a:p>
-            <a:endParaRPr lang="pt-BR" dirty="0"/>
-          </a:p>
-        </p:txBody>
-      </p:sp>
-      <p:sp>
-        <p:nvSpPr>
-          <p:cNvPr id="4" name="Espaço Reservado para Número de Slide 3"/>
-          <p:cNvSpPr>
-            <a:spLocks noGrp="1"/>
-          </p:cNvSpPr>
-          <p:nvPr>
-            <p:ph type="sldNum" sz="quarter" idx="5"/>
-          </p:nvPr>
-        </p:nvSpPr>
-        <p:spPr/>
-        <p:txBody>
-          <a:bodyPr/>
-          <a:lstStyle/>
-          <a:p>
-            <a:fld id="{6FC8D850-966F-45A6-8DE7-15B891E7D40D}" type="slidenum">
-              <a:rPr lang="pt-BR" smtClean="0"/>
-              <a:t>29</a:t>
+              <a:t>30</a:t>
             </a:fld>
             <a:endParaRPr lang="pt-BR"/>
           </a:p>
@@ -2790,7 +2654,27 @@
                 <a:effectLst/>
                 <a:latin typeface="Söhne"/>
               </a:rPr>
-              <a:t>O subajuste (</a:t>
+              <a:t>O </a:t>
+            </a:r>
+            <a:r>
+              <a:rPr lang="pt-BR" b="0" i="0" dirty="0" err="1">
+                <a:solidFill>
+                  <a:srgbClr val="374151"/>
+                </a:solidFill>
+                <a:effectLst/>
+                <a:latin typeface="Söhne"/>
+              </a:rPr>
+              <a:t>subajuste</a:t>
+            </a:r>
+            <a:r>
+              <a:rPr lang="pt-BR" b="0" i="0" dirty="0">
+                <a:solidFill>
+                  <a:srgbClr val="374151"/>
+                </a:solidFill>
+                <a:effectLst/>
+                <a:latin typeface="Söhne"/>
+              </a:rPr>
+              <a:t> (</a:t>
             </a:r>
             <a:r>
               <a:rPr lang="pt-BR" b="0" i="0" dirty="0" err="1">
@@ -2823,7 +2707,27 @@
                 <a:effectLst/>
                 <a:latin typeface="Söhne"/>
               </a:rPr>
-              <a:t>Características do subajuste:</a:t>
+              <a:t>Características do </a:t>
+            </a:r>
+            <a:r>
+              <a:rPr lang="pt-BR" b="0" i="0" dirty="0" err="1">
+                <a:solidFill>
+                  <a:srgbClr val="374151"/>
+                </a:solidFill>
+                <a:effectLst/>
+                <a:latin typeface="Söhne"/>
+              </a:rPr>
+              <a:t>subajuste</a:t>
+            </a:r>
+            <a:r>
+              <a:rPr lang="pt-BR" b="0" i="0" dirty="0">
+                <a:solidFill>
+                  <a:srgbClr val="374151"/>
+                </a:solidFill>
+                <a:effectLst/>
+                <a:latin typeface="Söhne"/>
+              </a:rPr>
+              <a:t>:</a:t>
             </a:r>
           </a:p>
           <a:p>
@@ -3044,7 +2948,27 @@
                 <a:effectLst/>
                 <a:latin typeface="Söhne"/>
               </a:rPr>
-              <a:t>Causas do subajuste:</a:t>
+              <a:t>Causas do </a:t>
+            </a:r>
+            <a:r>
+              <a:rPr lang="pt-BR" b="0" i="0" dirty="0" err="1">
+                <a:solidFill>
+                  <a:srgbClr val="374151"/>
+                </a:solidFill>
+                <a:effectLst/>
+                <a:latin typeface="Söhne"/>
+              </a:rPr>
+              <a:t>subajuste</a:t>
+            </a:r>
+            <a:r>
+              <a:rPr lang="pt-BR" b="0" i="0" dirty="0">
+                <a:solidFill>
+                  <a:srgbClr val="374151"/>
+                </a:solidFill>
+                <a:effectLst/>
+                <a:latin typeface="Söhne"/>
+              </a:rPr>
+              <a:t>:</a:t>
             </a:r>
           </a:p>
           <a:p>
@@ -3122,7 +3046,27 @@
                 <a:effectLst/>
                 <a:latin typeface="Söhne"/>
               </a:rPr>
-              <a:t> Um treinamento insuficiente pode resultar em subajuste, pois o modelo não teve oportunidade de aprender os padrões nos dados.</a:t>
+              <a:t> Um treinamento insuficiente pode resultar em </a:t>
+            </a:r>
+            <a:r>
+              <a:rPr lang="pt-BR" b="0" i="0" dirty="0" err="1">
+                <a:solidFill>
+                  <a:srgbClr val="374151"/>
+                </a:solidFill>
+                <a:effectLst/>
+                <a:latin typeface="Söhne"/>
+              </a:rPr>
+              <a:t>subajuste</a:t>
+            </a:r>
+            <a:r>
+              <a:rPr lang="pt-BR" b="0" i="0" dirty="0">
+                <a:solidFill>
+                  <a:srgbClr val="374151"/>
+                </a:solidFill>
+                <a:effectLst/>
+                <a:latin typeface="Söhne"/>
+              </a:rPr>
+              <a:t>, pois o modelo não teve oportunidade de aprender os padrões nos dados.</a:t>
             </a:r>
           </a:p>
           <a:p>
@@ -3245,7 +3189,27 @@
                 <a:effectLst/>
                 <a:latin typeface="Söhne"/>
               </a:rPr>
-              <a:t>Como lidar com o subajuste:</a:t>
+              <a:t>Como lidar com o </a:t>
+            </a:r>
+            <a:r>
+              <a:rPr lang="pt-BR" b="0" i="0" dirty="0" err="1">
+                <a:solidFill>
+                  <a:srgbClr val="374151"/>
+                </a:solidFill>
+                <a:effectLst/>
+                <a:latin typeface="Söhne"/>
+              </a:rPr>
+              <a:t>subajuste</a:t>
+            </a:r>
+            <a:r>
+              <a:rPr lang="pt-BR" b="0" i="0" dirty="0">
+                <a:solidFill>
+                  <a:srgbClr val="374151"/>
+                </a:solidFill>
+                <a:effectLst/>
+                <a:latin typeface="Söhne"/>
+              </a:rPr>
+              <a:t>:</a:t>
             </a:r>
           </a:p>
           <a:p>
@@ -3409,7 +3373,27 @@
                 <a:effectLst/>
                 <a:latin typeface="Söhne"/>
               </a:rPr>
-              <a:t>, podem ajudar a evitar o subajuste controlando a complexidade do modelo.</a:t>
+              <a:t>, podem ajudar a evitar o </a:t>
+            </a:r>
+            <a:r>
+              <a:rPr lang="pt-BR" b="0" i="0" dirty="0" err="1">
+                <a:solidFill>
+                  <a:srgbClr val="374151"/>
+                </a:solidFill>
+                <a:effectLst/>
+                <a:latin typeface="Söhne"/>
+              </a:rPr>
+              <a:t>subajuste</a:t>
+            </a:r>
+            <a:r>
+              <a:rPr lang="pt-BR" b="0" i="0" dirty="0">
+                <a:solidFill>
+                  <a:srgbClr val="374151"/>
+                </a:solidFill>
+                <a:effectLst/>
+                <a:latin typeface="Söhne"/>
+              </a:rPr>
+              <a:t> controlando a complexidade do modelo.</a:t>
             </a:r>
           </a:p>
           <a:p>
@@ -7011,7 +6995,7 @@
               <a:t>O </a:t>
             </a:r>
             <a:r>
-              <a:rPr lang="pt-BR" b="1" i="1" dirty="0">
+              <a:rPr lang="pt-BR" b="1" i="1" dirty="0" err="1">
                 <a:solidFill>
                   <a:srgbClr val="FF0000"/>
                 </a:solidFill>
@@ -7139,9 +7123,10 @@
           <a:p>
             <a:pPr algn="ctr"/>
             <a:r>
-              <a:rPr lang="pt-BR" b="1" dirty="0"/>
+              <a:rPr lang="pt-BR" b="1" dirty="0" err="1"/>
               <a:t>subajuste</a:t>
             </a:r>
+            <a:endParaRPr lang="pt-BR" b="1" dirty="0"/>
           </a:p>
         </p:txBody>
       </p:sp>
@@ -7468,7 +7453,7 @@
               <a:t>Algumas causas do </a:t>
             </a:r>
             <a:r>
-              <a:rPr lang="pt-BR" b="1" i="1" dirty="0">
+              <a:rPr lang="pt-BR" b="1" i="1" dirty="0" err="1">
                 <a:solidFill>
                   <a:srgbClr val="FF0000"/>
                 </a:solidFill>
@@ -7581,9 +7566,10 @@
           <a:p>
             <a:pPr algn="ctr"/>
             <a:r>
-              <a:rPr lang="pt-BR" b="1" dirty="0"/>
+              <a:rPr lang="pt-BR" b="1" dirty="0" err="1"/>
               <a:t>subajuste</a:t>
             </a:r>
+            <a:endParaRPr lang="pt-BR" b="1" dirty="0"/>
           </a:p>
         </p:txBody>
       </p:sp>
@@ -8022,9 +8008,10 @@
           <a:p>
             <a:pPr algn="ctr"/>
             <a:r>
-              <a:rPr lang="pt-BR" b="1" dirty="0"/>
+              <a:rPr lang="pt-BR" b="1" dirty="0" err="1"/>
               <a:t>subajuste</a:t>
             </a:r>
+            <a:endParaRPr lang="pt-BR" b="1" dirty="0"/>
           </a:p>
         </p:txBody>
       </p:sp>
@@ -8495,9 +8482,10 @@
           <a:p>
             <a:pPr algn="ctr"/>
             <a:r>
-              <a:rPr lang="pt-BR" b="1" dirty="0"/>
+              <a:rPr lang="pt-BR" b="1" dirty="0" err="1"/>
               <a:t>subajuste</a:t>
             </a:r>
+            <a:endParaRPr lang="pt-BR" b="1" dirty="0"/>
           </a:p>
         </p:txBody>
       </p:sp>
@@ -8962,9 +8950,10 @@
           <a:p>
             <a:pPr algn="ctr"/>
             <a:r>
-              <a:rPr lang="pt-BR" b="1" dirty="0"/>
+              <a:rPr lang="pt-BR" b="1" dirty="0" err="1"/>
               <a:t>subajuste</a:t>
             </a:r>
+            <a:endParaRPr lang="pt-BR" b="1" dirty="0"/>
           </a:p>
         </p:txBody>
       </p:sp>
@@ -9453,9 +9442,10 @@
           <a:p>
             <a:pPr algn="ctr"/>
             <a:r>
-              <a:rPr lang="pt-BR" b="1" dirty="0"/>
+              <a:rPr lang="pt-BR" b="1" dirty="0" err="1"/>
               <a:t>subajuste</a:t>
             </a:r>
+            <a:endParaRPr lang="pt-BR" b="1" dirty="0"/>
           </a:p>
         </p:txBody>
       </p:sp>
@@ -9793,7 +9783,19 @@
               <a:rPr lang="pt-BR" dirty="0">
                 <a:effectLst/>
               </a:rPr>
-              <a:t>equilíbrio entre um modelo muito simples (subajuste) e um modelo muito complexo (sobreajuste).</a:t>
+              <a:t>equilíbrio entre um modelo muito simples (</a:t>
+            </a:r>
+            <a:r>
+              <a:rPr lang="pt-BR" dirty="0" err="1">
+                <a:effectLst/>
+              </a:rPr>
+              <a:t>subajuste</a:t>
+            </a:r>
+            <a:r>
+              <a:rPr lang="pt-BR" dirty="0">
+                <a:effectLst/>
+              </a:rPr>
+              <a:t>) e um modelo muito complexo (sobreajuste).</a:t>
             </a:r>
           </a:p>
         </p:txBody>
@@ -9873,9 +9875,10 @@
           <a:p>
             <a:pPr algn="ctr"/>
             <a:r>
-              <a:rPr lang="pt-BR" b="1" dirty="0"/>
+              <a:rPr lang="pt-BR" b="1" dirty="0" err="1"/>
               <a:t>subajuste</a:t>
             </a:r>
+            <a:endParaRPr lang="pt-BR" b="1" dirty="0"/>
           </a:p>
         </p:txBody>
       </p:sp>
@@ -13229,6 +13232,646 @@
           <p:cNvPr id="2" name="Título 1">
             <a:extLst>
               <a:ext uri="{FF2B5EF4-FFF2-40B4-BE49-F238E27FC236}">
+                <a16:creationId xmlns:a16="http://schemas.microsoft.com/office/drawing/2014/main" id="{A787DC77-1C7E-7CCE-3CBD-46B64DFFBC58}"/>
+              </a:ext>
+            </a:extLst>
+          </p:cNvPr>
+          <p:cNvSpPr>
+            <a:spLocks noGrp="1"/>
+          </p:cNvSpPr>
+          <p:nvPr>
+            <p:ph type="title"/>
+          </p:nvPr>
+        </p:nvSpPr>
+        <p:spPr/>
+        <p:txBody>
+          <a:bodyPr/>
+          <a:lstStyle/>
+          <a:p>
+            <a:r>
+              <a:rPr lang="pt-BR" dirty="0"/>
+              <a:t>Analisando o erro</a:t>
+            </a:r>
+          </a:p>
+        </p:txBody>
+      </p:sp>
+      <p:sp>
+        <p:nvSpPr>
+          <p:cNvPr id="3" name="Espaço Reservado para Conteúdo 2">
+            <a:extLst>
+              <a:ext uri="{FF2B5EF4-FFF2-40B4-BE49-F238E27FC236}">
+                <a16:creationId xmlns:a16="http://schemas.microsoft.com/office/drawing/2014/main" id="{5D48F8C6-72EE-D475-5DD5-163C0105FA10}"/>
+              </a:ext>
+            </a:extLst>
+          </p:cNvPr>
+          <p:cNvSpPr>
+            <a:spLocks noGrp="1"/>
+          </p:cNvSpPr>
+          <p:nvPr>
+            <p:ph idx="1"/>
+          </p:nvPr>
+        </p:nvSpPr>
+        <p:spPr>
+          <a:xfrm>
+            <a:off x="6096001" y="1825624"/>
+            <a:ext cx="5906814" cy="5032375"/>
+          </a:xfrm>
+        </p:spPr>
+        <p:txBody>
+          <a:bodyPr>
+            <a:normAutofit/>
+          </a:bodyPr>
+          <a:lstStyle/>
+          <a:p>
+            <a:r>
+              <a:rPr lang="pt-BR" dirty="0"/>
+              <a:t>Podemos extrair informações muito importantes a partir dos resultados de erro ao longo das épocas de treinamento de um modelo.</a:t>
+            </a:r>
+          </a:p>
+          <a:p>
+            <a:r>
+              <a:rPr lang="pt-BR" b="1" i="1" dirty="0"/>
+              <a:t>Subajuste</a:t>
+            </a:r>
+            <a:r>
+              <a:rPr lang="pt-BR" dirty="0"/>
+              <a:t>: ambos os erros são altos. </a:t>
+            </a:r>
+          </a:p>
+          <a:p>
+            <a:r>
+              <a:rPr lang="pt-BR" dirty="0"/>
+              <a:t>O modelo não tem complexidade o suficiente para encontrar um padrão geral e/ou ainda não treinou o suficiente.</a:t>
+            </a:r>
+          </a:p>
+          <a:p>
+            <a:r>
+              <a:rPr lang="pt-BR" dirty="0"/>
+              <a:t>Aumentar o passo de aprendizagem pode ajudar a mitigar o problema.</a:t>
+            </a:r>
+          </a:p>
+        </p:txBody>
+      </p:sp>
+      <p:pic>
+        <p:nvPicPr>
+          <p:cNvPr id="1026" name="Picture 2" descr="Underfitting and Overfitting in Machine Learning | Baeldung on Computer  Science">
+            <a:extLst>
+              <a:ext uri="{FF2B5EF4-FFF2-40B4-BE49-F238E27FC236}">
+                <a16:creationId xmlns:a16="http://schemas.microsoft.com/office/drawing/2014/main" id="{3E8A130B-8CD3-C744-2C97-80673657421B}"/>
+              </a:ext>
+            </a:extLst>
+          </p:cNvPr>
+          <p:cNvPicPr>
+            <a:picLocks noChangeAspect="1" noChangeArrowheads="1"/>
+          </p:cNvPicPr>
+          <p:nvPr/>
+        </p:nvPicPr>
+        <p:blipFill>
+          <a:blip r:embed="rId2">
+            <a:extLst>
+              <a:ext uri="{28A0092B-C50C-407E-A947-70E740481C1C}">
+                <a14:useLocalDpi xmlns:a14="http://schemas.microsoft.com/office/drawing/2010/main" val="0"/>
+              </a:ext>
+            </a:extLst>
+          </a:blip>
+          <a:srcRect/>
+          <a:stretch>
+            <a:fillRect/>
+          </a:stretch>
+        </p:blipFill>
+        <p:spPr bwMode="auto">
+          <a:xfrm>
+            <a:off x="522496" y="2351450"/>
+            <a:ext cx="5079992" cy="3134950"/>
+          </a:xfrm>
+          <a:prstGeom prst="rect">
+            <a:avLst/>
+          </a:prstGeom>
+          <a:noFill/>
+          <a:extLst>
+            <a:ext uri="{909E8E84-426E-40DD-AFC4-6F175D3DCCD1}">
+              <a14:hiddenFill xmlns:a14="http://schemas.microsoft.com/office/drawing/2010/main">
+                <a:solidFill>
+                  <a:srgbClr val="FFFFFF"/>
+                </a:solidFill>
+              </a14:hiddenFill>
+            </a:ext>
+          </a:extLst>
+        </p:spPr>
+      </p:pic>
+      <p:sp>
+        <p:nvSpPr>
+          <p:cNvPr id="4" name="Retângulo 3">
+            <a:extLst>
+              <a:ext uri="{FF2B5EF4-FFF2-40B4-BE49-F238E27FC236}">
+                <a16:creationId xmlns:a16="http://schemas.microsoft.com/office/drawing/2014/main" id="{C1DC8066-CA5D-5752-C404-17B9795B85A1}"/>
+              </a:ext>
+            </a:extLst>
+          </p:cNvPr>
+          <p:cNvSpPr/>
+          <p:nvPr/>
+        </p:nvSpPr>
+        <p:spPr>
+          <a:xfrm>
+            <a:off x="838200" y="2585547"/>
+            <a:ext cx="1305910" cy="2900853"/>
+          </a:xfrm>
+          <a:prstGeom prst="rect">
+            <a:avLst/>
+          </a:prstGeom>
+          <a:noFill/>
+          <a:ln w="28575">
+            <a:solidFill>
+              <a:srgbClr val="FF0000"/>
+            </a:solidFill>
+          </a:ln>
+        </p:spPr>
+        <p:style>
+          <a:lnRef idx="2">
+            <a:schemeClr val="accent1">
+              <a:shade val="15000"/>
+            </a:schemeClr>
+          </a:lnRef>
+          <a:fillRef idx="1">
+            <a:schemeClr val="accent1"/>
+          </a:fillRef>
+          <a:effectRef idx="0">
+            <a:schemeClr val="accent1"/>
+          </a:effectRef>
+          <a:fontRef idx="minor">
+            <a:schemeClr val="lt1"/>
+          </a:fontRef>
+        </p:style>
+        <p:txBody>
+          <a:bodyPr rtlCol="0" anchor="ctr"/>
+          <a:lstStyle/>
+          <a:p>
+            <a:pPr algn="ctr"/>
+            <a:endParaRPr lang="pt-BR"/>
+          </a:p>
+        </p:txBody>
+      </p:sp>
+    </p:spTree>
+    <p:extLst>
+      <p:ext uri="{BB962C8B-B14F-4D97-AF65-F5344CB8AC3E}">
+        <p14:creationId xmlns:p14="http://schemas.microsoft.com/office/powerpoint/2010/main" val="953186001"/>
+      </p:ext>
+    </p:extLst>
+  </p:cSld>
+  <p:clrMapOvr>
+    <a:masterClrMapping/>
+  </p:clrMapOvr>
+</p:sld>
+</file>
+
+<file path=ppt/slides/slide27.xml><?xml version="1.0" encoding="utf-8"?>
+<p:sld xmlns:a="http://schemas.openxmlformats.org/drawingml/2006/main" xmlns:r="http://schemas.openxmlformats.org/officeDocument/2006/relationships" xmlns:p="http://schemas.openxmlformats.org/presentationml/2006/main">
+  <p:cSld>
+    <p:spTree>
+      <p:nvGrpSpPr>
+        <p:cNvPr id="1" name=""/>
+        <p:cNvGrpSpPr/>
+        <p:nvPr/>
+      </p:nvGrpSpPr>
+      <p:grpSpPr>
+        <a:xfrm>
+          <a:off x="0" y="0"/>
+          <a:ext cx="0" cy="0"/>
+          <a:chOff x="0" y="0"/>
+          <a:chExt cx="0" cy="0"/>
+        </a:xfrm>
+      </p:grpSpPr>
+      <p:sp>
+        <p:nvSpPr>
+          <p:cNvPr id="2" name="Título 1">
+            <a:extLst>
+              <a:ext uri="{FF2B5EF4-FFF2-40B4-BE49-F238E27FC236}">
+                <a16:creationId xmlns:a16="http://schemas.microsoft.com/office/drawing/2014/main" id="{A787DC77-1C7E-7CCE-3CBD-46B64DFFBC58}"/>
+              </a:ext>
+            </a:extLst>
+          </p:cNvPr>
+          <p:cNvSpPr>
+            <a:spLocks noGrp="1"/>
+          </p:cNvSpPr>
+          <p:nvPr>
+            <p:ph type="title"/>
+          </p:nvPr>
+        </p:nvSpPr>
+        <p:spPr/>
+        <p:txBody>
+          <a:bodyPr/>
+          <a:lstStyle/>
+          <a:p>
+            <a:r>
+              <a:rPr lang="pt-BR" dirty="0"/>
+              <a:t>Analisando o erro</a:t>
+            </a:r>
+          </a:p>
+        </p:txBody>
+      </p:sp>
+      <p:sp>
+        <p:nvSpPr>
+          <p:cNvPr id="3" name="Espaço Reservado para Conteúdo 2">
+            <a:extLst>
+              <a:ext uri="{FF2B5EF4-FFF2-40B4-BE49-F238E27FC236}">
+                <a16:creationId xmlns:a16="http://schemas.microsoft.com/office/drawing/2014/main" id="{5D48F8C6-72EE-D475-5DD5-163C0105FA10}"/>
+              </a:ext>
+            </a:extLst>
+          </p:cNvPr>
+          <p:cNvSpPr>
+            <a:spLocks noGrp="1"/>
+          </p:cNvSpPr>
+          <p:nvPr>
+            <p:ph idx="1"/>
+          </p:nvPr>
+        </p:nvSpPr>
+        <p:spPr>
+          <a:xfrm>
+            <a:off x="5875283" y="1825624"/>
+            <a:ext cx="6127532" cy="5032375"/>
+          </a:xfrm>
+        </p:spPr>
+        <p:txBody>
+          <a:bodyPr>
+            <a:normAutofit/>
+          </a:bodyPr>
+          <a:lstStyle/>
+          <a:p>
+            <a:r>
+              <a:rPr lang="pt-BR" b="1" i="1" dirty="0"/>
+              <a:t>Sobreajuste</a:t>
+            </a:r>
+            <a:r>
+              <a:rPr lang="pt-BR" dirty="0"/>
+              <a:t>: erro de treinamento pequeno e erro de validação alto. </a:t>
+            </a:r>
+          </a:p>
+          <a:p>
+            <a:r>
+              <a:rPr lang="pt-BR" dirty="0"/>
+              <a:t>O modelo tem complexidade maior do que a necessária e/ou treinou por um número grande de épocas.</a:t>
+            </a:r>
+          </a:p>
+          <a:p>
+            <a:pPr lvl="1">
+              <a:buFont typeface="Wingdings" panose="05000000000000000000" pitchFamily="2" charset="2"/>
+              <a:buChar char="§"/>
+            </a:pPr>
+            <a:r>
+              <a:rPr lang="pt-BR" dirty="0"/>
+              <a:t>Quando um modelo vê o mesmo conjunto muitas vezes, a tendência é que ele memorize os dados, da mesmo forma que ocorre conosco.</a:t>
+            </a:r>
+          </a:p>
+        </p:txBody>
+      </p:sp>
+      <p:pic>
+        <p:nvPicPr>
+          <p:cNvPr id="1026" name="Picture 2" descr="Underfitting and Overfitting in Machine Learning | Baeldung on Computer  Science">
+            <a:extLst>
+              <a:ext uri="{FF2B5EF4-FFF2-40B4-BE49-F238E27FC236}">
+                <a16:creationId xmlns:a16="http://schemas.microsoft.com/office/drawing/2014/main" id="{3E8A130B-8CD3-C744-2C97-80673657421B}"/>
+              </a:ext>
+            </a:extLst>
+          </p:cNvPr>
+          <p:cNvPicPr>
+            <a:picLocks noChangeAspect="1" noChangeArrowheads="1"/>
+          </p:cNvPicPr>
+          <p:nvPr/>
+        </p:nvPicPr>
+        <p:blipFill>
+          <a:blip r:embed="rId2">
+            <a:extLst>
+              <a:ext uri="{28A0092B-C50C-407E-A947-70E740481C1C}">
+                <a14:useLocalDpi xmlns:a14="http://schemas.microsoft.com/office/drawing/2010/main" val="0"/>
+              </a:ext>
+            </a:extLst>
+          </a:blip>
+          <a:srcRect/>
+          <a:stretch>
+            <a:fillRect/>
+          </a:stretch>
+        </p:blipFill>
+        <p:spPr bwMode="auto">
+          <a:xfrm>
+            <a:off x="522496" y="2351450"/>
+            <a:ext cx="5079992" cy="3134950"/>
+          </a:xfrm>
+          <a:prstGeom prst="rect">
+            <a:avLst/>
+          </a:prstGeom>
+          <a:noFill/>
+          <a:extLst>
+            <a:ext uri="{909E8E84-426E-40DD-AFC4-6F175D3DCCD1}">
+              <a14:hiddenFill xmlns:a14="http://schemas.microsoft.com/office/drawing/2010/main">
+                <a:solidFill>
+                  <a:srgbClr val="FFFFFF"/>
+                </a:solidFill>
+              </a14:hiddenFill>
+            </a:ext>
+          </a:extLst>
+        </p:spPr>
+      </p:pic>
+      <p:sp>
+        <p:nvSpPr>
+          <p:cNvPr id="4" name="Retângulo 3">
+            <a:extLst>
+              <a:ext uri="{FF2B5EF4-FFF2-40B4-BE49-F238E27FC236}">
+                <a16:creationId xmlns:a16="http://schemas.microsoft.com/office/drawing/2014/main" id="{FB1D026E-1069-39FC-B340-8546D2D2486C}"/>
+              </a:ext>
+            </a:extLst>
+          </p:cNvPr>
+          <p:cNvSpPr/>
+          <p:nvPr/>
+        </p:nvSpPr>
+        <p:spPr>
+          <a:xfrm>
+            <a:off x="3626069" y="2522482"/>
+            <a:ext cx="977462" cy="2963917"/>
+          </a:xfrm>
+          <a:prstGeom prst="rect">
+            <a:avLst/>
+          </a:prstGeom>
+          <a:noFill/>
+          <a:ln w="28575">
+            <a:solidFill>
+              <a:srgbClr val="FF0000"/>
+            </a:solidFill>
+          </a:ln>
+        </p:spPr>
+        <p:style>
+          <a:lnRef idx="2">
+            <a:schemeClr val="accent1">
+              <a:shade val="15000"/>
+            </a:schemeClr>
+          </a:lnRef>
+          <a:fillRef idx="1">
+            <a:schemeClr val="accent1"/>
+          </a:fillRef>
+          <a:effectRef idx="0">
+            <a:schemeClr val="accent1"/>
+          </a:effectRef>
+          <a:fontRef idx="minor">
+            <a:schemeClr val="lt1"/>
+          </a:fontRef>
+        </p:style>
+        <p:txBody>
+          <a:bodyPr rtlCol="0" anchor="ctr"/>
+          <a:lstStyle/>
+          <a:p>
+            <a:pPr algn="ctr"/>
+            <a:endParaRPr lang="pt-BR"/>
+          </a:p>
+        </p:txBody>
+      </p:sp>
+    </p:spTree>
+    <p:extLst>
+      <p:ext uri="{BB962C8B-B14F-4D97-AF65-F5344CB8AC3E}">
+        <p14:creationId xmlns:p14="http://schemas.microsoft.com/office/powerpoint/2010/main" val="3930157272"/>
+      </p:ext>
+    </p:extLst>
+  </p:cSld>
+  <p:clrMapOvr>
+    <a:masterClrMapping/>
+  </p:clrMapOvr>
+</p:sld>
+</file>
+
+<file path=ppt/slides/slide28.xml><?xml version="1.0" encoding="utf-8"?>
+<p:sld xmlns:a="http://schemas.openxmlformats.org/drawingml/2006/main" xmlns:r="http://schemas.openxmlformats.org/officeDocument/2006/relationships" xmlns:p="http://schemas.openxmlformats.org/presentationml/2006/main">
+  <p:cSld>
+    <p:spTree>
+      <p:nvGrpSpPr>
+        <p:cNvPr id="1" name=""/>
+        <p:cNvGrpSpPr/>
+        <p:nvPr/>
+      </p:nvGrpSpPr>
+      <p:grpSpPr>
+        <a:xfrm>
+          <a:off x="0" y="0"/>
+          <a:ext cx="0" cy="0"/>
+          <a:chOff x="0" y="0"/>
+          <a:chExt cx="0" cy="0"/>
+        </a:xfrm>
+      </p:grpSpPr>
+      <p:sp>
+        <p:nvSpPr>
+          <p:cNvPr id="2" name="Título 1">
+            <a:extLst>
+              <a:ext uri="{FF2B5EF4-FFF2-40B4-BE49-F238E27FC236}">
+                <a16:creationId xmlns:a16="http://schemas.microsoft.com/office/drawing/2014/main" id="{A787DC77-1C7E-7CCE-3CBD-46B64DFFBC58}"/>
+              </a:ext>
+            </a:extLst>
+          </p:cNvPr>
+          <p:cNvSpPr>
+            <a:spLocks noGrp="1"/>
+          </p:cNvSpPr>
+          <p:nvPr>
+            <p:ph type="title"/>
+          </p:nvPr>
+        </p:nvSpPr>
+        <p:spPr/>
+        <p:txBody>
+          <a:bodyPr/>
+          <a:lstStyle/>
+          <a:p>
+            <a:r>
+              <a:rPr lang="pt-BR" dirty="0"/>
+              <a:t>Analisando o erro</a:t>
+            </a:r>
+          </a:p>
+        </p:txBody>
+      </p:sp>
+      <p:sp>
+        <p:nvSpPr>
+          <p:cNvPr id="3" name="Espaço Reservado para Conteúdo 2">
+            <a:extLst>
+              <a:ext uri="{FF2B5EF4-FFF2-40B4-BE49-F238E27FC236}">
+                <a16:creationId xmlns:a16="http://schemas.microsoft.com/office/drawing/2014/main" id="{5D48F8C6-72EE-D475-5DD5-163C0105FA10}"/>
+              </a:ext>
+            </a:extLst>
+          </p:cNvPr>
+          <p:cNvSpPr>
+            <a:spLocks noGrp="1"/>
+          </p:cNvSpPr>
+          <p:nvPr>
+            <p:ph idx="1"/>
+          </p:nvPr>
+        </p:nvSpPr>
+        <p:spPr>
+          <a:xfrm>
+            <a:off x="5875283" y="1825624"/>
+            <a:ext cx="6127532" cy="5032375"/>
+          </a:xfrm>
+        </p:spPr>
+        <p:txBody>
+          <a:bodyPr>
+            <a:normAutofit/>
+          </a:bodyPr>
+          <a:lstStyle/>
+          <a:p>
+            <a:r>
+              <a:rPr lang="pt-BR" b="1" i="1" dirty="0"/>
+              <a:t>Generalização</a:t>
+            </a:r>
+            <a:r>
+              <a:rPr lang="pt-BR" dirty="0"/>
+              <a:t>: ambos os erros são pequenos e próximos.</a:t>
+            </a:r>
+          </a:p>
+          <a:p>
+            <a:r>
+              <a:rPr lang="pt-BR" dirty="0"/>
+              <a:t>Balanço entre complexidade e capacidade de generalização do modelo.</a:t>
+            </a:r>
+          </a:p>
+          <a:p>
+            <a:r>
+              <a:rPr lang="pt-BR" dirty="0"/>
+              <a:t>O modelo tem a complexidade ideal para capturar o padrão geral por trás dos dados e com isso generalizar bem.</a:t>
+            </a:r>
+          </a:p>
+          <a:p>
+            <a:r>
+              <a:rPr lang="pt-BR" dirty="0"/>
+              <a:t>Poderíamos encerrar o treinamento assim que o erro de validação começar a aumentar consistentemente.</a:t>
+            </a:r>
+          </a:p>
+        </p:txBody>
+      </p:sp>
+      <p:pic>
+        <p:nvPicPr>
+          <p:cNvPr id="1026" name="Picture 2" descr="Underfitting and Overfitting in Machine Learning | Baeldung on Computer  Science">
+            <a:extLst>
+              <a:ext uri="{FF2B5EF4-FFF2-40B4-BE49-F238E27FC236}">
+                <a16:creationId xmlns:a16="http://schemas.microsoft.com/office/drawing/2014/main" id="{3E8A130B-8CD3-C744-2C97-80673657421B}"/>
+              </a:ext>
+            </a:extLst>
+          </p:cNvPr>
+          <p:cNvPicPr>
+            <a:picLocks noChangeAspect="1" noChangeArrowheads="1"/>
+          </p:cNvPicPr>
+          <p:nvPr/>
+        </p:nvPicPr>
+        <p:blipFill>
+          <a:blip r:embed="rId2">
+            <a:extLst>
+              <a:ext uri="{28A0092B-C50C-407E-A947-70E740481C1C}">
+                <a14:useLocalDpi xmlns:a14="http://schemas.microsoft.com/office/drawing/2010/main" val="0"/>
+              </a:ext>
+            </a:extLst>
+          </a:blip>
+          <a:srcRect/>
+          <a:stretch>
+            <a:fillRect/>
+          </a:stretch>
+        </p:blipFill>
+        <p:spPr bwMode="auto">
+          <a:xfrm>
+            <a:off x="522496" y="2351450"/>
+            <a:ext cx="5079992" cy="3134950"/>
+          </a:xfrm>
+          <a:prstGeom prst="rect">
+            <a:avLst/>
+          </a:prstGeom>
+          <a:noFill/>
+          <a:extLst>
+            <a:ext uri="{909E8E84-426E-40DD-AFC4-6F175D3DCCD1}">
+              <a14:hiddenFill xmlns:a14="http://schemas.microsoft.com/office/drawing/2010/main">
+                <a:solidFill>
+                  <a:srgbClr val="FFFFFF"/>
+                </a:solidFill>
+              </a14:hiddenFill>
+            </a:ext>
+          </a:extLst>
+        </p:spPr>
+      </p:pic>
+      <p:sp>
+        <p:nvSpPr>
+          <p:cNvPr id="4" name="Retângulo 3">
+            <a:extLst>
+              <a:ext uri="{FF2B5EF4-FFF2-40B4-BE49-F238E27FC236}">
+                <a16:creationId xmlns:a16="http://schemas.microsoft.com/office/drawing/2014/main" id="{FB1D026E-1069-39FC-B340-8546D2D2486C}"/>
+              </a:ext>
+            </a:extLst>
+          </p:cNvPr>
+          <p:cNvSpPr/>
+          <p:nvPr/>
+        </p:nvSpPr>
+        <p:spPr>
+          <a:xfrm>
+            <a:off x="2396359" y="2532992"/>
+            <a:ext cx="1040524" cy="2963917"/>
+          </a:xfrm>
+          <a:prstGeom prst="rect">
+            <a:avLst/>
+          </a:prstGeom>
+          <a:noFill/>
+          <a:ln w="28575">
+            <a:solidFill>
+              <a:srgbClr val="FF0000"/>
+            </a:solidFill>
+          </a:ln>
+        </p:spPr>
+        <p:style>
+          <a:lnRef idx="2">
+            <a:schemeClr val="accent1">
+              <a:shade val="15000"/>
+            </a:schemeClr>
+          </a:lnRef>
+          <a:fillRef idx="1">
+            <a:schemeClr val="accent1"/>
+          </a:fillRef>
+          <a:effectRef idx="0">
+            <a:schemeClr val="accent1"/>
+          </a:effectRef>
+          <a:fontRef idx="minor">
+            <a:schemeClr val="lt1"/>
+          </a:fontRef>
+        </p:style>
+        <p:txBody>
+          <a:bodyPr rtlCol="0" anchor="ctr"/>
+          <a:lstStyle/>
+          <a:p>
+            <a:pPr algn="ctr"/>
+            <a:endParaRPr lang="pt-BR"/>
+          </a:p>
+        </p:txBody>
+      </p:sp>
+    </p:spTree>
+    <p:extLst>
+      <p:ext uri="{BB962C8B-B14F-4D97-AF65-F5344CB8AC3E}">
+        <p14:creationId xmlns:p14="http://schemas.microsoft.com/office/powerpoint/2010/main" val="489898114"/>
+      </p:ext>
+    </p:extLst>
+  </p:cSld>
+  <p:clrMapOvr>
+    <a:masterClrMapping/>
+  </p:clrMapOvr>
+</p:sld>
+</file>
+
+<file path=ppt/slides/slide29.xml><?xml version="1.0" encoding="utf-8"?>
+<p:sld xmlns:a="http://schemas.openxmlformats.org/drawingml/2006/main" xmlns:r="http://schemas.openxmlformats.org/officeDocument/2006/relationships" xmlns:p="http://schemas.openxmlformats.org/presentationml/2006/main">
+  <p:cSld>
+    <p:spTree>
+      <p:nvGrpSpPr>
+        <p:cNvPr id="1" name=""/>
+        <p:cNvGrpSpPr/>
+        <p:nvPr/>
+      </p:nvGrpSpPr>
+      <p:grpSpPr>
+        <a:xfrm>
+          <a:off x="0" y="0"/>
+          <a:ext cx="0" cy="0"/>
+          <a:chOff x="0" y="0"/>
+          <a:chExt cx="0" cy="0"/>
+        </a:xfrm>
+      </p:grpSpPr>
+      <p:sp>
+        <p:nvSpPr>
+          <p:cNvPr id="2" name="Título 1">
+            <a:extLst>
+              <a:ext uri="{FF2B5EF4-FFF2-40B4-BE49-F238E27FC236}">
                 <a16:creationId xmlns:a16="http://schemas.microsoft.com/office/drawing/2014/main" id="{9CD00B3E-85D7-8B25-6629-4A85FF36133A}"/>
               </a:ext>
             </a:extLst>
@@ -13280,8 +13923,15 @@
           <a:p>
             <a:r>
               <a:rPr lang="pt-BR" dirty="0"/>
-              <a:t>Exemplo: Detecção de dígitos escritos à mão com dados de validação e teste</a:t>
-            </a:r>
+              <a:t>Exemplo: </a:t>
+            </a:r>
+            <a:r>
+              <a:rPr lang="pt-BR" dirty="0">
+                <a:hlinkClick r:id="rId3"/>
+              </a:rPr>
+              <a:t>Detecção de dígitos escritos à mão com dados de validação e teste</a:t>
+            </a:r>
+            <a:endParaRPr lang="pt-BR" dirty="0"/>
           </a:p>
         </p:txBody>
       </p:sp>
@@ -13300,7 +13950,7 @@
           <p:nvPr/>
         </p:nvPicPr>
         <p:blipFill>
-          <a:blip r:embed="rId3">
+          <a:blip r:embed="rId4">
             <a:extLst>
               <a:ext uri="{28A0092B-C50C-407E-A947-70E740481C1C}">
                 <a14:useLocalDpi xmlns:a14="http://schemas.microsoft.com/office/drawing/2010/main" val="0"/>
@@ -13347,7 +13997,7 @@
           <p:nvPr/>
         </p:nvPicPr>
         <p:blipFill>
-          <a:blip r:embed="rId4">
+          <a:blip r:embed="rId5">
             <a:extLst>
               <a:ext uri="{28A0092B-C50C-407E-A947-70E740481C1C}">
                 <a14:useLocalDpi xmlns:a14="http://schemas.microsoft.com/office/drawing/2010/main" val="0"/>
@@ -13394,7 +14044,7 @@
           <p:nvPr/>
         </p:nvPicPr>
         <p:blipFill rotWithShape="1">
-          <a:blip r:embed="rId5">
+          <a:blip r:embed="rId6">
             <a:extLst>
               <a:ext uri="{28A0092B-C50C-407E-A947-70E740481C1C}">
                 <a14:useLocalDpi xmlns:a14="http://schemas.microsoft.com/office/drawing/2010/main" val="0"/>
@@ -13439,7 +14089,7 @@
           <p:nvPr/>
         </p:nvPicPr>
         <p:blipFill rotWithShape="1">
-          <a:blip r:embed="rId6">
+          <a:blip r:embed="rId7">
             <a:extLst>
               <a:ext uri="{28A0092B-C50C-407E-A947-70E740481C1C}">
                 <a14:useLocalDpi xmlns:a14="http://schemas.microsoft.com/office/drawing/2010/main" val="0"/>
@@ -13617,609 +14267,6 @@
     <p:extLst>
       <p:ext uri="{BB962C8B-B14F-4D97-AF65-F5344CB8AC3E}">
         <p14:creationId xmlns:p14="http://schemas.microsoft.com/office/powerpoint/2010/main" val="94961935"/>
-      </p:ext>
-    </p:extLst>
-  </p:cSld>
-  <p:clrMapOvr>
-    <a:masterClrMapping/>
-  </p:clrMapOvr>
-</p:sld>
-</file>
-
-<file path=ppt/slides/slide27.xml><?xml version="1.0" encoding="utf-8"?>
-<p:sld xmlns:a="http://schemas.openxmlformats.org/drawingml/2006/main" xmlns:r="http://schemas.openxmlformats.org/officeDocument/2006/relationships" xmlns:p="http://schemas.openxmlformats.org/presentationml/2006/main">
-  <p:cSld>
-    <p:spTree>
-      <p:nvGrpSpPr>
-        <p:cNvPr id="1" name=""/>
-        <p:cNvGrpSpPr/>
-        <p:nvPr/>
-      </p:nvGrpSpPr>
-      <p:grpSpPr>
-        <a:xfrm>
-          <a:off x="0" y="0"/>
-          <a:ext cx="0" cy="0"/>
-          <a:chOff x="0" y="0"/>
-          <a:chExt cx="0" cy="0"/>
-        </a:xfrm>
-      </p:grpSpPr>
-      <p:sp>
-        <p:nvSpPr>
-          <p:cNvPr id="2" name="Título 1">
-            <a:extLst>
-              <a:ext uri="{FF2B5EF4-FFF2-40B4-BE49-F238E27FC236}">
-                <a16:creationId xmlns:a16="http://schemas.microsoft.com/office/drawing/2014/main" id="{D729F673-B517-8CF2-C7D0-BA7EE704E4FE}"/>
-              </a:ext>
-            </a:extLst>
-          </p:cNvPr>
-          <p:cNvSpPr>
-            <a:spLocks noGrp="1"/>
-          </p:cNvSpPr>
-          <p:nvPr>
-            <p:ph type="title"/>
-          </p:nvPr>
-        </p:nvSpPr>
-        <p:spPr/>
-        <p:txBody>
-          <a:bodyPr/>
-          <a:lstStyle/>
-          <a:p>
-            <a:endParaRPr lang="pt-BR"/>
-          </a:p>
-        </p:txBody>
-      </p:sp>
-      <p:sp>
-        <p:nvSpPr>
-          <p:cNvPr id="3" name="Espaço Reservado para Conteúdo 2">
-            <a:extLst>
-              <a:ext uri="{FF2B5EF4-FFF2-40B4-BE49-F238E27FC236}">
-                <a16:creationId xmlns:a16="http://schemas.microsoft.com/office/drawing/2014/main" id="{96358EF7-640D-2D5F-8C4A-905DFEE6393E}"/>
-              </a:ext>
-            </a:extLst>
-          </p:cNvPr>
-          <p:cNvSpPr>
-            <a:spLocks noGrp="1"/>
-          </p:cNvSpPr>
-          <p:nvPr>
-            <p:ph idx="1"/>
-          </p:nvPr>
-        </p:nvSpPr>
-        <p:spPr/>
-        <p:txBody>
-          <a:bodyPr/>
-          <a:lstStyle/>
-          <a:p>
-            <a:endParaRPr lang="pt-BR" dirty="0"/>
-          </a:p>
-        </p:txBody>
-      </p:sp>
-    </p:spTree>
-    <p:extLst>
-      <p:ext uri="{BB962C8B-B14F-4D97-AF65-F5344CB8AC3E}">
-        <p14:creationId xmlns:p14="http://schemas.microsoft.com/office/powerpoint/2010/main" val="2555344941"/>
-      </p:ext>
-    </p:extLst>
-  </p:cSld>
-  <p:clrMapOvr>
-    <a:masterClrMapping/>
-  </p:clrMapOvr>
-</p:sld>
-</file>
-
-<file path=ppt/slides/slide28.xml><?xml version="1.0" encoding="utf-8"?>
-<p:sld xmlns:a="http://schemas.openxmlformats.org/drawingml/2006/main" xmlns:r="http://schemas.openxmlformats.org/officeDocument/2006/relationships" xmlns:p="http://schemas.openxmlformats.org/presentationml/2006/main">
-  <p:cSld>
-    <p:spTree>
-      <p:nvGrpSpPr>
-        <p:cNvPr id="1" name=""/>
-        <p:cNvGrpSpPr/>
-        <p:nvPr/>
-      </p:nvGrpSpPr>
-      <p:grpSpPr>
-        <a:xfrm>
-          <a:off x="0" y="0"/>
-          <a:ext cx="0" cy="0"/>
-          <a:chOff x="0" y="0"/>
-          <a:chExt cx="0" cy="0"/>
-        </a:xfrm>
-      </p:grpSpPr>
-      <p:sp>
-        <p:nvSpPr>
-          <p:cNvPr id="2" name="Título 1">
-            <a:extLst>
-              <a:ext uri="{FF2B5EF4-FFF2-40B4-BE49-F238E27FC236}">
-                <a16:creationId xmlns:a16="http://schemas.microsoft.com/office/drawing/2014/main" id="{9CD00B3E-85D7-8B25-6629-4A85FF36133A}"/>
-              </a:ext>
-            </a:extLst>
-          </p:cNvPr>
-          <p:cNvSpPr>
-            <a:spLocks noGrp="1"/>
-          </p:cNvSpPr>
-          <p:nvPr>
-            <p:ph type="title"/>
-          </p:nvPr>
-        </p:nvSpPr>
-        <p:spPr/>
-        <p:txBody>
-          <a:bodyPr/>
-          <a:lstStyle/>
-          <a:p>
-            <a:r>
-              <a:rPr lang="pt-BR" dirty="0"/>
-              <a:t>Exemplo</a:t>
-            </a:r>
-          </a:p>
-        </p:txBody>
-      </p:sp>
-      <p:sp>
-        <p:nvSpPr>
-          <p:cNvPr id="3" name="Espaço Reservado para Conteúdo 2">
-            <a:extLst>
-              <a:ext uri="{FF2B5EF4-FFF2-40B4-BE49-F238E27FC236}">
-                <a16:creationId xmlns:a16="http://schemas.microsoft.com/office/drawing/2014/main" id="{9730104F-E6BA-B308-644A-11A7E4939EBD}"/>
-              </a:ext>
-            </a:extLst>
-          </p:cNvPr>
-          <p:cNvSpPr>
-            <a:spLocks noGrp="1"/>
-          </p:cNvSpPr>
-          <p:nvPr>
-            <p:ph idx="1"/>
-          </p:nvPr>
-        </p:nvSpPr>
-        <p:spPr>
-          <a:xfrm>
-            <a:off x="838200" y="1825625"/>
-            <a:ext cx="11049000" cy="4351338"/>
-          </a:xfrm>
-        </p:spPr>
-        <p:txBody>
-          <a:bodyPr/>
-          <a:lstStyle/>
-          <a:p>
-            <a:r>
-              <a:rPr lang="pt-BR" dirty="0"/>
-              <a:t>Exemplo: </a:t>
-            </a:r>
-          </a:p>
-        </p:txBody>
-      </p:sp>
-      <p:pic>
-        <p:nvPicPr>
-          <p:cNvPr id="2050" name="Picture 2" descr="TensorFlow">
-            <a:extLst>
-              <a:ext uri="{FF2B5EF4-FFF2-40B4-BE49-F238E27FC236}">
-                <a16:creationId xmlns:a16="http://schemas.microsoft.com/office/drawing/2014/main" id="{87B75C17-2A48-E33A-B66B-927CA792D831}"/>
-              </a:ext>
-            </a:extLst>
-          </p:cNvPr>
-          <p:cNvPicPr>
-            <a:picLocks noChangeAspect="1" noChangeArrowheads="1"/>
-          </p:cNvPicPr>
-          <p:nvPr/>
-        </p:nvPicPr>
-        <p:blipFill>
-          <a:blip r:embed="rId3">
-            <a:extLst>
-              <a:ext uri="{28A0092B-C50C-407E-A947-70E740481C1C}">
-                <a14:useLocalDpi xmlns:a14="http://schemas.microsoft.com/office/drawing/2010/main" val="0"/>
-              </a:ext>
-            </a:extLst>
-          </a:blip>
-          <a:srcRect/>
-          <a:stretch>
-            <a:fillRect/>
-          </a:stretch>
-        </p:blipFill>
-        <p:spPr bwMode="auto">
-          <a:xfrm>
-            <a:off x="1939875" y="2923470"/>
-            <a:ext cx="4099479" cy="2305957"/>
-          </a:xfrm>
-          <a:prstGeom prst="rect">
-            <a:avLst/>
-          </a:prstGeom>
-          <a:noFill/>
-          <a:extLst>
-            <a:ext uri="{909E8E84-426E-40DD-AFC4-6F175D3DCCD1}">
-              <a14:hiddenFill xmlns:a14="http://schemas.microsoft.com/office/drawing/2010/main">
-                <a:solidFill>
-                  <a:srgbClr val="FFFFFF"/>
-                </a:solidFill>
-              </a14:hiddenFill>
-            </a:ext>
-          </a:extLst>
-        </p:spPr>
-      </p:pic>
-      <p:pic>
-        <p:nvPicPr>
-          <p:cNvPr id="2052" name="Picture 4" descr="Project Jupyter | Try Jupyter">
-            <a:extLst>
-              <a:ext uri="{FF2B5EF4-FFF2-40B4-BE49-F238E27FC236}">
-                <a16:creationId xmlns:a16="http://schemas.microsoft.com/office/drawing/2014/main" id="{FC70A9A5-A2C7-C005-C6C5-A9FF775654D9}"/>
-              </a:ext>
-            </a:extLst>
-          </p:cNvPr>
-          <p:cNvPicPr>
-            <a:picLocks noChangeAspect="1" noChangeArrowheads="1"/>
-          </p:cNvPicPr>
-          <p:nvPr/>
-        </p:nvPicPr>
-        <p:blipFill>
-          <a:blip r:embed="rId4">
-            <a:extLst>
-              <a:ext uri="{28A0092B-C50C-407E-A947-70E740481C1C}">
-                <a14:useLocalDpi xmlns:a14="http://schemas.microsoft.com/office/drawing/2010/main" val="0"/>
-              </a:ext>
-            </a:extLst>
-          </a:blip>
-          <a:srcRect/>
-          <a:stretch>
-            <a:fillRect/>
-          </a:stretch>
-        </p:blipFill>
-        <p:spPr bwMode="auto">
-          <a:xfrm>
-            <a:off x="5203370" y="3167764"/>
-            <a:ext cx="3461657" cy="1817370"/>
-          </a:xfrm>
-          <a:prstGeom prst="rect">
-            <a:avLst/>
-          </a:prstGeom>
-          <a:noFill/>
-          <a:extLst>
-            <a:ext uri="{909E8E84-426E-40DD-AFC4-6F175D3DCCD1}">
-              <a14:hiddenFill xmlns:a14="http://schemas.microsoft.com/office/drawing/2010/main">
-                <a:solidFill>
-                  <a:srgbClr val="FFFFFF"/>
-                </a:solidFill>
-              </a14:hiddenFill>
-            </a:ext>
-          </a:extLst>
-        </p:spPr>
-      </p:pic>
-      <p:pic>
-        <p:nvPicPr>
-          <p:cNvPr id="2056" name="Picture 8" descr="Google Colaboratory Colab - Guía Completa Español - Marketing Branding">
-            <a:extLst>
-              <a:ext uri="{FF2B5EF4-FFF2-40B4-BE49-F238E27FC236}">
-                <a16:creationId xmlns:a16="http://schemas.microsoft.com/office/drawing/2014/main" id="{8A007768-2032-FE11-22C9-9394A0EF02EF}"/>
-              </a:ext>
-            </a:extLst>
-          </p:cNvPr>
-          <p:cNvPicPr>
-            <a:picLocks noChangeAspect="1" noChangeArrowheads="1"/>
-          </p:cNvPicPr>
-          <p:nvPr/>
-        </p:nvPicPr>
-        <p:blipFill rotWithShape="1">
-          <a:blip r:embed="rId5">
-            <a:extLst>
-              <a:ext uri="{28A0092B-C50C-407E-A947-70E740481C1C}">
-                <a14:useLocalDpi xmlns:a14="http://schemas.microsoft.com/office/drawing/2010/main" val="0"/>
-              </a:ext>
-            </a:extLst>
-          </a:blip>
-          <a:srcRect l="5865" r="10641"/>
-          <a:stretch/>
-        </p:blipFill>
-        <p:spPr bwMode="auto">
-          <a:xfrm>
-            <a:off x="8665027" y="2746576"/>
-            <a:ext cx="3331071" cy="2659743"/>
-          </a:xfrm>
-          <a:prstGeom prst="rect">
-            <a:avLst/>
-          </a:prstGeom>
-          <a:noFill/>
-          <a:extLst>
-            <a:ext uri="{909E8E84-426E-40DD-AFC4-6F175D3DCCD1}">
-              <a14:hiddenFill xmlns:a14="http://schemas.microsoft.com/office/drawing/2010/main">
-                <a:solidFill>
-                  <a:srgbClr val="FFFFFF"/>
-                </a:solidFill>
-              </a14:hiddenFill>
-            </a:ext>
-          </a:extLst>
-        </p:spPr>
-      </p:pic>
-      <p:pic>
-        <p:nvPicPr>
-          <p:cNvPr id="2058" name="Picture 10" descr="IT12A01: FUNDAMENTALS OF PYTHON PROGRAMMING (SF) (SYNCHRONOUS E-LEARNING) -  NTUC LearningHub">
-            <a:extLst>
-              <a:ext uri="{FF2B5EF4-FFF2-40B4-BE49-F238E27FC236}">
-                <a16:creationId xmlns:a16="http://schemas.microsoft.com/office/drawing/2014/main" id="{80EDF8DB-E749-8471-3ACA-2FFE3006FC46}"/>
-              </a:ext>
-            </a:extLst>
-          </p:cNvPr>
-          <p:cNvPicPr>
-            <a:picLocks noChangeAspect="1" noChangeArrowheads="1"/>
-          </p:cNvPicPr>
-          <p:nvPr/>
-        </p:nvPicPr>
-        <p:blipFill rotWithShape="1">
-          <a:blip r:embed="rId6">
-            <a:extLst>
-              <a:ext uri="{28A0092B-C50C-407E-A947-70E740481C1C}">
-                <a14:useLocalDpi xmlns:a14="http://schemas.microsoft.com/office/drawing/2010/main" val="0"/>
-              </a:ext>
-            </a:extLst>
-          </a:blip>
-          <a:srcRect l="23319" r="20198"/>
-          <a:stretch/>
-        </p:blipFill>
-        <p:spPr bwMode="auto">
-          <a:xfrm>
-            <a:off x="304800" y="3167764"/>
-            <a:ext cx="1894114" cy="1877924"/>
-          </a:xfrm>
-          <a:prstGeom prst="rect">
-            <a:avLst/>
-          </a:prstGeom>
-          <a:noFill/>
-          <a:extLst>
-            <a:ext uri="{909E8E84-426E-40DD-AFC4-6F175D3DCCD1}">
-              <a14:hiddenFill xmlns:a14="http://schemas.microsoft.com/office/drawing/2010/main">
-                <a:solidFill>
-                  <a:srgbClr val="FFFFFF"/>
-                </a:solidFill>
-              </a14:hiddenFill>
-            </a:ext>
-          </a:extLst>
-        </p:spPr>
-      </p:pic>
-      <p:sp>
-        <p:nvSpPr>
-          <p:cNvPr id="8" name="Sinal de Adição 7">
-            <a:extLst>
-              <a:ext uri="{FF2B5EF4-FFF2-40B4-BE49-F238E27FC236}">
-                <a16:creationId xmlns:a16="http://schemas.microsoft.com/office/drawing/2014/main" id="{89317CF7-D83C-5980-45A9-863C64A2BE61}"/>
-              </a:ext>
-            </a:extLst>
-          </p:cNvPr>
-          <p:cNvSpPr>
-            <a:spLocks noChangeAspect="1"/>
-          </p:cNvSpPr>
-          <p:nvPr/>
-        </p:nvSpPr>
-        <p:spPr>
-          <a:xfrm>
-            <a:off x="2198914" y="3535968"/>
-            <a:ext cx="468000" cy="468000"/>
-          </a:xfrm>
-          <a:prstGeom prst="mathPlus">
-            <a:avLst/>
-          </a:prstGeom>
-        </p:spPr>
-        <p:style>
-          <a:lnRef idx="2">
-            <a:schemeClr val="accent1">
-              <a:shade val="15000"/>
-            </a:schemeClr>
-          </a:lnRef>
-          <a:fillRef idx="1">
-            <a:schemeClr val="accent1"/>
-          </a:fillRef>
-          <a:effectRef idx="0">
-            <a:schemeClr val="accent1"/>
-          </a:effectRef>
-          <a:fontRef idx="minor">
-            <a:schemeClr val="lt1"/>
-          </a:fontRef>
-        </p:style>
-        <p:txBody>
-          <a:bodyPr rtlCol="0" anchor="ctr"/>
-          <a:lstStyle/>
-          <a:p>
-            <a:pPr algn="ctr"/>
-            <a:endParaRPr lang="pt-BR"/>
-          </a:p>
-        </p:txBody>
-      </p:sp>
-      <p:sp>
-        <p:nvSpPr>
-          <p:cNvPr id="10" name="Sinal de Adição 9">
-            <a:extLst>
-              <a:ext uri="{FF2B5EF4-FFF2-40B4-BE49-F238E27FC236}">
-                <a16:creationId xmlns:a16="http://schemas.microsoft.com/office/drawing/2014/main" id="{C6DC4B29-EABA-20F7-BB46-C33BEC93E2DD}"/>
-              </a:ext>
-            </a:extLst>
-          </p:cNvPr>
-          <p:cNvSpPr>
-            <a:spLocks noChangeAspect="1"/>
-          </p:cNvSpPr>
-          <p:nvPr/>
-        </p:nvSpPr>
-        <p:spPr>
-          <a:xfrm>
-            <a:off x="5279613" y="3535968"/>
-            <a:ext cx="468000" cy="468000"/>
-          </a:xfrm>
-          <a:prstGeom prst="mathPlus">
-            <a:avLst/>
-          </a:prstGeom>
-        </p:spPr>
-        <p:style>
-          <a:lnRef idx="2">
-            <a:schemeClr val="accent1">
-              <a:shade val="15000"/>
-            </a:schemeClr>
-          </a:lnRef>
-          <a:fillRef idx="1">
-            <a:schemeClr val="accent1"/>
-          </a:fillRef>
-          <a:effectRef idx="0">
-            <a:schemeClr val="accent1"/>
-          </a:effectRef>
-          <a:fontRef idx="minor">
-            <a:schemeClr val="lt1"/>
-          </a:fontRef>
-        </p:style>
-        <p:txBody>
-          <a:bodyPr rtlCol="0" anchor="ctr"/>
-          <a:lstStyle/>
-          <a:p>
-            <a:pPr algn="ctr"/>
-            <a:endParaRPr lang="pt-BR"/>
-          </a:p>
-        </p:txBody>
-      </p:sp>
-      <p:sp>
-        <p:nvSpPr>
-          <p:cNvPr id="11" name="Sinal de Adição 10">
-            <a:extLst>
-              <a:ext uri="{FF2B5EF4-FFF2-40B4-BE49-F238E27FC236}">
-                <a16:creationId xmlns:a16="http://schemas.microsoft.com/office/drawing/2014/main" id="{FF65B64B-136B-DCC4-8A01-509D3D5CD19F}"/>
-              </a:ext>
-            </a:extLst>
-          </p:cNvPr>
-          <p:cNvSpPr>
-            <a:spLocks noChangeAspect="1"/>
-          </p:cNvSpPr>
-          <p:nvPr/>
-        </p:nvSpPr>
-        <p:spPr>
-          <a:xfrm>
-            <a:off x="7968386" y="3533294"/>
-            <a:ext cx="468000" cy="468000"/>
-          </a:xfrm>
-          <a:prstGeom prst="mathPlus">
-            <a:avLst/>
-          </a:prstGeom>
-        </p:spPr>
-        <p:style>
-          <a:lnRef idx="2">
-            <a:schemeClr val="accent1">
-              <a:shade val="15000"/>
-            </a:schemeClr>
-          </a:lnRef>
-          <a:fillRef idx="1">
-            <a:schemeClr val="accent1"/>
-          </a:fillRef>
-          <a:effectRef idx="0">
-            <a:schemeClr val="accent1"/>
-          </a:effectRef>
-          <a:fontRef idx="minor">
-            <a:schemeClr val="lt1"/>
-          </a:fontRef>
-        </p:style>
-        <p:txBody>
-          <a:bodyPr rtlCol="0" anchor="ctr"/>
-          <a:lstStyle/>
-          <a:p>
-            <a:pPr algn="ctr"/>
-            <a:endParaRPr lang="pt-BR"/>
-          </a:p>
-        </p:txBody>
-      </p:sp>
-    </p:spTree>
-    <p:extLst>
-      <p:ext uri="{BB962C8B-B14F-4D97-AF65-F5344CB8AC3E}">
-        <p14:creationId xmlns:p14="http://schemas.microsoft.com/office/powerpoint/2010/main" val="4224881976"/>
-      </p:ext>
-    </p:extLst>
-  </p:cSld>
-  <p:clrMapOvr>
-    <a:masterClrMapping/>
-  </p:clrMapOvr>
-</p:sld>
-</file>
-
-<file path=ppt/slides/slide29.xml><?xml version="1.0" encoding="utf-8"?>
-<p:sld xmlns:a="http://schemas.openxmlformats.org/drawingml/2006/main" xmlns:r="http://schemas.openxmlformats.org/officeDocument/2006/relationships" xmlns:p="http://schemas.openxmlformats.org/presentationml/2006/main">
-  <p:cSld>
-    <p:spTree>
-      <p:nvGrpSpPr>
-        <p:cNvPr id="1" name=""/>
-        <p:cNvGrpSpPr/>
-        <p:nvPr/>
-      </p:nvGrpSpPr>
-      <p:grpSpPr>
-        <a:xfrm>
-          <a:off x="0" y="0"/>
-          <a:ext cx="0" cy="0"/>
-          <a:chOff x="0" y="0"/>
-          <a:chExt cx="0" cy="0"/>
-        </a:xfrm>
-      </p:grpSpPr>
-      <p:sp>
-        <p:nvSpPr>
-          <p:cNvPr id="2" name="Título 1">
-            <a:extLst>
-              <a:ext uri="{FF2B5EF4-FFF2-40B4-BE49-F238E27FC236}">
-                <a16:creationId xmlns:a16="http://schemas.microsoft.com/office/drawing/2014/main" id="{2755BD9F-A5F9-C006-2D60-3988AFB742AA}"/>
-              </a:ext>
-            </a:extLst>
-          </p:cNvPr>
-          <p:cNvSpPr>
-            <a:spLocks noGrp="1"/>
-          </p:cNvSpPr>
-          <p:nvPr>
-            <p:ph type="title"/>
-          </p:nvPr>
-        </p:nvSpPr>
-        <p:spPr/>
-        <p:txBody>
-          <a:bodyPr/>
-          <a:lstStyle/>
-          <a:p>
-            <a:r>
-              <a:rPr lang="pt-BR" dirty="0"/>
-              <a:t>Atividades</a:t>
-            </a:r>
-          </a:p>
-        </p:txBody>
-      </p:sp>
-      <p:sp>
-        <p:nvSpPr>
-          <p:cNvPr id="3" name="Espaço Reservado para Conteúdo 2">
-            <a:extLst>
-              <a:ext uri="{FF2B5EF4-FFF2-40B4-BE49-F238E27FC236}">
-                <a16:creationId xmlns:a16="http://schemas.microsoft.com/office/drawing/2014/main" id="{DE398648-3AD3-9986-3010-6210876DC9B1}"/>
-              </a:ext>
-            </a:extLst>
-          </p:cNvPr>
-          <p:cNvSpPr>
-            <a:spLocks noGrp="1"/>
-          </p:cNvSpPr>
-          <p:nvPr>
-            <p:ph idx="1"/>
-          </p:nvPr>
-        </p:nvSpPr>
-        <p:spPr/>
-        <p:txBody>
-          <a:bodyPr/>
-          <a:lstStyle/>
-          <a:p>
-            <a:r>
-              <a:rPr lang="pt-BR" dirty="0"/>
-              <a:t>Quiz: “</a:t>
-            </a:r>
-            <a:r>
-              <a:rPr lang="pt-BR" b="1" i="1" dirty="0"/>
-              <a:t>TP557 - </a:t>
-            </a:r>
-            <a:r>
-              <a:rPr lang="pt-BR" b="1" i="1" dirty="0" err="1"/>
-              <a:t>Datasets</a:t>
-            </a:r>
-            <a:r>
-              <a:rPr lang="pt-BR" dirty="0"/>
-              <a:t>”.</a:t>
-            </a:r>
-          </a:p>
-          <a:p>
-            <a:r>
-              <a:rPr lang="pt-BR" dirty="0"/>
-              <a:t>Exercício:</a:t>
-            </a:r>
-          </a:p>
-        </p:txBody>
-      </p:sp>
-    </p:spTree>
-    <p:extLst>
-      <p:ext uri="{BB962C8B-B14F-4D97-AF65-F5344CB8AC3E}">
-        <p14:creationId xmlns:p14="http://schemas.microsoft.com/office/powerpoint/2010/main" val="2918520294"/>
       </p:ext>
     </p:extLst>
   </p:cSld>
@@ -14627,6 +14674,110 @@
       </p:grpSpPr>
       <p:sp>
         <p:nvSpPr>
+          <p:cNvPr id="2" name="Título 1">
+            <a:extLst>
+              <a:ext uri="{FF2B5EF4-FFF2-40B4-BE49-F238E27FC236}">
+                <a16:creationId xmlns:a16="http://schemas.microsoft.com/office/drawing/2014/main" id="{2755BD9F-A5F9-C006-2D60-3988AFB742AA}"/>
+              </a:ext>
+            </a:extLst>
+          </p:cNvPr>
+          <p:cNvSpPr>
+            <a:spLocks noGrp="1"/>
+          </p:cNvSpPr>
+          <p:nvPr>
+            <p:ph type="title"/>
+          </p:nvPr>
+        </p:nvSpPr>
+        <p:spPr/>
+        <p:txBody>
+          <a:bodyPr/>
+          <a:lstStyle/>
+          <a:p>
+            <a:r>
+              <a:rPr lang="pt-BR" dirty="0"/>
+              <a:t>Atividades</a:t>
+            </a:r>
+          </a:p>
+        </p:txBody>
+      </p:sp>
+      <p:sp>
+        <p:nvSpPr>
+          <p:cNvPr id="3" name="Espaço Reservado para Conteúdo 2">
+            <a:extLst>
+              <a:ext uri="{FF2B5EF4-FFF2-40B4-BE49-F238E27FC236}">
+                <a16:creationId xmlns:a16="http://schemas.microsoft.com/office/drawing/2014/main" id="{DE398648-3AD3-9986-3010-6210876DC9B1}"/>
+              </a:ext>
+            </a:extLst>
+          </p:cNvPr>
+          <p:cNvSpPr>
+            <a:spLocks noGrp="1"/>
+          </p:cNvSpPr>
+          <p:nvPr>
+            <p:ph idx="1"/>
+          </p:nvPr>
+        </p:nvSpPr>
+        <p:spPr/>
+        <p:txBody>
+          <a:bodyPr/>
+          <a:lstStyle/>
+          <a:p>
+            <a:r>
+              <a:rPr lang="pt-BR" dirty="0"/>
+              <a:t>Quiz: “</a:t>
+            </a:r>
+            <a:r>
+              <a:rPr lang="pt-BR" b="1" i="1" dirty="0"/>
+              <a:t>TP557 - </a:t>
+            </a:r>
+            <a:r>
+              <a:rPr lang="pt-BR" b="1" i="1" dirty="0" err="1"/>
+              <a:t>Datasets</a:t>
+            </a:r>
+            <a:r>
+              <a:rPr lang="pt-BR" dirty="0"/>
+              <a:t>”.</a:t>
+            </a:r>
+          </a:p>
+          <a:p>
+            <a:r>
+              <a:rPr lang="pt-BR" dirty="0"/>
+              <a:t>Exercício:</a:t>
+            </a:r>
+          </a:p>
+        </p:txBody>
+      </p:sp>
+    </p:spTree>
+    <p:extLst>
+      <p:ext uri="{BB962C8B-B14F-4D97-AF65-F5344CB8AC3E}">
+        <p14:creationId xmlns:p14="http://schemas.microsoft.com/office/powerpoint/2010/main" val="2918520294"/>
+      </p:ext>
+    </p:extLst>
+  </p:cSld>
+  <p:clrMapOvr>
+    <a:masterClrMapping/>
+  </p:clrMapOvr>
+</p:sld>
+</file>
+
+<file path=ppt/slides/slide31.xml><?xml version="1.0" encoding="utf-8"?>
+<p:sld xmlns:a="http://schemas.openxmlformats.org/drawingml/2006/main" xmlns:r="http://schemas.openxmlformats.org/officeDocument/2006/relationships" xmlns:p="http://schemas.openxmlformats.org/presentationml/2006/main">
+  <p:cSld>
+    <p:spTree>
+      <p:nvGrpSpPr>
+        <p:cNvPr id="1" name=""/>
+        <p:cNvGrpSpPr/>
+        <p:nvPr/>
+      </p:nvGrpSpPr>
+      <p:grpSpPr>
+        <a:xfrm>
+          <a:off x="0" y="0"/>
+          <a:ext cx="0" cy="0"/>
+          <a:chOff x="0" y="0"/>
+          <a:chExt cx="0" cy="0"/>
+        </a:xfrm>
+      </p:grpSpPr>
+      <p:sp>
+        <p:nvSpPr>
           <p:cNvPr id="4" name="Título 1">
             <a:extLst>
               <a:ext uri="{FF2B5EF4-FFF2-40B4-BE49-F238E27FC236}">
@@ -14694,7 +14845,7 @@
 </p:sld>
 </file>
 
-<file path=ppt/slides/slide31.xml><?xml version="1.0" encoding="utf-8"?>
+<file path=ppt/slides/slide32.xml><?xml version="1.0" encoding="utf-8"?>
 <p:sld xmlns:a="http://schemas.openxmlformats.org/drawingml/2006/main" xmlns:r="http://schemas.openxmlformats.org/officeDocument/2006/relationships" xmlns:p="http://schemas.openxmlformats.org/presentationml/2006/main">
   <p:cSld>
     <p:spTree>
@@ -14780,7 +14931,7 @@
 </p:sld>
 </file>
 
-<file path=ppt/slides/slide32.xml><?xml version="1.0" encoding="utf-8"?>
+<file path=ppt/slides/slide33.xml><?xml version="1.0" encoding="utf-8"?>
 <p:sld xmlns:a="http://schemas.openxmlformats.org/drawingml/2006/main" xmlns:r="http://schemas.openxmlformats.org/officeDocument/2006/relationships" xmlns:p="http://schemas.openxmlformats.org/presentationml/2006/main">
   <p:cSld>
     <p:spTree>
@@ -18768,8 +18919,8 @@
             </a:fontRef>
           </p:style>
         </p:cxnSp>
-        <mc:AlternateContent xmlns:mc="http://schemas.openxmlformats.org/markup-compatibility/2006">
-          <mc:Choice xmlns:a14="http://schemas.microsoft.com/office/drawing/2010/main" Requires="a14">
+        <mc:AlternateContent xmlns:mc="http://schemas.openxmlformats.org/markup-compatibility/2006" xmlns:a14="http://schemas.microsoft.com/office/drawing/2010/main">
+          <mc:Choice Requires="a14">
             <p:sp>
               <p:nvSpPr>
                 <p:cNvPr id="93" name="CaixaDeTexto 92">
@@ -18838,7 +18989,7 @@
               </p:txBody>
             </p:sp>
           </mc:Choice>
-          <mc:Fallback>
+          <mc:Fallback xmlns="">
             <p:sp>
               <p:nvSpPr>
                 <p:cNvPr id="93" name="CaixaDeTexto 92">
@@ -18883,8 +19034,8 @@
             </p:sp>
           </mc:Fallback>
         </mc:AlternateContent>
-        <mc:AlternateContent xmlns:mc="http://schemas.openxmlformats.org/markup-compatibility/2006">
-          <mc:Choice xmlns:a14="http://schemas.microsoft.com/office/drawing/2010/main" Requires="a14">
+        <mc:AlternateContent xmlns:mc="http://schemas.openxmlformats.org/markup-compatibility/2006" xmlns:a14="http://schemas.microsoft.com/office/drawing/2010/main">
+          <mc:Choice Requires="a14">
             <p:sp>
               <p:nvSpPr>
                 <p:cNvPr id="94" name="CaixaDeTexto 93">
@@ -18953,7 +19104,7 @@
               </p:txBody>
             </p:sp>
           </mc:Choice>
-          <mc:Fallback>
+          <mc:Fallback xmlns="">
             <p:sp>
               <p:nvSpPr>
                 <p:cNvPr id="94" name="CaixaDeTexto 93">
@@ -18998,8 +19149,8 @@
             </p:sp>
           </mc:Fallback>
         </mc:AlternateContent>
-        <mc:AlternateContent xmlns:mc="http://schemas.openxmlformats.org/markup-compatibility/2006">
-          <mc:Choice xmlns:a14="http://schemas.microsoft.com/office/drawing/2010/main" Requires="a14">
+        <mc:AlternateContent xmlns:mc="http://schemas.openxmlformats.org/markup-compatibility/2006" xmlns:a14="http://schemas.microsoft.com/office/drawing/2010/main">
+          <mc:Choice Requires="a14">
             <p:sp>
               <p:nvSpPr>
                 <p:cNvPr id="100" name="CaixaDeTexto 99">
@@ -19068,7 +19219,7 @@
               </p:txBody>
             </p:sp>
           </mc:Choice>
-          <mc:Fallback>
+          <mc:Fallback xmlns="">
             <p:sp>
               <p:nvSpPr>
                 <p:cNvPr id="100" name="CaixaDeTexto 99">
@@ -19498,8 +19649,8 @@
             </a:fontRef>
           </p:style>
         </p:cxnSp>
-        <mc:AlternateContent xmlns:mc="http://schemas.openxmlformats.org/markup-compatibility/2006">
-          <mc:Choice xmlns:a14="http://schemas.microsoft.com/office/drawing/2010/main" Requires="a14">
+        <mc:AlternateContent xmlns:mc="http://schemas.openxmlformats.org/markup-compatibility/2006" xmlns:a14="http://schemas.microsoft.com/office/drawing/2010/main">
+          <mc:Choice Requires="a14">
             <p:sp>
               <p:nvSpPr>
                 <p:cNvPr id="115" name="CaixaDeTexto 114">
@@ -19580,7 +19731,7 @@
               </p:txBody>
             </p:sp>
           </mc:Choice>
-          <mc:Fallback>
+          <mc:Fallback xmlns="">
             <p:sp>
               <p:nvSpPr>
                 <p:cNvPr id="115" name="CaixaDeTexto 114">
@@ -19625,8 +19776,8 @@
             </p:sp>
           </mc:Fallback>
         </mc:AlternateContent>
-        <mc:AlternateContent xmlns:mc="http://schemas.openxmlformats.org/markup-compatibility/2006">
-          <mc:Choice xmlns:a14="http://schemas.microsoft.com/office/drawing/2010/main" Requires="a14">
+        <mc:AlternateContent xmlns:mc="http://schemas.openxmlformats.org/markup-compatibility/2006" xmlns:a14="http://schemas.microsoft.com/office/drawing/2010/main">
+          <mc:Choice Requires="a14">
             <p:sp>
               <p:nvSpPr>
                 <p:cNvPr id="116" name="CaixaDeTexto 115">
@@ -19677,7 +19828,7 @@
               </p:txBody>
             </p:sp>
           </mc:Choice>
-          <mc:Fallback>
+          <mc:Fallback xmlns="">
             <p:sp>
               <p:nvSpPr>
                 <p:cNvPr id="116" name="CaixaDeTexto 115">
@@ -20189,8 +20340,8 @@
             </a:fontRef>
           </p:style>
         </p:cxnSp>
-        <mc:AlternateContent xmlns:mc="http://schemas.openxmlformats.org/markup-compatibility/2006">
-          <mc:Choice xmlns:a14="http://schemas.microsoft.com/office/drawing/2010/main" Requires="a14">
+        <mc:AlternateContent xmlns:mc="http://schemas.openxmlformats.org/markup-compatibility/2006" xmlns:a14="http://schemas.microsoft.com/office/drawing/2010/main">
+          <mc:Choice Requires="a14">
             <p:sp>
               <p:nvSpPr>
                 <p:cNvPr id="133" name="CaixaDeTexto 132">
@@ -20271,7 +20422,7 @@
               </p:txBody>
             </p:sp>
           </mc:Choice>
-          <mc:Fallback>
+          <mc:Fallback xmlns="">
             <p:sp>
               <p:nvSpPr>
                 <p:cNvPr id="133" name="CaixaDeTexto 132">
@@ -21363,7 +21514,7 @@
               <a:t>Antes de falarmos sobre a divisão do conjunto total de dados, vamos falar rapidamente sobre dois problemas comuns que modelos de ML podem apresentar, o </a:t>
             </a:r>
             <a:r>
-              <a:rPr lang="pt-BR" b="1" i="1" dirty="0">
+              <a:rPr lang="pt-BR" b="1" i="1" dirty="0" err="1">
                 <a:solidFill>
                   <a:srgbClr val="FF0000"/>
                 </a:solidFill>
@@ -21464,9 +21615,10 @@
           <a:p>
             <a:pPr algn="ctr"/>
             <a:r>
-              <a:rPr lang="pt-BR" b="1" dirty="0"/>
+              <a:rPr lang="pt-BR" b="1" dirty="0" err="1"/>
               <a:t>subajuste</a:t>
             </a:r>
+            <a:endParaRPr lang="pt-BR" b="1" dirty="0"/>
           </a:p>
         </p:txBody>
       </p:sp>

--- a/slides/TP557_10_Datasets.pptx
+++ b/slides/TP557_10_Datasets.pptx
@@ -2102,36 +2102,10 @@
           <a:p>
             <a:r>
               <a:rPr lang="pt-BR" dirty="0"/>
-              <a:t>https://colab.research.google.com/</a:t>
-            </a:r>
-            <a:r>
-              <a:rPr lang="pt-BR" dirty="0" err="1"/>
-              <a:t>github</a:t>
-            </a:r>
-            <a:r>
-              <a:rPr lang="pt-BR" dirty="0"/>
-              <a:t>/zz4fap/tp557-iot-ml/</a:t>
-            </a:r>
-            <a:r>
-              <a:rPr lang="pt-BR" dirty="0" err="1"/>
-              <a:t>blob</a:t>
-            </a:r>
-            <a:r>
-              <a:rPr lang="pt-BR" dirty="0"/>
-              <a:t>/master/</a:t>
-            </a:r>
-            <a:r>
-              <a:rPr lang="pt-BR" dirty="0" err="1"/>
-              <a:t>exercises</a:t>
-            </a:r>
-            <a:r>
-              <a:rPr lang="pt-BR" dirty="0"/>
-              <a:t>/</a:t>
-            </a:r>
-            <a:r>
-              <a:rPr lang="pt-BR" dirty="0" err="1"/>
-              <a:t>Exercício_detecção_de_peças_de_roupa.ipynb</a:t>
-            </a:r>
+              <a:t>https://colab.research.google.com/github/zz4fap/tp557-iot-ml/blob/master/exercises/Exercicio_datasets.ipynb</a:t>
+            </a:r>
+          </a:p>
+          <a:p>
             <a:endParaRPr lang="pt-BR" dirty="0"/>
           </a:p>
           <a:p>
@@ -11255,7 +11229,7 @@
         </p:spPr>
         <p:txBody>
           <a:bodyPr>
-            <a:normAutofit lnSpcReduction="10000"/>
+            <a:normAutofit/>
           </a:bodyPr>
           <a:lstStyle/>
           <a:p>
@@ -11265,13 +11239,7 @@
             </a:r>
             <a:r>
               <a:rPr lang="pt-BR" dirty="0"/>
-              <a:t>: </a:t>
-            </a:r>
-            <a:r>
-              <a:rPr lang="pt-BR" b="0" i="0" dirty="0">
-                <a:effectLst/>
-              </a:rPr>
-              <a:t>usado para ajustar os hiperparâmetros do modelo (e.g., número de camadas e de nós, otimizador, função de ativação, etc.).</a:t>
+              <a:t>: usado para avaliar o desempenho do modelo em dados inéditos e ajustar hiperparâmetros.</a:t>
             </a:r>
           </a:p>
           <a:p>
@@ -14716,7 +14684,12 @@
             <p:ph idx="1"/>
           </p:nvPr>
         </p:nvSpPr>
-        <p:spPr/>
+        <p:spPr>
+          <a:xfrm>
+            <a:off x="838200" y="1825625"/>
+            <a:ext cx="10849304" cy="4351338"/>
+          </a:xfrm>
+        </p:spPr>
         <p:txBody>
           <a:bodyPr/>
           <a:lstStyle/>
@@ -14741,7 +14714,17 @@
           <a:p>
             <a:r>
               <a:rPr lang="pt-BR" dirty="0"/>
-              <a:t>Exercício:</a:t>
+              <a:t>Exercício: </a:t>
+            </a:r>
+            <a:r>
+              <a:rPr lang="pt-BR" dirty="0">
+                <a:hlinkClick r:id="rId3"/>
+              </a:rPr>
+              <a:t>Analisando os resultados do treinamento de um modelo de ML</a:t>
+            </a:r>
+            <a:r>
+              <a:rPr lang="pt-BR" dirty="0"/>
+              <a:t>.</a:t>
             </a:r>
           </a:p>
         </p:txBody>
